--- a/manu/schematics-v2.pptx
+++ b/manu/schematics-v2.pptx
@@ -244,7 +244,7 @@
           <a:p>
             <a:fld id="{C1479234-584E-4873-8CD3-B53B1333C3D5}" type="datetimeFigureOut">
               <a:rPr lang="en-US" smtClean="0"/>
-              <a:t>3/12/2021</a:t>
+              <a:t>3/15/2021</a:t>
             </a:fld>
             <a:endParaRPr lang="en-US"/>
           </a:p>
@@ -414,7 +414,7 @@
           <a:p>
             <a:fld id="{C1479234-584E-4873-8CD3-B53B1333C3D5}" type="datetimeFigureOut">
               <a:rPr lang="en-US" smtClean="0"/>
-              <a:t>3/12/2021</a:t>
+              <a:t>3/15/2021</a:t>
             </a:fld>
             <a:endParaRPr lang="en-US"/>
           </a:p>
@@ -594,7 +594,7 @@
           <a:p>
             <a:fld id="{C1479234-584E-4873-8CD3-B53B1333C3D5}" type="datetimeFigureOut">
               <a:rPr lang="en-US" smtClean="0"/>
-              <a:t>3/12/2021</a:t>
+              <a:t>3/15/2021</a:t>
             </a:fld>
             <a:endParaRPr lang="en-US"/>
           </a:p>
@@ -764,7 +764,7 @@
           <a:p>
             <a:fld id="{C1479234-584E-4873-8CD3-B53B1333C3D5}" type="datetimeFigureOut">
               <a:rPr lang="en-US" smtClean="0"/>
-              <a:t>3/12/2021</a:t>
+              <a:t>3/15/2021</a:t>
             </a:fld>
             <a:endParaRPr lang="en-US"/>
           </a:p>
@@ -1008,7 +1008,7 @@
           <a:p>
             <a:fld id="{C1479234-584E-4873-8CD3-B53B1333C3D5}" type="datetimeFigureOut">
               <a:rPr lang="en-US" smtClean="0"/>
-              <a:t>3/12/2021</a:t>
+              <a:t>3/15/2021</a:t>
             </a:fld>
             <a:endParaRPr lang="en-US"/>
           </a:p>
@@ -1240,7 +1240,7 @@
           <a:p>
             <a:fld id="{C1479234-584E-4873-8CD3-B53B1333C3D5}" type="datetimeFigureOut">
               <a:rPr lang="en-US" smtClean="0"/>
-              <a:t>3/12/2021</a:t>
+              <a:t>3/15/2021</a:t>
             </a:fld>
             <a:endParaRPr lang="en-US"/>
           </a:p>
@@ -1607,7 +1607,7 @@
           <a:p>
             <a:fld id="{C1479234-584E-4873-8CD3-B53B1333C3D5}" type="datetimeFigureOut">
               <a:rPr lang="en-US" smtClean="0"/>
-              <a:t>3/12/2021</a:t>
+              <a:t>3/15/2021</a:t>
             </a:fld>
             <a:endParaRPr lang="en-US"/>
           </a:p>
@@ -1725,7 +1725,7 @@
           <a:p>
             <a:fld id="{C1479234-584E-4873-8CD3-B53B1333C3D5}" type="datetimeFigureOut">
               <a:rPr lang="en-US" smtClean="0"/>
-              <a:t>3/12/2021</a:t>
+              <a:t>3/15/2021</a:t>
             </a:fld>
             <a:endParaRPr lang="en-US"/>
           </a:p>
@@ -1820,7 +1820,7 @@
           <a:p>
             <a:fld id="{C1479234-584E-4873-8CD3-B53B1333C3D5}" type="datetimeFigureOut">
               <a:rPr lang="en-US" smtClean="0"/>
-              <a:t>3/12/2021</a:t>
+              <a:t>3/15/2021</a:t>
             </a:fld>
             <a:endParaRPr lang="en-US"/>
           </a:p>
@@ -2097,7 +2097,7 @@
           <a:p>
             <a:fld id="{C1479234-584E-4873-8CD3-B53B1333C3D5}" type="datetimeFigureOut">
               <a:rPr lang="en-US" smtClean="0"/>
-              <a:t>3/12/2021</a:t>
+              <a:t>3/15/2021</a:t>
             </a:fld>
             <a:endParaRPr lang="en-US"/>
           </a:p>
@@ -2354,7 +2354,7 @@
           <a:p>
             <a:fld id="{C1479234-584E-4873-8CD3-B53B1333C3D5}" type="datetimeFigureOut">
               <a:rPr lang="en-US" smtClean="0"/>
-              <a:t>3/12/2021</a:t>
+              <a:t>3/15/2021</a:t>
             </a:fld>
             <a:endParaRPr lang="en-US"/>
           </a:p>
@@ -2567,7 +2567,7 @@
           <a:p>
             <a:fld id="{C1479234-584E-4873-8CD3-B53B1333C3D5}" type="datetimeFigureOut">
               <a:rPr lang="en-US" smtClean="0"/>
-              <a:t>3/12/2021</a:t>
+              <a:t>3/15/2021</a:t>
             </a:fld>
             <a:endParaRPr lang="en-US"/>
           </a:p>
@@ -2987,7 +2987,7 @@
         <p:spPr>
           <a:xfrm>
             <a:off x="501049" y="525877"/>
-            <a:ext cx="5754969" cy="276999"/>
+            <a:ext cx="5754969" cy="461665"/>
           </a:xfrm>
           <a:prstGeom prst="rect">
             <a:avLst/>
@@ -3001,2112 +3001,2431 @@
           <a:lstStyle/>
           <a:p>
             <a:r>
+              <a:rPr lang="en-US" sz="1200" dirty="0" smtClean="0"/>
+              <a:t>Proposed causal diagram for cover crop effects on </a:t>
+            </a:r>
+            <a:r>
+              <a:rPr lang="en-US" sz="1200" dirty="0" smtClean="0"/>
+              <a:t>(</a:t>
+            </a:r>
+            <a:r>
               <a:rPr lang="en-US" sz="1200" dirty="0"/>
-              <a:t>How could cover crops affect (1) Soil water at saturation, (2) soil water at field capacity</a:t>
-            </a:r>
-          </a:p>
-        </p:txBody>
-      </p:sp>
-      <p:grpSp>
-        <p:nvGrpSpPr>
-          <p:cNvPr id="4" name="Group 3">
+              <a:t>1) </a:t>
+            </a:r>
+            <a:r>
+              <a:rPr lang="en-US" sz="1200" dirty="0" smtClean="0"/>
+              <a:t>soil structure, (2) soil </a:t>
+            </a:r>
+            <a:r>
+              <a:rPr lang="en-US" sz="1200" dirty="0"/>
+              <a:t>water at saturation, </a:t>
+            </a:r>
+            <a:r>
+              <a:rPr lang="en-US" sz="1200" dirty="0" smtClean="0"/>
+              <a:t>and (3) </a:t>
+            </a:r>
+            <a:r>
+              <a:rPr lang="en-US" sz="1200" dirty="0"/>
+              <a:t>soil water at field capacity</a:t>
+            </a:r>
+          </a:p>
+        </p:txBody>
+      </p:sp>
+      <p:cxnSp>
+        <p:nvCxnSpPr>
+          <p:cNvPr id="74" name="Straight Arrow Connector 73">
             <a:extLst>
               <a:ext uri="{FF2B5EF4-FFF2-40B4-BE49-F238E27FC236}">
-                <a16:creationId xmlns:a16="http://schemas.microsoft.com/office/drawing/2014/main" id="{E694652C-B346-42FD-9030-8F5E5FCFBAF0}"/>
+                <a16:creationId xmlns:a16="http://schemas.microsoft.com/office/drawing/2014/main" id="{A98B12DB-AA79-4E4E-A4CC-5871BB899770}"/>
               </a:ext>
             </a:extLst>
           </p:cNvPr>
-          <p:cNvGrpSpPr/>
+          <p:cNvCxnSpPr>
+            <a:cxnSpLocks/>
+          </p:cNvCxnSpPr>
           <p:nvPr/>
-        </p:nvGrpSpPr>
-        <p:grpSpPr>
-          <a:xfrm>
-            <a:off x="733186" y="1358867"/>
-            <a:ext cx="4257847" cy="5666865"/>
-            <a:chOff x="733186" y="1358867"/>
-            <a:chExt cx="4257847" cy="5666865"/>
-          </a:xfrm>
-        </p:grpSpPr>
-        <p:cxnSp>
-          <p:nvCxnSpPr>
-            <p:cNvPr id="74" name="Straight Arrow Connector 73">
-              <a:extLst>
-                <a:ext uri="{FF2B5EF4-FFF2-40B4-BE49-F238E27FC236}">
-                  <a16:creationId xmlns:a16="http://schemas.microsoft.com/office/drawing/2014/main" id="{A98B12DB-AA79-4E4E-A4CC-5871BB899770}"/>
-                </a:ext>
-              </a:extLst>
-            </p:cNvPr>
-            <p:cNvCxnSpPr>
-              <a:cxnSpLocks/>
-            </p:cNvCxnSpPr>
-            <p:nvPr/>
-          </p:nvCxnSpPr>
-          <p:spPr>
-            <a:xfrm>
-              <a:off x="2027647" y="2415652"/>
-              <a:ext cx="1" cy="523281"/>
-            </a:xfrm>
-            <a:prstGeom prst="straightConnector1">
-              <a:avLst/>
-            </a:prstGeom>
-            <a:ln w="9525">
-              <a:solidFill>
-                <a:schemeClr val="tx1"/>
-              </a:solidFill>
-              <a:tailEnd type="triangle"/>
-            </a:ln>
-          </p:spPr>
-          <p:style>
-            <a:lnRef idx="1">
-              <a:schemeClr val="accent1"/>
-            </a:lnRef>
-            <a:fillRef idx="0">
-              <a:schemeClr val="accent1"/>
-            </a:fillRef>
-            <a:effectRef idx="0">
-              <a:schemeClr val="accent1"/>
-            </a:effectRef>
-            <a:fontRef idx="minor">
+        </p:nvCxnSpPr>
+        <p:spPr>
+          <a:xfrm>
+            <a:off x="2027647" y="2415652"/>
+            <a:ext cx="1" cy="523281"/>
+          </a:xfrm>
+          <a:prstGeom prst="straightConnector1">
+            <a:avLst/>
+          </a:prstGeom>
+          <a:ln w="9525">
+            <a:solidFill>
               <a:schemeClr val="tx1"/>
-            </a:fontRef>
-          </p:style>
-        </p:cxnSp>
-        <p:cxnSp>
-          <p:nvCxnSpPr>
-            <p:cNvPr id="167" name="Straight Arrow Connector 166">
-              <a:extLst>
-                <a:ext uri="{FF2B5EF4-FFF2-40B4-BE49-F238E27FC236}">
-                  <a16:creationId xmlns:a16="http://schemas.microsoft.com/office/drawing/2014/main" id="{29FB6EED-A2B4-4F11-B512-964E0FD4FA5E}"/>
-                </a:ext>
-              </a:extLst>
-            </p:cNvPr>
-            <p:cNvCxnSpPr>
-              <a:cxnSpLocks/>
-            </p:cNvCxnSpPr>
-            <p:nvPr/>
-          </p:nvCxnSpPr>
-          <p:spPr>
-            <a:xfrm>
-              <a:off x="1107145" y="3705724"/>
-              <a:ext cx="1265263" cy="0"/>
-            </a:xfrm>
-            <a:prstGeom prst="straightConnector1">
-              <a:avLst/>
-            </a:prstGeom>
-            <a:ln w="9525">
-              <a:solidFill>
-                <a:schemeClr val="tx1"/>
-              </a:solidFill>
-              <a:tailEnd type="triangle"/>
-            </a:ln>
-          </p:spPr>
-          <p:style>
-            <a:lnRef idx="1">
-              <a:schemeClr val="accent1"/>
-            </a:lnRef>
-            <a:fillRef idx="0">
-              <a:schemeClr val="accent1"/>
-            </a:fillRef>
-            <a:effectRef idx="0">
-              <a:schemeClr val="accent1"/>
-            </a:effectRef>
-            <a:fontRef idx="minor">
+            </a:solidFill>
+            <a:tailEnd type="triangle"/>
+          </a:ln>
+        </p:spPr>
+        <p:style>
+          <a:lnRef idx="1">
+            <a:schemeClr val="accent1"/>
+          </a:lnRef>
+          <a:fillRef idx="0">
+            <a:schemeClr val="accent1"/>
+          </a:fillRef>
+          <a:effectRef idx="0">
+            <a:schemeClr val="accent1"/>
+          </a:effectRef>
+          <a:fontRef idx="minor">
+            <a:schemeClr val="tx1"/>
+          </a:fontRef>
+        </p:style>
+      </p:cxnSp>
+      <p:cxnSp>
+        <p:nvCxnSpPr>
+          <p:cNvPr id="167" name="Straight Arrow Connector 166">
+            <a:extLst>
+              <a:ext uri="{FF2B5EF4-FFF2-40B4-BE49-F238E27FC236}">
+                <a16:creationId xmlns:a16="http://schemas.microsoft.com/office/drawing/2014/main" id="{29FB6EED-A2B4-4F11-B512-964E0FD4FA5E}"/>
+              </a:ext>
+            </a:extLst>
+          </p:cNvPr>
+          <p:cNvCxnSpPr>
+            <a:cxnSpLocks/>
+          </p:cNvCxnSpPr>
+          <p:nvPr/>
+        </p:nvCxnSpPr>
+        <p:spPr>
+          <a:xfrm>
+            <a:off x="1107145" y="3705724"/>
+            <a:ext cx="1265263" cy="0"/>
+          </a:xfrm>
+          <a:prstGeom prst="straightConnector1">
+            <a:avLst/>
+          </a:prstGeom>
+          <a:ln w="9525">
+            <a:solidFill>
               <a:schemeClr val="tx1"/>
-            </a:fontRef>
-          </p:style>
-        </p:cxnSp>
-        <p:cxnSp>
-          <p:nvCxnSpPr>
-            <p:cNvPr id="57" name="Straight Arrow Connector 56">
-              <a:extLst>
-                <a:ext uri="{FF2B5EF4-FFF2-40B4-BE49-F238E27FC236}">
-                  <a16:creationId xmlns:a16="http://schemas.microsoft.com/office/drawing/2014/main" id="{31BA66BD-48A8-4DD6-B57A-134D8438CFE3}"/>
-                </a:ext>
-              </a:extLst>
-            </p:cNvPr>
-            <p:cNvCxnSpPr>
-              <a:cxnSpLocks/>
-            </p:cNvCxnSpPr>
-            <p:nvPr/>
-          </p:nvCxnSpPr>
-          <p:spPr>
-            <a:xfrm>
-              <a:off x="1087787" y="2250106"/>
-              <a:ext cx="1" cy="696487"/>
-            </a:xfrm>
-            <a:prstGeom prst="straightConnector1">
-              <a:avLst/>
-            </a:prstGeom>
-            <a:ln w="9525">
-              <a:solidFill>
-                <a:schemeClr val="tx1"/>
-              </a:solidFill>
-              <a:tailEnd type="triangle"/>
-            </a:ln>
-          </p:spPr>
-          <p:style>
-            <a:lnRef idx="1">
-              <a:schemeClr val="accent1"/>
-            </a:lnRef>
-            <a:fillRef idx="0">
-              <a:schemeClr val="accent1"/>
-            </a:fillRef>
-            <a:effectRef idx="0">
-              <a:schemeClr val="accent1"/>
-            </a:effectRef>
-            <a:fontRef idx="minor">
+            </a:solidFill>
+            <a:tailEnd type="triangle"/>
+          </a:ln>
+        </p:spPr>
+        <p:style>
+          <a:lnRef idx="1">
+            <a:schemeClr val="accent1"/>
+          </a:lnRef>
+          <a:fillRef idx="0">
+            <a:schemeClr val="accent1"/>
+          </a:fillRef>
+          <a:effectRef idx="0">
+            <a:schemeClr val="accent1"/>
+          </a:effectRef>
+          <a:fontRef idx="minor">
+            <a:schemeClr val="tx1"/>
+          </a:fontRef>
+        </p:style>
+      </p:cxnSp>
+      <p:cxnSp>
+        <p:nvCxnSpPr>
+          <p:cNvPr id="57" name="Straight Arrow Connector 56">
+            <a:extLst>
+              <a:ext uri="{FF2B5EF4-FFF2-40B4-BE49-F238E27FC236}">
+                <a16:creationId xmlns:a16="http://schemas.microsoft.com/office/drawing/2014/main" id="{31BA66BD-48A8-4DD6-B57A-134D8438CFE3}"/>
+              </a:ext>
+            </a:extLst>
+          </p:cNvPr>
+          <p:cNvCxnSpPr>
+            <a:cxnSpLocks/>
+          </p:cNvCxnSpPr>
+          <p:nvPr/>
+        </p:nvCxnSpPr>
+        <p:spPr>
+          <a:xfrm>
+            <a:off x="1087787" y="2250106"/>
+            <a:ext cx="1" cy="696487"/>
+          </a:xfrm>
+          <a:prstGeom prst="straightConnector1">
+            <a:avLst/>
+          </a:prstGeom>
+          <a:ln w="9525">
+            <a:solidFill>
               <a:schemeClr val="tx1"/>
-            </a:fontRef>
-          </p:style>
-        </p:cxnSp>
-        <p:cxnSp>
-          <p:nvCxnSpPr>
-            <p:cNvPr id="59" name="Straight Arrow Connector 58">
-              <a:extLst>
-                <a:ext uri="{FF2B5EF4-FFF2-40B4-BE49-F238E27FC236}">
-                  <a16:creationId xmlns:a16="http://schemas.microsoft.com/office/drawing/2014/main" id="{04E70E58-42AC-4675-B455-935EC2D04F90}"/>
-                </a:ext>
-              </a:extLst>
-            </p:cNvPr>
-            <p:cNvCxnSpPr>
-              <a:cxnSpLocks/>
-            </p:cNvCxnSpPr>
-            <p:nvPr/>
-          </p:nvCxnSpPr>
-          <p:spPr>
-            <a:xfrm flipV="1">
-              <a:off x="3429364" y="2250155"/>
-              <a:ext cx="646511" cy="2062"/>
-            </a:xfrm>
-            <a:prstGeom prst="straightConnector1">
-              <a:avLst/>
-            </a:prstGeom>
-            <a:ln w="9525">
-              <a:solidFill>
-                <a:schemeClr val="tx1"/>
-              </a:solidFill>
-              <a:tailEnd type="triangle"/>
-            </a:ln>
-          </p:spPr>
-          <p:style>
-            <a:lnRef idx="1">
-              <a:schemeClr val="accent1"/>
-            </a:lnRef>
-            <a:fillRef idx="0">
-              <a:schemeClr val="accent1"/>
-            </a:fillRef>
-            <a:effectRef idx="0">
-              <a:schemeClr val="accent1"/>
-            </a:effectRef>
-            <a:fontRef idx="minor">
+            </a:solidFill>
+            <a:tailEnd type="triangle"/>
+          </a:ln>
+        </p:spPr>
+        <p:style>
+          <a:lnRef idx="1">
+            <a:schemeClr val="accent1"/>
+          </a:lnRef>
+          <a:fillRef idx="0">
+            <a:schemeClr val="accent1"/>
+          </a:fillRef>
+          <a:effectRef idx="0">
+            <a:schemeClr val="accent1"/>
+          </a:effectRef>
+          <a:fontRef idx="minor">
+            <a:schemeClr val="tx1"/>
+          </a:fontRef>
+        </p:style>
+      </p:cxnSp>
+      <p:cxnSp>
+        <p:nvCxnSpPr>
+          <p:cNvPr id="59" name="Straight Arrow Connector 58">
+            <a:extLst>
+              <a:ext uri="{FF2B5EF4-FFF2-40B4-BE49-F238E27FC236}">
+                <a16:creationId xmlns:a16="http://schemas.microsoft.com/office/drawing/2014/main" id="{04E70E58-42AC-4675-B455-935EC2D04F90}"/>
+              </a:ext>
+            </a:extLst>
+          </p:cNvPr>
+          <p:cNvCxnSpPr>
+            <a:cxnSpLocks/>
+          </p:cNvCxnSpPr>
+          <p:nvPr/>
+        </p:nvCxnSpPr>
+        <p:spPr>
+          <a:xfrm flipV="1">
+            <a:off x="3429364" y="2250155"/>
+            <a:ext cx="646511" cy="2062"/>
+          </a:xfrm>
+          <a:prstGeom prst="straightConnector1">
+            <a:avLst/>
+          </a:prstGeom>
+          <a:ln w="9525">
+            <a:solidFill>
               <a:schemeClr val="tx1"/>
-            </a:fontRef>
-          </p:style>
-        </p:cxnSp>
-        <p:cxnSp>
-          <p:nvCxnSpPr>
-            <p:cNvPr id="90" name="Straight Arrow Connector 89">
-              <a:extLst>
-                <a:ext uri="{FF2B5EF4-FFF2-40B4-BE49-F238E27FC236}">
-                  <a16:creationId xmlns:a16="http://schemas.microsoft.com/office/drawing/2014/main" id="{BB890F74-A463-4C40-A27B-35FB56527423}"/>
-                </a:ext>
-              </a:extLst>
-            </p:cNvPr>
-            <p:cNvCxnSpPr>
-              <a:cxnSpLocks/>
-            </p:cNvCxnSpPr>
-            <p:nvPr/>
-          </p:nvCxnSpPr>
-          <p:spPr>
-            <a:xfrm>
-              <a:off x="2037415" y="1494474"/>
-              <a:ext cx="1" cy="484673"/>
-            </a:xfrm>
-            <a:prstGeom prst="straightConnector1">
-              <a:avLst/>
-            </a:prstGeom>
-            <a:ln w="57150">
-              <a:solidFill>
-                <a:schemeClr val="tx1"/>
-              </a:solidFill>
-              <a:tailEnd type="triangle"/>
-            </a:ln>
-          </p:spPr>
-          <p:style>
-            <a:lnRef idx="1">
-              <a:schemeClr val="accent1"/>
-            </a:lnRef>
-            <a:fillRef idx="0">
-              <a:schemeClr val="accent1"/>
-            </a:fillRef>
-            <a:effectRef idx="0">
-              <a:schemeClr val="accent1"/>
-            </a:effectRef>
-            <a:fontRef idx="minor">
+            </a:solidFill>
+            <a:tailEnd type="triangle"/>
+          </a:ln>
+        </p:spPr>
+        <p:style>
+          <a:lnRef idx="1">
+            <a:schemeClr val="accent1"/>
+          </a:lnRef>
+          <a:fillRef idx="0">
+            <a:schemeClr val="accent1"/>
+          </a:fillRef>
+          <a:effectRef idx="0">
+            <a:schemeClr val="accent1"/>
+          </a:effectRef>
+          <a:fontRef idx="minor">
+            <a:schemeClr val="tx1"/>
+          </a:fontRef>
+        </p:style>
+      </p:cxnSp>
+      <p:cxnSp>
+        <p:nvCxnSpPr>
+          <p:cNvPr id="90" name="Straight Arrow Connector 89">
+            <a:extLst>
+              <a:ext uri="{FF2B5EF4-FFF2-40B4-BE49-F238E27FC236}">
+                <a16:creationId xmlns:a16="http://schemas.microsoft.com/office/drawing/2014/main" id="{BB890F74-A463-4C40-A27B-35FB56527423}"/>
+              </a:ext>
+            </a:extLst>
+          </p:cNvPr>
+          <p:cNvCxnSpPr>
+            <a:cxnSpLocks/>
+          </p:cNvCxnSpPr>
+          <p:nvPr/>
+        </p:nvCxnSpPr>
+        <p:spPr>
+          <a:xfrm>
+            <a:off x="2037415" y="1494474"/>
+            <a:ext cx="1" cy="484673"/>
+          </a:xfrm>
+          <a:prstGeom prst="straightConnector1">
+            <a:avLst/>
+          </a:prstGeom>
+          <a:ln w="57150">
+            <a:solidFill>
               <a:schemeClr val="tx1"/>
-            </a:fontRef>
-          </p:style>
-        </p:cxnSp>
-        <p:cxnSp>
-          <p:nvCxnSpPr>
-            <p:cNvPr id="91" name="Straight Arrow Connector 90">
-              <a:extLst>
-                <a:ext uri="{FF2B5EF4-FFF2-40B4-BE49-F238E27FC236}">
-                  <a16:creationId xmlns:a16="http://schemas.microsoft.com/office/drawing/2014/main" id="{7E40E1B6-6876-41B9-90D2-E708A7BFB424}"/>
-                </a:ext>
-              </a:extLst>
-            </p:cNvPr>
-            <p:cNvCxnSpPr>
-              <a:cxnSpLocks/>
-            </p:cNvCxnSpPr>
-            <p:nvPr/>
-          </p:nvCxnSpPr>
-          <p:spPr>
-            <a:xfrm>
-              <a:off x="3230175" y="1527232"/>
-              <a:ext cx="0" cy="460346"/>
-            </a:xfrm>
-            <a:prstGeom prst="straightConnector1">
-              <a:avLst/>
-            </a:prstGeom>
-            <a:ln w="57150">
-              <a:solidFill>
-                <a:schemeClr val="tx1"/>
-              </a:solidFill>
-              <a:tailEnd type="triangle"/>
-            </a:ln>
-          </p:spPr>
-          <p:style>
-            <a:lnRef idx="1">
-              <a:schemeClr val="accent1"/>
-            </a:lnRef>
-            <a:fillRef idx="0">
-              <a:schemeClr val="accent1"/>
-            </a:fillRef>
-            <a:effectRef idx="0">
-              <a:schemeClr val="accent1"/>
-            </a:effectRef>
-            <a:fontRef idx="minor">
+            </a:solidFill>
+            <a:tailEnd type="triangle"/>
+          </a:ln>
+        </p:spPr>
+        <p:style>
+          <a:lnRef idx="1">
+            <a:schemeClr val="accent1"/>
+          </a:lnRef>
+          <a:fillRef idx="0">
+            <a:schemeClr val="accent1"/>
+          </a:fillRef>
+          <a:effectRef idx="0">
+            <a:schemeClr val="accent1"/>
+          </a:effectRef>
+          <a:fontRef idx="minor">
+            <a:schemeClr val="tx1"/>
+          </a:fontRef>
+        </p:style>
+      </p:cxnSp>
+      <p:cxnSp>
+        <p:nvCxnSpPr>
+          <p:cNvPr id="91" name="Straight Arrow Connector 90">
+            <a:extLst>
+              <a:ext uri="{FF2B5EF4-FFF2-40B4-BE49-F238E27FC236}">
+                <a16:creationId xmlns:a16="http://schemas.microsoft.com/office/drawing/2014/main" id="{7E40E1B6-6876-41B9-90D2-E708A7BFB424}"/>
+              </a:ext>
+            </a:extLst>
+          </p:cNvPr>
+          <p:cNvCxnSpPr>
+            <a:cxnSpLocks/>
+          </p:cNvCxnSpPr>
+          <p:nvPr/>
+        </p:nvCxnSpPr>
+        <p:spPr>
+          <a:xfrm>
+            <a:off x="3230175" y="1527232"/>
+            <a:ext cx="0" cy="460346"/>
+          </a:xfrm>
+          <a:prstGeom prst="straightConnector1">
+            <a:avLst/>
+          </a:prstGeom>
+          <a:ln w="57150">
+            <a:solidFill>
               <a:schemeClr val="tx1"/>
-            </a:fontRef>
-          </p:style>
-        </p:cxnSp>
-        <p:cxnSp>
-          <p:nvCxnSpPr>
-            <p:cNvPr id="71" name="Straight Arrow Connector 70">
-              <a:extLst>
-                <a:ext uri="{FF2B5EF4-FFF2-40B4-BE49-F238E27FC236}">
-                  <a16:creationId xmlns:a16="http://schemas.microsoft.com/office/drawing/2014/main" id="{DFD09234-A006-4654-8ABC-244EFB2761F0}"/>
-                </a:ext>
-              </a:extLst>
-            </p:cNvPr>
-            <p:cNvCxnSpPr>
-              <a:cxnSpLocks/>
-            </p:cNvCxnSpPr>
-            <p:nvPr/>
-          </p:nvCxnSpPr>
-          <p:spPr>
-            <a:xfrm>
-              <a:off x="4447738" y="1536374"/>
-              <a:ext cx="0" cy="460346"/>
-            </a:xfrm>
-            <a:prstGeom prst="straightConnector1">
-              <a:avLst/>
-            </a:prstGeom>
-            <a:ln w="57150">
-              <a:solidFill>
-                <a:schemeClr val="tx1"/>
-              </a:solidFill>
-              <a:tailEnd type="triangle"/>
-            </a:ln>
-          </p:spPr>
-          <p:style>
-            <a:lnRef idx="1">
-              <a:schemeClr val="accent1"/>
-            </a:lnRef>
-            <a:fillRef idx="0">
-              <a:schemeClr val="accent1"/>
-            </a:fillRef>
-            <a:effectRef idx="0">
-              <a:schemeClr val="accent1"/>
-            </a:effectRef>
-            <a:fontRef idx="minor">
+            </a:solidFill>
+            <a:tailEnd type="triangle"/>
+          </a:ln>
+        </p:spPr>
+        <p:style>
+          <a:lnRef idx="1">
+            <a:schemeClr val="accent1"/>
+          </a:lnRef>
+          <a:fillRef idx="0">
+            <a:schemeClr val="accent1"/>
+          </a:fillRef>
+          <a:effectRef idx="0">
+            <a:schemeClr val="accent1"/>
+          </a:effectRef>
+          <a:fontRef idx="minor">
+            <a:schemeClr val="tx1"/>
+          </a:fontRef>
+        </p:style>
+      </p:cxnSp>
+      <p:cxnSp>
+        <p:nvCxnSpPr>
+          <p:cNvPr id="71" name="Straight Arrow Connector 70">
+            <a:extLst>
+              <a:ext uri="{FF2B5EF4-FFF2-40B4-BE49-F238E27FC236}">
+                <a16:creationId xmlns:a16="http://schemas.microsoft.com/office/drawing/2014/main" id="{DFD09234-A006-4654-8ABC-244EFB2761F0}"/>
+              </a:ext>
+            </a:extLst>
+          </p:cNvPr>
+          <p:cNvCxnSpPr>
+            <a:cxnSpLocks/>
+          </p:cNvCxnSpPr>
+          <p:nvPr/>
+        </p:nvCxnSpPr>
+        <p:spPr>
+          <a:xfrm>
+            <a:off x="4447738" y="1536374"/>
+            <a:ext cx="0" cy="460346"/>
+          </a:xfrm>
+          <a:prstGeom prst="straightConnector1">
+            <a:avLst/>
+          </a:prstGeom>
+          <a:ln w="57150">
+            <a:solidFill>
               <a:schemeClr val="tx1"/>
-            </a:fontRef>
-          </p:style>
-        </p:cxnSp>
-        <p:cxnSp>
-          <p:nvCxnSpPr>
-            <p:cNvPr id="78" name="Straight Arrow Connector 77">
-              <a:extLst>
-                <a:ext uri="{FF2B5EF4-FFF2-40B4-BE49-F238E27FC236}">
-                  <a16:creationId xmlns:a16="http://schemas.microsoft.com/office/drawing/2014/main" id="{BB5C003F-F11F-492B-B684-8A478E3C3DDB}"/>
-                </a:ext>
-              </a:extLst>
-            </p:cNvPr>
-            <p:cNvCxnSpPr>
-              <a:cxnSpLocks/>
-            </p:cNvCxnSpPr>
-            <p:nvPr/>
-          </p:nvCxnSpPr>
-          <p:spPr>
-            <a:xfrm>
-              <a:off x="1080462" y="4194435"/>
-              <a:ext cx="231741" cy="0"/>
-            </a:xfrm>
-            <a:prstGeom prst="straightConnector1">
-              <a:avLst/>
-            </a:prstGeom>
-            <a:ln w="9525">
-              <a:solidFill>
-                <a:schemeClr val="tx1"/>
-              </a:solidFill>
-              <a:tailEnd type="triangle"/>
-            </a:ln>
-          </p:spPr>
-          <p:style>
-            <a:lnRef idx="1">
-              <a:schemeClr val="accent1"/>
-            </a:lnRef>
-            <a:fillRef idx="0">
-              <a:schemeClr val="accent1"/>
-            </a:fillRef>
-            <a:effectRef idx="0">
-              <a:schemeClr val="accent1"/>
-            </a:effectRef>
-            <a:fontRef idx="minor">
+            </a:solidFill>
+            <a:tailEnd type="triangle"/>
+          </a:ln>
+        </p:spPr>
+        <p:style>
+          <a:lnRef idx="1">
+            <a:schemeClr val="accent1"/>
+          </a:lnRef>
+          <a:fillRef idx="0">
+            <a:schemeClr val="accent1"/>
+          </a:fillRef>
+          <a:effectRef idx="0">
+            <a:schemeClr val="accent1"/>
+          </a:effectRef>
+          <a:fontRef idx="minor">
+            <a:schemeClr val="tx1"/>
+          </a:fontRef>
+        </p:style>
+      </p:cxnSp>
+      <p:cxnSp>
+        <p:nvCxnSpPr>
+          <p:cNvPr id="78" name="Straight Arrow Connector 77">
+            <a:extLst>
+              <a:ext uri="{FF2B5EF4-FFF2-40B4-BE49-F238E27FC236}">
+                <a16:creationId xmlns:a16="http://schemas.microsoft.com/office/drawing/2014/main" id="{BB5C003F-F11F-492B-B684-8A478E3C3DDB}"/>
+              </a:ext>
+            </a:extLst>
+          </p:cNvPr>
+          <p:cNvCxnSpPr>
+            <a:cxnSpLocks/>
+          </p:cNvCxnSpPr>
+          <p:nvPr/>
+        </p:nvCxnSpPr>
+        <p:spPr>
+          <a:xfrm>
+            <a:off x="1080462" y="4194435"/>
+            <a:ext cx="231741" cy="0"/>
+          </a:xfrm>
+          <a:prstGeom prst="straightConnector1">
+            <a:avLst/>
+          </a:prstGeom>
+          <a:ln w="9525">
+            <a:solidFill>
               <a:schemeClr val="tx1"/>
-            </a:fontRef>
-          </p:style>
-        </p:cxnSp>
-        <p:sp>
-          <p:nvSpPr>
-            <p:cNvPr id="80" name="TextBox 79">
-              <a:extLst>
-                <a:ext uri="{FF2B5EF4-FFF2-40B4-BE49-F238E27FC236}">
-                  <a16:creationId xmlns:a16="http://schemas.microsoft.com/office/drawing/2014/main" id="{72EE2869-981E-46C6-AC7A-802D723EAF97}"/>
-                </a:ext>
-              </a:extLst>
-            </p:cNvPr>
-            <p:cNvSpPr txBox="1"/>
-            <p:nvPr/>
-          </p:nvSpPr>
-          <p:spPr>
-            <a:xfrm>
-              <a:off x="2308709" y="6471734"/>
-              <a:ext cx="779661" cy="553998"/>
-            </a:xfrm>
-            <a:prstGeom prst="rect">
-              <a:avLst/>
-            </a:prstGeom>
+            </a:solidFill>
+            <a:tailEnd type="triangle"/>
+          </a:ln>
+        </p:spPr>
+        <p:style>
+          <a:lnRef idx="1">
+            <a:schemeClr val="accent1"/>
+          </a:lnRef>
+          <a:fillRef idx="0">
+            <a:schemeClr val="accent1"/>
+          </a:fillRef>
+          <a:effectRef idx="0">
+            <a:schemeClr val="accent1"/>
+          </a:effectRef>
+          <a:fontRef idx="minor">
+            <a:schemeClr val="tx1"/>
+          </a:fontRef>
+        </p:style>
+      </p:cxnSp>
+      <p:sp>
+        <p:nvSpPr>
+          <p:cNvPr id="80" name="TextBox 79">
+            <a:extLst>
+              <a:ext uri="{FF2B5EF4-FFF2-40B4-BE49-F238E27FC236}">
+                <a16:creationId xmlns:a16="http://schemas.microsoft.com/office/drawing/2014/main" id="{72EE2869-981E-46C6-AC7A-802D723EAF97}"/>
+              </a:ext>
+            </a:extLst>
+          </p:cNvPr>
+          <p:cNvSpPr txBox="1"/>
+          <p:nvPr/>
+        </p:nvSpPr>
+        <p:spPr>
+          <a:xfrm>
+            <a:off x="2308709" y="6471734"/>
+            <a:ext cx="779661" cy="707886"/>
+          </a:xfrm>
+          <a:prstGeom prst="rect">
+            <a:avLst/>
+          </a:prstGeom>
+          <a:solidFill>
+            <a:schemeClr val="bg2"/>
+          </a:solidFill>
+          <a:ln w="9525">
             <a:solidFill>
-              <a:schemeClr val="bg2"/>
+              <a:schemeClr val="tx1"/>
             </a:solidFill>
-            <a:ln w="9525">
-              <a:solidFill>
-                <a:schemeClr val="tx1"/>
-              </a:solidFill>
-            </a:ln>
-          </p:spPr>
-          <p:txBody>
-            <a:bodyPr wrap="square" rtlCol="0">
-              <a:spAutoFit/>
-            </a:bodyPr>
-            <a:lstStyle/>
-            <a:p>
-              <a:pPr algn="ctr"/>
-              <a:r>
-                <a:rPr lang="en-US" sz="1000" dirty="0"/>
-                <a:t>Soil water at field capacity</a:t>
-              </a:r>
-            </a:p>
-          </p:txBody>
-        </p:sp>
-        <p:sp>
-          <p:nvSpPr>
-            <p:cNvPr id="88" name="TextBox 87">
-              <a:extLst>
-                <a:ext uri="{FF2B5EF4-FFF2-40B4-BE49-F238E27FC236}">
-                  <a16:creationId xmlns:a16="http://schemas.microsoft.com/office/drawing/2014/main" id="{A39D2850-50A4-44CE-90DE-AD3BCB951000}"/>
-                </a:ext>
-              </a:extLst>
-            </p:cNvPr>
-            <p:cNvSpPr txBox="1"/>
-            <p:nvPr/>
-          </p:nvSpPr>
-          <p:spPr>
-            <a:xfrm>
-              <a:off x="4169863" y="5804934"/>
-              <a:ext cx="769153" cy="400110"/>
-            </a:xfrm>
-            <a:prstGeom prst="rect">
-              <a:avLst/>
-            </a:prstGeom>
+          </a:ln>
+        </p:spPr>
+        <p:txBody>
+          <a:bodyPr wrap="square" rtlCol="0">
+            <a:spAutoFit/>
+          </a:bodyPr>
+          <a:lstStyle/>
+          <a:p>
+            <a:pPr algn="ctr"/>
+            <a:r>
+              <a:rPr lang="en-US" sz="1000" dirty="0" smtClean="0"/>
+              <a:t>(3) Soil </a:t>
+            </a:r>
+            <a:r>
+              <a:rPr lang="en-US" sz="1000" dirty="0"/>
+              <a:t>water at field capacity</a:t>
+            </a:r>
+          </a:p>
+        </p:txBody>
+      </p:sp>
+      <p:sp>
+        <p:nvSpPr>
+          <p:cNvPr id="88" name="TextBox 87">
+            <a:extLst>
+              <a:ext uri="{FF2B5EF4-FFF2-40B4-BE49-F238E27FC236}">
+                <a16:creationId xmlns:a16="http://schemas.microsoft.com/office/drawing/2014/main" id="{A39D2850-50A4-44CE-90DE-AD3BCB951000}"/>
+              </a:ext>
+            </a:extLst>
+          </p:cNvPr>
+          <p:cNvSpPr txBox="1"/>
+          <p:nvPr/>
+        </p:nvSpPr>
+        <p:spPr>
+          <a:xfrm>
+            <a:off x="4169863" y="5804934"/>
+            <a:ext cx="769153" cy="400110"/>
+          </a:xfrm>
+          <a:prstGeom prst="rect">
+            <a:avLst/>
+          </a:prstGeom>
+          <a:solidFill>
+            <a:schemeClr val="accent2"/>
+          </a:solidFill>
+          <a:ln w="9525">
             <a:solidFill>
-              <a:schemeClr val="accent2"/>
+              <a:schemeClr val="tx1"/>
             </a:solidFill>
-            <a:ln w="9525">
-              <a:solidFill>
-                <a:schemeClr val="tx1"/>
-              </a:solidFill>
-            </a:ln>
-          </p:spPr>
-          <p:txBody>
-            <a:bodyPr wrap="square" rtlCol="0">
-              <a:spAutoFit/>
-            </a:bodyPr>
-            <a:lstStyle/>
-            <a:p>
-              <a:pPr algn="ctr"/>
-              <a:r>
-                <a:rPr lang="en-US" sz="1000" dirty="0"/>
-                <a:t>Soil air space</a:t>
-              </a:r>
-            </a:p>
-          </p:txBody>
-        </p:sp>
-        <p:cxnSp>
-          <p:nvCxnSpPr>
-            <p:cNvPr id="11" name="Straight Connector 10">
-              <a:extLst>
-                <a:ext uri="{FF2B5EF4-FFF2-40B4-BE49-F238E27FC236}">
-                  <a16:creationId xmlns:a16="http://schemas.microsoft.com/office/drawing/2014/main" id="{0712DFD0-8832-4922-BFE1-45B491651EC5}"/>
-                </a:ext>
-              </a:extLst>
-            </p:cNvPr>
-            <p:cNvCxnSpPr>
-              <a:cxnSpLocks/>
-            </p:cNvCxnSpPr>
-            <p:nvPr/>
-          </p:nvCxnSpPr>
-          <p:spPr>
-            <a:xfrm>
-              <a:off x="4022458" y="5203997"/>
-              <a:ext cx="0" cy="0"/>
-            </a:xfrm>
-            <a:prstGeom prst="line">
-              <a:avLst/>
-            </a:prstGeom>
-            <a:ln w="9525"/>
-          </p:spPr>
-          <p:style>
-            <a:lnRef idx="1">
-              <a:schemeClr val="accent1"/>
-            </a:lnRef>
-            <a:fillRef idx="0">
-              <a:schemeClr val="accent1"/>
-            </a:fillRef>
-            <a:effectRef idx="0">
-              <a:schemeClr val="accent1"/>
-            </a:effectRef>
-            <a:fontRef idx="minor">
+          </a:ln>
+        </p:spPr>
+        <p:txBody>
+          <a:bodyPr wrap="square" rtlCol="0">
+            <a:spAutoFit/>
+          </a:bodyPr>
+          <a:lstStyle/>
+          <a:p>
+            <a:pPr algn="ctr"/>
+            <a:r>
+              <a:rPr lang="en-US" sz="1000" dirty="0"/>
+              <a:t>Soil air space</a:t>
+            </a:r>
+          </a:p>
+        </p:txBody>
+      </p:sp>
+      <p:cxnSp>
+        <p:nvCxnSpPr>
+          <p:cNvPr id="11" name="Straight Connector 10">
+            <a:extLst>
+              <a:ext uri="{FF2B5EF4-FFF2-40B4-BE49-F238E27FC236}">
+                <a16:creationId xmlns:a16="http://schemas.microsoft.com/office/drawing/2014/main" id="{0712DFD0-8832-4922-BFE1-45B491651EC5}"/>
+              </a:ext>
+            </a:extLst>
+          </p:cNvPr>
+          <p:cNvCxnSpPr>
+            <a:cxnSpLocks/>
+          </p:cNvCxnSpPr>
+          <p:nvPr/>
+        </p:nvCxnSpPr>
+        <p:spPr>
+          <a:xfrm>
+            <a:off x="4022458" y="5203997"/>
+            <a:ext cx="0" cy="0"/>
+          </a:xfrm>
+          <a:prstGeom prst="line">
+            <a:avLst/>
+          </a:prstGeom>
+          <a:ln w="9525"/>
+        </p:spPr>
+        <p:style>
+          <a:lnRef idx="1">
+            <a:schemeClr val="accent1"/>
+          </a:lnRef>
+          <a:fillRef idx="0">
+            <a:schemeClr val="accent1"/>
+          </a:fillRef>
+          <a:effectRef idx="0">
+            <a:schemeClr val="accent1"/>
+          </a:effectRef>
+          <a:fontRef idx="minor">
+            <a:schemeClr val="tx1"/>
+          </a:fontRef>
+        </p:style>
+      </p:cxnSp>
+      <p:cxnSp>
+        <p:nvCxnSpPr>
+          <p:cNvPr id="98" name="Straight Arrow Connector 97">
+            <a:extLst>
+              <a:ext uri="{FF2B5EF4-FFF2-40B4-BE49-F238E27FC236}">
+                <a16:creationId xmlns:a16="http://schemas.microsoft.com/office/drawing/2014/main" id="{520CA070-C7C7-4D3F-97F9-4CF91EF220D6}"/>
+              </a:ext>
+            </a:extLst>
+          </p:cNvPr>
+          <p:cNvCxnSpPr>
+            <a:cxnSpLocks/>
+          </p:cNvCxnSpPr>
+          <p:nvPr/>
+        </p:nvCxnSpPr>
+        <p:spPr>
+          <a:xfrm flipH="1">
+            <a:off x="3331775" y="5170330"/>
+            <a:ext cx="2283" cy="299371"/>
+          </a:xfrm>
+          <a:prstGeom prst="straightConnector1">
+            <a:avLst/>
+          </a:prstGeom>
+          <a:ln w="9525">
+            <a:solidFill>
               <a:schemeClr val="tx1"/>
-            </a:fontRef>
-          </p:style>
-        </p:cxnSp>
-        <p:cxnSp>
-          <p:nvCxnSpPr>
-            <p:cNvPr id="98" name="Straight Arrow Connector 97">
-              <a:extLst>
-                <a:ext uri="{FF2B5EF4-FFF2-40B4-BE49-F238E27FC236}">
-                  <a16:creationId xmlns:a16="http://schemas.microsoft.com/office/drawing/2014/main" id="{520CA070-C7C7-4D3F-97F9-4CF91EF220D6}"/>
-                </a:ext>
-              </a:extLst>
-            </p:cNvPr>
-            <p:cNvCxnSpPr>
-              <a:cxnSpLocks/>
-            </p:cNvCxnSpPr>
-            <p:nvPr/>
-          </p:nvCxnSpPr>
-          <p:spPr>
-            <a:xfrm flipH="1">
-              <a:off x="3331775" y="5170330"/>
-              <a:ext cx="2283" cy="299371"/>
-            </a:xfrm>
-            <a:prstGeom prst="straightConnector1">
-              <a:avLst/>
-            </a:prstGeom>
-            <a:ln w="9525">
-              <a:solidFill>
-                <a:schemeClr val="tx1"/>
-              </a:solidFill>
-              <a:tailEnd type="triangle"/>
-            </a:ln>
-          </p:spPr>
-          <p:style>
-            <a:lnRef idx="1">
-              <a:schemeClr val="accent1"/>
-            </a:lnRef>
-            <a:fillRef idx="0">
-              <a:schemeClr val="accent1"/>
-            </a:fillRef>
-            <a:effectRef idx="0">
-              <a:schemeClr val="accent1"/>
-            </a:effectRef>
-            <a:fontRef idx="minor">
+            </a:solidFill>
+            <a:tailEnd type="triangle"/>
+          </a:ln>
+        </p:spPr>
+        <p:style>
+          <a:lnRef idx="1">
+            <a:schemeClr val="accent1"/>
+          </a:lnRef>
+          <a:fillRef idx="0">
+            <a:schemeClr val="accent1"/>
+          </a:fillRef>
+          <a:effectRef idx="0">
+            <a:schemeClr val="accent1"/>
+          </a:effectRef>
+          <a:fontRef idx="minor">
+            <a:schemeClr val="tx1"/>
+          </a:fontRef>
+        </p:style>
+      </p:cxnSp>
+      <p:cxnSp>
+        <p:nvCxnSpPr>
+          <p:cNvPr id="106" name="Straight Arrow Connector 105">
+            <a:extLst>
+              <a:ext uri="{FF2B5EF4-FFF2-40B4-BE49-F238E27FC236}">
+                <a16:creationId xmlns:a16="http://schemas.microsoft.com/office/drawing/2014/main" id="{8CAB5DDE-1F61-4056-BA35-2C7C17ABB411}"/>
+              </a:ext>
+            </a:extLst>
+          </p:cNvPr>
+          <p:cNvCxnSpPr>
+            <a:cxnSpLocks/>
+          </p:cNvCxnSpPr>
+          <p:nvPr/>
+        </p:nvCxnSpPr>
+        <p:spPr>
+          <a:xfrm>
+            <a:off x="1979211" y="4050461"/>
+            <a:ext cx="378140" cy="0"/>
+          </a:xfrm>
+          <a:prstGeom prst="straightConnector1">
+            <a:avLst/>
+          </a:prstGeom>
+          <a:ln w="9525">
+            <a:solidFill>
               <a:schemeClr val="tx1"/>
-            </a:fontRef>
-          </p:style>
-        </p:cxnSp>
-        <p:cxnSp>
-          <p:nvCxnSpPr>
-            <p:cNvPr id="106" name="Straight Arrow Connector 105">
-              <a:extLst>
-                <a:ext uri="{FF2B5EF4-FFF2-40B4-BE49-F238E27FC236}">
-                  <a16:creationId xmlns:a16="http://schemas.microsoft.com/office/drawing/2014/main" id="{8CAB5DDE-1F61-4056-BA35-2C7C17ABB411}"/>
-                </a:ext>
-              </a:extLst>
-            </p:cNvPr>
-            <p:cNvCxnSpPr>
-              <a:cxnSpLocks/>
-            </p:cNvCxnSpPr>
-            <p:nvPr/>
-          </p:nvCxnSpPr>
-          <p:spPr>
-            <a:xfrm>
-              <a:off x="1979211" y="4050461"/>
-              <a:ext cx="378140" cy="0"/>
-            </a:xfrm>
-            <a:prstGeom prst="straightConnector1">
-              <a:avLst/>
-            </a:prstGeom>
-            <a:ln w="9525">
-              <a:solidFill>
-                <a:schemeClr val="tx1"/>
-              </a:solidFill>
-              <a:tailEnd type="triangle"/>
-            </a:ln>
-          </p:spPr>
-          <p:style>
-            <a:lnRef idx="1">
-              <a:schemeClr val="accent1"/>
-            </a:lnRef>
-            <a:fillRef idx="0">
-              <a:schemeClr val="accent1"/>
-            </a:fillRef>
-            <a:effectRef idx="0">
-              <a:schemeClr val="accent1"/>
-            </a:effectRef>
-            <a:fontRef idx="minor">
+            </a:solidFill>
+            <a:tailEnd type="triangle"/>
+          </a:ln>
+        </p:spPr>
+        <p:style>
+          <a:lnRef idx="1">
+            <a:schemeClr val="accent1"/>
+          </a:lnRef>
+          <a:fillRef idx="0">
+            <a:schemeClr val="accent1"/>
+          </a:fillRef>
+          <a:effectRef idx="0">
+            <a:schemeClr val="accent1"/>
+          </a:effectRef>
+          <a:fontRef idx="minor">
+            <a:schemeClr val="tx1"/>
+          </a:fontRef>
+        </p:style>
+      </p:cxnSp>
+      <p:cxnSp>
+        <p:nvCxnSpPr>
+          <p:cNvPr id="110" name="Straight Arrow Connector 109">
+            <a:extLst>
+              <a:ext uri="{FF2B5EF4-FFF2-40B4-BE49-F238E27FC236}">
+                <a16:creationId xmlns:a16="http://schemas.microsoft.com/office/drawing/2014/main" id="{6A13596A-C939-4CBE-A6B5-C323C197012A}"/>
+              </a:ext>
+            </a:extLst>
+          </p:cNvPr>
+          <p:cNvCxnSpPr>
+            <a:cxnSpLocks/>
+          </p:cNvCxnSpPr>
+          <p:nvPr/>
+        </p:nvCxnSpPr>
+        <p:spPr>
+          <a:xfrm flipH="1">
+            <a:off x="4554440" y="5253183"/>
+            <a:ext cx="2283" cy="530354"/>
+          </a:xfrm>
+          <a:prstGeom prst="straightConnector1">
+            <a:avLst/>
+          </a:prstGeom>
+          <a:ln w="9525">
+            <a:solidFill>
               <a:schemeClr val="tx1"/>
-            </a:fontRef>
-          </p:style>
-        </p:cxnSp>
-        <p:cxnSp>
-          <p:nvCxnSpPr>
-            <p:cNvPr id="110" name="Straight Arrow Connector 109">
-              <a:extLst>
-                <a:ext uri="{FF2B5EF4-FFF2-40B4-BE49-F238E27FC236}">
-                  <a16:creationId xmlns:a16="http://schemas.microsoft.com/office/drawing/2014/main" id="{6A13596A-C939-4CBE-A6B5-C323C197012A}"/>
-                </a:ext>
-              </a:extLst>
-            </p:cNvPr>
-            <p:cNvCxnSpPr>
-              <a:cxnSpLocks/>
-            </p:cNvCxnSpPr>
-            <p:nvPr/>
-          </p:nvCxnSpPr>
-          <p:spPr>
-            <a:xfrm flipH="1">
-              <a:off x="4554440" y="5253183"/>
-              <a:ext cx="2283" cy="530354"/>
-            </a:xfrm>
-            <a:prstGeom prst="straightConnector1">
-              <a:avLst/>
-            </a:prstGeom>
-            <a:ln w="9525">
-              <a:solidFill>
-                <a:schemeClr val="tx1"/>
-              </a:solidFill>
-              <a:tailEnd type="triangle"/>
-            </a:ln>
-          </p:spPr>
-          <p:style>
-            <a:lnRef idx="1">
-              <a:schemeClr val="accent1"/>
-            </a:lnRef>
-            <a:fillRef idx="0">
-              <a:schemeClr val="accent1"/>
-            </a:fillRef>
-            <a:effectRef idx="0">
-              <a:schemeClr val="accent1"/>
-            </a:effectRef>
-            <a:fontRef idx="minor">
+            </a:solidFill>
+            <a:tailEnd type="triangle"/>
+          </a:ln>
+        </p:spPr>
+        <p:style>
+          <a:lnRef idx="1">
+            <a:schemeClr val="accent1"/>
+          </a:lnRef>
+          <a:fillRef idx="0">
+            <a:schemeClr val="accent1"/>
+          </a:fillRef>
+          <a:effectRef idx="0">
+            <a:schemeClr val="accent1"/>
+          </a:effectRef>
+          <a:fontRef idx="minor">
+            <a:schemeClr val="tx1"/>
+          </a:fontRef>
+        </p:style>
+      </p:cxnSp>
+      <p:cxnSp>
+        <p:nvCxnSpPr>
+          <p:cNvPr id="137" name="Straight Arrow Connector 136">
+            <a:extLst>
+              <a:ext uri="{FF2B5EF4-FFF2-40B4-BE49-F238E27FC236}">
+                <a16:creationId xmlns:a16="http://schemas.microsoft.com/office/drawing/2014/main" id="{0F6BD93F-2EFA-49FF-85C2-C755174ABBA9}"/>
+              </a:ext>
+            </a:extLst>
+          </p:cNvPr>
+          <p:cNvCxnSpPr>
+            <a:cxnSpLocks/>
+          </p:cNvCxnSpPr>
+          <p:nvPr/>
+        </p:nvCxnSpPr>
+        <p:spPr>
+          <a:xfrm>
+            <a:off x="2690483" y="3216170"/>
+            <a:ext cx="1" cy="393149"/>
+          </a:xfrm>
+          <a:prstGeom prst="straightConnector1">
+            <a:avLst/>
+          </a:prstGeom>
+          <a:ln w="9525">
+            <a:solidFill>
               <a:schemeClr val="tx1"/>
-            </a:fontRef>
-          </p:style>
-        </p:cxnSp>
-        <p:cxnSp>
-          <p:nvCxnSpPr>
-            <p:cNvPr id="137" name="Straight Arrow Connector 136">
-              <a:extLst>
-                <a:ext uri="{FF2B5EF4-FFF2-40B4-BE49-F238E27FC236}">
-                  <a16:creationId xmlns:a16="http://schemas.microsoft.com/office/drawing/2014/main" id="{0F6BD93F-2EFA-49FF-85C2-C755174ABBA9}"/>
-                </a:ext>
-              </a:extLst>
-            </p:cNvPr>
-            <p:cNvCxnSpPr>
-              <a:cxnSpLocks/>
-            </p:cNvCxnSpPr>
-            <p:nvPr/>
-          </p:nvCxnSpPr>
-          <p:spPr>
-            <a:xfrm>
-              <a:off x="2690483" y="3216170"/>
-              <a:ext cx="1" cy="393149"/>
-            </a:xfrm>
-            <a:prstGeom prst="straightConnector1">
-              <a:avLst/>
-            </a:prstGeom>
-            <a:ln w="9525">
-              <a:solidFill>
-                <a:schemeClr val="tx1"/>
-              </a:solidFill>
-              <a:tailEnd type="triangle"/>
-            </a:ln>
-          </p:spPr>
-          <p:style>
-            <a:lnRef idx="1">
-              <a:schemeClr val="accent1"/>
-            </a:lnRef>
-            <a:fillRef idx="0">
-              <a:schemeClr val="accent1"/>
-            </a:fillRef>
-            <a:effectRef idx="0">
-              <a:schemeClr val="accent1"/>
-            </a:effectRef>
-            <a:fontRef idx="minor">
+            </a:solidFill>
+            <a:tailEnd type="triangle"/>
+          </a:ln>
+        </p:spPr>
+        <p:style>
+          <a:lnRef idx="1">
+            <a:schemeClr val="accent1"/>
+          </a:lnRef>
+          <a:fillRef idx="0">
+            <a:schemeClr val="accent1"/>
+          </a:fillRef>
+          <a:effectRef idx="0">
+            <a:schemeClr val="accent1"/>
+          </a:effectRef>
+          <a:fontRef idx="minor">
+            <a:schemeClr val="tx1"/>
+          </a:fontRef>
+        </p:style>
+      </p:cxnSp>
+      <p:cxnSp>
+        <p:nvCxnSpPr>
+          <p:cNvPr id="139" name="Straight Arrow Connector 138">
+            <a:extLst>
+              <a:ext uri="{FF2B5EF4-FFF2-40B4-BE49-F238E27FC236}">
+                <a16:creationId xmlns:a16="http://schemas.microsoft.com/office/drawing/2014/main" id="{AB2DECDF-FA1B-4A8D-9B89-6F5D9907AB97}"/>
+              </a:ext>
+            </a:extLst>
+          </p:cNvPr>
+          <p:cNvCxnSpPr>
+            <a:cxnSpLocks/>
+          </p:cNvCxnSpPr>
+          <p:nvPr/>
+        </p:nvCxnSpPr>
+        <p:spPr>
+          <a:xfrm flipH="1">
+            <a:off x="4554439" y="6196981"/>
+            <a:ext cx="2283" cy="329308"/>
+          </a:xfrm>
+          <a:prstGeom prst="straightConnector1">
+            <a:avLst/>
+          </a:prstGeom>
+          <a:ln w="9525">
+            <a:solidFill>
               <a:schemeClr val="tx1"/>
-            </a:fontRef>
-          </p:style>
-        </p:cxnSp>
-        <p:cxnSp>
-          <p:nvCxnSpPr>
-            <p:cNvPr id="139" name="Straight Arrow Connector 138">
-              <a:extLst>
-                <a:ext uri="{FF2B5EF4-FFF2-40B4-BE49-F238E27FC236}">
-                  <a16:creationId xmlns:a16="http://schemas.microsoft.com/office/drawing/2014/main" id="{AB2DECDF-FA1B-4A8D-9B89-6F5D9907AB97}"/>
-                </a:ext>
-              </a:extLst>
-            </p:cNvPr>
-            <p:cNvCxnSpPr>
-              <a:cxnSpLocks/>
-            </p:cNvCxnSpPr>
-            <p:nvPr/>
-          </p:nvCxnSpPr>
-          <p:spPr>
-            <a:xfrm flipH="1">
-              <a:off x="4554439" y="6196981"/>
-              <a:ext cx="2283" cy="329308"/>
-            </a:xfrm>
-            <a:prstGeom prst="straightConnector1">
-              <a:avLst/>
-            </a:prstGeom>
-            <a:ln w="9525">
-              <a:solidFill>
-                <a:schemeClr val="tx1"/>
-              </a:solidFill>
-              <a:tailEnd type="triangle"/>
-            </a:ln>
-          </p:spPr>
-          <p:style>
-            <a:lnRef idx="1">
-              <a:schemeClr val="accent1"/>
-            </a:lnRef>
-            <a:fillRef idx="0">
-              <a:schemeClr val="accent1"/>
-            </a:fillRef>
-            <a:effectRef idx="0">
-              <a:schemeClr val="accent1"/>
-            </a:effectRef>
-            <a:fontRef idx="minor">
+            </a:solidFill>
+            <a:tailEnd type="triangle"/>
+          </a:ln>
+        </p:spPr>
+        <p:style>
+          <a:lnRef idx="1">
+            <a:schemeClr val="accent1"/>
+          </a:lnRef>
+          <a:fillRef idx="0">
+            <a:schemeClr val="accent1"/>
+          </a:fillRef>
+          <a:effectRef idx="0">
+            <a:schemeClr val="accent1"/>
+          </a:effectRef>
+          <a:fontRef idx="minor">
+            <a:schemeClr val="tx1"/>
+          </a:fontRef>
+        </p:style>
+      </p:cxnSp>
+      <p:cxnSp>
+        <p:nvCxnSpPr>
+          <p:cNvPr id="143" name="Straight Connector 142">
+            <a:extLst>
+              <a:ext uri="{FF2B5EF4-FFF2-40B4-BE49-F238E27FC236}">
+                <a16:creationId xmlns:a16="http://schemas.microsoft.com/office/drawing/2014/main" id="{6627E756-A242-4A41-8E25-A9CA05261A15}"/>
+              </a:ext>
+            </a:extLst>
+          </p:cNvPr>
+          <p:cNvCxnSpPr>
+            <a:cxnSpLocks/>
+          </p:cNvCxnSpPr>
+          <p:nvPr/>
+        </p:nvCxnSpPr>
+        <p:spPr>
+          <a:xfrm>
+            <a:off x="1089628" y="2251170"/>
+            <a:ext cx="649490" cy="0"/>
+          </a:xfrm>
+          <a:prstGeom prst="line">
+            <a:avLst/>
+          </a:prstGeom>
+          <a:ln w="9525">
+            <a:solidFill>
               <a:schemeClr val="tx1"/>
-            </a:fontRef>
-          </p:style>
-        </p:cxnSp>
-        <p:cxnSp>
-          <p:nvCxnSpPr>
-            <p:cNvPr id="143" name="Straight Connector 142">
-              <a:extLst>
-                <a:ext uri="{FF2B5EF4-FFF2-40B4-BE49-F238E27FC236}">
-                  <a16:creationId xmlns:a16="http://schemas.microsoft.com/office/drawing/2014/main" id="{6627E756-A242-4A41-8E25-A9CA05261A15}"/>
-                </a:ext>
-              </a:extLst>
-            </p:cNvPr>
-            <p:cNvCxnSpPr>
-              <a:cxnSpLocks/>
-            </p:cNvCxnSpPr>
-            <p:nvPr/>
-          </p:nvCxnSpPr>
-          <p:spPr>
-            <a:xfrm>
-              <a:off x="1089628" y="2251170"/>
-              <a:ext cx="649490" cy="0"/>
-            </a:xfrm>
-            <a:prstGeom prst="line">
-              <a:avLst/>
-            </a:prstGeom>
-            <a:ln w="9525">
-              <a:solidFill>
-                <a:schemeClr val="tx1"/>
-              </a:solidFill>
-            </a:ln>
-          </p:spPr>
-          <p:style>
-            <a:lnRef idx="1">
-              <a:schemeClr val="accent1"/>
-            </a:lnRef>
-            <a:fillRef idx="0">
-              <a:schemeClr val="accent1"/>
-            </a:fillRef>
-            <a:effectRef idx="0">
-              <a:schemeClr val="accent1"/>
-            </a:effectRef>
-            <a:fontRef idx="minor">
+            </a:solidFill>
+          </a:ln>
+        </p:spPr>
+        <p:style>
+          <a:lnRef idx="1">
+            <a:schemeClr val="accent1"/>
+          </a:lnRef>
+          <a:fillRef idx="0">
+            <a:schemeClr val="accent1"/>
+          </a:fillRef>
+          <a:effectRef idx="0">
+            <a:schemeClr val="accent1"/>
+          </a:effectRef>
+          <a:fontRef idx="minor">
+            <a:schemeClr val="tx1"/>
+          </a:fontRef>
+        </p:style>
+      </p:cxnSp>
+      <p:cxnSp>
+        <p:nvCxnSpPr>
+          <p:cNvPr id="150" name="Straight Arrow Connector 149">
+            <a:extLst>
+              <a:ext uri="{FF2B5EF4-FFF2-40B4-BE49-F238E27FC236}">
+                <a16:creationId xmlns:a16="http://schemas.microsoft.com/office/drawing/2014/main" id="{4CEEC003-E039-462C-8E5B-0071A4FA2F92}"/>
+              </a:ext>
+            </a:extLst>
+          </p:cNvPr>
+          <p:cNvCxnSpPr>
+            <a:cxnSpLocks/>
+          </p:cNvCxnSpPr>
+          <p:nvPr/>
+        </p:nvCxnSpPr>
+        <p:spPr>
+          <a:xfrm flipH="1">
+            <a:off x="2675027" y="6134568"/>
+            <a:ext cx="2283" cy="329308"/>
+          </a:xfrm>
+          <a:prstGeom prst="straightConnector1">
+            <a:avLst/>
+          </a:prstGeom>
+          <a:ln w="9525">
+            <a:solidFill>
               <a:schemeClr val="tx1"/>
-            </a:fontRef>
-          </p:style>
-        </p:cxnSp>
-        <p:cxnSp>
-          <p:nvCxnSpPr>
-            <p:cNvPr id="150" name="Straight Arrow Connector 149">
-              <a:extLst>
-                <a:ext uri="{FF2B5EF4-FFF2-40B4-BE49-F238E27FC236}">
-                  <a16:creationId xmlns:a16="http://schemas.microsoft.com/office/drawing/2014/main" id="{4CEEC003-E039-462C-8E5B-0071A4FA2F92}"/>
-                </a:ext>
-              </a:extLst>
-            </p:cNvPr>
-            <p:cNvCxnSpPr>
-              <a:cxnSpLocks/>
-            </p:cNvCxnSpPr>
-            <p:nvPr/>
-          </p:nvCxnSpPr>
-          <p:spPr>
-            <a:xfrm flipH="1">
-              <a:off x="2675027" y="6064995"/>
-              <a:ext cx="2283" cy="329308"/>
-            </a:xfrm>
-            <a:prstGeom prst="straightConnector1">
-              <a:avLst/>
-            </a:prstGeom>
-            <a:ln w="9525">
-              <a:solidFill>
-                <a:schemeClr val="tx1"/>
-              </a:solidFill>
-              <a:tailEnd type="triangle"/>
-            </a:ln>
-          </p:spPr>
-          <p:style>
-            <a:lnRef idx="1">
-              <a:schemeClr val="accent1"/>
-            </a:lnRef>
-            <a:fillRef idx="0">
-              <a:schemeClr val="accent1"/>
-            </a:fillRef>
-            <a:effectRef idx="0">
-              <a:schemeClr val="accent1"/>
-            </a:effectRef>
-            <a:fontRef idx="minor">
+            </a:solidFill>
+            <a:tailEnd type="triangle"/>
+          </a:ln>
+        </p:spPr>
+        <p:style>
+          <a:lnRef idx="1">
+            <a:schemeClr val="accent1"/>
+          </a:lnRef>
+          <a:fillRef idx="0">
+            <a:schemeClr val="accent1"/>
+          </a:fillRef>
+          <a:effectRef idx="0">
+            <a:schemeClr val="accent1"/>
+          </a:effectRef>
+          <a:fontRef idx="minor">
+            <a:schemeClr val="tx1"/>
+          </a:fontRef>
+        </p:style>
+      </p:cxnSp>
+      <p:cxnSp>
+        <p:nvCxnSpPr>
+          <p:cNvPr id="155" name="Straight Arrow Connector 154">
+            <a:extLst>
+              <a:ext uri="{FF2B5EF4-FFF2-40B4-BE49-F238E27FC236}">
+                <a16:creationId xmlns:a16="http://schemas.microsoft.com/office/drawing/2014/main" id="{5CCBE1E9-71CC-46F6-87B7-E4F8AB4CD8A8}"/>
+              </a:ext>
+            </a:extLst>
+          </p:cNvPr>
+          <p:cNvCxnSpPr>
+            <a:cxnSpLocks/>
+          </p:cNvCxnSpPr>
+          <p:nvPr/>
+        </p:nvCxnSpPr>
+        <p:spPr>
+          <a:xfrm>
+            <a:off x="2999425" y="2430624"/>
+            <a:ext cx="1" cy="523281"/>
+          </a:xfrm>
+          <a:prstGeom prst="straightConnector1">
+            <a:avLst/>
+          </a:prstGeom>
+          <a:ln w="9525">
+            <a:solidFill>
               <a:schemeClr val="tx1"/>
-            </a:fontRef>
-          </p:style>
-        </p:cxnSp>
-        <p:cxnSp>
-          <p:nvCxnSpPr>
-            <p:cNvPr id="155" name="Straight Arrow Connector 154">
-              <a:extLst>
-                <a:ext uri="{FF2B5EF4-FFF2-40B4-BE49-F238E27FC236}">
-                  <a16:creationId xmlns:a16="http://schemas.microsoft.com/office/drawing/2014/main" id="{5CCBE1E9-71CC-46F6-87B7-E4F8AB4CD8A8}"/>
-                </a:ext>
-              </a:extLst>
-            </p:cNvPr>
-            <p:cNvCxnSpPr>
-              <a:cxnSpLocks/>
-            </p:cNvCxnSpPr>
-            <p:nvPr/>
-          </p:nvCxnSpPr>
-          <p:spPr>
-            <a:xfrm>
-              <a:off x="2999425" y="2430624"/>
-              <a:ext cx="1" cy="523281"/>
-            </a:xfrm>
-            <a:prstGeom prst="straightConnector1">
-              <a:avLst/>
-            </a:prstGeom>
-            <a:ln w="9525">
-              <a:solidFill>
-                <a:schemeClr val="tx1"/>
-              </a:solidFill>
-              <a:tailEnd type="triangle"/>
-            </a:ln>
-          </p:spPr>
-          <p:style>
-            <a:lnRef idx="1">
-              <a:schemeClr val="accent1"/>
-            </a:lnRef>
-            <a:fillRef idx="0">
-              <a:schemeClr val="accent1"/>
-            </a:fillRef>
-            <a:effectRef idx="0">
-              <a:schemeClr val="accent1"/>
-            </a:effectRef>
-            <a:fontRef idx="minor">
+            </a:solidFill>
+            <a:tailEnd type="triangle"/>
+          </a:ln>
+        </p:spPr>
+        <p:style>
+          <a:lnRef idx="1">
+            <a:schemeClr val="accent1"/>
+          </a:lnRef>
+          <a:fillRef idx="0">
+            <a:schemeClr val="accent1"/>
+          </a:fillRef>
+          <a:effectRef idx="0">
+            <a:schemeClr val="accent1"/>
+          </a:effectRef>
+          <a:fontRef idx="minor">
+            <a:schemeClr val="tx1"/>
+          </a:fontRef>
+        </p:style>
+      </p:cxnSp>
+      <p:cxnSp>
+        <p:nvCxnSpPr>
+          <p:cNvPr id="158" name="Straight Arrow Connector 157">
+            <a:extLst>
+              <a:ext uri="{FF2B5EF4-FFF2-40B4-BE49-F238E27FC236}">
+                <a16:creationId xmlns:a16="http://schemas.microsoft.com/office/drawing/2014/main" id="{EB3788F3-F053-4B9F-8B6F-A1E719F0C944}"/>
+              </a:ext>
+            </a:extLst>
+          </p:cNvPr>
+          <p:cNvCxnSpPr>
+            <a:cxnSpLocks/>
+          </p:cNvCxnSpPr>
+          <p:nvPr/>
+        </p:nvCxnSpPr>
+        <p:spPr>
+          <a:xfrm>
+            <a:off x="1086604" y="5096160"/>
+            <a:ext cx="2040596" cy="0"/>
+          </a:xfrm>
+          <a:prstGeom prst="straightConnector1">
+            <a:avLst/>
+          </a:prstGeom>
+          <a:ln w="9525">
+            <a:solidFill>
               <a:schemeClr val="tx1"/>
-            </a:fontRef>
-          </p:style>
-        </p:cxnSp>
-        <p:cxnSp>
-          <p:nvCxnSpPr>
-            <p:cNvPr id="158" name="Straight Arrow Connector 157">
-              <a:extLst>
-                <a:ext uri="{FF2B5EF4-FFF2-40B4-BE49-F238E27FC236}">
-                  <a16:creationId xmlns:a16="http://schemas.microsoft.com/office/drawing/2014/main" id="{EB3788F3-F053-4B9F-8B6F-A1E719F0C944}"/>
-                </a:ext>
-              </a:extLst>
-            </p:cNvPr>
-            <p:cNvCxnSpPr>
-              <a:cxnSpLocks/>
-            </p:cNvCxnSpPr>
-            <p:nvPr/>
-          </p:nvCxnSpPr>
-          <p:spPr>
-            <a:xfrm>
-              <a:off x="1086604" y="5096160"/>
-              <a:ext cx="2040596" cy="0"/>
-            </a:xfrm>
-            <a:prstGeom prst="straightConnector1">
-              <a:avLst/>
-            </a:prstGeom>
-            <a:ln w="9525">
-              <a:solidFill>
-                <a:schemeClr val="tx1"/>
-              </a:solidFill>
-              <a:tailEnd type="triangle"/>
-            </a:ln>
-          </p:spPr>
-          <p:style>
-            <a:lnRef idx="1">
-              <a:schemeClr val="accent1"/>
-            </a:lnRef>
-            <a:fillRef idx="0">
-              <a:schemeClr val="accent1"/>
-            </a:fillRef>
-            <a:effectRef idx="0">
-              <a:schemeClr val="accent1"/>
-            </a:effectRef>
-            <a:fontRef idx="minor">
+            </a:solidFill>
+            <a:tailEnd type="triangle"/>
+          </a:ln>
+        </p:spPr>
+        <p:style>
+          <a:lnRef idx="1">
+            <a:schemeClr val="accent1"/>
+          </a:lnRef>
+          <a:fillRef idx="0">
+            <a:schemeClr val="accent1"/>
+          </a:fillRef>
+          <a:effectRef idx="0">
+            <a:schemeClr val="accent1"/>
+          </a:effectRef>
+          <a:fontRef idx="minor">
+            <a:schemeClr val="tx1"/>
+          </a:fontRef>
+        </p:style>
+      </p:cxnSp>
+      <p:cxnSp>
+        <p:nvCxnSpPr>
+          <p:cNvPr id="160" name="Straight Connector 159">
+            <a:extLst>
+              <a:ext uri="{FF2B5EF4-FFF2-40B4-BE49-F238E27FC236}">
+                <a16:creationId xmlns:a16="http://schemas.microsoft.com/office/drawing/2014/main" id="{0B292357-63F9-426A-B97C-356AA694F997}"/>
+              </a:ext>
+            </a:extLst>
+          </p:cNvPr>
+          <p:cNvCxnSpPr>
+            <a:cxnSpLocks/>
+          </p:cNvCxnSpPr>
+          <p:nvPr/>
+        </p:nvCxnSpPr>
+        <p:spPr>
+          <a:xfrm flipH="1">
+            <a:off x="1087786" y="3329382"/>
+            <a:ext cx="1" cy="2308618"/>
+          </a:xfrm>
+          <a:prstGeom prst="line">
+            <a:avLst/>
+          </a:prstGeom>
+          <a:ln w="9525">
+            <a:solidFill>
               <a:schemeClr val="tx1"/>
-            </a:fontRef>
-          </p:style>
-        </p:cxnSp>
-        <p:cxnSp>
-          <p:nvCxnSpPr>
-            <p:cNvPr id="160" name="Straight Connector 159">
-              <a:extLst>
-                <a:ext uri="{FF2B5EF4-FFF2-40B4-BE49-F238E27FC236}">
-                  <a16:creationId xmlns:a16="http://schemas.microsoft.com/office/drawing/2014/main" id="{0B292357-63F9-426A-B97C-356AA694F997}"/>
-                </a:ext>
-              </a:extLst>
-            </p:cNvPr>
-            <p:cNvCxnSpPr>
-              <a:cxnSpLocks/>
-            </p:cNvCxnSpPr>
-            <p:nvPr/>
-          </p:nvCxnSpPr>
-          <p:spPr>
-            <a:xfrm flipH="1">
-              <a:off x="1087786" y="3329382"/>
-              <a:ext cx="1" cy="2308618"/>
-            </a:xfrm>
-            <a:prstGeom prst="line">
-              <a:avLst/>
-            </a:prstGeom>
-            <a:ln w="9525">
-              <a:solidFill>
-                <a:schemeClr val="tx1"/>
-              </a:solidFill>
-            </a:ln>
-          </p:spPr>
-          <p:style>
-            <a:lnRef idx="1">
-              <a:schemeClr val="accent1"/>
-            </a:lnRef>
-            <a:fillRef idx="0">
-              <a:schemeClr val="accent1"/>
-            </a:fillRef>
-            <a:effectRef idx="0">
-              <a:schemeClr val="accent1"/>
-            </a:effectRef>
-            <a:fontRef idx="minor">
+            </a:solidFill>
+          </a:ln>
+        </p:spPr>
+        <p:style>
+          <a:lnRef idx="1">
+            <a:schemeClr val="accent1"/>
+          </a:lnRef>
+          <a:fillRef idx="0">
+            <a:schemeClr val="accent1"/>
+          </a:fillRef>
+          <a:effectRef idx="0">
+            <a:schemeClr val="accent1"/>
+          </a:effectRef>
+          <a:fontRef idx="minor">
+            <a:schemeClr val="tx1"/>
+          </a:fontRef>
+        </p:style>
+      </p:cxnSp>
+      <p:cxnSp>
+        <p:nvCxnSpPr>
+          <p:cNvPr id="162" name="Straight Arrow Connector 161">
+            <a:extLst>
+              <a:ext uri="{FF2B5EF4-FFF2-40B4-BE49-F238E27FC236}">
+                <a16:creationId xmlns:a16="http://schemas.microsoft.com/office/drawing/2014/main" id="{3453C37C-FAEF-496A-9FB5-7A20970CEADF}"/>
+              </a:ext>
+            </a:extLst>
+          </p:cNvPr>
+          <p:cNvCxnSpPr>
+            <a:cxnSpLocks/>
+          </p:cNvCxnSpPr>
+          <p:nvPr/>
+        </p:nvCxnSpPr>
+        <p:spPr>
+          <a:xfrm>
+            <a:off x="4536773" y="2202490"/>
+            <a:ext cx="0" cy="2625769"/>
+          </a:xfrm>
+          <a:prstGeom prst="straightConnector1">
+            <a:avLst/>
+          </a:prstGeom>
+          <a:ln w="9525">
+            <a:solidFill>
               <a:schemeClr val="tx1"/>
-            </a:fontRef>
-          </p:style>
-        </p:cxnSp>
-        <p:cxnSp>
-          <p:nvCxnSpPr>
-            <p:cNvPr id="162" name="Straight Arrow Connector 161">
-              <a:extLst>
-                <a:ext uri="{FF2B5EF4-FFF2-40B4-BE49-F238E27FC236}">
-                  <a16:creationId xmlns:a16="http://schemas.microsoft.com/office/drawing/2014/main" id="{3453C37C-FAEF-496A-9FB5-7A20970CEADF}"/>
-                </a:ext>
-              </a:extLst>
-            </p:cNvPr>
-            <p:cNvCxnSpPr>
-              <a:cxnSpLocks/>
-            </p:cNvCxnSpPr>
-            <p:nvPr/>
-          </p:nvCxnSpPr>
-          <p:spPr>
-            <a:xfrm>
-              <a:off x="4536773" y="2202490"/>
-              <a:ext cx="0" cy="2625769"/>
-            </a:xfrm>
-            <a:prstGeom prst="straightConnector1">
-              <a:avLst/>
-            </a:prstGeom>
-            <a:ln w="9525">
-              <a:solidFill>
-                <a:schemeClr val="tx1"/>
-              </a:solidFill>
-              <a:tailEnd type="triangle"/>
-            </a:ln>
-          </p:spPr>
-          <p:style>
-            <a:lnRef idx="1">
-              <a:schemeClr val="accent1"/>
-            </a:lnRef>
-            <a:fillRef idx="0">
-              <a:schemeClr val="accent1"/>
-            </a:fillRef>
-            <a:effectRef idx="0">
-              <a:schemeClr val="accent1"/>
-            </a:effectRef>
-            <a:fontRef idx="minor">
+            </a:solidFill>
+            <a:tailEnd type="triangle"/>
+          </a:ln>
+        </p:spPr>
+        <p:style>
+          <a:lnRef idx="1">
+            <a:schemeClr val="accent1"/>
+          </a:lnRef>
+          <a:fillRef idx="0">
+            <a:schemeClr val="accent1"/>
+          </a:fillRef>
+          <a:effectRef idx="0">
+            <a:schemeClr val="accent1"/>
+          </a:effectRef>
+          <a:fontRef idx="minor">
+            <a:schemeClr val="tx1"/>
+          </a:fontRef>
+        </p:style>
+      </p:cxnSp>
+      <p:cxnSp>
+        <p:nvCxnSpPr>
+          <p:cNvPr id="165" name="Straight Arrow Connector 164">
+            <a:extLst>
+              <a:ext uri="{FF2B5EF4-FFF2-40B4-BE49-F238E27FC236}">
+                <a16:creationId xmlns:a16="http://schemas.microsoft.com/office/drawing/2014/main" id="{EDE542EA-DBC5-44EA-9B66-C4AA3B7E3459}"/>
+              </a:ext>
+            </a:extLst>
+          </p:cNvPr>
+          <p:cNvCxnSpPr>
+            <a:cxnSpLocks/>
+          </p:cNvCxnSpPr>
+          <p:nvPr/>
+        </p:nvCxnSpPr>
+        <p:spPr>
+          <a:xfrm flipH="1">
+            <a:off x="3023777" y="3933231"/>
+            <a:ext cx="1186765" cy="0"/>
+          </a:xfrm>
+          <a:prstGeom prst="straightConnector1">
+            <a:avLst/>
+          </a:prstGeom>
+          <a:ln w="9525">
+            <a:solidFill>
               <a:schemeClr val="tx1"/>
-            </a:fontRef>
-          </p:style>
-        </p:cxnSp>
-        <p:cxnSp>
-          <p:nvCxnSpPr>
-            <p:cNvPr id="165" name="Straight Arrow Connector 164">
-              <a:extLst>
-                <a:ext uri="{FF2B5EF4-FFF2-40B4-BE49-F238E27FC236}">
-                  <a16:creationId xmlns:a16="http://schemas.microsoft.com/office/drawing/2014/main" id="{EDE542EA-DBC5-44EA-9B66-C4AA3B7E3459}"/>
-                </a:ext>
-              </a:extLst>
-            </p:cNvPr>
-            <p:cNvCxnSpPr>
-              <a:cxnSpLocks/>
-            </p:cNvCxnSpPr>
-            <p:nvPr/>
-          </p:nvCxnSpPr>
-          <p:spPr>
-            <a:xfrm flipH="1">
-              <a:off x="3023777" y="3933231"/>
-              <a:ext cx="1186765" cy="0"/>
-            </a:xfrm>
-            <a:prstGeom prst="straightConnector1">
-              <a:avLst/>
-            </a:prstGeom>
-            <a:ln w="9525">
-              <a:solidFill>
-                <a:schemeClr val="tx1"/>
-              </a:solidFill>
-              <a:tailEnd type="triangle"/>
-            </a:ln>
-          </p:spPr>
-          <p:style>
-            <a:lnRef idx="1">
-              <a:schemeClr val="accent1"/>
-            </a:lnRef>
-            <a:fillRef idx="0">
-              <a:schemeClr val="accent1"/>
-            </a:fillRef>
-            <a:effectRef idx="0">
-              <a:schemeClr val="accent1"/>
-            </a:effectRef>
-            <a:fontRef idx="minor">
+            </a:solidFill>
+            <a:tailEnd type="triangle"/>
+          </a:ln>
+        </p:spPr>
+        <p:style>
+          <a:lnRef idx="1">
+            <a:schemeClr val="accent1"/>
+          </a:lnRef>
+          <a:fillRef idx="0">
+            <a:schemeClr val="accent1"/>
+          </a:fillRef>
+          <a:effectRef idx="0">
+            <a:schemeClr val="accent1"/>
+          </a:effectRef>
+          <a:fontRef idx="minor">
+            <a:schemeClr val="tx1"/>
+          </a:fontRef>
+        </p:style>
+      </p:cxnSp>
+      <p:cxnSp>
+        <p:nvCxnSpPr>
+          <p:cNvPr id="166" name="Straight Connector 165">
+            <a:extLst>
+              <a:ext uri="{FF2B5EF4-FFF2-40B4-BE49-F238E27FC236}">
+                <a16:creationId xmlns:a16="http://schemas.microsoft.com/office/drawing/2014/main" id="{BF35F3B7-BA5F-4740-B113-7D5F0023435C}"/>
+              </a:ext>
+            </a:extLst>
+          </p:cNvPr>
+          <p:cNvCxnSpPr/>
+          <p:nvPr/>
+        </p:nvCxnSpPr>
+        <p:spPr>
+          <a:xfrm flipH="1">
+            <a:off x="4215347" y="2202109"/>
+            <a:ext cx="1" cy="1734499"/>
+          </a:xfrm>
+          <a:prstGeom prst="line">
+            <a:avLst/>
+          </a:prstGeom>
+          <a:ln w="9525">
+            <a:solidFill>
               <a:schemeClr val="tx1"/>
-            </a:fontRef>
-          </p:style>
-        </p:cxnSp>
-        <p:cxnSp>
-          <p:nvCxnSpPr>
-            <p:cNvPr id="166" name="Straight Connector 165">
-              <a:extLst>
-                <a:ext uri="{FF2B5EF4-FFF2-40B4-BE49-F238E27FC236}">
-                  <a16:creationId xmlns:a16="http://schemas.microsoft.com/office/drawing/2014/main" id="{BF35F3B7-BA5F-4740-B113-7D5F0023435C}"/>
-                </a:ext>
-              </a:extLst>
-            </p:cNvPr>
-            <p:cNvCxnSpPr/>
-            <p:nvPr/>
-          </p:nvCxnSpPr>
-          <p:spPr>
-            <a:xfrm flipH="1">
-              <a:off x="4215347" y="2202109"/>
-              <a:ext cx="1" cy="1734499"/>
-            </a:xfrm>
-            <a:prstGeom prst="line">
-              <a:avLst/>
-            </a:prstGeom>
-            <a:ln w="9525">
-              <a:solidFill>
-                <a:schemeClr val="tx1"/>
-              </a:solidFill>
-            </a:ln>
-          </p:spPr>
-          <p:style>
-            <a:lnRef idx="1">
-              <a:schemeClr val="accent1"/>
-            </a:lnRef>
-            <a:fillRef idx="0">
-              <a:schemeClr val="accent1"/>
-            </a:fillRef>
-            <a:effectRef idx="0">
-              <a:schemeClr val="accent1"/>
-            </a:effectRef>
-            <a:fontRef idx="minor">
+            </a:solidFill>
+          </a:ln>
+        </p:spPr>
+        <p:style>
+          <a:lnRef idx="1">
+            <a:schemeClr val="accent1"/>
+          </a:lnRef>
+          <a:fillRef idx="0">
+            <a:schemeClr val="accent1"/>
+          </a:fillRef>
+          <a:effectRef idx="0">
+            <a:schemeClr val="accent1"/>
+          </a:effectRef>
+          <a:fontRef idx="minor">
+            <a:schemeClr val="tx1"/>
+          </a:fontRef>
+        </p:style>
+      </p:cxnSp>
+      <p:cxnSp>
+        <p:nvCxnSpPr>
+          <p:cNvPr id="169" name="Straight Arrow Connector 168">
+            <a:extLst>
+              <a:ext uri="{FF2B5EF4-FFF2-40B4-BE49-F238E27FC236}">
+                <a16:creationId xmlns:a16="http://schemas.microsoft.com/office/drawing/2014/main" id="{534B27D9-05C4-48B9-9B7D-F4CE4CE51C80}"/>
+              </a:ext>
+            </a:extLst>
+          </p:cNvPr>
+          <p:cNvCxnSpPr>
+            <a:cxnSpLocks/>
+          </p:cNvCxnSpPr>
+          <p:nvPr/>
+        </p:nvCxnSpPr>
+        <p:spPr>
+          <a:xfrm flipH="1">
+            <a:off x="3067540" y="6748733"/>
+            <a:ext cx="1078877" cy="0"/>
+          </a:xfrm>
+          <a:prstGeom prst="straightConnector1">
+            <a:avLst/>
+          </a:prstGeom>
+          <a:ln w="9525">
+            <a:solidFill>
               <a:schemeClr val="tx1"/>
-            </a:fontRef>
-          </p:style>
-        </p:cxnSp>
-        <p:cxnSp>
-          <p:nvCxnSpPr>
-            <p:cNvPr id="169" name="Straight Arrow Connector 168">
-              <a:extLst>
-                <a:ext uri="{FF2B5EF4-FFF2-40B4-BE49-F238E27FC236}">
-                  <a16:creationId xmlns:a16="http://schemas.microsoft.com/office/drawing/2014/main" id="{534B27D9-05C4-48B9-9B7D-F4CE4CE51C80}"/>
-                </a:ext>
-              </a:extLst>
-            </p:cNvPr>
-            <p:cNvCxnSpPr>
-              <a:cxnSpLocks/>
-            </p:cNvCxnSpPr>
-            <p:nvPr/>
-          </p:nvCxnSpPr>
-          <p:spPr>
-            <a:xfrm flipH="1">
-              <a:off x="3067540" y="6748733"/>
-              <a:ext cx="1078877" cy="0"/>
-            </a:xfrm>
-            <a:prstGeom prst="straightConnector1">
-              <a:avLst/>
-            </a:prstGeom>
-            <a:ln w="9525">
-              <a:solidFill>
-                <a:schemeClr val="tx1"/>
-              </a:solidFill>
-              <a:tailEnd type="triangle"/>
-            </a:ln>
-          </p:spPr>
-          <p:style>
-            <a:lnRef idx="1">
-              <a:schemeClr val="accent1"/>
-            </a:lnRef>
-            <a:fillRef idx="0">
-              <a:schemeClr val="accent1"/>
-            </a:fillRef>
-            <a:effectRef idx="0">
-              <a:schemeClr val="accent1"/>
-            </a:effectRef>
-            <a:fontRef idx="minor">
+            </a:solidFill>
+            <a:tailEnd type="triangle"/>
+          </a:ln>
+        </p:spPr>
+        <p:style>
+          <a:lnRef idx="1">
+            <a:schemeClr val="accent1"/>
+          </a:lnRef>
+          <a:fillRef idx="0">
+            <a:schemeClr val="accent1"/>
+          </a:fillRef>
+          <a:effectRef idx="0">
+            <a:schemeClr val="accent1"/>
+          </a:effectRef>
+          <a:fontRef idx="minor">
+            <a:schemeClr val="tx1"/>
+          </a:fontRef>
+        </p:style>
+      </p:cxnSp>
+      <p:sp>
+        <p:nvSpPr>
+          <p:cNvPr id="170" name="TextBox 169">
+            <a:extLst>
+              <a:ext uri="{FF2B5EF4-FFF2-40B4-BE49-F238E27FC236}">
+                <a16:creationId xmlns:a16="http://schemas.microsoft.com/office/drawing/2014/main" id="{68630CDA-D7CB-4F71-94FA-BDABED5E88FE}"/>
+              </a:ext>
+            </a:extLst>
+          </p:cNvPr>
+          <p:cNvSpPr txBox="1"/>
+          <p:nvPr/>
+        </p:nvSpPr>
+        <p:spPr>
+          <a:xfrm>
+            <a:off x="1593368" y="5491347"/>
+            <a:ext cx="2155146" cy="400110"/>
+          </a:xfrm>
+          <a:prstGeom prst="rect">
+            <a:avLst/>
+          </a:prstGeom>
+          <a:solidFill>
+            <a:schemeClr val="bg2"/>
+          </a:solidFill>
+          <a:ln w="9525">
+            <a:solidFill>
               <a:schemeClr val="tx1"/>
-            </a:fontRef>
-          </p:style>
-        </p:cxnSp>
-        <p:sp>
-          <p:nvSpPr>
-            <p:cNvPr id="170" name="TextBox 169">
-              <a:extLst>
-                <a:ext uri="{FF2B5EF4-FFF2-40B4-BE49-F238E27FC236}">
-                  <a16:creationId xmlns:a16="http://schemas.microsoft.com/office/drawing/2014/main" id="{68630CDA-D7CB-4F71-94FA-BDABED5E88FE}"/>
-                </a:ext>
-              </a:extLst>
-            </p:cNvPr>
-            <p:cNvSpPr txBox="1"/>
-            <p:nvPr/>
-          </p:nvSpPr>
-          <p:spPr>
-            <a:xfrm>
-              <a:off x="1593368" y="5491347"/>
-              <a:ext cx="2155146" cy="246221"/>
-            </a:xfrm>
-            <a:prstGeom prst="rect">
-              <a:avLst/>
-            </a:prstGeom>
+            </a:solidFill>
+          </a:ln>
+        </p:spPr>
+        <p:txBody>
+          <a:bodyPr wrap="square" rtlCol="0">
+            <a:spAutoFit/>
+          </a:bodyPr>
+          <a:lstStyle/>
+          <a:p>
+            <a:pPr algn="ctr"/>
+            <a:r>
+              <a:rPr lang="en-US" sz="1000" dirty="0" smtClean="0"/>
+              <a:t>(1) Soil structure/pore size distributions</a:t>
+            </a:r>
+            <a:endParaRPr lang="en-US" sz="1000" dirty="0"/>
+          </a:p>
+        </p:txBody>
+      </p:sp>
+      <p:cxnSp>
+        <p:nvCxnSpPr>
+          <p:cNvPr id="171" name="Straight Arrow Connector 170">
+            <a:extLst>
+              <a:ext uri="{FF2B5EF4-FFF2-40B4-BE49-F238E27FC236}">
+                <a16:creationId xmlns:a16="http://schemas.microsoft.com/office/drawing/2014/main" id="{663EA009-7A37-4BE8-9A68-3DB9D98D41CC}"/>
+              </a:ext>
+            </a:extLst>
+          </p:cNvPr>
+          <p:cNvCxnSpPr>
+            <a:cxnSpLocks/>
+          </p:cNvCxnSpPr>
+          <p:nvPr/>
+        </p:nvCxnSpPr>
+        <p:spPr>
+          <a:xfrm flipH="1">
+            <a:off x="2673586" y="5865391"/>
+            <a:ext cx="2283" cy="204475"/>
+          </a:xfrm>
+          <a:prstGeom prst="straightConnector1">
+            <a:avLst/>
+          </a:prstGeom>
+          <a:ln w="9525">
             <a:solidFill>
-              <a:schemeClr val="accent2"/>
+              <a:schemeClr val="tx1"/>
             </a:solidFill>
-            <a:ln w="9525">
-              <a:solidFill>
-                <a:schemeClr val="tx1"/>
-              </a:solidFill>
-            </a:ln>
-          </p:spPr>
-          <p:txBody>
-            <a:bodyPr wrap="square" rtlCol="0">
-              <a:spAutoFit/>
-            </a:bodyPr>
-            <a:lstStyle/>
-            <a:p>
-              <a:pPr algn="ctr"/>
-              <a:r>
-                <a:rPr lang="en-US" sz="1000" dirty="0"/>
-                <a:t>Soil structure</a:t>
-              </a:r>
-            </a:p>
-          </p:txBody>
-        </p:sp>
-        <p:cxnSp>
-          <p:nvCxnSpPr>
-            <p:cNvPr id="171" name="Straight Arrow Connector 170">
-              <a:extLst>
-                <a:ext uri="{FF2B5EF4-FFF2-40B4-BE49-F238E27FC236}">
-                  <a16:creationId xmlns:a16="http://schemas.microsoft.com/office/drawing/2014/main" id="{663EA009-7A37-4BE8-9A68-3DB9D98D41CC}"/>
-                </a:ext>
-              </a:extLst>
-            </p:cNvPr>
-            <p:cNvCxnSpPr>
-              <a:cxnSpLocks/>
-            </p:cNvCxnSpPr>
-            <p:nvPr/>
-          </p:nvCxnSpPr>
-          <p:spPr>
-            <a:xfrm flipH="1">
-              <a:off x="2673586" y="5716306"/>
-              <a:ext cx="2283" cy="204475"/>
-            </a:xfrm>
-            <a:prstGeom prst="straightConnector1">
-              <a:avLst/>
-            </a:prstGeom>
-            <a:ln w="9525">
-              <a:solidFill>
-                <a:schemeClr val="tx1"/>
-              </a:solidFill>
-              <a:tailEnd type="triangle"/>
-            </a:ln>
-          </p:spPr>
-          <p:style>
-            <a:lnRef idx="1">
-              <a:schemeClr val="accent1"/>
-            </a:lnRef>
-            <a:fillRef idx="0">
-              <a:schemeClr val="accent1"/>
-            </a:fillRef>
-            <a:effectRef idx="0">
-              <a:schemeClr val="accent1"/>
-            </a:effectRef>
-            <a:fontRef idx="minor">
+            <a:tailEnd type="triangle"/>
+          </a:ln>
+        </p:spPr>
+        <p:style>
+          <a:lnRef idx="1">
+            <a:schemeClr val="accent1"/>
+          </a:lnRef>
+          <a:fillRef idx="0">
+            <a:schemeClr val="accent1"/>
+          </a:fillRef>
+          <a:effectRef idx="0">
+            <a:schemeClr val="accent1"/>
+          </a:effectRef>
+          <a:fontRef idx="minor">
+            <a:schemeClr val="tx1"/>
+          </a:fontRef>
+        </p:style>
+      </p:cxnSp>
+      <p:cxnSp>
+        <p:nvCxnSpPr>
+          <p:cNvPr id="175" name="Straight Arrow Connector 174">
+            <a:extLst>
+              <a:ext uri="{FF2B5EF4-FFF2-40B4-BE49-F238E27FC236}">
+                <a16:creationId xmlns:a16="http://schemas.microsoft.com/office/drawing/2014/main" id="{AF84A429-61E5-4732-A27D-DEAC4CF53B42}"/>
+              </a:ext>
+            </a:extLst>
+          </p:cNvPr>
+          <p:cNvCxnSpPr>
+            <a:cxnSpLocks/>
+          </p:cNvCxnSpPr>
+          <p:nvPr/>
+        </p:nvCxnSpPr>
+        <p:spPr>
+          <a:xfrm>
+            <a:off x="1084919" y="5634335"/>
+            <a:ext cx="503304" cy="0"/>
+          </a:xfrm>
+          <a:prstGeom prst="straightConnector1">
+            <a:avLst/>
+          </a:prstGeom>
+          <a:ln w="9525">
+            <a:solidFill>
               <a:schemeClr val="tx1"/>
-            </a:fontRef>
-          </p:style>
-        </p:cxnSp>
-        <p:cxnSp>
-          <p:nvCxnSpPr>
-            <p:cNvPr id="175" name="Straight Arrow Connector 174">
-              <a:extLst>
-                <a:ext uri="{FF2B5EF4-FFF2-40B4-BE49-F238E27FC236}">
-                  <a16:creationId xmlns:a16="http://schemas.microsoft.com/office/drawing/2014/main" id="{AF84A429-61E5-4732-A27D-DEAC4CF53B42}"/>
-                </a:ext>
-              </a:extLst>
-            </p:cNvPr>
-            <p:cNvCxnSpPr>
-              <a:cxnSpLocks/>
-            </p:cNvCxnSpPr>
-            <p:nvPr/>
-          </p:nvCxnSpPr>
-          <p:spPr>
-            <a:xfrm>
-              <a:off x="1087919" y="5614457"/>
-              <a:ext cx="457549" cy="0"/>
-            </a:xfrm>
-            <a:prstGeom prst="straightConnector1">
-              <a:avLst/>
-            </a:prstGeom>
-            <a:ln w="9525">
-              <a:solidFill>
-                <a:schemeClr val="tx1"/>
-              </a:solidFill>
-              <a:tailEnd type="triangle"/>
-            </a:ln>
-          </p:spPr>
-          <p:style>
-            <a:lnRef idx="1">
-              <a:schemeClr val="accent1"/>
-            </a:lnRef>
-            <a:fillRef idx="0">
-              <a:schemeClr val="accent1"/>
-            </a:fillRef>
-            <a:effectRef idx="0">
-              <a:schemeClr val="accent1"/>
-            </a:effectRef>
-            <a:fontRef idx="minor">
+            </a:solidFill>
+            <a:tailEnd type="triangle"/>
+          </a:ln>
+        </p:spPr>
+        <p:style>
+          <a:lnRef idx="1">
+            <a:schemeClr val="accent1"/>
+          </a:lnRef>
+          <a:fillRef idx="0">
+            <a:schemeClr val="accent1"/>
+          </a:fillRef>
+          <a:effectRef idx="0">
+            <a:schemeClr val="accent1"/>
+          </a:effectRef>
+          <a:fontRef idx="minor">
+            <a:schemeClr val="tx1"/>
+          </a:fontRef>
+        </p:style>
+      </p:cxnSp>
+      <p:sp>
+        <p:nvSpPr>
+          <p:cNvPr id="6" name="TextBox 5">
+            <a:extLst>
+              <a:ext uri="{FF2B5EF4-FFF2-40B4-BE49-F238E27FC236}">
+                <a16:creationId xmlns:a16="http://schemas.microsoft.com/office/drawing/2014/main" id="{21876E51-290C-4303-A6AD-0D8D552ADC8C}"/>
+              </a:ext>
+            </a:extLst>
+          </p:cNvPr>
+          <p:cNvSpPr txBox="1"/>
+          <p:nvPr/>
+        </p:nvSpPr>
+        <p:spPr>
+          <a:xfrm>
+            <a:off x="2879774" y="1970332"/>
+            <a:ext cx="750407" cy="553998"/>
+          </a:xfrm>
+          <a:prstGeom prst="rect">
+            <a:avLst/>
+          </a:prstGeom>
+          <a:solidFill>
+            <a:schemeClr val="accent2"/>
+          </a:solidFill>
+          <a:ln w="9525">
+            <a:solidFill>
               <a:schemeClr val="tx1"/>
-            </a:fontRef>
-          </p:style>
-        </p:cxnSp>
-        <p:sp>
-          <p:nvSpPr>
-            <p:cNvPr id="6" name="TextBox 5">
-              <a:extLst>
-                <a:ext uri="{FF2B5EF4-FFF2-40B4-BE49-F238E27FC236}">
-                  <a16:creationId xmlns:a16="http://schemas.microsoft.com/office/drawing/2014/main" id="{21876E51-290C-4303-A6AD-0D8D552ADC8C}"/>
-                </a:ext>
-              </a:extLst>
-            </p:cNvPr>
-            <p:cNvSpPr txBox="1"/>
-            <p:nvPr/>
-          </p:nvSpPr>
-          <p:spPr>
-            <a:xfrm>
-              <a:off x="2879774" y="1970332"/>
-              <a:ext cx="750407" cy="553998"/>
-            </a:xfrm>
-            <a:prstGeom prst="rect">
-              <a:avLst/>
-            </a:prstGeom>
+            </a:solidFill>
+          </a:ln>
+        </p:spPr>
+        <p:txBody>
+          <a:bodyPr wrap="square" rtlCol="0">
+            <a:spAutoFit/>
+          </a:bodyPr>
+          <a:lstStyle/>
+          <a:p>
+            <a:pPr algn="ctr"/>
+            <a:r>
+              <a:rPr lang="en-US" sz="1000" dirty="0"/>
+              <a:t>Below-ground biomass</a:t>
+            </a:r>
+          </a:p>
+        </p:txBody>
+      </p:sp>
+      <p:sp>
+        <p:nvSpPr>
+          <p:cNvPr id="77" name="TextBox 76">
+            <a:extLst>
+              <a:ext uri="{FF2B5EF4-FFF2-40B4-BE49-F238E27FC236}">
+                <a16:creationId xmlns:a16="http://schemas.microsoft.com/office/drawing/2014/main" id="{592AC19D-B477-462D-A16C-DFA019277B56}"/>
+              </a:ext>
+            </a:extLst>
+          </p:cNvPr>
+          <p:cNvSpPr txBox="1"/>
+          <p:nvPr/>
+        </p:nvSpPr>
+        <p:spPr>
+          <a:xfrm>
+            <a:off x="1307054" y="3895619"/>
+            <a:ext cx="709201" cy="553998"/>
+          </a:xfrm>
+          <a:prstGeom prst="rect">
+            <a:avLst/>
+          </a:prstGeom>
+          <a:solidFill>
+            <a:schemeClr val="accent2"/>
+          </a:solidFill>
+          <a:ln w="9525">
             <a:solidFill>
-              <a:schemeClr val="accent2"/>
+              <a:schemeClr val="tx1"/>
             </a:solidFill>
-            <a:ln w="9525">
-              <a:solidFill>
-                <a:schemeClr val="tx1"/>
-              </a:solidFill>
-            </a:ln>
-          </p:spPr>
-          <p:txBody>
-            <a:bodyPr wrap="square" rtlCol="0">
-              <a:spAutoFit/>
-            </a:bodyPr>
-            <a:lstStyle/>
-            <a:p>
-              <a:pPr algn="ctr"/>
-              <a:r>
-                <a:rPr lang="en-US" sz="1000" dirty="0"/>
-                <a:t>Below-ground biomass</a:t>
-              </a:r>
-            </a:p>
-          </p:txBody>
-        </p:sp>
-        <p:sp>
-          <p:nvSpPr>
-            <p:cNvPr id="77" name="TextBox 76">
-              <a:extLst>
-                <a:ext uri="{FF2B5EF4-FFF2-40B4-BE49-F238E27FC236}">
-                  <a16:creationId xmlns:a16="http://schemas.microsoft.com/office/drawing/2014/main" id="{592AC19D-B477-462D-A16C-DFA019277B56}"/>
-                </a:ext>
-              </a:extLst>
-            </p:cNvPr>
-            <p:cNvSpPr txBox="1"/>
-            <p:nvPr/>
-          </p:nvSpPr>
-          <p:spPr>
-            <a:xfrm>
-              <a:off x="1307054" y="3895619"/>
-              <a:ext cx="709201" cy="553998"/>
-            </a:xfrm>
-            <a:prstGeom prst="rect">
-              <a:avLst/>
-            </a:prstGeom>
+          </a:ln>
+        </p:spPr>
+        <p:txBody>
+          <a:bodyPr wrap="square" rtlCol="0">
+            <a:spAutoFit/>
+          </a:bodyPr>
+          <a:lstStyle/>
+          <a:p>
+            <a:pPr algn="ctr"/>
+            <a:r>
+              <a:rPr lang="en-US" sz="1000" dirty="0"/>
+              <a:t>Soil Organic Matter</a:t>
+            </a:r>
+          </a:p>
+        </p:txBody>
+      </p:sp>
+      <p:sp>
+        <p:nvSpPr>
+          <p:cNvPr id="40" name="TextBox 39">
+            <a:extLst>
+              <a:ext uri="{FF2B5EF4-FFF2-40B4-BE49-F238E27FC236}">
+                <a16:creationId xmlns:a16="http://schemas.microsoft.com/office/drawing/2014/main" id="{D29EBCB2-DAFE-4E53-9427-A32478F274C9}"/>
+              </a:ext>
+            </a:extLst>
+          </p:cNvPr>
+          <p:cNvSpPr txBox="1"/>
+          <p:nvPr/>
+        </p:nvSpPr>
+        <p:spPr>
+          <a:xfrm>
+            <a:off x="733186" y="2952172"/>
+            <a:ext cx="709201" cy="400110"/>
+          </a:xfrm>
+          <a:prstGeom prst="rect">
+            <a:avLst/>
+          </a:prstGeom>
+          <a:solidFill>
+            <a:schemeClr val="accent2"/>
+          </a:solidFill>
+          <a:ln w="9525">
             <a:solidFill>
-              <a:schemeClr val="accent2"/>
+              <a:schemeClr val="tx1"/>
             </a:solidFill>
-            <a:ln w="9525">
-              <a:solidFill>
-                <a:schemeClr val="tx1"/>
-              </a:solidFill>
-            </a:ln>
-          </p:spPr>
-          <p:txBody>
-            <a:bodyPr wrap="square" rtlCol="0">
-              <a:spAutoFit/>
-            </a:bodyPr>
-            <a:lstStyle/>
-            <a:p>
-              <a:pPr algn="ctr"/>
-              <a:r>
-                <a:rPr lang="en-US" sz="1000" dirty="0"/>
-                <a:t>Soil Organic Matter</a:t>
-              </a:r>
-            </a:p>
-          </p:txBody>
-        </p:sp>
-        <p:sp>
-          <p:nvSpPr>
-            <p:cNvPr id="40" name="TextBox 39">
-              <a:extLst>
-                <a:ext uri="{FF2B5EF4-FFF2-40B4-BE49-F238E27FC236}">
-                  <a16:creationId xmlns:a16="http://schemas.microsoft.com/office/drawing/2014/main" id="{D29EBCB2-DAFE-4E53-9427-A32478F274C9}"/>
-                </a:ext>
-              </a:extLst>
-            </p:cNvPr>
-            <p:cNvSpPr txBox="1"/>
-            <p:nvPr/>
-          </p:nvSpPr>
-          <p:spPr>
-            <a:xfrm>
-              <a:off x="733186" y="2952172"/>
-              <a:ext cx="709201" cy="400110"/>
-            </a:xfrm>
-            <a:prstGeom prst="rect">
-              <a:avLst/>
-            </a:prstGeom>
+          </a:ln>
+        </p:spPr>
+        <p:txBody>
+          <a:bodyPr wrap="square" rtlCol="0">
+            <a:spAutoFit/>
+          </a:bodyPr>
+          <a:lstStyle/>
+          <a:p>
+            <a:pPr algn="ctr"/>
+            <a:r>
+              <a:rPr lang="en-US" sz="1000" dirty="0"/>
+              <a:t>Soil Erosion</a:t>
+            </a:r>
+          </a:p>
+        </p:txBody>
+      </p:sp>
+      <p:sp>
+        <p:nvSpPr>
+          <p:cNvPr id="86" name="TextBox 85">
+            <a:extLst>
+              <a:ext uri="{FF2B5EF4-FFF2-40B4-BE49-F238E27FC236}">
+                <a16:creationId xmlns:a16="http://schemas.microsoft.com/office/drawing/2014/main" id="{8FF35A50-2D70-45A5-97C0-09FA7E9396C3}"/>
+              </a:ext>
+            </a:extLst>
+          </p:cNvPr>
+          <p:cNvSpPr txBox="1"/>
+          <p:nvPr/>
+        </p:nvSpPr>
+        <p:spPr>
+          <a:xfrm>
+            <a:off x="3143563" y="4878132"/>
+            <a:ext cx="1614352" cy="400110"/>
+          </a:xfrm>
+          <a:prstGeom prst="rect">
+            <a:avLst/>
+          </a:prstGeom>
+          <a:solidFill>
+            <a:schemeClr val="accent2"/>
+          </a:solidFill>
+          <a:ln w="9525">
             <a:solidFill>
-              <a:schemeClr val="accent2"/>
+              <a:schemeClr val="tx1"/>
             </a:solidFill>
-            <a:ln w="9525">
-              <a:solidFill>
-                <a:schemeClr val="tx1"/>
-              </a:solidFill>
-            </a:ln>
-          </p:spPr>
-          <p:txBody>
-            <a:bodyPr wrap="square" rtlCol="0">
-              <a:spAutoFit/>
-            </a:bodyPr>
-            <a:lstStyle/>
-            <a:p>
-              <a:pPr algn="ctr"/>
-              <a:r>
-                <a:rPr lang="en-US" sz="1000" dirty="0"/>
-                <a:t>Soil Erosion</a:t>
-              </a:r>
-            </a:p>
-          </p:txBody>
-        </p:sp>
-        <p:sp>
-          <p:nvSpPr>
-            <p:cNvPr id="86" name="TextBox 85">
-              <a:extLst>
-                <a:ext uri="{FF2B5EF4-FFF2-40B4-BE49-F238E27FC236}">
-                  <a16:creationId xmlns:a16="http://schemas.microsoft.com/office/drawing/2014/main" id="{8FF35A50-2D70-45A5-97C0-09FA7E9396C3}"/>
-                </a:ext>
-              </a:extLst>
-            </p:cNvPr>
-            <p:cNvSpPr txBox="1"/>
-            <p:nvPr/>
-          </p:nvSpPr>
-          <p:spPr>
-            <a:xfrm>
-              <a:off x="3143563" y="4878132"/>
-              <a:ext cx="1614352" cy="400110"/>
-            </a:xfrm>
-            <a:prstGeom prst="rect">
-              <a:avLst/>
-            </a:prstGeom>
+          </a:ln>
+        </p:spPr>
+        <p:txBody>
+          <a:bodyPr wrap="square" rtlCol="0">
+            <a:spAutoFit/>
+          </a:bodyPr>
+          <a:lstStyle/>
+          <a:p>
+            <a:pPr algn="ctr"/>
+            <a:r>
+              <a:rPr lang="en-US" sz="1000" dirty="0"/>
+              <a:t>Soil porosity</a:t>
+            </a:r>
+          </a:p>
+        </p:txBody>
+      </p:sp>
+      <p:sp>
+        <p:nvSpPr>
+          <p:cNvPr id="12" name="TextBox 11">
+            <a:extLst>
+              <a:ext uri="{FF2B5EF4-FFF2-40B4-BE49-F238E27FC236}">
+                <a16:creationId xmlns:a16="http://schemas.microsoft.com/office/drawing/2014/main" id="{746B2C31-FA0B-46FE-8943-7254BCEF2D15}"/>
+              </a:ext>
+            </a:extLst>
+          </p:cNvPr>
+          <p:cNvSpPr txBox="1"/>
+          <p:nvPr/>
+        </p:nvSpPr>
+        <p:spPr>
+          <a:xfrm>
+            <a:off x="1596665" y="6086983"/>
+            <a:ext cx="2082607" cy="246221"/>
+          </a:xfrm>
+          <a:prstGeom prst="rect">
+            <a:avLst/>
+          </a:prstGeom>
+          <a:solidFill>
+            <a:schemeClr val="accent2"/>
+          </a:solidFill>
+          <a:ln w="9525">
             <a:solidFill>
-              <a:schemeClr val="accent2"/>
+              <a:schemeClr val="tx1"/>
             </a:solidFill>
-            <a:ln w="9525">
-              <a:solidFill>
-                <a:schemeClr val="tx1"/>
-              </a:solidFill>
-            </a:ln>
-          </p:spPr>
-          <p:txBody>
-            <a:bodyPr wrap="square" rtlCol="0">
-              <a:spAutoFit/>
-            </a:bodyPr>
-            <a:lstStyle/>
-            <a:p>
-              <a:pPr algn="ctr"/>
-              <a:r>
-                <a:rPr lang="en-US" sz="1000" dirty="0"/>
-                <a:t>Soil porosity</a:t>
-              </a:r>
-            </a:p>
-          </p:txBody>
-        </p:sp>
-        <p:sp>
-          <p:nvSpPr>
-            <p:cNvPr id="12" name="TextBox 11">
-              <a:extLst>
-                <a:ext uri="{FF2B5EF4-FFF2-40B4-BE49-F238E27FC236}">
-                  <a16:creationId xmlns:a16="http://schemas.microsoft.com/office/drawing/2014/main" id="{746B2C31-FA0B-46FE-8943-7254BCEF2D15}"/>
-                </a:ext>
-              </a:extLst>
-            </p:cNvPr>
-            <p:cNvSpPr txBox="1"/>
-            <p:nvPr/>
-          </p:nvSpPr>
-          <p:spPr>
-            <a:xfrm>
-              <a:off x="1596665" y="5977654"/>
-              <a:ext cx="2082607" cy="246221"/>
-            </a:xfrm>
-            <a:prstGeom prst="rect">
-              <a:avLst/>
-            </a:prstGeom>
+          </a:ln>
+        </p:spPr>
+        <p:txBody>
+          <a:bodyPr wrap="square" rtlCol="0">
+            <a:spAutoFit/>
+          </a:bodyPr>
+          <a:lstStyle/>
+          <a:p>
+            <a:pPr algn="ctr"/>
+            <a:r>
+              <a:rPr lang="en-US" sz="1000" dirty="0"/>
+              <a:t>Capillary forces</a:t>
+            </a:r>
+          </a:p>
+        </p:txBody>
+      </p:sp>
+      <p:sp>
+        <p:nvSpPr>
+          <p:cNvPr id="16" name="TextBox 15">
+            <a:extLst>
+              <a:ext uri="{FF2B5EF4-FFF2-40B4-BE49-F238E27FC236}">
+                <a16:creationId xmlns:a16="http://schemas.microsoft.com/office/drawing/2014/main" id="{6EFC2D2F-82ED-4332-86E1-5D3DCB71E395}"/>
+              </a:ext>
+            </a:extLst>
+          </p:cNvPr>
+          <p:cNvSpPr txBox="1"/>
+          <p:nvPr/>
+        </p:nvSpPr>
+        <p:spPr>
+          <a:xfrm>
+            <a:off x="4104087" y="1991202"/>
+            <a:ext cx="655608" cy="400110"/>
+          </a:xfrm>
+          <a:prstGeom prst="rect">
+            <a:avLst/>
+          </a:prstGeom>
+          <a:solidFill>
+            <a:schemeClr val="accent2"/>
+          </a:solidFill>
+          <a:ln w="9525">
             <a:solidFill>
-              <a:schemeClr val="accent2"/>
+              <a:schemeClr val="tx1"/>
             </a:solidFill>
-            <a:ln w="9525">
-              <a:solidFill>
-                <a:schemeClr val="tx1"/>
-              </a:solidFill>
-            </a:ln>
-          </p:spPr>
-          <p:txBody>
-            <a:bodyPr wrap="square" rtlCol="0">
-              <a:spAutoFit/>
-            </a:bodyPr>
-            <a:lstStyle/>
-            <a:p>
-              <a:pPr algn="ctr"/>
-              <a:r>
-                <a:rPr lang="en-US" sz="1000" dirty="0"/>
-                <a:t>Capillary forces</a:t>
-              </a:r>
-            </a:p>
-          </p:txBody>
-        </p:sp>
-        <p:sp>
-          <p:nvSpPr>
-            <p:cNvPr id="16" name="TextBox 15">
-              <a:extLst>
-                <a:ext uri="{FF2B5EF4-FFF2-40B4-BE49-F238E27FC236}">
-                  <a16:creationId xmlns:a16="http://schemas.microsoft.com/office/drawing/2014/main" id="{6EFC2D2F-82ED-4332-86E1-5D3DCB71E395}"/>
-                </a:ext>
-              </a:extLst>
-            </p:cNvPr>
-            <p:cNvSpPr txBox="1"/>
-            <p:nvPr/>
-          </p:nvSpPr>
-          <p:spPr>
-            <a:xfrm>
-              <a:off x="4104087" y="1991202"/>
-              <a:ext cx="655608" cy="400110"/>
-            </a:xfrm>
-            <a:prstGeom prst="rect">
-              <a:avLst/>
-            </a:prstGeom>
+          </a:ln>
+        </p:spPr>
+        <p:txBody>
+          <a:bodyPr wrap="square" rtlCol="0">
+            <a:spAutoFit/>
+          </a:bodyPr>
+          <a:lstStyle/>
+          <a:p>
+            <a:pPr algn="ctr"/>
+            <a:r>
+              <a:rPr lang="en-US" sz="1000" dirty="0"/>
+              <a:t>Soil Biology</a:t>
+            </a:r>
+          </a:p>
+        </p:txBody>
+      </p:sp>
+      <p:sp>
+        <p:nvSpPr>
+          <p:cNvPr id="96" name="TextBox 95">
+            <a:extLst>
+              <a:ext uri="{FF2B5EF4-FFF2-40B4-BE49-F238E27FC236}">
+                <a16:creationId xmlns:a16="http://schemas.microsoft.com/office/drawing/2014/main" id="{072EE3DC-7571-43F1-B7BC-E9FB70EDEBA6}"/>
+              </a:ext>
+            </a:extLst>
+          </p:cNvPr>
+          <p:cNvSpPr txBox="1"/>
+          <p:nvPr/>
+        </p:nvSpPr>
+        <p:spPr>
+          <a:xfrm>
+            <a:off x="4117845" y="6526289"/>
+            <a:ext cx="873188" cy="400110"/>
+          </a:xfrm>
+          <a:prstGeom prst="rect">
+            <a:avLst/>
+          </a:prstGeom>
+          <a:solidFill>
+            <a:schemeClr val="bg2"/>
+          </a:solidFill>
+          <a:ln w="9525">
             <a:solidFill>
-              <a:schemeClr val="accent2"/>
+              <a:schemeClr val="tx1"/>
             </a:solidFill>
-            <a:ln w="9525">
-              <a:solidFill>
-                <a:schemeClr val="tx1"/>
-              </a:solidFill>
-            </a:ln>
-          </p:spPr>
-          <p:txBody>
-            <a:bodyPr wrap="square" rtlCol="0">
-              <a:spAutoFit/>
-            </a:bodyPr>
-            <a:lstStyle/>
-            <a:p>
-              <a:pPr algn="ctr"/>
-              <a:r>
-                <a:rPr lang="en-US" sz="1000" dirty="0"/>
-                <a:t>Soil Biology</a:t>
-              </a:r>
-            </a:p>
-          </p:txBody>
-        </p:sp>
-        <p:sp>
-          <p:nvSpPr>
-            <p:cNvPr id="96" name="TextBox 95">
-              <a:extLst>
-                <a:ext uri="{FF2B5EF4-FFF2-40B4-BE49-F238E27FC236}">
-                  <a16:creationId xmlns:a16="http://schemas.microsoft.com/office/drawing/2014/main" id="{072EE3DC-7571-43F1-B7BC-E9FB70EDEBA6}"/>
-                </a:ext>
-              </a:extLst>
-            </p:cNvPr>
-            <p:cNvSpPr txBox="1"/>
-            <p:nvPr/>
-          </p:nvSpPr>
-          <p:spPr>
-            <a:xfrm>
-              <a:off x="4117845" y="6526289"/>
-              <a:ext cx="873188" cy="400110"/>
-            </a:xfrm>
-            <a:prstGeom prst="rect">
-              <a:avLst/>
-            </a:prstGeom>
-            <a:solidFill>
-              <a:schemeClr val="bg2"/>
-            </a:solidFill>
-            <a:ln w="9525">
-              <a:solidFill>
-                <a:schemeClr val="tx1"/>
-              </a:solidFill>
-            </a:ln>
-          </p:spPr>
-          <p:txBody>
-            <a:bodyPr wrap="square" rtlCol="0">
-              <a:spAutoFit/>
-            </a:bodyPr>
-            <a:lstStyle/>
-            <a:p>
-              <a:pPr algn="ctr"/>
-              <a:r>
-                <a:rPr lang="en-US" sz="1000" dirty="0"/>
-                <a:t>Total soil water</a:t>
-              </a:r>
-            </a:p>
-          </p:txBody>
-        </p:sp>
-        <p:sp>
-          <p:nvSpPr>
-            <p:cNvPr id="53" name="Rectangle 52">
-              <a:extLst>
-                <a:ext uri="{FF2B5EF4-FFF2-40B4-BE49-F238E27FC236}">
-                  <a16:creationId xmlns:a16="http://schemas.microsoft.com/office/drawing/2014/main" id="{9D7E2AF7-1946-4EEA-83B6-3F3D8E0738EE}"/>
-                </a:ext>
-              </a:extLst>
-            </p:cNvPr>
-            <p:cNvSpPr/>
-            <p:nvPr/>
-          </p:nvSpPr>
-          <p:spPr>
-            <a:xfrm>
-              <a:off x="1788291" y="3650760"/>
-              <a:ext cx="148990" cy="95788"/>
-            </a:xfrm>
-            <a:prstGeom prst="rect">
-              <a:avLst/>
-            </a:prstGeom>
+          </a:ln>
+        </p:spPr>
+        <p:txBody>
+          <a:bodyPr wrap="square" rtlCol="0">
+            <a:spAutoFit/>
+          </a:bodyPr>
+          <a:lstStyle/>
+          <a:p>
+            <a:pPr algn="ctr"/>
+            <a:r>
+              <a:rPr lang="en-US" sz="1000" dirty="0" smtClean="0"/>
+              <a:t>(2) Soil water at saturation</a:t>
+            </a:r>
+            <a:endParaRPr lang="en-US" sz="1000" dirty="0"/>
+          </a:p>
+        </p:txBody>
+      </p:sp>
+      <p:sp>
+        <p:nvSpPr>
+          <p:cNvPr id="53" name="Rectangle 52">
+            <a:extLst>
+              <a:ext uri="{FF2B5EF4-FFF2-40B4-BE49-F238E27FC236}">
+                <a16:creationId xmlns:a16="http://schemas.microsoft.com/office/drawing/2014/main" id="{9D7E2AF7-1946-4EEA-83B6-3F3D8E0738EE}"/>
+              </a:ext>
+            </a:extLst>
+          </p:cNvPr>
+          <p:cNvSpPr/>
+          <p:nvPr/>
+        </p:nvSpPr>
+        <p:spPr>
+          <a:xfrm>
+            <a:off x="1788291" y="3650760"/>
+            <a:ext cx="148990" cy="95788"/>
+          </a:xfrm>
+          <a:prstGeom prst="rect">
+            <a:avLst/>
+          </a:prstGeom>
+          <a:solidFill>
+            <a:schemeClr val="bg1"/>
+          </a:solidFill>
+          <a:ln w="9525">
             <a:solidFill>
               <a:schemeClr val="bg1"/>
             </a:solidFill>
-            <a:ln w="9525">
-              <a:solidFill>
-                <a:schemeClr val="bg1"/>
-              </a:solidFill>
-            </a:ln>
-          </p:spPr>
-          <p:style>
-            <a:lnRef idx="2">
-              <a:schemeClr val="accent1">
-                <a:shade val="50000"/>
-              </a:schemeClr>
-            </a:lnRef>
-            <a:fillRef idx="1">
-              <a:schemeClr val="accent1"/>
-            </a:fillRef>
-            <a:effectRef idx="0">
-              <a:schemeClr val="accent1"/>
-            </a:effectRef>
-            <a:fontRef idx="minor">
-              <a:schemeClr val="lt1"/>
-            </a:fontRef>
-          </p:style>
-          <p:txBody>
-            <a:bodyPr rtlCol="0" anchor="ctr"/>
-            <a:lstStyle/>
-            <a:p>
-              <a:pPr algn="ctr"/>
-              <a:endParaRPr lang="en-US"/>
-            </a:p>
-          </p:txBody>
-        </p:sp>
-        <p:cxnSp>
-          <p:nvCxnSpPr>
-            <p:cNvPr id="156" name="Straight Arrow Connector 155">
-              <a:extLst>
-                <a:ext uri="{FF2B5EF4-FFF2-40B4-BE49-F238E27FC236}">
-                  <a16:creationId xmlns:a16="http://schemas.microsoft.com/office/drawing/2014/main" id="{F2F5C4B5-3009-4604-B153-A758FB3D3B9F}"/>
-                </a:ext>
-              </a:extLst>
-            </p:cNvPr>
-            <p:cNvCxnSpPr>
-              <a:cxnSpLocks/>
-            </p:cNvCxnSpPr>
-            <p:nvPr/>
-          </p:nvCxnSpPr>
-          <p:spPr>
-            <a:xfrm>
-              <a:off x="1874209" y="3099066"/>
-              <a:ext cx="1" cy="766136"/>
-            </a:xfrm>
-            <a:prstGeom prst="straightConnector1">
-              <a:avLst/>
-            </a:prstGeom>
-            <a:ln w="9525">
-              <a:solidFill>
-                <a:schemeClr val="tx1"/>
-              </a:solidFill>
-              <a:tailEnd type="triangle"/>
-            </a:ln>
-          </p:spPr>
-          <p:style>
-            <a:lnRef idx="1">
-              <a:schemeClr val="accent1"/>
-            </a:lnRef>
-            <a:fillRef idx="0">
-              <a:schemeClr val="accent1"/>
-            </a:fillRef>
-            <a:effectRef idx="0">
-              <a:schemeClr val="accent1"/>
-            </a:effectRef>
-            <a:fontRef idx="minor">
+          </a:ln>
+        </p:spPr>
+        <p:style>
+          <a:lnRef idx="2">
+            <a:schemeClr val="accent1">
+              <a:shade val="50000"/>
+            </a:schemeClr>
+          </a:lnRef>
+          <a:fillRef idx="1">
+            <a:schemeClr val="accent1"/>
+          </a:fillRef>
+          <a:effectRef idx="0">
+            <a:schemeClr val="accent1"/>
+          </a:effectRef>
+          <a:fontRef idx="minor">
+            <a:schemeClr val="lt1"/>
+          </a:fontRef>
+        </p:style>
+        <p:txBody>
+          <a:bodyPr rtlCol="0" anchor="ctr"/>
+          <a:lstStyle/>
+          <a:p>
+            <a:pPr algn="ctr"/>
+            <a:endParaRPr lang="en-US"/>
+          </a:p>
+        </p:txBody>
+      </p:sp>
+      <p:cxnSp>
+        <p:nvCxnSpPr>
+          <p:cNvPr id="156" name="Straight Arrow Connector 155">
+            <a:extLst>
+              <a:ext uri="{FF2B5EF4-FFF2-40B4-BE49-F238E27FC236}">
+                <a16:creationId xmlns:a16="http://schemas.microsoft.com/office/drawing/2014/main" id="{F2F5C4B5-3009-4604-B153-A758FB3D3B9F}"/>
+              </a:ext>
+            </a:extLst>
+          </p:cNvPr>
+          <p:cNvCxnSpPr>
+            <a:cxnSpLocks/>
+          </p:cNvCxnSpPr>
+          <p:nvPr/>
+        </p:nvCxnSpPr>
+        <p:spPr>
+          <a:xfrm>
+            <a:off x="1874209" y="3099066"/>
+            <a:ext cx="1" cy="766136"/>
+          </a:xfrm>
+          <a:prstGeom prst="straightConnector1">
+            <a:avLst/>
+          </a:prstGeom>
+          <a:ln w="9525">
+            <a:solidFill>
               <a:schemeClr val="tx1"/>
-            </a:fontRef>
-          </p:style>
-        </p:cxnSp>
-        <p:sp>
-          <p:nvSpPr>
-            <p:cNvPr id="55" name="Rectangle 54">
-              <a:extLst>
-                <a:ext uri="{FF2B5EF4-FFF2-40B4-BE49-F238E27FC236}">
-                  <a16:creationId xmlns:a16="http://schemas.microsoft.com/office/drawing/2014/main" id="{23B64D1E-71E7-4B90-852C-1FFD78174AB2}"/>
-                </a:ext>
-              </a:extLst>
-            </p:cNvPr>
-            <p:cNvSpPr/>
-            <p:nvPr/>
-          </p:nvSpPr>
-          <p:spPr>
-            <a:xfrm>
-              <a:off x="1749149" y="5049716"/>
-              <a:ext cx="123132" cy="95788"/>
-            </a:xfrm>
-            <a:prstGeom prst="rect">
-              <a:avLst/>
-            </a:prstGeom>
+            </a:solidFill>
+            <a:tailEnd type="triangle"/>
+          </a:ln>
+        </p:spPr>
+        <p:style>
+          <a:lnRef idx="1">
+            <a:schemeClr val="accent1"/>
+          </a:lnRef>
+          <a:fillRef idx="0">
+            <a:schemeClr val="accent1"/>
+          </a:fillRef>
+          <a:effectRef idx="0">
+            <a:schemeClr val="accent1"/>
+          </a:effectRef>
+          <a:fontRef idx="minor">
+            <a:schemeClr val="tx1"/>
+          </a:fontRef>
+        </p:style>
+      </p:cxnSp>
+      <p:sp>
+        <p:nvSpPr>
+          <p:cNvPr id="55" name="Rectangle 54">
+            <a:extLst>
+              <a:ext uri="{FF2B5EF4-FFF2-40B4-BE49-F238E27FC236}">
+                <a16:creationId xmlns:a16="http://schemas.microsoft.com/office/drawing/2014/main" id="{23B64D1E-71E7-4B90-852C-1FFD78174AB2}"/>
+              </a:ext>
+            </a:extLst>
+          </p:cNvPr>
+          <p:cNvSpPr/>
+          <p:nvPr/>
+        </p:nvSpPr>
+        <p:spPr>
+          <a:xfrm>
+            <a:off x="1749149" y="5049716"/>
+            <a:ext cx="123132" cy="95788"/>
+          </a:xfrm>
+          <a:prstGeom prst="rect">
+            <a:avLst/>
+          </a:prstGeom>
+          <a:solidFill>
+            <a:schemeClr val="bg1"/>
+          </a:solidFill>
+          <a:ln w="9525">
             <a:solidFill>
               <a:schemeClr val="bg1"/>
             </a:solidFill>
-            <a:ln w="9525">
-              <a:solidFill>
-                <a:schemeClr val="bg1"/>
-              </a:solidFill>
-            </a:ln>
-          </p:spPr>
-          <p:style>
-            <a:lnRef idx="2">
-              <a:schemeClr val="accent1">
-                <a:shade val="50000"/>
-              </a:schemeClr>
-            </a:lnRef>
-            <a:fillRef idx="1">
-              <a:schemeClr val="accent1"/>
-            </a:fillRef>
-            <a:effectRef idx="0">
-              <a:schemeClr val="accent1"/>
-            </a:effectRef>
-            <a:fontRef idx="minor">
-              <a:schemeClr val="lt1"/>
-            </a:fontRef>
-          </p:style>
-          <p:txBody>
-            <a:bodyPr rtlCol="0" anchor="ctr"/>
-            <a:lstStyle/>
-            <a:p>
-              <a:pPr algn="ctr"/>
-              <a:endParaRPr lang="en-US"/>
-            </a:p>
-          </p:txBody>
-        </p:sp>
-        <p:sp>
-          <p:nvSpPr>
-            <p:cNvPr id="56" name="Rectangle 55">
-              <a:extLst>
-                <a:ext uri="{FF2B5EF4-FFF2-40B4-BE49-F238E27FC236}">
-                  <a16:creationId xmlns:a16="http://schemas.microsoft.com/office/drawing/2014/main" id="{36661A51-A0F5-4A10-BC66-CD93694E17DC}"/>
-                </a:ext>
-              </a:extLst>
-            </p:cNvPr>
-            <p:cNvSpPr/>
-            <p:nvPr/>
-          </p:nvSpPr>
-          <p:spPr>
-            <a:xfrm>
-              <a:off x="2609375" y="5030293"/>
-              <a:ext cx="123132" cy="95788"/>
-            </a:xfrm>
-            <a:prstGeom prst="rect">
-              <a:avLst/>
-            </a:prstGeom>
+          </a:ln>
+        </p:spPr>
+        <p:style>
+          <a:lnRef idx="2">
+            <a:schemeClr val="accent1">
+              <a:shade val="50000"/>
+            </a:schemeClr>
+          </a:lnRef>
+          <a:fillRef idx="1">
+            <a:schemeClr val="accent1"/>
+          </a:fillRef>
+          <a:effectRef idx="0">
+            <a:schemeClr val="accent1"/>
+          </a:effectRef>
+          <a:fontRef idx="minor">
+            <a:schemeClr val="lt1"/>
+          </a:fontRef>
+        </p:style>
+        <p:txBody>
+          <a:bodyPr rtlCol="0" anchor="ctr"/>
+          <a:lstStyle/>
+          <a:p>
+            <a:pPr algn="ctr"/>
+            <a:endParaRPr lang="en-US"/>
+          </a:p>
+        </p:txBody>
+      </p:sp>
+      <p:sp>
+        <p:nvSpPr>
+          <p:cNvPr id="56" name="Rectangle 55">
+            <a:extLst>
+              <a:ext uri="{FF2B5EF4-FFF2-40B4-BE49-F238E27FC236}">
+                <a16:creationId xmlns:a16="http://schemas.microsoft.com/office/drawing/2014/main" id="{36661A51-A0F5-4A10-BC66-CD93694E17DC}"/>
+              </a:ext>
+            </a:extLst>
+          </p:cNvPr>
+          <p:cNvSpPr/>
+          <p:nvPr/>
+        </p:nvSpPr>
+        <p:spPr>
+          <a:xfrm>
+            <a:off x="2609375" y="5030293"/>
+            <a:ext cx="123132" cy="95788"/>
+          </a:xfrm>
+          <a:prstGeom prst="rect">
+            <a:avLst/>
+          </a:prstGeom>
+          <a:solidFill>
+            <a:schemeClr val="bg1"/>
+          </a:solidFill>
+          <a:ln w="9525">
             <a:solidFill>
               <a:schemeClr val="bg1"/>
             </a:solidFill>
-            <a:ln w="9525">
-              <a:solidFill>
-                <a:schemeClr val="bg1"/>
-              </a:solidFill>
-            </a:ln>
-          </p:spPr>
-          <p:style>
-            <a:lnRef idx="2">
-              <a:schemeClr val="accent1">
-                <a:shade val="50000"/>
-              </a:schemeClr>
-            </a:lnRef>
-            <a:fillRef idx="1">
-              <a:schemeClr val="accent1"/>
-            </a:fillRef>
-            <a:effectRef idx="0">
-              <a:schemeClr val="accent1"/>
-            </a:effectRef>
-            <a:fontRef idx="minor">
-              <a:schemeClr val="lt1"/>
-            </a:fontRef>
-          </p:style>
-          <p:txBody>
-            <a:bodyPr rtlCol="0" anchor="ctr"/>
-            <a:lstStyle/>
-            <a:p>
-              <a:pPr algn="ctr"/>
-              <a:endParaRPr lang="en-US"/>
-            </a:p>
-          </p:txBody>
-        </p:sp>
-        <p:cxnSp>
-          <p:nvCxnSpPr>
-            <p:cNvPr id="172" name="Straight Arrow Connector 171">
-              <a:extLst>
-                <a:ext uri="{FF2B5EF4-FFF2-40B4-BE49-F238E27FC236}">
-                  <a16:creationId xmlns:a16="http://schemas.microsoft.com/office/drawing/2014/main" id="{FC8C7FFC-E011-4F67-A04C-8CFC4A5730E2}"/>
-                </a:ext>
-              </a:extLst>
-            </p:cNvPr>
-            <p:cNvCxnSpPr>
-              <a:cxnSpLocks/>
-            </p:cNvCxnSpPr>
-            <p:nvPr/>
-          </p:nvCxnSpPr>
-          <p:spPr>
-            <a:xfrm flipH="1">
-              <a:off x="2685100" y="4059670"/>
-              <a:ext cx="2283" cy="1375601"/>
-            </a:xfrm>
-            <a:prstGeom prst="straightConnector1">
-              <a:avLst/>
-            </a:prstGeom>
-            <a:ln w="9525">
-              <a:solidFill>
-                <a:schemeClr val="tx1"/>
-              </a:solidFill>
-              <a:tailEnd type="triangle"/>
-            </a:ln>
-          </p:spPr>
-          <p:style>
-            <a:lnRef idx="1">
-              <a:schemeClr val="accent1"/>
-            </a:lnRef>
-            <a:fillRef idx="0">
-              <a:schemeClr val="accent1"/>
-            </a:fillRef>
-            <a:effectRef idx="0">
-              <a:schemeClr val="accent1"/>
-            </a:effectRef>
-            <a:fontRef idx="minor">
+          </a:ln>
+        </p:spPr>
+        <p:style>
+          <a:lnRef idx="2">
+            <a:schemeClr val="accent1">
+              <a:shade val="50000"/>
+            </a:schemeClr>
+          </a:lnRef>
+          <a:fillRef idx="1">
+            <a:schemeClr val="accent1"/>
+          </a:fillRef>
+          <a:effectRef idx="0">
+            <a:schemeClr val="accent1"/>
+          </a:effectRef>
+          <a:fontRef idx="minor">
+            <a:schemeClr val="lt1"/>
+          </a:fontRef>
+        </p:style>
+        <p:txBody>
+          <a:bodyPr rtlCol="0" anchor="ctr"/>
+          <a:lstStyle/>
+          <a:p>
+            <a:pPr algn="ctr"/>
+            <a:endParaRPr lang="en-US"/>
+          </a:p>
+        </p:txBody>
+      </p:sp>
+      <p:cxnSp>
+        <p:nvCxnSpPr>
+          <p:cNvPr id="172" name="Straight Arrow Connector 171">
+            <a:extLst>
+              <a:ext uri="{FF2B5EF4-FFF2-40B4-BE49-F238E27FC236}">
+                <a16:creationId xmlns:a16="http://schemas.microsoft.com/office/drawing/2014/main" id="{FC8C7FFC-E011-4F67-A04C-8CFC4A5730E2}"/>
+              </a:ext>
+            </a:extLst>
+          </p:cNvPr>
+          <p:cNvCxnSpPr>
+            <a:cxnSpLocks/>
+          </p:cNvCxnSpPr>
+          <p:nvPr/>
+        </p:nvCxnSpPr>
+        <p:spPr>
+          <a:xfrm flipH="1">
+            <a:off x="2685100" y="4059670"/>
+            <a:ext cx="2283" cy="1375601"/>
+          </a:xfrm>
+          <a:prstGeom prst="straightConnector1">
+            <a:avLst/>
+          </a:prstGeom>
+          <a:ln w="9525">
+            <a:solidFill>
               <a:schemeClr val="tx1"/>
-            </a:fontRef>
-          </p:style>
-        </p:cxnSp>
-        <p:cxnSp>
-          <p:nvCxnSpPr>
-            <p:cNvPr id="173" name="Straight Arrow Connector 172">
-              <a:extLst>
-                <a:ext uri="{FF2B5EF4-FFF2-40B4-BE49-F238E27FC236}">
-                  <a16:creationId xmlns:a16="http://schemas.microsoft.com/office/drawing/2014/main" id="{8805674A-7166-4CBD-9F3E-9EB4FB455B28}"/>
-                </a:ext>
-              </a:extLst>
-            </p:cNvPr>
-            <p:cNvCxnSpPr>
-              <a:cxnSpLocks/>
-            </p:cNvCxnSpPr>
-            <p:nvPr/>
-          </p:nvCxnSpPr>
-          <p:spPr>
-            <a:xfrm flipH="1">
-              <a:off x="1788783" y="4427875"/>
-              <a:ext cx="4104" cy="990970"/>
-            </a:xfrm>
-            <a:prstGeom prst="straightConnector1">
-              <a:avLst/>
-            </a:prstGeom>
-            <a:ln w="9525">
-              <a:solidFill>
-                <a:schemeClr val="tx1"/>
-              </a:solidFill>
-              <a:tailEnd type="triangle"/>
-            </a:ln>
-          </p:spPr>
-          <p:style>
-            <a:lnRef idx="1">
-              <a:schemeClr val="accent1"/>
-            </a:lnRef>
-            <a:fillRef idx="0">
-              <a:schemeClr val="accent1"/>
-            </a:fillRef>
-            <a:effectRef idx="0">
-              <a:schemeClr val="accent1"/>
-            </a:effectRef>
-            <a:fontRef idx="minor">
+            </a:solidFill>
+            <a:tailEnd type="triangle"/>
+          </a:ln>
+        </p:spPr>
+        <p:style>
+          <a:lnRef idx="1">
+            <a:schemeClr val="accent1"/>
+          </a:lnRef>
+          <a:fillRef idx="0">
+            <a:schemeClr val="accent1"/>
+          </a:fillRef>
+          <a:effectRef idx="0">
+            <a:schemeClr val="accent1"/>
+          </a:effectRef>
+          <a:fontRef idx="minor">
+            <a:schemeClr val="tx1"/>
+          </a:fontRef>
+        </p:style>
+      </p:cxnSp>
+      <p:cxnSp>
+        <p:nvCxnSpPr>
+          <p:cNvPr id="173" name="Straight Arrow Connector 172">
+            <a:extLst>
+              <a:ext uri="{FF2B5EF4-FFF2-40B4-BE49-F238E27FC236}">
+                <a16:creationId xmlns:a16="http://schemas.microsoft.com/office/drawing/2014/main" id="{8805674A-7166-4CBD-9F3E-9EB4FB455B28}"/>
+              </a:ext>
+            </a:extLst>
+          </p:cNvPr>
+          <p:cNvCxnSpPr>
+            <a:cxnSpLocks/>
+          </p:cNvCxnSpPr>
+          <p:nvPr/>
+        </p:nvCxnSpPr>
+        <p:spPr>
+          <a:xfrm flipH="1">
+            <a:off x="1788783" y="4427875"/>
+            <a:ext cx="4104" cy="990970"/>
+          </a:xfrm>
+          <a:prstGeom prst="straightConnector1">
+            <a:avLst/>
+          </a:prstGeom>
+          <a:ln w="9525">
+            <a:solidFill>
               <a:schemeClr val="tx1"/>
-            </a:fontRef>
-          </p:style>
-        </p:cxnSp>
-        <p:sp>
-          <p:nvSpPr>
-            <p:cNvPr id="58" name="Rectangle 57">
-              <a:extLst>
-                <a:ext uri="{FF2B5EF4-FFF2-40B4-BE49-F238E27FC236}">
-                  <a16:creationId xmlns:a16="http://schemas.microsoft.com/office/drawing/2014/main" id="{5E006E4D-0623-40B1-B8A2-E05513A47854}"/>
-                </a:ext>
-              </a:extLst>
-            </p:cNvPr>
-            <p:cNvSpPr/>
-            <p:nvPr/>
-          </p:nvSpPr>
-          <p:spPr>
-            <a:xfrm>
-              <a:off x="3314081" y="3891859"/>
-              <a:ext cx="123132" cy="95788"/>
-            </a:xfrm>
-            <a:prstGeom prst="rect">
-              <a:avLst/>
-            </a:prstGeom>
+            </a:solidFill>
+            <a:tailEnd type="triangle"/>
+          </a:ln>
+        </p:spPr>
+        <p:style>
+          <a:lnRef idx="1">
+            <a:schemeClr val="accent1"/>
+          </a:lnRef>
+          <a:fillRef idx="0">
+            <a:schemeClr val="accent1"/>
+          </a:fillRef>
+          <a:effectRef idx="0">
+            <a:schemeClr val="accent1"/>
+          </a:effectRef>
+          <a:fontRef idx="minor">
+            <a:schemeClr val="tx1"/>
+          </a:fontRef>
+        </p:style>
+      </p:cxnSp>
+      <p:sp>
+        <p:nvSpPr>
+          <p:cNvPr id="58" name="Rectangle 57">
+            <a:extLst>
+              <a:ext uri="{FF2B5EF4-FFF2-40B4-BE49-F238E27FC236}">
+                <a16:creationId xmlns:a16="http://schemas.microsoft.com/office/drawing/2014/main" id="{5E006E4D-0623-40B1-B8A2-E05513A47854}"/>
+              </a:ext>
+            </a:extLst>
+          </p:cNvPr>
+          <p:cNvSpPr/>
+          <p:nvPr/>
+        </p:nvSpPr>
+        <p:spPr>
+          <a:xfrm>
+            <a:off x="3314081" y="3891859"/>
+            <a:ext cx="123132" cy="95788"/>
+          </a:xfrm>
+          <a:prstGeom prst="rect">
+            <a:avLst/>
+          </a:prstGeom>
+          <a:solidFill>
+            <a:schemeClr val="bg1"/>
+          </a:solidFill>
+          <a:ln w="9525">
             <a:solidFill>
               <a:schemeClr val="bg1"/>
             </a:solidFill>
-            <a:ln w="9525">
-              <a:solidFill>
-                <a:schemeClr val="bg1"/>
-              </a:solidFill>
-            </a:ln>
-          </p:spPr>
-          <p:style>
-            <a:lnRef idx="2">
-              <a:schemeClr val="accent1">
-                <a:shade val="50000"/>
-              </a:schemeClr>
-            </a:lnRef>
-            <a:fillRef idx="1">
-              <a:schemeClr val="accent1"/>
-            </a:fillRef>
-            <a:effectRef idx="0">
-              <a:schemeClr val="accent1"/>
-            </a:effectRef>
-            <a:fontRef idx="minor">
-              <a:schemeClr val="lt1"/>
-            </a:fontRef>
-          </p:style>
-          <p:txBody>
-            <a:bodyPr rtlCol="0" anchor="ctr"/>
-            <a:lstStyle/>
-            <a:p>
-              <a:pPr algn="ctr"/>
-              <a:endParaRPr lang="en-US"/>
-            </a:p>
-          </p:txBody>
-        </p:sp>
-        <p:cxnSp>
-          <p:nvCxnSpPr>
-            <p:cNvPr id="92" name="Straight Arrow Connector 91">
-              <a:extLst>
-                <a:ext uri="{FF2B5EF4-FFF2-40B4-BE49-F238E27FC236}">
-                  <a16:creationId xmlns:a16="http://schemas.microsoft.com/office/drawing/2014/main" id="{D1103426-A3EB-44E5-B05A-CF3D80637CAA}"/>
-                </a:ext>
-              </a:extLst>
-            </p:cNvPr>
-            <p:cNvCxnSpPr>
-              <a:cxnSpLocks/>
-            </p:cNvCxnSpPr>
-            <p:nvPr/>
-          </p:nvCxnSpPr>
-          <p:spPr>
-            <a:xfrm>
-              <a:off x="3378533" y="2501596"/>
-              <a:ext cx="0" cy="2387063"/>
-            </a:xfrm>
-            <a:prstGeom prst="straightConnector1">
-              <a:avLst/>
-            </a:prstGeom>
-            <a:ln w="9525">
-              <a:solidFill>
-                <a:schemeClr val="tx1"/>
-              </a:solidFill>
-              <a:tailEnd type="triangle"/>
-            </a:ln>
-          </p:spPr>
-          <p:style>
-            <a:lnRef idx="1">
-              <a:schemeClr val="accent1"/>
-            </a:lnRef>
-            <a:fillRef idx="0">
-              <a:schemeClr val="accent1"/>
-            </a:fillRef>
-            <a:effectRef idx="0">
-              <a:schemeClr val="accent1"/>
-            </a:effectRef>
-            <a:fontRef idx="minor">
+          </a:ln>
+        </p:spPr>
+        <p:style>
+          <a:lnRef idx="2">
+            <a:schemeClr val="accent1">
+              <a:shade val="50000"/>
+            </a:schemeClr>
+          </a:lnRef>
+          <a:fillRef idx="1">
+            <a:schemeClr val="accent1"/>
+          </a:fillRef>
+          <a:effectRef idx="0">
+            <a:schemeClr val="accent1"/>
+          </a:effectRef>
+          <a:fontRef idx="minor">
+            <a:schemeClr val="lt1"/>
+          </a:fontRef>
+        </p:style>
+        <p:txBody>
+          <a:bodyPr rtlCol="0" anchor="ctr"/>
+          <a:lstStyle/>
+          <a:p>
+            <a:pPr algn="ctr"/>
+            <a:endParaRPr lang="en-US"/>
+          </a:p>
+        </p:txBody>
+      </p:sp>
+      <p:cxnSp>
+        <p:nvCxnSpPr>
+          <p:cNvPr id="92" name="Straight Arrow Connector 91">
+            <a:extLst>
+              <a:ext uri="{FF2B5EF4-FFF2-40B4-BE49-F238E27FC236}">
+                <a16:creationId xmlns:a16="http://schemas.microsoft.com/office/drawing/2014/main" id="{D1103426-A3EB-44E5-B05A-CF3D80637CAA}"/>
+              </a:ext>
+            </a:extLst>
+          </p:cNvPr>
+          <p:cNvCxnSpPr>
+            <a:cxnSpLocks/>
+          </p:cNvCxnSpPr>
+          <p:nvPr/>
+        </p:nvCxnSpPr>
+        <p:spPr>
+          <a:xfrm>
+            <a:off x="3378533" y="2501596"/>
+            <a:ext cx="0" cy="2387063"/>
+          </a:xfrm>
+          <a:prstGeom prst="straightConnector1">
+            <a:avLst/>
+          </a:prstGeom>
+          <a:ln w="9525">
+            <a:solidFill>
               <a:schemeClr val="tx1"/>
-            </a:fontRef>
-          </p:style>
-        </p:cxnSp>
-        <p:sp>
-          <p:nvSpPr>
-            <p:cNvPr id="85" name="TextBox 84">
-              <a:extLst>
-                <a:ext uri="{FF2B5EF4-FFF2-40B4-BE49-F238E27FC236}">
-                  <a16:creationId xmlns:a16="http://schemas.microsoft.com/office/drawing/2014/main" id="{CF804AB6-B196-45FB-8F8E-BCF2A0FB4871}"/>
-                </a:ext>
-              </a:extLst>
-            </p:cNvPr>
-            <p:cNvSpPr txBox="1"/>
-            <p:nvPr/>
-          </p:nvSpPr>
-          <p:spPr>
-            <a:xfrm>
-              <a:off x="2373899" y="3643922"/>
-              <a:ext cx="622402" cy="553998"/>
-            </a:xfrm>
-            <a:prstGeom prst="rect">
-              <a:avLst/>
-            </a:prstGeom>
+            </a:solidFill>
+            <a:tailEnd type="triangle"/>
+          </a:ln>
+        </p:spPr>
+        <p:style>
+          <a:lnRef idx="1">
+            <a:schemeClr val="accent1"/>
+          </a:lnRef>
+          <a:fillRef idx="0">
+            <a:schemeClr val="accent1"/>
+          </a:fillRef>
+          <a:effectRef idx="0">
+            <a:schemeClr val="accent1"/>
+          </a:effectRef>
+          <a:fontRef idx="minor">
+            <a:schemeClr val="tx1"/>
+          </a:fontRef>
+        </p:style>
+      </p:cxnSp>
+      <p:sp>
+        <p:nvSpPr>
+          <p:cNvPr id="85" name="TextBox 84">
+            <a:extLst>
+              <a:ext uri="{FF2B5EF4-FFF2-40B4-BE49-F238E27FC236}">
+                <a16:creationId xmlns:a16="http://schemas.microsoft.com/office/drawing/2014/main" id="{CF804AB6-B196-45FB-8F8E-BCF2A0FB4871}"/>
+              </a:ext>
+            </a:extLst>
+          </p:cNvPr>
+          <p:cNvSpPr txBox="1"/>
+          <p:nvPr/>
+        </p:nvSpPr>
+        <p:spPr>
+          <a:xfrm>
+            <a:off x="2373899" y="3643922"/>
+            <a:ext cx="622402" cy="553998"/>
+          </a:xfrm>
+          <a:prstGeom prst="rect">
+            <a:avLst/>
+          </a:prstGeom>
+          <a:solidFill>
+            <a:schemeClr val="accent2"/>
+          </a:solidFill>
+          <a:ln w="9525">
             <a:solidFill>
-              <a:schemeClr val="accent2"/>
+              <a:schemeClr val="tx1"/>
             </a:solidFill>
-            <a:ln w="9525">
-              <a:solidFill>
-                <a:schemeClr val="tx1"/>
-              </a:solidFill>
-            </a:ln>
-          </p:spPr>
-          <p:txBody>
-            <a:bodyPr wrap="square" rtlCol="0">
-              <a:spAutoFit/>
-            </a:bodyPr>
-            <a:lstStyle/>
-            <a:p>
-              <a:pPr algn="ctr"/>
-              <a:r>
-                <a:rPr lang="en-US" sz="1000" dirty="0"/>
-                <a:t>Soil aggregation</a:t>
-              </a:r>
-            </a:p>
-          </p:txBody>
-        </p:sp>
-        <p:sp>
-          <p:nvSpPr>
-            <p:cNvPr id="5" name="TextBox 4">
-              <a:extLst>
-                <a:ext uri="{FF2B5EF4-FFF2-40B4-BE49-F238E27FC236}">
-                  <a16:creationId xmlns:a16="http://schemas.microsoft.com/office/drawing/2014/main" id="{FB7D1191-B076-4898-9B0F-3270A8A581F9}"/>
-                </a:ext>
-              </a:extLst>
-            </p:cNvPr>
-            <p:cNvSpPr txBox="1"/>
-            <p:nvPr/>
-          </p:nvSpPr>
-          <p:spPr>
-            <a:xfrm>
-              <a:off x="1411035" y="1358867"/>
-              <a:ext cx="3536829" cy="276999"/>
-            </a:xfrm>
-            <a:prstGeom prst="rect">
-              <a:avLst/>
-            </a:prstGeom>
+          </a:ln>
+        </p:spPr>
+        <p:txBody>
+          <a:bodyPr wrap="square" rtlCol="0">
+            <a:spAutoFit/>
+          </a:bodyPr>
+          <a:lstStyle/>
+          <a:p>
+            <a:pPr algn="ctr"/>
+            <a:r>
+              <a:rPr lang="en-US" sz="1000" dirty="0"/>
+              <a:t>Soil aggregation</a:t>
+            </a:r>
+          </a:p>
+        </p:txBody>
+      </p:sp>
+      <p:sp>
+        <p:nvSpPr>
+          <p:cNvPr id="5" name="TextBox 4">
+            <a:extLst>
+              <a:ext uri="{FF2B5EF4-FFF2-40B4-BE49-F238E27FC236}">
+                <a16:creationId xmlns:a16="http://schemas.microsoft.com/office/drawing/2014/main" id="{FB7D1191-B076-4898-9B0F-3270A8A581F9}"/>
+              </a:ext>
+            </a:extLst>
+          </p:cNvPr>
+          <p:cNvSpPr txBox="1"/>
+          <p:nvPr/>
+        </p:nvSpPr>
+        <p:spPr>
+          <a:xfrm>
+            <a:off x="1411035" y="1358867"/>
+            <a:ext cx="3536829" cy="276999"/>
+          </a:xfrm>
+          <a:prstGeom prst="rect">
+            <a:avLst/>
+          </a:prstGeom>
+          <a:solidFill>
+            <a:schemeClr val="accent4"/>
+          </a:solidFill>
+        </p:spPr>
+        <p:txBody>
+          <a:bodyPr wrap="square" rtlCol="0">
+            <a:spAutoFit/>
+          </a:bodyPr>
+          <a:lstStyle/>
+          <a:p>
+            <a:pPr algn="ctr"/>
+            <a:r>
+              <a:rPr lang="en-US" sz="1200" dirty="0"/>
+              <a:t>Cover Crops</a:t>
+            </a:r>
+          </a:p>
+        </p:txBody>
+      </p:sp>
+      <p:sp>
+        <p:nvSpPr>
+          <p:cNvPr id="39" name="TextBox 38">
+            <a:extLst>
+              <a:ext uri="{FF2B5EF4-FFF2-40B4-BE49-F238E27FC236}">
+                <a16:creationId xmlns:a16="http://schemas.microsoft.com/office/drawing/2014/main" id="{C88535CE-04F6-4F00-8976-230E49A5674A}"/>
+              </a:ext>
+            </a:extLst>
+          </p:cNvPr>
+          <p:cNvSpPr txBox="1"/>
+          <p:nvPr/>
+        </p:nvSpPr>
+        <p:spPr>
+          <a:xfrm>
+            <a:off x="1729897" y="2961233"/>
+            <a:ext cx="1418545" cy="246221"/>
+          </a:xfrm>
+          <a:prstGeom prst="rect">
+            <a:avLst/>
+          </a:prstGeom>
+          <a:solidFill>
+            <a:schemeClr val="accent2"/>
+          </a:solidFill>
+          <a:ln w="9525">
             <a:solidFill>
-              <a:schemeClr val="accent4"/>
+              <a:schemeClr val="tx1"/>
             </a:solidFill>
-          </p:spPr>
-          <p:txBody>
-            <a:bodyPr wrap="square" rtlCol="0">
-              <a:spAutoFit/>
-            </a:bodyPr>
-            <a:lstStyle/>
-            <a:p>
-              <a:pPr algn="ctr"/>
-              <a:r>
-                <a:rPr lang="en-US" sz="1200" dirty="0"/>
-                <a:t>Cover Crops</a:t>
-              </a:r>
-            </a:p>
-          </p:txBody>
-        </p:sp>
-        <p:sp>
-          <p:nvSpPr>
-            <p:cNvPr id="39" name="TextBox 38">
-              <a:extLst>
-                <a:ext uri="{FF2B5EF4-FFF2-40B4-BE49-F238E27FC236}">
-                  <a16:creationId xmlns:a16="http://schemas.microsoft.com/office/drawing/2014/main" id="{C88535CE-04F6-4F00-8976-230E49A5674A}"/>
-                </a:ext>
-              </a:extLst>
-            </p:cNvPr>
-            <p:cNvSpPr txBox="1"/>
-            <p:nvPr/>
-          </p:nvSpPr>
-          <p:spPr>
-            <a:xfrm>
-              <a:off x="1729897" y="2961233"/>
-              <a:ext cx="1418545" cy="246221"/>
-            </a:xfrm>
-            <a:prstGeom prst="rect">
-              <a:avLst/>
-            </a:prstGeom>
+          </a:ln>
+        </p:spPr>
+        <p:txBody>
+          <a:bodyPr wrap="square" rtlCol="0">
+            <a:spAutoFit/>
+          </a:bodyPr>
+          <a:lstStyle/>
+          <a:p>
+            <a:pPr algn="ctr"/>
+            <a:r>
+              <a:rPr lang="en-US" sz="1000" dirty="0"/>
+              <a:t>Carbon inputs</a:t>
+            </a:r>
+          </a:p>
+        </p:txBody>
+      </p:sp>
+      <p:sp>
+        <p:nvSpPr>
+          <p:cNvPr id="27" name="TextBox 26">
+            <a:extLst>
+              <a:ext uri="{FF2B5EF4-FFF2-40B4-BE49-F238E27FC236}">
+                <a16:creationId xmlns:a16="http://schemas.microsoft.com/office/drawing/2014/main" id="{A8BF0BC3-B10A-4BC5-9397-D880332680E1}"/>
+              </a:ext>
+            </a:extLst>
+          </p:cNvPr>
+          <p:cNvSpPr txBox="1"/>
+          <p:nvPr/>
+        </p:nvSpPr>
+        <p:spPr>
+          <a:xfrm>
+            <a:off x="1697528" y="1955692"/>
+            <a:ext cx="660241" cy="556775"/>
+          </a:xfrm>
+          <a:prstGeom prst="rect">
+            <a:avLst/>
+          </a:prstGeom>
+          <a:solidFill>
+            <a:schemeClr val="accent2"/>
+          </a:solidFill>
+          <a:ln w="9525">
             <a:solidFill>
-              <a:schemeClr val="accent2"/>
+              <a:schemeClr val="tx1"/>
             </a:solidFill>
-            <a:ln w="9525">
-              <a:solidFill>
-                <a:schemeClr val="tx1"/>
-              </a:solidFill>
-            </a:ln>
-          </p:spPr>
-          <p:txBody>
-            <a:bodyPr wrap="square" rtlCol="0">
-              <a:spAutoFit/>
-            </a:bodyPr>
-            <a:lstStyle/>
-            <a:p>
-              <a:pPr algn="ctr"/>
-              <a:r>
-                <a:rPr lang="en-US" sz="1000" dirty="0"/>
-                <a:t>Carbon inputs</a:t>
-              </a:r>
-            </a:p>
-          </p:txBody>
-        </p:sp>
-        <p:sp>
-          <p:nvSpPr>
-            <p:cNvPr id="27" name="TextBox 26">
-              <a:extLst>
-                <a:ext uri="{FF2B5EF4-FFF2-40B4-BE49-F238E27FC236}">
-                  <a16:creationId xmlns:a16="http://schemas.microsoft.com/office/drawing/2014/main" id="{A8BF0BC3-B10A-4BC5-9397-D880332680E1}"/>
-                </a:ext>
-              </a:extLst>
-            </p:cNvPr>
-            <p:cNvSpPr txBox="1"/>
-            <p:nvPr/>
-          </p:nvSpPr>
-          <p:spPr>
-            <a:xfrm>
-              <a:off x="1697528" y="1955692"/>
-              <a:ext cx="660241" cy="556775"/>
-            </a:xfrm>
-            <a:prstGeom prst="rect">
-              <a:avLst/>
-            </a:prstGeom>
+          </a:ln>
+        </p:spPr>
+        <p:txBody>
+          <a:bodyPr wrap="square" rtlCol="0">
+            <a:spAutoFit/>
+          </a:bodyPr>
+          <a:lstStyle/>
+          <a:p>
+            <a:pPr algn="ctr"/>
+            <a:r>
+              <a:rPr lang="en-US" sz="1000" dirty="0"/>
+              <a:t>Above-ground biomass</a:t>
+            </a:r>
+          </a:p>
+        </p:txBody>
+      </p:sp>
+      <p:cxnSp>
+        <p:nvCxnSpPr>
+          <p:cNvPr id="54" name="Straight Arrow Connector 53">
+            <a:extLst>
+              <a:ext uri="{FF2B5EF4-FFF2-40B4-BE49-F238E27FC236}">
+                <a16:creationId xmlns:a16="http://schemas.microsoft.com/office/drawing/2014/main" id="{AF84A429-61E5-4732-A27D-DEAC4CF53B42}"/>
+              </a:ext>
+            </a:extLst>
+          </p:cNvPr>
+          <p:cNvCxnSpPr>
+            <a:cxnSpLocks/>
+          </p:cNvCxnSpPr>
+          <p:nvPr/>
+        </p:nvCxnSpPr>
+        <p:spPr>
+          <a:xfrm>
+            <a:off x="1145655" y="6210093"/>
+            <a:ext cx="457549" cy="0"/>
+          </a:xfrm>
+          <a:prstGeom prst="straightConnector1">
+            <a:avLst/>
+          </a:prstGeom>
+          <a:ln w="9525">
             <a:solidFill>
-              <a:schemeClr val="accent2"/>
+              <a:schemeClr val="tx1"/>
             </a:solidFill>
-            <a:ln w="9525">
-              <a:solidFill>
-                <a:schemeClr val="tx1"/>
-              </a:solidFill>
-            </a:ln>
-          </p:spPr>
-          <p:txBody>
-            <a:bodyPr wrap="square" rtlCol="0">
-              <a:spAutoFit/>
-            </a:bodyPr>
-            <a:lstStyle/>
-            <a:p>
-              <a:pPr algn="ctr"/>
-              <a:r>
-                <a:rPr lang="en-US" sz="1000" dirty="0"/>
-                <a:t>Above-ground biomass</a:t>
-              </a:r>
-            </a:p>
-          </p:txBody>
-        </p:sp>
-      </p:grpSp>
+            <a:prstDash val="dash"/>
+            <a:tailEnd type="triangle"/>
+          </a:ln>
+        </p:spPr>
+        <p:style>
+          <a:lnRef idx="1">
+            <a:schemeClr val="accent1"/>
+          </a:lnRef>
+          <a:fillRef idx="0">
+            <a:schemeClr val="accent1"/>
+          </a:fillRef>
+          <a:effectRef idx="0">
+            <a:schemeClr val="accent1"/>
+          </a:effectRef>
+          <a:fontRef idx="minor">
+            <a:schemeClr val="tx1"/>
+          </a:fontRef>
+        </p:style>
+      </p:cxnSp>
+      <p:sp>
+        <p:nvSpPr>
+          <p:cNvPr id="60" name="Rectangle 59"/>
+          <p:cNvSpPr/>
+          <p:nvPr/>
+        </p:nvSpPr>
+        <p:spPr>
+          <a:xfrm>
+            <a:off x="5485150" y="5716306"/>
+            <a:ext cx="1023066" cy="556591"/>
+          </a:xfrm>
+          <a:prstGeom prst="rect">
+            <a:avLst/>
+          </a:prstGeom>
+          <a:solidFill>
+            <a:schemeClr val="accent5"/>
+          </a:solidFill>
+        </p:spPr>
+        <p:style>
+          <a:lnRef idx="2">
+            <a:schemeClr val="accent1">
+              <a:shade val="50000"/>
+            </a:schemeClr>
+          </a:lnRef>
+          <a:fillRef idx="1">
+            <a:schemeClr val="accent1"/>
+          </a:fillRef>
+          <a:effectRef idx="0">
+            <a:schemeClr val="accent1"/>
+          </a:effectRef>
+          <a:fontRef idx="minor">
+            <a:schemeClr val="lt1"/>
+          </a:fontRef>
+        </p:style>
+        <p:txBody>
+          <a:bodyPr rtlCol="0" anchor="ctr"/>
+          <a:lstStyle/>
+          <a:p>
+            <a:pPr algn="ctr"/>
+            <a:r>
+              <a:rPr lang="en-US" sz="1200" dirty="0" smtClean="0"/>
+              <a:t>Sand content??</a:t>
+            </a:r>
+            <a:endParaRPr lang="en-US" sz="1200" dirty="0"/>
+          </a:p>
+        </p:txBody>
+      </p:sp>
+      <p:cxnSp>
+        <p:nvCxnSpPr>
+          <p:cNvPr id="61" name="Straight Arrow Connector 60">
+            <a:extLst>
+              <a:ext uri="{FF2B5EF4-FFF2-40B4-BE49-F238E27FC236}">
+                <a16:creationId xmlns:a16="http://schemas.microsoft.com/office/drawing/2014/main" id="{AF84A429-61E5-4732-A27D-DEAC4CF53B42}"/>
+              </a:ext>
+            </a:extLst>
+          </p:cNvPr>
+          <p:cNvCxnSpPr>
+            <a:cxnSpLocks/>
+          </p:cNvCxnSpPr>
+          <p:nvPr/>
+        </p:nvCxnSpPr>
+        <p:spPr>
+          <a:xfrm flipH="1">
+            <a:off x="4933717" y="6004989"/>
+            <a:ext cx="529916" cy="2916"/>
+          </a:xfrm>
+          <a:prstGeom prst="straightConnector1">
+            <a:avLst/>
+          </a:prstGeom>
+          <a:ln w="9525">
+            <a:solidFill>
+              <a:schemeClr val="tx1"/>
+            </a:solidFill>
+            <a:prstDash val="dash"/>
+            <a:tailEnd type="triangle"/>
+          </a:ln>
+        </p:spPr>
+        <p:style>
+          <a:lnRef idx="1">
+            <a:schemeClr val="accent1"/>
+          </a:lnRef>
+          <a:fillRef idx="0">
+            <a:schemeClr val="accent1"/>
+          </a:fillRef>
+          <a:effectRef idx="0">
+            <a:schemeClr val="accent1"/>
+          </a:effectRef>
+          <a:fontRef idx="minor">
+            <a:schemeClr val="tx1"/>
+          </a:fontRef>
+        </p:style>
+      </p:cxnSp>
+      <p:cxnSp>
+        <p:nvCxnSpPr>
+          <p:cNvPr id="62" name="Straight Arrow Connector 61">
+            <a:extLst>
+              <a:ext uri="{FF2B5EF4-FFF2-40B4-BE49-F238E27FC236}">
+                <a16:creationId xmlns:a16="http://schemas.microsoft.com/office/drawing/2014/main" id="{AF84A429-61E5-4732-A27D-DEAC4CF53B42}"/>
+              </a:ext>
+            </a:extLst>
+          </p:cNvPr>
+          <p:cNvCxnSpPr>
+            <a:cxnSpLocks/>
+          </p:cNvCxnSpPr>
+          <p:nvPr/>
+        </p:nvCxnSpPr>
+        <p:spPr>
+          <a:xfrm>
+            <a:off x="1127674" y="5816323"/>
+            <a:ext cx="457549" cy="0"/>
+          </a:xfrm>
+          <a:prstGeom prst="straightConnector1">
+            <a:avLst/>
+          </a:prstGeom>
+          <a:ln w="9525">
+            <a:solidFill>
+              <a:schemeClr val="tx1"/>
+            </a:solidFill>
+            <a:prstDash val="dash"/>
+            <a:tailEnd type="triangle"/>
+          </a:ln>
+        </p:spPr>
+        <p:style>
+          <a:lnRef idx="1">
+            <a:schemeClr val="accent1"/>
+          </a:lnRef>
+          <a:fillRef idx="0">
+            <a:schemeClr val="accent1"/>
+          </a:fillRef>
+          <a:effectRef idx="0">
+            <a:schemeClr val="accent1"/>
+          </a:effectRef>
+          <a:fontRef idx="minor">
+            <a:schemeClr val="tx1"/>
+          </a:fontRef>
+        </p:style>
+      </p:cxnSp>
+      <p:cxnSp>
+        <p:nvCxnSpPr>
+          <p:cNvPr id="63" name="Straight Arrow Connector 62">
+            <a:extLst>
+              <a:ext uri="{FF2B5EF4-FFF2-40B4-BE49-F238E27FC236}">
+                <a16:creationId xmlns:a16="http://schemas.microsoft.com/office/drawing/2014/main" id="{AF84A429-61E5-4732-A27D-DEAC4CF53B42}"/>
+              </a:ext>
+            </a:extLst>
+          </p:cNvPr>
+          <p:cNvCxnSpPr>
+            <a:cxnSpLocks/>
+          </p:cNvCxnSpPr>
+          <p:nvPr/>
+        </p:nvCxnSpPr>
+        <p:spPr>
+          <a:xfrm>
+            <a:off x="849505" y="4353607"/>
+            <a:ext cx="457549" cy="0"/>
+          </a:xfrm>
+          <a:prstGeom prst="straightConnector1">
+            <a:avLst/>
+          </a:prstGeom>
+          <a:ln w="9525">
+            <a:solidFill>
+              <a:schemeClr val="tx1"/>
+            </a:solidFill>
+            <a:prstDash val="dash"/>
+            <a:tailEnd type="triangle"/>
+          </a:ln>
+        </p:spPr>
+        <p:style>
+          <a:lnRef idx="1">
+            <a:schemeClr val="accent1"/>
+          </a:lnRef>
+          <a:fillRef idx="0">
+            <a:schemeClr val="accent1"/>
+          </a:fillRef>
+          <a:effectRef idx="0">
+            <a:schemeClr val="accent1"/>
+          </a:effectRef>
+          <a:fontRef idx="minor">
+            <a:schemeClr val="tx1"/>
+          </a:fontRef>
+        </p:style>
+      </p:cxnSp>
+      <p:cxnSp>
+        <p:nvCxnSpPr>
+          <p:cNvPr id="10" name="Straight Connector 9"/>
+          <p:cNvCxnSpPr/>
+          <p:nvPr/>
+        </p:nvCxnSpPr>
+        <p:spPr>
+          <a:xfrm>
+            <a:off x="834887" y="4348426"/>
+            <a:ext cx="0" cy="1420029"/>
+          </a:xfrm>
+          <a:prstGeom prst="line">
+            <a:avLst/>
+          </a:prstGeom>
+          <a:ln>
+            <a:solidFill>
+              <a:schemeClr val="tx1"/>
+            </a:solidFill>
+            <a:prstDash val="dash"/>
+          </a:ln>
+        </p:spPr>
+        <p:style>
+          <a:lnRef idx="1">
+            <a:schemeClr val="accent1"/>
+          </a:lnRef>
+          <a:fillRef idx="0">
+            <a:schemeClr val="accent1"/>
+          </a:fillRef>
+          <a:effectRef idx="0">
+            <a:schemeClr val="accent1"/>
+          </a:effectRef>
+          <a:fontRef idx="minor">
+            <a:schemeClr val="tx1"/>
+          </a:fontRef>
+        </p:style>
+      </p:cxnSp>
+      <p:sp>
+        <p:nvSpPr>
+          <p:cNvPr id="3" name="Rectangle 2"/>
+          <p:cNvSpPr/>
+          <p:nvPr/>
+        </p:nvSpPr>
+        <p:spPr>
+          <a:xfrm>
+            <a:off x="107361" y="5736914"/>
+            <a:ext cx="1023066" cy="556591"/>
+          </a:xfrm>
+          <a:prstGeom prst="rect">
+            <a:avLst/>
+          </a:prstGeom>
+          <a:solidFill>
+            <a:schemeClr val="accent5"/>
+          </a:solidFill>
+        </p:spPr>
+        <p:style>
+          <a:lnRef idx="2">
+            <a:schemeClr val="accent1">
+              <a:shade val="50000"/>
+            </a:schemeClr>
+          </a:lnRef>
+          <a:fillRef idx="1">
+            <a:schemeClr val="accent1"/>
+          </a:fillRef>
+          <a:effectRef idx="0">
+            <a:schemeClr val="accent1"/>
+          </a:effectRef>
+          <a:fontRef idx="minor">
+            <a:schemeClr val="lt1"/>
+          </a:fontRef>
+        </p:style>
+        <p:txBody>
+          <a:bodyPr rtlCol="0" anchor="ctr"/>
+          <a:lstStyle/>
+          <a:p>
+            <a:pPr algn="ctr"/>
+            <a:r>
+              <a:rPr lang="en-US" sz="1200" dirty="0" smtClean="0"/>
+              <a:t>Sand content</a:t>
+            </a:r>
+            <a:endParaRPr lang="en-US" sz="1200" dirty="0"/>
+          </a:p>
+        </p:txBody>
+      </p:sp>
     </p:spTree>
     <p:extLst>
       <p:ext uri="{BB962C8B-B14F-4D97-AF65-F5344CB8AC3E}">

--- a/manu/schematics-v2.pptx
+++ b/manu/schematics-v2.pptx
@@ -6,7 +6,10 @@
   </p:sldMasterIdLst>
   <p:sldIdLst>
     <p:sldId id="259" r:id="rId2"/>
-    <p:sldId id="260" r:id="rId3"/>
+    <p:sldId id="261" r:id="rId3"/>
+    <p:sldId id="262" r:id="rId4"/>
+    <p:sldId id="263" r:id="rId5"/>
+    <p:sldId id="260" r:id="rId6"/>
   </p:sldIdLst>
   <p:sldSz cx="6765925" cy="9144000"/>
   <p:notesSz cx="6858000" cy="9144000"/>
@@ -244,7 +247,7 @@
           <a:p>
             <a:fld id="{C1479234-584E-4873-8CD3-B53B1333C3D5}" type="datetimeFigureOut">
               <a:rPr lang="en-US" smtClean="0"/>
-              <a:t>3/15/2021</a:t>
+              <a:t>3/25/2021</a:t>
             </a:fld>
             <a:endParaRPr lang="en-US"/>
           </a:p>
@@ -414,7 +417,7 @@
           <a:p>
             <a:fld id="{C1479234-584E-4873-8CD3-B53B1333C3D5}" type="datetimeFigureOut">
               <a:rPr lang="en-US" smtClean="0"/>
-              <a:t>3/15/2021</a:t>
+              <a:t>3/25/2021</a:t>
             </a:fld>
             <a:endParaRPr lang="en-US"/>
           </a:p>
@@ -594,7 +597,7 @@
           <a:p>
             <a:fld id="{C1479234-584E-4873-8CD3-B53B1333C3D5}" type="datetimeFigureOut">
               <a:rPr lang="en-US" smtClean="0"/>
-              <a:t>3/15/2021</a:t>
+              <a:t>3/25/2021</a:t>
             </a:fld>
             <a:endParaRPr lang="en-US"/>
           </a:p>
@@ -764,7 +767,7 @@
           <a:p>
             <a:fld id="{C1479234-584E-4873-8CD3-B53B1333C3D5}" type="datetimeFigureOut">
               <a:rPr lang="en-US" smtClean="0"/>
-              <a:t>3/15/2021</a:t>
+              <a:t>3/25/2021</a:t>
             </a:fld>
             <a:endParaRPr lang="en-US"/>
           </a:p>
@@ -1008,7 +1011,7 @@
           <a:p>
             <a:fld id="{C1479234-584E-4873-8CD3-B53B1333C3D5}" type="datetimeFigureOut">
               <a:rPr lang="en-US" smtClean="0"/>
-              <a:t>3/15/2021</a:t>
+              <a:t>3/25/2021</a:t>
             </a:fld>
             <a:endParaRPr lang="en-US"/>
           </a:p>
@@ -1240,7 +1243,7 @@
           <a:p>
             <a:fld id="{C1479234-584E-4873-8CD3-B53B1333C3D5}" type="datetimeFigureOut">
               <a:rPr lang="en-US" smtClean="0"/>
-              <a:t>3/15/2021</a:t>
+              <a:t>3/25/2021</a:t>
             </a:fld>
             <a:endParaRPr lang="en-US"/>
           </a:p>
@@ -1607,7 +1610,7 @@
           <a:p>
             <a:fld id="{C1479234-584E-4873-8CD3-B53B1333C3D5}" type="datetimeFigureOut">
               <a:rPr lang="en-US" smtClean="0"/>
-              <a:t>3/15/2021</a:t>
+              <a:t>3/25/2021</a:t>
             </a:fld>
             <a:endParaRPr lang="en-US"/>
           </a:p>
@@ -1725,7 +1728,7 @@
           <a:p>
             <a:fld id="{C1479234-584E-4873-8CD3-B53B1333C3D5}" type="datetimeFigureOut">
               <a:rPr lang="en-US" smtClean="0"/>
-              <a:t>3/15/2021</a:t>
+              <a:t>3/25/2021</a:t>
             </a:fld>
             <a:endParaRPr lang="en-US"/>
           </a:p>
@@ -1820,7 +1823,7 @@
           <a:p>
             <a:fld id="{C1479234-584E-4873-8CD3-B53B1333C3D5}" type="datetimeFigureOut">
               <a:rPr lang="en-US" smtClean="0"/>
-              <a:t>3/15/2021</a:t>
+              <a:t>3/25/2021</a:t>
             </a:fld>
             <a:endParaRPr lang="en-US"/>
           </a:p>
@@ -2097,7 +2100,7 @@
           <a:p>
             <a:fld id="{C1479234-584E-4873-8CD3-B53B1333C3D5}" type="datetimeFigureOut">
               <a:rPr lang="en-US" smtClean="0"/>
-              <a:t>3/15/2021</a:t>
+              <a:t>3/25/2021</a:t>
             </a:fld>
             <a:endParaRPr lang="en-US"/>
           </a:p>
@@ -2354,7 +2357,7 @@
           <a:p>
             <a:fld id="{C1479234-584E-4873-8CD3-B53B1333C3D5}" type="datetimeFigureOut">
               <a:rPr lang="en-US" smtClean="0"/>
-              <a:t>3/15/2021</a:t>
+              <a:t>3/25/2021</a:t>
             </a:fld>
             <a:endParaRPr lang="en-US"/>
           </a:p>
@@ -2567,7 +2570,7 @@
           <a:p>
             <a:fld id="{C1479234-584E-4873-8CD3-B53B1333C3D5}" type="datetimeFigureOut">
               <a:rPr lang="en-US" smtClean="0"/>
-              <a:t>3/15/2021</a:t>
+              <a:t>3/25/2021</a:t>
             </a:fld>
             <a:endParaRPr lang="en-US"/>
           </a:p>
@@ -3001,32 +3004,8 @@
           <a:lstStyle/>
           <a:p>
             <a:r>
-              <a:rPr lang="en-US" sz="1200" dirty="0" smtClean="0"/>
-              <a:t>Proposed causal diagram for cover crop effects on </a:t>
-            </a:r>
-            <a:r>
-              <a:rPr lang="en-US" sz="1200" dirty="0" smtClean="0"/>
-              <a:t>(</a:t>
-            </a:r>
-            <a:r>
               <a:rPr lang="en-US" sz="1200" dirty="0"/>
-              <a:t>1) </a:t>
-            </a:r>
-            <a:r>
-              <a:rPr lang="en-US" sz="1200" dirty="0" smtClean="0"/>
-              <a:t>soil structure, (2) soil </a:t>
-            </a:r>
-            <a:r>
-              <a:rPr lang="en-US" sz="1200" dirty="0"/>
-              <a:t>water at saturation, </a:t>
-            </a:r>
-            <a:r>
-              <a:rPr lang="en-US" sz="1200" dirty="0" smtClean="0"/>
-              <a:t>and (3) </a:t>
-            </a:r>
-            <a:r>
-              <a:rPr lang="en-US" sz="1200" dirty="0"/>
-              <a:t>soil water at field capacity</a:t>
+              <a:t>Proposed causal diagram for cover crop effects on (1) soil structure, (2) soil water at saturation, and (3) soil water at field capacity</a:t>
             </a:r>
           </a:p>
         </p:txBody>
@@ -3420,12 +3399,8 @@
           <a:p>
             <a:pPr algn="ctr"/>
             <a:r>
-              <a:rPr lang="en-US" sz="1000" dirty="0" smtClean="0"/>
-              <a:t>(3) Soil </a:t>
-            </a:r>
-            <a:r>
               <a:rPr lang="en-US" sz="1000" dirty="0"/>
-              <a:t>water at field capacity</a:t>
+              <a:t>(3) Soil water at field capacity</a:t>
             </a:r>
           </a:p>
         </p:txBody>
@@ -4160,10 +4135,9 @@
           <a:p>
             <a:pPr algn="ctr"/>
             <a:r>
-              <a:rPr lang="en-US" sz="1000" dirty="0" smtClean="0"/>
+              <a:rPr lang="en-US" sz="1000" dirty="0"/>
               <a:t>(1) Soil structure/pore size distributions</a:t>
             </a:r>
-            <a:endParaRPr lang="en-US" sz="1000" dirty="0"/>
           </a:p>
         </p:txBody>
       </p:sp>
@@ -4550,10 +4524,9 @@
           <a:p>
             <a:pPr algn="ctr"/>
             <a:r>
-              <a:rPr lang="en-US" sz="1000" dirty="0" smtClean="0"/>
+              <a:rPr lang="en-US" sz="1000" dirty="0"/>
               <a:t>(2) Soil water at saturation</a:t>
             </a:r>
-            <a:endParaRPr lang="en-US" sz="1000" dirty="0"/>
           </a:p>
         </p:txBody>
       </p:sp>
@@ -5201,10 +5174,9 @@
           <a:p>
             <a:pPr algn="ctr"/>
             <a:r>
-              <a:rPr lang="en-US" sz="1200" dirty="0" smtClean="0"/>
+              <a:rPr lang="en-US" sz="1200" dirty="0"/>
               <a:t>Sand content??</a:t>
             </a:r>
-            <a:endParaRPr lang="en-US" sz="1200" dirty="0"/>
           </a:p>
         </p:txBody>
       </p:sp>
@@ -5419,10 +5391,9 @@
           <a:p>
             <a:pPr algn="ctr"/>
             <a:r>
-              <a:rPr lang="en-US" sz="1200" dirty="0" smtClean="0"/>
+              <a:rPr lang="en-US" sz="1200" dirty="0"/>
               <a:t>Sand content</a:t>
             </a:r>
-            <a:endParaRPr lang="en-US" sz="1200" dirty="0"/>
           </a:p>
         </p:txBody>
       </p:sp>
@@ -5440,6 +5411,7001 @@
 </file>
 
 <file path=ppt/slides/slide2.xml><?xml version="1.0" encoding="utf-8"?>
+<p:sld xmlns:a="http://schemas.openxmlformats.org/drawingml/2006/main" xmlns:r="http://schemas.openxmlformats.org/officeDocument/2006/relationships" xmlns:p="http://schemas.openxmlformats.org/presentationml/2006/main">
+  <p:cSld>
+    <p:spTree>
+      <p:nvGrpSpPr>
+        <p:cNvPr id="1" name=""/>
+        <p:cNvGrpSpPr/>
+        <p:nvPr/>
+      </p:nvGrpSpPr>
+      <p:grpSpPr>
+        <a:xfrm>
+          <a:off x="0" y="0"/>
+          <a:ext cx="0" cy="0"/>
+          <a:chOff x="0" y="0"/>
+          <a:chExt cx="0" cy="0"/>
+        </a:xfrm>
+      </p:grpSpPr>
+      <p:sp>
+        <p:nvSpPr>
+          <p:cNvPr id="44" name="TextBox 43">
+            <a:extLst>
+              <a:ext uri="{FF2B5EF4-FFF2-40B4-BE49-F238E27FC236}">
+                <a16:creationId xmlns:a16="http://schemas.microsoft.com/office/drawing/2014/main" id="{414CDE10-F323-4C65-B715-D0A0634E988F}"/>
+              </a:ext>
+            </a:extLst>
+          </p:cNvPr>
+          <p:cNvSpPr txBox="1"/>
+          <p:nvPr/>
+        </p:nvSpPr>
+        <p:spPr>
+          <a:xfrm>
+            <a:off x="501049" y="525877"/>
+            <a:ext cx="5754969" cy="461665"/>
+          </a:xfrm>
+          <a:prstGeom prst="rect">
+            <a:avLst/>
+          </a:prstGeom>
+          <a:noFill/>
+        </p:spPr>
+        <p:txBody>
+          <a:bodyPr wrap="square" rtlCol="0">
+            <a:spAutoFit/>
+          </a:bodyPr>
+          <a:lstStyle/>
+          <a:p>
+            <a:r>
+              <a:rPr lang="en-US" sz="1200" dirty="0"/>
+              <a:t>Proposed causal diagram for cover crop effects on (1) soil structure, (2) soil water at saturation, and (3) soil water at field capacity</a:t>
+            </a:r>
+          </a:p>
+        </p:txBody>
+      </p:sp>
+      <p:grpSp>
+        <p:nvGrpSpPr>
+          <p:cNvPr id="2" name="Group 1">
+            <a:extLst>
+              <a:ext uri="{FF2B5EF4-FFF2-40B4-BE49-F238E27FC236}">
+                <a16:creationId xmlns:a16="http://schemas.microsoft.com/office/drawing/2014/main" id="{C30EDAEB-58A9-4E2E-B1FE-877899F1B127}"/>
+              </a:ext>
+            </a:extLst>
+          </p:cNvPr>
+          <p:cNvGrpSpPr/>
+          <p:nvPr/>
+        </p:nvGrpSpPr>
+        <p:grpSpPr>
+          <a:xfrm>
+            <a:off x="733186" y="1358867"/>
+            <a:ext cx="4257847" cy="5829788"/>
+            <a:chOff x="733186" y="1358867"/>
+            <a:chExt cx="4257847" cy="5829788"/>
+          </a:xfrm>
+        </p:grpSpPr>
+        <p:cxnSp>
+          <p:nvCxnSpPr>
+            <p:cNvPr id="139" name="Straight Arrow Connector 138">
+              <a:extLst>
+                <a:ext uri="{FF2B5EF4-FFF2-40B4-BE49-F238E27FC236}">
+                  <a16:creationId xmlns:a16="http://schemas.microsoft.com/office/drawing/2014/main" id="{AB2DECDF-FA1B-4A8D-9B89-6F5D9907AB97}"/>
+                </a:ext>
+              </a:extLst>
+            </p:cNvPr>
+            <p:cNvCxnSpPr>
+              <a:cxnSpLocks/>
+            </p:cNvCxnSpPr>
+            <p:nvPr/>
+          </p:nvCxnSpPr>
+          <p:spPr>
+            <a:xfrm flipH="1">
+              <a:off x="4523959" y="6448441"/>
+              <a:ext cx="2283" cy="329308"/>
+            </a:xfrm>
+            <a:prstGeom prst="straightConnector1">
+              <a:avLst/>
+            </a:prstGeom>
+            <a:ln w="9525">
+              <a:solidFill>
+                <a:srgbClr val="FF0000"/>
+              </a:solidFill>
+              <a:tailEnd type="triangle"/>
+            </a:ln>
+          </p:spPr>
+          <p:style>
+            <a:lnRef idx="1">
+              <a:schemeClr val="accent1"/>
+            </a:lnRef>
+            <a:fillRef idx="0">
+              <a:schemeClr val="accent1"/>
+            </a:fillRef>
+            <a:effectRef idx="0">
+              <a:schemeClr val="accent1"/>
+            </a:effectRef>
+            <a:fontRef idx="minor">
+              <a:schemeClr val="tx1"/>
+            </a:fontRef>
+          </p:style>
+        </p:cxnSp>
+        <p:cxnSp>
+          <p:nvCxnSpPr>
+            <p:cNvPr id="74" name="Straight Arrow Connector 73">
+              <a:extLst>
+                <a:ext uri="{FF2B5EF4-FFF2-40B4-BE49-F238E27FC236}">
+                  <a16:creationId xmlns:a16="http://schemas.microsoft.com/office/drawing/2014/main" id="{A98B12DB-AA79-4E4E-A4CC-5871BB899770}"/>
+                </a:ext>
+              </a:extLst>
+            </p:cNvPr>
+            <p:cNvCxnSpPr>
+              <a:cxnSpLocks/>
+            </p:cNvCxnSpPr>
+            <p:nvPr/>
+          </p:nvCxnSpPr>
+          <p:spPr>
+            <a:xfrm>
+              <a:off x="2027647" y="2415652"/>
+              <a:ext cx="1" cy="523281"/>
+            </a:xfrm>
+            <a:prstGeom prst="straightConnector1">
+              <a:avLst/>
+            </a:prstGeom>
+            <a:ln w="9525">
+              <a:solidFill>
+                <a:schemeClr val="tx1"/>
+              </a:solidFill>
+              <a:tailEnd type="triangle"/>
+            </a:ln>
+          </p:spPr>
+          <p:style>
+            <a:lnRef idx="1">
+              <a:schemeClr val="accent1"/>
+            </a:lnRef>
+            <a:fillRef idx="0">
+              <a:schemeClr val="accent1"/>
+            </a:fillRef>
+            <a:effectRef idx="0">
+              <a:schemeClr val="accent1"/>
+            </a:effectRef>
+            <a:fontRef idx="minor">
+              <a:schemeClr val="tx1"/>
+            </a:fontRef>
+          </p:style>
+        </p:cxnSp>
+        <p:cxnSp>
+          <p:nvCxnSpPr>
+            <p:cNvPr id="167" name="Straight Arrow Connector 166">
+              <a:extLst>
+                <a:ext uri="{FF2B5EF4-FFF2-40B4-BE49-F238E27FC236}">
+                  <a16:creationId xmlns:a16="http://schemas.microsoft.com/office/drawing/2014/main" id="{29FB6EED-A2B4-4F11-B512-964E0FD4FA5E}"/>
+                </a:ext>
+              </a:extLst>
+            </p:cNvPr>
+            <p:cNvCxnSpPr>
+              <a:cxnSpLocks/>
+            </p:cNvCxnSpPr>
+            <p:nvPr/>
+          </p:nvCxnSpPr>
+          <p:spPr>
+            <a:xfrm>
+              <a:off x="1107145" y="3705724"/>
+              <a:ext cx="1265263" cy="0"/>
+            </a:xfrm>
+            <a:prstGeom prst="straightConnector1">
+              <a:avLst/>
+            </a:prstGeom>
+            <a:ln w="9525">
+              <a:solidFill>
+                <a:srgbClr val="FF0000"/>
+              </a:solidFill>
+              <a:tailEnd type="triangle"/>
+            </a:ln>
+          </p:spPr>
+          <p:style>
+            <a:lnRef idx="1">
+              <a:schemeClr val="accent1"/>
+            </a:lnRef>
+            <a:fillRef idx="0">
+              <a:schemeClr val="accent1"/>
+            </a:fillRef>
+            <a:effectRef idx="0">
+              <a:schemeClr val="accent1"/>
+            </a:effectRef>
+            <a:fontRef idx="minor">
+              <a:schemeClr val="tx1"/>
+            </a:fontRef>
+          </p:style>
+        </p:cxnSp>
+        <p:cxnSp>
+          <p:nvCxnSpPr>
+            <p:cNvPr id="57" name="Straight Arrow Connector 56">
+              <a:extLst>
+                <a:ext uri="{FF2B5EF4-FFF2-40B4-BE49-F238E27FC236}">
+                  <a16:creationId xmlns:a16="http://schemas.microsoft.com/office/drawing/2014/main" id="{31BA66BD-48A8-4DD6-B57A-134D8438CFE3}"/>
+                </a:ext>
+              </a:extLst>
+            </p:cNvPr>
+            <p:cNvCxnSpPr>
+              <a:cxnSpLocks/>
+            </p:cNvCxnSpPr>
+            <p:nvPr/>
+          </p:nvCxnSpPr>
+          <p:spPr>
+            <a:xfrm>
+              <a:off x="1087787" y="2250106"/>
+              <a:ext cx="1" cy="696487"/>
+            </a:xfrm>
+            <a:prstGeom prst="straightConnector1">
+              <a:avLst/>
+            </a:prstGeom>
+            <a:ln w="9525">
+              <a:solidFill>
+                <a:srgbClr val="FF0000"/>
+              </a:solidFill>
+              <a:tailEnd type="triangle"/>
+            </a:ln>
+          </p:spPr>
+          <p:style>
+            <a:lnRef idx="1">
+              <a:schemeClr val="accent1"/>
+            </a:lnRef>
+            <a:fillRef idx="0">
+              <a:schemeClr val="accent1"/>
+            </a:fillRef>
+            <a:effectRef idx="0">
+              <a:schemeClr val="accent1"/>
+            </a:effectRef>
+            <a:fontRef idx="minor">
+              <a:schemeClr val="tx1"/>
+            </a:fontRef>
+          </p:style>
+        </p:cxnSp>
+        <p:cxnSp>
+          <p:nvCxnSpPr>
+            <p:cNvPr id="59" name="Straight Arrow Connector 58">
+              <a:extLst>
+                <a:ext uri="{FF2B5EF4-FFF2-40B4-BE49-F238E27FC236}">
+                  <a16:creationId xmlns:a16="http://schemas.microsoft.com/office/drawing/2014/main" id="{04E70E58-42AC-4675-B455-935EC2D04F90}"/>
+                </a:ext>
+              </a:extLst>
+            </p:cNvPr>
+            <p:cNvCxnSpPr>
+              <a:cxnSpLocks/>
+            </p:cNvCxnSpPr>
+            <p:nvPr/>
+          </p:nvCxnSpPr>
+          <p:spPr>
+            <a:xfrm flipV="1">
+              <a:off x="3429364" y="2250155"/>
+              <a:ext cx="646511" cy="2062"/>
+            </a:xfrm>
+            <a:prstGeom prst="straightConnector1">
+              <a:avLst/>
+            </a:prstGeom>
+            <a:ln w="9525">
+              <a:solidFill>
+                <a:schemeClr val="tx1"/>
+              </a:solidFill>
+              <a:tailEnd type="triangle"/>
+            </a:ln>
+          </p:spPr>
+          <p:style>
+            <a:lnRef idx="1">
+              <a:schemeClr val="accent1"/>
+            </a:lnRef>
+            <a:fillRef idx="0">
+              <a:schemeClr val="accent1"/>
+            </a:fillRef>
+            <a:effectRef idx="0">
+              <a:schemeClr val="accent1"/>
+            </a:effectRef>
+            <a:fontRef idx="minor">
+              <a:schemeClr val="tx1"/>
+            </a:fontRef>
+          </p:style>
+        </p:cxnSp>
+        <p:cxnSp>
+          <p:nvCxnSpPr>
+            <p:cNvPr id="90" name="Straight Arrow Connector 89">
+              <a:extLst>
+                <a:ext uri="{FF2B5EF4-FFF2-40B4-BE49-F238E27FC236}">
+                  <a16:creationId xmlns:a16="http://schemas.microsoft.com/office/drawing/2014/main" id="{BB890F74-A463-4C40-A27B-35FB56527423}"/>
+                </a:ext>
+              </a:extLst>
+            </p:cNvPr>
+            <p:cNvCxnSpPr>
+              <a:cxnSpLocks/>
+            </p:cNvCxnSpPr>
+            <p:nvPr/>
+          </p:nvCxnSpPr>
+          <p:spPr>
+            <a:xfrm>
+              <a:off x="2037415" y="1494474"/>
+              <a:ext cx="1" cy="484673"/>
+            </a:xfrm>
+            <a:prstGeom prst="straightConnector1">
+              <a:avLst/>
+            </a:prstGeom>
+            <a:ln w="57150">
+              <a:solidFill>
+                <a:schemeClr val="tx1"/>
+              </a:solidFill>
+              <a:tailEnd type="triangle"/>
+            </a:ln>
+          </p:spPr>
+          <p:style>
+            <a:lnRef idx="1">
+              <a:schemeClr val="accent1"/>
+            </a:lnRef>
+            <a:fillRef idx="0">
+              <a:schemeClr val="accent1"/>
+            </a:fillRef>
+            <a:effectRef idx="0">
+              <a:schemeClr val="accent1"/>
+            </a:effectRef>
+            <a:fontRef idx="minor">
+              <a:schemeClr val="tx1"/>
+            </a:fontRef>
+          </p:style>
+        </p:cxnSp>
+        <p:cxnSp>
+          <p:nvCxnSpPr>
+            <p:cNvPr id="91" name="Straight Arrow Connector 90">
+              <a:extLst>
+                <a:ext uri="{FF2B5EF4-FFF2-40B4-BE49-F238E27FC236}">
+                  <a16:creationId xmlns:a16="http://schemas.microsoft.com/office/drawing/2014/main" id="{7E40E1B6-6876-41B9-90D2-E708A7BFB424}"/>
+                </a:ext>
+              </a:extLst>
+            </p:cNvPr>
+            <p:cNvCxnSpPr>
+              <a:cxnSpLocks/>
+            </p:cNvCxnSpPr>
+            <p:nvPr/>
+          </p:nvCxnSpPr>
+          <p:spPr>
+            <a:xfrm>
+              <a:off x="3230175" y="1527232"/>
+              <a:ext cx="0" cy="460346"/>
+            </a:xfrm>
+            <a:prstGeom prst="straightConnector1">
+              <a:avLst/>
+            </a:prstGeom>
+            <a:ln w="57150">
+              <a:solidFill>
+                <a:schemeClr val="tx1"/>
+              </a:solidFill>
+              <a:tailEnd type="triangle"/>
+            </a:ln>
+          </p:spPr>
+          <p:style>
+            <a:lnRef idx="1">
+              <a:schemeClr val="accent1"/>
+            </a:lnRef>
+            <a:fillRef idx="0">
+              <a:schemeClr val="accent1"/>
+            </a:fillRef>
+            <a:effectRef idx="0">
+              <a:schemeClr val="accent1"/>
+            </a:effectRef>
+            <a:fontRef idx="minor">
+              <a:schemeClr val="tx1"/>
+            </a:fontRef>
+          </p:style>
+        </p:cxnSp>
+        <p:cxnSp>
+          <p:nvCxnSpPr>
+            <p:cNvPr id="71" name="Straight Arrow Connector 70">
+              <a:extLst>
+                <a:ext uri="{FF2B5EF4-FFF2-40B4-BE49-F238E27FC236}">
+                  <a16:creationId xmlns:a16="http://schemas.microsoft.com/office/drawing/2014/main" id="{DFD09234-A006-4654-8ABC-244EFB2761F0}"/>
+                </a:ext>
+              </a:extLst>
+            </p:cNvPr>
+            <p:cNvCxnSpPr>
+              <a:cxnSpLocks/>
+            </p:cNvCxnSpPr>
+            <p:nvPr/>
+          </p:nvCxnSpPr>
+          <p:spPr>
+            <a:xfrm>
+              <a:off x="4447738" y="1536374"/>
+              <a:ext cx="0" cy="460346"/>
+            </a:xfrm>
+            <a:prstGeom prst="straightConnector1">
+              <a:avLst/>
+            </a:prstGeom>
+            <a:ln w="57150">
+              <a:solidFill>
+                <a:schemeClr val="tx1"/>
+              </a:solidFill>
+              <a:tailEnd type="triangle"/>
+            </a:ln>
+          </p:spPr>
+          <p:style>
+            <a:lnRef idx="1">
+              <a:schemeClr val="accent1"/>
+            </a:lnRef>
+            <a:fillRef idx="0">
+              <a:schemeClr val="accent1"/>
+            </a:fillRef>
+            <a:effectRef idx="0">
+              <a:schemeClr val="accent1"/>
+            </a:effectRef>
+            <a:fontRef idx="minor">
+              <a:schemeClr val="tx1"/>
+            </a:fontRef>
+          </p:style>
+        </p:cxnSp>
+        <p:cxnSp>
+          <p:nvCxnSpPr>
+            <p:cNvPr id="78" name="Straight Arrow Connector 77">
+              <a:extLst>
+                <a:ext uri="{FF2B5EF4-FFF2-40B4-BE49-F238E27FC236}">
+                  <a16:creationId xmlns:a16="http://schemas.microsoft.com/office/drawing/2014/main" id="{BB5C003F-F11F-492B-B684-8A478E3C3DDB}"/>
+                </a:ext>
+              </a:extLst>
+            </p:cNvPr>
+            <p:cNvCxnSpPr>
+              <a:cxnSpLocks/>
+            </p:cNvCxnSpPr>
+            <p:nvPr/>
+          </p:nvCxnSpPr>
+          <p:spPr>
+            <a:xfrm>
+              <a:off x="1080462" y="4194435"/>
+              <a:ext cx="231741" cy="0"/>
+            </a:xfrm>
+            <a:prstGeom prst="straightConnector1">
+              <a:avLst/>
+            </a:prstGeom>
+            <a:ln w="9525">
+              <a:solidFill>
+                <a:srgbClr val="FF0000"/>
+              </a:solidFill>
+              <a:tailEnd type="triangle"/>
+            </a:ln>
+          </p:spPr>
+          <p:style>
+            <a:lnRef idx="1">
+              <a:schemeClr val="accent1"/>
+            </a:lnRef>
+            <a:fillRef idx="0">
+              <a:schemeClr val="accent1"/>
+            </a:fillRef>
+            <a:effectRef idx="0">
+              <a:schemeClr val="accent1"/>
+            </a:effectRef>
+            <a:fontRef idx="minor">
+              <a:schemeClr val="tx1"/>
+            </a:fontRef>
+          </p:style>
+        </p:cxnSp>
+        <p:sp>
+          <p:nvSpPr>
+            <p:cNvPr id="80" name="TextBox 79">
+              <a:extLst>
+                <a:ext uri="{FF2B5EF4-FFF2-40B4-BE49-F238E27FC236}">
+                  <a16:creationId xmlns:a16="http://schemas.microsoft.com/office/drawing/2014/main" id="{72EE2869-981E-46C6-AC7A-802D723EAF97}"/>
+                </a:ext>
+              </a:extLst>
+            </p:cNvPr>
+            <p:cNvSpPr txBox="1"/>
+            <p:nvPr/>
+          </p:nvSpPr>
+          <p:spPr>
+            <a:xfrm>
+              <a:off x="2765909" y="6090734"/>
+              <a:ext cx="779661" cy="553998"/>
+            </a:xfrm>
+            <a:prstGeom prst="rect">
+              <a:avLst/>
+            </a:prstGeom>
+            <a:solidFill>
+              <a:schemeClr val="bg2"/>
+            </a:solidFill>
+            <a:ln w="9525">
+              <a:solidFill>
+                <a:schemeClr val="tx1"/>
+              </a:solidFill>
+            </a:ln>
+          </p:spPr>
+          <p:txBody>
+            <a:bodyPr wrap="square" rtlCol="0">
+              <a:spAutoFit/>
+            </a:bodyPr>
+            <a:lstStyle/>
+            <a:p>
+              <a:pPr algn="ctr"/>
+              <a:r>
+                <a:rPr lang="en-US" sz="1000" dirty="0"/>
+                <a:t>Soil water at field capacity</a:t>
+              </a:r>
+            </a:p>
+          </p:txBody>
+        </p:sp>
+        <p:cxnSp>
+          <p:nvCxnSpPr>
+            <p:cNvPr id="11" name="Straight Connector 10">
+              <a:extLst>
+                <a:ext uri="{FF2B5EF4-FFF2-40B4-BE49-F238E27FC236}">
+                  <a16:creationId xmlns:a16="http://schemas.microsoft.com/office/drawing/2014/main" id="{0712DFD0-8832-4922-BFE1-45B491651EC5}"/>
+                </a:ext>
+              </a:extLst>
+            </p:cNvPr>
+            <p:cNvCxnSpPr>
+              <a:cxnSpLocks/>
+            </p:cNvCxnSpPr>
+            <p:nvPr/>
+          </p:nvCxnSpPr>
+          <p:spPr>
+            <a:xfrm>
+              <a:off x="4022458" y="5203997"/>
+              <a:ext cx="0" cy="0"/>
+            </a:xfrm>
+            <a:prstGeom prst="line">
+              <a:avLst/>
+            </a:prstGeom>
+            <a:ln w="9525"/>
+          </p:spPr>
+          <p:style>
+            <a:lnRef idx="1">
+              <a:schemeClr val="accent1"/>
+            </a:lnRef>
+            <a:fillRef idx="0">
+              <a:schemeClr val="accent1"/>
+            </a:fillRef>
+            <a:effectRef idx="0">
+              <a:schemeClr val="accent1"/>
+            </a:effectRef>
+            <a:fontRef idx="minor">
+              <a:schemeClr val="tx1"/>
+            </a:fontRef>
+          </p:style>
+        </p:cxnSp>
+        <p:cxnSp>
+          <p:nvCxnSpPr>
+            <p:cNvPr id="98" name="Straight Arrow Connector 97">
+              <a:extLst>
+                <a:ext uri="{FF2B5EF4-FFF2-40B4-BE49-F238E27FC236}">
+                  <a16:creationId xmlns:a16="http://schemas.microsoft.com/office/drawing/2014/main" id="{520CA070-C7C7-4D3F-97F9-4CF91EF220D6}"/>
+                </a:ext>
+              </a:extLst>
+            </p:cNvPr>
+            <p:cNvCxnSpPr>
+              <a:cxnSpLocks/>
+            </p:cNvCxnSpPr>
+            <p:nvPr/>
+          </p:nvCxnSpPr>
+          <p:spPr>
+            <a:xfrm flipH="1">
+              <a:off x="3331775" y="5170330"/>
+              <a:ext cx="2283" cy="299371"/>
+            </a:xfrm>
+            <a:prstGeom prst="straightConnector1">
+              <a:avLst/>
+            </a:prstGeom>
+            <a:ln w="9525">
+              <a:solidFill>
+                <a:schemeClr val="tx1"/>
+              </a:solidFill>
+              <a:tailEnd type="triangle"/>
+            </a:ln>
+          </p:spPr>
+          <p:style>
+            <a:lnRef idx="1">
+              <a:schemeClr val="accent1"/>
+            </a:lnRef>
+            <a:fillRef idx="0">
+              <a:schemeClr val="accent1"/>
+            </a:fillRef>
+            <a:effectRef idx="0">
+              <a:schemeClr val="accent1"/>
+            </a:effectRef>
+            <a:fontRef idx="minor">
+              <a:schemeClr val="tx1"/>
+            </a:fontRef>
+          </p:style>
+        </p:cxnSp>
+        <p:cxnSp>
+          <p:nvCxnSpPr>
+            <p:cNvPr id="106" name="Straight Arrow Connector 105">
+              <a:extLst>
+                <a:ext uri="{FF2B5EF4-FFF2-40B4-BE49-F238E27FC236}">
+                  <a16:creationId xmlns:a16="http://schemas.microsoft.com/office/drawing/2014/main" id="{8CAB5DDE-1F61-4056-BA35-2C7C17ABB411}"/>
+                </a:ext>
+              </a:extLst>
+            </p:cNvPr>
+            <p:cNvCxnSpPr>
+              <a:cxnSpLocks/>
+            </p:cNvCxnSpPr>
+            <p:nvPr/>
+          </p:nvCxnSpPr>
+          <p:spPr>
+            <a:xfrm>
+              <a:off x="1979211" y="4050461"/>
+              <a:ext cx="378140" cy="0"/>
+            </a:xfrm>
+            <a:prstGeom prst="straightConnector1">
+              <a:avLst/>
+            </a:prstGeom>
+            <a:ln w="9525">
+              <a:solidFill>
+                <a:schemeClr val="tx1"/>
+              </a:solidFill>
+              <a:tailEnd type="triangle"/>
+            </a:ln>
+          </p:spPr>
+          <p:style>
+            <a:lnRef idx="1">
+              <a:schemeClr val="accent1"/>
+            </a:lnRef>
+            <a:fillRef idx="0">
+              <a:schemeClr val="accent1"/>
+            </a:fillRef>
+            <a:effectRef idx="0">
+              <a:schemeClr val="accent1"/>
+            </a:effectRef>
+            <a:fontRef idx="minor">
+              <a:schemeClr val="tx1"/>
+            </a:fontRef>
+          </p:style>
+        </p:cxnSp>
+        <p:cxnSp>
+          <p:nvCxnSpPr>
+            <p:cNvPr id="110" name="Straight Arrow Connector 109">
+              <a:extLst>
+                <a:ext uri="{FF2B5EF4-FFF2-40B4-BE49-F238E27FC236}">
+                  <a16:creationId xmlns:a16="http://schemas.microsoft.com/office/drawing/2014/main" id="{6A13596A-C939-4CBE-A6B5-C323C197012A}"/>
+                </a:ext>
+              </a:extLst>
+            </p:cNvPr>
+            <p:cNvCxnSpPr>
+              <a:cxnSpLocks/>
+            </p:cNvCxnSpPr>
+            <p:nvPr/>
+          </p:nvCxnSpPr>
+          <p:spPr>
+            <a:xfrm flipH="1">
+              <a:off x="4523960" y="5100666"/>
+              <a:ext cx="2283" cy="1033509"/>
+            </a:xfrm>
+            <a:prstGeom prst="straightConnector1">
+              <a:avLst/>
+            </a:prstGeom>
+            <a:ln w="9525">
+              <a:solidFill>
+                <a:srgbClr val="FF0000"/>
+              </a:solidFill>
+              <a:tailEnd type="triangle"/>
+            </a:ln>
+          </p:spPr>
+          <p:style>
+            <a:lnRef idx="1">
+              <a:schemeClr val="accent1"/>
+            </a:lnRef>
+            <a:fillRef idx="0">
+              <a:schemeClr val="accent1"/>
+            </a:fillRef>
+            <a:effectRef idx="0">
+              <a:schemeClr val="accent1"/>
+            </a:effectRef>
+            <a:fontRef idx="minor">
+              <a:schemeClr val="tx1"/>
+            </a:fontRef>
+          </p:style>
+        </p:cxnSp>
+        <p:cxnSp>
+          <p:nvCxnSpPr>
+            <p:cNvPr id="143" name="Straight Connector 142">
+              <a:extLst>
+                <a:ext uri="{FF2B5EF4-FFF2-40B4-BE49-F238E27FC236}">
+                  <a16:creationId xmlns:a16="http://schemas.microsoft.com/office/drawing/2014/main" id="{6627E756-A242-4A41-8E25-A9CA05261A15}"/>
+                </a:ext>
+              </a:extLst>
+            </p:cNvPr>
+            <p:cNvCxnSpPr>
+              <a:cxnSpLocks/>
+            </p:cNvCxnSpPr>
+            <p:nvPr/>
+          </p:nvCxnSpPr>
+          <p:spPr>
+            <a:xfrm>
+              <a:off x="1089628" y="2251170"/>
+              <a:ext cx="649490" cy="0"/>
+            </a:xfrm>
+            <a:prstGeom prst="line">
+              <a:avLst/>
+            </a:prstGeom>
+            <a:ln w="9525">
+              <a:solidFill>
+                <a:srgbClr val="FF0000"/>
+              </a:solidFill>
+            </a:ln>
+          </p:spPr>
+          <p:style>
+            <a:lnRef idx="1">
+              <a:schemeClr val="accent1"/>
+            </a:lnRef>
+            <a:fillRef idx="0">
+              <a:schemeClr val="accent1"/>
+            </a:fillRef>
+            <a:effectRef idx="0">
+              <a:schemeClr val="accent1"/>
+            </a:effectRef>
+            <a:fontRef idx="minor">
+              <a:schemeClr val="tx1"/>
+            </a:fontRef>
+          </p:style>
+        </p:cxnSp>
+        <p:cxnSp>
+          <p:nvCxnSpPr>
+            <p:cNvPr id="150" name="Straight Arrow Connector 149">
+              <a:extLst>
+                <a:ext uri="{FF2B5EF4-FFF2-40B4-BE49-F238E27FC236}">
+                  <a16:creationId xmlns:a16="http://schemas.microsoft.com/office/drawing/2014/main" id="{4CEEC003-E039-462C-8E5B-0071A4FA2F92}"/>
+                </a:ext>
+              </a:extLst>
+            </p:cNvPr>
+            <p:cNvCxnSpPr>
+              <a:cxnSpLocks/>
+            </p:cNvCxnSpPr>
+            <p:nvPr/>
+          </p:nvCxnSpPr>
+          <p:spPr>
+            <a:xfrm flipH="1">
+              <a:off x="3170327" y="5546365"/>
+              <a:ext cx="2283" cy="530354"/>
+            </a:xfrm>
+            <a:prstGeom prst="straightConnector1">
+              <a:avLst/>
+            </a:prstGeom>
+            <a:ln w="9525">
+              <a:solidFill>
+                <a:schemeClr val="tx1"/>
+              </a:solidFill>
+              <a:tailEnd type="triangle"/>
+            </a:ln>
+          </p:spPr>
+          <p:style>
+            <a:lnRef idx="1">
+              <a:schemeClr val="accent1"/>
+            </a:lnRef>
+            <a:fillRef idx="0">
+              <a:schemeClr val="accent1"/>
+            </a:fillRef>
+            <a:effectRef idx="0">
+              <a:schemeClr val="accent1"/>
+            </a:effectRef>
+            <a:fontRef idx="minor">
+              <a:schemeClr val="tx1"/>
+            </a:fontRef>
+          </p:style>
+        </p:cxnSp>
+        <p:cxnSp>
+          <p:nvCxnSpPr>
+            <p:cNvPr id="155" name="Straight Arrow Connector 154">
+              <a:extLst>
+                <a:ext uri="{FF2B5EF4-FFF2-40B4-BE49-F238E27FC236}">
+                  <a16:creationId xmlns:a16="http://schemas.microsoft.com/office/drawing/2014/main" id="{5CCBE1E9-71CC-46F6-87B7-E4F8AB4CD8A8}"/>
+                </a:ext>
+              </a:extLst>
+            </p:cNvPr>
+            <p:cNvCxnSpPr>
+              <a:cxnSpLocks/>
+            </p:cNvCxnSpPr>
+            <p:nvPr/>
+          </p:nvCxnSpPr>
+          <p:spPr>
+            <a:xfrm>
+              <a:off x="2999425" y="2430624"/>
+              <a:ext cx="1" cy="523281"/>
+            </a:xfrm>
+            <a:prstGeom prst="straightConnector1">
+              <a:avLst/>
+            </a:prstGeom>
+            <a:ln w="9525">
+              <a:solidFill>
+                <a:schemeClr val="tx1"/>
+              </a:solidFill>
+              <a:tailEnd type="triangle"/>
+            </a:ln>
+          </p:spPr>
+          <p:style>
+            <a:lnRef idx="1">
+              <a:schemeClr val="accent1"/>
+            </a:lnRef>
+            <a:fillRef idx="0">
+              <a:schemeClr val="accent1"/>
+            </a:fillRef>
+            <a:effectRef idx="0">
+              <a:schemeClr val="accent1"/>
+            </a:effectRef>
+            <a:fontRef idx="minor">
+              <a:schemeClr val="tx1"/>
+            </a:fontRef>
+          </p:style>
+        </p:cxnSp>
+        <p:cxnSp>
+          <p:nvCxnSpPr>
+            <p:cNvPr id="158" name="Straight Arrow Connector 157">
+              <a:extLst>
+                <a:ext uri="{FF2B5EF4-FFF2-40B4-BE49-F238E27FC236}">
+                  <a16:creationId xmlns:a16="http://schemas.microsoft.com/office/drawing/2014/main" id="{EB3788F3-F053-4B9F-8B6F-A1E719F0C944}"/>
+                </a:ext>
+              </a:extLst>
+            </p:cNvPr>
+            <p:cNvCxnSpPr>
+              <a:cxnSpLocks/>
+            </p:cNvCxnSpPr>
+            <p:nvPr/>
+          </p:nvCxnSpPr>
+          <p:spPr>
+            <a:xfrm>
+              <a:off x="1086604" y="5096160"/>
+              <a:ext cx="2040596" cy="0"/>
+            </a:xfrm>
+            <a:prstGeom prst="straightConnector1">
+              <a:avLst/>
+            </a:prstGeom>
+            <a:ln w="9525">
+              <a:solidFill>
+                <a:srgbClr val="FF0000"/>
+              </a:solidFill>
+              <a:tailEnd type="triangle"/>
+            </a:ln>
+          </p:spPr>
+          <p:style>
+            <a:lnRef idx="1">
+              <a:schemeClr val="accent1"/>
+            </a:lnRef>
+            <a:fillRef idx="0">
+              <a:schemeClr val="accent1"/>
+            </a:fillRef>
+            <a:effectRef idx="0">
+              <a:schemeClr val="accent1"/>
+            </a:effectRef>
+            <a:fontRef idx="minor">
+              <a:schemeClr val="tx1"/>
+            </a:fontRef>
+          </p:style>
+        </p:cxnSp>
+        <p:cxnSp>
+          <p:nvCxnSpPr>
+            <p:cNvPr id="160" name="Straight Connector 159">
+              <a:extLst>
+                <a:ext uri="{FF2B5EF4-FFF2-40B4-BE49-F238E27FC236}">
+                  <a16:creationId xmlns:a16="http://schemas.microsoft.com/office/drawing/2014/main" id="{0B292357-63F9-426A-B97C-356AA694F997}"/>
+                </a:ext>
+              </a:extLst>
+            </p:cNvPr>
+            <p:cNvCxnSpPr>
+              <a:cxnSpLocks/>
+            </p:cNvCxnSpPr>
+            <p:nvPr/>
+          </p:nvCxnSpPr>
+          <p:spPr>
+            <a:xfrm flipH="1">
+              <a:off x="1087786" y="3329382"/>
+              <a:ext cx="1" cy="2308618"/>
+            </a:xfrm>
+            <a:prstGeom prst="line">
+              <a:avLst/>
+            </a:prstGeom>
+            <a:ln w="9525">
+              <a:solidFill>
+                <a:srgbClr val="FF0000"/>
+              </a:solidFill>
+            </a:ln>
+          </p:spPr>
+          <p:style>
+            <a:lnRef idx="1">
+              <a:schemeClr val="accent1"/>
+            </a:lnRef>
+            <a:fillRef idx="0">
+              <a:schemeClr val="accent1"/>
+            </a:fillRef>
+            <a:effectRef idx="0">
+              <a:schemeClr val="accent1"/>
+            </a:effectRef>
+            <a:fontRef idx="minor">
+              <a:schemeClr val="tx1"/>
+            </a:fontRef>
+          </p:style>
+        </p:cxnSp>
+        <p:cxnSp>
+          <p:nvCxnSpPr>
+            <p:cNvPr id="162" name="Straight Arrow Connector 161">
+              <a:extLst>
+                <a:ext uri="{FF2B5EF4-FFF2-40B4-BE49-F238E27FC236}">
+                  <a16:creationId xmlns:a16="http://schemas.microsoft.com/office/drawing/2014/main" id="{3453C37C-FAEF-496A-9FB5-7A20970CEADF}"/>
+                </a:ext>
+              </a:extLst>
+            </p:cNvPr>
+            <p:cNvCxnSpPr>
+              <a:cxnSpLocks/>
+            </p:cNvCxnSpPr>
+            <p:nvPr/>
+          </p:nvCxnSpPr>
+          <p:spPr>
+            <a:xfrm>
+              <a:off x="4536773" y="2202490"/>
+              <a:ext cx="0" cy="2625769"/>
+            </a:xfrm>
+            <a:prstGeom prst="straightConnector1">
+              <a:avLst/>
+            </a:prstGeom>
+            <a:ln w="9525">
+              <a:solidFill>
+                <a:schemeClr val="tx1"/>
+              </a:solidFill>
+              <a:tailEnd type="triangle"/>
+            </a:ln>
+          </p:spPr>
+          <p:style>
+            <a:lnRef idx="1">
+              <a:schemeClr val="accent1"/>
+            </a:lnRef>
+            <a:fillRef idx="0">
+              <a:schemeClr val="accent1"/>
+            </a:fillRef>
+            <a:effectRef idx="0">
+              <a:schemeClr val="accent1"/>
+            </a:effectRef>
+            <a:fontRef idx="minor">
+              <a:schemeClr val="tx1"/>
+            </a:fontRef>
+          </p:style>
+        </p:cxnSp>
+        <p:cxnSp>
+          <p:nvCxnSpPr>
+            <p:cNvPr id="165" name="Straight Arrow Connector 164">
+              <a:extLst>
+                <a:ext uri="{FF2B5EF4-FFF2-40B4-BE49-F238E27FC236}">
+                  <a16:creationId xmlns:a16="http://schemas.microsoft.com/office/drawing/2014/main" id="{EDE542EA-DBC5-44EA-9B66-C4AA3B7E3459}"/>
+                </a:ext>
+              </a:extLst>
+            </p:cNvPr>
+            <p:cNvCxnSpPr>
+              <a:cxnSpLocks/>
+            </p:cNvCxnSpPr>
+            <p:nvPr/>
+          </p:nvCxnSpPr>
+          <p:spPr>
+            <a:xfrm flipH="1">
+              <a:off x="3023777" y="3933231"/>
+              <a:ext cx="1186765" cy="0"/>
+            </a:xfrm>
+            <a:prstGeom prst="straightConnector1">
+              <a:avLst/>
+            </a:prstGeom>
+            <a:ln w="9525">
+              <a:solidFill>
+                <a:schemeClr val="tx1"/>
+              </a:solidFill>
+              <a:tailEnd type="triangle"/>
+            </a:ln>
+          </p:spPr>
+          <p:style>
+            <a:lnRef idx="1">
+              <a:schemeClr val="accent1"/>
+            </a:lnRef>
+            <a:fillRef idx="0">
+              <a:schemeClr val="accent1"/>
+            </a:fillRef>
+            <a:effectRef idx="0">
+              <a:schemeClr val="accent1"/>
+            </a:effectRef>
+            <a:fontRef idx="minor">
+              <a:schemeClr val="tx1"/>
+            </a:fontRef>
+          </p:style>
+        </p:cxnSp>
+        <p:cxnSp>
+          <p:nvCxnSpPr>
+            <p:cNvPr id="166" name="Straight Connector 165">
+              <a:extLst>
+                <a:ext uri="{FF2B5EF4-FFF2-40B4-BE49-F238E27FC236}">
+                  <a16:creationId xmlns:a16="http://schemas.microsoft.com/office/drawing/2014/main" id="{BF35F3B7-BA5F-4740-B113-7D5F0023435C}"/>
+                </a:ext>
+              </a:extLst>
+            </p:cNvPr>
+            <p:cNvCxnSpPr/>
+            <p:nvPr/>
+          </p:nvCxnSpPr>
+          <p:spPr>
+            <a:xfrm flipH="1">
+              <a:off x="4215347" y="2202109"/>
+              <a:ext cx="1" cy="1734499"/>
+            </a:xfrm>
+            <a:prstGeom prst="line">
+              <a:avLst/>
+            </a:prstGeom>
+            <a:ln w="9525">
+              <a:solidFill>
+                <a:schemeClr val="tx1"/>
+              </a:solidFill>
+            </a:ln>
+          </p:spPr>
+          <p:style>
+            <a:lnRef idx="1">
+              <a:schemeClr val="accent1"/>
+            </a:lnRef>
+            <a:fillRef idx="0">
+              <a:schemeClr val="accent1"/>
+            </a:fillRef>
+            <a:effectRef idx="0">
+              <a:schemeClr val="accent1"/>
+            </a:effectRef>
+            <a:fontRef idx="minor">
+              <a:schemeClr val="tx1"/>
+            </a:fontRef>
+          </p:style>
+        </p:cxnSp>
+        <p:cxnSp>
+          <p:nvCxnSpPr>
+            <p:cNvPr id="169" name="Straight Arrow Connector 168">
+              <a:extLst>
+                <a:ext uri="{FF2B5EF4-FFF2-40B4-BE49-F238E27FC236}">
+                  <a16:creationId xmlns:a16="http://schemas.microsoft.com/office/drawing/2014/main" id="{534B27D9-05C4-48B9-9B7D-F4CE4CE51C80}"/>
+                </a:ext>
+              </a:extLst>
+            </p:cNvPr>
+            <p:cNvCxnSpPr>
+              <a:cxnSpLocks/>
+            </p:cNvCxnSpPr>
+            <p:nvPr/>
+          </p:nvCxnSpPr>
+          <p:spPr>
+            <a:xfrm flipH="1">
+              <a:off x="3524740" y="6367733"/>
+              <a:ext cx="1078877" cy="0"/>
+            </a:xfrm>
+            <a:prstGeom prst="straightConnector1">
+              <a:avLst/>
+            </a:prstGeom>
+            <a:ln w="9525">
+              <a:solidFill>
+                <a:srgbClr val="FF0000"/>
+              </a:solidFill>
+              <a:tailEnd type="triangle"/>
+            </a:ln>
+          </p:spPr>
+          <p:style>
+            <a:lnRef idx="1">
+              <a:schemeClr val="accent1"/>
+            </a:lnRef>
+            <a:fillRef idx="0">
+              <a:schemeClr val="accent1"/>
+            </a:fillRef>
+            <a:effectRef idx="0">
+              <a:schemeClr val="accent1"/>
+            </a:effectRef>
+            <a:fontRef idx="minor">
+              <a:schemeClr val="tx1"/>
+            </a:fontRef>
+          </p:style>
+        </p:cxnSp>
+        <p:cxnSp>
+          <p:nvCxnSpPr>
+            <p:cNvPr id="171" name="Straight Arrow Connector 170">
+              <a:extLst>
+                <a:ext uri="{FF2B5EF4-FFF2-40B4-BE49-F238E27FC236}">
+                  <a16:creationId xmlns:a16="http://schemas.microsoft.com/office/drawing/2014/main" id="{663EA009-7A37-4BE8-9A68-3DB9D98D41CC}"/>
+                </a:ext>
+              </a:extLst>
+            </p:cNvPr>
+            <p:cNvCxnSpPr>
+              <a:cxnSpLocks/>
+            </p:cNvCxnSpPr>
+            <p:nvPr/>
+          </p:nvCxnSpPr>
+          <p:spPr>
+            <a:xfrm flipH="1">
+              <a:off x="1989441" y="5600759"/>
+              <a:ext cx="2283" cy="482143"/>
+            </a:xfrm>
+            <a:prstGeom prst="straightConnector1">
+              <a:avLst/>
+            </a:prstGeom>
+            <a:ln w="9525">
+              <a:solidFill>
+                <a:schemeClr val="tx1"/>
+              </a:solidFill>
+              <a:tailEnd type="triangle"/>
+            </a:ln>
+          </p:spPr>
+          <p:style>
+            <a:lnRef idx="1">
+              <a:schemeClr val="accent1"/>
+            </a:lnRef>
+            <a:fillRef idx="0">
+              <a:schemeClr val="accent1"/>
+            </a:fillRef>
+            <a:effectRef idx="0">
+              <a:schemeClr val="accent1"/>
+            </a:effectRef>
+            <a:fontRef idx="minor">
+              <a:schemeClr val="tx1"/>
+            </a:fontRef>
+          </p:style>
+        </p:cxnSp>
+        <p:cxnSp>
+          <p:nvCxnSpPr>
+            <p:cNvPr id="175" name="Straight Arrow Connector 174">
+              <a:extLst>
+                <a:ext uri="{FF2B5EF4-FFF2-40B4-BE49-F238E27FC236}">
+                  <a16:creationId xmlns:a16="http://schemas.microsoft.com/office/drawing/2014/main" id="{AF84A429-61E5-4732-A27D-DEAC4CF53B42}"/>
+                </a:ext>
+              </a:extLst>
+            </p:cNvPr>
+            <p:cNvCxnSpPr>
+              <a:cxnSpLocks/>
+            </p:cNvCxnSpPr>
+            <p:nvPr/>
+          </p:nvCxnSpPr>
+          <p:spPr>
+            <a:xfrm>
+              <a:off x="1084919" y="5634335"/>
+              <a:ext cx="503304" cy="0"/>
+            </a:xfrm>
+            <a:prstGeom prst="straightConnector1">
+              <a:avLst/>
+            </a:prstGeom>
+            <a:ln w="9525">
+              <a:solidFill>
+                <a:srgbClr val="FF0000"/>
+              </a:solidFill>
+              <a:tailEnd type="triangle"/>
+            </a:ln>
+          </p:spPr>
+          <p:style>
+            <a:lnRef idx="1">
+              <a:schemeClr val="accent1"/>
+            </a:lnRef>
+            <a:fillRef idx="0">
+              <a:schemeClr val="accent1"/>
+            </a:fillRef>
+            <a:effectRef idx="0">
+              <a:schemeClr val="accent1"/>
+            </a:effectRef>
+            <a:fontRef idx="minor">
+              <a:schemeClr val="tx1"/>
+            </a:fontRef>
+          </p:style>
+        </p:cxnSp>
+        <p:sp>
+          <p:nvSpPr>
+            <p:cNvPr id="6" name="TextBox 5">
+              <a:extLst>
+                <a:ext uri="{FF2B5EF4-FFF2-40B4-BE49-F238E27FC236}">
+                  <a16:creationId xmlns:a16="http://schemas.microsoft.com/office/drawing/2014/main" id="{21876E51-290C-4303-A6AD-0D8D552ADC8C}"/>
+                </a:ext>
+              </a:extLst>
+            </p:cNvPr>
+            <p:cNvSpPr txBox="1"/>
+            <p:nvPr/>
+          </p:nvSpPr>
+          <p:spPr>
+            <a:xfrm>
+              <a:off x="2879774" y="1970332"/>
+              <a:ext cx="750407" cy="553998"/>
+            </a:xfrm>
+            <a:prstGeom prst="rect">
+              <a:avLst/>
+            </a:prstGeom>
+            <a:solidFill>
+              <a:srgbClr val="FFC000"/>
+            </a:solidFill>
+            <a:ln w="9525">
+              <a:solidFill>
+                <a:schemeClr val="tx1"/>
+              </a:solidFill>
+            </a:ln>
+          </p:spPr>
+          <p:txBody>
+            <a:bodyPr wrap="square" rtlCol="0">
+              <a:spAutoFit/>
+            </a:bodyPr>
+            <a:lstStyle/>
+            <a:p>
+              <a:pPr algn="ctr"/>
+              <a:r>
+                <a:rPr lang="en-US" sz="1000" dirty="0"/>
+                <a:t>Below-ground biomass</a:t>
+              </a:r>
+            </a:p>
+          </p:txBody>
+        </p:sp>
+        <p:sp>
+          <p:nvSpPr>
+            <p:cNvPr id="77" name="TextBox 76">
+              <a:extLst>
+                <a:ext uri="{FF2B5EF4-FFF2-40B4-BE49-F238E27FC236}">
+                  <a16:creationId xmlns:a16="http://schemas.microsoft.com/office/drawing/2014/main" id="{592AC19D-B477-462D-A16C-DFA019277B56}"/>
+                </a:ext>
+              </a:extLst>
+            </p:cNvPr>
+            <p:cNvSpPr txBox="1"/>
+            <p:nvPr/>
+          </p:nvSpPr>
+          <p:spPr>
+            <a:xfrm>
+              <a:off x="1307054" y="3895619"/>
+              <a:ext cx="709201" cy="553998"/>
+            </a:xfrm>
+            <a:prstGeom prst="rect">
+              <a:avLst/>
+            </a:prstGeom>
+            <a:solidFill>
+              <a:srgbClr val="FFC000"/>
+            </a:solidFill>
+            <a:ln w="9525">
+              <a:solidFill>
+                <a:schemeClr val="tx1"/>
+              </a:solidFill>
+            </a:ln>
+          </p:spPr>
+          <p:txBody>
+            <a:bodyPr wrap="square" rtlCol="0">
+              <a:spAutoFit/>
+            </a:bodyPr>
+            <a:lstStyle/>
+            <a:p>
+              <a:pPr algn="ctr"/>
+              <a:r>
+                <a:rPr lang="en-US" sz="1000" dirty="0"/>
+                <a:t>Soil Organic Matter</a:t>
+              </a:r>
+            </a:p>
+          </p:txBody>
+        </p:sp>
+        <p:sp>
+          <p:nvSpPr>
+            <p:cNvPr id="40" name="TextBox 39">
+              <a:extLst>
+                <a:ext uri="{FF2B5EF4-FFF2-40B4-BE49-F238E27FC236}">
+                  <a16:creationId xmlns:a16="http://schemas.microsoft.com/office/drawing/2014/main" id="{D29EBCB2-DAFE-4E53-9427-A32478F274C9}"/>
+                </a:ext>
+              </a:extLst>
+            </p:cNvPr>
+            <p:cNvSpPr txBox="1"/>
+            <p:nvPr/>
+          </p:nvSpPr>
+          <p:spPr>
+            <a:xfrm>
+              <a:off x="733186" y="2952172"/>
+              <a:ext cx="709201" cy="400110"/>
+            </a:xfrm>
+            <a:prstGeom prst="rect">
+              <a:avLst/>
+            </a:prstGeom>
+            <a:solidFill>
+              <a:srgbClr val="FFC000"/>
+            </a:solidFill>
+            <a:ln w="9525">
+              <a:solidFill>
+                <a:schemeClr val="tx1"/>
+              </a:solidFill>
+            </a:ln>
+          </p:spPr>
+          <p:txBody>
+            <a:bodyPr wrap="square" rtlCol="0">
+              <a:spAutoFit/>
+            </a:bodyPr>
+            <a:lstStyle/>
+            <a:p>
+              <a:pPr algn="ctr"/>
+              <a:r>
+                <a:rPr lang="en-US" sz="1000" dirty="0"/>
+                <a:t>Soil Erosion</a:t>
+              </a:r>
+            </a:p>
+          </p:txBody>
+        </p:sp>
+        <p:sp>
+          <p:nvSpPr>
+            <p:cNvPr id="86" name="TextBox 85">
+              <a:extLst>
+                <a:ext uri="{FF2B5EF4-FFF2-40B4-BE49-F238E27FC236}">
+                  <a16:creationId xmlns:a16="http://schemas.microsoft.com/office/drawing/2014/main" id="{8FF35A50-2D70-45A5-97C0-09FA7E9396C3}"/>
+                </a:ext>
+              </a:extLst>
+            </p:cNvPr>
+            <p:cNvSpPr txBox="1"/>
+            <p:nvPr/>
+          </p:nvSpPr>
+          <p:spPr>
+            <a:xfrm>
+              <a:off x="3143563" y="4878132"/>
+              <a:ext cx="1614352" cy="400110"/>
+            </a:xfrm>
+            <a:prstGeom prst="rect">
+              <a:avLst/>
+            </a:prstGeom>
+            <a:solidFill>
+              <a:srgbClr val="FFC000"/>
+            </a:solidFill>
+            <a:ln w="9525">
+              <a:solidFill>
+                <a:schemeClr val="tx1"/>
+              </a:solidFill>
+            </a:ln>
+          </p:spPr>
+          <p:txBody>
+            <a:bodyPr wrap="square" rtlCol="0">
+              <a:spAutoFit/>
+            </a:bodyPr>
+            <a:lstStyle/>
+            <a:p>
+              <a:pPr algn="ctr"/>
+              <a:r>
+                <a:rPr lang="en-US" sz="1000" dirty="0"/>
+                <a:t>Soil porosity</a:t>
+              </a:r>
+            </a:p>
+          </p:txBody>
+        </p:sp>
+        <p:sp>
+          <p:nvSpPr>
+            <p:cNvPr id="16" name="TextBox 15">
+              <a:extLst>
+                <a:ext uri="{FF2B5EF4-FFF2-40B4-BE49-F238E27FC236}">
+                  <a16:creationId xmlns:a16="http://schemas.microsoft.com/office/drawing/2014/main" id="{6EFC2D2F-82ED-4332-86E1-5D3DCB71E395}"/>
+                </a:ext>
+              </a:extLst>
+            </p:cNvPr>
+            <p:cNvSpPr txBox="1"/>
+            <p:nvPr/>
+          </p:nvSpPr>
+          <p:spPr>
+            <a:xfrm>
+              <a:off x="4104087" y="1991202"/>
+              <a:ext cx="655608" cy="400110"/>
+            </a:xfrm>
+            <a:prstGeom prst="rect">
+              <a:avLst/>
+            </a:prstGeom>
+            <a:solidFill>
+              <a:srgbClr val="FFC000"/>
+            </a:solidFill>
+            <a:ln w="9525">
+              <a:solidFill>
+                <a:schemeClr val="tx1"/>
+              </a:solidFill>
+            </a:ln>
+          </p:spPr>
+          <p:txBody>
+            <a:bodyPr wrap="square" rtlCol="0">
+              <a:spAutoFit/>
+            </a:bodyPr>
+            <a:lstStyle/>
+            <a:p>
+              <a:pPr algn="ctr"/>
+              <a:r>
+                <a:rPr lang="en-US" sz="1000" dirty="0"/>
+                <a:t>Soil Biology</a:t>
+              </a:r>
+            </a:p>
+          </p:txBody>
+        </p:sp>
+        <p:sp>
+          <p:nvSpPr>
+            <p:cNvPr id="96" name="TextBox 95">
+              <a:extLst>
+                <a:ext uri="{FF2B5EF4-FFF2-40B4-BE49-F238E27FC236}">
+                  <a16:creationId xmlns:a16="http://schemas.microsoft.com/office/drawing/2014/main" id="{072EE3DC-7571-43F1-B7BC-E9FB70EDEBA6}"/>
+                </a:ext>
+              </a:extLst>
+            </p:cNvPr>
+            <p:cNvSpPr txBox="1"/>
+            <p:nvPr/>
+          </p:nvSpPr>
+          <p:spPr>
+            <a:xfrm>
+              <a:off x="4117845" y="6788545"/>
+              <a:ext cx="873188" cy="400110"/>
+            </a:xfrm>
+            <a:prstGeom prst="rect">
+              <a:avLst/>
+            </a:prstGeom>
+            <a:solidFill>
+              <a:schemeClr val="bg2"/>
+            </a:solidFill>
+            <a:ln w="9525">
+              <a:solidFill>
+                <a:schemeClr val="tx1"/>
+              </a:solidFill>
+            </a:ln>
+          </p:spPr>
+          <p:txBody>
+            <a:bodyPr wrap="square" rtlCol="0">
+              <a:spAutoFit/>
+            </a:bodyPr>
+            <a:lstStyle/>
+            <a:p>
+              <a:pPr algn="ctr"/>
+              <a:r>
+                <a:rPr lang="en-US" sz="1000" dirty="0"/>
+                <a:t>Soil water at saturation</a:t>
+              </a:r>
+            </a:p>
+          </p:txBody>
+        </p:sp>
+        <p:sp>
+          <p:nvSpPr>
+            <p:cNvPr id="53" name="Rectangle 52">
+              <a:extLst>
+                <a:ext uri="{FF2B5EF4-FFF2-40B4-BE49-F238E27FC236}">
+                  <a16:creationId xmlns:a16="http://schemas.microsoft.com/office/drawing/2014/main" id="{9D7E2AF7-1946-4EEA-83B6-3F3D8E0738EE}"/>
+                </a:ext>
+              </a:extLst>
+            </p:cNvPr>
+            <p:cNvSpPr/>
+            <p:nvPr/>
+          </p:nvSpPr>
+          <p:spPr>
+            <a:xfrm>
+              <a:off x="1788291" y="3650760"/>
+              <a:ext cx="148990" cy="95788"/>
+            </a:xfrm>
+            <a:prstGeom prst="rect">
+              <a:avLst/>
+            </a:prstGeom>
+            <a:solidFill>
+              <a:schemeClr val="bg1"/>
+            </a:solidFill>
+            <a:ln w="9525">
+              <a:solidFill>
+                <a:schemeClr val="bg1"/>
+              </a:solidFill>
+            </a:ln>
+          </p:spPr>
+          <p:style>
+            <a:lnRef idx="2">
+              <a:schemeClr val="accent1">
+                <a:shade val="50000"/>
+              </a:schemeClr>
+            </a:lnRef>
+            <a:fillRef idx="1">
+              <a:schemeClr val="accent1"/>
+            </a:fillRef>
+            <a:effectRef idx="0">
+              <a:schemeClr val="accent1"/>
+            </a:effectRef>
+            <a:fontRef idx="minor">
+              <a:schemeClr val="lt1"/>
+            </a:fontRef>
+          </p:style>
+          <p:txBody>
+            <a:bodyPr rtlCol="0" anchor="ctr"/>
+            <a:lstStyle/>
+            <a:p>
+              <a:pPr algn="ctr"/>
+              <a:endParaRPr lang="en-US"/>
+            </a:p>
+          </p:txBody>
+        </p:sp>
+        <p:cxnSp>
+          <p:nvCxnSpPr>
+            <p:cNvPr id="156" name="Straight Arrow Connector 155">
+              <a:extLst>
+                <a:ext uri="{FF2B5EF4-FFF2-40B4-BE49-F238E27FC236}">
+                  <a16:creationId xmlns:a16="http://schemas.microsoft.com/office/drawing/2014/main" id="{F2F5C4B5-3009-4604-B153-A758FB3D3B9F}"/>
+                </a:ext>
+              </a:extLst>
+            </p:cNvPr>
+            <p:cNvCxnSpPr>
+              <a:cxnSpLocks/>
+            </p:cNvCxnSpPr>
+            <p:nvPr/>
+          </p:nvCxnSpPr>
+          <p:spPr>
+            <a:xfrm>
+              <a:off x="1874209" y="3099066"/>
+              <a:ext cx="1" cy="766136"/>
+            </a:xfrm>
+            <a:prstGeom prst="straightConnector1">
+              <a:avLst/>
+            </a:prstGeom>
+            <a:ln w="9525">
+              <a:solidFill>
+                <a:schemeClr val="tx1"/>
+              </a:solidFill>
+              <a:tailEnd type="triangle"/>
+            </a:ln>
+          </p:spPr>
+          <p:style>
+            <a:lnRef idx="1">
+              <a:schemeClr val="accent1"/>
+            </a:lnRef>
+            <a:fillRef idx="0">
+              <a:schemeClr val="accent1"/>
+            </a:fillRef>
+            <a:effectRef idx="0">
+              <a:schemeClr val="accent1"/>
+            </a:effectRef>
+            <a:fontRef idx="minor">
+              <a:schemeClr val="tx1"/>
+            </a:fontRef>
+          </p:style>
+        </p:cxnSp>
+        <p:sp>
+          <p:nvSpPr>
+            <p:cNvPr id="55" name="Rectangle 54">
+              <a:extLst>
+                <a:ext uri="{FF2B5EF4-FFF2-40B4-BE49-F238E27FC236}">
+                  <a16:creationId xmlns:a16="http://schemas.microsoft.com/office/drawing/2014/main" id="{23B64D1E-71E7-4B90-852C-1FFD78174AB2}"/>
+                </a:ext>
+              </a:extLst>
+            </p:cNvPr>
+            <p:cNvSpPr/>
+            <p:nvPr/>
+          </p:nvSpPr>
+          <p:spPr>
+            <a:xfrm>
+              <a:off x="1749149" y="5049716"/>
+              <a:ext cx="123132" cy="95788"/>
+            </a:xfrm>
+            <a:prstGeom prst="rect">
+              <a:avLst/>
+            </a:prstGeom>
+            <a:solidFill>
+              <a:schemeClr val="bg1"/>
+            </a:solidFill>
+            <a:ln w="9525">
+              <a:solidFill>
+                <a:schemeClr val="bg1"/>
+              </a:solidFill>
+            </a:ln>
+          </p:spPr>
+          <p:style>
+            <a:lnRef idx="2">
+              <a:schemeClr val="accent1">
+                <a:shade val="50000"/>
+              </a:schemeClr>
+            </a:lnRef>
+            <a:fillRef idx="1">
+              <a:schemeClr val="accent1"/>
+            </a:fillRef>
+            <a:effectRef idx="0">
+              <a:schemeClr val="accent1"/>
+            </a:effectRef>
+            <a:fontRef idx="minor">
+              <a:schemeClr val="lt1"/>
+            </a:fontRef>
+          </p:style>
+          <p:txBody>
+            <a:bodyPr rtlCol="0" anchor="ctr"/>
+            <a:lstStyle/>
+            <a:p>
+              <a:pPr algn="ctr"/>
+              <a:endParaRPr lang="en-US"/>
+            </a:p>
+          </p:txBody>
+        </p:sp>
+        <p:sp>
+          <p:nvSpPr>
+            <p:cNvPr id="56" name="Rectangle 55">
+              <a:extLst>
+                <a:ext uri="{FF2B5EF4-FFF2-40B4-BE49-F238E27FC236}">
+                  <a16:creationId xmlns:a16="http://schemas.microsoft.com/office/drawing/2014/main" id="{36661A51-A0F5-4A10-BC66-CD93694E17DC}"/>
+                </a:ext>
+              </a:extLst>
+            </p:cNvPr>
+            <p:cNvSpPr/>
+            <p:nvPr/>
+          </p:nvSpPr>
+          <p:spPr>
+            <a:xfrm>
+              <a:off x="2609375" y="5030293"/>
+              <a:ext cx="123132" cy="95788"/>
+            </a:xfrm>
+            <a:prstGeom prst="rect">
+              <a:avLst/>
+            </a:prstGeom>
+            <a:solidFill>
+              <a:schemeClr val="bg1"/>
+            </a:solidFill>
+            <a:ln w="9525">
+              <a:solidFill>
+                <a:schemeClr val="bg1"/>
+              </a:solidFill>
+            </a:ln>
+          </p:spPr>
+          <p:style>
+            <a:lnRef idx="2">
+              <a:schemeClr val="accent1">
+                <a:shade val="50000"/>
+              </a:schemeClr>
+            </a:lnRef>
+            <a:fillRef idx="1">
+              <a:schemeClr val="accent1"/>
+            </a:fillRef>
+            <a:effectRef idx="0">
+              <a:schemeClr val="accent1"/>
+            </a:effectRef>
+            <a:fontRef idx="minor">
+              <a:schemeClr val="lt1"/>
+            </a:fontRef>
+          </p:style>
+          <p:txBody>
+            <a:bodyPr rtlCol="0" anchor="ctr"/>
+            <a:lstStyle/>
+            <a:p>
+              <a:pPr algn="ctr"/>
+              <a:endParaRPr lang="en-US"/>
+            </a:p>
+          </p:txBody>
+        </p:sp>
+        <p:cxnSp>
+          <p:nvCxnSpPr>
+            <p:cNvPr id="172" name="Straight Arrow Connector 171">
+              <a:extLst>
+                <a:ext uri="{FF2B5EF4-FFF2-40B4-BE49-F238E27FC236}">
+                  <a16:creationId xmlns:a16="http://schemas.microsoft.com/office/drawing/2014/main" id="{FC8C7FFC-E011-4F67-A04C-8CFC4A5730E2}"/>
+                </a:ext>
+              </a:extLst>
+            </p:cNvPr>
+            <p:cNvCxnSpPr>
+              <a:cxnSpLocks/>
+            </p:cNvCxnSpPr>
+            <p:nvPr/>
+          </p:nvCxnSpPr>
+          <p:spPr>
+            <a:xfrm flipH="1">
+              <a:off x="2685100" y="4059670"/>
+              <a:ext cx="2283" cy="1375601"/>
+            </a:xfrm>
+            <a:prstGeom prst="straightConnector1">
+              <a:avLst/>
+            </a:prstGeom>
+            <a:ln w="9525">
+              <a:solidFill>
+                <a:schemeClr val="tx1"/>
+              </a:solidFill>
+              <a:tailEnd type="triangle"/>
+            </a:ln>
+          </p:spPr>
+          <p:style>
+            <a:lnRef idx="1">
+              <a:schemeClr val="accent1"/>
+            </a:lnRef>
+            <a:fillRef idx="0">
+              <a:schemeClr val="accent1"/>
+            </a:fillRef>
+            <a:effectRef idx="0">
+              <a:schemeClr val="accent1"/>
+            </a:effectRef>
+            <a:fontRef idx="minor">
+              <a:schemeClr val="tx1"/>
+            </a:fontRef>
+          </p:style>
+        </p:cxnSp>
+        <p:cxnSp>
+          <p:nvCxnSpPr>
+            <p:cNvPr id="173" name="Straight Arrow Connector 172">
+              <a:extLst>
+                <a:ext uri="{FF2B5EF4-FFF2-40B4-BE49-F238E27FC236}">
+                  <a16:creationId xmlns:a16="http://schemas.microsoft.com/office/drawing/2014/main" id="{8805674A-7166-4CBD-9F3E-9EB4FB455B28}"/>
+                </a:ext>
+              </a:extLst>
+            </p:cNvPr>
+            <p:cNvCxnSpPr>
+              <a:cxnSpLocks/>
+            </p:cNvCxnSpPr>
+            <p:nvPr/>
+          </p:nvCxnSpPr>
+          <p:spPr>
+            <a:xfrm flipH="1">
+              <a:off x="1788783" y="4448195"/>
+              <a:ext cx="4104" cy="990970"/>
+            </a:xfrm>
+            <a:prstGeom prst="straightConnector1">
+              <a:avLst/>
+            </a:prstGeom>
+            <a:ln w="9525">
+              <a:solidFill>
+                <a:schemeClr val="tx1"/>
+              </a:solidFill>
+              <a:tailEnd type="triangle"/>
+            </a:ln>
+          </p:spPr>
+          <p:style>
+            <a:lnRef idx="1">
+              <a:schemeClr val="accent1"/>
+            </a:lnRef>
+            <a:fillRef idx="0">
+              <a:schemeClr val="accent1"/>
+            </a:fillRef>
+            <a:effectRef idx="0">
+              <a:schemeClr val="accent1"/>
+            </a:effectRef>
+            <a:fontRef idx="minor">
+              <a:schemeClr val="tx1"/>
+            </a:fontRef>
+          </p:style>
+        </p:cxnSp>
+        <p:sp>
+          <p:nvSpPr>
+            <p:cNvPr id="58" name="Rectangle 57">
+              <a:extLst>
+                <a:ext uri="{FF2B5EF4-FFF2-40B4-BE49-F238E27FC236}">
+                  <a16:creationId xmlns:a16="http://schemas.microsoft.com/office/drawing/2014/main" id="{5E006E4D-0623-40B1-B8A2-E05513A47854}"/>
+                </a:ext>
+              </a:extLst>
+            </p:cNvPr>
+            <p:cNvSpPr/>
+            <p:nvPr/>
+          </p:nvSpPr>
+          <p:spPr>
+            <a:xfrm>
+              <a:off x="3314081" y="3891859"/>
+              <a:ext cx="123132" cy="95788"/>
+            </a:xfrm>
+            <a:prstGeom prst="rect">
+              <a:avLst/>
+            </a:prstGeom>
+            <a:solidFill>
+              <a:schemeClr val="bg1"/>
+            </a:solidFill>
+            <a:ln w="9525">
+              <a:solidFill>
+                <a:schemeClr val="bg1"/>
+              </a:solidFill>
+            </a:ln>
+          </p:spPr>
+          <p:style>
+            <a:lnRef idx="2">
+              <a:schemeClr val="accent1">
+                <a:shade val="50000"/>
+              </a:schemeClr>
+            </a:lnRef>
+            <a:fillRef idx="1">
+              <a:schemeClr val="accent1"/>
+            </a:fillRef>
+            <a:effectRef idx="0">
+              <a:schemeClr val="accent1"/>
+            </a:effectRef>
+            <a:fontRef idx="minor">
+              <a:schemeClr val="lt1"/>
+            </a:fontRef>
+          </p:style>
+          <p:txBody>
+            <a:bodyPr rtlCol="0" anchor="ctr"/>
+            <a:lstStyle/>
+            <a:p>
+              <a:pPr algn="ctr"/>
+              <a:endParaRPr lang="en-US"/>
+            </a:p>
+          </p:txBody>
+        </p:sp>
+        <p:cxnSp>
+          <p:nvCxnSpPr>
+            <p:cNvPr id="92" name="Straight Arrow Connector 91">
+              <a:extLst>
+                <a:ext uri="{FF2B5EF4-FFF2-40B4-BE49-F238E27FC236}">
+                  <a16:creationId xmlns:a16="http://schemas.microsoft.com/office/drawing/2014/main" id="{D1103426-A3EB-44E5-B05A-CF3D80637CAA}"/>
+                </a:ext>
+              </a:extLst>
+            </p:cNvPr>
+            <p:cNvCxnSpPr>
+              <a:cxnSpLocks/>
+            </p:cNvCxnSpPr>
+            <p:nvPr/>
+          </p:nvCxnSpPr>
+          <p:spPr>
+            <a:xfrm>
+              <a:off x="3378533" y="2501596"/>
+              <a:ext cx="0" cy="2387063"/>
+            </a:xfrm>
+            <a:prstGeom prst="straightConnector1">
+              <a:avLst/>
+            </a:prstGeom>
+            <a:ln w="9525">
+              <a:solidFill>
+                <a:schemeClr val="tx1"/>
+              </a:solidFill>
+              <a:tailEnd type="triangle"/>
+            </a:ln>
+          </p:spPr>
+          <p:style>
+            <a:lnRef idx="1">
+              <a:schemeClr val="accent1"/>
+            </a:lnRef>
+            <a:fillRef idx="0">
+              <a:schemeClr val="accent1"/>
+            </a:fillRef>
+            <a:effectRef idx="0">
+              <a:schemeClr val="accent1"/>
+            </a:effectRef>
+            <a:fontRef idx="minor">
+              <a:schemeClr val="tx1"/>
+            </a:fontRef>
+          </p:style>
+        </p:cxnSp>
+        <p:sp>
+          <p:nvSpPr>
+            <p:cNvPr id="85" name="TextBox 84">
+              <a:extLst>
+                <a:ext uri="{FF2B5EF4-FFF2-40B4-BE49-F238E27FC236}">
+                  <a16:creationId xmlns:a16="http://schemas.microsoft.com/office/drawing/2014/main" id="{CF804AB6-B196-45FB-8F8E-BCF2A0FB4871}"/>
+                </a:ext>
+              </a:extLst>
+            </p:cNvPr>
+            <p:cNvSpPr txBox="1"/>
+            <p:nvPr/>
+          </p:nvSpPr>
+          <p:spPr>
+            <a:xfrm>
+              <a:off x="2373899" y="3643922"/>
+              <a:ext cx="622402" cy="553998"/>
+            </a:xfrm>
+            <a:prstGeom prst="rect">
+              <a:avLst/>
+            </a:prstGeom>
+            <a:solidFill>
+              <a:srgbClr val="FFC000"/>
+            </a:solidFill>
+            <a:ln w="9525">
+              <a:solidFill>
+                <a:schemeClr val="tx1"/>
+              </a:solidFill>
+            </a:ln>
+          </p:spPr>
+          <p:txBody>
+            <a:bodyPr wrap="square" rtlCol="0">
+              <a:spAutoFit/>
+            </a:bodyPr>
+            <a:lstStyle/>
+            <a:p>
+              <a:pPr algn="ctr"/>
+              <a:r>
+                <a:rPr lang="en-US" sz="1000" dirty="0"/>
+                <a:t>Soil aggregation</a:t>
+              </a:r>
+            </a:p>
+          </p:txBody>
+        </p:sp>
+        <p:sp>
+          <p:nvSpPr>
+            <p:cNvPr id="5" name="TextBox 4">
+              <a:extLst>
+                <a:ext uri="{FF2B5EF4-FFF2-40B4-BE49-F238E27FC236}">
+                  <a16:creationId xmlns:a16="http://schemas.microsoft.com/office/drawing/2014/main" id="{FB7D1191-B076-4898-9B0F-3270A8A581F9}"/>
+                </a:ext>
+              </a:extLst>
+            </p:cNvPr>
+            <p:cNvSpPr txBox="1"/>
+            <p:nvPr/>
+          </p:nvSpPr>
+          <p:spPr>
+            <a:xfrm>
+              <a:off x="1411035" y="1358867"/>
+              <a:ext cx="3536829" cy="276999"/>
+            </a:xfrm>
+            <a:prstGeom prst="rect">
+              <a:avLst/>
+            </a:prstGeom>
+            <a:solidFill>
+              <a:srgbClr val="00B050"/>
+            </a:solidFill>
+          </p:spPr>
+          <p:txBody>
+            <a:bodyPr wrap="square" rtlCol="0">
+              <a:spAutoFit/>
+            </a:bodyPr>
+            <a:lstStyle/>
+            <a:p>
+              <a:pPr algn="ctr"/>
+              <a:r>
+                <a:rPr lang="en-US" sz="1200" dirty="0"/>
+                <a:t>Cover Crops</a:t>
+              </a:r>
+            </a:p>
+          </p:txBody>
+        </p:sp>
+        <p:sp>
+          <p:nvSpPr>
+            <p:cNvPr id="39" name="TextBox 38">
+              <a:extLst>
+                <a:ext uri="{FF2B5EF4-FFF2-40B4-BE49-F238E27FC236}">
+                  <a16:creationId xmlns:a16="http://schemas.microsoft.com/office/drawing/2014/main" id="{C88535CE-04F6-4F00-8976-230E49A5674A}"/>
+                </a:ext>
+              </a:extLst>
+            </p:cNvPr>
+            <p:cNvSpPr txBox="1"/>
+            <p:nvPr/>
+          </p:nvSpPr>
+          <p:spPr>
+            <a:xfrm>
+              <a:off x="1729897" y="2961233"/>
+              <a:ext cx="1418545" cy="246221"/>
+            </a:xfrm>
+            <a:prstGeom prst="rect">
+              <a:avLst/>
+            </a:prstGeom>
+            <a:solidFill>
+              <a:srgbClr val="FFC000"/>
+            </a:solidFill>
+            <a:ln w="9525">
+              <a:solidFill>
+                <a:schemeClr val="tx1"/>
+              </a:solidFill>
+            </a:ln>
+          </p:spPr>
+          <p:txBody>
+            <a:bodyPr wrap="square" rtlCol="0">
+              <a:spAutoFit/>
+            </a:bodyPr>
+            <a:lstStyle/>
+            <a:p>
+              <a:pPr algn="ctr"/>
+              <a:r>
+                <a:rPr lang="en-US" sz="1000" dirty="0"/>
+                <a:t>Carbon inputs</a:t>
+              </a:r>
+            </a:p>
+          </p:txBody>
+        </p:sp>
+        <p:sp>
+          <p:nvSpPr>
+            <p:cNvPr id="27" name="TextBox 26">
+              <a:extLst>
+                <a:ext uri="{FF2B5EF4-FFF2-40B4-BE49-F238E27FC236}">
+                  <a16:creationId xmlns:a16="http://schemas.microsoft.com/office/drawing/2014/main" id="{A8BF0BC3-B10A-4BC5-9397-D880332680E1}"/>
+                </a:ext>
+              </a:extLst>
+            </p:cNvPr>
+            <p:cNvSpPr txBox="1"/>
+            <p:nvPr/>
+          </p:nvSpPr>
+          <p:spPr>
+            <a:xfrm>
+              <a:off x="1697528" y="1955692"/>
+              <a:ext cx="660241" cy="556775"/>
+            </a:xfrm>
+            <a:prstGeom prst="rect">
+              <a:avLst/>
+            </a:prstGeom>
+            <a:solidFill>
+              <a:srgbClr val="FFC000"/>
+            </a:solidFill>
+            <a:ln w="9525">
+              <a:solidFill>
+                <a:schemeClr val="tx1"/>
+              </a:solidFill>
+            </a:ln>
+          </p:spPr>
+          <p:txBody>
+            <a:bodyPr wrap="square" rtlCol="0">
+              <a:spAutoFit/>
+            </a:bodyPr>
+            <a:lstStyle/>
+            <a:p>
+              <a:pPr algn="ctr"/>
+              <a:r>
+                <a:rPr lang="en-US" sz="1000" dirty="0"/>
+                <a:t>Above-ground biomass</a:t>
+              </a:r>
+            </a:p>
+          </p:txBody>
+        </p:sp>
+        <p:sp>
+          <p:nvSpPr>
+            <p:cNvPr id="64" name="TextBox 63">
+              <a:extLst>
+                <a:ext uri="{FF2B5EF4-FFF2-40B4-BE49-F238E27FC236}">
+                  <a16:creationId xmlns:a16="http://schemas.microsoft.com/office/drawing/2014/main" id="{A8FAAB48-F50B-4F05-9A35-72A681704C37}"/>
+                </a:ext>
+              </a:extLst>
+            </p:cNvPr>
+            <p:cNvSpPr txBox="1"/>
+            <p:nvPr/>
+          </p:nvSpPr>
+          <p:spPr>
+            <a:xfrm>
+              <a:off x="1532644" y="6081973"/>
+              <a:ext cx="891434" cy="413010"/>
+            </a:xfrm>
+            <a:prstGeom prst="rect">
+              <a:avLst/>
+            </a:prstGeom>
+            <a:solidFill>
+              <a:schemeClr val="bg2"/>
+            </a:solidFill>
+            <a:ln w="9525">
+              <a:solidFill>
+                <a:schemeClr val="tx1"/>
+              </a:solidFill>
+            </a:ln>
+          </p:spPr>
+          <p:txBody>
+            <a:bodyPr wrap="square" rtlCol="0">
+              <a:spAutoFit/>
+            </a:bodyPr>
+            <a:lstStyle/>
+            <a:p>
+              <a:pPr algn="ctr"/>
+              <a:r>
+                <a:rPr lang="en-US" sz="1000" dirty="0"/>
+                <a:t>Pore size distributions</a:t>
+              </a:r>
+            </a:p>
+          </p:txBody>
+        </p:sp>
+        <p:sp>
+          <p:nvSpPr>
+            <p:cNvPr id="88" name="TextBox 87">
+              <a:extLst>
+                <a:ext uri="{FF2B5EF4-FFF2-40B4-BE49-F238E27FC236}">
+                  <a16:creationId xmlns:a16="http://schemas.microsoft.com/office/drawing/2014/main" id="{A39D2850-50A4-44CE-90DE-AD3BCB951000}"/>
+                </a:ext>
+              </a:extLst>
+            </p:cNvPr>
+            <p:cNvSpPr txBox="1"/>
+            <p:nvPr/>
+          </p:nvSpPr>
+          <p:spPr>
+            <a:xfrm>
+              <a:off x="4139383" y="6163074"/>
+              <a:ext cx="769153" cy="400110"/>
+            </a:xfrm>
+            <a:prstGeom prst="rect">
+              <a:avLst/>
+            </a:prstGeom>
+            <a:solidFill>
+              <a:srgbClr val="FFC000"/>
+            </a:solidFill>
+            <a:ln w="9525">
+              <a:solidFill>
+                <a:schemeClr val="tx1"/>
+              </a:solidFill>
+            </a:ln>
+          </p:spPr>
+          <p:txBody>
+            <a:bodyPr wrap="square" rtlCol="0">
+              <a:spAutoFit/>
+            </a:bodyPr>
+            <a:lstStyle/>
+            <a:p>
+              <a:pPr algn="ctr"/>
+              <a:r>
+                <a:rPr lang="en-US" sz="1000" dirty="0"/>
+                <a:t>Bulk density</a:t>
+              </a:r>
+            </a:p>
+          </p:txBody>
+        </p:sp>
+        <p:sp>
+          <p:nvSpPr>
+            <p:cNvPr id="170" name="TextBox 169">
+              <a:extLst>
+                <a:ext uri="{FF2B5EF4-FFF2-40B4-BE49-F238E27FC236}">
+                  <a16:creationId xmlns:a16="http://schemas.microsoft.com/office/drawing/2014/main" id="{68630CDA-D7CB-4F71-94FA-BDABED5E88FE}"/>
+                </a:ext>
+              </a:extLst>
+            </p:cNvPr>
+            <p:cNvSpPr txBox="1"/>
+            <p:nvPr/>
+          </p:nvSpPr>
+          <p:spPr>
+            <a:xfrm>
+              <a:off x="1593368" y="5491347"/>
+              <a:ext cx="2155146" cy="246221"/>
+            </a:xfrm>
+            <a:prstGeom prst="rect">
+              <a:avLst/>
+            </a:prstGeom>
+            <a:solidFill>
+              <a:srgbClr val="FFC000"/>
+            </a:solidFill>
+            <a:ln w="9525">
+              <a:solidFill>
+                <a:schemeClr val="tx1"/>
+              </a:solidFill>
+            </a:ln>
+          </p:spPr>
+          <p:txBody>
+            <a:bodyPr wrap="square" rtlCol="0">
+              <a:spAutoFit/>
+            </a:bodyPr>
+            <a:lstStyle/>
+            <a:p>
+              <a:pPr algn="ctr"/>
+              <a:r>
+                <a:rPr lang="en-US" sz="1000" dirty="0"/>
+                <a:t>Soil structure</a:t>
+              </a:r>
+            </a:p>
+          </p:txBody>
+        </p:sp>
+        <p:cxnSp>
+          <p:nvCxnSpPr>
+            <p:cNvPr id="65" name="Straight Arrow Connector 64">
+              <a:extLst>
+                <a:ext uri="{FF2B5EF4-FFF2-40B4-BE49-F238E27FC236}">
+                  <a16:creationId xmlns:a16="http://schemas.microsoft.com/office/drawing/2014/main" id="{6DDDE205-0E35-4E61-A2F7-714AF9A98917}"/>
+                </a:ext>
+              </a:extLst>
+            </p:cNvPr>
+            <p:cNvCxnSpPr>
+              <a:cxnSpLocks/>
+            </p:cNvCxnSpPr>
+            <p:nvPr/>
+          </p:nvCxnSpPr>
+          <p:spPr>
+            <a:xfrm>
+              <a:off x="2411072" y="6368700"/>
+              <a:ext cx="367020" cy="0"/>
+            </a:xfrm>
+            <a:prstGeom prst="straightConnector1">
+              <a:avLst/>
+            </a:prstGeom>
+            <a:ln w="9525">
+              <a:solidFill>
+                <a:schemeClr val="tx1"/>
+              </a:solidFill>
+              <a:tailEnd type="triangle"/>
+            </a:ln>
+          </p:spPr>
+          <p:style>
+            <a:lnRef idx="1">
+              <a:schemeClr val="accent1"/>
+            </a:lnRef>
+            <a:fillRef idx="0">
+              <a:schemeClr val="accent1"/>
+            </a:fillRef>
+            <a:effectRef idx="0">
+              <a:schemeClr val="accent1"/>
+            </a:effectRef>
+            <a:fontRef idx="minor">
+              <a:schemeClr val="tx1"/>
+            </a:fontRef>
+          </p:style>
+        </p:cxnSp>
+      </p:grpSp>
+    </p:spTree>
+    <p:extLst>
+      <p:ext uri="{BB962C8B-B14F-4D97-AF65-F5344CB8AC3E}">
+        <p14:creationId xmlns:p14="http://schemas.microsoft.com/office/powerpoint/2010/main" val="362771879"/>
+      </p:ext>
+    </p:extLst>
+  </p:cSld>
+  <p:clrMapOvr>
+    <a:masterClrMapping/>
+  </p:clrMapOvr>
+</p:sld>
+</file>
+
+<file path=ppt/slides/slide3.xml><?xml version="1.0" encoding="utf-8"?>
+<p:sld xmlns:a="http://schemas.openxmlformats.org/drawingml/2006/main" xmlns:r="http://schemas.openxmlformats.org/officeDocument/2006/relationships" xmlns:p="http://schemas.openxmlformats.org/presentationml/2006/main">
+  <p:cSld>
+    <p:spTree>
+      <p:nvGrpSpPr>
+        <p:cNvPr id="1" name=""/>
+        <p:cNvGrpSpPr/>
+        <p:nvPr/>
+      </p:nvGrpSpPr>
+      <p:grpSpPr>
+        <a:xfrm>
+          <a:off x="0" y="0"/>
+          <a:ext cx="0" cy="0"/>
+          <a:chOff x="0" y="0"/>
+          <a:chExt cx="0" cy="0"/>
+        </a:xfrm>
+      </p:grpSpPr>
+      <p:sp>
+        <p:nvSpPr>
+          <p:cNvPr id="44" name="TextBox 43">
+            <a:extLst>
+              <a:ext uri="{FF2B5EF4-FFF2-40B4-BE49-F238E27FC236}">
+                <a16:creationId xmlns:a16="http://schemas.microsoft.com/office/drawing/2014/main" id="{414CDE10-F323-4C65-B715-D0A0634E988F}"/>
+              </a:ext>
+            </a:extLst>
+          </p:cNvPr>
+          <p:cNvSpPr txBox="1"/>
+          <p:nvPr/>
+        </p:nvSpPr>
+        <p:spPr>
+          <a:xfrm>
+            <a:off x="501049" y="525877"/>
+            <a:ext cx="5754969" cy="461665"/>
+          </a:xfrm>
+          <a:prstGeom prst="rect">
+            <a:avLst/>
+          </a:prstGeom>
+          <a:noFill/>
+        </p:spPr>
+        <p:txBody>
+          <a:bodyPr wrap="square" rtlCol="0">
+            <a:spAutoFit/>
+          </a:bodyPr>
+          <a:lstStyle/>
+          <a:p>
+            <a:r>
+              <a:rPr lang="en-US" sz="1200" dirty="0"/>
+              <a:t>Proposed causal diagram for cover crop effects on (1) soil structure, (2) soil water at saturation, and (3) soil water at field capacity</a:t>
+            </a:r>
+          </a:p>
+        </p:txBody>
+      </p:sp>
+      <p:grpSp>
+        <p:nvGrpSpPr>
+          <p:cNvPr id="13" name="Group 12">
+            <a:extLst>
+              <a:ext uri="{FF2B5EF4-FFF2-40B4-BE49-F238E27FC236}">
+                <a16:creationId xmlns:a16="http://schemas.microsoft.com/office/drawing/2014/main" id="{BB4BAC79-9304-49F7-A2B9-807CB3D3B90E}"/>
+              </a:ext>
+            </a:extLst>
+          </p:cNvPr>
+          <p:cNvGrpSpPr/>
+          <p:nvPr/>
+        </p:nvGrpSpPr>
+        <p:grpSpPr>
+          <a:xfrm>
+            <a:off x="702706" y="1572227"/>
+            <a:ext cx="4257847" cy="5829788"/>
+            <a:chOff x="702706" y="1572227"/>
+            <a:chExt cx="4257847" cy="5829788"/>
+          </a:xfrm>
+        </p:grpSpPr>
+        <p:cxnSp>
+          <p:nvCxnSpPr>
+            <p:cNvPr id="52" name="Straight Connector 51">
+              <a:extLst>
+                <a:ext uri="{FF2B5EF4-FFF2-40B4-BE49-F238E27FC236}">
+                  <a16:creationId xmlns:a16="http://schemas.microsoft.com/office/drawing/2014/main" id="{C6CCC06D-2146-468F-B397-DDDA8D9E257E}"/>
+                </a:ext>
+              </a:extLst>
+            </p:cNvPr>
+            <p:cNvCxnSpPr/>
+            <p:nvPr/>
+          </p:nvCxnSpPr>
+          <p:spPr>
+            <a:xfrm flipH="1">
+              <a:off x="3035713" y="2260882"/>
+              <a:ext cx="1" cy="1076987"/>
+            </a:xfrm>
+            <a:prstGeom prst="line">
+              <a:avLst/>
+            </a:prstGeom>
+            <a:ln w="9525">
+              <a:solidFill>
+                <a:schemeClr val="tx1"/>
+              </a:solidFill>
+            </a:ln>
+          </p:spPr>
+          <p:style>
+            <a:lnRef idx="1">
+              <a:schemeClr val="accent1"/>
+            </a:lnRef>
+            <a:fillRef idx="0">
+              <a:schemeClr val="accent1"/>
+            </a:fillRef>
+            <a:effectRef idx="0">
+              <a:schemeClr val="accent1"/>
+            </a:effectRef>
+            <a:fontRef idx="minor">
+              <a:schemeClr val="tx1"/>
+            </a:fontRef>
+          </p:style>
+        </p:cxnSp>
+        <p:cxnSp>
+          <p:nvCxnSpPr>
+            <p:cNvPr id="139" name="Straight Arrow Connector 138">
+              <a:extLst>
+                <a:ext uri="{FF2B5EF4-FFF2-40B4-BE49-F238E27FC236}">
+                  <a16:creationId xmlns:a16="http://schemas.microsoft.com/office/drawing/2014/main" id="{AB2DECDF-FA1B-4A8D-9B89-6F5D9907AB97}"/>
+                </a:ext>
+              </a:extLst>
+            </p:cNvPr>
+            <p:cNvCxnSpPr>
+              <a:cxnSpLocks/>
+            </p:cNvCxnSpPr>
+            <p:nvPr/>
+          </p:nvCxnSpPr>
+          <p:spPr>
+            <a:xfrm flipH="1">
+              <a:off x="4493479" y="6661801"/>
+              <a:ext cx="2283" cy="329308"/>
+            </a:xfrm>
+            <a:prstGeom prst="straightConnector1">
+              <a:avLst/>
+            </a:prstGeom>
+            <a:ln w="9525">
+              <a:solidFill>
+                <a:srgbClr val="FF0000"/>
+              </a:solidFill>
+              <a:tailEnd type="triangle"/>
+            </a:ln>
+          </p:spPr>
+          <p:style>
+            <a:lnRef idx="1">
+              <a:schemeClr val="accent1"/>
+            </a:lnRef>
+            <a:fillRef idx="0">
+              <a:schemeClr val="accent1"/>
+            </a:fillRef>
+            <a:effectRef idx="0">
+              <a:schemeClr val="accent1"/>
+            </a:effectRef>
+            <a:fontRef idx="minor">
+              <a:schemeClr val="tx1"/>
+            </a:fontRef>
+          </p:style>
+        </p:cxnSp>
+        <p:cxnSp>
+          <p:nvCxnSpPr>
+            <p:cNvPr id="167" name="Straight Arrow Connector 166">
+              <a:extLst>
+                <a:ext uri="{FF2B5EF4-FFF2-40B4-BE49-F238E27FC236}">
+                  <a16:creationId xmlns:a16="http://schemas.microsoft.com/office/drawing/2014/main" id="{29FB6EED-A2B4-4F11-B512-964E0FD4FA5E}"/>
+                </a:ext>
+              </a:extLst>
+            </p:cNvPr>
+            <p:cNvCxnSpPr>
+              <a:cxnSpLocks/>
+            </p:cNvCxnSpPr>
+            <p:nvPr/>
+          </p:nvCxnSpPr>
+          <p:spPr>
+            <a:xfrm>
+              <a:off x="1076665" y="4162924"/>
+              <a:ext cx="1265263" cy="0"/>
+            </a:xfrm>
+            <a:prstGeom prst="straightConnector1">
+              <a:avLst/>
+            </a:prstGeom>
+            <a:ln w="9525">
+              <a:solidFill>
+                <a:srgbClr val="FF0000"/>
+              </a:solidFill>
+              <a:tailEnd type="triangle"/>
+            </a:ln>
+          </p:spPr>
+          <p:style>
+            <a:lnRef idx="1">
+              <a:schemeClr val="accent1"/>
+            </a:lnRef>
+            <a:fillRef idx="0">
+              <a:schemeClr val="accent1"/>
+            </a:fillRef>
+            <a:effectRef idx="0">
+              <a:schemeClr val="accent1"/>
+            </a:effectRef>
+            <a:fontRef idx="minor">
+              <a:schemeClr val="tx1"/>
+            </a:fontRef>
+          </p:style>
+        </p:cxnSp>
+        <p:cxnSp>
+          <p:nvCxnSpPr>
+            <p:cNvPr id="57" name="Straight Arrow Connector 56">
+              <a:extLst>
+                <a:ext uri="{FF2B5EF4-FFF2-40B4-BE49-F238E27FC236}">
+                  <a16:creationId xmlns:a16="http://schemas.microsoft.com/office/drawing/2014/main" id="{31BA66BD-48A8-4DD6-B57A-134D8438CFE3}"/>
+                </a:ext>
+              </a:extLst>
+            </p:cNvPr>
+            <p:cNvCxnSpPr>
+              <a:cxnSpLocks/>
+            </p:cNvCxnSpPr>
+            <p:nvPr/>
+          </p:nvCxnSpPr>
+          <p:spPr>
+            <a:xfrm>
+              <a:off x="1057307" y="2464087"/>
+              <a:ext cx="1" cy="268525"/>
+            </a:xfrm>
+            <a:prstGeom prst="straightConnector1">
+              <a:avLst/>
+            </a:prstGeom>
+            <a:ln w="9525">
+              <a:solidFill>
+                <a:srgbClr val="FF0000"/>
+              </a:solidFill>
+              <a:tailEnd type="triangle"/>
+            </a:ln>
+          </p:spPr>
+          <p:style>
+            <a:lnRef idx="1">
+              <a:schemeClr val="accent1"/>
+            </a:lnRef>
+            <a:fillRef idx="0">
+              <a:schemeClr val="accent1"/>
+            </a:fillRef>
+            <a:effectRef idx="0">
+              <a:schemeClr val="accent1"/>
+            </a:effectRef>
+            <a:fontRef idx="minor">
+              <a:schemeClr val="tx1"/>
+            </a:fontRef>
+          </p:style>
+        </p:cxnSp>
+        <p:cxnSp>
+          <p:nvCxnSpPr>
+            <p:cNvPr id="59" name="Straight Arrow Connector 58">
+              <a:extLst>
+                <a:ext uri="{FF2B5EF4-FFF2-40B4-BE49-F238E27FC236}">
+                  <a16:creationId xmlns:a16="http://schemas.microsoft.com/office/drawing/2014/main" id="{04E70E58-42AC-4675-B455-935EC2D04F90}"/>
+                </a:ext>
+              </a:extLst>
+            </p:cNvPr>
+            <p:cNvCxnSpPr>
+              <a:cxnSpLocks/>
+            </p:cNvCxnSpPr>
+            <p:nvPr/>
+          </p:nvCxnSpPr>
+          <p:spPr>
+            <a:xfrm flipV="1">
+              <a:off x="3398884" y="2463515"/>
+              <a:ext cx="646511" cy="2062"/>
+            </a:xfrm>
+            <a:prstGeom prst="straightConnector1">
+              <a:avLst/>
+            </a:prstGeom>
+            <a:ln w="9525">
+              <a:solidFill>
+                <a:schemeClr val="tx1"/>
+              </a:solidFill>
+              <a:tailEnd type="triangle"/>
+            </a:ln>
+          </p:spPr>
+          <p:style>
+            <a:lnRef idx="1">
+              <a:schemeClr val="accent1"/>
+            </a:lnRef>
+            <a:fillRef idx="0">
+              <a:schemeClr val="accent1"/>
+            </a:fillRef>
+            <a:effectRef idx="0">
+              <a:schemeClr val="accent1"/>
+            </a:effectRef>
+            <a:fontRef idx="minor">
+              <a:schemeClr val="tx1"/>
+            </a:fontRef>
+          </p:style>
+        </p:cxnSp>
+        <p:cxnSp>
+          <p:nvCxnSpPr>
+            <p:cNvPr id="90" name="Straight Arrow Connector 89">
+              <a:extLst>
+                <a:ext uri="{FF2B5EF4-FFF2-40B4-BE49-F238E27FC236}">
+                  <a16:creationId xmlns:a16="http://schemas.microsoft.com/office/drawing/2014/main" id="{BB890F74-A463-4C40-A27B-35FB56527423}"/>
+                </a:ext>
+              </a:extLst>
+            </p:cNvPr>
+            <p:cNvCxnSpPr>
+              <a:cxnSpLocks/>
+            </p:cNvCxnSpPr>
+            <p:nvPr/>
+          </p:nvCxnSpPr>
+          <p:spPr>
+            <a:xfrm>
+              <a:off x="2006935" y="1707834"/>
+              <a:ext cx="1" cy="484673"/>
+            </a:xfrm>
+            <a:prstGeom prst="straightConnector1">
+              <a:avLst/>
+            </a:prstGeom>
+            <a:ln w="57150">
+              <a:solidFill>
+                <a:schemeClr val="tx1"/>
+              </a:solidFill>
+              <a:tailEnd type="triangle"/>
+            </a:ln>
+          </p:spPr>
+          <p:style>
+            <a:lnRef idx="1">
+              <a:schemeClr val="accent1"/>
+            </a:lnRef>
+            <a:fillRef idx="0">
+              <a:schemeClr val="accent1"/>
+            </a:fillRef>
+            <a:effectRef idx="0">
+              <a:schemeClr val="accent1"/>
+            </a:effectRef>
+            <a:fontRef idx="minor">
+              <a:schemeClr val="tx1"/>
+            </a:fontRef>
+          </p:style>
+        </p:cxnSp>
+        <p:cxnSp>
+          <p:nvCxnSpPr>
+            <p:cNvPr id="91" name="Straight Arrow Connector 90">
+              <a:extLst>
+                <a:ext uri="{FF2B5EF4-FFF2-40B4-BE49-F238E27FC236}">
+                  <a16:creationId xmlns:a16="http://schemas.microsoft.com/office/drawing/2014/main" id="{7E40E1B6-6876-41B9-90D2-E708A7BFB424}"/>
+                </a:ext>
+              </a:extLst>
+            </p:cNvPr>
+            <p:cNvCxnSpPr>
+              <a:cxnSpLocks/>
+            </p:cNvCxnSpPr>
+            <p:nvPr/>
+          </p:nvCxnSpPr>
+          <p:spPr>
+            <a:xfrm>
+              <a:off x="3199695" y="1740592"/>
+              <a:ext cx="0" cy="460346"/>
+            </a:xfrm>
+            <a:prstGeom prst="straightConnector1">
+              <a:avLst/>
+            </a:prstGeom>
+            <a:ln w="57150">
+              <a:solidFill>
+                <a:schemeClr val="tx1"/>
+              </a:solidFill>
+              <a:tailEnd type="triangle"/>
+            </a:ln>
+          </p:spPr>
+          <p:style>
+            <a:lnRef idx="1">
+              <a:schemeClr val="accent1"/>
+            </a:lnRef>
+            <a:fillRef idx="0">
+              <a:schemeClr val="accent1"/>
+            </a:fillRef>
+            <a:effectRef idx="0">
+              <a:schemeClr val="accent1"/>
+            </a:effectRef>
+            <a:fontRef idx="minor">
+              <a:schemeClr val="tx1"/>
+            </a:fontRef>
+          </p:style>
+        </p:cxnSp>
+        <p:cxnSp>
+          <p:nvCxnSpPr>
+            <p:cNvPr id="71" name="Straight Arrow Connector 70">
+              <a:extLst>
+                <a:ext uri="{FF2B5EF4-FFF2-40B4-BE49-F238E27FC236}">
+                  <a16:creationId xmlns:a16="http://schemas.microsoft.com/office/drawing/2014/main" id="{DFD09234-A006-4654-8ABC-244EFB2761F0}"/>
+                </a:ext>
+              </a:extLst>
+            </p:cNvPr>
+            <p:cNvCxnSpPr>
+              <a:cxnSpLocks/>
+            </p:cNvCxnSpPr>
+            <p:nvPr/>
+          </p:nvCxnSpPr>
+          <p:spPr>
+            <a:xfrm>
+              <a:off x="4417258" y="1749734"/>
+              <a:ext cx="0" cy="460346"/>
+            </a:xfrm>
+            <a:prstGeom prst="straightConnector1">
+              <a:avLst/>
+            </a:prstGeom>
+            <a:ln w="57150">
+              <a:solidFill>
+                <a:schemeClr val="tx1"/>
+              </a:solidFill>
+              <a:tailEnd type="triangle"/>
+            </a:ln>
+          </p:spPr>
+          <p:style>
+            <a:lnRef idx="1">
+              <a:schemeClr val="accent1"/>
+            </a:lnRef>
+            <a:fillRef idx="0">
+              <a:schemeClr val="accent1"/>
+            </a:fillRef>
+            <a:effectRef idx="0">
+              <a:schemeClr val="accent1"/>
+            </a:effectRef>
+            <a:fontRef idx="minor">
+              <a:schemeClr val="tx1"/>
+            </a:fontRef>
+          </p:style>
+        </p:cxnSp>
+        <p:sp>
+          <p:nvSpPr>
+            <p:cNvPr id="80" name="TextBox 79">
+              <a:extLst>
+                <a:ext uri="{FF2B5EF4-FFF2-40B4-BE49-F238E27FC236}">
+                  <a16:creationId xmlns:a16="http://schemas.microsoft.com/office/drawing/2014/main" id="{72EE2869-981E-46C6-AC7A-802D723EAF97}"/>
+                </a:ext>
+              </a:extLst>
+            </p:cNvPr>
+            <p:cNvSpPr txBox="1"/>
+            <p:nvPr/>
+          </p:nvSpPr>
+          <p:spPr>
+            <a:xfrm>
+              <a:off x="2735429" y="6304094"/>
+              <a:ext cx="779661" cy="553998"/>
+            </a:xfrm>
+            <a:prstGeom prst="rect">
+              <a:avLst/>
+            </a:prstGeom>
+            <a:solidFill>
+              <a:schemeClr val="bg2"/>
+            </a:solidFill>
+            <a:ln w="9525">
+              <a:solidFill>
+                <a:schemeClr val="tx1"/>
+              </a:solidFill>
+            </a:ln>
+          </p:spPr>
+          <p:txBody>
+            <a:bodyPr wrap="square" rtlCol="0">
+              <a:spAutoFit/>
+            </a:bodyPr>
+            <a:lstStyle/>
+            <a:p>
+              <a:pPr algn="ctr"/>
+              <a:r>
+                <a:rPr lang="en-US" sz="1000" dirty="0"/>
+                <a:t>Soil water at field capacity</a:t>
+              </a:r>
+            </a:p>
+          </p:txBody>
+        </p:sp>
+        <p:cxnSp>
+          <p:nvCxnSpPr>
+            <p:cNvPr id="11" name="Straight Connector 10">
+              <a:extLst>
+                <a:ext uri="{FF2B5EF4-FFF2-40B4-BE49-F238E27FC236}">
+                  <a16:creationId xmlns:a16="http://schemas.microsoft.com/office/drawing/2014/main" id="{0712DFD0-8832-4922-BFE1-45B491651EC5}"/>
+                </a:ext>
+              </a:extLst>
+            </p:cNvPr>
+            <p:cNvCxnSpPr>
+              <a:cxnSpLocks/>
+            </p:cNvCxnSpPr>
+            <p:nvPr/>
+          </p:nvCxnSpPr>
+          <p:spPr>
+            <a:xfrm>
+              <a:off x="3991978" y="5417357"/>
+              <a:ext cx="0" cy="0"/>
+            </a:xfrm>
+            <a:prstGeom prst="line">
+              <a:avLst/>
+            </a:prstGeom>
+            <a:ln w="9525"/>
+          </p:spPr>
+          <p:style>
+            <a:lnRef idx="1">
+              <a:schemeClr val="accent1"/>
+            </a:lnRef>
+            <a:fillRef idx="0">
+              <a:schemeClr val="accent1"/>
+            </a:fillRef>
+            <a:effectRef idx="0">
+              <a:schemeClr val="accent1"/>
+            </a:effectRef>
+            <a:fontRef idx="minor">
+              <a:schemeClr val="tx1"/>
+            </a:fontRef>
+          </p:style>
+        </p:cxnSp>
+        <p:cxnSp>
+          <p:nvCxnSpPr>
+            <p:cNvPr id="98" name="Straight Arrow Connector 97">
+              <a:extLst>
+                <a:ext uri="{FF2B5EF4-FFF2-40B4-BE49-F238E27FC236}">
+                  <a16:creationId xmlns:a16="http://schemas.microsoft.com/office/drawing/2014/main" id="{520CA070-C7C7-4D3F-97F9-4CF91EF220D6}"/>
+                </a:ext>
+              </a:extLst>
+            </p:cNvPr>
+            <p:cNvCxnSpPr>
+              <a:cxnSpLocks/>
+            </p:cNvCxnSpPr>
+            <p:nvPr/>
+          </p:nvCxnSpPr>
+          <p:spPr>
+            <a:xfrm flipH="1">
+              <a:off x="3301295" y="5383690"/>
+              <a:ext cx="2283" cy="299371"/>
+            </a:xfrm>
+            <a:prstGeom prst="straightConnector1">
+              <a:avLst/>
+            </a:prstGeom>
+            <a:ln w="9525">
+              <a:solidFill>
+                <a:schemeClr val="tx1"/>
+              </a:solidFill>
+              <a:tailEnd type="triangle"/>
+            </a:ln>
+          </p:spPr>
+          <p:style>
+            <a:lnRef idx="1">
+              <a:schemeClr val="accent1"/>
+            </a:lnRef>
+            <a:fillRef idx="0">
+              <a:schemeClr val="accent1"/>
+            </a:fillRef>
+            <a:effectRef idx="0">
+              <a:schemeClr val="accent1"/>
+            </a:effectRef>
+            <a:fontRef idx="minor">
+              <a:schemeClr val="tx1"/>
+            </a:fontRef>
+          </p:style>
+        </p:cxnSp>
+        <p:cxnSp>
+          <p:nvCxnSpPr>
+            <p:cNvPr id="110" name="Straight Arrow Connector 109">
+              <a:extLst>
+                <a:ext uri="{FF2B5EF4-FFF2-40B4-BE49-F238E27FC236}">
+                  <a16:creationId xmlns:a16="http://schemas.microsoft.com/office/drawing/2014/main" id="{6A13596A-C939-4CBE-A6B5-C323C197012A}"/>
+                </a:ext>
+              </a:extLst>
+            </p:cNvPr>
+            <p:cNvCxnSpPr>
+              <a:cxnSpLocks/>
+            </p:cNvCxnSpPr>
+            <p:nvPr/>
+          </p:nvCxnSpPr>
+          <p:spPr>
+            <a:xfrm flipH="1">
+              <a:off x="4493480" y="5314026"/>
+              <a:ext cx="2283" cy="1033509"/>
+            </a:xfrm>
+            <a:prstGeom prst="straightConnector1">
+              <a:avLst/>
+            </a:prstGeom>
+            <a:ln w="9525">
+              <a:solidFill>
+                <a:srgbClr val="FF0000"/>
+              </a:solidFill>
+              <a:tailEnd type="triangle"/>
+            </a:ln>
+          </p:spPr>
+          <p:style>
+            <a:lnRef idx="1">
+              <a:schemeClr val="accent1"/>
+            </a:lnRef>
+            <a:fillRef idx="0">
+              <a:schemeClr val="accent1"/>
+            </a:fillRef>
+            <a:effectRef idx="0">
+              <a:schemeClr val="accent1"/>
+            </a:effectRef>
+            <a:fontRef idx="minor">
+              <a:schemeClr val="tx1"/>
+            </a:fontRef>
+          </p:style>
+        </p:cxnSp>
+        <p:cxnSp>
+          <p:nvCxnSpPr>
+            <p:cNvPr id="143" name="Straight Connector 142">
+              <a:extLst>
+                <a:ext uri="{FF2B5EF4-FFF2-40B4-BE49-F238E27FC236}">
+                  <a16:creationId xmlns:a16="http://schemas.microsoft.com/office/drawing/2014/main" id="{6627E756-A242-4A41-8E25-A9CA05261A15}"/>
+                </a:ext>
+              </a:extLst>
+            </p:cNvPr>
+            <p:cNvCxnSpPr>
+              <a:cxnSpLocks/>
+            </p:cNvCxnSpPr>
+            <p:nvPr/>
+          </p:nvCxnSpPr>
+          <p:spPr>
+            <a:xfrm>
+              <a:off x="1059148" y="2464530"/>
+              <a:ext cx="649490" cy="0"/>
+            </a:xfrm>
+            <a:prstGeom prst="line">
+              <a:avLst/>
+            </a:prstGeom>
+            <a:ln w="9525">
+              <a:solidFill>
+                <a:srgbClr val="FF0000"/>
+              </a:solidFill>
+            </a:ln>
+          </p:spPr>
+          <p:style>
+            <a:lnRef idx="1">
+              <a:schemeClr val="accent1"/>
+            </a:lnRef>
+            <a:fillRef idx="0">
+              <a:schemeClr val="accent1"/>
+            </a:fillRef>
+            <a:effectRef idx="0">
+              <a:schemeClr val="accent1"/>
+            </a:effectRef>
+            <a:fontRef idx="minor">
+              <a:schemeClr val="tx1"/>
+            </a:fontRef>
+          </p:style>
+        </p:cxnSp>
+        <p:cxnSp>
+          <p:nvCxnSpPr>
+            <p:cNvPr id="150" name="Straight Arrow Connector 149">
+              <a:extLst>
+                <a:ext uri="{FF2B5EF4-FFF2-40B4-BE49-F238E27FC236}">
+                  <a16:creationId xmlns:a16="http://schemas.microsoft.com/office/drawing/2014/main" id="{4CEEC003-E039-462C-8E5B-0071A4FA2F92}"/>
+                </a:ext>
+              </a:extLst>
+            </p:cNvPr>
+            <p:cNvCxnSpPr>
+              <a:cxnSpLocks/>
+            </p:cNvCxnSpPr>
+            <p:nvPr/>
+          </p:nvCxnSpPr>
+          <p:spPr>
+            <a:xfrm flipH="1">
+              <a:off x="3139847" y="5759725"/>
+              <a:ext cx="2283" cy="530354"/>
+            </a:xfrm>
+            <a:prstGeom prst="straightConnector1">
+              <a:avLst/>
+            </a:prstGeom>
+            <a:ln w="9525">
+              <a:solidFill>
+                <a:schemeClr val="tx1"/>
+              </a:solidFill>
+              <a:tailEnd type="triangle"/>
+            </a:ln>
+          </p:spPr>
+          <p:style>
+            <a:lnRef idx="1">
+              <a:schemeClr val="accent1"/>
+            </a:lnRef>
+            <a:fillRef idx="0">
+              <a:schemeClr val="accent1"/>
+            </a:fillRef>
+            <a:effectRef idx="0">
+              <a:schemeClr val="accent1"/>
+            </a:effectRef>
+            <a:fontRef idx="minor">
+              <a:schemeClr val="tx1"/>
+            </a:fontRef>
+          </p:style>
+        </p:cxnSp>
+        <p:cxnSp>
+          <p:nvCxnSpPr>
+            <p:cNvPr id="158" name="Straight Arrow Connector 157">
+              <a:extLst>
+                <a:ext uri="{FF2B5EF4-FFF2-40B4-BE49-F238E27FC236}">
+                  <a16:creationId xmlns:a16="http://schemas.microsoft.com/office/drawing/2014/main" id="{EB3788F3-F053-4B9F-8B6F-A1E719F0C944}"/>
+                </a:ext>
+              </a:extLst>
+            </p:cNvPr>
+            <p:cNvCxnSpPr>
+              <a:cxnSpLocks/>
+            </p:cNvCxnSpPr>
+            <p:nvPr/>
+          </p:nvCxnSpPr>
+          <p:spPr>
+            <a:xfrm>
+              <a:off x="1056124" y="5309520"/>
+              <a:ext cx="2040596" cy="0"/>
+            </a:xfrm>
+            <a:prstGeom prst="straightConnector1">
+              <a:avLst/>
+            </a:prstGeom>
+            <a:ln w="9525">
+              <a:solidFill>
+                <a:srgbClr val="FF0000"/>
+              </a:solidFill>
+              <a:tailEnd type="triangle"/>
+            </a:ln>
+          </p:spPr>
+          <p:style>
+            <a:lnRef idx="1">
+              <a:schemeClr val="accent1"/>
+            </a:lnRef>
+            <a:fillRef idx="0">
+              <a:schemeClr val="accent1"/>
+            </a:fillRef>
+            <a:effectRef idx="0">
+              <a:schemeClr val="accent1"/>
+            </a:effectRef>
+            <a:fontRef idx="minor">
+              <a:schemeClr val="tx1"/>
+            </a:fontRef>
+          </p:style>
+        </p:cxnSp>
+        <p:cxnSp>
+          <p:nvCxnSpPr>
+            <p:cNvPr id="160" name="Straight Connector 159">
+              <a:extLst>
+                <a:ext uri="{FF2B5EF4-FFF2-40B4-BE49-F238E27FC236}">
+                  <a16:creationId xmlns:a16="http://schemas.microsoft.com/office/drawing/2014/main" id="{0B292357-63F9-426A-B97C-356AA694F997}"/>
+                </a:ext>
+              </a:extLst>
+            </p:cNvPr>
+            <p:cNvCxnSpPr>
+              <a:cxnSpLocks/>
+            </p:cNvCxnSpPr>
+            <p:nvPr/>
+          </p:nvCxnSpPr>
+          <p:spPr>
+            <a:xfrm flipH="1">
+              <a:off x="1057306" y="3041257"/>
+              <a:ext cx="1" cy="2793428"/>
+            </a:xfrm>
+            <a:prstGeom prst="line">
+              <a:avLst/>
+            </a:prstGeom>
+            <a:ln w="9525">
+              <a:solidFill>
+                <a:srgbClr val="FF0000"/>
+              </a:solidFill>
+            </a:ln>
+          </p:spPr>
+          <p:style>
+            <a:lnRef idx="1">
+              <a:schemeClr val="accent1"/>
+            </a:lnRef>
+            <a:fillRef idx="0">
+              <a:schemeClr val="accent1"/>
+            </a:fillRef>
+            <a:effectRef idx="0">
+              <a:schemeClr val="accent1"/>
+            </a:effectRef>
+            <a:fontRef idx="minor">
+              <a:schemeClr val="tx1"/>
+            </a:fontRef>
+          </p:style>
+        </p:cxnSp>
+        <p:cxnSp>
+          <p:nvCxnSpPr>
+            <p:cNvPr id="162" name="Straight Arrow Connector 161">
+              <a:extLst>
+                <a:ext uri="{FF2B5EF4-FFF2-40B4-BE49-F238E27FC236}">
+                  <a16:creationId xmlns:a16="http://schemas.microsoft.com/office/drawing/2014/main" id="{3453C37C-FAEF-496A-9FB5-7A20970CEADF}"/>
+                </a:ext>
+              </a:extLst>
+            </p:cNvPr>
+            <p:cNvCxnSpPr>
+              <a:cxnSpLocks/>
+            </p:cNvCxnSpPr>
+            <p:nvPr/>
+          </p:nvCxnSpPr>
+          <p:spPr>
+            <a:xfrm>
+              <a:off x="4506293" y="2220778"/>
+              <a:ext cx="0" cy="2625769"/>
+            </a:xfrm>
+            <a:prstGeom prst="straightConnector1">
+              <a:avLst/>
+            </a:prstGeom>
+            <a:ln w="9525">
+              <a:solidFill>
+                <a:schemeClr val="tx1"/>
+              </a:solidFill>
+              <a:tailEnd type="triangle"/>
+            </a:ln>
+          </p:spPr>
+          <p:style>
+            <a:lnRef idx="1">
+              <a:schemeClr val="accent1"/>
+            </a:lnRef>
+            <a:fillRef idx="0">
+              <a:schemeClr val="accent1"/>
+            </a:fillRef>
+            <a:effectRef idx="0">
+              <a:schemeClr val="accent1"/>
+            </a:effectRef>
+            <a:fontRef idx="minor">
+              <a:schemeClr val="tx1"/>
+            </a:fontRef>
+          </p:style>
+        </p:cxnSp>
+        <p:cxnSp>
+          <p:nvCxnSpPr>
+            <p:cNvPr id="165" name="Straight Arrow Connector 164">
+              <a:extLst>
+                <a:ext uri="{FF2B5EF4-FFF2-40B4-BE49-F238E27FC236}">
+                  <a16:creationId xmlns:a16="http://schemas.microsoft.com/office/drawing/2014/main" id="{EDE542EA-DBC5-44EA-9B66-C4AA3B7E3459}"/>
+                </a:ext>
+              </a:extLst>
+            </p:cNvPr>
+            <p:cNvCxnSpPr>
+              <a:cxnSpLocks/>
+            </p:cNvCxnSpPr>
+            <p:nvPr/>
+          </p:nvCxnSpPr>
+          <p:spPr>
+            <a:xfrm flipH="1">
+              <a:off x="2993297" y="4146591"/>
+              <a:ext cx="1186765" cy="0"/>
+            </a:xfrm>
+            <a:prstGeom prst="straightConnector1">
+              <a:avLst/>
+            </a:prstGeom>
+            <a:ln w="9525">
+              <a:solidFill>
+                <a:schemeClr val="tx1"/>
+              </a:solidFill>
+              <a:tailEnd type="triangle"/>
+            </a:ln>
+          </p:spPr>
+          <p:style>
+            <a:lnRef idx="1">
+              <a:schemeClr val="accent1"/>
+            </a:lnRef>
+            <a:fillRef idx="0">
+              <a:schemeClr val="accent1"/>
+            </a:fillRef>
+            <a:effectRef idx="0">
+              <a:schemeClr val="accent1"/>
+            </a:effectRef>
+            <a:fontRef idx="minor">
+              <a:schemeClr val="tx1"/>
+            </a:fontRef>
+          </p:style>
+        </p:cxnSp>
+        <p:cxnSp>
+          <p:nvCxnSpPr>
+            <p:cNvPr id="166" name="Straight Connector 165">
+              <a:extLst>
+                <a:ext uri="{FF2B5EF4-FFF2-40B4-BE49-F238E27FC236}">
+                  <a16:creationId xmlns:a16="http://schemas.microsoft.com/office/drawing/2014/main" id="{BF35F3B7-BA5F-4740-B113-7D5F0023435C}"/>
+                </a:ext>
+              </a:extLst>
+            </p:cNvPr>
+            <p:cNvCxnSpPr/>
+            <p:nvPr/>
+          </p:nvCxnSpPr>
+          <p:spPr>
+            <a:xfrm flipH="1">
+              <a:off x="4184867" y="2415469"/>
+              <a:ext cx="1" cy="1734499"/>
+            </a:xfrm>
+            <a:prstGeom prst="line">
+              <a:avLst/>
+            </a:prstGeom>
+            <a:ln w="9525">
+              <a:solidFill>
+                <a:schemeClr val="tx1"/>
+              </a:solidFill>
+            </a:ln>
+          </p:spPr>
+          <p:style>
+            <a:lnRef idx="1">
+              <a:schemeClr val="accent1"/>
+            </a:lnRef>
+            <a:fillRef idx="0">
+              <a:schemeClr val="accent1"/>
+            </a:fillRef>
+            <a:effectRef idx="0">
+              <a:schemeClr val="accent1"/>
+            </a:effectRef>
+            <a:fontRef idx="minor">
+              <a:schemeClr val="tx1"/>
+            </a:fontRef>
+          </p:style>
+        </p:cxnSp>
+        <p:cxnSp>
+          <p:nvCxnSpPr>
+            <p:cNvPr id="169" name="Straight Arrow Connector 168">
+              <a:extLst>
+                <a:ext uri="{FF2B5EF4-FFF2-40B4-BE49-F238E27FC236}">
+                  <a16:creationId xmlns:a16="http://schemas.microsoft.com/office/drawing/2014/main" id="{534B27D9-05C4-48B9-9B7D-F4CE4CE51C80}"/>
+                </a:ext>
+              </a:extLst>
+            </p:cNvPr>
+            <p:cNvCxnSpPr>
+              <a:cxnSpLocks/>
+            </p:cNvCxnSpPr>
+            <p:nvPr/>
+          </p:nvCxnSpPr>
+          <p:spPr>
+            <a:xfrm flipH="1">
+              <a:off x="3494260" y="6581093"/>
+              <a:ext cx="1078877" cy="0"/>
+            </a:xfrm>
+            <a:prstGeom prst="straightConnector1">
+              <a:avLst/>
+            </a:prstGeom>
+            <a:ln w="9525">
+              <a:solidFill>
+                <a:srgbClr val="FF0000"/>
+              </a:solidFill>
+              <a:tailEnd type="triangle"/>
+            </a:ln>
+          </p:spPr>
+          <p:style>
+            <a:lnRef idx="1">
+              <a:schemeClr val="accent1"/>
+            </a:lnRef>
+            <a:fillRef idx="0">
+              <a:schemeClr val="accent1"/>
+            </a:fillRef>
+            <a:effectRef idx="0">
+              <a:schemeClr val="accent1"/>
+            </a:effectRef>
+            <a:fontRef idx="minor">
+              <a:schemeClr val="tx1"/>
+            </a:fontRef>
+          </p:style>
+        </p:cxnSp>
+        <p:cxnSp>
+          <p:nvCxnSpPr>
+            <p:cNvPr id="171" name="Straight Arrow Connector 170">
+              <a:extLst>
+                <a:ext uri="{FF2B5EF4-FFF2-40B4-BE49-F238E27FC236}">
+                  <a16:creationId xmlns:a16="http://schemas.microsoft.com/office/drawing/2014/main" id="{663EA009-7A37-4BE8-9A68-3DB9D98D41CC}"/>
+                </a:ext>
+              </a:extLst>
+            </p:cNvPr>
+            <p:cNvCxnSpPr>
+              <a:cxnSpLocks/>
+            </p:cNvCxnSpPr>
+            <p:nvPr/>
+          </p:nvCxnSpPr>
+          <p:spPr>
+            <a:xfrm flipH="1">
+              <a:off x="1958961" y="5814119"/>
+              <a:ext cx="2283" cy="482143"/>
+            </a:xfrm>
+            <a:prstGeom prst="straightConnector1">
+              <a:avLst/>
+            </a:prstGeom>
+            <a:ln w="9525">
+              <a:solidFill>
+                <a:schemeClr val="tx1"/>
+              </a:solidFill>
+              <a:tailEnd type="triangle"/>
+            </a:ln>
+          </p:spPr>
+          <p:style>
+            <a:lnRef idx="1">
+              <a:schemeClr val="accent1"/>
+            </a:lnRef>
+            <a:fillRef idx="0">
+              <a:schemeClr val="accent1"/>
+            </a:fillRef>
+            <a:effectRef idx="0">
+              <a:schemeClr val="accent1"/>
+            </a:effectRef>
+            <a:fontRef idx="minor">
+              <a:schemeClr val="tx1"/>
+            </a:fontRef>
+          </p:style>
+        </p:cxnSp>
+        <p:cxnSp>
+          <p:nvCxnSpPr>
+            <p:cNvPr id="175" name="Straight Arrow Connector 174">
+              <a:extLst>
+                <a:ext uri="{FF2B5EF4-FFF2-40B4-BE49-F238E27FC236}">
+                  <a16:creationId xmlns:a16="http://schemas.microsoft.com/office/drawing/2014/main" id="{AF84A429-61E5-4732-A27D-DEAC4CF53B42}"/>
+                </a:ext>
+              </a:extLst>
+            </p:cNvPr>
+            <p:cNvCxnSpPr>
+              <a:cxnSpLocks/>
+            </p:cNvCxnSpPr>
+            <p:nvPr/>
+          </p:nvCxnSpPr>
+          <p:spPr>
+            <a:xfrm>
+              <a:off x="1054439" y="5847695"/>
+              <a:ext cx="503304" cy="0"/>
+            </a:xfrm>
+            <a:prstGeom prst="straightConnector1">
+              <a:avLst/>
+            </a:prstGeom>
+            <a:ln w="9525">
+              <a:solidFill>
+                <a:srgbClr val="FF0000"/>
+              </a:solidFill>
+              <a:tailEnd type="triangle"/>
+            </a:ln>
+          </p:spPr>
+          <p:style>
+            <a:lnRef idx="1">
+              <a:schemeClr val="accent1"/>
+            </a:lnRef>
+            <a:fillRef idx="0">
+              <a:schemeClr val="accent1"/>
+            </a:fillRef>
+            <a:effectRef idx="0">
+              <a:schemeClr val="accent1"/>
+            </a:effectRef>
+            <a:fontRef idx="minor">
+              <a:schemeClr val="tx1"/>
+            </a:fontRef>
+          </p:style>
+        </p:cxnSp>
+        <p:sp>
+          <p:nvSpPr>
+            <p:cNvPr id="40" name="TextBox 39">
+              <a:extLst>
+                <a:ext uri="{FF2B5EF4-FFF2-40B4-BE49-F238E27FC236}">
+                  <a16:creationId xmlns:a16="http://schemas.microsoft.com/office/drawing/2014/main" id="{D29EBCB2-DAFE-4E53-9427-A32478F274C9}"/>
+                </a:ext>
+              </a:extLst>
+            </p:cNvPr>
+            <p:cNvSpPr txBox="1"/>
+            <p:nvPr/>
+          </p:nvSpPr>
+          <p:spPr>
+            <a:xfrm>
+              <a:off x="702706" y="2728652"/>
+              <a:ext cx="709201" cy="400110"/>
+            </a:xfrm>
+            <a:prstGeom prst="rect">
+              <a:avLst/>
+            </a:prstGeom>
+            <a:solidFill>
+              <a:srgbClr val="FFC000"/>
+            </a:solidFill>
+            <a:ln w="9525">
+              <a:solidFill>
+                <a:schemeClr val="tx1"/>
+              </a:solidFill>
+            </a:ln>
+          </p:spPr>
+          <p:txBody>
+            <a:bodyPr wrap="square" rtlCol="0">
+              <a:spAutoFit/>
+            </a:bodyPr>
+            <a:lstStyle/>
+            <a:p>
+              <a:pPr algn="ctr"/>
+              <a:r>
+                <a:rPr lang="en-US" sz="1000" dirty="0"/>
+                <a:t>Soil Erosion</a:t>
+              </a:r>
+            </a:p>
+          </p:txBody>
+        </p:sp>
+        <p:sp>
+          <p:nvSpPr>
+            <p:cNvPr id="86" name="TextBox 85">
+              <a:extLst>
+                <a:ext uri="{FF2B5EF4-FFF2-40B4-BE49-F238E27FC236}">
+                  <a16:creationId xmlns:a16="http://schemas.microsoft.com/office/drawing/2014/main" id="{8FF35A50-2D70-45A5-97C0-09FA7E9396C3}"/>
+                </a:ext>
+              </a:extLst>
+            </p:cNvPr>
+            <p:cNvSpPr txBox="1"/>
+            <p:nvPr/>
+          </p:nvSpPr>
+          <p:spPr>
+            <a:xfrm>
+              <a:off x="3125259" y="4864259"/>
+              <a:ext cx="1614352" cy="553998"/>
+            </a:xfrm>
+            <a:prstGeom prst="rect">
+              <a:avLst/>
+            </a:prstGeom>
+            <a:solidFill>
+              <a:srgbClr val="FFC000"/>
+            </a:solidFill>
+            <a:ln w="9525">
+              <a:solidFill>
+                <a:schemeClr val="tx1"/>
+              </a:solidFill>
+            </a:ln>
+          </p:spPr>
+          <p:txBody>
+            <a:bodyPr wrap="square" rtlCol="0" anchor="ctr">
+              <a:spAutoFit/>
+            </a:bodyPr>
+            <a:lstStyle/>
+            <a:p>
+              <a:pPr algn="ctr"/>
+              <a:endParaRPr lang="en-US" sz="1000" dirty="0"/>
+            </a:p>
+            <a:p>
+              <a:pPr algn="ctr"/>
+              <a:r>
+                <a:rPr lang="en-US" sz="1000" dirty="0"/>
+                <a:t>Soil porosity</a:t>
+              </a:r>
+            </a:p>
+            <a:p>
+              <a:pPr algn="ctr"/>
+              <a:endParaRPr lang="en-US" sz="1000" dirty="0"/>
+            </a:p>
+          </p:txBody>
+        </p:sp>
+        <p:sp>
+          <p:nvSpPr>
+            <p:cNvPr id="16" name="TextBox 15">
+              <a:extLst>
+                <a:ext uri="{FF2B5EF4-FFF2-40B4-BE49-F238E27FC236}">
+                  <a16:creationId xmlns:a16="http://schemas.microsoft.com/office/drawing/2014/main" id="{6EFC2D2F-82ED-4332-86E1-5D3DCB71E395}"/>
+                </a:ext>
+              </a:extLst>
+            </p:cNvPr>
+            <p:cNvSpPr txBox="1"/>
+            <p:nvPr/>
+          </p:nvSpPr>
+          <p:spPr>
+            <a:xfrm>
+              <a:off x="4073607" y="2204562"/>
+              <a:ext cx="655608" cy="400110"/>
+            </a:xfrm>
+            <a:prstGeom prst="rect">
+              <a:avLst/>
+            </a:prstGeom>
+            <a:solidFill>
+              <a:srgbClr val="FFC000"/>
+            </a:solidFill>
+            <a:ln w="9525">
+              <a:solidFill>
+                <a:schemeClr val="tx1"/>
+              </a:solidFill>
+            </a:ln>
+          </p:spPr>
+          <p:txBody>
+            <a:bodyPr wrap="square" rtlCol="0">
+              <a:spAutoFit/>
+            </a:bodyPr>
+            <a:lstStyle/>
+            <a:p>
+              <a:pPr algn="ctr"/>
+              <a:r>
+                <a:rPr lang="en-US" sz="1000" dirty="0"/>
+                <a:t>Soil Biology</a:t>
+              </a:r>
+            </a:p>
+          </p:txBody>
+        </p:sp>
+        <p:sp>
+          <p:nvSpPr>
+            <p:cNvPr id="96" name="TextBox 95">
+              <a:extLst>
+                <a:ext uri="{FF2B5EF4-FFF2-40B4-BE49-F238E27FC236}">
+                  <a16:creationId xmlns:a16="http://schemas.microsoft.com/office/drawing/2014/main" id="{072EE3DC-7571-43F1-B7BC-E9FB70EDEBA6}"/>
+                </a:ext>
+              </a:extLst>
+            </p:cNvPr>
+            <p:cNvSpPr txBox="1"/>
+            <p:nvPr/>
+          </p:nvSpPr>
+          <p:spPr>
+            <a:xfrm>
+              <a:off x="4087365" y="7001905"/>
+              <a:ext cx="873188" cy="400110"/>
+            </a:xfrm>
+            <a:prstGeom prst="rect">
+              <a:avLst/>
+            </a:prstGeom>
+            <a:solidFill>
+              <a:schemeClr val="bg2"/>
+            </a:solidFill>
+            <a:ln w="9525">
+              <a:solidFill>
+                <a:schemeClr val="tx1"/>
+              </a:solidFill>
+            </a:ln>
+          </p:spPr>
+          <p:txBody>
+            <a:bodyPr wrap="square" rtlCol="0">
+              <a:spAutoFit/>
+            </a:bodyPr>
+            <a:lstStyle/>
+            <a:p>
+              <a:pPr algn="ctr"/>
+              <a:r>
+                <a:rPr lang="en-US" sz="1000" dirty="0"/>
+                <a:t>Soil water at saturation</a:t>
+              </a:r>
+            </a:p>
+          </p:txBody>
+        </p:sp>
+        <p:sp>
+          <p:nvSpPr>
+            <p:cNvPr id="53" name="Rectangle 52">
+              <a:extLst>
+                <a:ext uri="{FF2B5EF4-FFF2-40B4-BE49-F238E27FC236}">
+                  <a16:creationId xmlns:a16="http://schemas.microsoft.com/office/drawing/2014/main" id="{9D7E2AF7-1946-4EEA-83B6-3F3D8E0738EE}"/>
+                </a:ext>
+              </a:extLst>
+            </p:cNvPr>
+            <p:cNvSpPr/>
+            <p:nvPr/>
+          </p:nvSpPr>
+          <p:spPr>
+            <a:xfrm>
+              <a:off x="1707011" y="4107960"/>
+              <a:ext cx="148990" cy="95788"/>
+            </a:xfrm>
+            <a:prstGeom prst="rect">
+              <a:avLst/>
+            </a:prstGeom>
+            <a:solidFill>
+              <a:schemeClr val="bg1"/>
+            </a:solidFill>
+            <a:ln w="9525">
+              <a:solidFill>
+                <a:schemeClr val="bg1"/>
+              </a:solidFill>
+            </a:ln>
+          </p:spPr>
+          <p:style>
+            <a:lnRef idx="2">
+              <a:schemeClr val="accent1">
+                <a:shade val="50000"/>
+              </a:schemeClr>
+            </a:lnRef>
+            <a:fillRef idx="1">
+              <a:schemeClr val="accent1"/>
+            </a:fillRef>
+            <a:effectRef idx="0">
+              <a:schemeClr val="accent1"/>
+            </a:effectRef>
+            <a:fontRef idx="minor">
+              <a:schemeClr val="lt1"/>
+            </a:fontRef>
+          </p:style>
+          <p:txBody>
+            <a:bodyPr rtlCol="0" anchor="ctr"/>
+            <a:lstStyle/>
+            <a:p>
+              <a:pPr algn="ctr"/>
+              <a:endParaRPr lang="en-US"/>
+            </a:p>
+          </p:txBody>
+        </p:sp>
+        <p:cxnSp>
+          <p:nvCxnSpPr>
+            <p:cNvPr id="156" name="Straight Arrow Connector 155">
+              <a:extLst>
+                <a:ext uri="{FF2B5EF4-FFF2-40B4-BE49-F238E27FC236}">
+                  <a16:creationId xmlns:a16="http://schemas.microsoft.com/office/drawing/2014/main" id="{F2F5C4B5-3009-4604-B153-A758FB3D3B9F}"/>
+                </a:ext>
+              </a:extLst>
+            </p:cNvPr>
+            <p:cNvCxnSpPr>
+              <a:cxnSpLocks/>
+            </p:cNvCxnSpPr>
+            <p:nvPr/>
+          </p:nvCxnSpPr>
+          <p:spPr>
+            <a:xfrm>
+              <a:off x="1988509" y="2327414"/>
+              <a:ext cx="1" cy="766136"/>
+            </a:xfrm>
+            <a:prstGeom prst="straightConnector1">
+              <a:avLst/>
+            </a:prstGeom>
+            <a:ln w="9525">
+              <a:solidFill>
+                <a:schemeClr val="tx1"/>
+              </a:solidFill>
+              <a:tailEnd type="triangle"/>
+            </a:ln>
+          </p:spPr>
+          <p:style>
+            <a:lnRef idx="1">
+              <a:schemeClr val="accent1"/>
+            </a:lnRef>
+            <a:fillRef idx="0">
+              <a:schemeClr val="accent1"/>
+            </a:fillRef>
+            <a:effectRef idx="0">
+              <a:schemeClr val="accent1"/>
+            </a:effectRef>
+            <a:fontRef idx="minor">
+              <a:schemeClr val="tx1"/>
+            </a:fontRef>
+          </p:style>
+        </p:cxnSp>
+        <p:sp>
+          <p:nvSpPr>
+            <p:cNvPr id="55" name="Rectangle 54">
+              <a:extLst>
+                <a:ext uri="{FF2B5EF4-FFF2-40B4-BE49-F238E27FC236}">
+                  <a16:creationId xmlns:a16="http://schemas.microsoft.com/office/drawing/2014/main" id="{23B64D1E-71E7-4B90-852C-1FFD78174AB2}"/>
+                </a:ext>
+              </a:extLst>
+            </p:cNvPr>
+            <p:cNvSpPr/>
+            <p:nvPr/>
+          </p:nvSpPr>
+          <p:spPr>
+            <a:xfrm>
+              <a:off x="1718669" y="5263076"/>
+              <a:ext cx="123132" cy="95788"/>
+            </a:xfrm>
+            <a:prstGeom prst="rect">
+              <a:avLst/>
+            </a:prstGeom>
+            <a:solidFill>
+              <a:schemeClr val="bg1"/>
+            </a:solidFill>
+            <a:ln w="9525">
+              <a:solidFill>
+                <a:schemeClr val="bg1"/>
+              </a:solidFill>
+            </a:ln>
+          </p:spPr>
+          <p:style>
+            <a:lnRef idx="2">
+              <a:schemeClr val="accent1">
+                <a:shade val="50000"/>
+              </a:schemeClr>
+            </a:lnRef>
+            <a:fillRef idx="1">
+              <a:schemeClr val="accent1"/>
+            </a:fillRef>
+            <a:effectRef idx="0">
+              <a:schemeClr val="accent1"/>
+            </a:effectRef>
+            <a:fontRef idx="minor">
+              <a:schemeClr val="lt1"/>
+            </a:fontRef>
+          </p:style>
+          <p:txBody>
+            <a:bodyPr rtlCol="0" anchor="ctr"/>
+            <a:lstStyle/>
+            <a:p>
+              <a:pPr algn="ctr"/>
+              <a:endParaRPr lang="en-US"/>
+            </a:p>
+          </p:txBody>
+        </p:sp>
+        <p:sp>
+          <p:nvSpPr>
+            <p:cNvPr id="56" name="Rectangle 55">
+              <a:extLst>
+                <a:ext uri="{FF2B5EF4-FFF2-40B4-BE49-F238E27FC236}">
+                  <a16:creationId xmlns:a16="http://schemas.microsoft.com/office/drawing/2014/main" id="{36661A51-A0F5-4A10-BC66-CD93694E17DC}"/>
+                </a:ext>
+              </a:extLst>
+            </p:cNvPr>
+            <p:cNvSpPr/>
+            <p:nvPr/>
+          </p:nvSpPr>
+          <p:spPr>
+            <a:xfrm>
+              <a:off x="2578895" y="5243653"/>
+              <a:ext cx="123132" cy="95788"/>
+            </a:xfrm>
+            <a:prstGeom prst="rect">
+              <a:avLst/>
+            </a:prstGeom>
+            <a:solidFill>
+              <a:schemeClr val="bg1"/>
+            </a:solidFill>
+            <a:ln w="9525">
+              <a:solidFill>
+                <a:schemeClr val="bg1"/>
+              </a:solidFill>
+            </a:ln>
+          </p:spPr>
+          <p:style>
+            <a:lnRef idx="2">
+              <a:schemeClr val="accent1">
+                <a:shade val="50000"/>
+              </a:schemeClr>
+            </a:lnRef>
+            <a:fillRef idx="1">
+              <a:schemeClr val="accent1"/>
+            </a:fillRef>
+            <a:effectRef idx="0">
+              <a:schemeClr val="accent1"/>
+            </a:effectRef>
+            <a:fontRef idx="minor">
+              <a:schemeClr val="lt1"/>
+            </a:fontRef>
+          </p:style>
+          <p:txBody>
+            <a:bodyPr rtlCol="0" anchor="ctr"/>
+            <a:lstStyle/>
+            <a:p>
+              <a:pPr algn="ctr"/>
+              <a:endParaRPr lang="en-US"/>
+            </a:p>
+          </p:txBody>
+        </p:sp>
+        <p:cxnSp>
+          <p:nvCxnSpPr>
+            <p:cNvPr id="173" name="Straight Arrow Connector 172">
+              <a:extLst>
+                <a:ext uri="{FF2B5EF4-FFF2-40B4-BE49-F238E27FC236}">
+                  <a16:creationId xmlns:a16="http://schemas.microsoft.com/office/drawing/2014/main" id="{8805674A-7166-4CBD-9F3E-9EB4FB455B28}"/>
+                </a:ext>
+              </a:extLst>
+            </p:cNvPr>
+            <p:cNvCxnSpPr>
+              <a:cxnSpLocks/>
+            </p:cNvCxnSpPr>
+            <p:nvPr/>
+          </p:nvCxnSpPr>
+          <p:spPr>
+            <a:xfrm flipH="1">
+              <a:off x="1788783" y="3373017"/>
+              <a:ext cx="4104" cy="2336655"/>
+            </a:xfrm>
+            <a:prstGeom prst="straightConnector1">
+              <a:avLst/>
+            </a:prstGeom>
+            <a:ln w="9525">
+              <a:solidFill>
+                <a:schemeClr val="tx1"/>
+              </a:solidFill>
+              <a:tailEnd type="triangle"/>
+            </a:ln>
+          </p:spPr>
+          <p:style>
+            <a:lnRef idx="1">
+              <a:schemeClr val="accent1"/>
+            </a:lnRef>
+            <a:fillRef idx="0">
+              <a:schemeClr val="accent1"/>
+            </a:fillRef>
+            <a:effectRef idx="0">
+              <a:schemeClr val="accent1"/>
+            </a:effectRef>
+            <a:fontRef idx="minor">
+              <a:schemeClr val="tx1"/>
+            </a:fontRef>
+          </p:style>
+        </p:cxnSp>
+        <p:sp>
+          <p:nvSpPr>
+            <p:cNvPr id="58" name="Rectangle 57">
+              <a:extLst>
+                <a:ext uri="{FF2B5EF4-FFF2-40B4-BE49-F238E27FC236}">
+                  <a16:creationId xmlns:a16="http://schemas.microsoft.com/office/drawing/2014/main" id="{5E006E4D-0623-40B1-B8A2-E05513A47854}"/>
+                </a:ext>
+              </a:extLst>
+            </p:cNvPr>
+            <p:cNvSpPr/>
+            <p:nvPr/>
+          </p:nvSpPr>
+          <p:spPr>
+            <a:xfrm>
+              <a:off x="3283601" y="4105219"/>
+              <a:ext cx="123132" cy="95788"/>
+            </a:xfrm>
+            <a:prstGeom prst="rect">
+              <a:avLst/>
+            </a:prstGeom>
+            <a:solidFill>
+              <a:schemeClr val="bg1"/>
+            </a:solidFill>
+            <a:ln w="9525">
+              <a:solidFill>
+                <a:schemeClr val="bg1"/>
+              </a:solidFill>
+            </a:ln>
+          </p:spPr>
+          <p:style>
+            <a:lnRef idx="2">
+              <a:schemeClr val="accent1">
+                <a:shade val="50000"/>
+              </a:schemeClr>
+            </a:lnRef>
+            <a:fillRef idx="1">
+              <a:schemeClr val="accent1"/>
+            </a:fillRef>
+            <a:effectRef idx="0">
+              <a:schemeClr val="accent1"/>
+            </a:effectRef>
+            <a:fontRef idx="minor">
+              <a:schemeClr val="lt1"/>
+            </a:fontRef>
+          </p:style>
+          <p:txBody>
+            <a:bodyPr rtlCol="0" anchor="ctr"/>
+            <a:lstStyle/>
+            <a:p>
+              <a:pPr algn="ctr"/>
+              <a:endParaRPr lang="en-US"/>
+            </a:p>
+          </p:txBody>
+        </p:sp>
+        <p:cxnSp>
+          <p:nvCxnSpPr>
+            <p:cNvPr id="92" name="Straight Arrow Connector 91">
+              <a:extLst>
+                <a:ext uri="{FF2B5EF4-FFF2-40B4-BE49-F238E27FC236}">
+                  <a16:creationId xmlns:a16="http://schemas.microsoft.com/office/drawing/2014/main" id="{D1103426-A3EB-44E5-B05A-CF3D80637CAA}"/>
+                </a:ext>
+              </a:extLst>
+            </p:cNvPr>
+            <p:cNvCxnSpPr>
+              <a:cxnSpLocks/>
+            </p:cNvCxnSpPr>
+            <p:nvPr/>
+          </p:nvCxnSpPr>
+          <p:spPr>
+            <a:xfrm>
+              <a:off x="3348053" y="2466544"/>
+              <a:ext cx="0" cy="2387063"/>
+            </a:xfrm>
+            <a:prstGeom prst="straightConnector1">
+              <a:avLst/>
+            </a:prstGeom>
+            <a:ln w="9525">
+              <a:solidFill>
+                <a:schemeClr val="tx1"/>
+              </a:solidFill>
+              <a:tailEnd type="triangle"/>
+            </a:ln>
+          </p:spPr>
+          <p:style>
+            <a:lnRef idx="1">
+              <a:schemeClr val="accent1"/>
+            </a:lnRef>
+            <a:fillRef idx="0">
+              <a:schemeClr val="accent1"/>
+            </a:fillRef>
+            <a:effectRef idx="0">
+              <a:schemeClr val="accent1"/>
+            </a:effectRef>
+            <a:fontRef idx="minor">
+              <a:schemeClr val="tx1"/>
+            </a:fontRef>
+          </p:style>
+        </p:cxnSp>
+        <p:sp>
+          <p:nvSpPr>
+            <p:cNvPr id="5" name="TextBox 4">
+              <a:extLst>
+                <a:ext uri="{FF2B5EF4-FFF2-40B4-BE49-F238E27FC236}">
+                  <a16:creationId xmlns:a16="http://schemas.microsoft.com/office/drawing/2014/main" id="{FB7D1191-B076-4898-9B0F-3270A8A581F9}"/>
+                </a:ext>
+              </a:extLst>
+            </p:cNvPr>
+            <p:cNvSpPr txBox="1"/>
+            <p:nvPr/>
+          </p:nvSpPr>
+          <p:spPr>
+            <a:xfrm>
+              <a:off x="1380555" y="1572227"/>
+              <a:ext cx="3536829" cy="276999"/>
+            </a:xfrm>
+            <a:prstGeom prst="rect">
+              <a:avLst/>
+            </a:prstGeom>
+            <a:solidFill>
+              <a:srgbClr val="21D109"/>
+            </a:solidFill>
+          </p:spPr>
+          <p:txBody>
+            <a:bodyPr wrap="square" rtlCol="0">
+              <a:spAutoFit/>
+            </a:bodyPr>
+            <a:lstStyle/>
+            <a:p>
+              <a:pPr algn="ctr"/>
+              <a:r>
+                <a:rPr lang="en-US" sz="1200" dirty="0"/>
+                <a:t>Cover Crops</a:t>
+              </a:r>
+            </a:p>
+          </p:txBody>
+        </p:sp>
+        <p:sp>
+          <p:nvSpPr>
+            <p:cNvPr id="27" name="TextBox 26">
+              <a:extLst>
+                <a:ext uri="{FF2B5EF4-FFF2-40B4-BE49-F238E27FC236}">
+                  <a16:creationId xmlns:a16="http://schemas.microsoft.com/office/drawing/2014/main" id="{A8BF0BC3-B10A-4BC5-9397-D880332680E1}"/>
+                </a:ext>
+              </a:extLst>
+            </p:cNvPr>
+            <p:cNvSpPr txBox="1"/>
+            <p:nvPr/>
+          </p:nvSpPr>
+          <p:spPr>
+            <a:xfrm>
+              <a:off x="1667048" y="2169052"/>
+              <a:ext cx="660241" cy="556775"/>
+            </a:xfrm>
+            <a:prstGeom prst="rect">
+              <a:avLst/>
+            </a:prstGeom>
+            <a:solidFill>
+              <a:schemeClr val="bg2"/>
+            </a:solidFill>
+            <a:ln w="9525">
+              <a:solidFill>
+                <a:schemeClr val="tx1"/>
+              </a:solidFill>
+            </a:ln>
+          </p:spPr>
+          <p:txBody>
+            <a:bodyPr wrap="square" rtlCol="0">
+              <a:spAutoFit/>
+            </a:bodyPr>
+            <a:lstStyle/>
+            <a:p>
+              <a:pPr algn="ctr"/>
+              <a:r>
+                <a:rPr lang="en-US" sz="1000" dirty="0"/>
+                <a:t>Above-ground biomass</a:t>
+              </a:r>
+            </a:p>
+          </p:txBody>
+        </p:sp>
+        <p:sp>
+          <p:nvSpPr>
+            <p:cNvPr id="64" name="TextBox 63">
+              <a:extLst>
+                <a:ext uri="{FF2B5EF4-FFF2-40B4-BE49-F238E27FC236}">
+                  <a16:creationId xmlns:a16="http://schemas.microsoft.com/office/drawing/2014/main" id="{A8FAAB48-F50B-4F05-9A35-72A681704C37}"/>
+                </a:ext>
+              </a:extLst>
+            </p:cNvPr>
+            <p:cNvSpPr txBox="1"/>
+            <p:nvPr/>
+          </p:nvSpPr>
+          <p:spPr>
+            <a:xfrm>
+              <a:off x="1502164" y="6295333"/>
+              <a:ext cx="891434" cy="413010"/>
+            </a:xfrm>
+            <a:prstGeom prst="rect">
+              <a:avLst/>
+            </a:prstGeom>
+            <a:solidFill>
+              <a:schemeClr val="bg2"/>
+            </a:solidFill>
+            <a:ln w="9525">
+              <a:solidFill>
+                <a:schemeClr val="tx1"/>
+              </a:solidFill>
+            </a:ln>
+          </p:spPr>
+          <p:txBody>
+            <a:bodyPr wrap="square" rtlCol="0">
+              <a:spAutoFit/>
+            </a:bodyPr>
+            <a:lstStyle/>
+            <a:p>
+              <a:pPr algn="ctr"/>
+              <a:r>
+                <a:rPr lang="en-US" sz="1000" dirty="0"/>
+                <a:t>Pore size distributions</a:t>
+              </a:r>
+            </a:p>
+          </p:txBody>
+        </p:sp>
+        <p:sp>
+          <p:nvSpPr>
+            <p:cNvPr id="88" name="TextBox 87">
+              <a:extLst>
+                <a:ext uri="{FF2B5EF4-FFF2-40B4-BE49-F238E27FC236}">
+                  <a16:creationId xmlns:a16="http://schemas.microsoft.com/office/drawing/2014/main" id="{A39D2850-50A4-44CE-90DE-AD3BCB951000}"/>
+                </a:ext>
+              </a:extLst>
+            </p:cNvPr>
+            <p:cNvSpPr txBox="1"/>
+            <p:nvPr/>
+          </p:nvSpPr>
+          <p:spPr>
+            <a:xfrm>
+              <a:off x="4108903" y="6376434"/>
+              <a:ext cx="769153" cy="400110"/>
+            </a:xfrm>
+            <a:prstGeom prst="rect">
+              <a:avLst/>
+            </a:prstGeom>
+            <a:solidFill>
+              <a:schemeClr val="bg2"/>
+            </a:solidFill>
+            <a:ln w="9525">
+              <a:solidFill>
+                <a:schemeClr val="tx1"/>
+              </a:solidFill>
+            </a:ln>
+          </p:spPr>
+          <p:txBody>
+            <a:bodyPr wrap="square" rtlCol="0">
+              <a:spAutoFit/>
+            </a:bodyPr>
+            <a:lstStyle/>
+            <a:p>
+              <a:pPr algn="ctr"/>
+              <a:r>
+                <a:rPr lang="en-US" sz="1000" dirty="0"/>
+                <a:t>Bulk density</a:t>
+              </a:r>
+            </a:p>
+          </p:txBody>
+        </p:sp>
+        <p:sp>
+          <p:nvSpPr>
+            <p:cNvPr id="170" name="TextBox 169">
+              <a:extLst>
+                <a:ext uri="{FF2B5EF4-FFF2-40B4-BE49-F238E27FC236}">
+                  <a16:creationId xmlns:a16="http://schemas.microsoft.com/office/drawing/2014/main" id="{68630CDA-D7CB-4F71-94FA-BDABED5E88FE}"/>
+                </a:ext>
+              </a:extLst>
+            </p:cNvPr>
+            <p:cNvSpPr txBox="1"/>
+            <p:nvPr/>
+          </p:nvSpPr>
+          <p:spPr>
+            <a:xfrm>
+              <a:off x="1562888" y="5704707"/>
+              <a:ext cx="2155146" cy="246221"/>
+            </a:xfrm>
+            <a:prstGeom prst="rect">
+              <a:avLst/>
+            </a:prstGeom>
+            <a:solidFill>
+              <a:srgbClr val="FFC000"/>
+            </a:solidFill>
+            <a:ln w="9525">
+              <a:solidFill>
+                <a:schemeClr val="tx1"/>
+              </a:solidFill>
+            </a:ln>
+          </p:spPr>
+          <p:txBody>
+            <a:bodyPr wrap="square" rtlCol="0">
+              <a:spAutoFit/>
+            </a:bodyPr>
+            <a:lstStyle/>
+            <a:p>
+              <a:pPr algn="ctr"/>
+              <a:r>
+                <a:rPr lang="en-US" sz="1000" dirty="0"/>
+                <a:t>Soil structure</a:t>
+              </a:r>
+            </a:p>
+          </p:txBody>
+        </p:sp>
+        <p:cxnSp>
+          <p:nvCxnSpPr>
+            <p:cNvPr id="65" name="Straight Arrow Connector 64">
+              <a:extLst>
+                <a:ext uri="{FF2B5EF4-FFF2-40B4-BE49-F238E27FC236}">
+                  <a16:creationId xmlns:a16="http://schemas.microsoft.com/office/drawing/2014/main" id="{6DDDE205-0E35-4E61-A2F7-714AF9A98917}"/>
+                </a:ext>
+              </a:extLst>
+            </p:cNvPr>
+            <p:cNvCxnSpPr>
+              <a:cxnSpLocks/>
+            </p:cNvCxnSpPr>
+            <p:nvPr/>
+          </p:nvCxnSpPr>
+          <p:spPr>
+            <a:xfrm>
+              <a:off x="2380592" y="6582060"/>
+              <a:ext cx="367020" cy="0"/>
+            </a:xfrm>
+            <a:prstGeom prst="straightConnector1">
+              <a:avLst/>
+            </a:prstGeom>
+            <a:ln w="9525">
+              <a:solidFill>
+                <a:schemeClr val="tx1"/>
+              </a:solidFill>
+              <a:tailEnd type="triangle"/>
+            </a:ln>
+          </p:spPr>
+          <p:style>
+            <a:lnRef idx="1">
+              <a:schemeClr val="accent1"/>
+            </a:lnRef>
+            <a:fillRef idx="0">
+              <a:schemeClr val="accent1"/>
+            </a:fillRef>
+            <a:effectRef idx="0">
+              <a:schemeClr val="accent1"/>
+            </a:effectRef>
+            <a:fontRef idx="minor">
+              <a:schemeClr val="tx1"/>
+            </a:fontRef>
+          </p:style>
+        </p:cxnSp>
+        <p:sp>
+          <p:nvSpPr>
+            <p:cNvPr id="51" name="Rectangle 50">
+              <a:extLst>
+                <a:ext uri="{FF2B5EF4-FFF2-40B4-BE49-F238E27FC236}">
+                  <a16:creationId xmlns:a16="http://schemas.microsoft.com/office/drawing/2014/main" id="{0E8C0B28-0100-4C8B-826D-37505ABF9D02}"/>
+                </a:ext>
+              </a:extLst>
+            </p:cNvPr>
+            <p:cNvSpPr/>
+            <p:nvPr/>
+          </p:nvSpPr>
+          <p:spPr>
+            <a:xfrm>
+              <a:off x="2011811" y="4138440"/>
+              <a:ext cx="148990" cy="95788"/>
+            </a:xfrm>
+            <a:prstGeom prst="rect">
+              <a:avLst/>
+            </a:prstGeom>
+            <a:solidFill>
+              <a:schemeClr val="bg1"/>
+            </a:solidFill>
+            <a:ln w="9525">
+              <a:solidFill>
+                <a:schemeClr val="bg1"/>
+              </a:solidFill>
+            </a:ln>
+          </p:spPr>
+          <p:style>
+            <a:lnRef idx="2">
+              <a:schemeClr val="accent1">
+                <a:shade val="50000"/>
+              </a:schemeClr>
+            </a:lnRef>
+            <a:fillRef idx="1">
+              <a:schemeClr val="accent1"/>
+            </a:fillRef>
+            <a:effectRef idx="0">
+              <a:schemeClr val="accent1"/>
+            </a:effectRef>
+            <a:fontRef idx="minor">
+              <a:schemeClr val="lt1"/>
+            </a:fontRef>
+          </p:style>
+          <p:txBody>
+            <a:bodyPr rtlCol="0" anchor="ctr"/>
+            <a:lstStyle/>
+            <a:p>
+              <a:pPr algn="ctr"/>
+              <a:endParaRPr lang="en-US"/>
+            </a:p>
+          </p:txBody>
+        </p:sp>
+        <p:sp>
+          <p:nvSpPr>
+            <p:cNvPr id="6" name="TextBox 5">
+              <a:extLst>
+                <a:ext uri="{FF2B5EF4-FFF2-40B4-BE49-F238E27FC236}">
+                  <a16:creationId xmlns:a16="http://schemas.microsoft.com/office/drawing/2014/main" id="{21876E51-290C-4303-A6AD-0D8D552ADC8C}"/>
+                </a:ext>
+              </a:extLst>
+            </p:cNvPr>
+            <p:cNvSpPr txBox="1"/>
+            <p:nvPr/>
+          </p:nvSpPr>
+          <p:spPr>
+            <a:xfrm>
+              <a:off x="2849294" y="2183692"/>
+              <a:ext cx="750407" cy="553998"/>
+            </a:xfrm>
+            <a:prstGeom prst="rect">
+              <a:avLst/>
+            </a:prstGeom>
+            <a:solidFill>
+              <a:srgbClr val="FFC000"/>
+            </a:solidFill>
+            <a:ln w="9525">
+              <a:solidFill>
+                <a:schemeClr val="tx1"/>
+              </a:solidFill>
+            </a:ln>
+          </p:spPr>
+          <p:txBody>
+            <a:bodyPr wrap="square" rtlCol="0">
+              <a:spAutoFit/>
+            </a:bodyPr>
+            <a:lstStyle/>
+            <a:p>
+              <a:pPr algn="ctr"/>
+              <a:r>
+                <a:rPr lang="en-US" sz="1000" dirty="0"/>
+                <a:t>Below-ground biomass</a:t>
+              </a:r>
+            </a:p>
+          </p:txBody>
+        </p:sp>
+        <p:cxnSp>
+          <p:nvCxnSpPr>
+            <p:cNvPr id="60" name="Straight Arrow Connector 59">
+              <a:extLst>
+                <a:ext uri="{FF2B5EF4-FFF2-40B4-BE49-F238E27FC236}">
+                  <a16:creationId xmlns:a16="http://schemas.microsoft.com/office/drawing/2014/main" id="{C41A3BA8-D62A-4F94-A8B1-2B433E085753}"/>
+                </a:ext>
+              </a:extLst>
+            </p:cNvPr>
+            <p:cNvCxnSpPr>
+              <a:cxnSpLocks/>
+            </p:cNvCxnSpPr>
+            <p:nvPr/>
+          </p:nvCxnSpPr>
+          <p:spPr>
+            <a:xfrm>
+              <a:off x="1052509" y="3313629"/>
+              <a:ext cx="546434" cy="0"/>
+            </a:xfrm>
+            <a:prstGeom prst="straightConnector1">
+              <a:avLst/>
+            </a:prstGeom>
+            <a:ln w="9525">
+              <a:solidFill>
+                <a:srgbClr val="FF0000"/>
+              </a:solidFill>
+              <a:tailEnd type="triangle"/>
+            </a:ln>
+          </p:spPr>
+          <p:style>
+            <a:lnRef idx="1">
+              <a:schemeClr val="accent1"/>
+            </a:lnRef>
+            <a:fillRef idx="0">
+              <a:schemeClr val="accent1"/>
+            </a:fillRef>
+            <a:effectRef idx="0">
+              <a:schemeClr val="accent1"/>
+            </a:effectRef>
+            <a:fontRef idx="minor">
+              <a:schemeClr val="tx1"/>
+            </a:fontRef>
+          </p:style>
+        </p:cxnSp>
+        <p:cxnSp>
+          <p:nvCxnSpPr>
+            <p:cNvPr id="61" name="Straight Arrow Connector 60">
+              <a:extLst>
+                <a:ext uri="{FF2B5EF4-FFF2-40B4-BE49-F238E27FC236}">
+                  <a16:creationId xmlns:a16="http://schemas.microsoft.com/office/drawing/2014/main" id="{DDCE518A-146D-422A-8C35-DB1EF2BBEC07}"/>
+                </a:ext>
+              </a:extLst>
+            </p:cNvPr>
+            <p:cNvCxnSpPr>
+              <a:cxnSpLocks/>
+            </p:cNvCxnSpPr>
+            <p:nvPr/>
+          </p:nvCxnSpPr>
+          <p:spPr>
+            <a:xfrm flipH="1">
+              <a:off x="2518044" y="3337869"/>
+              <a:ext cx="513420" cy="0"/>
+            </a:xfrm>
+            <a:prstGeom prst="straightConnector1">
+              <a:avLst/>
+            </a:prstGeom>
+            <a:ln w="9525">
+              <a:solidFill>
+                <a:schemeClr val="tx1"/>
+              </a:solidFill>
+              <a:tailEnd type="triangle"/>
+            </a:ln>
+          </p:spPr>
+          <p:style>
+            <a:lnRef idx="1">
+              <a:schemeClr val="accent1"/>
+            </a:lnRef>
+            <a:fillRef idx="0">
+              <a:schemeClr val="accent1"/>
+            </a:fillRef>
+            <a:effectRef idx="0">
+              <a:schemeClr val="accent1"/>
+            </a:effectRef>
+            <a:fontRef idx="minor">
+              <a:schemeClr val="tx1"/>
+            </a:fontRef>
+          </p:style>
+        </p:cxnSp>
+        <p:cxnSp>
+          <p:nvCxnSpPr>
+            <p:cNvPr id="63" name="Straight Connector 62">
+              <a:extLst>
+                <a:ext uri="{FF2B5EF4-FFF2-40B4-BE49-F238E27FC236}">
+                  <a16:creationId xmlns:a16="http://schemas.microsoft.com/office/drawing/2014/main" id="{34571847-4C88-42EA-8F10-811CC07CB5AD}"/>
+                </a:ext>
+              </a:extLst>
+            </p:cNvPr>
+            <p:cNvCxnSpPr/>
+            <p:nvPr/>
+          </p:nvCxnSpPr>
+          <p:spPr>
+            <a:xfrm flipH="1">
+              <a:off x="2086657" y="3311491"/>
+              <a:ext cx="1" cy="1734499"/>
+            </a:xfrm>
+            <a:prstGeom prst="line">
+              <a:avLst/>
+            </a:prstGeom>
+            <a:ln w="9525">
+              <a:solidFill>
+                <a:schemeClr val="tx1"/>
+              </a:solidFill>
+            </a:ln>
+          </p:spPr>
+          <p:style>
+            <a:lnRef idx="1">
+              <a:schemeClr val="accent1"/>
+            </a:lnRef>
+            <a:fillRef idx="0">
+              <a:schemeClr val="accent1"/>
+            </a:fillRef>
+            <a:effectRef idx="0">
+              <a:schemeClr val="accent1"/>
+            </a:effectRef>
+            <a:fontRef idx="minor">
+              <a:schemeClr val="tx1"/>
+            </a:fontRef>
+          </p:style>
+        </p:cxnSp>
+        <p:cxnSp>
+          <p:nvCxnSpPr>
+            <p:cNvPr id="62" name="Straight Arrow Connector 61">
+              <a:extLst>
+                <a:ext uri="{FF2B5EF4-FFF2-40B4-BE49-F238E27FC236}">
+                  <a16:creationId xmlns:a16="http://schemas.microsoft.com/office/drawing/2014/main" id="{FCC92C22-E29C-422B-85A8-36C0F3462C91}"/>
+                </a:ext>
+              </a:extLst>
+            </p:cNvPr>
+            <p:cNvCxnSpPr>
+              <a:cxnSpLocks/>
+            </p:cNvCxnSpPr>
+            <p:nvPr/>
+          </p:nvCxnSpPr>
+          <p:spPr>
+            <a:xfrm>
+              <a:off x="2087346" y="5045868"/>
+              <a:ext cx="1047149" cy="0"/>
+            </a:xfrm>
+            <a:prstGeom prst="straightConnector1">
+              <a:avLst/>
+            </a:prstGeom>
+            <a:ln w="9525">
+              <a:solidFill>
+                <a:schemeClr val="tx1"/>
+              </a:solidFill>
+              <a:tailEnd type="triangle"/>
+            </a:ln>
+          </p:spPr>
+          <p:style>
+            <a:lnRef idx="1">
+              <a:schemeClr val="accent1"/>
+            </a:lnRef>
+            <a:fillRef idx="0">
+              <a:schemeClr val="accent1"/>
+            </a:fillRef>
+            <a:effectRef idx="0">
+              <a:schemeClr val="accent1"/>
+            </a:effectRef>
+            <a:fontRef idx="minor">
+              <a:schemeClr val="tx1"/>
+            </a:fontRef>
+          </p:style>
+        </p:cxnSp>
+        <p:cxnSp>
+          <p:nvCxnSpPr>
+            <p:cNvPr id="67" name="Straight Arrow Connector 66">
+              <a:extLst>
+                <a:ext uri="{FF2B5EF4-FFF2-40B4-BE49-F238E27FC236}">
+                  <a16:creationId xmlns:a16="http://schemas.microsoft.com/office/drawing/2014/main" id="{DA084BF6-9948-48E2-8406-66EED07CC671}"/>
+                </a:ext>
+              </a:extLst>
+            </p:cNvPr>
+            <p:cNvCxnSpPr>
+              <a:cxnSpLocks/>
+            </p:cNvCxnSpPr>
+            <p:nvPr/>
+          </p:nvCxnSpPr>
+          <p:spPr>
+            <a:xfrm>
+              <a:off x="2425085" y="3148710"/>
+              <a:ext cx="1" cy="696487"/>
+            </a:xfrm>
+            <a:prstGeom prst="straightConnector1">
+              <a:avLst/>
+            </a:prstGeom>
+            <a:ln w="9525">
+              <a:solidFill>
+                <a:schemeClr val="tx1"/>
+              </a:solidFill>
+              <a:tailEnd type="triangle"/>
+            </a:ln>
+          </p:spPr>
+          <p:style>
+            <a:lnRef idx="1">
+              <a:schemeClr val="accent1"/>
+            </a:lnRef>
+            <a:fillRef idx="0">
+              <a:schemeClr val="accent1"/>
+            </a:fillRef>
+            <a:effectRef idx="0">
+              <a:schemeClr val="accent1"/>
+            </a:effectRef>
+            <a:fontRef idx="minor">
+              <a:schemeClr val="tx1"/>
+            </a:fontRef>
+          </p:style>
+        </p:cxnSp>
+        <p:sp>
+          <p:nvSpPr>
+            <p:cNvPr id="77" name="TextBox 76">
+              <a:extLst>
+                <a:ext uri="{FF2B5EF4-FFF2-40B4-BE49-F238E27FC236}">
+                  <a16:creationId xmlns:a16="http://schemas.microsoft.com/office/drawing/2014/main" id="{592AC19D-B477-462D-A16C-DFA019277B56}"/>
+                </a:ext>
+              </a:extLst>
+            </p:cNvPr>
+            <p:cNvSpPr txBox="1"/>
+            <p:nvPr/>
+          </p:nvSpPr>
+          <p:spPr>
+            <a:xfrm>
+              <a:off x="1624477" y="3113187"/>
+              <a:ext cx="879910" cy="400110"/>
+            </a:xfrm>
+            <a:prstGeom prst="rect">
+              <a:avLst/>
+            </a:prstGeom>
+            <a:solidFill>
+              <a:schemeClr val="bg2"/>
+            </a:solidFill>
+            <a:ln w="9525">
+              <a:solidFill>
+                <a:schemeClr val="tx1"/>
+              </a:solidFill>
+            </a:ln>
+          </p:spPr>
+          <p:txBody>
+            <a:bodyPr wrap="square" rtlCol="0">
+              <a:spAutoFit/>
+            </a:bodyPr>
+            <a:lstStyle/>
+            <a:p>
+              <a:pPr algn="ctr"/>
+              <a:r>
+                <a:rPr lang="en-US" sz="1000" dirty="0"/>
+                <a:t>Soil Organic Matter</a:t>
+              </a:r>
+            </a:p>
+          </p:txBody>
+        </p:sp>
+        <p:sp>
+          <p:nvSpPr>
+            <p:cNvPr id="66" name="Rectangle 65">
+              <a:extLst>
+                <a:ext uri="{FF2B5EF4-FFF2-40B4-BE49-F238E27FC236}">
+                  <a16:creationId xmlns:a16="http://schemas.microsoft.com/office/drawing/2014/main" id="{23905BF2-D03B-488F-8B38-8437C2EE7FF2}"/>
+                </a:ext>
+              </a:extLst>
+            </p:cNvPr>
+            <p:cNvSpPr/>
+            <p:nvPr/>
+          </p:nvSpPr>
+          <p:spPr>
+            <a:xfrm>
+              <a:off x="2570599" y="5012030"/>
+              <a:ext cx="148990" cy="95788"/>
+            </a:xfrm>
+            <a:prstGeom prst="rect">
+              <a:avLst/>
+            </a:prstGeom>
+            <a:solidFill>
+              <a:schemeClr val="bg1"/>
+            </a:solidFill>
+            <a:ln w="9525">
+              <a:solidFill>
+                <a:schemeClr val="bg1"/>
+              </a:solidFill>
+            </a:ln>
+          </p:spPr>
+          <p:style>
+            <a:lnRef idx="2">
+              <a:schemeClr val="accent1">
+                <a:shade val="50000"/>
+              </a:schemeClr>
+            </a:lnRef>
+            <a:fillRef idx="1">
+              <a:schemeClr val="accent1"/>
+            </a:fillRef>
+            <a:effectRef idx="0">
+              <a:schemeClr val="accent1"/>
+            </a:effectRef>
+            <a:fontRef idx="minor">
+              <a:schemeClr val="lt1"/>
+            </a:fontRef>
+          </p:style>
+          <p:txBody>
+            <a:bodyPr rtlCol="0" anchor="ctr"/>
+            <a:lstStyle/>
+            <a:p>
+              <a:pPr algn="ctr"/>
+              <a:endParaRPr lang="en-US"/>
+            </a:p>
+          </p:txBody>
+        </p:sp>
+        <p:cxnSp>
+          <p:nvCxnSpPr>
+            <p:cNvPr id="172" name="Straight Arrow Connector 171">
+              <a:extLst>
+                <a:ext uri="{FF2B5EF4-FFF2-40B4-BE49-F238E27FC236}">
+                  <a16:creationId xmlns:a16="http://schemas.microsoft.com/office/drawing/2014/main" id="{FC8C7FFC-E011-4F67-A04C-8CFC4A5730E2}"/>
+                </a:ext>
+              </a:extLst>
+            </p:cNvPr>
+            <p:cNvCxnSpPr>
+              <a:cxnSpLocks/>
+            </p:cNvCxnSpPr>
+            <p:nvPr/>
+          </p:nvCxnSpPr>
+          <p:spPr>
+            <a:xfrm flipH="1">
+              <a:off x="2654620" y="4273030"/>
+              <a:ext cx="2283" cy="1375601"/>
+            </a:xfrm>
+            <a:prstGeom prst="straightConnector1">
+              <a:avLst/>
+            </a:prstGeom>
+            <a:ln w="9525">
+              <a:solidFill>
+                <a:schemeClr val="tx1"/>
+              </a:solidFill>
+              <a:tailEnd type="triangle"/>
+            </a:ln>
+          </p:spPr>
+          <p:style>
+            <a:lnRef idx="1">
+              <a:schemeClr val="accent1"/>
+            </a:lnRef>
+            <a:fillRef idx="0">
+              <a:schemeClr val="accent1"/>
+            </a:fillRef>
+            <a:effectRef idx="0">
+              <a:schemeClr val="accent1"/>
+            </a:effectRef>
+            <a:fontRef idx="minor">
+              <a:schemeClr val="tx1"/>
+            </a:fontRef>
+          </p:style>
+        </p:cxnSp>
+        <p:sp>
+          <p:nvSpPr>
+            <p:cNvPr id="85" name="TextBox 84">
+              <a:extLst>
+                <a:ext uri="{FF2B5EF4-FFF2-40B4-BE49-F238E27FC236}">
+                  <a16:creationId xmlns:a16="http://schemas.microsoft.com/office/drawing/2014/main" id="{CF804AB6-B196-45FB-8F8E-BCF2A0FB4871}"/>
+                </a:ext>
+              </a:extLst>
+            </p:cNvPr>
+            <p:cNvSpPr txBox="1"/>
+            <p:nvPr/>
+          </p:nvSpPr>
+          <p:spPr>
+            <a:xfrm>
+              <a:off x="2343419" y="3857282"/>
+              <a:ext cx="622402" cy="553998"/>
+            </a:xfrm>
+            <a:prstGeom prst="rect">
+              <a:avLst/>
+            </a:prstGeom>
+            <a:solidFill>
+              <a:srgbClr val="FFC000"/>
+            </a:solidFill>
+            <a:ln w="9525">
+              <a:solidFill>
+                <a:schemeClr val="tx1"/>
+              </a:solidFill>
+            </a:ln>
+          </p:spPr>
+          <p:txBody>
+            <a:bodyPr wrap="square" rtlCol="0">
+              <a:spAutoFit/>
+            </a:bodyPr>
+            <a:lstStyle/>
+            <a:p>
+              <a:pPr algn="ctr"/>
+              <a:r>
+                <a:rPr lang="en-US" sz="1000" dirty="0"/>
+                <a:t>Soil aggregation</a:t>
+              </a:r>
+            </a:p>
+          </p:txBody>
+        </p:sp>
+        <p:sp>
+          <p:nvSpPr>
+            <p:cNvPr id="69" name="Rectangle 68">
+              <a:extLst>
+                <a:ext uri="{FF2B5EF4-FFF2-40B4-BE49-F238E27FC236}">
+                  <a16:creationId xmlns:a16="http://schemas.microsoft.com/office/drawing/2014/main" id="{9E65AB98-3285-4703-8163-457D65A667E7}"/>
+                </a:ext>
+              </a:extLst>
+            </p:cNvPr>
+            <p:cNvSpPr/>
+            <p:nvPr/>
+          </p:nvSpPr>
+          <p:spPr>
+            <a:xfrm>
+              <a:off x="1904786" y="2873734"/>
+              <a:ext cx="148990" cy="95788"/>
+            </a:xfrm>
+            <a:prstGeom prst="rect">
+              <a:avLst/>
+            </a:prstGeom>
+            <a:solidFill>
+              <a:schemeClr val="bg1"/>
+            </a:solidFill>
+            <a:ln w="9525">
+              <a:solidFill>
+                <a:schemeClr val="bg1"/>
+              </a:solidFill>
+            </a:ln>
+          </p:spPr>
+          <p:style>
+            <a:lnRef idx="2">
+              <a:schemeClr val="accent1">
+                <a:shade val="50000"/>
+              </a:schemeClr>
+            </a:lnRef>
+            <a:fillRef idx="1">
+              <a:schemeClr val="accent1"/>
+            </a:fillRef>
+            <a:effectRef idx="0">
+              <a:schemeClr val="accent1"/>
+            </a:effectRef>
+            <a:fontRef idx="minor">
+              <a:schemeClr val="lt1"/>
+            </a:fontRef>
+          </p:style>
+          <p:txBody>
+            <a:bodyPr rtlCol="0" anchor="ctr"/>
+            <a:lstStyle/>
+            <a:p>
+              <a:pPr algn="ctr"/>
+              <a:endParaRPr lang="en-US"/>
+            </a:p>
+          </p:txBody>
+        </p:sp>
+        <p:cxnSp>
+          <p:nvCxnSpPr>
+            <p:cNvPr id="68" name="Straight Arrow Connector 67">
+              <a:extLst>
+                <a:ext uri="{FF2B5EF4-FFF2-40B4-BE49-F238E27FC236}">
+                  <a16:creationId xmlns:a16="http://schemas.microsoft.com/office/drawing/2014/main" id="{23A32417-966F-4D82-A544-4FD7F83C054D}"/>
+                </a:ext>
+              </a:extLst>
+            </p:cNvPr>
+            <p:cNvCxnSpPr>
+              <a:cxnSpLocks/>
+            </p:cNvCxnSpPr>
+            <p:nvPr/>
+          </p:nvCxnSpPr>
+          <p:spPr>
+            <a:xfrm flipH="1">
+              <a:off x="1408285" y="2928707"/>
+              <a:ext cx="1627448" cy="0"/>
+            </a:xfrm>
+            <a:prstGeom prst="straightConnector1">
+              <a:avLst/>
+            </a:prstGeom>
+            <a:ln w="9525">
+              <a:solidFill>
+                <a:srgbClr val="FF0000"/>
+              </a:solidFill>
+              <a:tailEnd type="triangle"/>
+            </a:ln>
+          </p:spPr>
+          <p:style>
+            <a:lnRef idx="1">
+              <a:schemeClr val="accent1"/>
+            </a:lnRef>
+            <a:fillRef idx="0">
+              <a:schemeClr val="accent1"/>
+            </a:fillRef>
+            <a:effectRef idx="0">
+              <a:schemeClr val="accent1"/>
+            </a:effectRef>
+            <a:fontRef idx="minor">
+              <a:schemeClr val="tx1"/>
+            </a:fontRef>
+          </p:style>
+        </p:cxnSp>
+      </p:grpSp>
+    </p:spTree>
+    <p:extLst>
+      <p:ext uri="{BB962C8B-B14F-4D97-AF65-F5344CB8AC3E}">
+        <p14:creationId xmlns:p14="http://schemas.microsoft.com/office/powerpoint/2010/main" val="843550683"/>
+      </p:ext>
+    </p:extLst>
+  </p:cSld>
+  <p:clrMapOvr>
+    <a:masterClrMapping/>
+  </p:clrMapOvr>
+</p:sld>
+</file>
+
+<file path=ppt/slides/slide4.xml><?xml version="1.0" encoding="utf-8"?>
+<p:sld xmlns:a="http://schemas.openxmlformats.org/drawingml/2006/main" xmlns:r="http://schemas.openxmlformats.org/officeDocument/2006/relationships" xmlns:p="http://schemas.openxmlformats.org/presentationml/2006/main">
+  <p:cSld>
+    <p:spTree>
+      <p:nvGrpSpPr>
+        <p:cNvPr id="1" name=""/>
+        <p:cNvGrpSpPr/>
+        <p:nvPr/>
+      </p:nvGrpSpPr>
+      <p:grpSpPr>
+        <a:xfrm>
+          <a:off x="0" y="0"/>
+          <a:ext cx="0" cy="0"/>
+          <a:chOff x="0" y="0"/>
+          <a:chExt cx="0" cy="0"/>
+        </a:xfrm>
+      </p:grpSpPr>
+      <p:sp>
+        <p:nvSpPr>
+          <p:cNvPr id="44" name="TextBox 43">
+            <a:extLst>
+              <a:ext uri="{FF2B5EF4-FFF2-40B4-BE49-F238E27FC236}">
+                <a16:creationId xmlns:a16="http://schemas.microsoft.com/office/drawing/2014/main" id="{414CDE10-F323-4C65-B715-D0A0634E988F}"/>
+              </a:ext>
+            </a:extLst>
+          </p:cNvPr>
+          <p:cNvSpPr txBox="1"/>
+          <p:nvPr/>
+        </p:nvSpPr>
+        <p:spPr>
+          <a:xfrm>
+            <a:off x="501049" y="525877"/>
+            <a:ext cx="5754969" cy="461665"/>
+          </a:xfrm>
+          <a:prstGeom prst="rect">
+            <a:avLst/>
+          </a:prstGeom>
+          <a:noFill/>
+        </p:spPr>
+        <p:txBody>
+          <a:bodyPr wrap="square" rtlCol="0">
+            <a:spAutoFit/>
+          </a:bodyPr>
+          <a:lstStyle/>
+          <a:p>
+            <a:r>
+              <a:rPr lang="en-US" sz="1200" dirty="0"/>
+              <a:t>Proposed causal diagram for cover crop effects on (1) soil structure, (2) soil water at saturation, and (3) soil water at field capacity</a:t>
+            </a:r>
+          </a:p>
+        </p:txBody>
+      </p:sp>
+      <p:cxnSp>
+        <p:nvCxnSpPr>
+          <p:cNvPr id="52" name="Straight Connector 51">
+            <a:extLst>
+              <a:ext uri="{FF2B5EF4-FFF2-40B4-BE49-F238E27FC236}">
+                <a16:creationId xmlns:a16="http://schemas.microsoft.com/office/drawing/2014/main" id="{C6CCC06D-2146-468F-B397-DDDA8D9E257E}"/>
+              </a:ext>
+            </a:extLst>
+          </p:cNvPr>
+          <p:cNvCxnSpPr/>
+          <p:nvPr/>
+        </p:nvCxnSpPr>
+        <p:spPr>
+          <a:xfrm flipH="1">
+            <a:off x="3249073" y="2626642"/>
+            <a:ext cx="1" cy="1076987"/>
+          </a:xfrm>
+          <a:prstGeom prst="line">
+            <a:avLst/>
+          </a:prstGeom>
+          <a:ln w="9525">
+            <a:solidFill>
+              <a:schemeClr val="tx1"/>
+            </a:solidFill>
+          </a:ln>
+        </p:spPr>
+        <p:style>
+          <a:lnRef idx="1">
+            <a:schemeClr val="accent1"/>
+          </a:lnRef>
+          <a:fillRef idx="0">
+            <a:schemeClr val="accent1"/>
+          </a:fillRef>
+          <a:effectRef idx="0">
+            <a:schemeClr val="accent1"/>
+          </a:effectRef>
+          <a:fontRef idx="minor">
+            <a:schemeClr val="tx1"/>
+          </a:fontRef>
+        </p:style>
+      </p:cxnSp>
+      <p:cxnSp>
+        <p:nvCxnSpPr>
+          <p:cNvPr id="139" name="Straight Arrow Connector 138">
+            <a:extLst>
+              <a:ext uri="{FF2B5EF4-FFF2-40B4-BE49-F238E27FC236}">
+                <a16:creationId xmlns:a16="http://schemas.microsoft.com/office/drawing/2014/main" id="{AB2DECDF-FA1B-4A8D-9B89-6F5D9907AB97}"/>
+              </a:ext>
+            </a:extLst>
+          </p:cNvPr>
+          <p:cNvCxnSpPr>
+            <a:cxnSpLocks/>
+          </p:cNvCxnSpPr>
+          <p:nvPr/>
+        </p:nvCxnSpPr>
+        <p:spPr>
+          <a:xfrm flipH="1">
+            <a:off x="4706839" y="7027561"/>
+            <a:ext cx="2283" cy="329308"/>
+          </a:xfrm>
+          <a:prstGeom prst="straightConnector1">
+            <a:avLst/>
+          </a:prstGeom>
+          <a:ln w="9525">
+            <a:solidFill>
+              <a:srgbClr val="FF0000"/>
+            </a:solidFill>
+            <a:tailEnd type="triangle"/>
+          </a:ln>
+        </p:spPr>
+        <p:style>
+          <a:lnRef idx="1">
+            <a:schemeClr val="accent1"/>
+          </a:lnRef>
+          <a:fillRef idx="0">
+            <a:schemeClr val="accent1"/>
+          </a:fillRef>
+          <a:effectRef idx="0">
+            <a:schemeClr val="accent1"/>
+          </a:effectRef>
+          <a:fontRef idx="minor">
+            <a:schemeClr val="tx1"/>
+          </a:fontRef>
+        </p:style>
+      </p:cxnSp>
+      <p:cxnSp>
+        <p:nvCxnSpPr>
+          <p:cNvPr id="167" name="Straight Arrow Connector 166">
+            <a:extLst>
+              <a:ext uri="{FF2B5EF4-FFF2-40B4-BE49-F238E27FC236}">
+                <a16:creationId xmlns:a16="http://schemas.microsoft.com/office/drawing/2014/main" id="{29FB6EED-A2B4-4F11-B512-964E0FD4FA5E}"/>
+              </a:ext>
+            </a:extLst>
+          </p:cNvPr>
+          <p:cNvCxnSpPr>
+            <a:cxnSpLocks/>
+          </p:cNvCxnSpPr>
+          <p:nvPr/>
+        </p:nvCxnSpPr>
+        <p:spPr>
+          <a:xfrm>
+            <a:off x="1290025" y="4528684"/>
+            <a:ext cx="1265263" cy="0"/>
+          </a:xfrm>
+          <a:prstGeom prst="straightConnector1">
+            <a:avLst/>
+          </a:prstGeom>
+          <a:ln w="9525">
+            <a:solidFill>
+              <a:srgbClr val="FF0000"/>
+            </a:solidFill>
+            <a:tailEnd type="triangle"/>
+          </a:ln>
+        </p:spPr>
+        <p:style>
+          <a:lnRef idx="1">
+            <a:schemeClr val="accent1"/>
+          </a:lnRef>
+          <a:fillRef idx="0">
+            <a:schemeClr val="accent1"/>
+          </a:fillRef>
+          <a:effectRef idx="0">
+            <a:schemeClr val="accent1"/>
+          </a:effectRef>
+          <a:fontRef idx="minor">
+            <a:schemeClr val="tx1"/>
+          </a:fontRef>
+        </p:style>
+      </p:cxnSp>
+      <p:cxnSp>
+        <p:nvCxnSpPr>
+          <p:cNvPr id="57" name="Straight Arrow Connector 56">
+            <a:extLst>
+              <a:ext uri="{FF2B5EF4-FFF2-40B4-BE49-F238E27FC236}">
+                <a16:creationId xmlns:a16="http://schemas.microsoft.com/office/drawing/2014/main" id="{31BA66BD-48A8-4DD6-B57A-134D8438CFE3}"/>
+              </a:ext>
+            </a:extLst>
+          </p:cNvPr>
+          <p:cNvCxnSpPr>
+            <a:cxnSpLocks/>
+          </p:cNvCxnSpPr>
+          <p:nvPr/>
+        </p:nvCxnSpPr>
+        <p:spPr>
+          <a:xfrm>
+            <a:off x="1270667" y="2829847"/>
+            <a:ext cx="1" cy="268525"/>
+          </a:xfrm>
+          <a:prstGeom prst="straightConnector1">
+            <a:avLst/>
+          </a:prstGeom>
+          <a:ln w="9525">
+            <a:solidFill>
+              <a:srgbClr val="FF0000"/>
+            </a:solidFill>
+            <a:tailEnd type="triangle"/>
+          </a:ln>
+        </p:spPr>
+        <p:style>
+          <a:lnRef idx="1">
+            <a:schemeClr val="accent1"/>
+          </a:lnRef>
+          <a:fillRef idx="0">
+            <a:schemeClr val="accent1"/>
+          </a:fillRef>
+          <a:effectRef idx="0">
+            <a:schemeClr val="accent1"/>
+          </a:effectRef>
+          <a:fontRef idx="minor">
+            <a:schemeClr val="tx1"/>
+          </a:fontRef>
+        </p:style>
+      </p:cxnSp>
+      <p:cxnSp>
+        <p:nvCxnSpPr>
+          <p:cNvPr id="59" name="Straight Arrow Connector 58">
+            <a:extLst>
+              <a:ext uri="{FF2B5EF4-FFF2-40B4-BE49-F238E27FC236}">
+                <a16:creationId xmlns:a16="http://schemas.microsoft.com/office/drawing/2014/main" id="{04E70E58-42AC-4675-B455-935EC2D04F90}"/>
+              </a:ext>
+            </a:extLst>
+          </p:cNvPr>
+          <p:cNvCxnSpPr>
+            <a:cxnSpLocks/>
+          </p:cNvCxnSpPr>
+          <p:nvPr/>
+        </p:nvCxnSpPr>
+        <p:spPr>
+          <a:xfrm flipV="1">
+            <a:off x="3612244" y="2829275"/>
+            <a:ext cx="646511" cy="2062"/>
+          </a:xfrm>
+          <a:prstGeom prst="straightConnector1">
+            <a:avLst/>
+          </a:prstGeom>
+          <a:ln w="9525">
+            <a:solidFill>
+              <a:schemeClr val="tx1"/>
+            </a:solidFill>
+            <a:tailEnd type="triangle"/>
+          </a:ln>
+        </p:spPr>
+        <p:style>
+          <a:lnRef idx="1">
+            <a:schemeClr val="accent1"/>
+          </a:lnRef>
+          <a:fillRef idx="0">
+            <a:schemeClr val="accent1"/>
+          </a:fillRef>
+          <a:effectRef idx="0">
+            <a:schemeClr val="accent1"/>
+          </a:effectRef>
+          <a:fontRef idx="minor">
+            <a:schemeClr val="tx1"/>
+          </a:fontRef>
+        </p:style>
+      </p:cxnSp>
+      <p:cxnSp>
+        <p:nvCxnSpPr>
+          <p:cNvPr id="90" name="Straight Arrow Connector 89">
+            <a:extLst>
+              <a:ext uri="{FF2B5EF4-FFF2-40B4-BE49-F238E27FC236}">
+                <a16:creationId xmlns:a16="http://schemas.microsoft.com/office/drawing/2014/main" id="{BB890F74-A463-4C40-A27B-35FB56527423}"/>
+              </a:ext>
+            </a:extLst>
+          </p:cNvPr>
+          <p:cNvCxnSpPr>
+            <a:cxnSpLocks/>
+          </p:cNvCxnSpPr>
+          <p:nvPr/>
+        </p:nvCxnSpPr>
+        <p:spPr>
+          <a:xfrm>
+            <a:off x="2220295" y="2073594"/>
+            <a:ext cx="1" cy="484673"/>
+          </a:xfrm>
+          <a:prstGeom prst="straightConnector1">
+            <a:avLst/>
+          </a:prstGeom>
+          <a:ln w="57150">
+            <a:solidFill>
+              <a:schemeClr val="tx1"/>
+            </a:solidFill>
+            <a:tailEnd type="triangle"/>
+          </a:ln>
+        </p:spPr>
+        <p:style>
+          <a:lnRef idx="1">
+            <a:schemeClr val="accent1"/>
+          </a:lnRef>
+          <a:fillRef idx="0">
+            <a:schemeClr val="accent1"/>
+          </a:fillRef>
+          <a:effectRef idx="0">
+            <a:schemeClr val="accent1"/>
+          </a:effectRef>
+          <a:fontRef idx="minor">
+            <a:schemeClr val="tx1"/>
+          </a:fontRef>
+        </p:style>
+      </p:cxnSp>
+      <p:cxnSp>
+        <p:nvCxnSpPr>
+          <p:cNvPr id="91" name="Straight Arrow Connector 90">
+            <a:extLst>
+              <a:ext uri="{FF2B5EF4-FFF2-40B4-BE49-F238E27FC236}">
+                <a16:creationId xmlns:a16="http://schemas.microsoft.com/office/drawing/2014/main" id="{7E40E1B6-6876-41B9-90D2-E708A7BFB424}"/>
+              </a:ext>
+            </a:extLst>
+          </p:cNvPr>
+          <p:cNvCxnSpPr>
+            <a:cxnSpLocks/>
+          </p:cNvCxnSpPr>
+          <p:nvPr/>
+        </p:nvCxnSpPr>
+        <p:spPr>
+          <a:xfrm>
+            <a:off x="3413055" y="2106352"/>
+            <a:ext cx="0" cy="460346"/>
+          </a:xfrm>
+          <a:prstGeom prst="straightConnector1">
+            <a:avLst/>
+          </a:prstGeom>
+          <a:ln w="57150">
+            <a:solidFill>
+              <a:schemeClr val="tx1"/>
+            </a:solidFill>
+            <a:tailEnd type="triangle"/>
+          </a:ln>
+        </p:spPr>
+        <p:style>
+          <a:lnRef idx="1">
+            <a:schemeClr val="accent1"/>
+          </a:lnRef>
+          <a:fillRef idx="0">
+            <a:schemeClr val="accent1"/>
+          </a:fillRef>
+          <a:effectRef idx="0">
+            <a:schemeClr val="accent1"/>
+          </a:effectRef>
+          <a:fontRef idx="minor">
+            <a:schemeClr val="tx1"/>
+          </a:fontRef>
+        </p:style>
+      </p:cxnSp>
+      <p:cxnSp>
+        <p:nvCxnSpPr>
+          <p:cNvPr id="71" name="Straight Arrow Connector 70">
+            <a:extLst>
+              <a:ext uri="{FF2B5EF4-FFF2-40B4-BE49-F238E27FC236}">
+                <a16:creationId xmlns:a16="http://schemas.microsoft.com/office/drawing/2014/main" id="{DFD09234-A006-4654-8ABC-244EFB2761F0}"/>
+              </a:ext>
+            </a:extLst>
+          </p:cNvPr>
+          <p:cNvCxnSpPr>
+            <a:cxnSpLocks/>
+          </p:cNvCxnSpPr>
+          <p:nvPr/>
+        </p:nvCxnSpPr>
+        <p:spPr>
+          <a:xfrm>
+            <a:off x="4630618" y="2115494"/>
+            <a:ext cx="0" cy="460346"/>
+          </a:xfrm>
+          <a:prstGeom prst="straightConnector1">
+            <a:avLst/>
+          </a:prstGeom>
+          <a:ln w="57150">
+            <a:solidFill>
+              <a:schemeClr val="tx1"/>
+            </a:solidFill>
+            <a:tailEnd type="triangle"/>
+          </a:ln>
+        </p:spPr>
+        <p:style>
+          <a:lnRef idx="1">
+            <a:schemeClr val="accent1"/>
+          </a:lnRef>
+          <a:fillRef idx="0">
+            <a:schemeClr val="accent1"/>
+          </a:fillRef>
+          <a:effectRef idx="0">
+            <a:schemeClr val="accent1"/>
+          </a:effectRef>
+          <a:fontRef idx="minor">
+            <a:schemeClr val="tx1"/>
+          </a:fontRef>
+        </p:style>
+      </p:cxnSp>
+      <p:sp>
+        <p:nvSpPr>
+          <p:cNvPr id="80" name="TextBox 79">
+            <a:extLst>
+              <a:ext uri="{FF2B5EF4-FFF2-40B4-BE49-F238E27FC236}">
+                <a16:creationId xmlns:a16="http://schemas.microsoft.com/office/drawing/2014/main" id="{72EE2869-981E-46C6-AC7A-802D723EAF97}"/>
+              </a:ext>
+            </a:extLst>
+          </p:cNvPr>
+          <p:cNvSpPr txBox="1"/>
+          <p:nvPr/>
+        </p:nvSpPr>
+        <p:spPr>
+          <a:xfrm>
+            <a:off x="2948789" y="6669854"/>
+            <a:ext cx="779661" cy="553998"/>
+          </a:xfrm>
+          <a:prstGeom prst="rect">
+            <a:avLst/>
+          </a:prstGeom>
+          <a:solidFill>
+            <a:schemeClr val="bg2"/>
+          </a:solidFill>
+          <a:ln w="9525">
+            <a:solidFill>
+              <a:schemeClr val="tx1"/>
+            </a:solidFill>
+          </a:ln>
+        </p:spPr>
+        <p:txBody>
+          <a:bodyPr wrap="square" rtlCol="0">
+            <a:spAutoFit/>
+          </a:bodyPr>
+          <a:lstStyle/>
+          <a:p>
+            <a:pPr algn="ctr"/>
+            <a:r>
+              <a:rPr lang="en-US" sz="1000" dirty="0"/>
+              <a:t>Soil water at field capacity</a:t>
+            </a:r>
+          </a:p>
+        </p:txBody>
+      </p:sp>
+      <p:cxnSp>
+        <p:nvCxnSpPr>
+          <p:cNvPr id="11" name="Straight Connector 10">
+            <a:extLst>
+              <a:ext uri="{FF2B5EF4-FFF2-40B4-BE49-F238E27FC236}">
+                <a16:creationId xmlns:a16="http://schemas.microsoft.com/office/drawing/2014/main" id="{0712DFD0-8832-4922-BFE1-45B491651EC5}"/>
+              </a:ext>
+            </a:extLst>
+          </p:cNvPr>
+          <p:cNvCxnSpPr>
+            <a:cxnSpLocks/>
+          </p:cNvCxnSpPr>
+          <p:nvPr/>
+        </p:nvCxnSpPr>
+        <p:spPr>
+          <a:xfrm>
+            <a:off x="4205338" y="5783117"/>
+            <a:ext cx="0" cy="0"/>
+          </a:xfrm>
+          <a:prstGeom prst="line">
+            <a:avLst/>
+          </a:prstGeom>
+          <a:ln w="9525"/>
+        </p:spPr>
+        <p:style>
+          <a:lnRef idx="1">
+            <a:schemeClr val="accent1"/>
+          </a:lnRef>
+          <a:fillRef idx="0">
+            <a:schemeClr val="accent1"/>
+          </a:fillRef>
+          <a:effectRef idx="0">
+            <a:schemeClr val="accent1"/>
+          </a:effectRef>
+          <a:fontRef idx="minor">
+            <a:schemeClr val="tx1"/>
+          </a:fontRef>
+        </p:style>
+      </p:cxnSp>
+      <p:cxnSp>
+        <p:nvCxnSpPr>
+          <p:cNvPr id="98" name="Straight Arrow Connector 97">
+            <a:extLst>
+              <a:ext uri="{FF2B5EF4-FFF2-40B4-BE49-F238E27FC236}">
+                <a16:creationId xmlns:a16="http://schemas.microsoft.com/office/drawing/2014/main" id="{520CA070-C7C7-4D3F-97F9-4CF91EF220D6}"/>
+              </a:ext>
+            </a:extLst>
+          </p:cNvPr>
+          <p:cNvCxnSpPr>
+            <a:cxnSpLocks/>
+          </p:cNvCxnSpPr>
+          <p:nvPr/>
+        </p:nvCxnSpPr>
+        <p:spPr>
+          <a:xfrm flipH="1">
+            <a:off x="3514655" y="5749450"/>
+            <a:ext cx="2283" cy="299371"/>
+          </a:xfrm>
+          <a:prstGeom prst="straightConnector1">
+            <a:avLst/>
+          </a:prstGeom>
+          <a:ln w="9525">
+            <a:solidFill>
+              <a:schemeClr val="tx1"/>
+            </a:solidFill>
+            <a:tailEnd type="triangle"/>
+          </a:ln>
+        </p:spPr>
+        <p:style>
+          <a:lnRef idx="1">
+            <a:schemeClr val="accent1"/>
+          </a:lnRef>
+          <a:fillRef idx="0">
+            <a:schemeClr val="accent1"/>
+          </a:fillRef>
+          <a:effectRef idx="0">
+            <a:schemeClr val="accent1"/>
+          </a:effectRef>
+          <a:fontRef idx="minor">
+            <a:schemeClr val="tx1"/>
+          </a:fontRef>
+        </p:style>
+      </p:cxnSp>
+      <p:cxnSp>
+        <p:nvCxnSpPr>
+          <p:cNvPr id="110" name="Straight Arrow Connector 109">
+            <a:extLst>
+              <a:ext uri="{FF2B5EF4-FFF2-40B4-BE49-F238E27FC236}">
+                <a16:creationId xmlns:a16="http://schemas.microsoft.com/office/drawing/2014/main" id="{6A13596A-C939-4CBE-A6B5-C323C197012A}"/>
+              </a:ext>
+            </a:extLst>
+          </p:cNvPr>
+          <p:cNvCxnSpPr>
+            <a:cxnSpLocks/>
+          </p:cNvCxnSpPr>
+          <p:nvPr/>
+        </p:nvCxnSpPr>
+        <p:spPr>
+          <a:xfrm flipH="1">
+            <a:off x="4706840" y="5679786"/>
+            <a:ext cx="2283" cy="1033509"/>
+          </a:xfrm>
+          <a:prstGeom prst="straightConnector1">
+            <a:avLst/>
+          </a:prstGeom>
+          <a:ln w="9525">
+            <a:solidFill>
+              <a:srgbClr val="FF0000"/>
+            </a:solidFill>
+            <a:tailEnd type="triangle"/>
+          </a:ln>
+        </p:spPr>
+        <p:style>
+          <a:lnRef idx="1">
+            <a:schemeClr val="accent1"/>
+          </a:lnRef>
+          <a:fillRef idx="0">
+            <a:schemeClr val="accent1"/>
+          </a:fillRef>
+          <a:effectRef idx="0">
+            <a:schemeClr val="accent1"/>
+          </a:effectRef>
+          <a:fontRef idx="minor">
+            <a:schemeClr val="tx1"/>
+          </a:fontRef>
+        </p:style>
+      </p:cxnSp>
+      <p:cxnSp>
+        <p:nvCxnSpPr>
+          <p:cNvPr id="143" name="Straight Connector 142">
+            <a:extLst>
+              <a:ext uri="{FF2B5EF4-FFF2-40B4-BE49-F238E27FC236}">
+                <a16:creationId xmlns:a16="http://schemas.microsoft.com/office/drawing/2014/main" id="{6627E756-A242-4A41-8E25-A9CA05261A15}"/>
+              </a:ext>
+            </a:extLst>
+          </p:cNvPr>
+          <p:cNvCxnSpPr>
+            <a:cxnSpLocks/>
+          </p:cNvCxnSpPr>
+          <p:nvPr/>
+        </p:nvCxnSpPr>
+        <p:spPr>
+          <a:xfrm>
+            <a:off x="1272508" y="2830290"/>
+            <a:ext cx="649490" cy="0"/>
+          </a:xfrm>
+          <a:prstGeom prst="line">
+            <a:avLst/>
+          </a:prstGeom>
+          <a:ln w="9525">
+            <a:solidFill>
+              <a:srgbClr val="FF0000"/>
+            </a:solidFill>
+          </a:ln>
+        </p:spPr>
+        <p:style>
+          <a:lnRef idx="1">
+            <a:schemeClr val="accent1"/>
+          </a:lnRef>
+          <a:fillRef idx="0">
+            <a:schemeClr val="accent1"/>
+          </a:fillRef>
+          <a:effectRef idx="0">
+            <a:schemeClr val="accent1"/>
+          </a:effectRef>
+          <a:fontRef idx="minor">
+            <a:schemeClr val="tx1"/>
+          </a:fontRef>
+        </p:style>
+      </p:cxnSp>
+      <p:cxnSp>
+        <p:nvCxnSpPr>
+          <p:cNvPr id="150" name="Straight Arrow Connector 149">
+            <a:extLst>
+              <a:ext uri="{FF2B5EF4-FFF2-40B4-BE49-F238E27FC236}">
+                <a16:creationId xmlns:a16="http://schemas.microsoft.com/office/drawing/2014/main" id="{4CEEC003-E039-462C-8E5B-0071A4FA2F92}"/>
+              </a:ext>
+            </a:extLst>
+          </p:cNvPr>
+          <p:cNvCxnSpPr>
+            <a:cxnSpLocks/>
+          </p:cNvCxnSpPr>
+          <p:nvPr/>
+        </p:nvCxnSpPr>
+        <p:spPr>
+          <a:xfrm flipH="1">
+            <a:off x="3353207" y="6125485"/>
+            <a:ext cx="2283" cy="530354"/>
+          </a:xfrm>
+          <a:prstGeom prst="straightConnector1">
+            <a:avLst/>
+          </a:prstGeom>
+          <a:ln w="9525">
+            <a:solidFill>
+              <a:schemeClr val="tx1"/>
+            </a:solidFill>
+            <a:tailEnd type="triangle"/>
+          </a:ln>
+        </p:spPr>
+        <p:style>
+          <a:lnRef idx="1">
+            <a:schemeClr val="accent1"/>
+          </a:lnRef>
+          <a:fillRef idx="0">
+            <a:schemeClr val="accent1"/>
+          </a:fillRef>
+          <a:effectRef idx="0">
+            <a:schemeClr val="accent1"/>
+          </a:effectRef>
+          <a:fontRef idx="minor">
+            <a:schemeClr val="tx1"/>
+          </a:fontRef>
+        </p:style>
+      </p:cxnSp>
+      <p:cxnSp>
+        <p:nvCxnSpPr>
+          <p:cNvPr id="158" name="Straight Arrow Connector 157">
+            <a:extLst>
+              <a:ext uri="{FF2B5EF4-FFF2-40B4-BE49-F238E27FC236}">
+                <a16:creationId xmlns:a16="http://schemas.microsoft.com/office/drawing/2014/main" id="{EB3788F3-F053-4B9F-8B6F-A1E719F0C944}"/>
+              </a:ext>
+            </a:extLst>
+          </p:cNvPr>
+          <p:cNvCxnSpPr>
+            <a:cxnSpLocks/>
+          </p:cNvCxnSpPr>
+          <p:nvPr/>
+        </p:nvCxnSpPr>
+        <p:spPr>
+          <a:xfrm>
+            <a:off x="1269484" y="5675280"/>
+            <a:ext cx="2040596" cy="0"/>
+          </a:xfrm>
+          <a:prstGeom prst="straightConnector1">
+            <a:avLst/>
+          </a:prstGeom>
+          <a:ln w="9525">
+            <a:solidFill>
+              <a:srgbClr val="FF0000"/>
+            </a:solidFill>
+            <a:tailEnd type="triangle"/>
+          </a:ln>
+        </p:spPr>
+        <p:style>
+          <a:lnRef idx="1">
+            <a:schemeClr val="accent1"/>
+          </a:lnRef>
+          <a:fillRef idx="0">
+            <a:schemeClr val="accent1"/>
+          </a:fillRef>
+          <a:effectRef idx="0">
+            <a:schemeClr val="accent1"/>
+          </a:effectRef>
+          <a:fontRef idx="minor">
+            <a:schemeClr val="tx1"/>
+          </a:fontRef>
+        </p:style>
+      </p:cxnSp>
+      <p:cxnSp>
+        <p:nvCxnSpPr>
+          <p:cNvPr id="160" name="Straight Connector 159">
+            <a:extLst>
+              <a:ext uri="{FF2B5EF4-FFF2-40B4-BE49-F238E27FC236}">
+                <a16:creationId xmlns:a16="http://schemas.microsoft.com/office/drawing/2014/main" id="{0B292357-63F9-426A-B97C-356AA694F997}"/>
+              </a:ext>
+            </a:extLst>
+          </p:cNvPr>
+          <p:cNvCxnSpPr>
+            <a:cxnSpLocks/>
+          </p:cNvCxnSpPr>
+          <p:nvPr/>
+        </p:nvCxnSpPr>
+        <p:spPr>
+          <a:xfrm flipH="1">
+            <a:off x="1270666" y="3407017"/>
+            <a:ext cx="1" cy="2793428"/>
+          </a:xfrm>
+          <a:prstGeom prst="line">
+            <a:avLst/>
+          </a:prstGeom>
+          <a:ln w="9525">
+            <a:solidFill>
+              <a:srgbClr val="FF0000"/>
+            </a:solidFill>
+          </a:ln>
+        </p:spPr>
+        <p:style>
+          <a:lnRef idx="1">
+            <a:schemeClr val="accent1"/>
+          </a:lnRef>
+          <a:fillRef idx="0">
+            <a:schemeClr val="accent1"/>
+          </a:fillRef>
+          <a:effectRef idx="0">
+            <a:schemeClr val="accent1"/>
+          </a:effectRef>
+          <a:fontRef idx="minor">
+            <a:schemeClr val="tx1"/>
+          </a:fontRef>
+        </p:style>
+      </p:cxnSp>
+      <p:cxnSp>
+        <p:nvCxnSpPr>
+          <p:cNvPr id="162" name="Straight Arrow Connector 161">
+            <a:extLst>
+              <a:ext uri="{FF2B5EF4-FFF2-40B4-BE49-F238E27FC236}">
+                <a16:creationId xmlns:a16="http://schemas.microsoft.com/office/drawing/2014/main" id="{3453C37C-FAEF-496A-9FB5-7A20970CEADF}"/>
+              </a:ext>
+            </a:extLst>
+          </p:cNvPr>
+          <p:cNvCxnSpPr>
+            <a:cxnSpLocks/>
+          </p:cNvCxnSpPr>
+          <p:nvPr/>
+        </p:nvCxnSpPr>
+        <p:spPr>
+          <a:xfrm>
+            <a:off x="4719653" y="2586538"/>
+            <a:ext cx="0" cy="2625769"/>
+          </a:xfrm>
+          <a:prstGeom prst="straightConnector1">
+            <a:avLst/>
+          </a:prstGeom>
+          <a:ln w="9525">
+            <a:solidFill>
+              <a:schemeClr val="tx1"/>
+            </a:solidFill>
+            <a:tailEnd type="triangle"/>
+          </a:ln>
+        </p:spPr>
+        <p:style>
+          <a:lnRef idx="1">
+            <a:schemeClr val="accent1"/>
+          </a:lnRef>
+          <a:fillRef idx="0">
+            <a:schemeClr val="accent1"/>
+          </a:fillRef>
+          <a:effectRef idx="0">
+            <a:schemeClr val="accent1"/>
+          </a:effectRef>
+          <a:fontRef idx="minor">
+            <a:schemeClr val="tx1"/>
+          </a:fontRef>
+        </p:style>
+      </p:cxnSp>
+      <p:cxnSp>
+        <p:nvCxnSpPr>
+          <p:cNvPr id="165" name="Straight Arrow Connector 164">
+            <a:extLst>
+              <a:ext uri="{FF2B5EF4-FFF2-40B4-BE49-F238E27FC236}">
+                <a16:creationId xmlns:a16="http://schemas.microsoft.com/office/drawing/2014/main" id="{EDE542EA-DBC5-44EA-9B66-C4AA3B7E3459}"/>
+              </a:ext>
+            </a:extLst>
+          </p:cNvPr>
+          <p:cNvCxnSpPr>
+            <a:cxnSpLocks/>
+          </p:cNvCxnSpPr>
+          <p:nvPr/>
+        </p:nvCxnSpPr>
+        <p:spPr>
+          <a:xfrm flipH="1">
+            <a:off x="3206657" y="4512351"/>
+            <a:ext cx="1186765" cy="0"/>
+          </a:xfrm>
+          <a:prstGeom prst="straightConnector1">
+            <a:avLst/>
+          </a:prstGeom>
+          <a:ln w="9525">
+            <a:solidFill>
+              <a:schemeClr val="tx1"/>
+            </a:solidFill>
+            <a:tailEnd type="triangle"/>
+          </a:ln>
+        </p:spPr>
+        <p:style>
+          <a:lnRef idx="1">
+            <a:schemeClr val="accent1"/>
+          </a:lnRef>
+          <a:fillRef idx="0">
+            <a:schemeClr val="accent1"/>
+          </a:fillRef>
+          <a:effectRef idx="0">
+            <a:schemeClr val="accent1"/>
+          </a:effectRef>
+          <a:fontRef idx="minor">
+            <a:schemeClr val="tx1"/>
+          </a:fontRef>
+        </p:style>
+      </p:cxnSp>
+      <p:cxnSp>
+        <p:nvCxnSpPr>
+          <p:cNvPr id="166" name="Straight Connector 165">
+            <a:extLst>
+              <a:ext uri="{FF2B5EF4-FFF2-40B4-BE49-F238E27FC236}">
+                <a16:creationId xmlns:a16="http://schemas.microsoft.com/office/drawing/2014/main" id="{BF35F3B7-BA5F-4740-B113-7D5F0023435C}"/>
+              </a:ext>
+            </a:extLst>
+          </p:cNvPr>
+          <p:cNvCxnSpPr/>
+          <p:nvPr/>
+        </p:nvCxnSpPr>
+        <p:spPr>
+          <a:xfrm flipH="1">
+            <a:off x="4398227" y="2781229"/>
+            <a:ext cx="1" cy="1734499"/>
+          </a:xfrm>
+          <a:prstGeom prst="line">
+            <a:avLst/>
+          </a:prstGeom>
+          <a:ln w="9525">
+            <a:solidFill>
+              <a:schemeClr val="tx1"/>
+            </a:solidFill>
+          </a:ln>
+        </p:spPr>
+        <p:style>
+          <a:lnRef idx="1">
+            <a:schemeClr val="accent1"/>
+          </a:lnRef>
+          <a:fillRef idx="0">
+            <a:schemeClr val="accent1"/>
+          </a:fillRef>
+          <a:effectRef idx="0">
+            <a:schemeClr val="accent1"/>
+          </a:effectRef>
+          <a:fontRef idx="minor">
+            <a:schemeClr val="tx1"/>
+          </a:fontRef>
+        </p:style>
+      </p:cxnSp>
+      <p:cxnSp>
+        <p:nvCxnSpPr>
+          <p:cNvPr id="169" name="Straight Arrow Connector 168">
+            <a:extLst>
+              <a:ext uri="{FF2B5EF4-FFF2-40B4-BE49-F238E27FC236}">
+                <a16:creationId xmlns:a16="http://schemas.microsoft.com/office/drawing/2014/main" id="{534B27D9-05C4-48B9-9B7D-F4CE4CE51C80}"/>
+              </a:ext>
+            </a:extLst>
+          </p:cNvPr>
+          <p:cNvCxnSpPr>
+            <a:cxnSpLocks/>
+          </p:cNvCxnSpPr>
+          <p:nvPr/>
+        </p:nvCxnSpPr>
+        <p:spPr>
+          <a:xfrm flipH="1">
+            <a:off x="3707620" y="6946853"/>
+            <a:ext cx="1078877" cy="0"/>
+          </a:xfrm>
+          <a:prstGeom prst="straightConnector1">
+            <a:avLst/>
+          </a:prstGeom>
+          <a:ln w="9525">
+            <a:solidFill>
+              <a:srgbClr val="FF0000"/>
+            </a:solidFill>
+            <a:tailEnd type="triangle"/>
+          </a:ln>
+        </p:spPr>
+        <p:style>
+          <a:lnRef idx="1">
+            <a:schemeClr val="accent1"/>
+          </a:lnRef>
+          <a:fillRef idx="0">
+            <a:schemeClr val="accent1"/>
+          </a:fillRef>
+          <a:effectRef idx="0">
+            <a:schemeClr val="accent1"/>
+          </a:effectRef>
+          <a:fontRef idx="minor">
+            <a:schemeClr val="tx1"/>
+          </a:fontRef>
+        </p:style>
+      </p:cxnSp>
+      <p:cxnSp>
+        <p:nvCxnSpPr>
+          <p:cNvPr id="171" name="Straight Arrow Connector 170">
+            <a:extLst>
+              <a:ext uri="{FF2B5EF4-FFF2-40B4-BE49-F238E27FC236}">
+                <a16:creationId xmlns:a16="http://schemas.microsoft.com/office/drawing/2014/main" id="{663EA009-7A37-4BE8-9A68-3DB9D98D41CC}"/>
+              </a:ext>
+            </a:extLst>
+          </p:cNvPr>
+          <p:cNvCxnSpPr>
+            <a:cxnSpLocks/>
+          </p:cNvCxnSpPr>
+          <p:nvPr/>
+        </p:nvCxnSpPr>
+        <p:spPr>
+          <a:xfrm flipH="1">
+            <a:off x="2172321" y="6179879"/>
+            <a:ext cx="2283" cy="482143"/>
+          </a:xfrm>
+          <a:prstGeom prst="straightConnector1">
+            <a:avLst/>
+          </a:prstGeom>
+          <a:ln w="9525">
+            <a:solidFill>
+              <a:schemeClr val="tx1"/>
+            </a:solidFill>
+            <a:tailEnd type="triangle"/>
+          </a:ln>
+        </p:spPr>
+        <p:style>
+          <a:lnRef idx="1">
+            <a:schemeClr val="accent1"/>
+          </a:lnRef>
+          <a:fillRef idx="0">
+            <a:schemeClr val="accent1"/>
+          </a:fillRef>
+          <a:effectRef idx="0">
+            <a:schemeClr val="accent1"/>
+          </a:effectRef>
+          <a:fontRef idx="minor">
+            <a:schemeClr val="tx1"/>
+          </a:fontRef>
+        </p:style>
+      </p:cxnSp>
+      <p:cxnSp>
+        <p:nvCxnSpPr>
+          <p:cNvPr id="175" name="Straight Arrow Connector 174">
+            <a:extLst>
+              <a:ext uri="{FF2B5EF4-FFF2-40B4-BE49-F238E27FC236}">
+                <a16:creationId xmlns:a16="http://schemas.microsoft.com/office/drawing/2014/main" id="{AF84A429-61E5-4732-A27D-DEAC4CF53B42}"/>
+              </a:ext>
+            </a:extLst>
+          </p:cNvPr>
+          <p:cNvCxnSpPr>
+            <a:cxnSpLocks/>
+          </p:cNvCxnSpPr>
+          <p:nvPr/>
+        </p:nvCxnSpPr>
+        <p:spPr>
+          <a:xfrm>
+            <a:off x="1267799" y="6213455"/>
+            <a:ext cx="503304" cy="0"/>
+          </a:xfrm>
+          <a:prstGeom prst="straightConnector1">
+            <a:avLst/>
+          </a:prstGeom>
+          <a:ln w="9525">
+            <a:solidFill>
+              <a:srgbClr val="FF0000"/>
+            </a:solidFill>
+            <a:tailEnd type="triangle"/>
+          </a:ln>
+        </p:spPr>
+        <p:style>
+          <a:lnRef idx="1">
+            <a:schemeClr val="accent1"/>
+          </a:lnRef>
+          <a:fillRef idx="0">
+            <a:schemeClr val="accent1"/>
+          </a:fillRef>
+          <a:effectRef idx="0">
+            <a:schemeClr val="accent1"/>
+          </a:effectRef>
+          <a:fontRef idx="minor">
+            <a:schemeClr val="tx1"/>
+          </a:fontRef>
+        </p:style>
+      </p:cxnSp>
+      <p:sp>
+        <p:nvSpPr>
+          <p:cNvPr id="40" name="TextBox 39">
+            <a:extLst>
+              <a:ext uri="{FF2B5EF4-FFF2-40B4-BE49-F238E27FC236}">
+                <a16:creationId xmlns:a16="http://schemas.microsoft.com/office/drawing/2014/main" id="{D29EBCB2-DAFE-4E53-9427-A32478F274C9}"/>
+              </a:ext>
+            </a:extLst>
+          </p:cNvPr>
+          <p:cNvSpPr txBox="1"/>
+          <p:nvPr/>
+        </p:nvSpPr>
+        <p:spPr>
+          <a:xfrm>
+            <a:off x="916066" y="3094412"/>
+            <a:ext cx="709201" cy="400110"/>
+          </a:xfrm>
+          <a:prstGeom prst="rect">
+            <a:avLst/>
+          </a:prstGeom>
+          <a:solidFill>
+            <a:srgbClr val="FFC000"/>
+          </a:solidFill>
+          <a:ln w="9525">
+            <a:solidFill>
+              <a:schemeClr val="tx1"/>
+            </a:solidFill>
+          </a:ln>
+        </p:spPr>
+        <p:txBody>
+          <a:bodyPr wrap="square" rtlCol="0">
+            <a:spAutoFit/>
+          </a:bodyPr>
+          <a:lstStyle/>
+          <a:p>
+            <a:pPr algn="ctr"/>
+            <a:r>
+              <a:rPr lang="en-US" sz="1000" dirty="0"/>
+              <a:t>Soil Erosion</a:t>
+            </a:r>
+          </a:p>
+        </p:txBody>
+      </p:sp>
+      <p:sp>
+        <p:nvSpPr>
+          <p:cNvPr id="86" name="TextBox 85">
+            <a:extLst>
+              <a:ext uri="{FF2B5EF4-FFF2-40B4-BE49-F238E27FC236}">
+                <a16:creationId xmlns:a16="http://schemas.microsoft.com/office/drawing/2014/main" id="{8FF35A50-2D70-45A5-97C0-09FA7E9396C3}"/>
+              </a:ext>
+            </a:extLst>
+          </p:cNvPr>
+          <p:cNvSpPr txBox="1"/>
+          <p:nvPr/>
+        </p:nvSpPr>
+        <p:spPr>
+          <a:xfrm>
+            <a:off x="4024683" y="4960752"/>
+            <a:ext cx="1614352" cy="553998"/>
+          </a:xfrm>
+          <a:prstGeom prst="rect">
+            <a:avLst/>
+          </a:prstGeom>
+          <a:solidFill>
+            <a:srgbClr val="FFC000"/>
+          </a:solidFill>
+          <a:ln w="9525">
+            <a:solidFill>
+              <a:schemeClr val="tx1"/>
+            </a:solidFill>
+          </a:ln>
+        </p:spPr>
+        <p:txBody>
+          <a:bodyPr wrap="square" rtlCol="0" anchor="ctr">
+            <a:spAutoFit/>
+          </a:bodyPr>
+          <a:lstStyle/>
+          <a:p>
+            <a:pPr algn="ctr"/>
+            <a:endParaRPr lang="en-US" sz="1000" dirty="0"/>
+          </a:p>
+          <a:p>
+            <a:pPr algn="ctr"/>
+            <a:r>
+              <a:rPr lang="en-US" sz="1000" dirty="0"/>
+              <a:t>Soil porosity</a:t>
+            </a:r>
+          </a:p>
+          <a:p>
+            <a:pPr algn="ctr"/>
+            <a:endParaRPr lang="en-US" sz="1000" dirty="0"/>
+          </a:p>
+        </p:txBody>
+      </p:sp>
+      <p:sp>
+        <p:nvSpPr>
+          <p:cNvPr id="16" name="TextBox 15">
+            <a:extLst>
+              <a:ext uri="{FF2B5EF4-FFF2-40B4-BE49-F238E27FC236}">
+                <a16:creationId xmlns:a16="http://schemas.microsoft.com/office/drawing/2014/main" id="{6EFC2D2F-82ED-4332-86E1-5D3DCB71E395}"/>
+              </a:ext>
+            </a:extLst>
+          </p:cNvPr>
+          <p:cNvSpPr txBox="1"/>
+          <p:nvPr/>
+        </p:nvSpPr>
+        <p:spPr>
+          <a:xfrm>
+            <a:off x="4286967" y="2570322"/>
+            <a:ext cx="655608" cy="400110"/>
+          </a:xfrm>
+          <a:prstGeom prst="rect">
+            <a:avLst/>
+          </a:prstGeom>
+          <a:solidFill>
+            <a:srgbClr val="FFC000"/>
+          </a:solidFill>
+          <a:ln w="9525">
+            <a:solidFill>
+              <a:schemeClr val="tx1"/>
+            </a:solidFill>
+          </a:ln>
+        </p:spPr>
+        <p:txBody>
+          <a:bodyPr wrap="square" rtlCol="0">
+            <a:spAutoFit/>
+          </a:bodyPr>
+          <a:lstStyle/>
+          <a:p>
+            <a:pPr algn="ctr"/>
+            <a:r>
+              <a:rPr lang="en-US" sz="1000" dirty="0"/>
+              <a:t>Soil Biology</a:t>
+            </a:r>
+          </a:p>
+        </p:txBody>
+      </p:sp>
+      <p:sp>
+        <p:nvSpPr>
+          <p:cNvPr id="96" name="TextBox 95">
+            <a:extLst>
+              <a:ext uri="{FF2B5EF4-FFF2-40B4-BE49-F238E27FC236}">
+                <a16:creationId xmlns:a16="http://schemas.microsoft.com/office/drawing/2014/main" id="{072EE3DC-7571-43F1-B7BC-E9FB70EDEBA6}"/>
+              </a:ext>
+            </a:extLst>
+          </p:cNvPr>
+          <p:cNvSpPr txBox="1"/>
+          <p:nvPr/>
+        </p:nvSpPr>
+        <p:spPr>
+          <a:xfrm>
+            <a:off x="4300725" y="7367665"/>
+            <a:ext cx="873188" cy="400110"/>
+          </a:xfrm>
+          <a:prstGeom prst="rect">
+            <a:avLst/>
+          </a:prstGeom>
+          <a:solidFill>
+            <a:schemeClr val="bg2"/>
+          </a:solidFill>
+          <a:ln w="9525">
+            <a:solidFill>
+              <a:schemeClr val="tx1"/>
+            </a:solidFill>
+          </a:ln>
+        </p:spPr>
+        <p:txBody>
+          <a:bodyPr wrap="square" rtlCol="0">
+            <a:spAutoFit/>
+          </a:bodyPr>
+          <a:lstStyle/>
+          <a:p>
+            <a:pPr algn="ctr"/>
+            <a:r>
+              <a:rPr lang="en-US" sz="1000" dirty="0"/>
+              <a:t>Soil water at saturation</a:t>
+            </a:r>
+          </a:p>
+        </p:txBody>
+      </p:sp>
+      <p:sp>
+        <p:nvSpPr>
+          <p:cNvPr id="53" name="Rectangle 52">
+            <a:extLst>
+              <a:ext uri="{FF2B5EF4-FFF2-40B4-BE49-F238E27FC236}">
+                <a16:creationId xmlns:a16="http://schemas.microsoft.com/office/drawing/2014/main" id="{9D7E2AF7-1946-4EEA-83B6-3F3D8E0738EE}"/>
+              </a:ext>
+            </a:extLst>
+          </p:cNvPr>
+          <p:cNvSpPr/>
+          <p:nvPr/>
+        </p:nvSpPr>
+        <p:spPr>
+          <a:xfrm>
+            <a:off x="1920371" y="4473720"/>
+            <a:ext cx="148990" cy="95788"/>
+          </a:xfrm>
+          <a:prstGeom prst="rect">
+            <a:avLst/>
+          </a:prstGeom>
+          <a:solidFill>
+            <a:schemeClr val="bg1"/>
+          </a:solidFill>
+          <a:ln w="9525">
+            <a:solidFill>
+              <a:schemeClr val="bg1"/>
+            </a:solidFill>
+          </a:ln>
+        </p:spPr>
+        <p:style>
+          <a:lnRef idx="2">
+            <a:schemeClr val="accent1">
+              <a:shade val="50000"/>
+            </a:schemeClr>
+          </a:lnRef>
+          <a:fillRef idx="1">
+            <a:schemeClr val="accent1"/>
+          </a:fillRef>
+          <a:effectRef idx="0">
+            <a:schemeClr val="accent1"/>
+          </a:effectRef>
+          <a:fontRef idx="minor">
+            <a:schemeClr val="lt1"/>
+          </a:fontRef>
+        </p:style>
+        <p:txBody>
+          <a:bodyPr rtlCol="0" anchor="ctr"/>
+          <a:lstStyle/>
+          <a:p>
+            <a:pPr algn="ctr"/>
+            <a:endParaRPr lang="en-US"/>
+          </a:p>
+        </p:txBody>
+      </p:sp>
+      <p:cxnSp>
+        <p:nvCxnSpPr>
+          <p:cNvPr id="156" name="Straight Arrow Connector 155">
+            <a:extLst>
+              <a:ext uri="{FF2B5EF4-FFF2-40B4-BE49-F238E27FC236}">
+                <a16:creationId xmlns:a16="http://schemas.microsoft.com/office/drawing/2014/main" id="{F2F5C4B5-3009-4604-B153-A758FB3D3B9F}"/>
+              </a:ext>
+            </a:extLst>
+          </p:cNvPr>
+          <p:cNvCxnSpPr>
+            <a:cxnSpLocks/>
+          </p:cNvCxnSpPr>
+          <p:nvPr/>
+        </p:nvCxnSpPr>
+        <p:spPr>
+          <a:xfrm>
+            <a:off x="2201869" y="2693174"/>
+            <a:ext cx="1" cy="766136"/>
+          </a:xfrm>
+          <a:prstGeom prst="straightConnector1">
+            <a:avLst/>
+          </a:prstGeom>
+          <a:ln w="9525">
+            <a:solidFill>
+              <a:schemeClr val="tx1"/>
+            </a:solidFill>
+            <a:tailEnd type="triangle"/>
+          </a:ln>
+        </p:spPr>
+        <p:style>
+          <a:lnRef idx="1">
+            <a:schemeClr val="accent1"/>
+          </a:lnRef>
+          <a:fillRef idx="0">
+            <a:schemeClr val="accent1"/>
+          </a:fillRef>
+          <a:effectRef idx="0">
+            <a:schemeClr val="accent1"/>
+          </a:effectRef>
+          <a:fontRef idx="minor">
+            <a:schemeClr val="tx1"/>
+          </a:fontRef>
+        </p:style>
+      </p:cxnSp>
+      <p:sp>
+        <p:nvSpPr>
+          <p:cNvPr id="55" name="Rectangle 54">
+            <a:extLst>
+              <a:ext uri="{FF2B5EF4-FFF2-40B4-BE49-F238E27FC236}">
+                <a16:creationId xmlns:a16="http://schemas.microsoft.com/office/drawing/2014/main" id="{23B64D1E-71E7-4B90-852C-1FFD78174AB2}"/>
+              </a:ext>
+            </a:extLst>
+          </p:cNvPr>
+          <p:cNvSpPr/>
+          <p:nvPr/>
+        </p:nvSpPr>
+        <p:spPr>
+          <a:xfrm>
+            <a:off x="1932029" y="5628836"/>
+            <a:ext cx="123132" cy="95788"/>
+          </a:xfrm>
+          <a:prstGeom prst="rect">
+            <a:avLst/>
+          </a:prstGeom>
+          <a:solidFill>
+            <a:schemeClr val="bg1"/>
+          </a:solidFill>
+          <a:ln w="9525">
+            <a:solidFill>
+              <a:schemeClr val="bg1"/>
+            </a:solidFill>
+          </a:ln>
+        </p:spPr>
+        <p:style>
+          <a:lnRef idx="2">
+            <a:schemeClr val="accent1">
+              <a:shade val="50000"/>
+            </a:schemeClr>
+          </a:lnRef>
+          <a:fillRef idx="1">
+            <a:schemeClr val="accent1"/>
+          </a:fillRef>
+          <a:effectRef idx="0">
+            <a:schemeClr val="accent1"/>
+          </a:effectRef>
+          <a:fontRef idx="minor">
+            <a:schemeClr val="lt1"/>
+          </a:fontRef>
+        </p:style>
+        <p:txBody>
+          <a:bodyPr rtlCol="0" anchor="ctr"/>
+          <a:lstStyle/>
+          <a:p>
+            <a:pPr algn="ctr"/>
+            <a:endParaRPr lang="en-US"/>
+          </a:p>
+        </p:txBody>
+      </p:sp>
+      <p:sp>
+        <p:nvSpPr>
+          <p:cNvPr id="56" name="Rectangle 55">
+            <a:extLst>
+              <a:ext uri="{FF2B5EF4-FFF2-40B4-BE49-F238E27FC236}">
+                <a16:creationId xmlns:a16="http://schemas.microsoft.com/office/drawing/2014/main" id="{36661A51-A0F5-4A10-BC66-CD93694E17DC}"/>
+              </a:ext>
+            </a:extLst>
+          </p:cNvPr>
+          <p:cNvSpPr/>
+          <p:nvPr/>
+        </p:nvSpPr>
+        <p:spPr>
+          <a:xfrm>
+            <a:off x="2792255" y="5609413"/>
+            <a:ext cx="123132" cy="95788"/>
+          </a:xfrm>
+          <a:prstGeom prst="rect">
+            <a:avLst/>
+          </a:prstGeom>
+          <a:solidFill>
+            <a:schemeClr val="bg1"/>
+          </a:solidFill>
+          <a:ln w="9525">
+            <a:solidFill>
+              <a:schemeClr val="bg1"/>
+            </a:solidFill>
+          </a:ln>
+        </p:spPr>
+        <p:style>
+          <a:lnRef idx="2">
+            <a:schemeClr val="accent1">
+              <a:shade val="50000"/>
+            </a:schemeClr>
+          </a:lnRef>
+          <a:fillRef idx="1">
+            <a:schemeClr val="accent1"/>
+          </a:fillRef>
+          <a:effectRef idx="0">
+            <a:schemeClr val="accent1"/>
+          </a:effectRef>
+          <a:fontRef idx="minor">
+            <a:schemeClr val="lt1"/>
+          </a:fontRef>
+        </p:style>
+        <p:txBody>
+          <a:bodyPr rtlCol="0" anchor="ctr"/>
+          <a:lstStyle/>
+          <a:p>
+            <a:pPr algn="ctr"/>
+            <a:endParaRPr lang="en-US"/>
+          </a:p>
+        </p:txBody>
+      </p:sp>
+      <p:cxnSp>
+        <p:nvCxnSpPr>
+          <p:cNvPr id="173" name="Straight Arrow Connector 172">
+            <a:extLst>
+              <a:ext uri="{FF2B5EF4-FFF2-40B4-BE49-F238E27FC236}">
+                <a16:creationId xmlns:a16="http://schemas.microsoft.com/office/drawing/2014/main" id="{8805674A-7166-4CBD-9F3E-9EB4FB455B28}"/>
+              </a:ext>
+            </a:extLst>
+          </p:cNvPr>
+          <p:cNvCxnSpPr>
+            <a:cxnSpLocks/>
+          </p:cNvCxnSpPr>
+          <p:nvPr/>
+        </p:nvCxnSpPr>
+        <p:spPr>
+          <a:xfrm flipH="1">
+            <a:off x="2002143" y="3738777"/>
+            <a:ext cx="4104" cy="2336655"/>
+          </a:xfrm>
+          <a:prstGeom prst="straightConnector1">
+            <a:avLst/>
+          </a:prstGeom>
+          <a:ln w="9525">
+            <a:solidFill>
+              <a:schemeClr val="tx1"/>
+            </a:solidFill>
+            <a:tailEnd type="triangle"/>
+          </a:ln>
+        </p:spPr>
+        <p:style>
+          <a:lnRef idx="1">
+            <a:schemeClr val="accent1"/>
+          </a:lnRef>
+          <a:fillRef idx="0">
+            <a:schemeClr val="accent1"/>
+          </a:fillRef>
+          <a:effectRef idx="0">
+            <a:schemeClr val="accent1"/>
+          </a:effectRef>
+          <a:fontRef idx="minor">
+            <a:schemeClr val="tx1"/>
+          </a:fontRef>
+        </p:style>
+      </p:cxnSp>
+      <p:sp>
+        <p:nvSpPr>
+          <p:cNvPr id="58" name="Rectangle 57">
+            <a:extLst>
+              <a:ext uri="{FF2B5EF4-FFF2-40B4-BE49-F238E27FC236}">
+                <a16:creationId xmlns:a16="http://schemas.microsoft.com/office/drawing/2014/main" id="{5E006E4D-0623-40B1-B8A2-E05513A47854}"/>
+              </a:ext>
+            </a:extLst>
+          </p:cNvPr>
+          <p:cNvSpPr/>
+          <p:nvPr/>
+        </p:nvSpPr>
+        <p:spPr>
+          <a:xfrm>
+            <a:off x="3496961" y="4470979"/>
+            <a:ext cx="123132" cy="95788"/>
+          </a:xfrm>
+          <a:prstGeom prst="rect">
+            <a:avLst/>
+          </a:prstGeom>
+          <a:solidFill>
+            <a:schemeClr val="bg1"/>
+          </a:solidFill>
+          <a:ln w="9525">
+            <a:solidFill>
+              <a:schemeClr val="bg1"/>
+            </a:solidFill>
+          </a:ln>
+        </p:spPr>
+        <p:style>
+          <a:lnRef idx="2">
+            <a:schemeClr val="accent1">
+              <a:shade val="50000"/>
+            </a:schemeClr>
+          </a:lnRef>
+          <a:fillRef idx="1">
+            <a:schemeClr val="accent1"/>
+          </a:fillRef>
+          <a:effectRef idx="0">
+            <a:schemeClr val="accent1"/>
+          </a:effectRef>
+          <a:fontRef idx="minor">
+            <a:schemeClr val="lt1"/>
+          </a:fontRef>
+        </p:style>
+        <p:txBody>
+          <a:bodyPr rtlCol="0" anchor="ctr"/>
+          <a:lstStyle/>
+          <a:p>
+            <a:pPr algn="ctr"/>
+            <a:endParaRPr lang="en-US"/>
+          </a:p>
+        </p:txBody>
+      </p:sp>
+      <p:cxnSp>
+        <p:nvCxnSpPr>
+          <p:cNvPr id="92" name="Straight Arrow Connector 91">
+            <a:extLst>
+              <a:ext uri="{FF2B5EF4-FFF2-40B4-BE49-F238E27FC236}">
+                <a16:creationId xmlns:a16="http://schemas.microsoft.com/office/drawing/2014/main" id="{D1103426-A3EB-44E5-B05A-CF3D80637CAA}"/>
+              </a:ext>
+            </a:extLst>
+          </p:cNvPr>
+          <p:cNvCxnSpPr>
+            <a:cxnSpLocks/>
+          </p:cNvCxnSpPr>
+          <p:nvPr/>
+        </p:nvCxnSpPr>
+        <p:spPr>
+          <a:xfrm>
+            <a:off x="3561413" y="2832304"/>
+            <a:ext cx="58680" cy="1176220"/>
+          </a:xfrm>
+          <a:prstGeom prst="straightConnector1">
+            <a:avLst/>
+          </a:prstGeom>
+          <a:ln w="9525">
+            <a:solidFill>
+              <a:schemeClr val="tx1"/>
+            </a:solidFill>
+            <a:tailEnd type="triangle"/>
+          </a:ln>
+        </p:spPr>
+        <p:style>
+          <a:lnRef idx="1">
+            <a:schemeClr val="accent1"/>
+          </a:lnRef>
+          <a:fillRef idx="0">
+            <a:schemeClr val="accent1"/>
+          </a:fillRef>
+          <a:effectRef idx="0">
+            <a:schemeClr val="accent1"/>
+          </a:effectRef>
+          <a:fontRef idx="minor">
+            <a:schemeClr val="tx1"/>
+          </a:fontRef>
+        </p:style>
+      </p:cxnSp>
+      <p:sp>
+        <p:nvSpPr>
+          <p:cNvPr id="5" name="TextBox 4">
+            <a:extLst>
+              <a:ext uri="{FF2B5EF4-FFF2-40B4-BE49-F238E27FC236}">
+                <a16:creationId xmlns:a16="http://schemas.microsoft.com/office/drawing/2014/main" id="{FB7D1191-B076-4898-9B0F-3270A8A581F9}"/>
+              </a:ext>
+            </a:extLst>
+          </p:cNvPr>
+          <p:cNvSpPr txBox="1"/>
+          <p:nvPr/>
+        </p:nvSpPr>
+        <p:spPr>
+          <a:xfrm>
+            <a:off x="1593915" y="1937987"/>
+            <a:ext cx="3536829" cy="276999"/>
+          </a:xfrm>
+          <a:prstGeom prst="rect">
+            <a:avLst/>
+          </a:prstGeom>
+          <a:solidFill>
+            <a:srgbClr val="21D109"/>
+          </a:solidFill>
+        </p:spPr>
+        <p:txBody>
+          <a:bodyPr wrap="square" rtlCol="0">
+            <a:spAutoFit/>
+          </a:bodyPr>
+          <a:lstStyle/>
+          <a:p>
+            <a:pPr algn="ctr"/>
+            <a:r>
+              <a:rPr lang="en-US" sz="1200" dirty="0"/>
+              <a:t>Cover Crops</a:t>
+            </a:r>
+          </a:p>
+        </p:txBody>
+      </p:sp>
+      <p:sp>
+        <p:nvSpPr>
+          <p:cNvPr id="27" name="TextBox 26">
+            <a:extLst>
+              <a:ext uri="{FF2B5EF4-FFF2-40B4-BE49-F238E27FC236}">
+                <a16:creationId xmlns:a16="http://schemas.microsoft.com/office/drawing/2014/main" id="{A8BF0BC3-B10A-4BC5-9397-D880332680E1}"/>
+              </a:ext>
+            </a:extLst>
+          </p:cNvPr>
+          <p:cNvSpPr txBox="1"/>
+          <p:nvPr/>
+        </p:nvSpPr>
+        <p:spPr>
+          <a:xfrm>
+            <a:off x="1880408" y="2534812"/>
+            <a:ext cx="660241" cy="556775"/>
+          </a:xfrm>
+          <a:prstGeom prst="rect">
+            <a:avLst/>
+          </a:prstGeom>
+          <a:solidFill>
+            <a:schemeClr val="bg2"/>
+          </a:solidFill>
+          <a:ln w="9525">
+            <a:solidFill>
+              <a:schemeClr val="tx1"/>
+            </a:solidFill>
+          </a:ln>
+        </p:spPr>
+        <p:txBody>
+          <a:bodyPr wrap="square" rtlCol="0">
+            <a:spAutoFit/>
+          </a:bodyPr>
+          <a:lstStyle/>
+          <a:p>
+            <a:pPr algn="ctr"/>
+            <a:r>
+              <a:rPr lang="en-US" sz="1000" dirty="0"/>
+              <a:t>Above-ground biomass</a:t>
+            </a:r>
+          </a:p>
+        </p:txBody>
+      </p:sp>
+      <p:sp>
+        <p:nvSpPr>
+          <p:cNvPr id="64" name="TextBox 63">
+            <a:extLst>
+              <a:ext uri="{FF2B5EF4-FFF2-40B4-BE49-F238E27FC236}">
+                <a16:creationId xmlns:a16="http://schemas.microsoft.com/office/drawing/2014/main" id="{A8FAAB48-F50B-4F05-9A35-72A681704C37}"/>
+              </a:ext>
+            </a:extLst>
+          </p:cNvPr>
+          <p:cNvSpPr txBox="1"/>
+          <p:nvPr/>
+        </p:nvSpPr>
+        <p:spPr>
+          <a:xfrm>
+            <a:off x="1715524" y="6661093"/>
+            <a:ext cx="891434" cy="413010"/>
+          </a:xfrm>
+          <a:prstGeom prst="rect">
+            <a:avLst/>
+          </a:prstGeom>
+          <a:solidFill>
+            <a:schemeClr val="bg2"/>
+          </a:solidFill>
+          <a:ln w="9525">
+            <a:solidFill>
+              <a:schemeClr val="tx1"/>
+            </a:solidFill>
+          </a:ln>
+        </p:spPr>
+        <p:txBody>
+          <a:bodyPr wrap="square" rtlCol="0">
+            <a:spAutoFit/>
+          </a:bodyPr>
+          <a:lstStyle/>
+          <a:p>
+            <a:pPr algn="ctr"/>
+            <a:r>
+              <a:rPr lang="en-US" sz="1000" dirty="0"/>
+              <a:t>Pore size distributions</a:t>
+            </a:r>
+          </a:p>
+        </p:txBody>
+      </p:sp>
+      <p:sp>
+        <p:nvSpPr>
+          <p:cNvPr id="88" name="TextBox 87">
+            <a:extLst>
+              <a:ext uri="{FF2B5EF4-FFF2-40B4-BE49-F238E27FC236}">
+                <a16:creationId xmlns:a16="http://schemas.microsoft.com/office/drawing/2014/main" id="{A39D2850-50A4-44CE-90DE-AD3BCB951000}"/>
+              </a:ext>
+            </a:extLst>
+          </p:cNvPr>
+          <p:cNvSpPr txBox="1"/>
+          <p:nvPr/>
+        </p:nvSpPr>
+        <p:spPr>
+          <a:xfrm>
+            <a:off x="4322263" y="6742194"/>
+            <a:ext cx="769153" cy="400110"/>
+          </a:xfrm>
+          <a:prstGeom prst="rect">
+            <a:avLst/>
+          </a:prstGeom>
+          <a:solidFill>
+            <a:schemeClr val="bg2"/>
+          </a:solidFill>
+          <a:ln w="9525">
+            <a:solidFill>
+              <a:schemeClr val="tx1"/>
+            </a:solidFill>
+          </a:ln>
+        </p:spPr>
+        <p:txBody>
+          <a:bodyPr wrap="square" rtlCol="0">
+            <a:spAutoFit/>
+          </a:bodyPr>
+          <a:lstStyle/>
+          <a:p>
+            <a:pPr algn="ctr"/>
+            <a:r>
+              <a:rPr lang="en-US" sz="1000" dirty="0"/>
+              <a:t>Bulk density</a:t>
+            </a:r>
+          </a:p>
+        </p:txBody>
+      </p:sp>
+      <p:sp>
+        <p:nvSpPr>
+          <p:cNvPr id="170" name="TextBox 169">
+            <a:extLst>
+              <a:ext uri="{FF2B5EF4-FFF2-40B4-BE49-F238E27FC236}">
+                <a16:creationId xmlns:a16="http://schemas.microsoft.com/office/drawing/2014/main" id="{68630CDA-D7CB-4F71-94FA-BDABED5E88FE}"/>
+              </a:ext>
+            </a:extLst>
+          </p:cNvPr>
+          <p:cNvSpPr txBox="1"/>
+          <p:nvPr/>
+        </p:nvSpPr>
+        <p:spPr>
+          <a:xfrm>
+            <a:off x="1776248" y="6070467"/>
+            <a:ext cx="2155146" cy="246221"/>
+          </a:xfrm>
+          <a:prstGeom prst="rect">
+            <a:avLst/>
+          </a:prstGeom>
+          <a:solidFill>
+            <a:srgbClr val="FFC000"/>
+          </a:solidFill>
+          <a:ln w="9525">
+            <a:solidFill>
+              <a:schemeClr val="tx1"/>
+            </a:solidFill>
+          </a:ln>
+        </p:spPr>
+        <p:txBody>
+          <a:bodyPr wrap="square" rtlCol="0">
+            <a:spAutoFit/>
+          </a:bodyPr>
+          <a:lstStyle/>
+          <a:p>
+            <a:pPr algn="ctr"/>
+            <a:r>
+              <a:rPr lang="en-US" sz="1000" dirty="0"/>
+              <a:t>Soil structure</a:t>
+            </a:r>
+          </a:p>
+        </p:txBody>
+      </p:sp>
+      <p:cxnSp>
+        <p:nvCxnSpPr>
+          <p:cNvPr id="65" name="Straight Arrow Connector 64">
+            <a:extLst>
+              <a:ext uri="{FF2B5EF4-FFF2-40B4-BE49-F238E27FC236}">
+                <a16:creationId xmlns:a16="http://schemas.microsoft.com/office/drawing/2014/main" id="{6DDDE205-0E35-4E61-A2F7-714AF9A98917}"/>
+              </a:ext>
+            </a:extLst>
+          </p:cNvPr>
+          <p:cNvCxnSpPr>
+            <a:cxnSpLocks/>
+          </p:cNvCxnSpPr>
+          <p:nvPr/>
+        </p:nvCxnSpPr>
+        <p:spPr>
+          <a:xfrm>
+            <a:off x="2593952" y="6947820"/>
+            <a:ext cx="367020" cy="0"/>
+          </a:xfrm>
+          <a:prstGeom prst="straightConnector1">
+            <a:avLst/>
+          </a:prstGeom>
+          <a:ln w="9525">
+            <a:solidFill>
+              <a:schemeClr val="tx1"/>
+            </a:solidFill>
+            <a:tailEnd type="triangle"/>
+          </a:ln>
+        </p:spPr>
+        <p:style>
+          <a:lnRef idx="1">
+            <a:schemeClr val="accent1"/>
+          </a:lnRef>
+          <a:fillRef idx="0">
+            <a:schemeClr val="accent1"/>
+          </a:fillRef>
+          <a:effectRef idx="0">
+            <a:schemeClr val="accent1"/>
+          </a:effectRef>
+          <a:fontRef idx="minor">
+            <a:schemeClr val="tx1"/>
+          </a:fontRef>
+        </p:style>
+      </p:cxnSp>
+      <p:sp>
+        <p:nvSpPr>
+          <p:cNvPr id="51" name="Rectangle 50">
+            <a:extLst>
+              <a:ext uri="{FF2B5EF4-FFF2-40B4-BE49-F238E27FC236}">
+                <a16:creationId xmlns:a16="http://schemas.microsoft.com/office/drawing/2014/main" id="{0E8C0B28-0100-4C8B-826D-37505ABF9D02}"/>
+              </a:ext>
+            </a:extLst>
+          </p:cNvPr>
+          <p:cNvSpPr/>
+          <p:nvPr/>
+        </p:nvSpPr>
+        <p:spPr>
+          <a:xfrm>
+            <a:off x="2225171" y="4504200"/>
+            <a:ext cx="148990" cy="95788"/>
+          </a:xfrm>
+          <a:prstGeom prst="rect">
+            <a:avLst/>
+          </a:prstGeom>
+          <a:solidFill>
+            <a:schemeClr val="bg1"/>
+          </a:solidFill>
+          <a:ln w="9525">
+            <a:solidFill>
+              <a:schemeClr val="bg1"/>
+            </a:solidFill>
+          </a:ln>
+        </p:spPr>
+        <p:style>
+          <a:lnRef idx="2">
+            <a:schemeClr val="accent1">
+              <a:shade val="50000"/>
+            </a:schemeClr>
+          </a:lnRef>
+          <a:fillRef idx="1">
+            <a:schemeClr val="accent1"/>
+          </a:fillRef>
+          <a:effectRef idx="0">
+            <a:schemeClr val="accent1"/>
+          </a:effectRef>
+          <a:fontRef idx="minor">
+            <a:schemeClr val="lt1"/>
+          </a:fontRef>
+        </p:style>
+        <p:txBody>
+          <a:bodyPr rtlCol="0" anchor="ctr"/>
+          <a:lstStyle/>
+          <a:p>
+            <a:pPr algn="ctr"/>
+            <a:endParaRPr lang="en-US"/>
+          </a:p>
+        </p:txBody>
+      </p:sp>
+      <p:sp>
+        <p:nvSpPr>
+          <p:cNvPr id="6" name="TextBox 5">
+            <a:extLst>
+              <a:ext uri="{FF2B5EF4-FFF2-40B4-BE49-F238E27FC236}">
+                <a16:creationId xmlns:a16="http://schemas.microsoft.com/office/drawing/2014/main" id="{21876E51-290C-4303-A6AD-0D8D552ADC8C}"/>
+              </a:ext>
+            </a:extLst>
+          </p:cNvPr>
+          <p:cNvSpPr txBox="1"/>
+          <p:nvPr/>
+        </p:nvSpPr>
+        <p:spPr>
+          <a:xfrm>
+            <a:off x="3062654" y="2549452"/>
+            <a:ext cx="750407" cy="553998"/>
+          </a:xfrm>
+          <a:prstGeom prst="rect">
+            <a:avLst/>
+          </a:prstGeom>
+          <a:solidFill>
+            <a:srgbClr val="FFC000"/>
+          </a:solidFill>
+          <a:ln w="9525">
+            <a:solidFill>
+              <a:schemeClr val="tx1"/>
+            </a:solidFill>
+          </a:ln>
+        </p:spPr>
+        <p:txBody>
+          <a:bodyPr wrap="square" rtlCol="0">
+            <a:spAutoFit/>
+          </a:bodyPr>
+          <a:lstStyle/>
+          <a:p>
+            <a:pPr algn="ctr"/>
+            <a:r>
+              <a:rPr lang="en-US" sz="1000" dirty="0"/>
+              <a:t>Below-ground biomass</a:t>
+            </a:r>
+          </a:p>
+        </p:txBody>
+      </p:sp>
+      <p:cxnSp>
+        <p:nvCxnSpPr>
+          <p:cNvPr id="60" name="Straight Arrow Connector 59">
+            <a:extLst>
+              <a:ext uri="{FF2B5EF4-FFF2-40B4-BE49-F238E27FC236}">
+                <a16:creationId xmlns:a16="http://schemas.microsoft.com/office/drawing/2014/main" id="{C41A3BA8-D62A-4F94-A8B1-2B433E085753}"/>
+              </a:ext>
+            </a:extLst>
+          </p:cNvPr>
+          <p:cNvCxnSpPr>
+            <a:cxnSpLocks/>
+          </p:cNvCxnSpPr>
+          <p:nvPr/>
+        </p:nvCxnSpPr>
+        <p:spPr>
+          <a:xfrm>
+            <a:off x="1265869" y="3679389"/>
+            <a:ext cx="546434" cy="0"/>
+          </a:xfrm>
+          <a:prstGeom prst="straightConnector1">
+            <a:avLst/>
+          </a:prstGeom>
+          <a:ln w="9525">
+            <a:solidFill>
+              <a:srgbClr val="FF0000"/>
+            </a:solidFill>
+            <a:tailEnd type="triangle"/>
+          </a:ln>
+        </p:spPr>
+        <p:style>
+          <a:lnRef idx="1">
+            <a:schemeClr val="accent1"/>
+          </a:lnRef>
+          <a:fillRef idx="0">
+            <a:schemeClr val="accent1"/>
+          </a:fillRef>
+          <a:effectRef idx="0">
+            <a:schemeClr val="accent1"/>
+          </a:effectRef>
+          <a:fontRef idx="minor">
+            <a:schemeClr val="tx1"/>
+          </a:fontRef>
+        </p:style>
+      </p:cxnSp>
+      <p:cxnSp>
+        <p:nvCxnSpPr>
+          <p:cNvPr id="61" name="Straight Arrow Connector 60">
+            <a:extLst>
+              <a:ext uri="{FF2B5EF4-FFF2-40B4-BE49-F238E27FC236}">
+                <a16:creationId xmlns:a16="http://schemas.microsoft.com/office/drawing/2014/main" id="{DDCE518A-146D-422A-8C35-DB1EF2BBEC07}"/>
+              </a:ext>
+            </a:extLst>
+          </p:cNvPr>
+          <p:cNvCxnSpPr>
+            <a:cxnSpLocks/>
+          </p:cNvCxnSpPr>
+          <p:nvPr/>
+        </p:nvCxnSpPr>
+        <p:spPr>
+          <a:xfrm flipH="1">
+            <a:off x="2731404" y="3703629"/>
+            <a:ext cx="513420" cy="0"/>
+          </a:xfrm>
+          <a:prstGeom prst="straightConnector1">
+            <a:avLst/>
+          </a:prstGeom>
+          <a:ln w="9525">
+            <a:solidFill>
+              <a:schemeClr val="tx1"/>
+            </a:solidFill>
+            <a:tailEnd type="triangle"/>
+          </a:ln>
+        </p:spPr>
+        <p:style>
+          <a:lnRef idx="1">
+            <a:schemeClr val="accent1"/>
+          </a:lnRef>
+          <a:fillRef idx="0">
+            <a:schemeClr val="accent1"/>
+          </a:fillRef>
+          <a:effectRef idx="0">
+            <a:schemeClr val="accent1"/>
+          </a:effectRef>
+          <a:fontRef idx="minor">
+            <a:schemeClr val="tx1"/>
+          </a:fontRef>
+        </p:style>
+      </p:cxnSp>
+      <p:cxnSp>
+        <p:nvCxnSpPr>
+          <p:cNvPr id="63" name="Straight Connector 62">
+            <a:extLst>
+              <a:ext uri="{FF2B5EF4-FFF2-40B4-BE49-F238E27FC236}">
+                <a16:creationId xmlns:a16="http://schemas.microsoft.com/office/drawing/2014/main" id="{34571847-4C88-42EA-8F10-811CC07CB5AD}"/>
+              </a:ext>
+            </a:extLst>
+          </p:cNvPr>
+          <p:cNvCxnSpPr/>
+          <p:nvPr/>
+        </p:nvCxnSpPr>
+        <p:spPr>
+          <a:xfrm flipH="1">
+            <a:off x="2300017" y="3677251"/>
+            <a:ext cx="1" cy="1734499"/>
+          </a:xfrm>
+          <a:prstGeom prst="line">
+            <a:avLst/>
+          </a:prstGeom>
+          <a:ln w="9525">
+            <a:solidFill>
+              <a:schemeClr val="tx1"/>
+            </a:solidFill>
+          </a:ln>
+        </p:spPr>
+        <p:style>
+          <a:lnRef idx="1">
+            <a:schemeClr val="accent1"/>
+          </a:lnRef>
+          <a:fillRef idx="0">
+            <a:schemeClr val="accent1"/>
+          </a:fillRef>
+          <a:effectRef idx="0">
+            <a:schemeClr val="accent1"/>
+          </a:effectRef>
+          <a:fontRef idx="minor">
+            <a:schemeClr val="tx1"/>
+          </a:fontRef>
+        </p:style>
+      </p:cxnSp>
+      <p:cxnSp>
+        <p:nvCxnSpPr>
+          <p:cNvPr id="62" name="Straight Arrow Connector 61">
+            <a:extLst>
+              <a:ext uri="{FF2B5EF4-FFF2-40B4-BE49-F238E27FC236}">
+                <a16:creationId xmlns:a16="http://schemas.microsoft.com/office/drawing/2014/main" id="{FCC92C22-E29C-422B-85A8-36C0F3462C91}"/>
+              </a:ext>
+            </a:extLst>
+          </p:cNvPr>
+          <p:cNvCxnSpPr>
+            <a:cxnSpLocks/>
+          </p:cNvCxnSpPr>
+          <p:nvPr/>
+        </p:nvCxnSpPr>
+        <p:spPr>
+          <a:xfrm>
+            <a:off x="2300706" y="5411628"/>
+            <a:ext cx="1047149" cy="0"/>
+          </a:xfrm>
+          <a:prstGeom prst="straightConnector1">
+            <a:avLst/>
+          </a:prstGeom>
+          <a:ln w="9525">
+            <a:solidFill>
+              <a:schemeClr val="tx1"/>
+            </a:solidFill>
+            <a:tailEnd type="triangle"/>
+          </a:ln>
+        </p:spPr>
+        <p:style>
+          <a:lnRef idx="1">
+            <a:schemeClr val="accent1"/>
+          </a:lnRef>
+          <a:fillRef idx="0">
+            <a:schemeClr val="accent1"/>
+          </a:fillRef>
+          <a:effectRef idx="0">
+            <a:schemeClr val="accent1"/>
+          </a:effectRef>
+          <a:fontRef idx="minor">
+            <a:schemeClr val="tx1"/>
+          </a:fontRef>
+        </p:style>
+      </p:cxnSp>
+      <p:cxnSp>
+        <p:nvCxnSpPr>
+          <p:cNvPr id="67" name="Straight Arrow Connector 66">
+            <a:extLst>
+              <a:ext uri="{FF2B5EF4-FFF2-40B4-BE49-F238E27FC236}">
+                <a16:creationId xmlns:a16="http://schemas.microsoft.com/office/drawing/2014/main" id="{DA084BF6-9948-48E2-8406-66EED07CC671}"/>
+              </a:ext>
+            </a:extLst>
+          </p:cNvPr>
+          <p:cNvCxnSpPr>
+            <a:cxnSpLocks/>
+          </p:cNvCxnSpPr>
+          <p:nvPr/>
+        </p:nvCxnSpPr>
+        <p:spPr>
+          <a:xfrm>
+            <a:off x="2638445" y="3514470"/>
+            <a:ext cx="1" cy="696487"/>
+          </a:xfrm>
+          <a:prstGeom prst="straightConnector1">
+            <a:avLst/>
+          </a:prstGeom>
+          <a:ln w="9525">
+            <a:solidFill>
+              <a:schemeClr val="tx1"/>
+            </a:solidFill>
+            <a:tailEnd type="triangle"/>
+          </a:ln>
+        </p:spPr>
+        <p:style>
+          <a:lnRef idx="1">
+            <a:schemeClr val="accent1"/>
+          </a:lnRef>
+          <a:fillRef idx="0">
+            <a:schemeClr val="accent1"/>
+          </a:fillRef>
+          <a:effectRef idx="0">
+            <a:schemeClr val="accent1"/>
+          </a:effectRef>
+          <a:fontRef idx="minor">
+            <a:schemeClr val="tx1"/>
+          </a:fontRef>
+        </p:style>
+      </p:cxnSp>
+      <p:sp>
+        <p:nvSpPr>
+          <p:cNvPr id="77" name="TextBox 76">
+            <a:extLst>
+              <a:ext uri="{FF2B5EF4-FFF2-40B4-BE49-F238E27FC236}">
+                <a16:creationId xmlns:a16="http://schemas.microsoft.com/office/drawing/2014/main" id="{592AC19D-B477-462D-A16C-DFA019277B56}"/>
+              </a:ext>
+            </a:extLst>
+          </p:cNvPr>
+          <p:cNvSpPr txBox="1"/>
+          <p:nvPr/>
+        </p:nvSpPr>
+        <p:spPr>
+          <a:xfrm>
+            <a:off x="1837837" y="3478947"/>
+            <a:ext cx="879910" cy="400110"/>
+          </a:xfrm>
+          <a:prstGeom prst="rect">
+            <a:avLst/>
+          </a:prstGeom>
+          <a:solidFill>
+            <a:schemeClr val="bg2"/>
+          </a:solidFill>
+          <a:ln w="9525">
+            <a:solidFill>
+              <a:schemeClr val="tx1"/>
+            </a:solidFill>
+          </a:ln>
+        </p:spPr>
+        <p:txBody>
+          <a:bodyPr wrap="square" rtlCol="0">
+            <a:spAutoFit/>
+          </a:bodyPr>
+          <a:lstStyle/>
+          <a:p>
+            <a:pPr algn="ctr"/>
+            <a:r>
+              <a:rPr lang="en-US" sz="1000" dirty="0"/>
+              <a:t>Soil Organic Matter</a:t>
+            </a:r>
+          </a:p>
+        </p:txBody>
+      </p:sp>
+      <p:sp>
+        <p:nvSpPr>
+          <p:cNvPr id="66" name="Rectangle 65">
+            <a:extLst>
+              <a:ext uri="{FF2B5EF4-FFF2-40B4-BE49-F238E27FC236}">
+                <a16:creationId xmlns:a16="http://schemas.microsoft.com/office/drawing/2014/main" id="{23905BF2-D03B-488F-8B38-8437C2EE7FF2}"/>
+              </a:ext>
+            </a:extLst>
+          </p:cNvPr>
+          <p:cNvSpPr/>
+          <p:nvPr/>
+        </p:nvSpPr>
+        <p:spPr>
+          <a:xfrm>
+            <a:off x="2783959" y="5377790"/>
+            <a:ext cx="148990" cy="95788"/>
+          </a:xfrm>
+          <a:prstGeom prst="rect">
+            <a:avLst/>
+          </a:prstGeom>
+          <a:solidFill>
+            <a:schemeClr val="bg1"/>
+          </a:solidFill>
+          <a:ln w="9525">
+            <a:solidFill>
+              <a:schemeClr val="bg1"/>
+            </a:solidFill>
+          </a:ln>
+        </p:spPr>
+        <p:style>
+          <a:lnRef idx="2">
+            <a:schemeClr val="accent1">
+              <a:shade val="50000"/>
+            </a:schemeClr>
+          </a:lnRef>
+          <a:fillRef idx="1">
+            <a:schemeClr val="accent1"/>
+          </a:fillRef>
+          <a:effectRef idx="0">
+            <a:schemeClr val="accent1"/>
+          </a:effectRef>
+          <a:fontRef idx="minor">
+            <a:schemeClr val="lt1"/>
+          </a:fontRef>
+        </p:style>
+        <p:txBody>
+          <a:bodyPr rtlCol="0" anchor="ctr"/>
+          <a:lstStyle/>
+          <a:p>
+            <a:pPr algn="ctr"/>
+            <a:endParaRPr lang="en-US"/>
+          </a:p>
+        </p:txBody>
+      </p:sp>
+      <p:cxnSp>
+        <p:nvCxnSpPr>
+          <p:cNvPr id="172" name="Straight Arrow Connector 171">
+            <a:extLst>
+              <a:ext uri="{FF2B5EF4-FFF2-40B4-BE49-F238E27FC236}">
+                <a16:creationId xmlns:a16="http://schemas.microsoft.com/office/drawing/2014/main" id="{FC8C7FFC-E011-4F67-A04C-8CFC4A5730E2}"/>
+              </a:ext>
+            </a:extLst>
+          </p:cNvPr>
+          <p:cNvCxnSpPr>
+            <a:cxnSpLocks/>
+          </p:cNvCxnSpPr>
+          <p:nvPr/>
+        </p:nvCxnSpPr>
+        <p:spPr>
+          <a:xfrm flipH="1">
+            <a:off x="2867980" y="4638790"/>
+            <a:ext cx="2283" cy="1375601"/>
+          </a:xfrm>
+          <a:prstGeom prst="straightConnector1">
+            <a:avLst/>
+          </a:prstGeom>
+          <a:ln w="9525">
+            <a:solidFill>
+              <a:schemeClr val="tx1"/>
+            </a:solidFill>
+            <a:tailEnd type="triangle"/>
+          </a:ln>
+        </p:spPr>
+        <p:style>
+          <a:lnRef idx="1">
+            <a:schemeClr val="accent1"/>
+          </a:lnRef>
+          <a:fillRef idx="0">
+            <a:schemeClr val="accent1"/>
+          </a:fillRef>
+          <a:effectRef idx="0">
+            <a:schemeClr val="accent1"/>
+          </a:effectRef>
+          <a:fontRef idx="minor">
+            <a:schemeClr val="tx1"/>
+          </a:fontRef>
+        </p:style>
+      </p:cxnSp>
+      <p:sp>
+        <p:nvSpPr>
+          <p:cNvPr id="85" name="TextBox 84">
+            <a:extLst>
+              <a:ext uri="{FF2B5EF4-FFF2-40B4-BE49-F238E27FC236}">
+                <a16:creationId xmlns:a16="http://schemas.microsoft.com/office/drawing/2014/main" id="{CF804AB6-B196-45FB-8F8E-BCF2A0FB4871}"/>
+              </a:ext>
+            </a:extLst>
+          </p:cNvPr>
+          <p:cNvSpPr txBox="1"/>
+          <p:nvPr/>
+        </p:nvSpPr>
+        <p:spPr>
+          <a:xfrm>
+            <a:off x="2938408" y="4008524"/>
+            <a:ext cx="1077151" cy="707886"/>
+          </a:xfrm>
+          <a:prstGeom prst="rect">
+            <a:avLst/>
+          </a:prstGeom>
+          <a:solidFill>
+            <a:srgbClr val="FFC000"/>
+          </a:solidFill>
+          <a:ln w="9525">
+            <a:solidFill>
+              <a:schemeClr val="tx1"/>
+            </a:solidFill>
+          </a:ln>
+        </p:spPr>
+        <p:txBody>
+          <a:bodyPr wrap="square" rtlCol="0">
+            <a:spAutoFit/>
+          </a:bodyPr>
+          <a:lstStyle/>
+          <a:p>
+            <a:pPr algn="ctr"/>
+            <a:endParaRPr lang="en-US" sz="1000" dirty="0"/>
+          </a:p>
+          <a:p>
+            <a:pPr algn="ctr"/>
+            <a:r>
+              <a:rPr lang="en-US" sz="1000" dirty="0"/>
+              <a:t>Soil</a:t>
+            </a:r>
+          </a:p>
+          <a:p>
+            <a:pPr algn="ctr"/>
+            <a:r>
+              <a:rPr lang="en-US" sz="1000" dirty="0"/>
+              <a:t>aggregation</a:t>
+            </a:r>
+          </a:p>
+          <a:p>
+            <a:pPr algn="ctr"/>
+            <a:endParaRPr lang="en-US" sz="1000" dirty="0"/>
+          </a:p>
+        </p:txBody>
+      </p:sp>
+      <p:sp>
+        <p:nvSpPr>
+          <p:cNvPr id="69" name="Rectangle 68">
+            <a:extLst>
+              <a:ext uri="{FF2B5EF4-FFF2-40B4-BE49-F238E27FC236}">
+                <a16:creationId xmlns:a16="http://schemas.microsoft.com/office/drawing/2014/main" id="{9E65AB98-3285-4703-8163-457D65A667E7}"/>
+              </a:ext>
+            </a:extLst>
+          </p:cNvPr>
+          <p:cNvSpPr/>
+          <p:nvPr/>
+        </p:nvSpPr>
+        <p:spPr>
+          <a:xfrm>
+            <a:off x="2118146" y="3239494"/>
+            <a:ext cx="148990" cy="95788"/>
+          </a:xfrm>
+          <a:prstGeom prst="rect">
+            <a:avLst/>
+          </a:prstGeom>
+          <a:solidFill>
+            <a:schemeClr val="bg1"/>
+          </a:solidFill>
+          <a:ln w="9525">
+            <a:solidFill>
+              <a:schemeClr val="bg1"/>
+            </a:solidFill>
+          </a:ln>
+        </p:spPr>
+        <p:style>
+          <a:lnRef idx="2">
+            <a:schemeClr val="accent1">
+              <a:shade val="50000"/>
+            </a:schemeClr>
+          </a:lnRef>
+          <a:fillRef idx="1">
+            <a:schemeClr val="accent1"/>
+          </a:fillRef>
+          <a:effectRef idx="0">
+            <a:schemeClr val="accent1"/>
+          </a:effectRef>
+          <a:fontRef idx="minor">
+            <a:schemeClr val="lt1"/>
+          </a:fontRef>
+        </p:style>
+        <p:txBody>
+          <a:bodyPr rtlCol="0" anchor="ctr"/>
+          <a:lstStyle/>
+          <a:p>
+            <a:pPr algn="ctr"/>
+            <a:endParaRPr lang="en-US"/>
+          </a:p>
+        </p:txBody>
+      </p:sp>
+      <p:cxnSp>
+        <p:nvCxnSpPr>
+          <p:cNvPr id="68" name="Straight Arrow Connector 67">
+            <a:extLst>
+              <a:ext uri="{FF2B5EF4-FFF2-40B4-BE49-F238E27FC236}">
+                <a16:creationId xmlns:a16="http://schemas.microsoft.com/office/drawing/2014/main" id="{23A32417-966F-4D82-A544-4FD7F83C054D}"/>
+              </a:ext>
+            </a:extLst>
+          </p:cNvPr>
+          <p:cNvCxnSpPr>
+            <a:cxnSpLocks/>
+          </p:cNvCxnSpPr>
+          <p:nvPr/>
+        </p:nvCxnSpPr>
+        <p:spPr>
+          <a:xfrm flipH="1">
+            <a:off x="1621645" y="3294467"/>
+            <a:ext cx="1627448" cy="0"/>
+          </a:xfrm>
+          <a:prstGeom prst="straightConnector1">
+            <a:avLst/>
+          </a:prstGeom>
+          <a:ln w="9525">
+            <a:solidFill>
+              <a:srgbClr val="FF0000"/>
+            </a:solidFill>
+            <a:tailEnd type="triangle"/>
+          </a:ln>
+        </p:spPr>
+        <p:style>
+          <a:lnRef idx="1">
+            <a:schemeClr val="accent1"/>
+          </a:lnRef>
+          <a:fillRef idx="0">
+            <a:schemeClr val="accent1"/>
+          </a:fillRef>
+          <a:effectRef idx="0">
+            <a:schemeClr val="accent1"/>
+          </a:effectRef>
+          <a:fontRef idx="minor">
+            <a:schemeClr val="tx1"/>
+          </a:fontRef>
+        </p:style>
+      </p:cxnSp>
+    </p:spTree>
+    <p:extLst>
+      <p:ext uri="{BB962C8B-B14F-4D97-AF65-F5344CB8AC3E}">
+        <p14:creationId xmlns:p14="http://schemas.microsoft.com/office/powerpoint/2010/main" val="2829528317"/>
+      </p:ext>
+    </p:extLst>
+  </p:cSld>
+  <p:clrMapOvr>
+    <a:masterClrMapping/>
+  </p:clrMapOvr>
+</p:sld>
+</file>
+
+<file path=ppt/slides/slide5.xml><?xml version="1.0" encoding="utf-8"?>
 <p:sld xmlns:a="http://schemas.openxmlformats.org/drawingml/2006/main" xmlns:r="http://schemas.openxmlformats.org/officeDocument/2006/relationships" xmlns:p="http://schemas.openxmlformats.org/presentationml/2006/main">
   <p:cSld>
     <p:spTree>

--- a/manu/schematics-v2.pptx
+++ b/manu/schematics-v2.pptx
@@ -9,7 +9,8 @@
     <p:sldId id="261" r:id="rId3"/>
     <p:sldId id="262" r:id="rId4"/>
     <p:sldId id="263" r:id="rId5"/>
-    <p:sldId id="260" r:id="rId6"/>
+    <p:sldId id="264" r:id="rId6"/>
+    <p:sldId id="260" r:id="rId7"/>
   </p:sldIdLst>
   <p:sldSz cx="6765925" cy="9144000"/>
   <p:notesSz cx="6858000" cy="9144000"/>
@@ -247,7 +248,7 @@
           <a:p>
             <a:fld id="{C1479234-584E-4873-8CD3-B53B1333C3D5}" type="datetimeFigureOut">
               <a:rPr lang="en-US" smtClean="0"/>
-              <a:t>3/25/2021</a:t>
+              <a:t>3/31/2021</a:t>
             </a:fld>
             <a:endParaRPr lang="en-US"/>
           </a:p>
@@ -417,7 +418,7 @@
           <a:p>
             <a:fld id="{C1479234-584E-4873-8CD3-B53B1333C3D5}" type="datetimeFigureOut">
               <a:rPr lang="en-US" smtClean="0"/>
-              <a:t>3/25/2021</a:t>
+              <a:t>3/31/2021</a:t>
             </a:fld>
             <a:endParaRPr lang="en-US"/>
           </a:p>
@@ -597,7 +598,7 @@
           <a:p>
             <a:fld id="{C1479234-584E-4873-8CD3-B53B1333C3D5}" type="datetimeFigureOut">
               <a:rPr lang="en-US" smtClean="0"/>
-              <a:t>3/25/2021</a:t>
+              <a:t>3/31/2021</a:t>
             </a:fld>
             <a:endParaRPr lang="en-US"/>
           </a:p>
@@ -767,7 +768,7 @@
           <a:p>
             <a:fld id="{C1479234-584E-4873-8CD3-B53B1333C3D5}" type="datetimeFigureOut">
               <a:rPr lang="en-US" smtClean="0"/>
-              <a:t>3/25/2021</a:t>
+              <a:t>3/31/2021</a:t>
             </a:fld>
             <a:endParaRPr lang="en-US"/>
           </a:p>
@@ -1011,7 +1012,7 @@
           <a:p>
             <a:fld id="{C1479234-584E-4873-8CD3-B53B1333C3D5}" type="datetimeFigureOut">
               <a:rPr lang="en-US" smtClean="0"/>
-              <a:t>3/25/2021</a:t>
+              <a:t>3/31/2021</a:t>
             </a:fld>
             <a:endParaRPr lang="en-US"/>
           </a:p>
@@ -1243,7 +1244,7 @@
           <a:p>
             <a:fld id="{C1479234-584E-4873-8CD3-B53B1333C3D5}" type="datetimeFigureOut">
               <a:rPr lang="en-US" smtClean="0"/>
-              <a:t>3/25/2021</a:t>
+              <a:t>3/31/2021</a:t>
             </a:fld>
             <a:endParaRPr lang="en-US"/>
           </a:p>
@@ -1610,7 +1611,7 @@
           <a:p>
             <a:fld id="{C1479234-584E-4873-8CD3-B53B1333C3D5}" type="datetimeFigureOut">
               <a:rPr lang="en-US" smtClean="0"/>
-              <a:t>3/25/2021</a:t>
+              <a:t>3/31/2021</a:t>
             </a:fld>
             <a:endParaRPr lang="en-US"/>
           </a:p>
@@ -1728,7 +1729,7 @@
           <a:p>
             <a:fld id="{C1479234-584E-4873-8CD3-B53B1333C3D5}" type="datetimeFigureOut">
               <a:rPr lang="en-US" smtClean="0"/>
-              <a:t>3/25/2021</a:t>
+              <a:t>3/31/2021</a:t>
             </a:fld>
             <a:endParaRPr lang="en-US"/>
           </a:p>
@@ -1823,7 +1824,7 @@
           <a:p>
             <a:fld id="{C1479234-584E-4873-8CD3-B53B1333C3D5}" type="datetimeFigureOut">
               <a:rPr lang="en-US" smtClean="0"/>
-              <a:t>3/25/2021</a:t>
+              <a:t>3/31/2021</a:t>
             </a:fld>
             <a:endParaRPr lang="en-US"/>
           </a:p>
@@ -2100,7 +2101,7 @@
           <a:p>
             <a:fld id="{C1479234-584E-4873-8CD3-B53B1333C3D5}" type="datetimeFigureOut">
               <a:rPr lang="en-US" smtClean="0"/>
-              <a:t>3/25/2021</a:t>
+              <a:t>3/31/2021</a:t>
             </a:fld>
             <a:endParaRPr lang="en-US"/>
           </a:p>
@@ -2357,7 +2358,7 @@
           <a:p>
             <a:fld id="{C1479234-584E-4873-8CD3-B53B1333C3D5}" type="datetimeFigureOut">
               <a:rPr lang="en-US" smtClean="0"/>
-              <a:t>3/25/2021</a:t>
+              <a:t>3/31/2021</a:t>
             </a:fld>
             <a:endParaRPr lang="en-US"/>
           </a:p>
@@ -2570,7 +2571,7 @@
           <a:p>
             <a:fld id="{C1479234-584E-4873-8CD3-B53B1333C3D5}" type="datetimeFigureOut">
               <a:rPr lang="en-US" smtClean="0"/>
-              <a:t>3/25/2021</a:t>
+              <a:t>3/31/2021</a:t>
             </a:fld>
             <a:endParaRPr lang="en-US"/>
           </a:p>
@@ -10047,28 +10048,31 @@
       </p:sp>
       <p:cxnSp>
         <p:nvCxnSpPr>
-          <p:cNvPr id="52" name="Straight Connector 51">
-            <a:extLst>
-              <a:ext uri="{FF2B5EF4-FFF2-40B4-BE49-F238E27FC236}">
-                <a16:creationId xmlns:a16="http://schemas.microsoft.com/office/drawing/2014/main" id="{C6CCC06D-2146-468F-B397-DDDA8D9E257E}"/>
-              </a:ext>
-            </a:extLst>
-          </p:cNvPr>
-          <p:cNvCxnSpPr/>
+          <p:cNvPr id="70" name="Straight Arrow Connector 69">
+            <a:extLst>
+              <a:ext uri="{FF2B5EF4-FFF2-40B4-BE49-F238E27FC236}">
+                <a16:creationId xmlns:a16="http://schemas.microsoft.com/office/drawing/2014/main" id="{F0108711-8E4C-49C8-8901-0B36D7E50F52}"/>
+              </a:ext>
+            </a:extLst>
+          </p:cNvPr>
+          <p:cNvCxnSpPr>
+            <a:cxnSpLocks/>
+          </p:cNvCxnSpPr>
           <p:nvPr/>
         </p:nvCxnSpPr>
         <p:spPr>
-          <a:xfrm flipH="1">
-            <a:off x="3249073" y="2626642"/>
-            <a:ext cx="1" cy="1076987"/>
-          </a:xfrm>
-          <a:prstGeom prst="line">
+          <a:xfrm>
+            <a:off x="2002143" y="5657315"/>
+            <a:ext cx="2033498" cy="0"/>
+          </a:xfrm>
+          <a:prstGeom prst="straightConnector1">
             <a:avLst/>
           </a:prstGeom>
           <a:ln w="9525">
             <a:solidFill>
               <a:schemeClr val="tx1"/>
             </a:solidFill>
+            <a:tailEnd type="triangle"/>
           </a:ln>
         </p:spPr>
         <p:style>
@@ -10088,31 +10092,28 @@
       </p:cxnSp>
       <p:cxnSp>
         <p:nvCxnSpPr>
-          <p:cNvPr id="139" name="Straight Arrow Connector 138">
-            <a:extLst>
-              <a:ext uri="{FF2B5EF4-FFF2-40B4-BE49-F238E27FC236}">
-                <a16:creationId xmlns:a16="http://schemas.microsoft.com/office/drawing/2014/main" id="{AB2DECDF-FA1B-4A8D-9B89-6F5D9907AB97}"/>
-              </a:ext>
-            </a:extLst>
-          </p:cNvPr>
-          <p:cNvCxnSpPr>
-            <a:cxnSpLocks/>
-          </p:cNvCxnSpPr>
+          <p:cNvPr id="52" name="Straight Connector 51">
+            <a:extLst>
+              <a:ext uri="{FF2B5EF4-FFF2-40B4-BE49-F238E27FC236}">
+                <a16:creationId xmlns:a16="http://schemas.microsoft.com/office/drawing/2014/main" id="{C6CCC06D-2146-468F-B397-DDDA8D9E257E}"/>
+              </a:ext>
+            </a:extLst>
+          </p:cNvPr>
+          <p:cNvCxnSpPr/>
           <p:nvPr/>
         </p:nvCxnSpPr>
         <p:spPr>
           <a:xfrm flipH="1">
-            <a:off x="4706839" y="7027561"/>
-            <a:ext cx="2283" cy="329308"/>
-          </a:xfrm>
-          <a:prstGeom prst="straightConnector1">
+            <a:off x="3249073" y="2845321"/>
+            <a:ext cx="1" cy="456748"/>
+          </a:xfrm>
+          <a:prstGeom prst="line">
             <a:avLst/>
           </a:prstGeom>
           <a:ln w="9525">
             <a:solidFill>
-              <a:srgbClr val="FF0000"/>
-            </a:solidFill>
-            <a:tailEnd type="triangle"/>
+              <a:schemeClr val="tx1"/>
+            </a:solidFill>
           </a:ln>
         </p:spPr>
         <p:style>
@@ -10146,15 +10147,15 @@
         </p:nvCxnSpPr>
         <p:spPr>
           <a:xfrm>
-            <a:off x="1290025" y="4528684"/>
-            <a:ext cx="1265263" cy="0"/>
+            <a:off x="1271521" y="4983027"/>
+            <a:ext cx="1607735" cy="0"/>
           </a:xfrm>
           <a:prstGeom prst="straightConnector1">
             <a:avLst/>
           </a:prstGeom>
           <a:ln w="9525">
             <a:solidFill>
-              <a:srgbClr val="FF0000"/>
+              <a:schemeClr val="tx1"/>
             </a:solidFill>
             <a:tailEnd type="triangle"/>
           </a:ln>
@@ -10198,7 +10199,7 @@
           </a:prstGeom>
           <a:ln w="9525">
             <a:solidFill>
-              <a:srgbClr val="FF0000"/>
+              <a:schemeClr val="tx1"/>
             </a:solidFill>
             <a:tailEnd type="triangle"/>
           </a:ln>
@@ -10234,8 +10235,8 @@
         </p:nvCxnSpPr>
         <p:spPr>
           <a:xfrm flipV="1">
-            <a:off x="3612244" y="2829275"/>
-            <a:ext cx="646511" cy="2062"/>
+            <a:off x="3663738" y="2829275"/>
+            <a:ext cx="711162" cy="2062"/>
           </a:xfrm>
           <a:prstGeom prst="straightConnector1">
             <a:avLst/>
@@ -10322,7 +10323,7 @@
         </p:nvCxnSpPr>
         <p:spPr>
           <a:xfrm>
-            <a:off x="3413055" y="2106352"/>
+            <a:off x="3512115" y="2106352"/>
             <a:ext cx="0" cy="460346"/>
           </a:xfrm>
           <a:prstGeom prst="straightConnector1">
@@ -10366,7 +10367,7 @@
         </p:nvCxnSpPr>
         <p:spPr>
           <a:xfrm>
-            <a:off x="4630618" y="2115494"/>
+            <a:off x="4714438" y="2115494"/>
             <a:ext cx="0" cy="460346"/>
           </a:xfrm>
           <a:prstGeom prst="straightConnector1">
@@ -10408,14 +10409,14 @@
         </p:nvSpPr>
         <p:spPr>
           <a:xfrm>
-            <a:off x="2948789" y="6669854"/>
-            <a:ext cx="779661" cy="553998"/>
+            <a:off x="3491332" y="7150957"/>
+            <a:ext cx="1076698" cy="400110"/>
           </a:xfrm>
           <a:prstGeom prst="rect">
             <a:avLst/>
           </a:prstGeom>
           <a:solidFill>
-            <a:schemeClr val="bg2"/>
+            <a:srgbClr val="FFC000"/>
           </a:solidFill>
           <a:ln w="9525">
             <a:solidFill>
@@ -10453,57 +10454,13 @@
         </p:nvCxnSpPr>
         <p:spPr>
           <a:xfrm>
-            <a:off x="4205338" y="5783117"/>
+            <a:off x="4205338" y="6228125"/>
             <a:ext cx="0" cy="0"/>
           </a:xfrm>
           <a:prstGeom prst="line">
             <a:avLst/>
           </a:prstGeom>
           <a:ln w="9525"/>
-        </p:spPr>
-        <p:style>
-          <a:lnRef idx="1">
-            <a:schemeClr val="accent1"/>
-          </a:lnRef>
-          <a:fillRef idx="0">
-            <a:schemeClr val="accent1"/>
-          </a:fillRef>
-          <a:effectRef idx="0">
-            <a:schemeClr val="accent1"/>
-          </a:effectRef>
-          <a:fontRef idx="minor">
-            <a:schemeClr val="tx1"/>
-          </a:fontRef>
-        </p:style>
-      </p:cxnSp>
-      <p:cxnSp>
-        <p:nvCxnSpPr>
-          <p:cNvPr id="98" name="Straight Arrow Connector 97">
-            <a:extLst>
-              <a:ext uri="{FF2B5EF4-FFF2-40B4-BE49-F238E27FC236}">
-                <a16:creationId xmlns:a16="http://schemas.microsoft.com/office/drawing/2014/main" id="{520CA070-C7C7-4D3F-97F9-4CF91EF220D6}"/>
-              </a:ext>
-            </a:extLst>
-          </p:cNvPr>
-          <p:cNvCxnSpPr>
-            <a:cxnSpLocks/>
-          </p:cNvCxnSpPr>
-          <p:nvPr/>
-        </p:nvCxnSpPr>
-        <p:spPr>
-          <a:xfrm flipH="1">
-            <a:off x="3514655" y="5749450"/>
-            <a:ext cx="2283" cy="299371"/>
-          </a:xfrm>
-          <a:prstGeom prst="straightConnector1">
-            <a:avLst/>
-          </a:prstGeom>
-          <a:ln w="9525">
-            <a:solidFill>
-              <a:schemeClr val="tx1"/>
-            </a:solidFill>
-            <a:tailEnd type="triangle"/>
-          </a:ln>
         </p:spPr>
         <p:style>
           <a:lnRef idx="1">
@@ -10536,7 +10493,7 @@
         </p:nvCxnSpPr>
         <p:spPr>
           <a:xfrm flipH="1">
-            <a:off x="4706840" y="5679786"/>
+            <a:off x="5369649" y="5703757"/>
             <a:ext cx="2283" cy="1033509"/>
           </a:xfrm>
           <a:prstGeom prst="straightConnector1">
@@ -10544,7 +10501,7 @@
           </a:prstGeom>
           <a:ln w="9525">
             <a:solidFill>
-              <a:srgbClr val="FF0000"/>
+              <a:schemeClr val="tx1"/>
             </a:solidFill>
             <a:tailEnd type="triangle"/>
           </a:ln>
@@ -10588,52 +10545,8 @@
           </a:prstGeom>
           <a:ln w="9525">
             <a:solidFill>
-              <a:srgbClr val="FF0000"/>
-            </a:solidFill>
-          </a:ln>
-        </p:spPr>
-        <p:style>
-          <a:lnRef idx="1">
-            <a:schemeClr val="accent1"/>
-          </a:lnRef>
-          <a:fillRef idx="0">
-            <a:schemeClr val="accent1"/>
-          </a:fillRef>
-          <a:effectRef idx="0">
-            <a:schemeClr val="accent1"/>
-          </a:effectRef>
-          <a:fontRef idx="minor">
-            <a:schemeClr val="tx1"/>
-          </a:fontRef>
-        </p:style>
-      </p:cxnSp>
-      <p:cxnSp>
-        <p:nvCxnSpPr>
-          <p:cNvPr id="150" name="Straight Arrow Connector 149">
-            <a:extLst>
-              <a:ext uri="{FF2B5EF4-FFF2-40B4-BE49-F238E27FC236}">
-                <a16:creationId xmlns:a16="http://schemas.microsoft.com/office/drawing/2014/main" id="{4CEEC003-E039-462C-8E5B-0071A4FA2F92}"/>
-              </a:ext>
-            </a:extLst>
-          </p:cNvPr>
-          <p:cNvCxnSpPr>
-            <a:cxnSpLocks/>
-          </p:cNvCxnSpPr>
-          <p:nvPr/>
-        </p:nvCxnSpPr>
-        <p:spPr>
-          <a:xfrm flipH="1">
-            <a:off x="3353207" y="6125485"/>
-            <a:ext cx="2283" cy="530354"/>
-          </a:xfrm>
-          <a:prstGeom prst="straightConnector1">
-            <a:avLst/>
-          </a:prstGeom>
-          <a:ln w="9525">
-            <a:solidFill>
-              <a:schemeClr val="tx1"/>
-            </a:solidFill>
-            <a:tailEnd type="triangle"/>
+              <a:schemeClr val="tx1"/>
+            </a:solidFill>
           </a:ln>
         </p:spPr>
         <p:style>
@@ -10667,15 +10580,15 @@
         </p:nvCxnSpPr>
         <p:spPr>
           <a:xfrm>
-            <a:off x="1269484" y="5675280"/>
-            <a:ext cx="2040596" cy="0"/>
+            <a:off x="1260518" y="5840990"/>
+            <a:ext cx="2770626" cy="0"/>
           </a:xfrm>
           <a:prstGeom prst="straightConnector1">
             <a:avLst/>
           </a:prstGeom>
           <a:ln w="9525">
             <a:solidFill>
-              <a:srgbClr val="FF0000"/>
+              <a:schemeClr val="tx1"/>
             </a:solidFill>
             <a:tailEnd type="triangle"/>
           </a:ln>
@@ -10711,15 +10624,15 @@
         </p:nvCxnSpPr>
         <p:spPr>
           <a:xfrm flipH="1">
-            <a:off x="1270666" y="3407017"/>
-            <a:ext cx="1" cy="2793428"/>
+            <a:off x="1270666" y="3314535"/>
+            <a:ext cx="1" cy="2539480"/>
           </a:xfrm>
           <a:prstGeom prst="line">
             <a:avLst/>
           </a:prstGeom>
           <a:ln w="9525">
             <a:solidFill>
-              <a:srgbClr val="FF0000"/>
+              <a:schemeClr val="tx1"/>
             </a:solidFill>
           </a:ln>
         </p:spPr>
@@ -10754,8 +10667,8 @@
         </p:nvCxnSpPr>
         <p:spPr>
           <a:xfrm>
-            <a:off x="4719653" y="2586538"/>
-            <a:ext cx="0" cy="2625769"/>
+            <a:off x="4823285" y="2615940"/>
+            <a:ext cx="0" cy="2871764"/>
           </a:xfrm>
           <a:prstGeom prst="straightConnector1">
             <a:avLst/>
@@ -10798,8 +10711,8 @@
         </p:nvCxnSpPr>
         <p:spPr>
           <a:xfrm flipH="1">
-            <a:off x="3206657" y="4512351"/>
-            <a:ext cx="1186765" cy="0"/>
+            <a:off x="3970185" y="4650314"/>
+            <a:ext cx="856576" cy="0"/>
           </a:xfrm>
           <a:prstGeom prst="straightConnector1">
             <a:avLst/>
@@ -10840,8 +10753,8 @@
         </p:nvCxnSpPr>
         <p:spPr>
           <a:xfrm flipH="1">
-            <a:off x="4398227" y="2781229"/>
-            <a:ext cx="1" cy="1734499"/>
+            <a:off x="4584917" y="2710403"/>
+            <a:ext cx="1" cy="1435714"/>
           </a:xfrm>
           <a:prstGeom prst="line">
             <a:avLst/>
@@ -10850,50 +10763,6 @@
             <a:solidFill>
               <a:schemeClr val="tx1"/>
             </a:solidFill>
-          </a:ln>
-        </p:spPr>
-        <p:style>
-          <a:lnRef idx="1">
-            <a:schemeClr val="accent1"/>
-          </a:lnRef>
-          <a:fillRef idx="0">
-            <a:schemeClr val="accent1"/>
-          </a:fillRef>
-          <a:effectRef idx="0">
-            <a:schemeClr val="accent1"/>
-          </a:effectRef>
-          <a:fontRef idx="minor">
-            <a:schemeClr val="tx1"/>
-          </a:fontRef>
-        </p:style>
-      </p:cxnSp>
-      <p:cxnSp>
-        <p:nvCxnSpPr>
-          <p:cNvPr id="169" name="Straight Arrow Connector 168">
-            <a:extLst>
-              <a:ext uri="{FF2B5EF4-FFF2-40B4-BE49-F238E27FC236}">
-                <a16:creationId xmlns:a16="http://schemas.microsoft.com/office/drawing/2014/main" id="{534B27D9-05C4-48B9-9B7D-F4CE4CE51C80}"/>
-              </a:ext>
-            </a:extLst>
-          </p:cNvPr>
-          <p:cNvCxnSpPr>
-            <a:cxnSpLocks/>
-          </p:cNvCxnSpPr>
-          <p:nvPr/>
-        </p:nvCxnSpPr>
-        <p:spPr>
-          <a:xfrm flipH="1">
-            <a:off x="3707620" y="6946853"/>
-            <a:ext cx="1078877" cy="0"/>
-          </a:xfrm>
-          <a:prstGeom prst="straightConnector1">
-            <a:avLst/>
-          </a:prstGeom>
-          <a:ln w="9525">
-            <a:solidFill>
-              <a:srgbClr val="FF0000"/>
-            </a:solidFill>
-            <a:tailEnd type="triangle"/>
           </a:ln>
         </p:spPr>
         <p:style>
@@ -10927,7 +10796,7 @@
         </p:nvCxnSpPr>
         <p:spPr>
           <a:xfrm flipH="1">
-            <a:off x="2172321" y="6179879"/>
+            <a:off x="3809732" y="6659151"/>
             <a:ext cx="2283" cy="482143"/>
           </a:xfrm>
           <a:prstGeom prst="straightConnector1">
@@ -10936,50 +10805,6 @@
           <a:ln w="9525">
             <a:solidFill>
               <a:schemeClr val="tx1"/>
-            </a:solidFill>
-            <a:tailEnd type="triangle"/>
-          </a:ln>
-        </p:spPr>
-        <p:style>
-          <a:lnRef idx="1">
-            <a:schemeClr val="accent1"/>
-          </a:lnRef>
-          <a:fillRef idx="0">
-            <a:schemeClr val="accent1"/>
-          </a:fillRef>
-          <a:effectRef idx="0">
-            <a:schemeClr val="accent1"/>
-          </a:effectRef>
-          <a:fontRef idx="minor">
-            <a:schemeClr val="tx1"/>
-          </a:fontRef>
-        </p:style>
-      </p:cxnSp>
-      <p:cxnSp>
-        <p:nvCxnSpPr>
-          <p:cNvPr id="175" name="Straight Arrow Connector 174">
-            <a:extLst>
-              <a:ext uri="{FF2B5EF4-FFF2-40B4-BE49-F238E27FC236}">
-                <a16:creationId xmlns:a16="http://schemas.microsoft.com/office/drawing/2014/main" id="{AF84A429-61E5-4732-A27D-DEAC4CF53B42}"/>
-              </a:ext>
-            </a:extLst>
-          </p:cNvPr>
-          <p:cNvCxnSpPr>
-            <a:cxnSpLocks/>
-          </p:cNvCxnSpPr>
-          <p:nvPr/>
-        </p:nvCxnSpPr>
-        <p:spPr>
-          <a:xfrm>
-            <a:off x="1267799" y="6213455"/>
-            <a:ext cx="503304" cy="0"/>
-          </a:xfrm>
-          <a:prstGeom prst="straightConnector1">
-            <a:avLst/>
-          </a:prstGeom>
-          <a:ln w="9525">
-            <a:solidFill>
-              <a:srgbClr val="FF0000"/>
             </a:solidFill>
             <a:tailEnd type="triangle"/>
           </a:ln>
@@ -11020,7 +10845,9 @@
             <a:avLst/>
           </a:prstGeom>
           <a:solidFill>
-            <a:srgbClr val="FFC000"/>
+            <a:schemeClr val="bg1">
+              <a:lumMod val="85000"/>
+            </a:schemeClr>
           </a:solidFill>
           <a:ln w="9525">
             <a:solidFill>
@@ -11044,10 +10871,10 @@
       </p:sp>
       <p:sp>
         <p:nvSpPr>
-          <p:cNvPr id="86" name="TextBox 85">
-            <a:extLst>
-              <a:ext uri="{FF2B5EF4-FFF2-40B4-BE49-F238E27FC236}">
-                <a16:creationId xmlns:a16="http://schemas.microsoft.com/office/drawing/2014/main" id="{8FF35A50-2D70-45A5-97C0-09FA7E9396C3}"/>
+          <p:cNvPr id="16" name="TextBox 15">
+            <a:extLst>
+              <a:ext uri="{FF2B5EF4-FFF2-40B4-BE49-F238E27FC236}">
+                <a16:creationId xmlns:a16="http://schemas.microsoft.com/office/drawing/2014/main" id="{6EFC2D2F-82ED-4332-86E1-5D3DCB71E395}"/>
               </a:ext>
             </a:extLst>
           </p:cNvPr>
@@ -11056,65 +10883,16 @@
         </p:nvSpPr>
         <p:spPr>
           <a:xfrm>
-            <a:off x="4024683" y="4960752"/>
-            <a:ext cx="1614352" cy="553998"/>
+            <a:off x="4386027" y="2570322"/>
+            <a:ext cx="655608" cy="400110"/>
           </a:xfrm>
           <a:prstGeom prst="rect">
             <a:avLst/>
           </a:prstGeom>
           <a:solidFill>
-            <a:srgbClr val="FFC000"/>
-          </a:solidFill>
-          <a:ln w="9525">
-            <a:solidFill>
-              <a:schemeClr val="tx1"/>
-            </a:solidFill>
-          </a:ln>
-        </p:spPr>
-        <p:txBody>
-          <a:bodyPr wrap="square" rtlCol="0" anchor="ctr">
-            <a:spAutoFit/>
-          </a:bodyPr>
-          <a:lstStyle/>
-          <a:p>
-            <a:pPr algn="ctr"/>
-            <a:endParaRPr lang="en-US" sz="1000" dirty="0"/>
-          </a:p>
-          <a:p>
-            <a:pPr algn="ctr"/>
-            <a:r>
-              <a:rPr lang="en-US" sz="1000" dirty="0"/>
-              <a:t>Soil porosity</a:t>
-            </a:r>
-          </a:p>
-          <a:p>
-            <a:pPr algn="ctr"/>
-            <a:endParaRPr lang="en-US" sz="1000" dirty="0"/>
-          </a:p>
-        </p:txBody>
-      </p:sp>
-      <p:sp>
-        <p:nvSpPr>
-          <p:cNvPr id="16" name="TextBox 15">
-            <a:extLst>
-              <a:ext uri="{FF2B5EF4-FFF2-40B4-BE49-F238E27FC236}">
-                <a16:creationId xmlns:a16="http://schemas.microsoft.com/office/drawing/2014/main" id="{6EFC2D2F-82ED-4332-86E1-5D3DCB71E395}"/>
-              </a:ext>
-            </a:extLst>
-          </p:cNvPr>
-          <p:cNvSpPr txBox="1"/>
-          <p:nvPr/>
-        </p:nvSpPr>
-        <p:spPr>
-          <a:xfrm>
-            <a:off x="4286967" y="2570322"/>
-            <a:ext cx="655608" cy="400110"/>
-          </a:xfrm>
-          <a:prstGeom prst="rect">
-            <a:avLst/>
-          </a:prstGeom>
-          <a:solidFill>
-            <a:srgbClr val="FFC000"/>
+            <a:schemeClr val="bg1">
+              <a:lumMod val="85000"/>
+            </a:schemeClr>
           </a:solidFill>
           <a:ln w="9525">
             <a:solidFill>
@@ -11150,14 +10928,14 @@
         </p:nvSpPr>
         <p:spPr>
           <a:xfrm>
-            <a:off x="4300725" y="7367665"/>
+            <a:off x="4933055" y="6737266"/>
             <a:ext cx="873188" cy="400110"/>
           </a:xfrm>
           <a:prstGeom prst="rect">
             <a:avLst/>
           </a:prstGeom>
           <a:solidFill>
-            <a:schemeClr val="bg2"/>
+            <a:srgbClr val="FFC000"/>
           </a:solidFill>
           <a:ln w="9525">
             <a:solidFill>
@@ -11193,7 +10971,7 @@
         </p:nvSpPr>
         <p:spPr>
           <a:xfrm>
-            <a:off x="1920371" y="4473720"/>
+            <a:off x="1914555" y="4953976"/>
             <a:ext cx="148990" cy="95788"/>
           </a:xfrm>
           <a:prstGeom prst="rect">
@@ -11249,8 +11027,8 @@
         </p:nvCxnSpPr>
         <p:spPr>
           <a:xfrm>
-            <a:off x="2201869" y="2693174"/>
-            <a:ext cx="1" cy="766136"/>
+            <a:off x="2214061" y="2589238"/>
+            <a:ext cx="1" cy="1019728"/>
           </a:xfrm>
           <a:prstGeom prst="straightConnector1">
             <a:avLst/>
@@ -11291,7 +11069,7 @@
         </p:nvSpPr>
         <p:spPr>
           <a:xfrm>
-            <a:off x="1932029" y="5628836"/>
+            <a:off x="1932029" y="6073844"/>
             <a:ext cx="123132" cy="95788"/>
           </a:xfrm>
           <a:prstGeom prst="rect">
@@ -11345,7 +11123,7 @@
         </p:nvSpPr>
         <p:spPr>
           <a:xfrm>
-            <a:off x="2792255" y="5609413"/>
+            <a:off x="2792255" y="6054421"/>
             <a:ext cx="123132" cy="95788"/>
           </a:xfrm>
           <a:prstGeom prst="rect">
@@ -11385,50 +11163,6 @@
           </a:p>
         </p:txBody>
       </p:sp>
-      <p:cxnSp>
-        <p:nvCxnSpPr>
-          <p:cNvPr id="173" name="Straight Arrow Connector 172">
-            <a:extLst>
-              <a:ext uri="{FF2B5EF4-FFF2-40B4-BE49-F238E27FC236}">
-                <a16:creationId xmlns:a16="http://schemas.microsoft.com/office/drawing/2014/main" id="{8805674A-7166-4CBD-9F3E-9EB4FB455B28}"/>
-              </a:ext>
-            </a:extLst>
-          </p:cNvPr>
-          <p:cNvCxnSpPr>
-            <a:cxnSpLocks/>
-          </p:cNvCxnSpPr>
-          <p:nvPr/>
-        </p:nvCxnSpPr>
-        <p:spPr>
-          <a:xfrm flipH="1">
-            <a:off x="2002143" y="3738777"/>
-            <a:ext cx="4104" cy="2336655"/>
-          </a:xfrm>
-          <a:prstGeom prst="straightConnector1">
-            <a:avLst/>
-          </a:prstGeom>
-          <a:ln w="9525">
-            <a:solidFill>
-              <a:schemeClr val="tx1"/>
-            </a:solidFill>
-            <a:tailEnd type="triangle"/>
-          </a:ln>
-        </p:spPr>
-        <p:style>
-          <a:lnRef idx="1">
-            <a:schemeClr val="accent1"/>
-          </a:lnRef>
-          <a:fillRef idx="0">
-            <a:schemeClr val="accent1"/>
-          </a:fillRef>
-          <a:effectRef idx="0">
-            <a:schemeClr val="accent1"/>
-          </a:effectRef>
-          <a:fontRef idx="minor">
-            <a:schemeClr val="tx1"/>
-          </a:fontRef>
-        </p:style>
-      </p:cxnSp>
       <p:sp>
         <p:nvSpPr>
           <p:cNvPr id="58" name="Rectangle 57">
@@ -11443,7 +11177,7 @@
         </p:nvSpPr>
         <p:spPr>
           <a:xfrm>
-            <a:off x="3496961" y="4470979"/>
+            <a:off x="3496961" y="4915987"/>
             <a:ext cx="123132" cy="95788"/>
           </a:xfrm>
           <a:prstGeom prst="rect">
@@ -11499,8 +11233,8 @@
         </p:nvCxnSpPr>
         <p:spPr>
           <a:xfrm>
-            <a:off x="3561413" y="2832304"/>
-            <a:ext cx="58680" cy="1176220"/>
+            <a:off x="3571783" y="3006212"/>
+            <a:ext cx="0" cy="1444001"/>
           </a:xfrm>
           <a:prstGeom prst="straightConnector1">
             <a:avLst/>
@@ -11541,7 +11275,7 @@
         </p:nvSpPr>
         <p:spPr>
           <a:xfrm>
-            <a:off x="1593915" y="1937987"/>
+            <a:off x="1685355" y="1937987"/>
             <a:ext cx="3536829" cy="276999"/>
           </a:xfrm>
           <a:prstGeom prst="rect">
@@ -11586,7 +11320,7 @@
             <a:avLst/>
           </a:prstGeom>
           <a:solidFill>
-            <a:schemeClr val="bg2"/>
+            <a:srgbClr val="FFC000"/>
           </a:solidFill>
           <a:ln w="9525">
             <a:solidFill>
@@ -11622,14 +11356,14 @@
         </p:nvSpPr>
         <p:spPr>
           <a:xfrm>
-            <a:off x="1715524" y="6661093"/>
+            <a:off x="2974377" y="6228858"/>
             <a:ext cx="891434" cy="413010"/>
           </a:xfrm>
           <a:prstGeom prst="rect">
             <a:avLst/>
           </a:prstGeom>
           <a:solidFill>
-            <a:schemeClr val="bg2"/>
+            <a:srgbClr val="FFC000"/>
           </a:solidFill>
           <a:ln w="9525">
             <a:solidFill>
@@ -11653,150 +11387,20 @@
       </p:sp>
       <p:sp>
         <p:nvSpPr>
-          <p:cNvPr id="88" name="TextBox 87">
-            <a:extLst>
-              <a:ext uri="{FF2B5EF4-FFF2-40B4-BE49-F238E27FC236}">
-                <a16:creationId xmlns:a16="http://schemas.microsoft.com/office/drawing/2014/main" id="{A39D2850-50A4-44CE-90DE-AD3BCB951000}"/>
-              </a:ext>
-            </a:extLst>
-          </p:cNvPr>
-          <p:cNvSpPr txBox="1"/>
+          <p:cNvPr id="51" name="Rectangle 50">
+            <a:extLst>
+              <a:ext uri="{FF2B5EF4-FFF2-40B4-BE49-F238E27FC236}">
+                <a16:creationId xmlns:a16="http://schemas.microsoft.com/office/drawing/2014/main" id="{0E8C0B28-0100-4C8B-826D-37505ABF9D02}"/>
+              </a:ext>
+            </a:extLst>
+          </p:cNvPr>
+          <p:cNvSpPr/>
           <p:nvPr/>
         </p:nvSpPr>
         <p:spPr>
           <a:xfrm>
-            <a:off x="4322263" y="6742194"/>
-            <a:ext cx="769153" cy="400110"/>
-          </a:xfrm>
-          <a:prstGeom prst="rect">
-            <a:avLst/>
-          </a:prstGeom>
-          <a:solidFill>
-            <a:schemeClr val="bg2"/>
-          </a:solidFill>
-          <a:ln w="9525">
-            <a:solidFill>
-              <a:schemeClr val="tx1"/>
-            </a:solidFill>
-          </a:ln>
-        </p:spPr>
-        <p:txBody>
-          <a:bodyPr wrap="square" rtlCol="0">
-            <a:spAutoFit/>
-          </a:bodyPr>
-          <a:lstStyle/>
-          <a:p>
-            <a:pPr algn="ctr"/>
-            <a:r>
-              <a:rPr lang="en-US" sz="1000" dirty="0"/>
-              <a:t>Bulk density</a:t>
-            </a:r>
-          </a:p>
-        </p:txBody>
-      </p:sp>
-      <p:sp>
-        <p:nvSpPr>
-          <p:cNvPr id="170" name="TextBox 169">
-            <a:extLst>
-              <a:ext uri="{FF2B5EF4-FFF2-40B4-BE49-F238E27FC236}">
-                <a16:creationId xmlns:a16="http://schemas.microsoft.com/office/drawing/2014/main" id="{68630CDA-D7CB-4F71-94FA-BDABED5E88FE}"/>
-              </a:ext>
-            </a:extLst>
-          </p:cNvPr>
-          <p:cNvSpPr txBox="1"/>
-          <p:nvPr/>
-        </p:nvSpPr>
-        <p:spPr>
-          <a:xfrm>
-            <a:off x="1776248" y="6070467"/>
-            <a:ext cx="2155146" cy="246221"/>
-          </a:xfrm>
-          <a:prstGeom prst="rect">
-            <a:avLst/>
-          </a:prstGeom>
-          <a:solidFill>
-            <a:srgbClr val="FFC000"/>
-          </a:solidFill>
-          <a:ln w="9525">
-            <a:solidFill>
-              <a:schemeClr val="tx1"/>
-            </a:solidFill>
-          </a:ln>
-        </p:spPr>
-        <p:txBody>
-          <a:bodyPr wrap="square" rtlCol="0">
-            <a:spAutoFit/>
-          </a:bodyPr>
-          <a:lstStyle/>
-          <a:p>
-            <a:pPr algn="ctr"/>
-            <a:r>
-              <a:rPr lang="en-US" sz="1000" dirty="0"/>
-              <a:t>Soil structure</a:t>
-            </a:r>
-          </a:p>
-        </p:txBody>
-      </p:sp>
-      <p:cxnSp>
-        <p:nvCxnSpPr>
-          <p:cNvPr id="65" name="Straight Arrow Connector 64">
-            <a:extLst>
-              <a:ext uri="{FF2B5EF4-FFF2-40B4-BE49-F238E27FC236}">
-                <a16:creationId xmlns:a16="http://schemas.microsoft.com/office/drawing/2014/main" id="{6DDDE205-0E35-4E61-A2F7-714AF9A98917}"/>
-              </a:ext>
-            </a:extLst>
-          </p:cNvPr>
-          <p:cNvCxnSpPr>
-            <a:cxnSpLocks/>
-          </p:cNvCxnSpPr>
-          <p:nvPr/>
-        </p:nvCxnSpPr>
-        <p:spPr>
-          <a:xfrm>
-            <a:off x="2593952" y="6947820"/>
-            <a:ext cx="367020" cy="0"/>
-          </a:xfrm>
-          <a:prstGeom prst="straightConnector1">
-            <a:avLst/>
-          </a:prstGeom>
-          <a:ln w="9525">
-            <a:solidFill>
-              <a:schemeClr val="tx1"/>
-            </a:solidFill>
-            <a:tailEnd type="triangle"/>
-          </a:ln>
-        </p:spPr>
-        <p:style>
-          <a:lnRef idx="1">
-            <a:schemeClr val="accent1"/>
-          </a:lnRef>
-          <a:fillRef idx="0">
-            <a:schemeClr val="accent1"/>
-          </a:fillRef>
-          <a:effectRef idx="0">
-            <a:schemeClr val="accent1"/>
-          </a:effectRef>
-          <a:fontRef idx="minor">
-            <a:schemeClr val="tx1"/>
-          </a:fontRef>
-        </p:style>
-      </p:cxnSp>
-      <p:sp>
-        <p:nvSpPr>
-          <p:cNvPr id="51" name="Rectangle 50">
-            <a:extLst>
-              <a:ext uri="{FF2B5EF4-FFF2-40B4-BE49-F238E27FC236}">
-                <a16:creationId xmlns:a16="http://schemas.microsoft.com/office/drawing/2014/main" id="{0E8C0B28-0100-4C8B-826D-37505ABF9D02}"/>
-              </a:ext>
-            </a:extLst>
-          </p:cNvPr>
-          <p:cNvSpPr/>
-          <p:nvPr/>
-        </p:nvSpPr>
-        <p:spPr>
-          <a:xfrm>
-            <a:off x="2225171" y="4504200"/>
-            <a:ext cx="148990" cy="95788"/>
+            <a:off x="3366434" y="5600393"/>
+            <a:ext cx="97125" cy="89144"/>
           </a:xfrm>
           <a:prstGeom prst="rect">
             <a:avLst/>
@@ -11835,49 +11439,6 @@
           </a:p>
         </p:txBody>
       </p:sp>
-      <p:sp>
-        <p:nvSpPr>
-          <p:cNvPr id="6" name="TextBox 5">
-            <a:extLst>
-              <a:ext uri="{FF2B5EF4-FFF2-40B4-BE49-F238E27FC236}">
-                <a16:creationId xmlns:a16="http://schemas.microsoft.com/office/drawing/2014/main" id="{21876E51-290C-4303-A6AD-0D8D552ADC8C}"/>
-              </a:ext>
-            </a:extLst>
-          </p:cNvPr>
-          <p:cNvSpPr txBox="1"/>
-          <p:nvPr/>
-        </p:nvSpPr>
-        <p:spPr>
-          <a:xfrm>
-            <a:off x="3062654" y="2549452"/>
-            <a:ext cx="750407" cy="553998"/>
-          </a:xfrm>
-          <a:prstGeom prst="rect">
-            <a:avLst/>
-          </a:prstGeom>
-          <a:solidFill>
-            <a:srgbClr val="FFC000"/>
-          </a:solidFill>
-          <a:ln w="9525">
-            <a:solidFill>
-              <a:schemeClr val="tx1"/>
-            </a:solidFill>
-          </a:ln>
-        </p:spPr>
-        <p:txBody>
-          <a:bodyPr wrap="square" rtlCol="0">
-            <a:spAutoFit/>
-          </a:bodyPr>
-          <a:lstStyle/>
-          <a:p>
-            <a:pPr algn="ctr"/>
-            <a:r>
-              <a:rPr lang="en-US" sz="1000" dirty="0"/>
-              <a:t>Below-ground biomass</a:t>
-            </a:r>
-          </a:p>
-        </p:txBody>
-      </p:sp>
       <p:cxnSp>
         <p:nvCxnSpPr>
           <p:cNvPr id="60" name="Straight Arrow Connector 59">
@@ -11894,7 +11455,7 @@
         </p:nvCxnSpPr>
         <p:spPr>
           <a:xfrm>
-            <a:off x="1265869" y="3679389"/>
+            <a:off x="1265869" y="4124397"/>
             <a:ext cx="546434" cy="0"/>
           </a:xfrm>
           <a:prstGeom prst="straightConnector1">
@@ -11902,7 +11463,7 @@
           </a:prstGeom>
           <a:ln w="9525">
             <a:solidFill>
-              <a:srgbClr val="FF0000"/>
+              <a:schemeClr val="tx1"/>
             </a:solidFill>
             <a:tailEnd type="triangle"/>
           </a:ln>
@@ -11938,8 +11499,8 @@
         </p:nvCxnSpPr>
         <p:spPr>
           <a:xfrm flipH="1">
-            <a:off x="2731404" y="3703629"/>
-            <a:ext cx="513420" cy="0"/>
+            <a:off x="2724949" y="4148637"/>
+            <a:ext cx="1862879" cy="0"/>
           </a:xfrm>
           <a:prstGeom prst="straightConnector1">
             <a:avLst/>
@@ -11975,13 +11536,15 @@
               </a:ext>
             </a:extLst>
           </p:cNvPr>
-          <p:cNvCxnSpPr/>
+          <p:cNvCxnSpPr>
+            <a:cxnSpLocks/>
+          </p:cNvCxnSpPr>
           <p:nvPr/>
         </p:nvCxnSpPr>
         <p:spPr>
           <a:xfrm flipH="1">
-            <a:off x="2300017" y="3677251"/>
-            <a:ext cx="1" cy="1734499"/>
+            <a:off x="2300018" y="4122259"/>
+            <a:ext cx="1" cy="523128"/>
           </a:xfrm>
           <a:prstGeom prst="line">
             <a:avLst/>
@@ -12023,8 +11586,106 @@
         </p:nvCxnSpPr>
         <p:spPr>
           <a:xfrm>
-            <a:off x="2300706" y="5411628"/>
-            <a:ext cx="1047149" cy="0"/>
+            <a:off x="2304905" y="4650314"/>
+            <a:ext cx="584564" cy="0"/>
+          </a:xfrm>
+          <a:prstGeom prst="straightConnector1">
+            <a:avLst/>
+          </a:prstGeom>
+          <a:ln w="9525">
+            <a:solidFill>
+              <a:schemeClr val="tx1"/>
+            </a:solidFill>
+            <a:tailEnd type="triangle"/>
+          </a:ln>
+        </p:spPr>
+        <p:style>
+          <a:lnRef idx="1">
+            <a:schemeClr val="accent1"/>
+          </a:lnRef>
+          <a:fillRef idx="0">
+            <a:schemeClr val="accent1"/>
+          </a:fillRef>
+          <a:effectRef idx="0">
+            <a:schemeClr val="accent1"/>
+          </a:effectRef>
+          <a:fontRef idx="minor">
+            <a:schemeClr val="tx1"/>
+          </a:fontRef>
+        </p:style>
+      </p:cxnSp>
+      <p:sp>
+        <p:nvSpPr>
+          <p:cNvPr id="69" name="Rectangle 68">
+            <a:extLst>
+              <a:ext uri="{FF2B5EF4-FFF2-40B4-BE49-F238E27FC236}">
+                <a16:creationId xmlns:a16="http://schemas.microsoft.com/office/drawing/2014/main" id="{9E65AB98-3285-4703-8163-457D65A667E7}"/>
+              </a:ext>
+            </a:extLst>
+          </p:cNvPr>
+          <p:cNvSpPr/>
+          <p:nvPr/>
+        </p:nvSpPr>
+        <p:spPr>
+          <a:xfrm>
+            <a:off x="2118146" y="3239494"/>
+            <a:ext cx="148990" cy="95788"/>
+          </a:xfrm>
+          <a:prstGeom prst="rect">
+            <a:avLst/>
+          </a:prstGeom>
+          <a:solidFill>
+            <a:schemeClr val="bg1"/>
+          </a:solidFill>
+          <a:ln w="9525">
+            <a:solidFill>
+              <a:schemeClr val="bg1"/>
+            </a:solidFill>
+          </a:ln>
+        </p:spPr>
+        <p:style>
+          <a:lnRef idx="2">
+            <a:schemeClr val="accent1">
+              <a:shade val="50000"/>
+            </a:schemeClr>
+          </a:lnRef>
+          <a:fillRef idx="1">
+            <a:schemeClr val="accent1"/>
+          </a:fillRef>
+          <a:effectRef idx="0">
+            <a:schemeClr val="accent1"/>
+          </a:effectRef>
+          <a:fontRef idx="minor">
+            <a:schemeClr val="lt1"/>
+          </a:fontRef>
+        </p:style>
+        <p:txBody>
+          <a:bodyPr rtlCol="0" anchor="ctr"/>
+          <a:lstStyle/>
+          <a:p>
+            <a:pPr algn="ctr"/>
+            <a:endParaRPr lang="en-US"/>
+          </a:p>
+        </p:txBody>
+      </p:sp>
+      <p:cxnSp>
+        <p:nvCxnSpPr>
+          <p:cNvPr id="68" name="Straight Arrow Connector 67">
+            <a:extLst>
+              <a:ext uri="{FF2B5EF4-FFF2-40B4-BE49-F238E27FC236}">
+                <a16:creationId xmlns:a16="http://schemas.microsoft.com/office/drawing/2014/main" id="{23A32417-966F-4D82-A544-4FD7F83C054D}"/>
+              </a:ext>
+            </a:extLst>
+          </p:cNvPr>
+          <p:cNvCxnSpPr>
+            <a:cxnSpLocks/>
+          </p:cNvCxnSpPr>
+          <p:nvPr/>
+        </p:nvCxnSpPr>
+        <p:spPr>
+          <a:xfrm flipH="1">
+            <a:off x="1621645" y="3294467"/>
+            <a:ext cx="1627448" cy="0"/>
           </a:xfrm>
           <a:prstGeom prst="straightConnector1">
             <a:avLst/>
@@ -12053,31 +11714,28 @@
       </p:cxnSp>
       <p:cxnSp>
         <p:nvCxnSpPr>
-          <p:cNvPr id="67" name="Straight Arrow Connector 66">
-            <a:extLst>
-              <a:ext uri="{FF2B5EF4-FFF2-40B4-BE49-F238E27FC236}">
-                <a16:creationId xmlns:a16="http://schemas.microsoft.com/office/drawing/2014/main" id="{DA084BF6-9948-48E2-8406-66EED07CC671}"/>
-              </a:ext>
-            </a:extLst>
-          </p:cNvPr>
-          <p:cNvCxnSpPr>
-            <a:cxnSpLocks/>
-          </p:cNvCxnSpPr>
+          <p:cNvPr id="72" name="Straight Connector 71">
+            <a:extLst>
+              <a:ext uri="{FF2B5EF4-FFF2-40B4-BE49-F238E27FC236}">
+                <a16:creationId xmlns:a16="http://schemas.microsoft.com/office/drawing/2014/main" id="{35DFD89D-C34C-4EAB-8B2B-E2F8CECB33E1}"/>
+              </a:ext>
+            </a:extLst>
+          </p:cNvPr>
+          <p:cNvCxnSpPr/>
           <p:nvPr/>
         </p:nvCxnSpPr>
         <p:spPr>
-          <a:xfrm>
-            <a:off x="2638445" y="3514470"/>
-            <a:ext cx="1" cy="696487"/>
-          </a:xfrm>
-          <a:prstGeom prst="straightConnector1">
+          <a:xfrm flipH="1">
+            <a:off x="1992296" y="4235974"/>
+            <a:ext cx="1" cy="1435714"/>
+          </a:xfrm>
+          <a:prstGeom prst="line">
             <a:avLst/>
           </a:prstGeom>
           <a:ln w="9525">
             <a:solidFill>
               <a:schemeClr val="tx1"/>
             </a:solidFill>
-            <a:tailEnd type="triangle"/>
           </a:ln>
         </p:spPr>
         <p:style>
@@ -12097,63 +11755,20 @@
       </p:cxnSp>
       <p:sp>
         <p:nvSpPr>
-          <p:cNvPr id="77" name="TextBox 76">
-            <a:extLst>
-              <a:ext uri="{FF2B5EF4-FFF2-40B4-BE49-F238E27FC236}">
-                <a16:creationId xmlns:a16="http://schemas.microsoft.com/office/drawing/2014/main" id="{592AC19D-B477-462D-A16C-DFA019277B56}"/>
-              </a:ext>
-            </a:extLst>
-          </p:cNvPr>
-          <p:cNvSpPr txBox="1"/>
+          <p:cNvPr id="73" name="Rectangle 72">
+            <a:extLst>
+              <a:ext uri="{FF2B5EF4-FFF2-40B4-BE49-F238E27FC236}">
+                <a16:creationId xmlns:a16="http://schemas.microsoft.com/office/drawing/2014/main" id="{B555254F-33B7-4C2C-9702-B6B6888BA062}"/>
+              </a:ext>
+            </a:extLst>
+          </p:cNvPr>
+          <p:cNvSpPr/>
           <p:nvPr/>
         </p:nvSpPr>
         <p:spPr>
           <a:xfrm>
-            <a:off x="1837837" y="3478947"/>
-            <a:ext cx="879910" cy="400110"/>
-          </a:xfrm>
-          <a:prstGeom prst="rect">
-            <a:avLst/>
-          </a:prstGeom>
-          <a:solidFill>
-            <a:schemeClr val="bg2"/>
-          </a:solidFill>
-          <a:ln w="9525">
-            <a:solidFill>
-              <a:schemeClr val="tx1"/>
-            </a:solidFill>
-          </a:ln>
-        </p:spPr>
-        <p:txBody>
-          <a:bodyPr wrap="square" rtlCol="0">
-            <a:spAutoFit/>
-          </a:bodyPr>
-          <a:lstStyle/>
-          <a:p>
-            <a:pPr algn="ctr"/>
-            <a:r>
-              <a:rPr lang="en-US" sz="1000" dirty="0"/>
-              <a:t>Soil Organic Matter</a:t>
-            </a:r>
-          </a:p>
-        </p:txBody>
-      </p:sp>
-      <p:sp>
-        <p:nvSpPr>
-          <p:cNvPr id="66" name="Rectangle 65">
-            <a:extLst>
-              <a:ext uri="{FF2B5EF4-FFF2-40B4-BE49-F238E27FC236}">
-                <a16:creationId xmlns:a16="http://schemas.microsoft.com/office/drawing/2014/main" id="{23905BF2-D03B-488F-8B38-8437C2EE7FF2}"/>
-              </a:ext>
-            </a:extLst>
-          </p:cNvPr>
-          <p:cNvSpPr/>
-          <p:nvPr/>
-        </p:nvSpPr>
-        <p:spPr>
-          <a:xfrm>
-            <a:off x="2783959" y="5377790"/>
-            <a:ext cx="148990" cy="95788"/>
+            <a:off x="3366434" y="5806133"/>
+            <a:ext cx="97125" cy="89144"/>
           </a:xfrm>
           <a:prstGeom prst="rect">
             <a:avLst/>
@@ -12194,10 +11809,10 @@
       </p:sp>
       <p:cxnSp>
         <p:nvCxnSpPr>
-          <p:cNvPr id="172" name="Straight Arrow Connector 171">
-            <a:extLst>
-              <a:ext uri="{FF2B5EF4-FFF2-40B4-BE49-F238E27FC236}">
-                <a16:creationId xmlns:a16="http://schemas.microsoft.com/office/drawing/2014/main" id="{FC8C7FFC-E011-4F67-A04C-8CFC4A5730E2}"/>
+          <p:cNvPr id="150" name="Straight Arrow Connector 149">
+            <a:extLst>
+              <a:ext uri="{FF2B5EF4-FFF2-40B4-BE49-F238E27FC236}">
+                <a16:creationId xmlns:a16="http://schemas.microsoft.com/office/drawing/2014/main" id="{4CEEC003-E039-462C-8E5B-0071A4FA2F92}"/>
               </a:ext>
             </a:extLst>
           </p:cNvPr>
@@ -12208,8 +11823,52 @@
         </p:nvCxnSpPr>
         <p:spPr>
           <a:xfrm flipH="1">
-            <a:off x="2867980" y="4638790"/>
-            <a:ext cx="2283" cy="1375601"/>
+            <a:off x="3413055" y="5074451"/>
+            <a:ext cx="2283" cy="1136860"/>
+          </a:xfrm>
+          <a:prstGeom prst="straightConnector1">
+            <a:avLst/>
+          </a:prstGeom>
+          <a:ln w="9525">
+            <a:solidFill>
+              <a:schemeClr val="tx1"/>
+            </a:solidFill>
+            <a:tailEnd type="triangle"/>
+          </a:ln>
+        </p:spPr>
+        <p:style>
+          <a:lnRef idx="1">
+            <a:schemeClr val="accent1"/>
+          </a:lnRef>
+          <a:fillRef idx="0">
+            <a:schemeClr val="accent1"/>
+          </a:fillRef>
+          <a:effectRef idx="0">
+            <a:schemeClr val="accent1"/>
+          </a:effectRef>
+          <a:fontRef idx="minor">
+            <a:schemeClr val="tx1"/>
+          </a:fontRef>
+        </p:style>
+      </p:cxnSp>
+      <p:cxnSp>
+        <p:nvCxnSpPr>
+          <p:cNvPr id="74" name="Straight Arrow Connector 73">
+            <a:extLst>
+              <a:ext uri="{FF2B5EF4-FFF2-40B4-BE49-F238E27FC236}">
+                <a16:creationId xmlns:a16="http://schemas.microsoft.com/office/drawing/2014/main" id="{936C8AF3-FF38-4559-AE0B-FBAA2F913B1C}"/>
+              </a:ext>
+            </a:extLst>
+          </p:cNvPr>
+          <p:cNvCxnSpPr>
+            <a:cxnSpLocks/>
+          </p:cNvCxnSpPr>
+          <p:nvPr/>
+        </p:nvCxnSpPr>
+        <p:spPr>
+          <a:xfrm flipH="1">
+            <a:off x="4333862" y="5893710"/>
+            <a:ext cx="2283" cy="1250546"/>
           </a:xfrm>
           <a:prstGeom prst="straightConnector1">
             <a:avLst/>
@@ -12238,10 +11897,10 @@
       </p:cxnSp>
       <p:sp>
         <p:nvSpPr>
-          <p:cNvPr id="85" name="TextBox 84">
-            <a:extLst>
-              <a:ext uri="{FF2B5EF4-FFF2-40B4-BE49-F238E27FC236}">
-                <a16:creationId xmlns:a16="http://schemas.microsoft.com/office/drawing/2014/main" id="{CF804AB6-B196-45FB-8F8E-BCF2A0FB4871}"/>
+          <p:cNvPr id="86" name="TextBox 85">
+            <a:extLst>
+              <a:ext uri="{FF2B5EF4-FFF2-40B4-BE49-F238E27FC236}">
+                <a16:creationId xmlns:a16="http://schemas.microsoft.com/office/drawing/2014/main" id="{8FF35A50-2D70-45A5-97C0-09FA7E9396C3}"/>
               </a:ext>
             </a:extLst>
           </p:cNvPr>
@@ -12250,8 +11909,61 @@
         </p:nvSpPr>
         <p:spPr>
           <a:xfrm>
-            <a:off x="2938408" y="4008524"/>
-            <a:ext cx="1077151" cy="707886"/>
+            <a:off x="4035641" y="5485395"/>
+            <a:ext cx="1614352" cy="553998"/>
+          </a:xfrm>
+          <a:prstGeom prst="rect">
+            <a:avLst/>
+          </a:prstGeom>
+          <a:solidFill>
+            <a:schemeClr val="bg1">
+              <a:lumMod val="85000"/>
+            </a:schemeClr>
+          </a:solidFill>
+          <a:ln w="9525">
+            <a:solidFill>
+              <a:schemeClr val="tx1"/>
+            </a:solidFill>
+          </a:ln>
+        </p:spPr>
+        <p:txBody>
+          <a:bodyPr wrap="square" rtlCol="0" anchor="ctr">
+            <a:spAutoFit/>
+          </a:bodyPr>
+          <a:lstStyle/>
+          <a:p>
+            <a:pPr algn="ctr"/>
+            <a:endParaRPr lang="en-US" sz="1000" dirty="0"/>
+          </a:p>
+          <a:p>
+            <a:pPr algn="ctr"/>
+            <a:r>
+              <a:rPr lang="en-US" sz="1000" dirty="0"/>
+              <a:t>Soil porosity</a:t>
+            </a:r>
+          </a:p>
+          <a:p>
+            <a:pPr algn="ctr"/>
+            <a:endParaRPr lang="en-US" sz="1000" dirty="0"/>
+          </a:p>
+        </p:txBody>
+      </p:sp>
+      <p:sp>
+        <p:nvSpPr>
+          <p:cNvPr id="77" name="TextBox 76">
+            <a:extLst>
+              <a:ext uri="{FF2B5EF4-FFF2-40B4-BE49-F238E27FC236}">
+                <a16:creationId xmlns:a16="http://schemas.microsoft.com/office/drawing/2014/main" id="{592AC19D-B477-462D-A16C-DFA019277B56}"/>
+              </a:ext>
+            </a:extLst>
+          </p:cNvPr>
+          <p:cNvSpPr txBox="1"/>
+          <p:nvPr/>
+        </p:nvSpPr>
+        <p:spPr>
+          <a:xfrm>
+            <a:off x="1822597" y="3626775"/>
+            <a:ext cx="879910" cy="707886"/>
           </a:xfrm>
           <a:prstGeom prst="rect">
             <a:avLst/>
@@ -12278,6 +11990,59 @@
             <a:pPr algn="ctr"/>
             <a:r>
               <a:rPr lang="en-US" sz="1000" dirty="0"/>
+              <a:t>Soil Organic Matter</a:t>
+            </a:r>
+          </a:p>
+          <a:p>
+            <a:pPr algn="ctr"/>
+            <a:endParaRPr lang="en-US" sz="1000" dirty="0"/>
+          </a:p>
+        </p:txBody>
+      </p:sp>
+      <p:sp>
+        <p:nvSpPr>
+          <p:cNvPr id="85" name="TextBox 84">
+            <a:extLst>
+              <a:ext uri="{FF2B5EF4-FFF2-40B4-BE49-F238E27FC236}">
+                <a16:creationId xmlns:a16="http://schemas.microsoft.com/office/drawing/2014/main" id="{CF804AB6-B196-45FB-8F8E-BCF2A0FB4871}"/>
+              </a:ext>
+            </a:extLst>
+          </p:cNvPr>
+          <p:cNvSpPr txBox="1"/>
+          <p:nvPr/>
+        </p:nvSpPr>
+        <p:spPr>
+          <a:xfrm>
+            <a:off x="2881519" y="4459028"/>
+            <a:ext cx="1077151" cy="707886"/>
+          </a:xfrm>
+          <a:prstGeom prst="rect">
+            <a:avLst/>
+          </a:prstGeom>
+          <a:solidFill>
+            <a:schemeClr val="bg1">
+              <a:lumMod val="85000"/>
+            </a:schemeClr>
+          </a:solidFill>
+          <a:ln w="9525">
+            <a:solidFill>
+              <a:schemeClr val="tx1"/>
+            </a:solidFill>
+          </a:ln>
+        </p:spPr>
+        <p:txBody>
+          <a:bodyPr wrap="square" rtlCol="0">
+            <a:spAutoFit/>
+          </a:bodyPr>
+          <a:lstStyle/>
+          <a:p>
+            <a:pPr algn="ctr"/>
+            <a:endParaRPr lang="en-US" sz="1000" dirty="0"/>
+          </a:p>
+          <a:p>
+            <a:pPr algn="ctr"/>
+            <a:r>
+              <a:rPr lang="en-US" sz="1000" dirty="0"/>
               <a:t>Soil</a:t>
             </a:r>
           </a:p>
@@ -12294,12 +12059,96 @@
           </a:p>
         </p:txBody>
       </p:sp>
+      <p:cxnSp>
+        <p:nvCxnSpPr>
+          <p:cNvPr id="75" name="Straight Connector 74">
+            <a:extLst>
+              <a:ext uri="{FF2B5EF4-FFF2-40B4-BE49-F238E27FC236}">
+                <a16:creationId xmlns:a16="http://schemas.microsoft.com/office/drawing/2014/main" id="{B7848DF7-7C8D-49BB-AB5A-2450D14793BC}"/>
+              </a:ext>
+            </a:extLst>
+          </p:cNvPr>
+          <p:cNvCxnSpPr/>
+          <p:nvPr/>
+        </p:nvCxnSpPr>
+        <p:spPr>
+          <a:xfrm flipH="1">
+            <a:off x="3753605" y="3064096"/>
+            <a:ext cx="1" cy="669772"/>
+          </a:xfrm>
+          <a:prstGeom prst="line">
+            <a:avLst/>
+          </a:prstGeom>
+          <a:ln w="9525">
+            <a:solidFill>
+              <a:schemeClr val="tx1"/>
+            </a:solidFill>
+          </a:ln>
+        </p:spPr>
+        <p:style>
+          <a:lnRef idx="1">
+            <a:schemeClr val="accent1"/>
+          </a:lnRef>
+          <a:fillRef idx="0">
+            <a:schemeClr val="accent1"/>
+          </a:fillRef>
+          <a:effectRef idx="0">
+            <a:schemeClr val="accent1"/>
+          </a:effectRef>
+          <a:fontRef idx="minor">
+            <a:schemeClr val="tx1"/>
+          </a:fontRef>
+        </p:style>
+      </p:cxnSp>
+      <p:cxnSp>
+        <p:nvCxnSpPr>
+          <p:cNvPr id="78" name="Straight Connector 77">
+            <a:extLst>
+              <a:ext uri="{FF2B5EF4-FFF2-40B4-BE49-F238E27FC236}">
+                <a16:creationId xmlns:a16="http://schemas.microsoft.com/office/drawing/2014/main" id="{C07FA20D-D121-45C7-BFDC-7ACD2409C94A}"/>
+              </a:ext>
+            </a:extLst>
+          </p:cNvPr>
+          <p:cNvCxnSpPr>
+            <a:cxnSpLocks/>
+          </p:cNvCxnSpPr>
+          <p:nvPr/>
+        </p:nvCxnSpPr>
+        <p:spPr>
+          <a:xfrm>
+            <a:off x="3753605" y="3735233"/>
+            <a:ext cx="649490" cy="0"/>
+          </a:xfrm>
+          <a:prstGeom prst="line">
+            <a:avLst/>
+          </a:prstGeom>
+          <a:ln w="9525">
+            <a:solidFill>
+              <a:schemeClr val="tx1"/>
+            </a:solidFill>
+          </a:ln>
+        </p:spPr>
+        <p:style>
+          <a:lnRef idx="1">
+            <a:schemeClr val="accent1"/>
+          </a:lnRef>
+          <a:fillRef idx="0">
+            <a:schemeClr val="accent1"/>
+          </a:fillRef>
+          <a:effectRef idx="0">
+            <a:schemeClr val="accent1"/>
+          </a:effectRef>
+          <a:fontRef idx="minor">
+            <a:schemeClr val="tx1"/>
+          </a:fontRef>
+        </p:style>
+      </p:cxnSp>
       <p:sp>
         <p:nvSpPr>
-          <p:cNvPr id="69" name="Rectangle 68">
-            <a:extLst>
-              <a:ext uri="{FF2B5EF4-FFF2-40B4-BE49-F238E27FC236}">
-                <a16:creationId xmlns:a16="http://schemas.microsoft.com/office/drawing/2014/main" id="{9E65AB98-3285-4703-8163-457D65A667E7}"/>
+          <p:cNvPr id="79" name="Rectangle 78">
+            <a:extLst>
+              <a:ext uri="{FF2B5EF4-FFF2-40B4-BE49-F238E27FC236}">
+                <a16:creationId xmlns:a16="http://schemas.microsoft.com/office/drawing/2014/main" id="{28D1E545-C0E9-4DAE-9127-D9C8B7AC9F91}"/>
               </a:ext>
             </a:extLst>
           </p:cNvPr>
@@ -12308,7 +12157,7 @@
         </p:nvSpPr>
         <p:spPr>
           <a:xfrm>
-            <a:off x="2118146" y="3239494"/>
+            <a:off x="4315905" y="4105543"/>
             <a:ext cx="148990" cy="95788"/>
           </a:xfrm>
           <a:prstGeom prst="rect">
@@ -12348,12 +12197,66 @@
           </a:p>
         </p:txBody>
       </p:sp>
+      <p:sp>
+        <p:nvSpPr>
+          <p:cNvPr id="81" name="Rectangle 80">
+            <a:extLst>
+              <a:ext uri="{FF2B5EF4-FFF2-40B4-BE49-F238E27FC236}">
+                <a16:creationId xmlns:a16="http://schemas.microsoft.com/office/drawing/2014/main" id="{53E28701-CF5A-444F-AC0D-C5669982B48B}"/>
+              </a:ext>
+            </a:extLst>
+          </p:cNvPr>
+          <p:cNvSpPr/>
+          <p:nvPr/>
+        </p:nvSpPr>
+        <p:spPr>
+          <a:xfrm>
+            <a:off x="4315905" y="4590917"/>
+            <a:ext cx="148990" cy="95788"/>
+          </a:xfrm>
+          <a:prstGeom prst="rect">
+            <a:avLst/>
+          </a:prstGeom>
+          <a:solidFill>
+            <a:schemeClr val="bg1"/>
+          </a:solidFill>
+          <a:ln w="9525">
+            <a:solidFill>
+              <a:schemeClr val="bg1"/>
+            </a:solidFill>
+          </a:ln>
+        </p:spPr>
+        <p:style>
+          <a:lnRef idx="2">
+            <a:schemeClr val="accent1">
+              <a:shade val="50000"/>
+            </a:schemeClr>
+          </a:lnRef>
+          <a:fillRef idx="1">
+            <a:schemeClr val="accent1"/>
+          </a:fillRef>
+          <a:effectRef idx="0">
+            <a:schemeClr val="accent1"/>
+          </a:effectRef>
+          <a:fontRef idx="minor">
+            <a:schemeClr val="lt1"/>
+          </a:fontRef>
+        </p:style>
+        <p:txBody>
+          <a:bodyPr rtlCol="0" anchor="ctr"/>
+          <a:lstStyle/>
+          <a:p>
+            <a:pPr algn="ctr"/>
+            <a:endParaRPr lang="en-US"/>
+          </a:p>
+        </p:txBody>
+      </p:sp>
       <p:cxnSp>
         <p:nvCxnSpPr>
-          <p:cNvPr id="68" name="Straight Arrow Connector 67">
-            <a:extLst>
-              <a:ext uri="{FF2B5EF4-FFF2-40B4-BE49-F238E27FC236}">
-                <a16:creationId xmlns:a16="http://schemas.microsoft.com/office/drawing/2014/main" id="{23A32417-966F-4D82-A544-4FD7F83C054D}"/>
+          <p:cNvPr id="76" name="Straight Arrow Connector 75">
+            <a:extLst>
+              <a:ext uri="{FF2B5EF4-FFF2-40B4-BE49-F238E27FC236}">
+                <a16:creationId xmlns:a16="http://schemas.microsoft.com/office/drawing/2014/main" id="{B0D955D5-EEAA-41EC-ADCF-DF8490F5024C}"/>
               </a:ext>
             </a:extLst>
           </p:cNvPr>
@@ -12364,15 +12267,15 @@
         </p:nvCxnSpPr>
         <p:spPr>
           <a:xfrm flipH="1">
-            <a:off x="1621645" y="3294467"/>
-            <a:ext cx="1627448" cy="0"/>
+            <a:off x="4393430" y="3734318"/>
+            <a:ext cx="2283" cy="1724814"/>
           </a:xfrm>
           <a:prstGeom prst="straightConnector1">
             <a:avLst/>
           </a:prstGeom>
           <a:ln w="9525">
             <a:solidFill>
-              <a:srgbClr val="FF0000"/>
+              <a:schemeClr val="tx1"/>
             </a:solidFill>
             <a:tailEnd type="triangle"/>
           </a:ln>
@@ -12392,6 +12295,136 @@
           </a:fontRef>
         </p:style>
       </p:cxnSp>
+      <p:cxnSp>
+        <p:nvCxnSpPr>
+          <p:cNvPr id="54" name="Straight Arrow Connector 53">
+            <a:extLst>
+              <a:ext uri="{FF2B5EF4-FFF2-40B4-BE49-F238E27FC236}">
+                <a16:creationId xmlns:a16="http://schemas.microsoft.com/office/drawing/2014/main" id="{A69F1B3E-3EEC-4006-99BB-1523B0E1A613}"/>
+              </a:ext>
+            </a:extLst>
+          </p:cNvPr>
+          <p:cNvCxnSpPr>
+            <a:cxnSpLocks/>
+          </p:cNvCxnSpPr>
+          <p:nvPr/>
+        </p:nvCxnSpPr>
+        <p:spPr>
+          <a:xfrm flipH="1">
+            <a:off x="2723786" y="3813357"/>
+            <a:ext cx="682297" cy="0"/>
+          </a:xfrm>
+          <a:prstGeom prst="straightConnector1">
+            <a:avLst/>
+          </a:prstGeom>
+          <a:ln w="9525">
+            <a:solidFill>
+              <a:schemeClr val="tx1"/>
+            </a:solidFill>
+            <a:tailEnd type="triangle"/>
+          </a:ln>
+        </p:spPr>
+        <p:style>
+          <a:lnRef idx="1">
+            <a:schemeClr val="accent1"/>
+          </a:lnRef>
+          <a:fillRef idx="0">
+            <a:schemeClr val="accent1"/>
+          </a:fillRef>
+          <a:effectRef idx="0">
+            <a:schemeClr val="accent1"/>
+          </a:effectRef>
+          <a:fontRef idx="minor">
+            <a:schemeClr val="tx1"/>
+          </a:fontRef>
+        </p:style>
+      </p:cxnSp>
+      <p:cxnSp>
+        <p:nvCxnSpPr>
+          <p:cNvPr id="65" name="Straight Connector 64">
+            <a:extLst>
+              <a:ext uri="{FF2B5EF4-FFF2-40B4-BE49-F238E27FC236}">
+                <a16:creationId xmlns:a16="http://schemas.microsoft.com/office/drawing/2014/main" id="{48C7356A-A367-4A6B-A784-D243BD7177B6}"/>
+              </a:ext>
+            </a:extLst>
+          </p:cNvPr>
+          <p:cNvCxnSpPr/>
+          <p:nvPr/>
+        </p:nvCxnSpPr>
+        <p:spPr>
+          <a:xfrm flipH="1">
+            <a:off x="3407483" y="3076465"/>
+            <a:ext cx="1" cy="736749"/>
+          </a:xfrm>
+          <a:prstGeom prst="line">
+            <a:avLst/>
+          </a:prstGeom>
+          <a:ln w="9525">
+            <a:solidFill>
+              <a:schemeClr val="tx1"/>
+            </a:solidFill>
+          </a:ln>
+        </p:spPr>
+        <p:style>
+          <a:lnRef idx="1">
+            <a:schemeClr val="accent1"/>
+          </a:lnRef>
+          <a:fillRef idx="0">
+            <a:schemeClr val="accent1"/>
+          </a:fillRef>
+          <a:effectRef idx="0">
+            <a:schemeClr val="accent1"/>
+          </a:effectRef>
+          <a:fontRef idx="minor">
+            <a:schemeClr val="tx1"/>
+          </a:fontRef>
+        </p:style>
+      </p:cxnSp>
+      <p:sp>
+        <p:nvSpPr>
+          <p:cNvPr id="6" name="TextBox 5">
+            <a:extLst>
+              <a:ext uri="{FF2B5EF4-FFF2-40B4-BE49-F238E27FC236}">
+                <a16:creationId xmlns:a16="http://schemas.microsoft.com/office/drawing/2014/main" id="{21876E51-290C-4303-A6AD-0D8D552ADC8C}"/>
+              </a:ext>
+            </a:extLst>
+          </p:cNvPr>
+          <p:cNvSpPr txBox="1"/>
+          <p:nvPr/>
+        </p:nvSpPr>
+        <p:spPr>
+          <a:xfrm>
+            <a:off x="3138854" y="2549452"/>
+            <a:ext cx="750407" cy="553998"/>
+          </a:xfrm>
+          <a:prstGeom prst="rect">
+            <a:avLst/>
+          </a:prstGeom>
+          <a:solidFill>
+            <a:schemeClr val="bg1">
+              <a:lumMod val="85000"/>
+            </a:schemeClr>
+          </a:solidFill>
+          <a:ln w="9525">
+            <a:solidFill>
+              <a:schemeClr val="tx1"/>
+            </a:solidFill>
+          </a:ln>
+        </p:spPr>
+        <p:txBody>
+          <a:bodyPr wrap="square" rtlCol="0">
+            <a:spAutoFit/>
+          </a:bodyPr>
+          <a:lstStyle/>
+          <a:p>
+            <a:pPr algn="ctr"/>
+            <a:r>
+              <a:rPr lang="en-US" sz="1000" dirty="0"/>
+              <a:t>Below-ground biomass</a:t>
+            </a:r>
+          </a:p>
+        </p:txBody>
+      </p:sp>
     </p:spTree>
     <p:extLst>
       <p:ext uri="{BB962C8B-B14F-4D97-AF65-F5344CB8AC3E}">
@@ -12406,6 +12439,2418 @@
 </file>
 
 <file path=ppt/slides/slide5.xml><?xml version="1.0" encoding="utf-8"?>
+<p:sld xmlns:a="http://schemas.openxmlformats.org/drawingml/2006/main" xmlns:r="http://schemas.openxmlformats.org/officeDocument/2006/relationships" xmlns:p="http://schemas.openxmlformats.org/presentationml/2006/main">
+  <p:cSld>
+    <p:spTree>
+      <p:nvGrpSpPr>
+        <p:cNvPr id="1" name=""/>
+        <p:cNvGrpSpPr/>
+        <p:nvPr/>
+      </p:nvGrpSpPr>
+      <p:grpSpPr>
+        <a:xfrm>
+          <a:off x="0" y="0"/>
+          <a:ext cx="0" cy="0"/>
+          <a:chOff x="0" y="0"/>
+          <a:chExt cx="0" cy="0"/>
+        </a:xfrm>
+      </p:grpSpPr>
+      <p:sp>
+        <p:nvSpPr>
+          <p:cNvPr id="44" name="TextBox 43">
+            <a:extLst>
+              <a:ext uri="{FF2B5EF4-FFF2-40B4-BE49-F238E27FC236}">
+                <a16:creationId xmlns:a16="http://schemas.microsoft.com/office/drawing/2014/main" id="{414CDE10-F323-4C65-B715-D0A0634E988F}"/>
+              </a:ext>
+            </a:extLst>
+          </p:cNvPr>
+          <p:cNvSpPr txBox="1"/>
+          <p:nvPr/>
+        </p:nvSpPr>
+        <p:spPr>
+          <a:xfrm>
+            <a:off x="501049" y="525877"/>
+            <a:ext cx="5754969" cy="461665"/>
+          </a:xfrm>
+          <a:prstGeom prst="rect">
+            <a:avLst/>
+          </a:prstGeom>
+          <a:noFill/>
+        </p:spPr>
+        <p:txBody>
+          <a:bodyPr wrap="square" rtlCol="0">
+            <a:spAutoFit/>
+          </a:bodyPr>
+          <a:lstStyle/>
+          <a:p>
+            <a:r>
+              <a:rPr lang="en-US" sz="1200" dirty="0"/>
+              <a:t>Proposed causal diagram for cover crop effects on (1) soil structure, (2) soil water at saturation, and (3) soil water at field capacity</a:t>
+            </a:r>
+          </a:p>
+        </p:txBody>
+      </p:sp>
+      <p:cxnSp>
+        <p:nvCxnSpPr>
+          <p:cNvPr id="52" name="Straight Connector 51">
+            <a:extLst>
+              <a:ext uri="{FF2B5EF4-FFF2-40B4-BE49-F238E27FC236}">
+                <a16:creationId xmlns:a16="http://schemas.microsoft.com/office/drawing/2014/main" id="{C6CCC06D-2146-468F-B397-DDDA8D9E257E}"/>
+              </a:ext>
+            </a:extLst>
+          </p:cNvPr>
+          <p:cNvCxnSpPr/>
+          <p:nvPr/>
+        </p:nvCxnSpPr>
+        <p:spPr>
+          <a:xfrm flipH="1">
+            <a:off x="3249073" y="2626642"/>
+            <a:ext cx="1" cy="1076987"/>
+          </a:xfrm>
+          <a:prstGeom prst="line">
+            <a:avLst/>
+          </a:prstGeom>
+          <a:ln w="9525">
+            <a:solidFill>
+              <a:schemeClr val="tx1"/>
+            </a:solidFill>
+          </a:ln>
+        </p:spPr>
+        <p:style>
+          <a:lnRef idx="1">
+            <a:schemeClr val="accent1"/>
+          </a:lnRef>
+          <a:fillRef idx="0">
+            <a:schemeClr val="accent1"/>
+          </a:fillRef>
+          <a:effectRef idx="0">
+            <a:schemeClr val="accent1"/>
+          </a:effectRef>
+          <a:fontRef idx="minor">
+            <a:schemeClr val="tx1"/>
+          </a:fontRef>
+        </p:style>
+      </p:cxnSp>
+      <p:cxnSp>
+        <p:nvCxnSpPr>
+          <p:cNvPr id="139" name="Straight Arrow Connector 138">
+            <a:extLst>
+              <a:ext uri="{FF2B5EF4-FFF2-40B4-BE49-F238E27FC236}">
+                <a16:creationId xmlns:a16="http://schemas.microsoft.com/office/drawing/2014/main" id="{AB2DECDF-FA1B-4A8D-9B89-6F5D9907AB97}"/>
+              </a:ext>
+            </a:extLst>
+          </p:cNvPr>
+          <p:cNvCxnSpPr>
+            <a:cxnSpLocks/>
+          </p:cNvCxnSpPr>
+          <p:nvPr/>
+        </p:nvCxnSpPr>
+        <p:spPr>
+          <a:xfrm flipH="1">
+            <a:off x="4706839" y="7027561"/>
+            <a:ext cx="2283" cy="329308"/>
+          </a:xfrm>
+          <a:prstGeom prst="straightConnector1">
+            <a:avLst/>
+          </a:prstGeom>
+          <a:ln w="9525">
+            <a:solidFill>
+              <a:srgbClr val="FF0000"/>
+            </a:solidFill>
+            <a:tailEnd type="triangle"/>
+          </a:ln>
+        </p:spPr>
+        <p:style>
+          <a:lnRef idx="1">
+            <a:schemeClr val="accent1"/>
+          </a:lnRef>
+          <a:fillRef idx="0">
+            <a:schemeClr val="accent1"/>
+          </a:fillRef>
+          <a:effectRef idx="0">
+            <a:schemeClr val="accent1"/>
+          </a:effectRef>
+          <a:fontRef idx="minor">
+            <a:schemeClr val="tx1"/>
+          </a:fontRef>
+        </p:style>
+      </p:cxnSp>
+      <p:cxnSp>
+        <p:nvCxnSpPr>
+          <p:cNvPr id="167" name="Straight Arrow Connector 166">
+            <a:extLst>
+              <a:ext uri="{FF2B5EF4-FFF2-40B4-BE49-F238E27FC236}">
+                <a16:creationId xmlns:a16="http://schemas.microsoft.com/office/drawing/2014/main" id="{29FB6EED-A2B4-4F11-B512-964E0FD4FA5E}"/>
+              </a:ext>
+            </a:extLst>
+          </p:cNvPr>
+          <p:cNvCxnSpPr>
+            <a:cxnSpLocks/>
+          </p:cNvCxnSpPr>
+          <p:nvPr/>
+        </p:nvCxnSpPr>
+        <p:spPr>
+          <a:xfrm>
+            <a:off x="1290025" y="4528684"/>
+            <a:ext cx="1265263" cy="0"/>
+          </a:xfrm>
+          <a:prstGeom prst="straightConnector1">
+            <a:avLst/>
+          </a:prstGeom>
+          <a:ln w="9525">
+            <a:solidFill>
+              <a:srgbClr val="FF0000"/>
+            </a:solidFill>
+            <a:tailEnd type="triangle"/>
+          </a:ln>
+        </p:spPr>
+        <p:style>
+          <a:lnRef idx="1">
+            <a:schemeClr val="accent1"/>
+          </a:lnRef>
+          <a:fillRef idx="0">
+            <a:schemeClr val="accent1"/>
+          </a:fillRef>
+          <a:effectRef idx="0">
+            <a:schemeClr val="accent1"/>
+          </a:effectRef>
+          <a:fontRef idx="minor">
+            <a:schemeClr val="tx1"/>
+          </a:fontRef>
+        </p:style>
+      </p:cxnSp>
+      <p:cxnSp>
+        <p:nvCxnSpPr>
+          <p:cNvPr id="57" name="Straight Arrow Connector 56">
+            <a:extLst>
+              <a:ext uri="{FF2B5EF4-FFF2-40B4-BE49-F238E27FC236}">
+                <a16:creationId xmlns:a16="http://schemas.microsoft.com/office/drawing/2014/main" id="{31BA66BD-48A8-4DD6-B57A-134D8438CFE3}"/>
+              </a:ext>
+            </a:extLst>
+          </p:cNvPr>
+          <p:cNvCxnSpPr>
+            <a:cxnSpLocks/>
+          </p:cNvCxnSpPr>
+          <p:nvPr/>
+        </p:nvCxnSpPr>
+        <p:spPr>
+          <a:xfrm>
+            <a:off x="1270667" y="2829847"/>
+            <a:ext cx="1" cy="268525"/>
+          </a:xfrm>
+          <a:prstGeom prst="straightConnector1">
+            <a:avLst/>
+          </a:prstGeom>
+          <a:ln w="9525">
+            <a:solidFill>
+              <a:srgbClr val="FF0000"/>
+            </a:solidFill>
+            <a:tailEnd type="triangle"/>
+          </a:ln>
+        </p:spPr>
+        <p:style>
+          <a:lnRef idx="1">
+            <a:schemeClr val="accent1"/>
+          </a:lnRef>
+          <a:fillRef idx="0">
+            <a:schemeClr val="accent1"/>
+          </a:fillRef>
+          <a:effectRef idx="0">
+            <a:schemeClr val="accent1"/>
+          </a:effectRef>
+          <a:fontRef idx="minor">
+            <a:schemeClr val="tx1"/>
+          </a:fontRef>
+        </p:style>
+      </p:cxnSp>
+      <p:cxnSp>
+        <p:nvCxnSpPr>
+          <p:cNvPr id="59" name="Straight Arrow Connector 58">
+            <a:extLst>
+              <a:ext uri="{FF2B5EF4-FFF2-40B4-BE49-F238E27FC236}">
+                <a16:creationId xmlns:a16="http://schemas.microsoft.com/office/drawing/2014/main" id="{04E70E58-42AC-4675-B455-935EC2D04F90}"/>
+              </a:ext>
+            </a:extLst>
+          </p:cNvPr>
+          <p:cNvCxnSpPr>
+            <a:cxnSpLocks/>
+          </p:cNvCxnSpPr>
+          <p:nvPr/>
+        </p:nvCxnSpPr>
+        <p:spPr>
+          <a:xfrm flipV="1">
+            <a:off x="3612244" y="2829275"/>
+            <a:ext cx="646511" cy="2062"/>
+          </a:xfrm>
+          <a:prstGeom prst="straightConnector1">
+            <a:avLst/>
+          </a:prstGeom>
+          <a:ln w="9525">
+            <a:solidFill>
+              <a:schemeClr val="tx1"/>
+            </a:solidFill>
+            <a:tailEnd type="triangle"/>
+          </a:ln>
+        </p:spPr>
+        <p:style>
+          <a:lnRef idx="1">
+            <a:schemeClr val="accent1"/>
+          </a:lnRef>
+          <a:fillRef idx="0">
+            <a:schemeClr val="accent1"/>
+          </a:fillRef>
+          <a:effectRef idx="0">
+            <a:schemeClr val="accent1"/>
+          </a:effectRef>
+          <a:fontRef idx="minor">
+            <a:schemeClr val="tx1"/>
+          </a:fontRef>
+        </p:style>
+      </p:cxnSp>
+      <p:cxnSp>
+        <p:nvCxnSpPr>
+          <p:cNvPr id="90" name="Straight Arrow Connector 89">
+            <a:extLst>
+              <a:ext uri="{FF2B5EF4-FFF2-40B4-BE49-F238E27FC236}">
+                <a16:creationId xmlns:a16="http://schemas.microsoft.com/office/drawing/2014/main" id="{BB890F74-A463-4C40-A27B-35FB56527423}"/>
+              </a:ext>
+            </a:extLst>
+          </p:cNvPr>
+          <p:cNvCxnSpPr>
+            <a:cxnSpLocks/>
+          </p:cNvCxnSpPr>
+          <p:nvPr/>
+        </p:nvCxnSpPr>
+        <p:spPr>
+          <a:xfrm>
+            <a:off x="2220295" y="2073594"/>
+            <a:ext cx="1" cy="484673"/>
+          </a:xfrm>
+          <a:prstGeom prst="straightConnector1">
+            <a:avLst/>
+          </a:prstGeom>
+          <a:ln w="57150">
+            <a:solidFill>
+              <a:schemeClr val="tx1"/>
+            </a:solidFill>
+            <a:tailEnd type="triangle"/>
+          </a:ln>
+        </p:spPr>
+        <p:style>
+          <a:lnRef idx="1">
+            <a:schemeClr val="accent1"/>
+          </a:lnRef>
+          <a:fillRef idx="0">
+            <a:schemeClr val="accent1"/>
+          </a:fillRef>
+          <a:effectRef idx="0">
+            <a:schemeClr val="accent1"/>
+          </a:effectRef>
+          <a:fontRef idx="minor">
+            <a:schemeClr val="tx1"/>
+          </a:fontRef>
+        </p:style>
+      </p:cxnSp>
+      <p:cxnSp>
+        <p:nvCxnSpPr>
+          <p:cNvPr id="91" name="Straight Arrow Connector 90">
+            <a:extLst>
+              <a:ext uri="{FF2B5EF4-FFF2-40B4-BE49-F238E27FC236}">
+                <a16:creationId xmlns:a16="http://schemas.microsoft.com/office/drawing/2014/main" id="{7E40E1B6-6876-41B9-90D2-E708A7BFB424}"/>
+              </a:ext>
+            </a:extLst>
+          </p:cNvPr>
+          <p:cNvCxnSpPr>
+            <a:cxnSpLocks/>
+          </p:cNvCxnSpPr>
+          <p:nvPr/>
+        </p:nvCxnSpPr>
+        <p:spPr>
+          <a:xfrm>
+            <a:off x="3413055" y="2106352"/>
+            <a:ext cx="0" cy="460346"/>
+          </a:xfrm>
+          <a:prstGeom prst="straightConnector1">
+            <a:avLst/>
+          </a:prstGeom>
+          <a:ln w="57150">
+            <a:solidFill>
+              <a:schemeClr val="tx1"/>
+            </a:solidFill>
+            <a:tailEnd type="triangle"/>
+          </a:ln>
+        </p:spPr>
+        <p:style>
+          <a:lnRef idx="1">
+            <a:schemeClr val="accent1"/>
+          </a:lnRef>
+          <a:fillRef idx="0">
+            <a:schemeClr val="accent1"/>
+          </a:fillRef>
+          <a:effectRef idx="0">
+            <a:schemeClr val="accent1"/>
+          </a:effectRef>
+          <a:fontRef idx="minor">
+            <a:schemeClr val="tx1"/>
+          </a:fontRef>
+        </p:style>
+      </p:cxnSp>
+      <p:cxnSp>
+        <p:nvCxnSpPr>
+          <p:cNvPr id="71" name="Straight Arrow Connector 70">
+            <a:extLst>
+              <a:ext uri="{FF2B5EF4-FFF2-40B4-BE49-F238E27FC236}">
+                <a16:creationId xmlns:a16="http://schemas.microsoft.com/office/drawing/2014/main" id="{DFD09234-A006-4654-8ABC-244EFB2761F0}"/>
+              </a:ext>
+            </a:extLst>
+          </p:cNvPr>
+          <p:cNvCxnSpPr>
+            <a:cxnSpLocks/>
+          </p:cNvCxnSpPr>
+          <p:nvPr/>
+        </p:nvCxnSpPr>
+        <p:spPr>
+          <a:xfrm>
+            <a:off x="4630618" y="2115494"/>
+            <a:ext cx="0" cy="460346"/>
+          </a:xfrm>
+          <a:prstGeom prst="straightConnector1">
+            <a:avLst/>
+          </a:prstGeom>
+          <a:ln w="57150">
+            <a:solidFill>
+              <a:schemeClr val="tx1"/>
+            </a:solidFill>
+            <a:tailEnd type="triangle"/>
+          </a:ln>
+        </p:spPr>
+        <p:style>
+          <a:lnRef idx="1">
+            <a:schemeClr val="accent1"/>
+          </a:lnRef>
+          <a:fillRef idx="0">
+            <a:schemeClr val="accent1"/>
+          </a:fillRef>
+          <a:effectRef idx="0">
+            <a:schemeClr val="accent1"/>
+          </a:effectRef>
+          <a:fontRef idx="minor">
+            <a:schemeClr val="tx1"/>
+          </a:fontRef>
+        </p:style>
+      </p:cxnSp>
+      <p:sp>
+        <p:nvSpPr>
+          <p:cNvPr id="80" name="TextBox 79">
+            <a:extLst>
+              <a:ext uri="{FF2B5EF4-FFF2-40B4-BE49-F238E27FC236}">
+                <a16:creationId xmlns:a16="http://schemas.microsoft.com/office/drawing/2014/main" id="{72EE2869-981E-46C6-AC7A-802D723EAF97}"/>
+              </a:ext>
+            </a:extLst>
+          </p:cNvPr>
+          <p:cNvSpPr txBox="1"/>
+          <p:nvPr/>
+        </p:nvSpPr>
+        <p:spPr>
+          <a:xfrm>
+            <a:off x="2948789" y="6669854"/>
+            <a:ext cx="779661" cy="553998"/>
+          </a:xfrm>
+          <a:prstGeom prst="rect">
+            <a:avLst/>
+          </a:prstGeom>
+          <a:solidFill>
+            <a:schemeClr val="bg2"/>
+          </a:solidFill>
+          <a:ln w="9525">
+            <a:solidFill>
+              <a:schemeClr val="tx1"/>
+            </a:solidFill>
+          </a:ln>
+        </p:spPr>
+        <p:txBody>
+          <a:bodyPr wrap="square" rtlCol="0">
+            <a:spAutoFit/>
+          </a:bodyPr>
+          <a:lstStyle/>
+          <a:p>
+            <a:pPr algn="ctr"/>
+            <a:r>
+              <a:rPr lang="en-US" sz="1000" dirty="0"/>
+              <a:t>Soil water at field capacity</a:t>
+            </a:r>
+          </a:p>
+        </p:txBody>
+      </p:sp>
+      <p:cxnSp>
+        <p:nvCxnSpPr>
+          <p:cNvPr id="11" name="Straight Connector 10">
+            <a:extLst>
+              <a:ext uri="{FF2B5EF4-FFF2-40B4-BE49-F238E27FC236}">
+                <a16:creationId xmlns:a16="http://schemas.microsoft.com/office/drawing/2014/main" id="{0712DFD0-8832-4922-BFE1-45B491651EC5}"/>
+              </a:ext>
+            </a:extLst>
+          </p:cNvPr>
+          <p:cNvCxnSpPr>
+            <a:cxnSpLocks/>
+          </p:cNvCxnSpPr>
+          <p:nvPr/>
+        </p:nvCxnSpPr>
+        <p:spPr>
+          <a:xfrm>
+            <a:off x="4205338" y="5783117"/>
+            <a:ext cx="0" cy="0"/>
+          </a:xfrm>
+          <a:prstGeom prst="line">
+            <a:avLst/>
+          </a:prstGeom>
+          <a:ln w="9525"/>
+        </p:spPr>
+        <p:style>
+          <a:lnRef idx="1">
+            <a:schemeClr val="accent1"/>
+          </a:lnRef>
+          <a:fillRef idx="0">
+            <a:schemeClr val="accent1"/>
+          </a:fillRef>
+          <a:effectRef idx="0">
+            <a:schemeClr val="accent1"/>
+          </a:effectRef>
+          <a:fontRef idx="minor">
+            <a:schemeClr val="tx1"/>
+          </a:fontRef>
+        </p:style>
+      </p:cxnSp>
+      <p:cxnSp>
+        <p:nvCxnSpPr>
+          <p:cNvPr id="98" name="Straight Arrow Connector 97">
+            <a:extLst>
+              <a:ext uri="{FF2B5EF4-FFF2-40B4-BE49-F238E27FC236}">
+                <a16:creationId xmlns:a16="http://schemas.microsoft.com/office/drawing/2014/main" id="{520CA070-C7C7-4D3F-97F9-4CF91EF220D6}"/>
+              </a:ext>
+            </a:extLst>
+          </p:cNvPr>
+          <p:cNvCxnSpPr>
+            <a:cxnSpLocks/>
+          </p:cNvCxnSpPr>
+          <p:nvPr/>
+        </p:nvCxnSpPr>
+        <p:spPr>
+          <a:xfrm flipH="1">
+            <a:off x="3514655" y="5749450"/>
+            <a:ext cx="2283" cy="299371"/>
+          </a:xfrm>
+          <a:prstGeom prst="straightConnector1">
+            <a:avLst/>
+          </a:prstGeom>
+          <a:ln w="9525">
+            <a:solidFill>
+              <a:schemeClr val="tx1"/>
+            </a:solidFill>
+            <a:tailEnd type="triangle"/>
+          </a:ln>
+        </p:spPr>
+        <p:style>
+          <a:lnRef idx="1">
+            <a:schemeClr val="accent1"/>
+          </a:lnRef>
+          <a:fillRef idx="0">
+            <a:schemeClr val="accent1"/>
+          </a:fillRef>
+          <a:effectRef idx="0">
+            <a:schemeClr val="accent1"/>
+          </a:effectRef>
+          <a:fontRef idx="minor">
+            <a:schemeClr val="tx1"/>
+          </a:fontRef>
+        </p:style>
+      </p:cxnSp>
+      <p:cxnSp>
+        <p:nvCxnSpPr>
+          <p:cNvPr id="110" name="Straight Arrow Connector 109">
+            <a:extLst>
+              <a:ext uri="{FF2B5EF4-FFF2-40B4-BE49-F238E27FC236}">
+                <a16:creationId xmlns:a16="http://schemas.microsoft.com/office/drawing/2014/main" id="{6A13596A-C939-4CBE-A6B5-C323C197012A}"/>
+              </a:ext>
+            </a:extLst>
+          </p:cNvPr>
+          <p:cNvCxnSpPr>
+            <a:cxnSpLocks/>
+          </p:cNvCxnSpPr>
+          <p:nvPr/>
+        </p:nvCxnSpPr>
+        <p:spPr>
+          <a:xfrm flipH="1">
+            <a:off x="4706840" y="5679786"/>
+            <a:ext cx="2283" cy="1033509"/>
+          </a:xfrm>
+          <a:prstGeom prst="straightConnector1">
+            <a:avLst/>
+          </a:prstGeom>
+          <a:ln w="9525">
+            <a:solidFill>
+              <a:srgbClr val="FF0000"/>
+            </a:solidFill>
+            <a:tailEnd type="triangle"/>
+          </a:ln>
+        </p:spPr>
+        <p:style>
+          <a:lnRef idx="1">
+            <a:schemeClr val="accent1"/>
+          </a:lnRef>
+          <a:fillRef idx="0">
+            <a:schemeClr val="accent1"/>
+          </a:fillRef>
+          <a:effectRef idx="0">
+            <a:schemeClr val="accent1"/>
+          </a:effectRef>
+          <a:fontRef idx="minor">
+            <a:schemeClr val="tx1"/>
+          </a:fontRef>
+        </p:style>
+      </p:cxnSp>
+      <p:cxnSp>
+        <p:nvCxnSpPr>
+          <p:cNvPr id="143" name="Straight Connector 142">
+            <a:extLst>
+              <a:ext uri="{FF2B5EF4-FFF2-40B4-BE49-F238E27FC236}">
+                <a16:creationId xmlns:a16="http://schemas.microsoft.com/office/drawing/2014/main" id="{6627E756-A242-4A41-8E25-A9CA05261A15}"/>
+              </a:ext>
+            </a:extLst>
+          </p:cNvPr>
+          <p:cNvCxnSpPr>
+            <a:cxnSpLocks/>
+          </p:cNvCxnSpPr>
+          <p:nvPr/>
+        </p:nvCxnSpPr>
+        <p:spPr>
+          <a:xfrm>
+            <a:off x="1272508" y="2830290"/>
+            <a:ext cx="649490" cy="0"/>
+          </a:xfrm>
+          <a:prstGeom prst="line">
+            <a:avLst/>
+          </a:prstGeom>
+          <a:ln w="9525">
+            <a:solidFill>
+              <a:srgbClr val="FF0000"/>
+            </a:solidFill>
+          </a:ln>
+        </p:spPr>
+        <p:style>
+          <a:lnRef idx="1">
+            <a:schemeClr val="accent1"/>
+          </a:lnRef>
+          <a:fillRef idx="0">
+            <a:schemeClr val="accent1"/>
+          </a:fillRef>
+          <a:effectRef idx="0">
+            <a:schemeClr val="accent1"/>
+          </a:effectRef>
+          <a:fontRef idx="minor">
+            <a:schemeClr val="tx1"/>
+          </a:fontRef>
+        </p:style>
+      </p:cxnSp>
+      <p:cxnSp>
+        <p:nvCxnSpPr>
+          <p:cNvPr id="150" name="Straight Arrow Connector 149">
+            <a:extLst>
+              <a:ext uri="{FF2B5EF4-FFF2-40B4-BE49-F238E27FC236}">
+                <a16:creationId xmlns:a16="http://schemas.microsoft.com/office/drawing/2014/main" id="{4CEEC003-E039-462C-8E5B-0071A4FA2F92}"/>
+              </a:ext>
+            </a:extLst>
+          </p:cNvPr>
+          <p:cNvCxnSpPr>
+            <a:cxnSpLocks/>
+          </p:cNvCxnSpPr>
+          <p:nvPr/>
+        </p:nvCxnSpPr>
+        <p:spPr>
+          <a:xfrm flipH="1">
+            <a:off x="3353207" y="6125485"/>
+            <a:ext cx="2283" cy="530354"/>
+          </a:xfrm>
+          <a:prstGeom prst="straightConnector1">
+            <a:avLst/>
+          </a:prstGeom>
+          <a:ln w="9525">
+            <a:solidFill>
+              <a:schemeClr val="tx1"/>
+            </a:solidFill>
+            <a:tailEnd type="triangle"/>
+          </a:ln>
+        </p:spPr>
+        <p:style>
+          <a:lnRef idx="1">
+            <a:schemeClr val="accent1"/>
+          </a:lnRef>
+          <a:fillRef idx="0">
+            <a:schemeClr val="accent1"/>
+          </a:fillRef>
+          <a:effectRef idx="0">
+            <a:schemeClr val="accent1"/>
+          </a:effectRef>
+          <a:fontRef idx="minor">
+            <a:schemeClr val="tx1"/>
+          </a:fontRef>
+        </p:style>
+      </p:cxnSp>
+      <p:cxnSp>
+        <p:nvCxnSpPr>
+          <p:cNvPr id="158" name="Straight Arrow Connector 157">
+            <a:extLst>
+              <a:ext uri="{FF2B5EF4-FFF2-40B4-BE49-F238E27FC236}">
+                <a16:creationId xmlns:a16="http://schemas.microsoft.com/office/drawing/2014/main" id="{EB3788F3-F053-4B9F-8B6F-A1E719F0C944}"/>
+              </a:ext>
+            </a:extLst>
+          </p:cNvPr>
+          <p:cNvCxnSpPr>
+            <a:cxnSpLocks/>
+          </p:cNvCxnSpPr>
+          <p:nvPr/>
+        </p:nvCxnSpPr>
+        <p:spPr>
+          <a:xfrm>
+            <a:off x="1269484" y="5675280"/>
+            <a:ext cx="2040596" cy="0"/>
+          </a:xfrm>
+          <a:prstGeom prst="straightConnector1">
+            <a:avLst/>
+          </a:prstGeom>
+          <a:ln w="9525">
+            <a:solidFill>
+              <a:srgbClr val="FF0000"/>
+            </a:solidFill>
+            <a:tailEnd type="triangle"/>
+          </a:ln>
+        </p:spPr>
+        <p:style>
+          <a:lnRef idx="1">
+            <a:schemeClr val="accent1"/>
+          </a:lnRef>
+          <a:fillRef idx="0">
+            <a:schemeClr val="accent1"/>
+          </a:fillRef>
+          <a:effectRef idx="0">
+            <a:schemeClr val="accent1"/>
+          </a:effectRef>
+          <a:fontRef idx="minor">
+            <a:schemeClr val="tx1"/>
+          </a:fontRef>
+        </p:style>
+      </p:cxnSp>
+      <p:cxnSp>
+        <p:nvCxnSpPr>
+          <p:cNvPr id="160" name="Straight Connector 159">
+            <a:extLst>
+              <a:ext uri="{FF2B5EF4-FFF2-40B4-BE49-F238E27FC236}">
+                <a16:creationId xmlns:a16="http://schemas.microsoft.com/office/drawing/2014/main" id="{0B292357-63F9-426A-B97C-356AA694F997}"/>
+              </a:ext>
+            </a:extLst>
+          </p:cNvPr>
+          <p:cNvCxnSpPr>
+            <a:cxnSpLocks/>
+          </p:cNvCxnSpPr>
+          <p:nvPr/>
+        </p:nvCxnSpPr>
+        <p:spPr>
+          <a:xfrm flipH="1">
+            <a:off x="1270666" y="3407017"/>
+            <a:ext cx="1" cy="2793428"/>
+          </a:xfrm>
+          <a:prstGeom prst="line">
+            <a:avLst/>
+          </a:prstGeom>
+          <a:ln w="9525">
+            <a:solidFill>
+              <a:srgbClr val="FF0000"/>
+            </a:solidFill>
+          </a:ln>
+        </p:spPr>
+        <p:style>
+          <a:lnRef idx="1">
+            <a:schemeClr val="accent1"/>
+          </a:lnRef>
+          <a:fillRef idx="0">
+            <a:schemeClr val="accent1"/>
+          </a:fillRef>
+          <a:effectRef idx="0">
+            <a:schemeClr val="accent1"/>
+          </a:effectRef>
+          <a:fontRef idx="minor">
+            <a:schemeClr val="tx1"/>
+          </a:fontRef>
+        </p:style>
+      </p:cxnSp>
+      <p:cxnSp>
+        <p:nvCxnSpPr>
+          <p:cNvPr id="162" name="Straight Arrow Connector 161">
+            <a:extLst>
+              <a:ext uri="{FF2B5EF4-FFF2-40B4-BE49-F238E27FC236}">
+                <a16:creationId xmlns:a16="http://schemas.microsoft.com/office/drawing/2014/main" id="{3453C37C-FAEF-496A-9FB5-7A20970CEADF}"/>
+              </a:ext>
+            </a:extLst>
+          </p:cNvPr>
+          <p:cNvCxnSpPr>
+            <a:cxnSpLocks/>
+          </p:cNvCxnSpPr>
+          <p:nvPr/>
+        </p:nvCxnSpPr>
+        <p:spPr>
+          <a:xfrm>
+            <a:off x="4719653" y="2586538"/>
+            <a:ext cx="0" cy="2625769"/>
+          </a:xfrm>
+          <a:prstGeom prst="straightConnector1">
+            <a:avLst/>
+          </a:prstGeom>
+          <a:ln w="9525">
+            <a:solidFill>
+              <a:schemeClr val="tx1"/>
+            </a:solidFill>
+            <a:tailEnd type="triangle"/>
+          </a:ln>
+        </p:spPr>
+        <p:style>
+          <a:lnRef idx="1">
+            <a:schemeClr val="accent1"/>
+          </a:lnRef>
+          <a:fillRef idx="0">
+            <a:schemeClr val="accent1"/>
+          </a:fillRef>
+          <a:effectRef idx="0">
+            <a:schemeClr val="accent1"/>
+          </a:effectRef>
+          <a:fontRef idx="minor">
+            <a:schemeClr val="tx1"/>
+          </a:fontRef>
+        </p:style>
+      </p:cxnSp>
+      <p:cxnSp>
+        <p:nvCxnSpPr>
+          <p:cNvPr id="165" name="Straight Arrow Connector 164">
+            <a:extLst>
+              <a:ext uri="{FF2B5EF4-FFF2-40B4-BE49-F238E27FC236}">
+                <a16:creationId xmlns:a16="http://schemas.microsoft.com/office/drawing/2014/main" id="{EDE542EA-DBC5-44EA-9B66-C4AA3B7E3459}"/>
+              </a:ext>
+            </a:extLst>
+          </p:cNvPr>
+          <p:cNvCxnSpPr>
+            <a:cxnSpLocks/>
+          </p:cNvCxnSpPr>
+          <p:nvPr/>
+        </p:nvCxnSpPr>
+        <p:spPr>
+          <a:xfrm flipH="1">
+            <a:off x="3206657" y="4512351"/>
+            <a:ext cx="1186765" cy="0"/>
+          </a:xfrm>
+          <a:prstGeom prst="straightConnector1">
+            <a:avLst/>
+          </a:prstGeom>
+          <a:ln w="9525">
+            <a:solidFill>
+              <a:schemeClr val="tx1"/>
+            </a:solidFill>
+            <a:tailEnd type="triangle"/>
+          </a:ln>
+        </p:spPr>
+        <p:style>
+          <a:lnRef idx="1">
+            <a:schemeClr val="accent1"/>
+          </a:lnRef>
+          <a:fillRef idx="0">
+            <a:schemeClr val="accent1"/>
+          </a:fillRef>
+          <a:effectRef idx="0">
+            <a:schemeClr val="accent1"/>
+          </a:effectRef>
+          <a:fontRef idx="minor">
+            <a:schemeClr val="tx1"/>
+          </a:fontRef>
+        </p:style>
+      </p:cxnSp>
+      <p:cxnSp>
+        <p:nvCxnSpPr>
+          <p:cNvPr id="166" name="Straight Connector 165">
+            <a:extLst>
+              <a:ext uri="{FF2B5EF4-FFF2-40B4-BE49-F238E27FC236}">
+                <a16:creationId xmlns:a16="http://schemas.microsoft.com/office/drawing/2014/main" id="{BF35F3B7-BA5F-4740-B113-7D5F0023435C}"/>
+              </a:ext>
+            </a:extLst>
+          </p:cNvPr>
+          <p:cNvCxnSpPr/>
+          <p:nvPr/>
+        </p:nvCxnSpPr>
+        <p:spPr>
+          <a:xfrm flipH="1">
+            <a:off x="4398227" y="2781229"/>
+            <a:ext cx="1" cy="1734499"/>
+          </a:xfrm>
+          <a:prstGeom prst="line">
+            <a:avLst/>
+          </a:prstGeom>
+          <a:ln w="9525">
+            <a:solidFill>
+              <a:schemeClr val="tx1"/>
+            </a:solidFill>
+          </a:ln>
+        </p:spPr>
+        <p:style>
+          <a:lnRef idx="1">
+            <a:schemeClr val="accent1"/>
+          </a:lnRef>
+          <a:fillRef idx="0">
+            <a:schemeClr val="accent1"/>
+          </a:fillRef>
+          <a:effectRef idx="0">
+            <a:schemeClr val="accent1"/>
+          </a:effectRef>
+          <a:fontRef idx="minor">
+            <a:schemeClr val="tx1"/>
+          </a:fontRef>
+        </p:style>
+      </p:cxnSp>
+      <p:cxnSp>
+        <p:nvCxnSpPr>
+          <p:cNvPr id="169" name="Straight Arrow Connector 168">
+            <a:extLst>
+              <a:ext uri="{FF2B5EF4-FFF2-40B4-BE49-F238E27FC236}">
+                <a16:creationId xmlns:a16="http://schemas.microsoft.com/office/drawing/2014/main" id="{534B27D9-05C4-48B9-9B7D-F4CE4CE51C80}"/>
+              </a:ext>
+            </a:extLst>
+          </p:cNvPr>
+          <p:cNvCxnSpPr>
+            <a:cxnSpLocks/>
+          </p:cNvCxnSpPr>
+          <p:nvPr/>
+        </p:nvCxnSpPr>
+        <p:spPr>
+          <a:xfrm flipH="1">
+            <a:off x="3707620" y="6946853"/>
+            <a:ext cx="1078877" cy="0"/>
+          </a:xfrm>
+          <a:prstGeom prst="straightConnector1">
+            <a:avLst/>
+          </a:prstGeom>
+          <a:ln w="9525">
+            <a:solidFill>
+              <a:srgbClr val="FF0000"/>
+            </a:solidFill>
+            <a:tailEnd type="triangle"/>
+          </a:ln>
+        </p:spPr>
+        <p:style>
+          <a:lnRef idx="1">
+            <a:schemeClr val="accent1"/>
+          </a:lnRef>
+          <a:fillRef idx="0">
+            <a:schemeClr val="accent1"/>
+          </a:fillRef>
+          <a:effectRef idx="0">
+            <a:schemeClr val="accent1"/>
+          </a:effectRef>
+          <a:fontRef idx="minor">
+            <a:schemeClr val="tx1"/>
+          </a:fontRef>
+        </p:style>
+      </p:cxnSp>
+      <p:cxnSp>
+        <p:nvCxnSpPr>
+          <p:cNvPr id="171" name="Straight Arrow Connector 170">
+            <a:extLst>
+              <a:ext uri="{FF2B5EF4-FFF2-40B4-BE49-F238E27FC236}">
+                <a16:creationId xmlns:a16="http://schemas.microsoft.com/office/drawing/2014/main" id="{663EA009-7A37-4BE8-9A68-3DB9D98D41CC}"/>
+              </a:ext>
+            </a:extLst>
+          </p:cNvPr>
+          <p:cNvCxnSpPr>
+            <a:cxnSpLocks/>
+          </p:cNvCxnSpPr>
+          <p:nvPr/>
+        </p:nvCxnSpPr>
+        <p:spPr>
+          <a:xfrm flipH="1">
+            <a:off x="2172321" y="6179879"/>
+            <a:ext cx="2283" cy="482143"/>
+          </a:xfrm>
+          <a:prstGeom prst="straightConnector1">
+            <a:avLst/>
+          </a:prstGeom>
+          <a:ln w="9525">
+            <a:solidFill>
+              <a:schemeClr val="tx1"/>
+            </a:solidFill>
+            <a:tailEnd type="triangle"/>
+          </a:ln>
+        </p:spPr>
+        <p:style>
+          <a:lnRef idx="1">
+            <a:schemeClr val="accent1"/>
+          </a:lnRef>
+          <a:fillRef idx="0">
+            <a:schemeClr val="accent1"/>
+          </a:fillRef>
+          <a:effectRef idx="0">
+            <a:schemeClr val="accent1"/>
+          </a:effectRef>
+          <a:fontRef idx="minor">
+            <a:schemeClr val="tx1"/>
+          </a:fontRef>
+        </p:style>
+      </p:cxnSp>
+      <p:cxnSp>
+        <p:nvCxnSpPr>
+          <p:cNvPr id="175" name="Straight Arrow Connector 174">
+            <a:extLst>
+              <a:ext uri="{FF2B5EF4-FFF2-40B4-BE49-F238E27FC236}">
+                <a16:creationId xmlns:a16="http://schemas.microsoft.com/office/drawing/2014/main" id="{AF84A429-61E5-4732-A27D-DEAC4CF53B42}"/>
+              </a:ext>
+            </a:extLst>
+          </p:cNvPr>
+          <p:cNvCxnSpPr>
+            <a:cxnSpLocks/>
+          </p:cNvCxnSpPr>
+          <p:nvPr/>
+        </p:nvCxnSpPr>
+        <p:spPr>
+          <a:xfrm>
+            <a:off x="1267799" y="6213455"/>
+            <a:ext cx="503304" cy="0"/>
+          </a:xfrm>
+          <a:prstGeom prst="straightConnector1">
+            <a:avLst/>
+          </a:prstGeom>
+          <a:ln w="9525">
+            <a:solidFill>
+              <a:srgbClr val="FF0000"/>
+            </a:solidFill>
+            <a:tailEnd type="triangle"/>
+          </a:ln>
+        </p:spPr>
+        <p:style>
+          <a:lnRef idx="1">
+            <a:schemeClr val="accent1"/>
+          </a:lnRef>
+          <a:fillRef idx="0">
+            <a:schemeClr val="accent1"/>
+          </a:fillRef>
+          <a:effectRef idx="0">
+            <a:schemeClr val="accent1"/>
+          </a:effectRef>
+          <a:fontRef idx="minor">
+            <a:schemeClr val="tx1"/>
+          </a:fontRef>
+        </p:style>
+      </p:cxnSp>
+      <p:sp>
+        <p:nvSpPr>
+          <p:cNvPr id="40" name="TextBox 39">
+            <a:extLst>
+              <a:ext uri="{FF2B5EF4-FFF2-40B4-BE49-F238E27FC236}">
+                <a16:creationId xmlns:a16="http://schemas.microsoft.com/office/drawing/2014/main" id="{D29EBCB2-DAFE-4E53-9427-A32478F274C9}"/>
+              </a:ext>
+            </a:extLst>
+          </p:cNvPr>
+          <p:cNvSpPr txBox="1"/>
+          <p:nvPr/>
+        </p:nvSpPr>
+        <p:spPr>
+          <a:xfrm>
+            <a:off x="916066" y="3094412"/>
+            <a:ext cx="709201" cy="400110"/>
+          </a:xfrm>
+          <a:prstGeom prst="rect">
+            <a:avLst/>
+          </a:prstGeom>
+          <a:solidFill>
+            <a:srgbClr val="FFC000"/>
+          </a:solidFill>
+          <a:ln w="9525">
+            <a:solidFill>
+              <a:schemeClr val="tx1"/>
+            </a:solidFill>
+          </a:ln>
+        </p:spPr>
+        <p:txBody>
+          <a:bodyPr wrap="square" rtlCol="0">
+            <a:spAutoFit/>
+          </a:bodyPr>
+          <a:lstStyle/>
+          <a:p>
+            <a:pPr algn="ctr"/>
+            <a:r>
+              <a:rPr lang="en-US" sz="1000" dirty="0"/>
+              <a:t>Soil Erosion</a:t>
+            </a:r>
+          </a:p>
+        </p:txBody>
+      </p:sp>
+      <p:sp>
+        <p:nvSpPr>
+          <p:cNvPr id="86" name="TextBox 85">
+            <a:extLst>
+              <a:ext uri="{FF2B5EF4-FFF2-40B4-BE49-F238E27FC236}">
+                <a16:creationId xmlns:a16="http://schemas.microsoft.com/office/drawing/2014/main" id="{8FF35A50-2D70-45A5-97C0-09FA7E9396C3}"/>
+              </a:ext>
+            </a:extLst>
+          </p:cNvPr>
+          <p:cNvSpPr txBox="1"/>
+          <p:nvPr/>
+        </p:nvSpPr>
+        <p:spPr>
+          <a:xfrm>
+            <a:off x="4024683" y="4960752"/>
+            <a:ext cx="1614352" cy="553998"/>
+          </a:xfrm>
+          <a:prstGeom prst="rect">
+            <a:avLst/>
+          </a:prstGeom>
+          <a:solidFill>
+            <a:srgbClr val="FFC000"/>
+          </a:solidFill>
+          <a:ln w="9525">
+            <a:solidFill>
+              <a:schemeClr val="tx1"/>
+            </a:solidFill>
+          </a:ln>
+        </p:spPr>
+        <p:txBody>
+          <a:bodyPr wrap="square" rtlCol="0" anchor="ctr">
+            <a:spAutoFit/>
+          </a:bodyPr>
+          <a:lstStyle/>
+          <a:p>
+            <a:pPr algn="ctr"/>
+            <a:endParaRPr lang="en-US" sz="1000" dirty="0"/>
+          </a:p>
+          <a:p>
+            <a:pPr algn="ctr"/>
+            <a:r>
+              <a:rPr lang="en-US" sz="1000" dirty="0"/>
+              <a:t>Soil porosity</a:t>
+            </a:r>
+          </a:p>
+          <a:p>
+            <a:pPr algn="ctr"/>
+            <a:endParaRPr lang="en-US" sz="1000" dirty="0"/>
+          </a:p>
+        </p:txBody>
+      </p:sp>
+      <p:sp>
+        <p:nvSpPr>
+          <p:cNvPr id="16" name="TextBox 15">
+            <a:extLst>
+              <a:ext uri="{FF2B5EF4-FFF2-40B4-BE49-F238E27FC236}">
+                <a16:creationId xmlns:a16="http://schemas.microsoft.com/office/drawing/2014/main" id="{6EFC2D2F-82ED-4332-86E1-5D3DCB71E395}"/>
+              </a:ext>
+            </a:extLst>
+          </p:cNvPr>
+          <p:cNvSpPr txBox="1"/>
+          <p:nvPr/>
+        </p:nvSpPr>
+        <p:spPr>
+          <a:xfrm>
+            <a:off x="4286967" y="2570322"/>
+            <a:ext cx="655608" cy="400110"/>
+          </a:xfrm>
+          <a:prstGeom prst="rect">
+            <a:avLst/>
+          </a:prstGeom>
+          <a:solidFill>
+            <a:srgbClr val="FFC000"/>
+          </a:solidFill>
+          <a:ln w="9525">
+            <a:solidFill>
+              <a:schemeClr val="tx1"/>
+            </a:solidFill>
+          </a:ln>
+        </p:spPr>
+        <p:txBody>
+          <a:bodyPr wrap="square" rtlCol="0">
+            <a:spAutoFit/>
+          </a:bodyPr>
+          <a:lstStyle/>
+          <a:p>
+            <a:pPr algn="ctr"/>
+            <a:r>
+              <a:rPr lang="en-US" sz="1000" dirty="0"/>
+              <a:t>Soil Biology</a:t>
+            </a:r>
+          </a:p>
+        </p:txBody>
+      </p:sp>
+      <p:sp>
+        <p:nvSpPr>
+          <p:cNvPr id="96" name="TextBox 95">
+            <a:extLst>
+              <a:ext uri="{FF2B5EF4-FFF2-40B4-BE49-F238E27FC236}">
+                <a16:creationId xmlns:a16="http://schemas.microsoft.com/office/drawing/2014/main" id="{072EE3DC-7571-43F1-B7BC-E9FB70EDEBA6}"/>
+              </a:ext>
+            </a:extLst>
+          </p:cNvPr>
+          <p:cNvSpPr txBox="1"/>
+          <p:nvPr/>
+        </p:nvSpPr>
+        <p:spPr>
+          <a:xfrm>
+            <a:off x="4300725" y="7367665"/>
+            <a:ext cx="873188" cy="400110"/>
+          </a:xfrm>
+          <a:prstGeom prst="rect">
+            <a:avLst/>
+          </a:prstGeom>
+          <a:solidFill>
+            <a:schemeClr val="bg2"/>
+          </a:solidFill>
+          <a:ln w="9525">
+            <a:solidFill>
+              <a:schemeClr val="tx1"/>
+            </a:solidFill>
+          </a:ln>
+        </p:spPr>
+        <p:txBody>
+          <a:bodyPr wrap="square" rtlCol="0">
+            <a:spAutoFit/>
+          </a:bodyPr>
+          <a:lstStyle/>
+          <a:p>
+            <a:pPr algn="ctr"/>
+            <a:r>
+              <a:rPr lang="en-US" sz="1000" dirty="0"/>
+              <a:t>Soil water at saturation</a:t>
+            </a:r>
+          </a:p>
+        </p:txBody>
+      </p:sp>
+      <p:sp>
+        <p:nvSpPr>
+          <p:cNvPr id="53" name="Rectangle 52">
+            <a:extLst>
+              <a:ext uri="{FF2B5EF4-FFF2-40B4-BE49-F238E27FC236}">
+                <a16:creationId xmlns:a16="http://schemas.microsoft.com/office/drawing/2014/main" id="{9D7E2AF7-1946-4EEA-83B6-3F3D8E0738EE}"/>
+              </a:ext>
+            </a:extLst>
+          </p:cNvPr>
+          <p:cNvSpPr/>
+          <p:nvPr/>
+        </p:nvSpPr>
+        <p:spPr>
+          <a:xfrm>
+            <a:off x="1920371" y="4473720"/>
+            <a:ext cx="148990" cy="95788"/>
+          </a:xfrm>
+          <a:prstGeom prst="rect">
+            <a:avLst/>
+          </a:prstGeom>
+          <a:solidFill>
+            <a:schemeClr val="bg1"/>
+          </a:solidFill>
+          <a:ln w="9525">
+            <a:solidFill>
+              <a:schemeClr val="bg1"/>
+            </a:solidFill>
+          </a:ln>
+        </p:spPr>
+        <p:style>
+          <a:lnRef idx="2">
+            <a:schemeClr val="accent1">
+              <a:shade val="50000"/>
+            </a:schemeClr>
+          </a:lnRef>
+          <a:fillRef idx="1">
+            <a:schemeClr val="accent1"/>
+          </a:fillRef>
+          <a:effectRef idx="0">
+            <a:schemeClr val="accent1"/>
+          </a:effectRef>
+          <a:fontRef idx="minor">
+            <a:schemeClr val="lt1"/>
+          </a:fontRef>
+        </p:style>
+        <p:txBody>
+          <a:bodyPr rtlCol="0" anchor="ctr"/>
+          <a:lstStyle/>
+          <a:p>
+            <a:pPr algn="ctr"/>
+            <a:endParaRPr lang="en-US"/>
+          </a:p>
+        </p:txBody>
+      </p:sp>
+      <p:cxnSp>
+        <p:nvCxnSpPr>
+          <p:cNvPr id="156" name="Straight Arrow Connector 155">
+            <a:extLst>
+              <a:ext uri="{FF2B5EF4-FFF2-40B4-BE49-F238E27FC236}">
+                <a16:creationId xmlns:a16="http://schemas.microsoft.com/office/drawing/2014/main" id="{F2F5C4B5-3009-4604-B153-A758FB3D3B9F}"/>
+              </a:ext>
+            </a:extLst>
+          </p:cNvPr>
+          <p:cNvCxnSpPr>
+            <a:cxnSpLocks/>
+          </p:cNvCxnSpPr>
+          <p:nvPr/>
+        </p:nvCxnSpPr>
+        <p:spPr>
+          <a:xfrm>
+            <a:off x="2201869" y="2693174"/>
+            <a:ext cx="1" cy="766136"/>
+          </a:xfrm>
+          <a:prstGeom prst="straightConnector1">
+            <a:avLst/>
+          </a:prstGeom>
+          <a:ln w="9525">
+            <a:solidFill>
+              <a:schemeClr val="tx1"/>
+            </a:solidFill>
+            <a:tailEnd type="triangle"/>
+          </a:ln>
+        </p:spPr>
+        <p:style>
+          <a:lnRef idx="1">
+            <a:schemeClr val="accent1"/>
+          </a:lnRef>
+          <a:fillRef idx="0">
+            <a:schemeClr val="accent1"/>
+          </a:fillRef>
+          <a:effectRef idx="0">
+            <a:schemeClr val="accent1"/>
+          </a:effectRef>
+          <a:fontRef idx="minor">
+            <a:schemeClr val="tx1"/>
+          </a:fontRef>
+        </p:style>
+      </p:cxnSp>
+      <p:sp>
+        <p:nvSpPr>
+          <p:cNvPr id="55" name="Rectangle 54">
+            <a:extLst>
+              <a:ext uri="{FF2B5EF4-FFF2-40B4-BE49-F238E27FC236}">
+                <a16:creationId xmlns:a16="http://schemas.microsoft.com/office/drawing/2014/main" id="{23B64D1E-71E7-4B90-852C-1FFD78174AB2}"/>
+              </a:ext>
+            </a:extLst>
+          </p:cNvPr>
+          <p:cNvSpPr/>
+          <p:nvPr/>
+        </p:nvSpPr>
+        <p:spPr>
+          <a:xfrm>
+            <a:off x="1932029" y="5628836"/>
+            <a:ext cx="123132" cy="95788"/>
+          </a:xfrm>
+          <a:prstGeom prst="rect">
+            <a:avLst/>
+          </a:prstGeom>
+          <a:solidFill>
+            <a:schemeClr val="bg1"/>
+          </a:solidFill>
+          <a:ln w="9525">
+            <a:solidFill>
+              <a:schemeClr val="bg1"/>
+            </a:solidFill>
+          </a:ln>
+        </p:spPr>
+        <p:style>
+          <a:lnRef idx="2">
+            <a:schemeClr val="accent1">
+              <a:shade val="50000"/>
+            </a:schemeClr>
+          </a:lnRef>
+          <a:fillRef idx="1">
+            <a:schemeClr val="accent1"/>
+          </a:fillRef>
+          <a:effectRef idx="0">
+            <a:schemeClr val="accent1"/>
+          </a:effectRef>
+          <a:fontRef idx="minor">
+            <a:schemeClr val="lt1"/>
+          </a:fontRef>
+        </p:style>
+        <p:txBody>
+          <a:bodyPr rtlCol="0" anchor="ctr"/>
+          <a:lstStyle/>
+          <a:p>
+            <a:pPr algn="ctr"/>
+            <a:endParaRPr lang="en-US"/>
+          </a:p>
+        </p:txBody>
+      </p:sp>
+      <p:sp>
+        <p:nvSpPr>
+          <p:cNvPr id="56" name="Rectangle 55">
+            <a:extLst>
+              <a:ext uri="{FF2B5EF4-FFF2-40B4-BE49-F238E27FC236}">
+                <a16:creationId xmlns:a16="http://schemas.microsoft.com/office/drawing/2014/main" id="{36661A51-A0F5-4A10-BC66-CD93694E17DC}"/>
+              </a:ext>
+            </a:extLst>
+          </p:cNvPr>
+          <p:cNvSpPr/>
+          <p:nvPr/>
+        </p:nvSpPr>
+        <p:spPr>
+          <a:xfrm>
+            <a:off x="2792255" y="5609413"/>
+            <a:ext cx="123132" cy="95788"/>
+          </a:xfrm>
+          <a:prstGeom prst="rect">
+            <a:avLst/>
+          </a:prstGeom>
+          <a:solidFill>
+            <a:schemeClr val="bg1"/>
+          </a:solidFill>
+          <a:ln w="9525">
+            <a:solidFill>
+              <a:schemeClr val="bg1"/>
+            </a:solidFill>
+          </a:ln>
+        </p:spPr>
+        <p:style>
+          <a:lnRef idx="2">
+            <a:schemeClr val="accent1">
+              <a:shade val="50000"/>
+            </a:schemeClr>
+          </a:lnRef>
+          <a:fillRef idx="1">
+            <a:schemeClr val="accent1"/>
+          </a:fillRef>
+          <a:effectRef idx="0">
+            <a:schemeClr val="accent1"/>
+          </a:effectRef>
+          <a:fontRef idx="minor">
+            <a:schemeClr val="lt1"/>
+          </a:fontRef>
+        </p:style>
+        <p:txBody>
+          <a:bodyPr rtlCol="0" anchor="ctr"/>
+          <a:lstStyle/>
+          <a:p>
+            <a:pPr algn="ctr"/>
+            <a:endParaRPr lang="en-US"/>
+          </a:p>
+        </p:txBody>
+      </p:sp>
+      <p:cxnSp>
+        <p:nvCxnSpPr>
+          <p:cNvPr id="173" name="Straight Arrow Connector 172">
+            <a:extLst>
+              <a:ext uri="{FF2B5EF4-FFF2-40B4-BE49-F238E27FC236}">
+                <a16:creationId xmlns:a16="http://schemas.microsoft.com/office/drawing/2014/main" id="{8805674A-7166-4CBD-9F3E-9EB4FB455B28}"/>
+              </a:ext>
+            </a:extLst>
+          </p:cNvPr>
+          <p:cNvCxnSpPr>
+            <a:cxnSpLocks/>
+          </p:cNvCxnSpPr>
+          <p:nvPr/>
+        </p:nvCxnSpPr>
+        <p:spPr>
+          <a:xfrm flipH="1">
+            <a:off x="2002143" y="3738777"/>
+            <a:ext cx="4104" cy="2336655"/>
+          </a:xfrm>
+          <a:prstGeom prst="straightConnector1">
+            <a:avLst/>
+          </a:prstGeom>
+          <a:ln w="9525">
+            <a:solidFill>
+              <a:schemeClr val="tx1"/>
+            </a:solidFill>
+            <a:tailEnd type="triangle"/>
+          </a:ln>
+        </p:spPr>
+        <p:style>
+          <a:lnRef idx="1">
+            <a:schemeClr val="accent1"/>
+          </a:lnRef>
+          <a:fillRef idx="0">
+            <a:schemeClr val="accent1"/>
+          </a:fillRef>
+          <a:effectRef idx="0">
+            <a:schemeClr val="accent1"/>
+          </a:effectRef>
+          <a:fontRef idx="minor">
+            <a:schemeClr val="tx1"/>
+          </a:fontRef>
+        </p:style>
+      </p:cxnSp>
+      <p:sp>
+        <p:nvSpPr>
+          <p:cNvPr id="58" name="Rectangle 57">
+            <a:extLst>
+              <a:ext uri="{FF2B5EF4-FFF2-40B4-BE49-F238E27FC236}">
+                <a16:creationId xmlns:a16="http://schemas.microsoft.com/office/drawing/2014/main" id="{5E006E4D-0623-40B1-B8A2-E05513A47854}"/>
+              </a:ext>
+            </a:extLst>
+          </p:cNvPr>
+          <p:cNvSpPr/>
+          <p:nvPr/>
+        </p:nvSpPr>
+        <p:spPr>
+          <a:xfrm>
+            <a:off x="3496961" y="4470979"/>
+            <a:ext cx="123132" cy="95788"/>
+          </a:xfrm>
+          <a:prstGeom prst="rect">
+            <a:avLst/>
+          </a:prstGeom>
+          <a:solidFill>
+            <a:schemeClr val="bg1"/>
+          </a:solidFill>
+          <a:ln w="9525">
+            <a:solidFill>
+              <a:schemeClr val="bg1"/>
+            </a:solidFill>
+          </a:ln>
+        </p:spPr>
+        <p:style>
+          <a:lnRef idx="2">
+            <a:schemeClr val="accent1">
+              <a:shade val="50000"/>
+            </a:schemeClr>
+          </a:lnRef>
+          <a:fillRef idx="1">
+            <a:schemeClr val="accent1"/>
+          </a:fillRef>
+          <a:effectRef idx="0">
+            <a:schemeClr val="accent1"/>
+          </a:effectRef>
+          <a:fontRef idx="minor">
+            <a:schemeClr val="lt1"/>
+          </a:fontRef>
+        </p:style>
+        <p:txBody>
+          <a:bodyPr rtlCol="0" anchor="ctr"/>
+          <a:lstStyle/>
+          <a:p>
+            <a:pPr algn="ctr"/>
+            <a:endParaRPr lang="en-US"/>
+          </a:p>
+        </p:txBody>
+      </p:sp>
+      <p:cxnSp>
+        <p:nvCxnSpPr>
+          <p:cNvPr id="92" name="Straight Arrow Connector 91">
+            <a:extLst>
+              <a:ext uri="{FF2B5EF4-FFF2-40B4-BE49-F238E27FC236}">
+                <a16:creationId xmlns:a16="http://schemas.microsoft.com/office/drawing/2014/main" id="{D1103426-A3EB-44E5-B05A-CF3D80637CAA}"/>
+              </a:ext>
+            </a:extLst>
+          </p:cNvPr>
+          <p:cNvCxnSpPr>
+            <a:cxnSpLocks/>
+          </p:cNvCxnSpPr>
+          <p:nvPr/>
+        </p:nvCxnSpPr>
+        <p:spPr>
+          <a:xfrm>
+            <a:off x="3561413" y="2832304"/>
+            <a:ext cx="58680" cy="1176220"/>
+          </a:xfrm>
+          <a:prstGeom prst="straightConnector1">
+            <a:avLst/>
+          </a:prstGeom>
+          <a:ln w="9525">
+            <a:solidFill>
+              <a:schemeClr val="tx1"/>
+            </a:solidFill>
+            <a:tailEnd type="triangle"/>
+          </a:ln>
+        </p:spPr>
+        <p:style>
+          <a:lnRef idx="1">
+            <a:schemeClr val="accent1"/>
+          </a:lnRef>
+          <a:fillRef idx="0">
+            <a:schemeClr val="accent1"/>
+          </a:fillRef>
+          <a:effectRef idx="0">
+            <a:schemeClr val="accent1"/>
+          </a:effectRef>
+          <a:fontRef idx="minor">
+            <a:schemeClr val="tx1"/>
+          </a:fontRef>
+        </p:style>
+      </p:cxnSp>
+      <p:sp>
+        <p:nvSpPr>
+          <p:cNvPr id="5" name="TextBox 4">
+            <a:extLst>
+              <a:ext uri="{FF2B5EF4-FFF2-40B4-BE49-F238E27FC236}">
+                <a16:creationId xmlns:a16="http://schemas.microsoft.com/office/drawing/2014/main" id="{FB7D1191-B076-4898-9B0F-3270A8A581F9}"/>
+              </a:ext>
+            </a:extLst>
+          </p:cNvPr>
+          <p:cNvSpPr txBox="1"/>
+          <p:nvPr/>
+        </p:nvSpPr>
+        <p:spPr>
+          <a:xfrm>
+            <a:off x="1593915" y="1937987"/>
+            <a:ext cx="3536829" cy="276999"/>
+          </a:xfrm>
+          <a:prstGeom prst="rect">
+            <a:avLst/>
+          </a:prstGeom>
+          <a:solidFill>
+            <a:srgbClr val="21D109"/>
+          </a:solidFill>
+        </p:spPr>
+        <p:txBody>
+          <a:bodyPr wrap="square" rtlCol="0">
+            <a:spAutoFit/>
+          </a:bodyPr>
+          <a:lstStyle/>
+          <a:p>
+            <a:pPr algn="ctr"/>
+            <a:r>
+              <a:rPr lang="en-US" sz="1200" dirty="0"/>
+              <a:t>Cover Crops</a:t>
+            </a:r>
+          </a:p>
+        </p:txBody>
+      </p:sp>
+      <p:sp>
+        <p:nvSpPr>
+          <p:cNvPr id="27" name="TextBox 26">
+            <a:extLst>
+              <a:ext uri="{FF2B5EF4-FFF2-40B4-BE49-F238E27FC236}">
+                <a16:creationId xmlns:a16="http://schemas.microsoft.com/office/drawing/2014/main" id="{A8BF0BC3-B10A-4BC5-9397-D880332680E1}"/>
+              </a:ext>
+            </a:extLst>
+          </p:cNvPr>
+          <p:cNvSpPr txBox="1"/>
+          <p:nvPr/>
+        </p:nvSpPr>
+        <p:spPr>
+          <a:xfrm>
+            <a:off x="1880408" y="2534812"/>
+            <a:ext cx="660241" cy="556775"/>
+          </a:xfrm>
+          <a:prstGeom prst="rect">
+            <a:avLst/>
+          </a:prstGeom>
+          <a:solidFill>
+            <a:schemeClr val="bg2"/>
+          </a:solidFill>
+          <a:ln w="9525">
+            <a:solidFill>
+              <a:schemeClr val="tx1"/>
+            </a:solidFill>
+          </a:ln>
+        </p:spPr>
+        <p:txBody>
+          <a:bodyPr wrap="square" rtlCol="0">
+            <a:spAutoFit/>
+          </a:bodyPr>
+          <a:lstStyle/>
+          <a:p>
+            <a:pPr algn="ctr"/>
+            <a:r>
+              <a:rPr lang="en-US" sz="1000" dirty="0"/>
+              <a:t>Above-ground biomass</a:t>
+            </a:r>
+          </a:p>
+        </p:txBody>
+      </p:sp>
+      <p:sp>
+        <p:nvSpPr>
+          <p:cNvPr id="64" name="TextBox 63">
+            <a:extLst>
+              <a:ext uri="{FF2B5EF4-FFF2-40B4-BE49-F238E27FC236}">
+                <a16:creationId xmlns:a16="http://schemas.microsoft.com/office/drawing/2014/main" id="{A8FAAB48-F50B-4F05-9A35-72A681704C37}"/>
+              </a:ext>
+            </a:extLst>
+          </p:cNvPr>
+          <p:cNvSpPr txBox="1"/>
+          <p:nvPr/>
+        </p:nvSpPr>
+        <p:spPr>
+          <a:xfrm>
+            <a:off x="1715524" y="6661093"/>
+            <a:ext cx="891434" cy="413010"/>
+          </a:xfrm>
+          <a:prstGeom prst="rect">
+            <a:avLst/>
+          </a:prstGeom>
+          <a:solidFill>
+            <a:schemeClr val="bg2"/>
+          </a:solidFill>
+          <a:ln w="9525">
+            <a:solidFill>
+              <a:schemeClr val="tx1"/>
+            </a:solidFill>
+          </a:ln>
+        </p:spPr>
+        <p:txBody>
+          <a:bodyPr wrap="square" rtlCol="0">
+            <a:spAutoFit/>
+          </a:bodyPr>
+          <a:lstStyle/>
+          <a:p>
+            <a:pPr algn="ctr"/>
+            <a:r>
+              <a:rPr lang="en-US" sz="1000" dirty="0"/>
+              <a:t>Pore size distributions</a:t>
+            </a:r>
+          </a:p>
+        </p:txBody>
+      </p:sp>
+      <p:sp>
+        <p:nvSpPr>
+          <p:cNvPr id="88" name="TextBox 87">
+            <a:extLst>
+              <a:ext uri="{FF2B5EF4-FFF2-40B4-BE49-F238E27FC236}">
+                <a16:creationId xmlns:a16="http://schemas.microsoft.com/office/drawing/2014/main" id="{A39D2850-50A4-44CE-90DE-AD3BCB951000}"/>
+              </a:ext>
+            </a:extLst>
+          </p:cNvPr>
+          <p:cNvSpPr txBox="1"/>
+          <p:nvPr/>
+        </p:nvSpPr>
+        <p:spPr>
+          <a:xfrm>
+            <a:off x="4322263" y="6742194"/>
+            <a:ext cx="769153" cy="400110"/>
+          </a:xfrm>
+          <a:prstGeom prst="rect">
+            <a:avLst/>
+          </a:prstGeom>
+          <a:solidFill>
+            <a:schemeClr val="bg2"/>
+          </a:solidFill>
+          <a:ln w="9525">
+            <a:solidFill>
+              <a:schemeClr val="tx1"/>
+            </a:solidFill>
+          </a:ln>
+        </p:spPr>
+        <p:txBody>
+          <a:bodyPr wrap="square" rtlCol="0">
+            <a:spAutoFit/>
+          </a:bodyPr>
+          <a:lstStyle/>
+          <a:p>
+            <a:pPr algn="ctr"/>
+            <a:r>
+              <a:rPr lang="en-US" sz="1000" dirty="0"/>
+              <a:t>Bulk density</a:t>
+            </a:r>
+          </a:p>
+        </p:txBody>
+      </p:sp>
+      <p:sp>
+        <p:nvSpPr>
+          <p:cNvPr id="170" name="TextBox 169">
+            <a:extLst>
+              <a:ext uri="{FF2B5EF4-FFF2-40B4-BE49-F238E27FC236}">
+                <a16:creationId xmlns:a16="http://schemas.microsoft.com/office/drawing/2014/main" id="{68630CDA-D7CB-4F71-94FA-BDABED5E88FE}"/>
+              </a:ext>
+            </a:extLst>
+          </p:cNvPr>
+          <p:cNvSpPr txBox="1"/>
+          <p:nvPr/>
+        </p:nvSpPr>
+        <p:spPr>
+          <a:xfrm>
+            <a:off x="1776248" y="6070467"/>
+            <a:ext cx="2155146" cy="246221"/>
+          </a:xfrm>
+          <a:prstGeom prst="rect">
+            <a:avLst/>
+          </a:prstGeom>
+          <a:solidFill>
+            <a:srgbClr val="FFC000"/>
+          </a:solidFill>
+          <a:ln w="9525">
+            <a:solidFill>
+              <a:schemeClr val="tx1"/>
+            </a:solidFill>
+          </a:ln>
+        </p:spPr>
+        <p:txBody>
+          <a:bodyPr wrap="square" rtlCol="0">
+            <a:spAutoFit/>
+          </a:bodyPr>
+          <a:lstStyle/>
+          <a:p>
+            <a:pPr algn="ctr"/>
+            <a:r>
+              <a:rPr lang="en-US" sz="1000" dirty="0"/>
+              <a:t>Soil structure</a:t>
+            </a:r>
+          </a:p>
+        </p:txBody>
+      </p:sp>
+      <p:cxnSp>
+        <p:nvCxnSpPr>
+          <p:cNvPr id="65" name="Straight Arrow Connector 64">
+            <a:extLst>
+              <a:ext uri="{FF2B5EF4-FFF2-40B4-BE49-F238E27FC236}">
+                <a16:creationId xmlns:a16="http://schemas.microsoft.com/office/drawing/2014/main" id="{6DDDE205-0E35-4E61-A2F7-714AF9A98917}"/>
+              </a:ext>
+            </a:extLst>
+          </p:cNvPr>
+          <p:cNvCxnSpPr>
+            <a:cxnSpLocks/>
+          </p:cNvCxnSpPr>
+          <p:nvPr/>
+        </p:nvCxnSpPr>
+        <p:spPr>
+          <a:xfrm>
+            <a:off x="2593952" y="6947820"/>
+            <a:ext cx="367020" cy="0"/>
+          </a:xfrm>
+          <a:prstGeom prst="straightConnector1">
+            <a:avLst/>
+          </a:prstGeom>
+          <a:ln w="9525">
+            <a:solidFill>
+              <a:schemeClr val="tx1"/>
+            </a:solidFill>
+            <a:tailEnd type="triangle"/>
+          </a:ln>
+        </p:spPr>
+        <p:style>
+          <a:lnRef idx="1">
+            <a:schemeClr val="accent1"/>
+          </a:lnRef>
+          <a:fillRef idx="0">
+            <a:schemeClr val="accent1"/>
+          </a:fillRef>
+          <a:effectRef idx="0">
+            <a:schemeClr val="accent1"/>
+          </a:effectRef>
+          <a:fontRef idx="minor">
+            <a:schemeClr val="tx1"/>
+          </a:fontRef>
+        </p:style>
+      </p:cxnSp>
+      <p:sp>
+        <p:nvSpPr>
+          <p:cNvPr id="51" name="Rectangle 50">
+            <a:extLst>
+              <a:ext uri="{FF2B5EF4-FFF2-40B4-BE49-F238E27FC236}">
+                <a16:creationId xmlns:a16="http://schemas.microsoft.com/office/drawing/2014/main" id="{0E8C0B28-0100-4C8B-826D-37505ABF9D02}"/>
+              </a:ext>
+            </a:extLst>
+          </p:cNvPr>
+          <p:cNvSpPr/>
+          <p:nvPr/>
+        </p:nvSpPr>
+        <p:spPr>
+          <a:xfrm>
+            <a:off x="2225171" y="4504200"/>
+            <a:ext cx="148990" cy="95788"/>
+          </a:xfrm>
+          <a:prstGeom prst="rect">
+            <a:avLst/>
+          </a:prstGeom>
+          <a:solidFill>
+            <a:schemeClr val="bg1"/>
+          </a:solidFill>
+          <a:ln w="9525">
+            <a:solidFill>
+              <a:schemeClr val="bg1"/>
+            </a:solidFill>
+          </a:ln>
+        </p:spPr>
+        <p:style>
+          <a:lnRef idx="2">
+            <a:schemeClr val="accent1">
+              <a:shade val="50000"/>
+            </a:schemeClr>
+          </a:lnRef>
+          <a:fillRef idx="1">
+            <a:schemeClr val="accent1"/>
+          </a:fillRef>
+          <a:effectRef idx="0">
+            <a:schemeClr val="accent1"/>
+          </a:effectRef>
+          <a:fontRef idx="minor">
+            <a:schemeClr val="lt1"/>
+          </a:fontRef>
+        </p:style>
+        <p:txBody>
+          <a:bodyPr rtlCol="0" anchor="ctr"/>
+          <a:lstStyle/>
+          <a:p>
+            <a:pPr algn="ctr"/>
+            <a:endParaRPr lang="en-US"/>
+          </a:p>
+        </p:txBody>
+      </p:sp>
+      <p:sp>
+        <p:nvSpPr>
+          <p:cNvPr id="6" name="TextBox 5">
+            <a:extLst>
+              <a:ext uri="{FF2B5EF4-FFF2-40B4-BE49-F238E27FC236}">
+                <a16:creationId xmlns:a16="http://schemas.microsoft.com/office/drawing/2014/main" id="{21876E51-290C-4303-A6AD-0D8D552ADC8C}"/>
+              </a:ext>
+            </a:extLst>
+          </p:cNvPr>
+          <p:cNvSpPr txBox="1"/>
+          <p:nvPr/>
+        </p:nvSpPr>
+        <p:spPr>
+          <a:xfrm>
+            <a:off x="3062654" y="2549452"/>
+            <a:ext cx="750407" cy="553998"/>
+          </a:xfrm>
+          <a:prstGeom prst="rect">
+            <a:avLst/>
+          </a:prstGeom>
+          <a:solidFill>
+            <a:srgbClr val="FFC000"/>
+          </a:solidFill>
+          <a:ln w="9525">
+            <a:solidFill>
+              <a:schemeClr val="tx1"/>
+            </a:solidFill>
+          </a:ln>
+        </p:spPr>
+        <p:txBody>
+          <a:bodyPr wrap="square" rtlCol="0">
+            <a:spAutoFit/>
+          </a:bodyPr>
+          <a:lstStyle/>
+          <a:p>
+            <a:pPr algn="ctr"/>
+            <a:r>
+              <a:rPr lang="en-US" sz="1000" dirty="0"/>
+              <a:t>Below-ground biomass</a:t>
+            </a:r>
+          </a:p>
+        </p:txBody>
+      </p:sp>
+      <p:cxnSp>
+        <p:nvCxnSpPr>
+          <p:cNvPr id="60" name="Straight Arrow Connector 59">
+            <a:extLst>
+              <a:ext uri="{FF2B5EF4-FFF2-40B4-BE49-F238E27FC236}">
+                <a16:creationId xmlns:a16="http://schemas.microsoft.com/office/drawing/2014/main" id="{C41A3BA8-D62A-4F94-A8B1-2B433E085753}"/>
+              </a:ext>
+            </a:extLst>
+          </p:cNvPr>
+          <p:cNvCxnSpPr>
+            <a:cxnSpLocks/>
+          </p:cNvCxnSpPr>
+          <p:nvPr/>
+        </p:nvCxnSpPr>
+        <p:spPr>
+          <a:xfrm>
+            <a:off x="1265869" y="3679389"/>
+            <a:ext cx="546434" cy="0"/>
+          </a:xfrm>
+          <a:prstGeom prst="straightConnector1">
+            <a:avLst/>
+          </a:prstGeom>
+          <a:ln w="9525">
+            <a:solidFill>
+              <a:srgbClr val="FF0000"/>
+            </a:solidFill>
+            <a:tailEnd type="triangle"/>
+          </a:ln>
+        </p:spPr>
+        <p:style>
+          <a:lnRef idx="1">
+            <a:schemeClr val="accent1"/>
+          </a:lnRef>
+          <a:fillRef idx="0">
+            <a:schemeClr val="accent1"/>
+          </a:fillRef>
+          <a:effectRef idx="0">
+            <a:schemeClr val="accent1"/>
+          </a:effectRef>
+          <a:fontRef idx="minor">
+            <a:schemeClr val="tx1"/>
+          </a:fontRef>
+        </p:style>
+      </p:cxnSp>
+      <p:cxnSp>
+        <p:nvCxnSpPr>
+          <p:cNvPr id="61" name="Straight Arrow Connector 60">
+            <a:extLst>
+              <a:ext uri="{FF2B5EF4-FFF2-40B4-BE49-F238E27FC236}">
+                <a16:creationId xmlns:a16="http://schemas.microsoft.com/office/drawing/2014/main" id="{DDCE518A-146D-422A-8C35-DB1EF2BBEC07}"/>
+              </a:ext>
+            </a:extLst>
+          </p:cNvPr>
+          <p:cNvCxnSpPr>
+            <a:cxnSpLocks/>
+          </p:cNvCxnSpPr>
+          <p:nvPr/>
+        </p:nvCxnSpPr>
+        <p:spPr>
+          <a:xfrm flipH="1">
+            <a:off x="2731404" y="3703629"/>
+            <a:ext cx="513420" cy="0"/>
+          </a:xfrm>
+          <a:prstGeom prst="straightConnector1">
+            <a:avLst/>
+          </a:prstGeom>
+          <a:ln w="9525">
+            <a:solidFill>
+              <a:schemeClr val="tx1"/>
+            </a:solidFill>
+            <a:tailEnd type="triangle"/>
+          </a:ln>
+        </p:spPr>
+        <p:style>
+          <a:lnRef idx="1">
+            <a:schemeClr val="accent1"/>
+          </a:lnRef>
+          <a:fillRef idx="0">
+            <a:schemeClr val="accent1"/>
+          </a:fillRef>
+          <a:effectRef idx="0">
+            <a:schemeClr val="accent1"/>
+          </a:effectRef>
+          <a:fontRef idx="minor">
+            <a:schemeClr val="tx1"/>
+          </a:fontRef>
+        </p:style>
+      </p:cxnSp>
+      <p:cxnSp>
+        <p:nvCxnSpPr>
+          <p:cNvPr id="63" name="Straight Connector 62">
+            <a:extLst>
+              <a:ext uri="{FF2B5EF4-FFF2-40B4-BE49-F238E27FC236}">
+                <a16:creationId xmlns:a16="http://schemas.microsoft.com/office/drawing/2014/main" id="{34571847-4C88-42EA-8F10-811CC07CB5AD}"/>
+              </a:ext>
+            </a:extLst>
+          </p:cNvPr>
+          <p:cNvCxnSpPr/>
+          <p:nvPr/>
+        </p:nvCxnSpPr>
+        <p:spPr>
+          <a:xfrm flipH="1">
+            <a:off x="2300017" y="3677251"/>
+            <a:ext cx="1" cy="1734499"/>
+          </a:xfrm>
+          <a:prstGeom prst="line">
+            <a:avLst/>
+          </a:prstGeom>
+          <a:ln w="9525">
+            <a:solidFill>
+              <a:schemeClr val="tx1"/>
+            </a:solidFill>
+          </a:ln>
+        </p:spPr>
+        <p:style>
+          <a:lnRef idx="1">
+            <a:schemeClr val="accent1"/>
+          </a:lnRef>
+          <a:fillRef idx="0">
+            <a:schemeClr val="accent1"/>
+          </a:fillRef>
+          <a:effectRef idx="0">
+            <a:schemeClr val="accent1"/>
+          </a:effectRef>
+          <a:fontRef idx="minor">
+            <a:schemeClr val="tx1"/>
+          </a:fontRef>
+        </p:style>
+      </p:cxnSp>
+      <p:cxnSp>
+        <p:nvCxnSpPr>
+          <p:cNvPr id="62" name="Straight Arrow Connector 61">
+            <a:extLst>
+              <a:ext uri="{FF2B5EF4-FFF2-40B4-BE49-F238E27FC236}">
+                <a16:creationId xmlns:a16="http://schemas.microsoft.com/office/drawing/2014/main" id="{FCC92C22-E29C-422B-85A8-36C0F3462C91}"/>
+              </a:ext>
+            </a:extLst>
+          </p:cNvPr>
+          <p:cNvCxnSpPr>
+            <a:cxnSpLocks/>
+          </p:cNvCxnSpPr>
+          <p:nvPr/>
+        </p:nvCxnSpPr>
+        <p:spPr>
+          <a:xfrm>
+            <a:off x="2300706" y="5411628"/>
+            <a:ext cx="1047149" cy="0"/>
+          </a:xfrm>
+          <a:prstGeom prst="straightConnector1">
+            <a:avLst/>
+          </a:prstGeom>
+          <a:ln w="9525">
+            <a:solidFill>
+              <a:schemeClr val="tx1"/>
+            </a:solidFill>
+            <a:tailEnd type="triangle"/>
+          </a:ln>
+        </p:spPr>
+        <p:style>
+          <a:lnRef idx="1">
+            <a:schemeClr val="accent1"/>
+          </a:lnRef>
+          <a:fillRef idx="0">
+            <a:schemeClr val="accent1"/>
+          </a:fillRef>
+          <a:effectRef idx="0">
+            <a:schemeClr val="accent1"/>
+          </a:effectRef>
+          <a:fontRef idx="minor">
+            <a:schemeClr val="tx1"/>
+          </a:fontRef>
+        </p:style>
+      </p:cxnSp>
+      <p:cxnSp>
+        <p:nvCxnSpPr>
+          <p:cNvPr id="67" name="Straight Arrow Connector 66">
+            <a:extLst>
+              <a:ext uri="{FF2B5EF4-FFF2-40B4-BE49-F238E27FC236}">
+                <a16:creationId xmlns:a16="http://schemas.microsoft.com/office/drawing/2014/main" id="{DA084BF6-9948-48E2-8406-66EED07CC671}"/>
+              </a:ext>
+            </a:extLst>
+          </p:cNvPr>
+          <p:cNvCxnSpPr>
+            <a:cxnSpLocks/>
+          </p:cNvCxnSpPr>
+          <p:nvPr/>
+        </p:nvCxnSpPr>
+        <p:spPr>
+          <a:xfrm>
+            <a:off x="2638445" y="3514470"/>
+            <a:ext cx="1" cy="696487"/>
+          </a:xfrm>
+          <a:prstGeom prst="straightConnector1">
+            <a:avLst/>
+          </a:prstGeom>
+          <a:ln w="9525">
+            <a:solidFill>
+              <a:schemeClr val="tx1"/>
+            </a:solidFill>
+            <a:tailEnd type="triangle"/>
+          </a:ln>
+        </p:spPr>
+        <p:style>
+          <a:lnRef idx="1">
+            <a:schemeClr val="accent1"/>
+          </a:lnRef>
+          <a:fillRef idx="0">
+            <a:schemeClr val="accent1"/>
+          </a:fillRef>
+          <a:effectRef idx="0">
+            <a:schemeClr val="accent1"/>
+          </a:effectRef>
+          <a:fontRef idx="minor">
+            <a:schemeClr val="tx1"/>
+          </a:fontRef>
+        </p:style>
+      </p:cxnSp>
+      <p:sp>
+        <p:nvSpPr>
+          <p:cNvPr id="77" name="TextBox 76">
+            <a:extLst>
+              <a:ext uri="{FF2B5EF4-FFF2-40B4-BE49-F238E27FC236}">
+                <a16:creationId xmlns:a16="http://schemas.microsoft.com/office/drawing/2014/main" id="{592AC19D-B477-462D-A16C-DFA019277B56}"/>
+              </a:ext>
+            </a:extLst>
+          </p:cNvPr>
+          <p:cNvSpPr txBox="1"/>
+          <p:nvPr/>
+        </p:nvSpPr>
+        <p:spPr>
+          <a:xfrm>
+            <a:off x="1837837" y="3478947"/>
+            <a:ext cx="879910" cy="400110"/>
+          </a:xfrm>
+          <a:prstGeom prst="rect">
+            <a:avLst/>
+          </a:prstGeom>
+          <a:solidFill>
+            <a:schemeClr val="bg2"/>
+          </a:solidFill>
+          <a:ln w="9525">
+            <a:solidFill>
+              <a:schemeClr val="tx1"/>
+            </a:solidFill>
+          </a:ln>
+        </p:spPr>
+        <p:txBody>
+          <a:bodyPr wrap="square" rtlCol="0">
+            <a:spAutoFit/>
+          </a:bodyPr>
+          <a:lstStyle/>
+          <a:p>
+            <a:pPr algn="ctr"/>
+            <a:r>
+              <a:rPr lang="en-US" sz="1000" dirty="0"/>
+              <a:t>Soil Organic Matter</a:t>
+            </a:r>
+          </a:p>
+        </p:txBody>
+      </p:sp>
+      <p:sp>
+        <p:nvSpPr>
+          <p:cNvPr id="66" name="Rectangle 65">
+            <a:extLst>
+              <a:ext uri="{FF2B5EF4-FFF2-40B4-BE49-F238E27FC236}">
+                <a16:creationId xmlns:a16="http://schemas.microsoft.com/office/drawing/2014/main" id="{23905BF2-D03B-488F-8B38-8437C2EE7FF2}"/>
+              </a:ext>
+            </a:extLst>
+          </p:cNvPr>
+          <p:cNvSpPr/>
+          <p:nvPr/>
+        </p:nvSpPr>
+        <p:spPr>
+          <a:xfrm>
+            <a:off x="2783959" y="5377790"/>
+            <a:ext cx="148990" cy="95788"/>
+          </a:xfrm>
+          <a:prstGeom prst="rect">
+            <a:avLst/>
+          </a:prstGeom>
+          <a:solidFill>
+            <a:schemeClr val="bg1"/>
+          </a:solidFill>
+          <a:ln w="9525">
+            <a:solidFill>
+              <a:schemeClr val="bg1"/>
+            </a:solidFill>
+          </a:ln>
+        </p:spPr>
+        <p:style>
+          <a:lnRef idx="2">
+            <a:schemeClr val="accent1">
+              <a:shade val="50000"/>
+            </a:schemeClr>
+          </a:lnRef>
+          <a:fillRef idx="1">
+            <a:schemeClr val="accent1"/>
+          </a:fillRef>
+          <a:effectRef idx="0">
+            <a:schemeClr val="accent1"/>
+          </a:effectRef>
+          <a:fontRef idx="minor">
+            <a:schemeClr val="lt1"/>
+          </a:fontRef>
+        </p:style>
+        <p:txBody>
+          <a:bodyPr rtlCol="0" anchor="ctr"/>
+          <a:lstStyle/>
+          <a:p>
+            <a:pPr algn="ctr"/>
+            <a:endParaRPr lang="en-US"/>
+          </a:p>
+        </p:txBody>
+      </p:sp>
+      <p:cxnSp>
+        <p:nvCxnSpPr>
+          <p:cNvPr id="172" name="Straight Arrow Connector 171">
+            <a:extLst>
+              <a:ext uri="{FF2B5EF4-FFF2-40B4-BE49-F238E27FC236}">
+                <a16:creationId xmlns:a16="http://schemas.microsoft.com/office/drawing/2014/main" id="{FC8C7FFC-E011-4F67-A04C-8CFC4A5730E2}"/>
+              </a:ext>
+            </a:extLst>
+          </p:cNvPr>
+          <p:cNvCxnSpPr>
+            <a:cxnSpLocks/>
+          </p:cNvCxnSpPr>
+          <p:nvPr/>
+        </p:nvCxnSpPr>
+        <p:spPr>
+          <a:xfrm flipH="1">
+            <a:off x="2867980" y="4638790"/>
+            <a:ext cx="2283" cy="1375601"/>
+          </a:xfrm>
+          <a:prstGeom prst="straightConnector1">
+            <a:avLst/>
+          </a:prstGeom>
+          <a:ln w="9525">
+            <a:solidFill>
+              <a:schemeClr val="tx1"/>
+            </a:solidFill>
+            <a:tailEnd type="triangle"/>
+          </a:ln>
+        </p:spPr>
+        <p:style>
+          <a:lnRef idx="1">
+            <a:schemeClr val="accent1"/>
+          </a:lnRef>
+          <a:fillRef idx="0">
+            <a:schemeClr val="accent1"/>
+          </a:fillRef>
+          <a:effectRef idx="0">
+            <a:schemeClr val="accent1"/>
+          </a:effectRef>
+          <a:fontRef idx="minor">
+            <a:schemeClr val="tx1"/>
+          </a:fontRef>
+        </p:style>
+      </p:cxnSp>
+      <p:sp>
+        <p:nvSpPr>
+          <p:cNvPr id="85" name="TextBox 84">
+            <a:extLst>
+              <a:ext uri="{FF2B5EF4-FFF2-40B4-BE49-F238E27FC236}">
+                <a16:creationId xmlns:a16="http://schemas.microsoft.com/office/drawing/2014/main" id="{CF804AB6-B196-45FB-8F8E-BCF2A0FB4871}"/>
+              </a:ext>
+            </a:extLst>
+          </p:cNvPr>
+          <p:cNvSpPr txBox="1"/>
+          <p:nvPr/>
+        </p:nvSpPr>
+        <p:spPr>
+          <a:xfrm>
+            <a:off x="2938408" y="4008524"/>
+            <a:ext cx="1077151" cy="707886"/>
+          </a:xfrm>
+          <a:prstGeom prst="rect">
+            <a:avLst/>
+          </a:prstGeom>
+          <a:solidFill>
+            <a:srgbClr val="FFC000"/>
+          </a:solidFill>
+          <a:ln w="9525">
+            <a:solidFill>
+              <a:schemeClr val="tx1"/>
+            </a:solidFill>
+          </a:ln>
+        </p:spPr>
+        <p:txBody>
+          <a:bodyPr wrap="square" rtlCol="0">
+            <a:spAutoFit/>
+          </a:bodyPr>
+          <a:lstStyle/>
+          <a:p>
+            <a:pPr algn="ctr"/>
+            <a:endParaRPr lang="en-US" sz="1000" dirty="0"/>
+          </a:p>
+          <a:p>
+            <a:pPr algn="ctr"/>
+            <a:r>
+              <a:rPr lang="en-US" sz="1000" dirty="0"/>
+              <a:t>Soil</a:t>
+            </a:r>
+          </a:p>
+          <a:p>
+            <a:pPr algn="ctr"/>
+            <a:r>
+              <a:rPr lang="en-US" sz="1000" dirty="0"/>
+              <a:t>aggregation</a:t>
+            </a:r>
+          </a:p>
+          <a:p>
+            <a:pPr algn="ctr"/>
+            <a:endParaRPr lang="en-US" sz="1000" dirty="0"/>
+          </a:p>
+        </p:txBody>
+      </p:sp>
+      <p:sp>
+        <p:nvSpPr>
+          <p:cNvPr id="69" name="Rectangle 68">
+            <a:extLst>
+              <a:ext uri="{FF2B5EF4-FFF2-40B4-BE49-F238E27FC236}">
+                <a16:creationId xmlns:a16="http://schemas.microsoft.com/office/drawing/2014/main" id="{9E65AB98-3285-4703-8163-457D65A667E7}"/>
+              </a:ext>
+            </a:extLst>
+          </p:cNvPr>
+          <p:cNvSpPr/>
+          <p:nvPr/>
+        </p:nvSpPr>
+        <p:spPr>
+          <a:xfrm>
+            <a:off x="2118146" y="3239494"/>
+            <a:ext cx="148990" cy="95788"/>
+          </a:xfrm>
+          <a:prstGeom prst="rect">
+            <a:avLst/>
+          </a:prstGeom>
+          <a:solidFill>
+            <a:schemeClr val="bg1"/>
+          </a:solidFill>
+          <a:ln w="9525">
+            <a:solidFill>
+              <a:schemeClr val="bg1"/>
+            </a:solidFill>
+          </a:ln>
+        </p:spPr>
+        <p:style>
+          <a:lnRef idx="2">
+            <a:schemeClr val="accent1">
+              <a:shade val="50000"/>
+            </a:schemeClr>
+          </a:lnRef>
+          <a:fillRef idx="1">
+            <a:schemeClr val="accent1"/>
+          </a:fillRef>
+          <a:effectRef idx="0">
+            <a:schemeClr val="accent1"/>
+          </a:effectRef>
+          <a:fontRef idx="minor">
+            <a:schemeClr val="lt1"/>
+          </a:fontRef>
+        </p:style>
+        <p:txBody>
+          <a:bodyPr rtlCol="0" anchor="ctr"/>
+          <a:lstStyle/>
+          <a:p>
+            <a:pPr algn="ctr"/>
+            <a:endParaRPr lang="en-US"/>
+          </a:p>
+        </p:txBody>
+      </p:sp>
+      <p:cxnSp>
+        <p:nvCxnSpPr>
+          <p:cNvPr id="68" name="Straight Arrow Connector 67">
+            <a:extLst>
+              <a:ext uri="{FF2B5EF4-FFF2-40B4-BE49-F238E27FC236}">
+                <a16:creationId xmlns:a16="http://schemas.microsoft.com/office/drawing/2014/main" id="{23A32417-966F-4D82-A544-4FD7F83C054D}"/>
+              </a:ext>
+            </a:extLst>
+          </p:cNvPr>
+          <p:cNvCxnSpPr>
+            <a:cxnSpLocks/>
+          </p:cNvCxnSpPr>
+          <p:nvPr/>
+        </p:nvCxnSpPr>
+        <p:spPr>
+          <a:xfrm flipH="1">
+            <a:off x="1621645" y="3294467"/>
+            <a:ext cx="1627448" cy="0"/>
+          </a:xfrm>
+          <a:prstGeom prst="straightConnector1">
+            <a:avLst/>
+          </a:prstGeom>
+          <a:ln w="9525">
+            <a:solidFill>
+              <a:srgbClr val="FF0000"/>
+            </a:solidFill>
+            <a:tailEnd type="triangle"/>
+          </a:ln>
+        </p:spPr>
+        <p:style>
+          <a:lnRef idx="1">
+            <a:schemeClr val="accent1"/>
+          </a:lnRef>
+          <a:fillRef idx="0">
+            <a:schemeClr val="accent1"/>
+          </a:fillRef>
+          <a:effectRef idx="0">
+            <a:schemeClr val="accent1"/>
+          </a:effectRef>
+          <a:fontRef idx="minor">
+            <a:schemeClr val="tx1"/>
+          </a:fontRef>
+        </p:style>
+      </p:cxnSp>
+    </p:spTree>
+    <p:extLst>
+      <p:ext uri="{BB962C8B-B14F-4D97-AF65-F5344CB8AC3E}">
+        <p14:creationId xmlns:p14="http://schemas.microsoft.com/office/powerpoint/2010/main" val="3043893020"/>
+      </p:ext>
+    </p:extLst>
+  </p:cSld>
+  <p:clrMapOvr>
+    <a:masterClrMapping/>
+  </p:clrMapOvr>
+</p:sld>
+</file>
+
+<file path=ppt/slides/slide6.xml><?xml version="1.0" encoding="utf-8"?>
 <p:sld xmlns:a="http://schemas.openxmlformats.org/drawingml/2006/main" xmlns:r="http://schemas.openxmlformats.org/officeDocument/2006/relationships" xmlns:p="http://schemas.openxmlformats.org/presentationml/2006/main">
   <p:cSld>
     <p:spTree>

--- a/manu/schematics-v2.pptx
+++ b/manu/schematics-v2.pptx
@@ -10,7 +10,7 @@
     <p:sldId id="262" r:id="rId4"/>
     <p:sldId id="263" r:id="rId5"/>
     <p:sldId id="264" r:id="rId6"/>
-    <p:sldId id="260" r:id="rId7"/>
+    <p:sldId id="265" r:id="rId7"/>
   </p:sldIdLst>
   <p:sldSz cx="6765925" cy="9144000"/>
   <p:notesSz cx="6858000" cy="9144000"/>
@@ -248,7 +248,7 @@
           <a:p>
             <a:fld id="{C1479234-584E-4873-8CD3-B53B1333C3D5}" type="datetimeFigureOut">
               <a:rPr lang="en-US" smtClean="0"/>
-              <a:t>3/31/2021</a:t>
+              <a:t>4/21/2021</a:t>
             </a:fld>
             <a:endParaRPr lang="en-US"/>
           </a:p>
@@ -418,7 +418,7 @@
           <a:p>
             <a:fld id="{C1479234-584E-4873-8CD3-B53B1333C3D5}" type="datetimeFigureOut">
               <a:rPr lang="en-US" smtClean="0"/>
-              <a:t>3/31/2021</a:t>
+              <a:t>4/21/2021</a:t>
             </a:fld>
             <a:endParaRPr lang="en-US"/>
           </a:p>
@@ -598,7 +598,7 @@
           <a:p>
             <a:fld id="{C1479234-584E-4873-8CD3-B53B1333C3D5}" type="datetimeFigureOut">
               <a:rPr lang="en-US" smtClean="0"/>
-              <a:t>3/31/2021</a:t>
+              <a:t>4/21/2021</a:t>
             </a:fld>
             <a:endParaRPr lang="en-US"/>
           </a:p>
@@ -768,7 +768,7 @@
           <a:p>
             <a:fld id="{C1479234-584E-4873-8CD3-B53B1333C3D5}" type="datetimeFigureOut">
               <a:rPr lang="en-US" smtClean="0"/>
-              <a:t>3/31/2021</a:t>
+              <a:t>4/21/2021</a:t>
             </a:fld>
             <a:endParaRPr lang="en-US"/>
           </a:p>
@@ -1012,7 +1012,7 @@
           <a:p>
             <a:fld id="{C1479234-584E-4873-8CD3-B53B1333C3D5}" type="datetimeFigureOut">
               <a:rPr lang="en-US" smtClean="0"/>
-              <a:t>3/31/2021</a:t>
+              <a:t>4/21/2021</a:t>
             </a:fld>
             <a:endParaRPr lang="en-US"/>
           </a:p>
@@ -1244,7 +1244,7 @@
           <a:p>
             <a:fld id="{C1479234-584E-4873-8CD3-B53B1333C3D5}" type="datetimeFigureOut">
               <a:rPr lang="en-US" smtClean="0"/>
-              <a:t>3/31/2021</a:t>
+              <a:t>4/21/2021</a:t>
             </a:fld>
             <a:endParaRPr lang="en-US"/>
           </a:p>
@@ -1611,7 +1611,7 @@
           <a:p>
             <a:fld id="{C1479234-584E-4873-8CD3-B53B1333C3D5}" type="datetimeFigureOut">
               <a:rPr lang="en-US" smtClean="0"/>
-              <a:t>3/31/2021</a:t>
+              <a:t>4/21/2021</a:t>
             </a:fld>
             <a:endParaRPr lang="en-US"/>
           </a:p>
@@ -1729,7 +1729,7 @@
           <a:p>
             <a:fld id="{C1479234-584E-4873-8CD3-B53B1333C3D5}" type="datetimeFigureOut">
               <a:rPr lang="en-US" smtClean="0"/>
-              <a:t>3/31/2021</a:t>
+              <a:t>4/21/2021</a:t>
             </a:fld>
             <a:endParaRPr lang="en-US"/>
           </a:p>
@@ -1824,7 +1824,7 @@
           <a:p>
             <a:fld id="{C1479234-584E-4873-8CD3-B53B1333C3D5}" type="datetimeFigureOut">
               <a:rPr lang="en-US" smtClean="0"/>
-              <a:t>3/31/2021</a:t>
+              <a:t>4/21/2021</a:t>
             </a:fld>
             <a:endParaRPr lang="en-US"/>
           </a:p>
@@ -2101,7 +2101,7 @@
           <a:p>
             <a:fld id="{C1479234-584E-4873-8CD3-B53B1333C3D5}" type="datetimeFigureOut">
               <a:rPr lang="en-US" smtClean="0"/>
-              <a:t>3/31/2021</a:t>
+              <a:t>4/21/2021</a:t>
             </a:fld>
             <a:endParaRPr lang="en-US"/>
           </a:p>
@@ -2358,7 +2358,7 @@
           <a:p>
             <a:fld id="{C1479234-584E-4873-8CD3-B53B1333C3D5}" type="datetimeFigureOut">
               <a:rPr lang="en-US" smtClean="0"/>
-              <a:t>3/31/2021</a:t>
+              <a:t>4/21/2021</a:t>
             </a:fld>
             <a:endParaRPr lang="en-US"/>
           </a:p>
@@ -2571,7 +2571,7 @@
           <a:p>
             <a:fld id="{C1479234-584E-4873-8CD3-B53B1333C3D5}" type="datetimeFigureOut">
               <a:rPr lang="en-US" smtClean="0"/>
-              <a:t>3/31/2021</a:t>
+              <a:t>4/21/2021</a:t>
             </a:fld>
             <a:endParaRPr lang="en-US"/>
           </a:p>
@@ -14867,10 +14867,1783 @@
           <a:chExt cx="0" cy="0"/>
         </a:xfrm>
       </p:grpSpPr>
+      <p:sp>
+        <p:nvSpPr>
+          <p:cNvPr id="44" name="TextBox 43">
+            <a:extLst>
+              <a:ext uri="{FF2B5EF4-FFF2-40B4-BE49-F238E27FC236}">
+                <a16:creationId xmlns:a16="http://schemas.microsoft.com/office/drawing/2014/main" id="{414CDE10-F323-4C65-B715-D0A0634E988F}"/>
+              </a:ext>
+            </a:extLst>
+          </p:cNvPr>
+          <p:cNvSpPr txBox="1"/>
+          <p:nvPr/>
+        </p:nvSpPr>
+        <p:spPr>
+          <a:xfrm>
+            <a:off x="501049" y="525877"/>
+            <a:ext cx="5754969" cy="276999"/>
+          </a:xfrm>
+          <a:prstGeom prst="rect">
+            <a:avLst/>
+          </a:prstGeom>
+          <a:noFill/>
+        </p:spPr>
+        <p:txBody>
+          <a:bodyPr wrap="square" rtlCol="0">
+            <a:spAutoFit/>
+          </a:bodyPr>
+          <a:lstStyle/>
+          <a:p>
+            <a:r>
+              <a:rPr lang="en-US" sz="1200" dirty="0"/>
+              <a:t>Exclude soil erosion, easier to look at</a:t>
+            </a:r>
+          </a:p>
+        </p:txBody>
+      </p:sp>
+      <p:cxnSp>
+        <p:nvCxnSpPr>
+          <p:cNvPr id="59" name="Straight Arrow Connector 58">
+            <a:extLst>
+              <a:ext uri="{FF2B5EF4-FFF2-40B4-BE49-F238E27FC236}">
+                <a16:creationId xmlns:a16="http://schemas.microsoft.com/office/drawing/2014/main" id="{04E70E58-42AC-4675-B455-935EC2D04F90}"/>
+              </a:ext>
+            </a:extLst>
+          </p:cNvPr>
+          <p:cNvCxnSpPr>
+            <a:cxnSpLocks/>
+          </p:cNvCxnSpPr>
+          <p:nvPr/>
+        </p:nvCxnSpPr>
+        <p:spPr>
+          <a:xfrm flipV="1">
+            <a:off x="3663738" y="2829275"/>
+            <a:ext cx="711162" cy="2062"/>
+          </a:xfrm>
+          <a:prstGeom prst="straightConnector1">
+            <a:avLst/>
+          </a:prstGeom>
+          <a:ln w="9525">
+            <a:solidFill>
+              <a:schemeClr val="tx1"/>
+            </a:solidFill>
+            <a:tailEnd type="triangle"/>
+          </a:ln>
+        </p:spPr>
+        <p:style>
+          <a:lnRef idx="1">
+            <a:schemeClr val="accent1"/>
+          </a:lnRef>
+          <a:fillRef idx="0">
+            <a:schemeClr val="accent1"/>
+          </a:fillRef>
+          <a:effectRef idx="0">
+            <a:schemeClr val="accent1"/>
+          </a:effectRef>
+          <a:fontRef idx="minor">
+            <a:schemeClr val="tx1"/>
+          </a:fontRef>
+        </p:style>
+      </p:cxnSp>
+      <p:cxnSp>
+        <p:nvCxnSpPr>
+          <p:cNvPr id="90" name="Straight Arrow Connector 89">
+            <a:extLst>
+              <a:ext uri="{FF2B5EF4-FFF2-40B4-BE49-F238E27FC236}">
+                <a16:creationId xmlns:a16="http://schemas.microsoft.com/office/drawing/2014/main" id="{BB890F74-A463-4C40-A27B-35FB56527423}"/>
+              </a:ext>
+            </a:extLst>
+          </p:cNvPr>
+          <p:cNvCxnSpPr>
+            <a:cxnSpLocks/>
+          </p:cNvCxnSpPr>
+          <p:nvPr/>
+        </p:nvCxnSpPr>
+        <p:spPr>
+          <a:xfrm>
+            <a:off x="2220295" y="2073594"/>
+            <a:ext cx="1" cy="484673"/>
+          </a:xfrm>
+          <a:prstGeom prst="straightConnector1">
+            <a:avLst/>
+          </a:prstGeom>
+          <a:ln w="57150">
+            <a:solidFill>
+              <a:schemeClr val="tx1"/>
+            </a:solidFill>
+            <a:tailEnd type="triangle"/>
+          </a:ln>
+        </p:spPr>
+        <p:style>
+          <a:lnRef idx="1">
+            <a:schemeClr val="accent1"/>
+          </a:lnRef>
+          <a:fillRef idx="0">
+            <a:schemeClr val="accent1"/>
+          </a:fillRef>
+          <a:effectRef idx="0">
+            <a:schemeClr val="accent1"/>
+          </a:effectRef>
+          <a:fontRef idx="minor">
+            <a:schemeClr val="tx1"/>
+          </a:fontRef>
+        </p:style>
+      </p:cxnSp>
+      <p:cxnSp>
+        <p:nvCxnSpPr>
+          <p:cNvPr id="91" name="Straight Arrow Connector 90">
+            <a:extLst>
+              <a:ext uri="{FF2B5EF4-FFF2-40B4-BE49-F238E27FC236}">
+                <a16:creationId xmlns:a16="http://schemas.microsoft.com/office/drawing/2014/main" id="{7E40E1B6-6876-41B9-90D2-E708A7BFB424}"/>
+              </a:ext>
+            </a:extLst>
+          </p:cNvPr>
+          <p:cNvCxnSpPr>
+            <a:cxnSpLocks/>
+          </p:cNvCxnSpPr>
+          <p:nvPr/>
+        </p:nvCxnSpPr>
+        <p:spPr>
+          <a:xfrm>
+            <a:off x="3512115" y="2106352"/>
+            <a:ext cx="0" cy="460346"/>
+          </a:xfrm>
+          <a:prstGeom prst="straightConnector1">
+            <a:avLst/>
+          </a:prstGeom>
+          <a:ln w="57150">
+            <a:solidFill>
+              <a:schemeClr val="tx1"/>
+            </a:solidFill>
+            <a:tailEnd type="triangle"/>
+          </a:ln>
+        </p:spPr>
+        <p:style>
+          <a:lnRef idx="1">
+            <a:schemeClr val="accent1"/>
+          </a:lnRef>
+          <a:fillRef idx="0">
+            <a:schemeClr val="accent1"/>
+          </a:fillRef>
+          <a:effectRef idx="0">
+            <a:schemeClr val="accent1"/>
+          </a:effectRef>
+          <a:fontRef idx="minor">
+            <a:schemeClr val="tx1"/>
+          </a:fontRef>
+        </p:style>
+      </p:cxnSp>
+      <p:cxnSp>
+        <p:nvCxnSpPr>
+          <p:cNvPr id="71" name="Straight Arrow Connector 70">
+            <a:extLst>
+              <a:ext uri="{FF2B5EF4-FFF2-40B4-BE49-F238E27FC236}">
+                <a16:creationId xmlns:a16="http://schemas.microsoft.com/office/drawing/2014/main" id="{DFD09234-A006-4654-8ABC-244EFB2761F0}"/>
+              </a:ext>
+            </a:extLst>
+          </p:cNvPr>
+          <p:cNvCxnSpPr>
+            <a:cxnSpLocks/>
+          </p:cNvCxnSpPr>
+          <p:nvPr/>
+        </p:nvCxnSpPr>
+        <p:spPr>
+          <a:xfrm>
+            <a:off x="4714438" y="2115494"/>
+            <a:ext cx="0" cy="460346"/>
+          </a:xfrm>
+          <a:prstGeom prst="straightConnector1">
+            <a:avLst/>
+          </a:prstGeom>
+          <a:ln w="57150">
+            <a:solidFill>
+              <a:schemeClr val="tx1"/>
+            </a:solidFill>
+            <a:tailEnd type="triangle"/>
+          </a:ln>
+        </p:spPr>
+        <p:style>
+          <a:lnRef idx="1">
+            <a:schemeClr val="accent1"/>
+          </a:lnRef>
+          <a:fillRef idx="0">
+            <a:schemeClr val="accent1"/>
+          </a:fillRef>
+          <a:effectRef idx="0">
+            <a:schemeClr val="accent1"/>
+          </a:effectRef>
+          <a:fontRef idx="minor">
+            <a:schemeClr val="tx1"/>
+          </a:fontRef>
+        </p:style>
+      </p:cxnSp>
+      <p:sp>
+        <p:nvSpPr>
+          <p:cNvPr id="80" name="TextBox 79">
+            <a:extLst>
+              <a:ext uri="{FF2B5EF4-FFF2-40B4-BE49-F238E27FC236}">
+                <a16:creationId xmlns:a16="http://schemas.microsoft.com/office/drawing/2014/main" id="{72EE2869-981E-46C6-AC7A-802D723EAF97}"/>
+              </a:ext>
+            </a:extLst>
+          </p:cNvPr>
+          <p:cNvSpPr txBox="1"/>
+          <p:nvPr/>
+        </p:nvSpPr>
+        <p:spPr>
+          <a:xfrm>
+            <a:off x="3491332" y="7150957"/>
+            <a:ext cx="1076698" cy="400110"/>
+          </a:xfrm>
+          <a:prstGeom prst="rect">
+            <a:avLst/>
+          </a:prstGeom>
+          <a:solidFill>
+            <a:srgbClr val="FFC000"/>
+          </a:solidFill>
+          <a:ln w="9525">
+            <a:solidFill>
+              <a:schemeClr val="tx1"/>
+            </a:solidFill>
+          </a:ln>
+        </p:spPr>
+        <p:txBody>
+          <a:bodyPr wrap="square" rtlCol="0">
+            <a:spAutoFit/>
+          </a:bodyPr>
+          <a:lstStyle/>
+          <a:p>
+            <a:pPr algn="ctr"/>
+            <a:r>
+              <a:rPr lang="en-US" sz="1000" dirty="0"/>
+              <a:t>Soil water at field capacity</a:t>
+            </a:r>
+          </a:p>
+        </p:txBody>
+      </p:sp>
+      <p:cxnSp>
+        <p:nvCxnSpPr>
+          <p:cNvPr id="11" name="Straight Connector 10">
+            <a:extLst>
+              <a:ext uri="{FF2B5EF4-FFF2-40B4-BE49-F238E27FC236}">
+                <a16:creationId xmlns:a16="http://schemas.microsoft.com/office/drawing/2014/main" id="{0712DFD0-8832-4922-BFE1-45B491651EC5}"/>
+              </a:ext>
+            </a:extLst>
+          </p:cNvPr>
+          <p:cNvCxnSpPr>
+            <a:cxnSpLocks/>
+          </p:cNvCxnSpPr>
+          <p:nvPr/>
+        </p:nvCxnSpPr>
+        <p:spPr>
+          <a:xfrm>
+            <a:off x="4205338" y="6228125"/>
+            <a:ext cx="0" cy="0"/>
+          </a:xfrm>
+          <a:prstGeom prst="line">
+            <a:avLst/>
+          </a:prstGeom>
+          <a:ln w="9525"/>
+        </p:spPr>
+        <p:style>
+          <a:lnRef idx="1">
+            <a:schemeClr val="accent1"/>
+          </a:lnRef>
+          <a:fillRef idx="0">
+            <a:schemeClr val="accent1"/>
+          </a:fillRef>
+          <a:effectRef idx="0">
+            <a:schemeClr val="accent1"/>
+          </a:effectRef>
+          <a:fontRef idx="minor">
+            <a:schemeClr val="tx1"/>
+          </a:fontRef>
+        </p:style>
+      </p:cxnSp>
+      <p:cxnSp>
+        <p:nvCxnSpPr>
+          <p:cNvPr id="110" name="Straight Arrow Connector 109">
+            <a:extLst>
+              <a:ext uri="{FF2B5EF4-FFF2-40B4-BE49-F238E27FC236}">
+                <a16:creationId xmlns:a16="http://schemas.microsoft.com/office/drawing/2014/main" id="{6A13596A-C939-4CBE-A6B5-C323C197012A}"/>
+              </a:ext>
+            </a:extLst>
+          </p:cNvPr>
+          <p:cNvCxnSpPr>
+            <a:cxnSpLocks/>
+          </p:cNvCxnSpPr>
+          <p:nvPr/>
+        </p:nvCxnSpPr>
+        <p:spPr>
+          <a:xfrm flipH="1">
+            <a:off x="5369649" y="5703757"/>
+            <a:ext cx="2283" cy="1033509"/>
+          </a:xfrm>
+          <a:prstGeom prst="straightConnector1">
+            <a:avLst/>
+          </a:prstGeom>
+          <a:ln w="9525">
+            <a:solidFill>
+              <a:schemeClr val="tx1"/>
+            </a:solidFill>
+            <a:tailEnd type="triangle"/>
+          </a:ln>
+        </p:spPr>
+        <p:style>
+          <a:lnRef idx="1">
+            <a:schemeClr val="accent1"/>
+          </a:lnRef>
+          <a:fillRef idx="0">
+            <a:schemeClr val="accent1"/>
+          </a:fillRef>
+          <a:effectRef idx="0">
+            <a:schemeClr val="accent1"/>
+          </a:effectRef>
+          <a:fontRef idx="minor">
+            <a:schemeClr val="tx1"/>
+          </a:fontRef>
+        </p:style>
+      </p:cxnSp>
+      <p:cxnSp>
+        <p:nvCxnSpPr>
+          <p:cNvPr id="162" name="Straight Arrow Connector 161">
+            <a:extLst>
+              <a:ext uri="{FF2B5EF4-FFF2-40B4-BE49-F238E27FC236}">
+                <a16:creationId xmlns:a16="http://schemas.microsoft.com/office/drawing/2014/main" id="{3453C37C-FAEF-496A-9FB5-7A20970CEADF}"/>
+              </a:ext>
+            </a:extLst>
+          </p:cNvPr>
+          <p:cNvCxnSpPr>
+            <a:cxnSpLocks/>
+          </p:cNvCxnSpPr>
+          <p:nvPr/>
+        </p:nvCxnSpPr>
+        <p:spPr>
+          <a:xfrm>
+            <a:off x="4823285" y="2615940"/>
+            <a:ext cx="0" cy="2871764"/>
+          </a:xfrm>
+          <a:prstGeom prst="straightConnector1">
+            <a:avLst/>
+          </a:prstGeom>
+          <a:ln w="9525">
+            <a:solidFill>
+              <a:schemeClr val="tx1"/>
+            </a:solidFill>
+            <a:tailEnd type="triangle"/>
+          </a:ln>
+        </p:spPr>
+        <p:style>
+          <a:lnRef idx="1">
+            <a:schemeClr val="accent1"/>
+          </a:lnRef>
+          <a:fillRef idx="0">
+            <a:schemeClr val="accent1"/>
+          </a:fillRef>
+          <a:effectRef idx="0">
+            <a:schemeClr val="accent1"/>
+          </a:effectRef>
+          <a:fontRef idx="minor">
+            <a:schemeClr val="tx1"/>
+          </a:fontRef>
+        </p:style>
+      </p:cxnSp>
+      <p:cxnSp>
+        <p:nvCxnSpPr>
+          <p:cNvPr id="165" name="Straight Arrow Connector 164">
+            <a:extLst>
+              <a:ext uri="{FF2B5EF4-FFF2-40B4-BE49-F238E27FC236}">
+                <a16:creationId xmlns:a16="http://schemas.microsoft.com/office/drawing/2014/main" id="{EDE542EA-DBC5-44EA-9B66-C4AA3B7E3459}"/>
+              </a:ext>
+            </a:extLst>
+          </p:cNvPr>
+          <p:cNvCxnSpPr>
+            <a:cxnSpLocks/>
+          </p:cNvCxnSpPr>
+          <p:nvPr/>
+        </p:nvCxnSpPr>
+        <p:spPr>
+          <a:xfrm flipH="1">
+            <a:off x="3970185" y="4650314"/>
+            <a:ext cx="856576" cy="0"/>
+          </a:xfrm>
+          <a:prstGeom prst="straightConnector1">
+            <a:avLst/>
+          </a:prstGeom>
+          <a:ln w="9525">
+            <a:solidFill>
+              <a:schemeClr val="tx1"/>
+            </a:solidFill>
+            <a:tailEnd type="triangle"/>
+          </a:ln>
+        </p:spPr>
+        <p:style>
+          <a:lnRef idx="1">
+            <a:schemeClr val="accent1"/>
+          </a:lnRef>
+          <a:fillRef idx="0">
+            <a:schemeClr val="accent1"/>
+          </a:fillRef>
+          <a:effectRef idx="0">
+            <a:schemeClr val="accent1"/>
+          </a:effectRef>
+          <a:fontRef idx="minor">
+            <a:schemeClr val="tx1"/>
+          </a:fontRef>
+        </p:style>
+      </p:cxnSp>
+      <p:cxnSp>
+        <p:nvCxnSpPr>
+          <p:cNvPr id="166" name="Straight Connector 165">
+            <a:extLst>
+              <a:ext uri="{FF2B5EF4-FFF2-40B4-BE49-F238E27FC236}">
+                <a16:creationId xmlns:a16="http://schemas.microsoft.com/office/drawing/2014/main" id="{BF35F3B7-BA5F-4740-B113-7D5F0023435C}"/>
+              </a:ext>
+            </a:extLst>
+          </p:cNvPr>
+          <p:cNvCxnSpPr/>
+          <p:nvPr/>
+        </p:nvCxnSpPr>
+        <p:spPr>
+          <a:xfrm flipH="1">
+            <a:off x="4584917" y="2710403"/>
+            <a:ext cx="1" cy="1435714"/>
+          </a:xfrm>
+          <a:prstGeom prst="line">
+            <a:avLst/>
+          </a:prstGeom>
+          <a:ln w="9525">
+            <a:solidFill>
+              <a:schemeClr val="tx1"/>
+            </a:solidFill>
+          </a:ln>
+        </p:spPr>
+        <p:style>
+          <a:lnRef idx="1">
+            <a:schemeClr val="accent1"/>
+          </a:lnRef>
+          <a:fillRef idx="0">
+            <a:schemeClr val="accent1"/>
+          </a:fillRef>
+          <a:effectRef idx="0">
+            <a:schemeClr val="accent1"/>
+          </a:effectRef>
+          <a:fontRef idx="minor">
+            <a:schemeClr val="tx1"/>
+          </a:fontRef>
+        </p:style>
+      </p:cxnSp>
+      <p:cxnSp>
+        <p:nvCxnSpPr>
+          <p:cNvPr id="171" name="Straight Arrow Connector 170">
+            <a:extLst>
+              <a:ext uri="{FF2B5EF4-FFF2-40B4-BE49-F238E27FC236}">
+                <a16:creationId xmlns:a16="http://schemas.microsoft.com/office/drawing/2014/main" id="{663EA009-7A37-4BE8-9A68-3DB9D98D41CC}"/>
+              </a:ext>
+            </a:extLst>
+          </p:cNvPr>
+          <p:cNvCxnSpPr>
+            <a:cxnSpLocks/>
+          </p:cNvCxnSpPr>
+          <p:nvPr/>
+        </p:nvCxnSpPr>
+        <p:spPr>
+          <a:xfrm flipH="1">
+            <a:off x="3809732" y="6659151"/>
+            <a:ext cx="2283" cy="482143"/>
+          </a:xfrm>
+          <a:prstGeom prst="straightConnector1">
+            <a:avLst/>
+          </a:prstGeom>
+          <a:ln w="9525">
+            <a:solidFill>
+              <a:schemeClr val="tx1"/>
+            </a:solidFill>
+            <a:tailEnd type="triangle"/>
+          </a:ln>
+        </p:spPr>
+        <p:style>
+          <a:lnRef idx="1">
+            <a:schemeClr val="accent1"/>
+          </a:lnRef>
+          <a:fillRef idx="0">
+            <a:schemeClr val="accent1"/>
+          </a:fillRef>
+          <a:effectRef idx="0">
+            <a:schemeClr val="accent1"/>
+          </a:effectRef>
+          <a:fontRef idx="minor">
+            <a:schemeClr val="tx1"/>
+          </a:fontRef>
+        </p:style>
+      </p:cxnSp>
+      <p:sp>
+        <p:nvSpPr>
+          <p:cNvPr id="16" name="TextBox 15">
+            <a:extLst>
+              <a:ext uri="{FF2B5EF4-FFF2-40B4-BE49-F238E27FC236}">
+                <a16:creationId xmlns:a16="http://schemas.microsoft.com/office/drawing/2014/main" id="{6EFC2D2F-82ED-4332-86E1-5D3DCB71E395}"/>
+              </a:ext>
+            </a:extLst>
+          </p:cNvPr>
+          <p:cNvSpPr txBox="1"/>
+          <p:nvPr/>
+        </p:nvSpPr>
+        <p:spPr>
+          <a:xfrm>
+            <a:off x="4386027" y="2570322"/>
+            <a:ext cx="655608" cy="400110"/>
+          </a:xfrm>
+          <a:prstGeom prst="rect">
+            <a:avLst/>
+          </a:prstGeom>
+          <a:solidFill>
+            <a:schemeClr val="accent2"/>
+          </a:solidFill>
+          <a:ln w="9525">
+            <a:solidFill>
+              <a:schemeClr val="tx1"/>
+            </a:solidFill>
+          </a:ln>
+        </p:spPr>
+        <p:txBody>
+          <a:bodyPr wrap="square" rtlCol="0">
+            <a:spAutoFit/>
+          </a:bodyPr>
+          <a:lstStyle/>
+          <a:p>
+            <a:pPr algn="ctr"/>
+            <a:r>
+              <a:rPr lang="en-US" sz="1000" dirty="0"/>
+              <a:t>Soil Biology</a:t>
+            </a:r>
+          </a:p>
+        </p:txBody>
+      </p:sp>
+      <p:sp>
+        <p:nvSpPr>
+          <p:cNvPr id="96" name="TextBox 95">
+            <a:extLst>
+              <a:ext uri="{FF2B5EF4-FFF2-40B4-BE49-F238E27FC236}">
+                <a16:creationId xmlns:a16="http://schemas.microsoft.com/office/drawing/2014/main" id="{072EE3DC-7571-43F1-B7BC-E9FB70EDEBA6}"/>
+              </a:ext>
+            </a:extLst>
+          </p:cNvPr>
+          <p:cNvSpPr txBox="1"/>
+          <p:nvPr/>
+        </p:nvSpPr>
+        <p:spPr>
+          <a:xfrm>
+            <a:off x="4933055" y="6737266"/>
+            <a:ext cx="873188" cy="400110"/>
+          </a:xfrm>
+          <a:prstGeom prst="rect">
+            <a:avLst/>
+          </a:prstGeom>
+          <a:solidFill>
+            <a:srgbClr val="FFC000"/>
+          </a:solidFill>
+          <a:ln w="9525">
+            <a:solidFill>
+              <a:schemeClr val="tx1"/>
+            </a:solidFill>
+          </a:ln>
+        </p:spPr>
+        <p:txBody>
+          <a:bodyPr wrap="square" rtlCol="0">
+            <a:spAutoFit/>
+          </a:bodyPr>
+          <a:lstStyle/>
+          <a:p>
+            <a:pPr algn="ctr"/>
+            <a:r>
+              <a:rPr lang="en-US" sz="1000" dirty="0"/>
+              <a:t>Soil water at saturation</a:t>
+            </a:r>
+          </a:p>
+        </p:txBody>
+      </p:sp>
+      <p:cxnSp>
+        <p:nvCxnSpPr>
+          <p:cNvPr id="156" name="Straight Arrow Connector 155">
+            <a:extLst>
+              <a:ext uri="{FF2B5EF4-FFF2-40B4-BE49-F238E27FC236}">
+                <a16:creationId xmlns:a16="http://schemas.microsoft.com/office/drawing/2014/main" id="{F2F5C4B5-3009-4604-B153-A758FB3D3B9F}"/>
+              </a:ext>
+            </a:extLst>
+          </p:cNvPr>
+          <p:cNvCxnSpPr>
+            <a:cxnSpLocks/>
+          </p:cNvCxnSpPr>
+          <p:nvPr/>
+        </p:nvCxnSpPr>
+        <p:spPr>
+          <a:xfrm>
+            <a:off x="2214061" y="2589238"/>
+            <a:ext cx="1" cy="1019728"/>
+          </a:xfrm>
+          <a:prstGeom prst="straightConnector1">
+            <a:avLst/>
+          </a:prstGeom>
+          <a:ln w="9525">
+            <a:solidFill>
+              <a:schemeClr val="tx1"/>
+            </a:solidFill>
+            <a:tailEnd type="triangle"/>
+          </a:ln>
+        </p:spPr>
+        <p:style>
+          <a:lnRef idx="1">
+            <a:schemeClr val="accent1"/>
+          </a:lnRef>
+          <a:fillRef idx="0">
+            <a:schemeClr val="accent1"/>
+          </a:fillRef>
+          <a:effectRef idx="0">
+            <a:schemeClr val="accent1"/>
+          </a:effectRef>
+          <a:fontRef idx="minor">
+            <a:schemeClr val="tx1"/>
+          </a:fontRef>
+        </p:style>
+      </p:cxnSp>
+      <p:sp>
+        <p:nvSpPr>
+          <p:cNvPr id="56" name="Rectangle 55">
+            <a:extLst>
+              <a:ext uri="{FF2B5EF4-FFF2-40B4-BE49-F238E27FC236}">
+                <a16:creationId xmlns:a16="http://schemas.microsoft.com/office/drawing/2014/main" id="{36661A51-A0F5-4A10-BC66-CD93694E17DC}"/>
+              </a:ext>
+            </a:extLst>
+          </p:cNvPr>
+          <p:cNvSpPr/>
+          <p:nvPr/>
+        </p:nvSpPr>
+        <p:spPr>
+          <a:xfrm>
+            <a:off x="2792255" y="6054421"/>
+            <a:ext cx="123132" cy="95788"/>
+          </a:xfrm>
+          <a:prstGeom prst="rect">
+            <a:avLst/>
+          </a:prstGeom>
+          <a:solidFill>
+            <a:schemeClr val="bg1"/>
+          </a:solidFill>
+          <a:ln w="9525">
+            <a:solidFill>
+              <a:schemeClr val="bg1"/>
+            </a:solidFill>
+          </a:ln>
+        </p:spPr>
+        <p:style>
+          <a:lnRef idx="2">
+            <a:schemeClr val="accent1">
+              <a:shade val="50000"/>
+            </a:schemeClr>
+          </a:lnRef>
+          <a:fillRef idx="1">
+            <a:schemeClr val="accent1"/>
+          </a:fillRef>
+          <a:effectRef idx="0">
+            <a:schemeClr val="accent1"/>
+          </a:effectRef>
+          <a:fontRef idx="minor">
+            <a:schemeClr val="lt1"/>
+          </a:fontRef>
+        </p:style>
+        <p:txBody>
+          <a:bodyPr rtlCol="0" anchor="ctr"/>
+          <a:lstStyle/>
+          <a:p>
+            <a:pPr algn="ctr"/>
+            <a:endParaRPr lang="en-US"/>
+          </a:p>
+        </p:txBody>
+      </p:sp>
+      <p:sp>
+        <p:nvSpPr>
+          <p:cNvPr id="58" name="Rectangle 57">
+            <a:extLst>
+              <a:ext uri="{FF2B5EF4-FFF2-40B4-BE49-F238E27FC236}">
+                <a16:creationId xmlns:a16="http://schemas.microsoft.com/office/drawing/2014/main" id="{5E006E4D-0623-40B1-B8A2-E05513A47854}"/>
+              </a:ext>
+            </a:extLst>
+          </p:cNvPr>
+          <p:cNvSpPr/>
+          <p:nvPr/>
+        </p:nvSpPr>
+        <p:spPr>
+          <a:xfrm>
+            <a:off x="3496961" y="4915987"/>
+            <a:ext cx="123132" cy="95788"/>
+          </a:xfrm>
+          <a:prstGeom prst="rect">
+            <a:avLst/>
+          </a:prstGeom>
+          <a:solidFill>
+            <a:schemeClr val="bg1"/>
+          </a:solidFill>
+          <a:ln w="9525">
+            <a:solidFill>
+              <a:schemeClr val="bg1"/>
+            </a:solidFill>
+          </a:ln>
+        </p:spPr>
+        <p:style>
+          <a:lnRef idx="2">
+            <a:schemeClr val="accent1">
+              <a:shade val="50000"/>
+            </a:schemeClr>
+          </a:lnRef>
+          <a:fillRef idx="1">
+            <a:schemeClr val="accent1"/>
+          </a:fillRef>
+          <a:effectRef idx="0">
+            <a:schemeClr val="accent1"/>
+          </a:effectRef>
+          <a:fontRef idx="minor">
+            <a:schemeClr val="lt1"/>
+          </a:fontRef>
+        </p:style>
+        <p:txBody>
+          <a:bodyPr rtlCol="0" anchor="ctr"/>
+          <a:lstStyle/>
+          <a:p>
+            <a:pPr algn="ctr"/>
+            <a:endParaRPr lang="en-US"/>
+          </a:p>
+        </p:txBody>
+      </p:sp>
+      <p:cxnSp>
+        <p:nvCxnSpPr>
+          <p:cNvPr id="92" name="Straight Arrow Connector 91">
+            <a:extLst>
+              <a:ext uri="{FF2B5EF4-FFF2-40B4-BE49-F238E27FC236}">
+                <a16:creationId xmlns:a16="http://schemas.microsoft.com/office/drawing/2014/main" id="{D1103426-A3EB-44E5-B05A-CF3D80637CAA}"/>
+              </a:ext>
+            </a:extLst>
+          </p:cNvPr>
+          <p:cNvCxnSpPr>
+            <a:cxnSpLocks/>
+          </p:cNvCxnSpPr>
+          <p:nvPr/>
+        </p:nvCxnSpPr>
+        <p:spPr>
+          <a:xfrm>
+            <a:off x="3571783" y="3006212"/>
+            <a:ext cx="0" cy="1444001"/>
+          </a:xfrm>
+          <a:prstGeom prst="straightConnector1">
+            <a:avLst/>
+          </a:prstGeom>
+          <a:ln w="9525">
+            <a:solidFill>
+              <a:schemeClr val="tx1"/>
+            </a:solidFill>
+            <a:tailEnd type="triangle"/>
+          </a:ln>
+        </p:spPr>
+        <p:style>
+          <a:lnRef idx="1">
+            <a:schemeClr val="accent1"/>
+          </a:lnRef>
+          <a:fillRef idx="0">
+            <a:schemeClr val="accent1"/>
+          </a:fillRef>
+          <a:effectRef idx="0">
+            <a:schemeClr val="accent1"/>
+          </a:effectRef>
+          <a:fontRef idx="minor">
+            <a:schemeClr val="tx1"/>
+          </a:fontRef>
+        </p:style>
+      </p:cxnSp>
+      <p:sp>
+        <p:nvSpPr>
+          <p:cNvPr id="5" name="TextBox 4">
+            <a:extLst>
+              <a:ext uri="{FF2B5EF4-FFF2-40B4-BE49-F238E27FC236}">
+                <a16:creationId xmlns:a16="http://schemas.microsoft.com/office/drawing/2014/main" id="{FB7D1191-B076-4898-9B0F-3270A8A581F9}"/>
+              </a:ext>
+            </a:extLst>
+          </p:cNvPr>
+          <p:cNvSpPr txBox="1"/>
+          <p:nvPr/>
+        </p:nvSpPr>
+        <p:spPr>
+          <a:xfrm>
+            <a:off x="1685355" y="1937987"/>
+            <a:ext cx="3536829" cy="276999"/>
+          </a:xfrm>
+          <a:prstGeom prst="rect">
+            <a:avLst/>
+          </a:prstGeom>
+          <a:solidFill>
+            <a:srgbClr val="21D109"/>
+          </a:solidFill>
+        </p:spPr>
+        <p:txBody>
+          <a:bodyPr wrap="square" rtlCol="0">
+            <a:spAutoFit/>
+          </a:bodyPr>
+          <a:lstStyle/>
+          <a:p>
+            <a:pPr algn="ctr"/>
+            <a:r>
+              <a:rPr lang="en-US" sz="1200" dirty="0"/>
+              <a:t>Cover Crops</a:t>
+            </a:r>
+          </a:p>
+        </p:txBody>
+      </p:sp>
+      <p:sp>
+        <p:nvSpPr>
+          <p:cNvPr id="27" name="TextBox 26">
+            <a:extLst>
+              <a:ext uri="{FF2B5EF4-FFF2-40B4-BE49-F238E27FC236}">
+                <a16:creationId xmlns:a16="http://schemas.microsoft.com/office/drawing/2014/main" id="{A8BF0BC3-B10A-4BC5-9397-D880332680E1}"/>
+              </a:ext>
+            </a:extLst>
+          </p:cNvPr>
+          <p:cNvSpPr txBox="1"/>
+          <p:nvPr/>
+        </p:nvSpPr>
+        <p:spPr>
+          <a:xfrm>
+            <a:off x="1880408" y="2534812"/>
+            <a:ext cx="660241" cy="556775"/>
+          </a:xfrm>
+          <a:prstGeom prst="rect">
+            <a:avLst/>
+          </a:prstGeom>
+          <a:solidFill>
+            <a:schemeClr val="accent2"/>
+          </a:solidFill>
+          <a:ln w="9525">
+            <a:solidFill>
+              <a:schemeClr val="tx1"/>
+            </a:solidFill>
+          </a:ln>
+        </p:spPr>
+        <p:txBody>
+          <a:bodyPr wrap="square" rtlCol="0">
+            <a:spAutoFit/>
+          </a:bodyPr>
+          <a:lstStyle/>
+          <a:p>
+            <a:pPr algn="ctr"/>
+            <a:r>
+              <a:rPr lang="en-US" sz="1000" dirty="0"/>
+              <a:t>Above-ground biomass</a:t>
+            </a:r>
+          </a:p>
+        </p:txBody>
+      </p:sp>
+      <p:sp>
+        <p:nvSpPr>
+          <p:cNvPr id="64" name="TextBox 63">
+            <a:extLst>
+              <a:ext uri="{FF2B5EF4-FFF2-40B4-BE49-F238E27FC236}">
+                <a16:creationId xmlns:a16="http://schemas.microsoft.com/office/drawing/2014/main" id="{A8FAAB48-F50B-4F05-9A35-72A681704C37}"/>
+              </a:ext>
+            </a:extLst>
+          </p:cNvPr>
+          <p:cNvSpPr txBox="1"/>
+          <p:nvPr/>
+        </p:nvSpPr>
+        <p:spPr>
+          <a:xfrm>
+            <a:off x="2974377" y="6228858"/>
+            <a:ext cx="891434" cy="413010"/>
+          </a:xfrm>
+          <a:prstGeom prst="rect">
+            <a:avLst/>
+          </a:prstGeom>
+          <a:solidFill>
+            <a:srgbClr val="FFC000"/>
+          </a:solidFill>
+          <a:ln w="9525">
+            <a:solidFill>
+              <a:schemeClr val="tx1"/>
+            </a:solidFill>
+          </a:ln>
+        </p:spPr>
+        <p:txBody>
+          <a:bodyPr wrap="square" rtlCol="0">
+            <a:spAutoFit/>
+          </a:bodyPr>
+          <a:lstStyle/>
+          <a:p>
+            <a:pPr algn="ctr"/>
+            <a:r>
+              <a:rPr lang="en-US" sz="1000" dirty="0"/>
+              <a:t>Pore size distributions</a:t>
+            </a:r>
+          </a:p>
+        </p:txBody>
+      </p:sp>
+      <p:sp>
+        <p:nvSpPr>
+          <p:cNvPr id="51" name="Rectangle 50">
+            <a:extLst>
+              <a:ext uri="{FF2B5EF4-FFF2-40B4-BE49-F238E27FC236}">
+                <a16:creationId xmlns:a16="http://schemas.microsoft.com/office/drawing/2014/main" id="{0E8C0B28-0100-4C8B-826D-37505ABF9D02}"/>
+              </a:ext>
+            </a:extLst>
+          </p:cNvPr>
+          <p:cNvSpPr/>
+          <p:nvPr/>
+        </p:nvSpPr>
+        <p:spPr>
+          <a:xfrm>
+            <a:off x="3366434" y="5600393"/>
+            <a:ext cx="97125" cy="89144"/>
+          </a:xfrm>
+          <a:prstGeom prst="rect">
+            <a:avLst/>
+          </a:prstGeom>
+          <a:solidFill>
+            <a:schemeClr val="bg1"/>
+          </a:solidFill>
+          <a:ln w="9525">
+            <a:solidFill>
+              <a:schemeClr val="bg1"/>
+            </a:solidFill>
+          </a:ln>
+        </p:spPr>
+        <p:style>
+          <a:lnRef idx="2">
+            <a:schemeClr val="accent1">
+              <a:shade val="50000"/>
+            </a:schemeClr>
+          </a:lnRef>
+          <a:fillRef idx="1">
+            <a:schemeClr val="accent1"/>
+          </a:fillRef>
+          <a:effectRef idx="0">
+            <a:schemeClr val="accent1"/>
+          </a:effectRef>
+          <a:fontRef idx="minor">
+            <a:schemeClr val="lt1"/>
+          </a:fontRef>
+        </p:style>
+        <p:txBody>
+          <a:bodyPr rtlCol="0" anchor="ctr"/>
+          <a:lstStyle/>
+          <a:p>
+            <a:pPr algn="ctr"/>
+            <a:endParaRPr lang="en-US"/>
+          </a:p>
+        </p:txBody>
+      </p:sp>
+      <p:cxnSp>
+        <p:nvCxnSpPr>
+          <p:cNvPr id="61" name="Straight Arrow Connector 60">
+            <a:extLst>
+              <a:ext uri="{FF2B5EF4-FFF2-40B4-BE49-F238E27FC236}">
+                <a16:creationId xmlns:a16="http://schemas.microsoft.com/office/drawing/2014/main" id="{DDCE518A-146D-422A-8C35-DB1EF2BBEC07}"/>
+              </a:ext>
+            </a:extLst>
+          </p:cNvPr>
+          <p:cNvCxnSpPr>
+            <a:cxnSpLocks/>
+          </p:cNvCxnSpPr>
+          <p:nvPr/>
+        </p:nvCxnSpPr>
+        <p:spPr>
+          <a:xfrm flipH="1">
+            <a:off x="2724949" y="4148637"/>
+            <a:ext cx="1862879" cy="0"/>
+          </a:xfrm>
+          <a:prstGeom prst="straightConnector1">
+            <a:avLst/>
+          </a:prstGeom>
+          <a:ln w="9525">
+            <a:solidFill>
+              <a:schemeClr val="tx1"/>
+            </a:solidFill>
+            <a:tailEnd type="triangle"/>
+          </a:ln>
+        </p:spPr>
+        <p:style>
+          <a:lnRef idx="1">
+            <a:schemeClr val="accent1"/>
+          </a:lnRef>
+          <a:fillRef idx="0">
+            <a:schemeClr val="accent1"/>
+          </a:fillRef>
+          <a:effectRef idx="0">
+            <a:schemeClr val="accent1"/>
+          </a:effectRef>
+          <a:fontRef idx="minor">
+            <a:schemeClr val="tx1"/>
+          </a:fontRef>
+        </p:style>
+      </p:cxnSp>
+      <p:cxnSp>
+        <p:nvCxnSpPr>
+          <p:cNvPr id="63" name="Straight Connector 62">
+            <a:extLst>
+              <a:ext uri="{FF2B5EF4-FFF2-40B4-BE49-F238E27FC236}">
+                <a16:creationId xmlns:a16="http://schemas.microsoft.com/office/drawing/2014/main" id="{34571847-4C88-42EA-8F10-811CC07CB5AD}"/>
+              </a:ext>
+            </a:extLst>
+          </p:cNvPr>
+          <p:cNvCxnSpPr>
+            <a:cxnSpLocks/>
+          </p:cNvCxnSpPr>
+          <p:nvPr/>
+        </p:nvCxnSpPr>
+        <p:spPr>
+          <a:xfrm flipH="1">
+            <a:off x="2300018" y="4122259"/>
+            <a:ext cx="1" cy="523128"/>
+          </a:xfrm>
+          <a:prstGeom prst="line">
+            <a:avLst/>
+          </a:prstGeom>
+          <a:ln w="9525">
+            <a:solidFill>
+              <a:schemeClr val="tx1"/>
+            </a:solidFill>
+          </a:ln>
+        </p:spPr>
+        <p:style>
+          <a:lnRef idx="1">
+            <a:schemeClr val="accent1"/>
+          </a:lnRef>
+          <a:fillRef idx="0">
+            <a:schemeClr val="accent1"/>
+          </a:fillRef>
+          <a:effectRef idx="0">
+            <a:schemeClr val="accent1"/>
+          </a:effectRef>
+          <a:fontRef idx="minor">
+            <a:schemeClr val="tx1"/>
+          </a:fontRef>
+        </p:style>
+      </p:cxnSp>
+      <p:cxnSp>
+        <p:nvCxnSpPr>
+          <p:cNvPr id="62" name="Straight Arrow Connector 61">
+            <a:extLst>
+              <a:ext uri="{FF2B5EF4-FFF2-40B4-BE49-F238E27FC236}">
+                <a16:creationId xmlns:a16="http://schemas.microsoft.com/office/drawing/2014/main" id="{FCC92C22-E29C-422B-85A8-36C0F3462C91}"/>
+              </a:ext>
+            </a:extLst>
+          </p:cNvPr>
+          <p:cNvCxnSpPr>
+            <a:cxnSpLocks/>
+          </p:cNvCxnSpPr>
+          <p:nvPr/>
+        </p:nvCxnSpPr>
+        <p:spPr>
+          <a:xfrm>
+            <a:off x="2304905" y="4650314"/>
+            <a:ext cx="584564" cy="0"/>
+          </a:xfrm>
+          <a:prstGeom prst="straightConnector1">
+            <a:avLst/>
+          </a:prstGeom>
+          <a:ln w="9525">
+            <a:solidFill>
+              <a:schemeClr val="tx1"/>
+            </a:solidFill>
+            <a:tailEnd type="triangle"/>
+          </a:ln>
+        </p:spPr>
+        <p:style>
+          <a:lnRef idx="1">
+            <a:schemeClr val="accent1"/>
+          </a:lnRef>
+          <a:fillRef idx="0">
+            <a:schemeClr val="accent1"/>
+          </a:fillRef>
+          <a:effectRef idx="0">
+            <a:schemeClr val="accent1"/>
+          </a:effectRef>
+          <a:fontRef idx="minor">
+            <a:schemeClr val="tx1"/>
+          </a:fontRef>
+        </p:style>
+      </p:cxnSp>
+      <p:sp>
+        <p:nvSpPr>
+          <p:cNvPr id="73" name="Rectangle 72">
+            <a:extLst>
+              <a:ext uri="{FF2B5EF4-FFF2-40B4-BE49-F238E27FC236}">
+                <a16:creationId xmlns:a16="http://schemas.microsoft.com/office/drawing/2014/main" id="{B555254F-33B7-4C2C-9702-B6B6888BA062}"/>
+              </a:ext>
+            </a:extLst>
+          </p:cNvPr>
+          <p:cNvSpPr/>
+          <p:nvPr/>
+        </p:nvSpPr>
+        <p:spPr>
+          <a:xfrm>
+            <a:off x="3366434" y="5806133"/>
+            <a:ext cx="97125" cy="89144"/>
+          </a:xfrm>
+          <a:prstGeom prst="rect">
+            <a:avLst/>
+          </a:prstGeom>
+          <a:solidFill>
+            <a:schemeClr val="bg1"/>
+          </a:solidFill>
+          <a:ln w="9525">
+            <a:solidFill>
+              <a:schemeClr val="bg1"/>
+            </a:solidFill>
+          </a:ln>
+        </p:spPr>
+        <p:style>
+          <a:lnRef idx="2">
+            <a:schemeClr val="accent1">
+              <a:shade val="50000"/>
+            </a:schemeClr>
+          </a:lnRef>
+          <a:fillRef idx="1">
+            <a:schemeClr val="accent1"/>
+          </a:fillRef>
+          <a:effectRef idx="0">
+            <a:schemeClr val="accent1"/>
+          </a:effectRef>
+          <a:fontRef idx="minor">
+            <a:schemeClr val="lt1"/>
+          </a:fontRef>
+        </p:style>
+        <p:txBody>
+          <a:bodyPr rtlCol="0" anchor="ctr"/>
+          <a:lstStyle/>
+          <a:p>
+            <a:pPr algn="ctr"/>
+            <a:endParaRPr lang="en-US"/>
+          </a:p>
+        </p:txBody>
+      </p:sp>
+      <p:cxnSp>
+        <p:nvCxnSpPr>
+          <p:cNvPr id="150" name="Straight Arrow Connector 149">
+            <a:extLst>
+              <a:ext uri="{FF2B5EF4-FFF2-40B4-BE49-F238E27FC236}">
+                <a16:creationId xmlns:a16="http://schemas.microsoft.com/office/drawing/2014/main" id="{4CEEC003-E039-462C-8E5B-0071A4FA2F92}"/>
+              </a:ext>
+            </a:extLst>
+          </p:cNvPr>
+          <p:cNvCxnSpPr>
+            <a:cxnSpLocks/>
+          </p:cNvCxnSpPr>
+          <p:nvPr/>
+        </p:nvCxnSpPr>
+        <p:spPr>
+          <a:xfrm flipH="1">
+            <a:off x="3413055" y="5074451"/>
+            <a:ext cx="2283" cy="1136860"/>
+          </a:xfrm>
+          <a:prstGeom prst="straightConnector1">
+            <a:avLst/>
+          </a:prstGeom>
+          <a:ln w="9525">
+            <a:solidFill>
+              <a:schemeClr val="tx1"/>
+            </a:solidFill>
+            <a:tailEnd type="triangle"/>
+          </a:ln>
+        </p:spPr>
+        <p:style>
+          <a:lnRef idx="1">
+            <a:schemeClr val="accent1"/>
+          </a:lnRef>
+          <a:fillRef idx="0">
+            <a:schemeClr val="accent1"/>
+          </a:fillRef>
+          <a:effectRef idx="0">
+            <a:schemeClr val="accent1"/>
+          </a:effectRef>
+          <a:fontRef idx="minor">
+            <a:schemeClr val="tx1"/>
+          </a:fontRef>
+        </p:style>
+      </p:cxnSp>
+      <p:cxnSp>
+        <p:nvCxnSpPr>
+          <p:cNvPr id="74" name="Straight Arrow Connector 73">
+            <a:extLst>
+              <a:ext uri="{FF2B5EF4-FFF2-40B4-BE49-F238E27FC236}">
+                <a16:creationId xmlns:a16="http://schemas.microsoft.com/office/drawing/2014/main" id="{936C8AF3-FF38-4559-AE0B-FBAA2F913B1C}"/>
+              </a:ext>
+            </a:extLst>
+          </p:cNvPr>
+          <p:cNvCxnSpPr>
+            <a:cxnSpLocks/>
+          </p:cNvCxnSpPr>
+          <p:nvPr/>
+        </p:nvCxnSpPr>
+        <p:spPr>
+          <a:xfrm flipH="1">
+            <a:off x="4333862" y="5893710"/>
+            <a:ext cx="2283" cy="1250546"/>
+          </a:xfrm>
+          <a:prstGeom prst="straightConnector1">
+            <a:avLst/>
+          </a:prstGeom>
+          <a:ln w="9525">
+            <a:solidFill>
+              <a:schemeClr val="tx1"/>
+            </a:solidFill>
+            <a:tailEnd type="triangle"/>
+          </a:ln>
+        </p:spPr>
+        <p:style>
+          <a:lnRef idx="1">
+            <a:schemeClr val="accent1"/>
+          </a:lnRef>
+          <a:fillRef idx="0">
+            <a:schemeClr val="accent1"/>
+          </a:fillRef>
+          <a:effectRef idx="0">
+            <a:schemeClr val="accent1"/>
+          </a:effectRef>
+          <a:fontRef idx="minor">
+            <a:schemeClr val="tx1"/>
+          </a:fontRef>
+        </p:style>
+      </p:cxnSp>
+      <p:sp>
+        <p:nvSpPr>
+          <p:cNvPr id="86" name="TextBox 85">
+            <a:extLst>
+              <a:ext uri="{FF2B5EF4-FFF2-40B4-BE49-F238E27FC236}">
+                <a16:creationId xmlns:a16="http://schemas.microsoft.com/office/drawing/2014/main" id="{8FF35A50-2D70-45A5-97C0-09FA7E9396C3}"/>
+              </a:ext>
+            </a:extLst>
+          </p:cNvPr>
+          <p:cNvSpPr txBox="1"/>
+          <p:nvPr/>
+        </p:nvSpPr>
+        <p:spPr>
+          <a:xfrm>
+            <a:off x="4035641" y="5485395"/>
+            <a:ext cx="1614352" cy="553998"/>
+          </a:xfrm>
+          <a:prstGeom prst="rect">
+            <a:avLst/>
+          </a:prstGeom>
+          <a:solidFill>
+            <a:schemeClr val="bg1">
+              <a:lumMod val="85000"/>
+            </a:schemeClr>
+          </a:solidFill>
+          <a:ln w="9525">
+            <a:solidFill>
+              <a:schemeClr val="tx1"/>
+            </a:solidFill>
+          </a:ln>
+        </p:spPr>
+        <p:txBody>
+          <a:bodyPr wrap="square" rtlCol="0" anchor="ctr">
+            <a:spAutoFit/>
+          </a:bodyPr>
+          <a:lstStyle/>
+          <a:p>
+            <a:pPr algn="ctr"/>
+            <a:endParaRPr lang="en-US" sz="1000" dirty="0"/>
+          </a:p>
+          <a:p>
+            <a:pPr algn="ctr"/>
+            <a:r>
+              <a:rPr lang="en-US" sz="1000" dirty="0"/>
+              <a:t>Soil porosity</a:t>
+            </a:r>
+          </a:p>
+          <a:p>
+            <a:pPr algn="ctr"/>
+            <a:endParaRPr lang="en-US" sz="1000" dirty="0"/>
+          </a:p>
+        </p:txBody>
+      </p:sp>
+      <p:sp>
+        <p:nvSpPr>
+          <p:cNvPr id="77" name="TextBox 76">
+            <a:extLst>
+              <a:ext uri="{FF2B5EF4-FFF2-40B4-BE49-F238E27FC236}">
+                <a16:creationId xmlns:a16="http://schemas.microsoft.com/office/drawing/2014/main" id="{592AC19D-B477-462D-A16C-DFA019277B56}"/>
+              </a:ext>
+            </a:extLst>
+          </p:cNvPr>
+          <p:cNvSpPr txBox="1"/>
+          <p:nvPr/>
+        </p:nvSpPr>
+        <p:spPr>
+          <a:xfrm>
+            <a:off x="1822597" y="3626775"/>
+            <a:ext cx="879910" cy="707886"/>
+          </a:xfrm>
+          <a:prstGeom prst="rect">
+            <a:avLst/>
+          </a:prstGeom>
+          <a:solidFill>
+            <a:schemeClr val="bg1">
+              <a:lumMod val="85000"/>
+            </a:schemeClr>
+          </a:solidFill>
+          <a:ln w="9525">
+            <a:solidFill>
+              <a:schemeClr val="tx1"/>
+            </a:solidFill>
+          </a:ln>
+        </p:spPr>
+        <p:txBody>
+          <a:bodyPr wrap="square" rtlCol="0">
+            <a:spAutoFit/>
+          </a:bodyPr>
+          <a:lstStyle/>
+          <a:p>
+            <a:pPr algn="ctr"/>
+            <a:endParaRPr lang="en-US" sz="1000" dirty="0"/>
+          </a:p>
+          <a:p>
+            <a:pPr algn="ctr"/>
+            <a:r>
+              <a:rPr lang="en-US" sz="1000" dirty="0"/>
+              <a:t>Soil Organic Matter</a:t>
+            </a:r>
+          </a:p>
+          <a:p>
+            <a:pPr algn="ctr"/>
+            <a:endParaRPr lang="en-US" sz="1000" dirty="0"/>
+          </a:p>
+        </p:txBody>
+      </p:sp>
+      <p:sp>
+        <p:nvSpPr>
+          <p:cNvPr id="85" name="TextBox 84">
+            <a:extLst>
+              <a:ext uri="{FF2B5EF4-FFF2-40B4-BE49-F238E27FC236}">
+                <a16:creationId xmlns:a16="http://schemas.microsoft.com/office/drawing/2014/main" id="{CF804AB6-B196-45FB-8F8E-BCF2A0FB4871}"/>
+              </a:ext>
+            </a:extLst>
+          </p:cNvPr>
+          <p:cNvSpPr txBox="1"/>
+          <p:nvPr/>
+        </p:nvSpPr>
+        <p:spPr>
+          <a:xfrm>
+            <a:off x="2881519" y="4459028"/>
+            <a:ext cx="1077151" cy="707886"/>
+          </a:xfrm>
+          <a:prstGeom prst="rect">
+            <a:avLst/>
+          </a:prstGeom>
+          <a:solidFill>
+            <a:schemeClr val="bg1">
+              <a:lumMod val="85000"/>
+            </a:schemeClr>
+          </a:solidFill>
+          <a:ln w="9525">
+            <a:solidFill>
+              <a:schemeClr val="tx1"/>
+            </a:solidFill>
+          </a:ln>
+        </p:spPr>
+        <p:txBody>
+          <a:bodyPr wrap="square" rtlCol="0">
+            <a:spAutoFit/>
+          </a:bodyPr>
+          <a:lstStyle/>
+          <a:p>
+            <a:pPr algn="ctr"/>
+            <a:endParaRPr lang="en-US" sz="1000" dirty="0"/>
+          </a:p>
+          <a:p>
+            <a:pPr algn="ctr"/>
+            <a:r>
+              <a:rPr lang="en-US" sz="1000" dirty="0"/>
+              <a:t>Soil</a:t>
+            </a:r>
+          </a:p>
+          <a:p>
+            <a:pPr algn="ctr"/>
+            <a:r>
+              <a:rPr lang="en-US" sz="1000" dirty="0"/>
+              <a:t>aggregation</a:t>
+            </a:r>
+          </a:p>
+          <a:p>
+            <a:pPr algn="ctr"/>
+            <a:endParaRPr lang="en-US" sz="1000" dirty="0"/>
+          </a:p>
+        </p:txBody>
+      </p:sp>
+      <p:cxnSp>
+        <p:nvCxnSpPr>
+          <p:cNvPr id="75" name="Straight Connector 74">
+            <a:extLst>
+              <a:ext uri="{FF2B5EF4-FFF2-40B4-BE49-F238E27FC236}">
+                <a16:creationId xmlns:a16="http://schemas.microsoft.com/office/drawing/2014/main" id="{B7848DF7-7C8D-49BB-AB5A-2450D14793BC}"/>
+              </a:ext>
+            </a:extLst>
+          </p:cNvPr>
+          <p:cNvCxnSpPr/>
+          <p:nvPr/>
+        </p:nvCxnSpPr>
+        <p:spPr>
+          <a:xfrm flipH="1">
+            <a:off x="3753605" y="3064096"/>
+            <a:ext cx="1" cy="669772"/>
+          </a:xfrm>
+          <a:prstGeom prst="line">
+            <a:avLst/>
+          </a:prstGeom>
+          <a:ln w="9525">
+            <a:solidFill>
+              <a:schemeClr val="tx1"/>
+            </a:solidFill>
+          </a:ln>
+        </p:spPr>
+        <p:style>
+          <a:lnRef idx="1">
+            <a:schemeClr val="accent1"/>
+          </a:lnRef>
+          <a:fillRef idx="0">
+            <a:schemeClr val="accent1"/>
+          </a:fillRef>
+          <a:effectRef idx="0">
+            <a:schemeClr val="accent1"/>
+          </a:effectRef>
+          <a:fontRef idx="minor">
+            <a:schemeClr val="tx1"/>
+          </a:fontRef>
+        </p:style>
+      </p:cxnSp>
+      <p:cxnSp>
+        <p:nvCxnSpPr>
+          <p:cNvPr id="78" name="Straight Connector 77">
+            <a:extLst>
+              <a:ext uri="{FF2B5EF4-FFF2-40B4-BE49-F238E27FC236}">
+                <a16:creationId xmlns:a16="http://schemas.microsoft.com/office/drawing/2014/main" id="{C07FA20D-D121-45C7-BFDC-7ACD2409C94A}"/>
+              </a:ext>
+            </a:extLst>
+          </p:cNvPr>
+          <p:cNvCxnSpPr>
+            <a:cxnSpLocks/>
+          </p:cNvCxnSpPr>
+          <p:nvPr/>
+        </p:nvCxnSpPr>
+        <p:spPr>
+          <a:xfrm>
+            <a:off x="3753605" y="3735233"/>
+            <a:ext cx="649490" cy="0"/>
+          </a:xfrm>
+          <a:prstGeom prst="line">
+            <a:avLst/>
+          </a:prstGeom>
+          <a:ln w="9525">
+            <a:solidFill>
+              <a:schemeClr val="tx1"/>
+            </a:solidFill>
+          </a:ln>
+        </p:spPr>
+        <p:style>
+          <a:lnRef idx="1">
+            <a:schemeClr val="accent1"/>
+          </a:lnRef>
+          <a:fillRef idx="0">
+            <a:schemeClr val="accent1"/>
+          </a:fillRef>
+          <a:effectRef idx="0">
+            <a:schemeClr val="accent1"/>
+          </a:effectRef>
+          <a:fontRef idx="minor">
+            <a:schemeClr val="tx1"/>
+          </a:fontRef>
+        </p:style>
+      </p:cxnSp>
+      <p:sp>
+        <p:nvSpPr>
+          <p:cNvPr id="79" name="Rectangle 78">
+            <a:extLst>
+              <a:ext uri="{FF2B5EF4-FFF2-40B4-BE49-F238E27FC236}">
+                <a16:creationId xmlns:a16="http://schemas.microsoft.com/office/drawing/2014/main" id="{28D1E545-C0E9-4DAE-9127-D9C8B7AC9F91}"/>
+              </a:ext>
+            </a:extLst>
+          </p:cNvPr>
+          <p:cNvSpPr/>
+          <p:nvPr/>
+        </p:nvSpPr>
+        <p:spPr>
+          <a:xfrm>
+            <a:off x="4315905" y="4105543"/>
+            <a:ext cx="148990" cy="95788"/>
+          </a:xfrm>
+          <a:prstGeom prst="rect">
+            <a:avLst/>
+          </a:prstGeom>
+          <a:solidFill>
+            <a:schemeClr val="bg1"/>
+          </a:solidFill>
+          <a:ln w="9525">
+            <a:solidFill>
+              <a:schemeClr val="bg1"/>
+            </a:solidFill>
+          </a:ln>
+        </p:spPr>
+        <p:style>
+          <a:lnRef idx="2">
+            <a:schemeClr val="accent1">
+              <a:shade val="50000"/>
+            </a:schemeClr>
+          </a:lnRef>
+          <a:fillRef idx="1">
+            <a:schemeClr val="accent1"/>
+          </a:fillRef>
+          <a:effectRef idx="0">
+            <a:schemeClr val="accent1"/>
+          </a:effectRef>
+          <a:fontRef idx="minor">
+            <a:schemeClr val="lt1"/>
+          </a:fontRef>
+        </p:style>
+        <p:txBody>
+          <a:bodyPr rtlCol="0" anchor="ctr"/>
+          <a:lstStyle/>
+          <a:p>
+            <a:pPr algn="ctr"/>
+            <a:endParaRPr lang="en-US"/>
+          </a:p>
+        </p:txBody>
+      </p:sp>
+      <p:sp>
+        <p:nvSpPr>
+          <p:cNvPr id="81" name="Rectangle 80">
+            <a:extLst>
+              <a:ext uri="{FF2B5EF4-FFF2-40B4-BE49-F238E27FC236}">
+                <a16:creationId xmlns:a16="http://schemas.microsoft.com/office/drawing/2014/main" id="{53E28701-CF5A-444F-AC0D-C5669982B48B}"/>
+              </a:ext>
+            </a:extLst>
+          </p:cNvPr>
+          <p:cNvSpPr/>
+          <p:nvPr/>
+        </p:nvSpPr>
+        <p:spPr>
+          <a:xfrm>
+            <a:off x="4315905" y="4590917"/>
+            <a:ext cx="148990" cy="95788"/>
+          </a:xfrm>
+          <a:prstGeom prst="rect">
+            <a:avLst/>
+          </a:prstGeom>
+          <a:solidFill>
+            <a:schemeClr val="bg1"/>
+          </a:solidFill>
+          <a:ln w="9525">
+            <a:solidFill>
+              <a:schemeClr val="bg1"/>
+            </a:solidFill>
+          </a:ln>
+        </p:spPr>
+        <p:style>
+          <a:lnRef idx="2">
+            <a:schemeClr val="accent1">
+              <a:shade val="50000"/>
+            </a:schemeClr>
+          </a:lnRef>
+          <a:fillRef idx="1">
+            <a:schemeClr val="accent1"/>
+          </a:fillRef>
+          <a:effectRef idx="0">
+            <a:schemeClr val="accent1"/>
+          </a:effectRef>
+          <a:fontRef idx="minor">
+            <a:schemeClr val="lt1"/>
+          </a:fontRef>
+        </p:style>
+        <p:txBody>
+          <a:bodyPr rtlCol="0" anchor="ctr"/>
+          <a:lstStyle/>
+          <a:p>
+            <a:pPr algn="ctr"/>
+            <a:endParaRPr lang="en-US"/>
+          </a:p>
+        </p:txBody>
+      </p:sp>
+      <p:cxnSp>
+        <p:nvCxnSpPr>
+          <p:cNvPr id="76" name="Straight Arrow Connector 75">
+            <a:extLst>
+              <a:ext uri="{FF2B5EF4-FFF2-40B4-BE49-F238E27FC236}">
+                <a16:creationId xmlns:a16="http://schemas.microsoft.com/office/drawing/2014/main" id="{B0D955D5-EEAA-41EC-ADCF-DF8490F5024C}"/>
+              </a:ext>
+            </a:extLst>
+          </p:cNvPr>
+          <p:cNvCxnSpPr>
+            <a:cxnSpLocks/>
+          </p:cNvCxnSpPr>
+          <p:nvPr/>
+        </p:nvCxnSpPr>
+        <p:spPr>
+          <a:xfrm flipH="1">
+            <a:off x="4393430" y="3734318"/>
+            <a:ext cx="2283" cy="1724814"/>
+          </a:xfrm>
+          <a:prstGeom prst="straightConnector1">
+            <a:avLst/>
+          </a:prstGeom>
+          <a:ln w="9525">
+            <a:solidFill>
+              <a:schemeClr val="tx1"/>
+            </a:solidFill>
+            <a:tailEnd type="triangle"/>
+          </a:ln>
+        </p:spPr>
+        <p:style>
+          <a:lnRef idx="1">
+            <a:schemeClr val="accent1"/>
+          </a:lnRef>
+          <a:fillRef idx="0">
+            <a:schemeClr val="accent1"/>
+          </a:fillRef>
+          <a:effectRef idx="0">
+            <a:schemeClr val="accent1"/>
+          </a:effectRef>
+          <a:fontRef idx="minor">
+            <a:schemeClr val="tx1"/>
+          </a:fontRef>
+        </p:style>
+      </p:cxnSp>
+      <p:cxnSp>
+        <p:nvCxnSpPr>
+          <p:cNvPr id="54" name="Straight Arrow Connector 53">
+            <a:extLst>
+              <a:ext uri="{FF2B5EF4-FFF2-40B4-BE49-F238E27FC236}">
+                <a16:creationId xmlns:a16="http://schemas.microsoft.com/office/drawing/2014/main" id="{A69F1B3E-3EEC-4006-99BB-1523B0E1A613}"/>
+              </a:ext>
+            </a:extLst>
+          </p:cNvPr>
+          <p:cNvCxnSpPr>
+            <a:cxnSpLocks/>
+          </p:cNvCxnSpPr>
+          <p:nvPr/>
+        </p:nvCxnSpPr>
+        <p:spPr>
+          <a:xfrm flipH="1">
+            <a:off x="2723786" y="3813357"/>
+            <a:ext cx="682297" cy="0"/>
+          </a:xfrm>
+          <a:prstGeom prst="straightConnector1">
+            <a:avLst/>
+          </a:prstGeom>
+          <a:ln w="9525">
+            <a:solidFill>
+              <a:schemeClr val="tx1"/>
+            </a:solidFill>
+            <a:tailEnd type="triangle"/>
+          </a:ln>
+        </p:spPr>
+        <p:style>
+          <a:lnRef idx="1">
+            <a:schemeClr val="accent1"/>
+          </a:lnRef>
+          <a:fillRef idx="0">
+            <a:schemeClr val="accent1"/>
+          </a:fillRef>
+          <a:effectRef idx="0">
+            <a:schemeClr val="accent1"/>
+          </a:effectRef>
+          <a:fontRef idx="minor">
+            <a:schemeClr val="tx1"/>
+          </a:fontRef>
+        </p:style>
+      </p:cxnSp>
+      <p:cxnSp>
+        <p:nvCxnSpPr>
+          <p:cNvPr id="65" name="Straight Connector 64">
+            <a:extLst>
+              <a:ext uri="{FF2B5EF4-FFF2-40B4-BE49-F238E27FC236}">
+                <a16:creationId xmlns:a16="http://schemas.microsoft.com/office/drawing/2014/main" id="{48C7356A-A367-4A6B-A784-D243BD7177B6}"/>
+              </a:ext>
+            </a:extLst>
+          </p:cNvPr>
+          <p:cNvCxnSpPr/>
+          <p:nvPr/>
+        </p:nvCxnSpPr>
+        <p:spPr>
+          <a:xfrm flipH="1">
+            <a:off x="3407483" y="3076465"/>
+            <a:ext cx="1" cy="736749"/>
+          </a:xfrm>
+          <a:prstGeom prst="line">
+            <a:avLst/>
+          </a:prstGeom>
+          <a:ln w="9525">
+            <a:solidFill>
+              <a:schemeClr val="tx1"/>
+            </a:solidFill>
+          </a:ln>
+        </p:spPr>
+        <p:style>
+          <a:lnRef idx="1">
+            <a:schemeClr val="accent1"/>
+          </a:lnRef>
+          <a:fillRef idx="0">
+            <a:schemeClr val="accent1"/>
+          </a:fillRef>
+          <a:effectRef idx="0">
+            <a:schemeClr val="accent1"/>
+          </a:effectRef>
+          <a:fontRef idx="minor">
+            <a:schemeClr val="tx1"/>
+          </a:fontRef>
+        </p:style>
+      </p:cxnSp>
+      <p:sp>
+        <p:nvSpPr>
+          <p:cNvPr id="6" name="TextBox 5">
+            <a:extLst>
+              <a:ext uri="{FF2B5EF4-FFF2-40B4-BE49-F238E27FC236}">
+                <a16:creationId xmlns:a16="http://schemas.microsoft.com/office/drawing/2014/main" id="{21876E51-290C-4303-A6AD-0D8D552ADC8C}"/>
+              </a:ext>
+            </a:extLst>
+          </p:cNvPr>
+          <p:cNvSpPr txBox="1"/>
+          <p:nvPr/>
+        </p:nvSpPr>
+        <p:spPr>
+          <a:xfrm>
+            <a:off x="3138854" y="2549452"/>
+            <a:ext cx="750407" cy="553998"/>
+          </a:xfrm>
+          <a:prstGeom prst="rect">
+            <a:avLst/>
+          </a:prstGeom>
+          <a:solidFill>
+            <a:schemeClr val="accent2"/>
+          </a:solidFill>
+          <a:ln w="9525">
+            <a:solidFill>
+              <a:schemeClr val="tx1"/>
+            </a:solidFill>
+          </a:ln>
+        </p:spPr>
+        <p:txBody>
+          <a:bodyPr wrap="square" rtlCol="0">
+            <a:spAutoFit/>
+          </a:bodyPr>
+          <a:lstStyle/>
+          <a:p>
+            <a:pPr algn="ctr"/>
+            <a:r>
+              <a:rPr lang="en-US" sz="1000" dirty="0"/>
+              <a:t>Below-ground biomass</a:t>
+            </a:r>
+          </a:p>
+        </p:txBody>
+      </p:sp>
     </p:spTree>
     <p:extLst>
       <p:ext uri="{BB962C8B-B14F-4D97-AF65-F5344CB8AC3E}">
-        <p14:creationId xmlns:p14="http://schemas.microsoft.com/office/powerpoint/2010/main" val="1465855233"/>
+        <p14:creationId xmlns:p14="http://schemas.microsoft.com/office/powerpoint/2010/main" val="2291161370"/>
       </p:ext>
     </p:extLst>
   </p:cSld>

--- a/manu/schematics-v2.pptx
+++ b/manu/schematics-v2.pptx
@@ -248,7 +248,7 @@
           <a:p>
             <a:fld id="{C1479234-584E-4873-8CD3-B53B1333C3D5}" type="datetimeFigureOut">
               <a:rPr lang="en-US" smtClean="0"/>
-              <a:t>4/21/2021</a:t>
+              <a:t>5/26/2021</a:t>
             </a:fld>
             <a:endParaRPr lang="en-US"/>
           </a:p>
@@ -418,7 +418,7 @@
           <a:p>
             <a:fld id="{C1479234-584E-4873-8CD3-B53B1333C3D5}" type="datetimeFigureOut">
               <a:rPr lang="en-US" smtClean="0"/>
-              <a:t>4/21/2021</a:t>
+              <a:t>5/26/2021</a:t>
             </a:fld>
             <a:endParaRPr lang="en-US"/>
           </a:p>
@@ -598,7 +598,7 @@
           <a:p>
             <a:fld id="{C1479234-584E-4873-8CD3-B53B1333C3D5}" type="datetimeFigureOut">
               <a:rPr lang="en-US" smtClean="0"/>
-              <a:t>4/21/2021</a:t>
+              <a:t>5/26/2021</a:t>
             </a:fld>
             <a:endParaRPr lang="en-US"/>
           </a:p>
@@ -768,7 +768,7 @@
           <a:p>
             <a:fld id="{C1479234-584E-4873-8CD3-B53B1333C3D5}" type="datetimeFigureOut">
               <a:rPr lang="en-US" smtClean="0"/>
-              <a:t>4/21/2021</a:t>
+              <a:t>5/26/2021</a:t>
             </a:fld>
             <a:endParaRPr lang="en-US"/>
           </a:p>
@@ -1012,7 +1012,7 @@
           <a:p>
             <a:fld id="{C1479234-584E-4873-8CD3-B53B1333C3D5}" type="datetimeFigureOut">
               <a:rPr lang="en-US" smtClean="0"/>
-              <a:t>4/21/2021</a:t>
+              <a:t>5/26/2021</a:t>
             </a:fld>
             <a:endParaRPr lang="en-US"/>
           </a:p>
@@ -1244,7 +1244,7 @@
           <a:p>
             <a:fld id="{C1479234-584E-4873-8CD3-B53B1333C3D5}" type="datetimeFigureOut">
               <a:rPr lang="en-US" smtClean="0"/>
-              <a:t>4/21/2021</a:t>
+              <a:t>5/26/2021</a:t>
             </a:fld>
             <a:endParaRPr lang="en-US"/>
           </a:p>
@@ -1611,7 +1611,7 @@
           <a:p>
             <a:fld id="{C1479234-584E-4873-8CD3-B53B1333C3D5}" type="datetimeFigureOut">
               <a:rPr lang="en-US" smtClean="0"/>
-              <a:t>4/21/2021</a:t>
+              <a:t>5/26/2021</a:t>
             </a:fld>
             <a:endParaRPr lang="en-US"/>
           </a:p>
@@ -1729,7 +1729,7 @@
           <a:p>
             <a:fld id="{C1479234-584E-4873-8CD3-B53B1333C3D5}" type="datetimeFigureOut">
               <a:rPr lang="en-US" smtClean="0"/>
-              <a:t>4/21/2021</a:t>
+              <a:t>5/26/2021</a:t>
             </a:fld>
             <a:endParaRPr lang="en-US"/>
           </a:p>
@@ -1824,7 +1824,7 @@
           <a:p>
             <a:fld id="{C1479234-584E-4873-8CD3-B53B1333C3D5}" type="datetimeFigureOut">
               <a:rPr lang="en-US" smtClean="0"/>
-              <a:t>4/21/2021</a:t>
+              <a:t>5/26/2021</a:t>
             </a:fld>
             <a:endParaRPr lang="en-US"/>
           </a:p>
@@ -2101,7 +2101,7 @@
           <a:p>
             <a:fld id="{C1479234-584E-4873-8CD3-B53B1333C3D5}" type="datetimeFigureOut">
               <a:rPr lang="en-US" smtClean="0"/>
-              <a:t>4/21/2021</a:t>
+              <a:t>5/26/2021</a:t>
             </a:fld>
             <a:endParaRPr lang="en-US"/>
           </a:p>
@@ -2358,7 +2358,7 @@
           <a:p>
             <a:fld id="{C1479234-584E-4873-8CD3-B53B1333C3D5}" type="datetimeFigureOut">
               <a:rPr lang="en-US" smtClean="0"/>
-              <a:t>4/21/2021</a:t>
+              <a:t>5/26/2021</a:t>
             </a:fld>
             <a:endParaRPr lang="en-US"/>
           </a:p>
@@ -2571,7 +2571,7 @@
           <a:p>
             <a:fld id="{C1479234-584E-4873-8CD3-B53B1333C3D5}" type="datetimeFigureOut">
               <a:rPr lang="en-US" smtClean="0"/>
-              <a:t>4/21/2021</a:t>
+              <a:t>5/26/2021</a:t>
             </a:fld>
             <a:endParaRPr lang="en-US"/>
           </a:p>
@@ -14902,1744 +14902,2338 @@
           </a:p>
         </p:txBody>
       </p:sp>
-      <p:cxnSp>
-        <p:nvCxnSpPr>
-          <p:cNvPr id="59" name="Straight Arrow Connector 58">
-            <a:extLst>
-              <a:ext uri="{FF2B5EF4-FFF2-40B4-BE49-F238E27FC236}">
-                <a16:creationId xmlns:a16="http://schemas.microsoft.com/office/drawing/2014/main" id="{04E70E58-42AC-4675-B455-935EC2D04F90}"/>
-              </a:ext>
-            </a:extLst>
-          </p:cNvPr>
-          <p:cNvCxnSpPr>
-            <a:cxnSpLocks/>
-          </p:cNvCxnSpPr>
+      <p:grpSp>
+        <p:nvGrpSpPr>
+          <p:cNvPr id="3" name="Group 2"/>
+          <p:cNvGrpSpPr/>
           <p:nvPr/>
-        </p:nvCxnSpPr>
-        <p:spPr>
-          <a:xfrm flipV="1">
-            <a:off x="3663738" y="2829275"/>
-            <a:ext cx="711162" cy="2062"/>
-          </a:xfrm>
-          <a:prstGeom prst="straightConnector1">
-            <a:avLst/>
-          </a:prstGeom>
-          <a:ln w="9525">
-            <a:solidFill>
-              <a:schemeClr val="tx1"/>
-            </a:solidFill>
-            <a:tailEnd type="triangle"/>
-          </a:ln>
-        </p:spPr>
-        <p:style>
-          <a:lnRef idx="1">
-            <a:schemeClr val="accent1"/>
-          </a:lnRef>
-          <a:fillRef idx="0">
-            <a:schemeClr val="accent1"/>
-          </a:fillRef>
-          <a:effectRef idx="0">
-            <a:schemeClr val="accent1"/>
-          </a:effectRef>
-          <a:fontRef idx="minor">
-            <a:schemeClr val="tx1"/>
-          </a:fontRef>
-        </p:style>
-      </p:cxnSp>
-      <p:cxnSp>
-        <p:nvCxnSpPr>
-          <p:cNvPr id="90" name="Straight Arrow Connector 89">
-            <a:extLst>
-              <a:ext uri="{FF2B5EF4-FFF2-40B4-BE49-F238E27FC236}">
-                <a16:creationId xmlns:a16="http://schemas.microsoft.com/office/drawing/2014/main" id="{BB890F74-A463-4C40-A27B-35FB56527423}"/>
-              </a:ext>
-            </a:extLst>
-          </p:cNvPr>
-          <p:cNvCxnSpPr>
-            <a:cxnSpLocks/>
-          </p:cNvCxnSpPr>
-          <p:nvPr/>
-        </p:nvCxnSpPr>
-        <p:spPr>
-          <a:xfrm>
-            <a:off x="2220295" y="2073594"/>
-            <a:ext cx="1" cy="484673"/>
-          </a:xfrm>
-          <a:prstGeom prst="straightConnector1">
-            <a:avLst/>
-          </a:prstGeom>
-          <a:ln w="57150">
-            <a:solidFill>
-              <a:schemeClr val="tx1"/>
-            </a:solidFill>
-            <a:tailEnd type="triangle"/>
-          </a:ln>
-        </p:spPr>
-        <p:style>
-          <a:lnRef idx="1">
-            <a:schemeClr val="accent1"/>
-          </a:lnRef>
-          <a:fillRef idx="0">
-            <a:schemeClr val="accent1"/>
-          </a:fillRef>
-          <a:effectRef idx="0">
-            <a:schemeClr val="accent1"/>
-          </a:effectRef>
-          <a:fontRef idx="minor">
-            <a:schemeClr val="tx1"/>
-          </a:fontRef>
-        </p:style>
-      </p:cxnSp>
-      <p:cxnSp>
-        <p:nvCxnSpPr>
-          <p:cNvPr id="91" name="Straight Arrow Connector 90">
-            <a:extLst>
-              <a:ext uri="{FF2B5EF4-FFF2-40B4-BE49-F238E27FC236}">
-                <a16:creationId xmlns:a16="http://schemas.microsoft.com/office/drawing/2014/main" id="{7E40E1B6-6876-41B9-90D2-E708A7BFB424}"/>
-              </a:ext>
-            </a:extLst>
-          </p:cNvPr>
-          <p:cNvCxnSpPr>
-            <a:cxnSpLocks/>
-          </p:cNvCxnSpPr>
-          <p:nvPr/>
-        </p:nvCxnSpPr>
-        <p:spPr>
-          <a:xfrm>
-            <a:off x="3512115" y="2106352"/>
-            <a:ext cx="0" cy="460346"/>
-          </a:xfrm>
-          <a:prstGeom prst="straightConnector1">
-            <a:avLst/>
-          </a:prstGeom>
-          <a:ln w="57150">
-            <a:solidFill>
-              <a:schemeClr val="tx1"/>
-            </a:solidFill>
-            <a:tailEnd type="triangle"/>
-          </a:ln>
-        </p:spPr>
-        <p:style>
-          <a:lnRef idx="1">
-            <a:schemeClr val="accent1"/>
-          </a:lnRef>
-          <a:fillRef idx="0">
-            <a:schemeClr val="accent1"/>
-          </a:fillRef>
-          <a:effectRef idx="0">
-            <a:schemeClr val="accent1"/>
-          </a:effectRef>
-          <a:fontRef idx="minor">
-            <a:schemeClr val="tx1"/>
-          </a:fontRef>
-        </p:style>
-      </p:cxnSp>
-      <p:cxnSp>
-        <p:nvCxnSpPr>
-          <p:cNvPr id="71" name="Straight Arrow Connector 70">
-            <a:extLst>
-              <a:ext uri="{FF2B5EF4-FFF2-40B4-BE49-F238E27FC236}">
-                <a16:creationId xmlns:a16="http://schemas.microsoft.com/office/drawing/2014/main" id="{DFD09234-A006-4654-8ABC-244EFB2761F0}"/>
-              </a:ext>
-            </a:extLst>
-          </p:cNvPr>
-          <p:cNvCxnSpPr>
-            <a:cxnSpLocks/>
-          </p:cNvCxnSpPr>
-          <p:nvPr/>
-        </p:nvCxnSpPr>
-        <p:spPr>
-          <a:xfrm>
-            <a:off x="4714438" y="2115494"/>
-            <a:ext cx="0" cy="460346"/>
-          </a:xfrm>
-          <a:prstGeom prst="straightConnector1">
-            <a:avLst/>
-          </a:prstGeom>
-          <a:ln w="57150">
-            <a:solidFill>
-              <a:schemeClr val="tx1"/>
-            </a:solidFill>
-            <a:tailEnd type="triangle"/>
-          </a:ln>
-        </p:spPr>
-        <p:style>
-          <a:lnRef idx="1">
-            <a:schemeClr val="accent1"/>
-          </a:lnRef>
-          <a:fillRef idx="0">
-            <a:schemeClr val="accent1"/>
-          </a:fillRef>
-          <a:effectRef idx="0">
-            <a:schemeClr val="accent1"/>
-          </a:effectRef>
-          <a:fontRef idx="minor">
-            <a:schemeClr val="tx1"/>
-          </a:fontRef>
-        </p:style>
-      </p:cxnSp>
-      <p:sp>
-        <p:nvSpPr>
-          <p:cNvPr id="80" name="TextBox 79">
-            <a:extLst>
-              <a:ext uri="{FF2B5EF4-FFF2-40B4-BE49-F238E27FC236}">
-                <a16:creationId xmlns:a16="http://schemas.microsoft.com/office/drawing/2014/main" id="{72EE2869-981E-46C6-AC7A-802D723EAF97}"/>
-              </a:ext>
-            </a:extLst>
-          </p:cNvPr>
-          <p:cNvSpPr txBox="1"/>
-          <p:nvPr/>
-        </p:nvSpPr>
-        <p:spPr>
-          <a:xfrm>
-            <a:off x="3491332" y="7150957"/>
-            <a:ext cx="1076698" cy="400110"/>
-          </a:xfrm>
-          <a:prstGeom prst="rect">
-            <a:avLst/>
-          </a:prstGeom>
-          <a:solidFill>
-            <a:srgbClr val="FFC000"/>
-          </a:solidFill>
-          <a:ln w="9525">
-            <a:solidFill>
-              <a:schemeClr val="tx1"/>
-            </a:solidFill>
-          </a:ln>
-        </p:spPr>
-        <p:txBody>
-          <a:bodyPr wrap="square" rtlCol="0">
-            <a:spAutoFit/>
-          </a:bodyPr>
-          <a:lstStyle/>
-          <a:p>
-            <a:pPr algn="ctr"/>
-            <a:r>
-              <a:rPr lang="en-US" sz="1000" dirty="0"/>
-              <a:t>Soil water at field capacity</a:t>
-            </a:r>
-          </a:p>
-        </p:txBody>
-      </p:sp>
-      <p:cxnSp>
-        <p:nvCxnSpPr>
-          <p:cNvPr id="11" name="Straight Connector 10">
-            <a:extLst>
-              <a:ext uri="{FF2B5EF4-FFF2-40B4-BE49-F238E27FC236}">
-                <a16:creationId xmlns:a16="http://schemas.microsoft.com/office/drawing/2014/main" id="{0712DFD0-8832-4922-BFE1-45B491651EC5}"/>
-              </a:ext>
-            </a:extLst>
-          </p:cNvPr>
-          <p:cNvCxnSpPr>
-            <a:cxnSpLocks/>
-          </p:cNvCxnSpPr>
-          <p:nvPr/>
-        </p:nvCxnSpPr>
-        <p:spPr>
-          <a:xfrm>
-            <a:off x="4205338" y="6228125"/>
-            <a:ext cx="0" cy="0"/>
-          </a:xfrm>
-          <a:prstGeom prst="line">
-            <a:avLst/>
-          </a:prstGeom>
-          <a:ln w="9525"/>
-        </p:spPr>
-        <p:style>
-          <a:lnRef idx="1">
-            <a:schemeClr val="accent1"/>
-          </a:lnRef>
-          <a:fillRef idx="0">
-            <a:schemeClr val="accent1"/>
-          </a:fillRef>
-          <a:effectRef idx="0">
-            <a:schemeClr val="accent1"/>
-          </a:effectRef>
-          <a:fontRef idx="minor">
-            <a:schemeClr val="tx1"/>
-          </a:fontRef>
-        </p:style>
-      </p:cxnSp>
-      <p:cxnSp>
-        <p:nvCxnSpPr>
-          <p:cNvPr id="110" name="Straight Arrow Connector 109">
-            <a:extLst>
-              <a:ext uri="{FF2B5EF4-FFF2-40B4-BE49-F238E27FC236}">
-                <a16:creationId xmlns:a16="http://schemas.microsoft.com/office/drawing/2014/main" id="{6A13596A-C939-4CBE-A6B5-C323C197012A}"/>
-              </a:ext>
-            </a:extLst>
-          </p:cNvPr>
-          <p:cNvCxnSpPr>
-            <a:cxnSpLocks/>
-          </p:cNvCxnSpPr>
-          <p:nvPr/>
-        </p:nvCxnSpPr>
-        <p:spPr>
-          <a:xfrm flipH="1">
-            <a:off x="5369649" y="5703757"/>
-            <a:ext cx="2283" cy="1033509"/>
-          </a:xfrm>
-          <a:prstGeom prst="straightConnector1">
-            <a:avLst/>
-          </a:prstGeom>
-          <a:ln w="9525">
-            <a:solidFill>
-              <a:schemeClr val="tx1"/>
-            </a:solidFill>
-            <a:tailEnd type="triangle"/>
-          </a:ln>
-        </p:spPr>
-        <p:style>
-          <a:lnRef idx="1">
-            <a:schemeClr val="accent1"/>
-          </a:lnRef>
-          <a:fillRef idx="0">
-            <a:schemeClr val="accent1"/>
-          </a:fillRef>
-          <a:effectRef idx="0">
-            <a:schemeClr val="accent1"/>
-          </a:effectRef>
-          <a:fontRef idx="minor">
-            <a:schemeClr val="tx1"/>
-          </a:fontRef>
-        </p:style>
-      </p:cxnSp>
-      <p:cxnSp>
-        <p:nvCxnSpPr>
-          <p:cNvPr id="162" name="Straight Arrow Connector 161">
-            <a:extLst>
-              <a:ext uri="{FF2B5EF4-FFF2-40B4-BE49-F238E27FC236}">
-                <a16:creationId xmlns:a16="http://schemas.microsoft.com/office/drawing/2014/main" id="{3453C37C-FAEF-496A-9FB5-7A20970CEADF}"/>
-              </a:ext>
-            </a:extLst>
-          </p:cNvPr>
-          <p:cNvCxnSpPr>
-            <a:cxnSpLocks/>
-          </p:cNvCxnSpPr>
-          <p:nvPr/>
-        </p:nvCxnSpPr>
-        <p:spPr>
-          <a:xfrm>
-            <a:off x="4823285" y="2615940"/>
-            <a:ext cx="0" cy="2871764"/>
-          </a:xfrm>
-          <a:prstGeom prst="straightConnector1">
-            <a:avLst/>
-          </a:prstGeom>
-          <a:ln w="9525">
-            <a:solidFill>
-              <a:schemeClr val="tx1"/>
-            </a:solidFill>
-            <a:tailEnd type="triangle"/>
-          </a:ln>
-        </p:spPr>
-        <p:style>
-          <a:lnRef idx="1">
-            <a:schemeClr val="accent1"/>
-          </a:lnRef>
-          <a:fillRef idx="0">
-            <a:schemeClr val="accent1"/>
-          </a:fillRef>
-          <a:effectRef idx="0">
-            <a:schemeClr val="accent1"/>
-          </a:effectRef>
-          <a:fontRef idx="minor">
-            <a:schemeClr val="tx1"/>
-          </a:fontRef>
-        </p:style>
-      </p:cxnSp>
-      <p:cxnSp>
-        <p:nvCxnSpPr>
-          <p:cNvPr id="165" name="Straight Arrow Connector 164">
-            <a:extLst>
-              <a:ext uri="{FF2B5EF4-FFF2-40B4-BE49-F238E27FC236}">
-                <a16:creationId xmlns:a16="http://schemas.microsoft.com/office/drawing/2014/main" id="{EDE542EA-DBC5-44EA-9B66-C4AA3B7E3459}"/>
-              </a:ext>
-            </a:extLst>
-          </p:cNvPr>
-          <p:cNvCxnSpPr>
-            <a:cxnSpLocks/>
-          </p:cNvCxnSpPr>
-          <p:nvPr/>
-        </p:nvCxnSpPr>
-        <p:spPr>
-          <a:xfrm flipH="1">
-            <a:off x="3970185" y="4650314"/>
-            <a:ext cx="856576" cy="0"/>
-          </a:xfrm>
-          <a:prstGeom prst="straightConnector1">
-            <a:avLst/>
-          </a:prstGeom>
-          <a:ln w="9525">
-            <a:solidFill>
-              <a:schemeClr val="tx1"/>
-            </a:solidFill>
-            <a:tailEnd type="triangle"/>
-          </a:ln>
-        </p:spPr>
-        <p:style>
-          <a:lnRef idx="1">
-            <a:schemeClr val="accent1"/>
-          </a:lnRef>
-          <a:fillRef idx="0">
-            <a:schemeClr val="accent1"/>
-          </a:fillRef>
-          <a:effectRef idx="0">
-            <a:schemeClr val="accent1"/>
-          </a:effectRef>
-          <a:fontRef idx="minor">
-            <a:schemeClr val="tx1"/>
-          </a:fontRef>
-        </p:style>
-      </p:cxnSp>
-      <p:cxnSp>
-        <p:nvCxnSpPr>
-          <p:cNvPr id="166" name="Straight Connector 165">
-            <a:extLst>
-              <a:ext uri="{FF2B5EF4-FFF2-40B4-BE49-F238E27FC236}">
-                <a16:creationId xmlns:a16="http://schemas.microsoft.com/office/drawing/2014/main" id="{BF35F3B7-BA5F-4740-B113-7D5F0023435C}"/>
-              </a:ext>
-            </a:extLst>
-          </p:cNvPr>
-          <p:cNvCxnSpPr/>
-          <p:nvPr/>
-        </p:nvCxnSpPr>
-        <p:spPr>
-          <a:xfrm flipH="1">
-            <a:off x="4584917" y="2710403"/>
-            <a:ext cx="1" cy="1435714"/>
-          </a:xfrm>
-          <a:prstGeom prst="line">
-            <a:avLst/>
-          </a:prstGeom>
-          <a:ln w="9525">
-            <a:solidFill>
-              <a:schemeClr val="tx1"/>
-            </a:solidFill>
-          </a:ln>
-        </p:spPr>
-        <p:style>
-          <a:lnRef idx="1">
-            <a:schemeClr val="accent1"/>
-          </a:lnRef>
-          <a:fillRef idx="0">
-            <a:schemeClr val="accent1"/>
-          </a:fillRef>
-          <a:effectRef idx="0">
-            <a:schemeClr val="accent1"/>
-          </a:effectRef>
-          <a:fontRef idx="minor">
-            <a:schemeClr val="tx1"/>
-          </a:fontRef>
-        </p:style>
-      </p:cxnSp>
-      <p:cxnSp>
-        <p:nvCxnSpPr>
-          <p:cNvPr id="171" name="Straight Arrow Connector 170">
-            <a:extLst>
-              <a:ext uri="{FF2B5EF4-FFF2-40B4-BE49-F238E27FC236}">
-                <a16:creationId xmlns:a16="http://schemas.microsoft.com/office/drawing/2014/main" id="{663EA009-7A37-4BE8-9A68-3DB9D98D41CC}"/>
-              </a:ext>
-            </a:extLst>
-          </p:cNvPr>
-          <p:cNvCxnSpPr>
-            <a:cxnSpLocks/>
-          </p:cNvCxnSpPr>
-          <p:nvPr/>
-        </p:nvCxnSpPr>
-        <p:spPr>
-          <a:xfrm flipH="1">
-            <a:off x="3809732" y="6659151"/>
-            <a:ext cx="2283" cy="482143"/>
-          </a:xfrm>
-          <a:prstGeom prst="straightConnector1">
-            <a:avLst/>
-          </a:prstGeom>
-          <a:ln w="9525">
-            <a:solidFill>
-              <a:schemeClr val="tx1"/>
-            </a:solidFill>
-            <a:tailEnd type="triangle"/>
-          </a:ln>
-        </p:spPr>
-        <p:style>
-          <a:lnRef idx="1">
-            <a:schemeClr val="accent1"/>
-          </a:lnRef>
-          <a:fillRef idx="0">
-            <a:schemeClr val="accent1"/>
-          </a:fillRef>
-          <a:effectRef idx="0">
-            <a:schemeClr val="accent1"/>
-          </a:effectRef>
-          <a:fontRef idx="minor">
-            <a:schemeClr val="tx1"/>
-          </a:fontRef>
-        </p:style>
-      </p:cxnSp>
-      <p:sp>
-        <p:nvSpPr>
-          <p:cNvPr id="16" name="TextBox 15">
-            <a:extLst>
-              <a:ext uri="{FF2B5EF4-FFF2-40B4-BE49-F238E27FC236}">
-                <a16:creationId xmlns:a16="http://schemas.microsoft.com/office/drawing/2014/main" id="{6EFC2D2F-82ED-4332-86E1-5D3DCB71E395}"/>
-              </a:ext>
-            </a:extLst>
-          </p:cNvPr>
-          <p:cNvSpPr txBox="1"/>
-          <p:nvPr/>
-        </p:nvSpPr>
-        <p:spPr>
-          <a:xfrm>
-            <a:off x="4386027" y="2570322"/>
-            <a:ext cx="655608" cy="400110"/>
-          </a:xfrm>
-          <a:prstGeom prst="rect">
-            <a:avLst/>
-          </a:prstGeom>
-          <a:solidFill>
-            <a:schemeClr val="accent2"/>
-          </a:solidFill>
-          <a:ln w="9525">
-            <a:solidFill>
-              <a:schemeClr val="tx1"/>
-            </a:solidFill>
-          </a:ln>
-        </p:spPr>
-        <p:txBody>
-          <a:bodyPr wrap="square" rtlCol="0">
-            <a:spAutoFit/>
-          </a:bodyPr>
-          <a:lstStyle/>
-          <a:p>
-            <a:pPr algn="ctr"/>
-            <a:r>
-              <a:rPr lang="en-US" sz="1000" dirty="0"/>
-              <a:t>Soil Biology</a:t>
-            </a:r>
-          </a:p>
-        </p:txBody>
-      </p:sp>
-      <p:sp>
-        <p:nvSpPr>
-          <p:cNvPr id="96" name="TextBox 95">
-            <a:extLst>
-              <a:ext uri="{FF2B5EF4-FFF2-40B4-BE49-F238E27FC236}">
-                <a16:creationId xmlns:a16="http://schemas.microsoft.com/office/drawing/2014/main" id="{072EE3DC-7571-43F1-B7BC-E9FB70EDEBA6}"/>
-              </a:ext>
-            </a:extLst>
-          </p:cNvPr>
-          <p:cNvSpPr txBox="1"/>
-          <p:nvPr/>
-        </p:nvSpPr>
-        <p:spPr>
-          <a:xfrm>
-            <a:off x="4933055" y="6737266"/>
-            <a:ext cx="873188" cy="400110"/>
-          </a:xfrm>
-          <a:prstGeom prst="rect">
-            <a:avLst/>
-          </a:prstGeom>
-          <a:solidFill>
-            <a:srgbClr val="FFC000"/>
-          </a:solidFill>
-          <a:ln w="9525">
-            <a:solidFill>
-              <a:schemeClr val="tx1"/>
-            </a:solidFill>
-          </a:ln>
-        </p:spPr>
-        <p:txBody>
-          <a:bodyPr wrap="square" rtlCol="0">
-            <a:spAutoFit/>
-          </a:bodyPr>
-          <a:lstStyle/>
-          <a:p>
-            <a:pPr algn="ctr"/>
-            <a:r>
-              <a:rPr lang="en-US" sz="1000" dirty="0"/>
-              <a:t>Soil water at saturation</a:t>
-            </a:r>
-          </a:p>
-        </p:txBody>
-      </p:sp>
-      <p:cxnSp>
-        <p:nvCxnSpPr>
-          <p:cNvPr id="156" name="Straight Arrow Connector 155">
-            <a:extLst>
-              <a:ext uri="{FF2B5EF4-FFF2-40B4-BE49-F238E27FC236}">
-                <a16:creationId xmlns:a16="http://schemas.microsoft.com/office/drawing/2014/main" id="{F2F5C4B5-3009-4604-B153-A758FB3D3B9F}"/>
-              </a:ext>
-            </a:extLst>
-          </p:cNvPr>
-          <p:cNvCxnSpPr>
-            <a:cxnSpLocks/>
-          </p:cNvCxnSpPr>
-          <p:nvPr/>
-        </p:nvCxnSpPr>
-        <p:spPr>
-          <a:xfrm>
-            <a:off x="2214061" y="2589238"/>
-            <a:ext cx="1" cy="1019728"/>
-          </a:xfrm>
-          <a:prstGeom prst="straightConnector1">
-            <a:avLst/>
-          </a:prstGeom>
-          <a:ln w="9525">
-            <a:solidFill>
-              <a:schemeClr val="tx1"/>
-            </a:solidFill>
-            <a:tailEnd type="triangle"/>
-          </a:ln>
-        </p:spPr>
-        <p:style>
-          <a:lnRef idx="1">
-            <a:schemeClr val="accent1"/>
-          </a:lnRef>
-          <a:fillRef idx="0">
-            <a:schemeClr val="accent1"/>
-          </a:fillRef>
-          <a:effectRef idx="0">
-            <a:schemeClr val="accent1"/>
-          </a:effectRef>
-          <a:fontRef idx="minor">
-            <a:schemeClr val="tx1"/>
-          </a:fontRef>
-        </p:style>
-      </p:cxnSp>
-      <p:sp>
-        <p:nvSpPr>
-          <p:cNvPr id="56" name="Rectangle 55">
-            <a:extLst>
-              <a:ext uri="{FF2B5EF4-FFF2-40B4-BE49-F238E27FC236}">
-                <a16:creationId xmlns:a16="http://schemas.microsoft.com/office/drawing/2014/main" id="{36661A51-A0F5-4A10-BC66-CD93694E17DC}"/>
-              </a:ext>
-            </a:extLst>
-          </p:cNvPr>
-          <p:cNvSpPr/>
-          <p:nvPr/>
-        </p:nvSpPr>
-        <p:spPr>
-          <a:xfrm>
-            <a:off x="2792255" y="6054421"/>
-            <a:ext cx="123132" cy="95788"/>
-          </a:xfrm>
-          <a:prstGeom prst="rect">
-            <a:avLst/>
-          </a:prstGeom>
-          <a:solidFill>
-            <a:schemeClr val="bg1"/>
-          </a:solidFill>
-          <a:ln w="9525">
-            <a:solidFill>
-              <a:schemeClr val="bg1"/>
-            </a:solidFill>
-          </a:ln>
-        </p:spPr>
-        <p:style>
-          <a:lnRef idx="2">
-            <a:schemeClr val="accent1">
-              <a:shade val="50000"/>
-            </a:schemeClr>
-          </a:lnRef>
-          <a:fillRef idx="1">
-            <a:schemeClr val="accent1"/>
-          </a:fillRef>
-          <a:effectRef idx="0">
-            <a:schemeClr val="accent1"/>
-          </a:effectRef>
-          <a:fontRef idx="minor">
-            <a:schemeClr val="lt1"/>
-          </a:fontRef>
-        </p:style>
-        <p:txBody>
-          <a:bodyPr rtlCol="0" anchor="ctr"/>
-          <a:lstStyle/>
-          <a:p>
-            <a:pPr algn="ctr"/>
-            <a:endParaRPr lang="en-US"/>
-          </a:p>
-        </p:txBody>
-      </p:sp>
-      <p:sp>
-        <p:nvSpPr>
-          <p:cNvPr id="58" name="Rectangle 57">
-            <a:extLst>
-              <a:ext uri="{FF2B5EF4-FFF2-40B4-BE49-F238E27FC236}">
-                <a16:creationId xmlns:a16="http://schemas.microsoft.com/office/drawing/2014/main" id="{5E006E4D-0623-40B1-B8A2-E05513A47854}"/>
-              </a:ext>
-            </a:extLst>
-          </p:cNvPr>
-          <p:cNvSpPr/>
-          <p:nvPr/>
-        </p:nvSpPr>
-        <p:spPr>
-          <a:xfrm>
-            <a:off x="3496961" y="4915987"/>
-            <a:ext cx="123132" cy="95788"/>
-          </a:xfrm>
-          <a:prstGeom prst="rect">
-            <a:avLst/>
-          </a:prstGeom>
-          <a:solidFill>
-            <a:schemeClr val="bg1"/>
-          </a:solidFill>
-          <a:ln w="9525">
-            <a:solidFill>
-              <a:schemeClr val="bg1"/>
-            </a:solidFill>
-          </a:ln>
-        </p:spPr>
-        <p:style>
-          <a:lnRef idx="2">
-            <a:schemeClr val="accent1">
-              <a:shade val="50000"/>
-            </a:schemeClr>
-          </a:lnRef>
-          <a:fillRef idx="1">
-            <a:schemeClr val="accent1"/>
-          </a:fillRef>
-          <a:effectRef idx="0">
-            <a:schemeClr val="accent1"/>
-          </a:effectRef>
-          <a:fontRef idx="minor">
-            <a:schemeClr val="lt1"/>
-          </a:fontRef>
-        </p:style>
-        <p:txBody>
-          <a:bodyPr rtlCol="0" anchor="ctr"/>
-          <a:lstStyle/>
-          <a:p>
-            <a:pPr algn="ctr"/>
-            <a:endParaRPr lang="en-US"/>
-          </a:p>
-        </p:txBody>
-      </p:sp>
-      <p:cxnSp>
-        <p:nvCxnSpPr>
-          <p:cNvPr id="92" name="Straight Arrow Connector 91">
-            <a:extLst>
-              <a:ext uri="{FF2B5EF4-FFF2-40B4-BE49-F238E27FC236}">
-                <a16:creationId xmlns:a16="http://schemas.microsoft.com/office/drawing/2014/main" id="{D1103426-A3EB-44E5-B05A-CF3D80637CAA}"/>
-              </a:ext>
-            </a:extLst>
-          </p:cNvPr>
-          <p:cNvCxnSpPr>
-            <a:cxnSpLocks/>
-          </p:cNvCxnSpPr>
-          <p:nvPr/>
-        </p:nvCxnSpPr>
-        <p:spPr>
-          <a:xfrm>
-            <a:off x="3571783" y="3006212"/>
-            <a:ext cx="0" cy="1444001"/>
-          </a:xfrm>
-          <a:prstGeom prst="straightConnector1">
-            <a:avLst/>
-          </a:prstGeom>
-          <a:ln w="9525">
-            <a:solidFill>
-              <a:schemeClr val="tx1"/>
-            </a:solidFill>
-            <a:tailEnd type="triangle"/>
-          </a:ln>
-        </p:spPr>
-        <p:style>
-          <a:lnRef idx="1">
-            <a:schemeClr val="accent1"/>
-          </a:lnRef>
-          <a:fillRef idx="0">
-            <a:schemeClr val="accent1"/>
-          </a:fillRef>
-          <a:effectRef idx="0">
-            <a:schemeClr val="accent1"/>
-          </a:effectRef>
-          <a:fontRef idx="minor">
-            <a:schemeClr val="tx1"/>
-          </a:fontRef>
-        </p:style>
-      </p:cxnSp>
-      <p:sp>
-        <p:nvSpPr>
-          <p:cNvPr id="5" name="TextBox 4">
-            <a:extLst>
-              <a:ext uri="{FF2B5EF4-FFF2-40B4-BE49-F238E27FC236}">
-                <a16:creationId xmlns:a16="http://schemas.microsoft.com/office/drawing/2014/main" id="{FB7D1191-B076-4898-9B0F-3270A8A581F9}"/>
-              </a:ext>
-            </a:extLst>
-          </p:cNvPr>
-          <p:cNvSpPr txBox="1"/>
-          <p:nvPr/>
-        </p:nvSpPr>
-        <p:spPr>
+        </p:nvGrpSpPr>
+        <p:grpSpPr>
           <a:xfrm>
             <a:off x="1685355" y="1937987"/>
-            <a:ext cx="3536829" cy="276999"/>
-          </a:xfrm>
-          <a:prstGeom prst="rect">
-            <a:avLst/>
-          </a:prstGeom>
-          <a:solidFill>
-            <a:srgbClr val="21D109"/>
-          </a:solidFill>
-        </p:spPr>
-        <p:txBody>
-          <a:bodyPr wrap="square" rtlCol="0">
-            <a:spAutoFit/>
-          </a:bodyPr>
-          <a:lstStyle/>
-          <a:p>
-            <a:pPr algn="ctr"/>
-            <a:r>
-              <a:rPr lang="en-US" sz="1200" dirty="0"/>
-              <a:t>Cover Crops</a:t>
-            </a:r>
-          </a:p>
-        </p:txBody>
-      </p:sp>
-      <p:sp>
-        <p:nvSpPr>
-          <p:cNvPr id="27" name="TextBox 26">
-            <a:extLst>
-              <a:ext uri="{FF2B5EF4-FFF2-40B4-BE49-F238E27FC236}">
-                <a16:creationId xmlns:a16="http://schemas.microsoft.com/office/drawing/2014/main" id="{A8BF0BC3-B10A-4BC5-9397-D880332680E1}"/>
-              </a:ext>
-            </a:extLst>
-          </p:cNvPr>
-          <p:cNvSpPr txBox="1"/>
-          <p:nvPr/>
-        </p:nvSpPr>
-        <p:spPr>
-          <a:xfrm>
-            <a:off x="1880408" y="2534812"/>
-            <a:ext cx="660241" cy="556775"/>
-          </a:xfrm>
-          <a:prstGeom prst="rect">
-            <a:avLst/>
-          </a:prstGeom>
-          <a:solidFill>
-            <a:schemeClr val="accent2"/>
-          </a:solidFill>
-          <a:ln w="9525">
-            <a:solidFill>
-              <a:schemeClr val="tx1"/>
-            </a:solidFill>
-          </a:ln>
-        </p:spPr>
-        <p:txBody>
-          <a:bodyPr wrap="square" rtlCol="0">
-            <a:spAutoFit/>
-          </a:bodyPr>
-          <a:lstStyle/>
-          <a:p>
-            <a:pPr algn="ctr"/>
-            <a:r>
-              <a:rPr lang="en-US" sz="1000" dirty="0"/>
-              <a:t>Above-ground biomass</a:t>
-            </a:r>
-          </a:p>
-        </p:txBody>
-      </p:sp>
-      <p:sp>
-        <p:nvSpPr>
-          <p:cNvPr id="64" name="TextBox 63">
-            <a:extLst>
-              <a:ext uri="{FF2B5EF4-FFF2-40B4-BE49-F238E27FC236}">
-                <a16:creationId xmlns:a16="http://schemas.microsoft.com/office/drawing/2014/main" id="{A8FAAB48-F50B-4F05-9A35-72A681704C37}"/>
-              </a:ext>
-            </a:extLst>
-          </p:cNvPr>
-          <p:cNvSpPr txBox="1"/>
-          <p:nvPr/>
-        </p:nvSpPr>
-        <p:spPr>
-          <a:xfrm>
-            <a:off x="2974377" y="6228858"/>
-            <a:ext cx="891434" cy="413010"/>
-          </a:xfrm>
-          <a:prstGeom prst="rect">
-            <a:avLst/>
-          </a:prstGeom>
-          <a:solidFill>
-            <a:srgbClr val="FFC000"/>
-          </a:solidFill>
-          <a:ln w="9525">
-            <a:solidFill>
-              <a:schemeClr val="tx1"/>
-            </a:solidFill>
-          </a:ln>
-        </p:spPr>
-        <p:txBody>
-          <a:bodyPr wrap="square" rtlCol="0">
-            <a:spAutoFit/>
-          </a:bodyPr>
-          <a:lstStyle/>
-          <a:p>
-            <a:pPr algn="ctr"/>
-            <a:r>
-              <a:rPr lang="en-US" sz="1000" dirty="0"/>
-              <a:t>Pore size distributions</a:t>
-            </a:r>
-          </a:p>
-        </p:txBody>
-      </p:sp>
-      <p:sp>
-        <p:nvSpPr>
-          <p:cNvPr id="51" name="Rectangle 50">
-            <a:extLst>
-              <a:ext uri="{FF2B5EF4-FFF2-40B4-BE49-F238E27FC236}">
-                <a16:creationId xmlns:a16="http://schemas.microsoft.com/office/drawing/2014/main" id="{0E8C0B28-0100-4C8B-826D-37505ABF9D02}"/>
-              </a:ext>
-            </a:extLst>
-          </p:cNvPr>
-          <p:cNvSpPr/>
-          <p:nvPr/>
-        </p:nvSpPr>
-        <p:spPr>
-          <a:xfrm>
-            <a:off x="3366434" y="5600393"/>
-            <a:ext cx="97125" cy="89144"/>
-          </a:xfrm>
-          <a:prstGeom prst="rect">
-            <a:avLst/>
-          </a:prstGeom>
-          <a:solidFill>
-            <a:schemeClr val="bg1"/>
-          </a:solidFill>
-          <a:ln w="9525">
+            <a:ext cx="4120888" cy="5613080"/>
+            <a:chOff x="1685355" y="1937987"/>
+            <a:chExt cx="4120888" cy="5613080"/>
+          </a:xfrm>
+        </p:grpSpPr>
+        <p:cxnSp>
+          <p:nvCxnSpPr>
+            <p:cNvPr id="59" name="Straight Arrow Connector 58">
+              <a:extLst>
+                <a:ext uri="{FF2B5EF4-FFF2-40B4-BE49-F238E27FC236}">
+                  <a16:creationId xmlns:a16="http://schemas.microsoft.com/office/drawing/2014/main" id="{04E70E58-42AC-4675-B455-935EC2D04F90}"/>
+                </a:ext>
+              </a:extLst>
+            </p:cNvPr>
+            <p:cNvCxnSpPr>
+              <a:cxnSpLocks/>
+            </p:cNvCxnSpPr>
+            <p:nvPr/>
+          </p:nvCxnSpPr>
+          <p:spPr>
+            <a:xfrm flipV="1">
+              <a:off x="3663738" y="2829275"/>
+              <a:ext cx="711162" cy="2062"/>
+            </a:xfrm>
+            <a:prstGeom prst="straightConnector1">
+              <a:avLst/>
+            </a:prstGeom>
+            <a:ln w="9525">
+              <a:solidFill>
+                <a:schemeClr val="tx1"/>
+              </a:solidFill>
+              <a:tailEnd type="triangle"/>
+            </a:ln>
+          </p:spPr>
+          <p:style>
+            <a:lnRef idx="1">
+              <a:schemeClr val="accent1"/>
+            </a:lnRef>
+            <a:fillRef idx="0">
+              <a:schemeClr val="accent1"/>
+            </a:fillRef>
+            <a:effectRef idx="0">
+              <a:schemeClr val="accent1"/>
+            </a:effectRef>
+            <a:fontRef idx="minor">
+              <a:schemeClr val="tx1"/>
+            </a:fontRef>
+          </p:style>
+        </p:cxnSp>
+        <p:cxnSp>
+          <p:nvCxnSpPr>
+            <p:cNvPr id="90" name="Straight Arrow Connector 89">
+              <a:extLst>
+                <a:ext uri="{FF2B5EF4-FFF2-40B4-BE49-F238E27FC236}">
+                  <a16:creationId xmlns:a16="http://schemas.microsoft.com/office/drawing/2014/main" id="{BB890F74-A463-4C40-A27B-35FB56527423}"/>
+                </a:ext>
+              </a:extLst>
+            </p:cNvPr>
+            <p:cNvCxnSpPr>
+              <a:cxnSpLocks/>
+            </p:cNvCxnSpPr>
+            <p:nvPr/>
+          </p:nvCxnSpPr>
+          <p:spPr>
+            <a:xfrm>
+              <a:off x="2220295" y="2073594"/>
+              <a:ext cx="1" cy="484673"/>
+            </a:xfrm>
+            <a:prstGeom prst="straightConnector1">
+              <a:avLst/>
+            </a:prstGeom>
+            <a:ln w="57150">
+              <a:solidFill>
+                <a:schemeClr val="tx1"/>
+              </a:solidFill>
+              <a:tailEnd type="triangle"/>
+            </a:ln>
+          </p:spPr>
+          <p:style>
+            <a:lnRef idx="1">
+              <a:schemeClr val="accent1"/>
+            </a:lnRef>
+            <a:fillRef idx="0">
+              <a:schemeClr val="accent1"/>
+            </a:fillRef>
+            <a:effectRef idx="0">
+              <a:schemeClr val="accent1"/>
+            </a:effectRef>
+            <a:fontRef idx="minor">
+              <a:schemeClr val="tx1"/>
+            </a:fontRef>
+          </p:style>
+        </p:cxnSp>
+        <p:cxnSp>
+          <p:nvCxnSpPr>
+            <p:cNvPr id="91" name="Straight Arrow Connector 90">
+              <a:extLst>
+                <a:ext uri="{FF2B5EF4-FFF2-40B4-BE49-F238E27FC236}">
+                  <a16:creationId xmlns:a16="http://schemas.microsoft.com/office/drawing/2014/main" id="{7E40E1B6-6876-41B9-90D2-E708A7BFB424}"/>
+                </a:ext>
+              </a:extLst>
+            </p:cNvPr>
+            <p:cNvCxnSpPr>
+              <a:cxnSpLocks/>
+            </p:cNvCxnSpPr>
+            <p:nvPr/>
+          </p:nvCxnSpPr>
+          <p:spPr>
+            <a:xfrm>
+              <a:off x="3512115" y="2106352"/>
+              <a:ext cx="0" cy="460346"/>
+            </a:xfrm>
+            <a:prstGeom prst="straightConnector1">
+              <a:avLst/>
+            </a:prstGeom>
+            <a:ln w="57150">
+              <a:solidFill>
+                <a:schemeClr val="tx1"/>
+              </a:solidFill>
+              <a:tailEnd type="triangle"/>
+            </a:ln>
+          </p:spPr>
+          <p:style>
+            <a:lnRef idx="1">
+              <a:schemeClr val="accent1"/>
+            </a:lnRef>
+            <a:fillRef idx="0">
+              <a:schemeClr val="accent1"/>
+            </a:fillRef>
+            <a:effectRef idx="0">
+              <a:schemeClr val="accent1"/>
+            </a:effectRef>
+            <a:fontRef idx="minor">
+              <a:schemeClr val="tx1"/>
+            </a:fontRef>
+          </p:style>
+        </p:cxnSp>
+        <p:cxnSp>
+          <p:nvCxnSpPr>
+            <p:cNvPr id="71" name="Straight Arrow Connector 70">
+              <a:extLst>
+                <a:ext uri="{FF2B5EF4-FFF2-40B4-BE49-F238E27FC236}">
+                  <a16:creationId xmlns:a16="http://schemas.microsoft.com/office/drawing/2014/main" id="{DFD09234-A006-4654-8ABC-244EFB2761F0}"/>
+                </a:ext>
+              </a:extLst>
+            </p:cNvPr>
+            <p:cNvCxnSpPr>
+              <a:cxnSpLocks/>
+            </p:cNvCxnSpPr>
+            <p:nvPr/>
+          </p:nvCxnSpPr>
+          <p:spPr>
+            <a:xfrm>
+              <a:off x="4714438" y="2115494"/>
+              <a:ext cx="0" cy="460346"/>
+            </a:xfrm>
+            <a:prstGeom prst="straightConnector1">
+              <a:avLst/>
+            </a:prstGeom>
+            <a:ln w="57150">
+              <a:solidFill>
+                <a:schemeClr val="tx1"/>
+              </a:solidFill>
+              <a:tailEnd type="triangle"/>
+            </a:ln>
+          </p:spPr>
+          <p:style>
+            <a:lnRef idx="1">
+              <a:schemeClr val="accent1"/>
+            </a:lnRef>
+            <a:fillRef idx="0">
+              <a:schemeClr val="accent1"/>
+            </a:fillRef>
+            <a:effectRef idx="0">
+              <a:schemeClr val="accent1"/>
+            </a:effectRef>
+            <a:fontRef idx="minor">
+              <a:schemeClr val="tx1"/>
+            </a:fontRef>
+          </p:style>
+        </p:cxnSp>
+        <p:sp>
+          <p:nvSpPr>
+            <p:cNvPr id="80" name="TextBox 79">
+              <a:extLst>
+                <a:ext uri="{FF2B5EF4-FFF2-40B4-BE49-F238E27FC236}">
+                  <a16:creationId xmlns:a16="http://schemas.microsoft.com/office/drawing/2014/main" id="{72EE2869-981E-46C6-AC7A-802D723EAF97}"/>
+                </a:ext>
+              </a:extLst>
+            </p:cNvPr>
+            <p:cNvSpPr txBox="1"/>
+            <p:nvPr/>
+          </p:nvSpPr>
+          <p:spPr>
+            <a:xfrm>
+              <a:off x="3491332" y="7150957"/>
+              <a:ext cx="1076698" cy="400110"/>
+            </a:xfrm>
+            <a:prstGeom prst="rect">
+              <a:avLst/>
+            </a:prstGeom>
+            <a:solidFill>
+              <a:srgbClr val="FFC000"/>
+            </a:solidFill>
+            <a:ln w="9525">
+              <a:solidFill>
+                <a:schemeClr val="tx1"/>
+              </a:solidFill>
+            </a:ln>
+          </p:spPr>
+          <p:txBody>
+            <a:bodyPr wrap="square" rtlCol="0">
+              <a:spAutoFit/>
+            </a:bodyPr>
+            <a:lstStyle/>
+            <a:p>
+              <a:pPr algn="ctr"/>
+              <a:r>
+                <a:rPr lang="en-US" sz="1000" dirty="0"/>
+                <a:t>Soil water at field capacity</a:t>
+              </a:r>
+            </a:p>
+          </p:txBody>
+        </p:sp>
+        <p:cxnSp>
+          <p:nvCxnSpPr>
+            <p:cNvPr id="11" name="Straight Connector 10">
+              <a:extLst>
+                <a:ext uri="{FF2B5EF4-FFF2-40B4-BE49-F238E27FC236}">
+                  <a16:creationId xmlns:a16="http://schemas.microsoft.com/office/drawing/2014/main" id="{0712DFD0-8832-4922-BFE1-45B491651EC5}"/>
+                </a:ext>
+              </a:extLst>
+            </p:cNvPr>
+            <p:cNvCxnSpPr>
+              <a:cxnSpLocks/>
+            </p:cNvCxnSpPr>
+            <p:nvPr/>
+          </p:nvCxnSpPr>
+          <p:spPr>
+            <a:xfrm>
+              <a:off x="4205338" y="6228125"/>
+              <a:ext cx="0" cy="0"/>
+            </a:xfrm>
+            <a:prstGeom prst="line">
+              <a:avLst/>
+            </a:prstGeom>
+            <a:ln w="9525"/>
+          </p:spPr>
+          <p:style>
+            <a:lnRef idx="1">
+              <a:schemeClr val="accent1"/>
+            </a:lnRef>
+            <a:fillRef idx="0">
+              <a:schemeClr val="accent1"/>
+            </a:fillRef>
+            <a:effectRef idx="0">
+              <a:schemeClr val="accent1"/>
+            </a:effectRef>
+            <a:fontRef idx="minor">
+              <a:schemeClr val="tx1"/>
+            </a:fontRef>
+          </p:style>
+        </p:cxnSp>
+        <p:cxnSp>
+          <p:nvCxnSpPr>
+            <p:cNvPr id="110" name="Straight Arrow Connector 109">
+              <a:extLst>
+                <a:ext uri="{FF2B5EF4-FFF2-40B4-BE49-F238E27FC236}">
+                  <a16:creationId xmlns:a16="http://schemas.microsoft.com/office/drawing/2014/main" id="{6A13596A-C939-4CBE-A6B5-C323C197012A}"/>
+                </a:ext>
+              </a:extLst>
+            </p:cNvPr>
+            <p:cNvCxnSpPr>
+              <a:cxnSpLocks/>
+            </p:cNvCxnSpPr>
+            <p:nvPr/>
+          </p:nvCxnSpPr>
+          <p:spPr>
+            <a:xfrm flipH="1">
+              <a:off x="5369649" y="5703757"/>
+              <a:ext cx="2283" cy="1033509"/>
+            </a:xfrm>
+            <a:prstGeom prst="straightConnector1">
+              <a:avLst/>
+            </a:prstGeom>
+            <a:ln w="9525">
+              <a:solidFill>
+                <a:schemeClr val="tx1"/>
+              </a:solidFill>
+              <a:tailEnd type="triangle"/>
+            </a:ln>
+          </p:spPr>
+          <p:style>
+            <a:lnRef idx="1">
+              <a:schemeClr val="accent1"/>
+            </a:lnRef>
+            <a:fillRef idx="0">
+              <a:schemeClr val="accent1"/>
+            </a:fillRef>
+            <a:effectRef idx="0">
+              <a:schemeClr val="accent1"/>
+            </a:effectRef>
+            <a:fontRef idx="minor">
+              <a:schemeClr val="tx1"/>
+            </a:fontRef>
+          </p:style>
+        </p:cxnSp>
+        <p:cxnSp>
+          <p:nvCxnSpPr>
+            <p:cNvPr id="162" name="Straight Arrow Connector 161">
+              <a:extLst>
+                <a:ext uri="{FF2B5EF4-FFF2-40B4-BE49-F238E27FC236}">
+                  <a16:creationId xmlns:a16="http://schemas.microsoft.com/office/drawing/2014/main" id="{3453C37C-FAEF-496A-9FB5-7A20970CEADF}"/>
+                </a:ext>
+              </a:extLst>
+            </p:cNvPr>
+            <p:cNvCxnSpPr>
+              <a:cxnSpLocks/>
+            </p:cNvCxnSpPr>
+            <p:nvPr/>
+          </p:nvCxnSpPr>
+          <p:spPr>
+            <a:xfrm>
+              <a:off x="4823285" y="2615940"/>
+              <a:ext cx="0" cy="2871764"/>
+            </a:xfrm>
+            <a:prstGeom prst="straightConnector1">
+              <a:avLst/>
+            </a:prstGeom>
+            <a:ln w="9525">
+              <a:solidFill>
+                <a:schemeClr val="tx1"/>
+              </a:solidFill>
+              <a:tailEnd type="triangle"/>
+            </a:ln>
+          </p:spPr>
+          <p:style>
+            <a:lnRef idx="1">
+              <a:schemeClr val="accent1"/>
+            </a:lnRef>
+            <a:fillRef idx="0">
+              <a:schemeClr val="accent1"/>
+            </a:fillRef>
+            <a:effectRef idx="0">
+              <a:schemeClr val="accent1"/>
+            </a:effectRef>
+            <a:fontRef idx="minor">
+              <a:schemeClr val="tx1"/>
+            </a:fontRef>
+          </p:style>
+        </p:cxnSp>
+        <p:cxnSp>
+          <p:nvCxnSpPr>
+            <p:cNvPr id="165" name="Straight Arrow Connector 164">
+              <a:extLst>
+                <a:ext uri="{FF2B5EF4-FFF2-40B4-BE49-F238E27FC236}">
+                  <a16:creationId xmlns:a16="http://schemas.microsoft.com/office/drawing/2014/main" id="{EDE542EA-DBC5-44EA-9B66-C4AA3B7E3459}"/>
+                </a:ext>
+              </a:extLst>
+            </p:cNvPr>
+            <p:cNvCxnSpPr>
+              <a:cxnSpLocks/>
+            </p:cNvCxnSpPr>
+            <p:nvPr/>
+          </p:nvCxnSpPr>
+          <p:spPr>
+            <a:xfrm flipH="1">
+              <a:off x="3970185" y="4650314"/>
+              <a:ext cx="856576" cy="0"/>
+            </a:xfrm>
+            <a:prstGeom prst="straightConnector1">
+              <a:avLst/>
+            </a:prstGeom>
+            <a:ln w="9525">
+              <a:solidFill>
+                <a:schemeClr val="tx1"/>
+              </a:solidFill>
+              <a:tailEnd type="triangle"/>
+            </a:ln>
+          </p:spPr>
+          <p:style>
+            <a:lnRef idx="1">
+              <a:schemeClr val="accent1"/>
+            </a:lnRef>
+            <a:fillRef idx="0">
+              <a:schemeClr val="accent1"/>
+            </a:fillRef>
+            <a:effectRef idx="0">
+              <a:schemeClr val="accent1"/>
+            </a:effectRef>
+            <a:fontRef idx="minor">
+              <a:schemeClr val="tx1"/>
+            </a:fontRef>
+          </p:style>
+        </p:cxnSp>
+        <p:cxnSp>
+          <p:nvCxnSpPr>
+            <p:cNvPr id="166" name="Straight Connector 165">
+              <a:extLst>
+                <a:ext uri="{FF2B5EF4-FFF2-40B4-BE49-F238E27FC236}">
+                  <a16:creationId xmlns:a16="http://schemas.microsoft.com/office/drawing/2014/main" id="{BF35F3B7-BA5F-4740-B113-7D5F0023435C}"/>
+                </a:ext>
+              </a:extLst>
+            </p:cNvPr>
+            <p:cNvCxnSpPr/>
+            <p:nvPr/>
+          </p:nvCxnSpPr>
+          <p:spPr>
+            <a:xfrm flipH="1">
+              <a:off x="4584917" y="2710403"/>
+              <a:ext cx="1" cy="1435714"/>
+            </a:xfrm>
+            <a:prstGeom prst="line">
+              <a:avLst/>
+            </a:prstGeom>
+            <a:ln w="9525">
+              <a:solidFill>
+                <a:schemeClr val="tx1"/>
+              </a:solidFill>
+            </a:ln>
+          </p:spPr>
+          <p:style>
+            <a:lnRef idx="1">
+              <a:schemeClr val="accent1"/>
+            </a:lnRef>
+            <a:fillRef idx="0">
+              <a:schemeClr val="accent1"/>
+            </a:fillRef>
+            <a:effectRef idx="0">
+              <a:schemeClr val="accent1"/>
+            </a:effectRef>
+            <a:fontRef idx="minor">
+              <a:schemeClr val="tx1"/>
+            </a:fontRef>
+          </p:style>
+        </p:cxnSp>
+        <p:cxnSp>
+          <p:nvCxnSpPr>
+            <p:cNvPr id="171" name="Straight Arrow Connector 170">
+              <a:extLst>
+                <a:ext uri="{FF2B5EF4-FFF2-40B4-BE49-F238E27FC236}">
+                  <a16:creationId xmlns:a16="http://schemas.microsoft.com/office/drawing/2014/main" id="{663EA009-7A37-4BE8-9A68-3DB9D98D41CC}"/>
+                </a:ext>
+              </a:extLst>
+            </p:cNvPr>
+            <p:cNvCxnSpPr>
+              <a:cxnSpLocks/>
+            </p:cNvCxnSpPr>
+            <p:nvPr/>
+          </p:nvCxnSpPr>
+          <p:spPr>
+            <a:xfrm flipH="1">
+              <a:off x="3809732" y="6659151"/>
+              <a:ext cx="2283" cy="482143"/>
+            </a:xfrm>
+            <a:prstGeom prst="straightConnector1">
+              <a:avLst/>
+            </a:prstGeom>
+            <a:ln w="9525">
+              <a:solidFill>
+                <a:schemeClr val="tx1"/>
+              </a:solidFill>
+              <a:tailEnd type="triangle"/>
+            </a:ln>
+          </p:spPr>
+          <p:style>
+            <a:lnRef idx="1">
+              <a:schemeClr val="accent1"/>
+            </a:lnRef>
+            <a:fillRef idx="0">
+              <a:schemeClr val="accent1"/>
+            </a:fillRef>
+            <a:effectRef idx="0">
+              <a:schemeClr val="accent1"/>
+            </a:effectRef>
+            <a:fontRef idx="minor">
+              <a:schemeClr val="tx1"/>
+            </a:fontRef>
+          </p:style>
+        </p:cxnSp>
+        <p:sp>
+          <p:nvSpPr>
+            <p:cNvPr id="16" name="TextBox 15">
+              <a:extLst>
+                <a:ext uri="{FF2B5EF4-FFF2-40B4-BE49-F238E27FC236}">
+                  <a16:creationId xmlns:a16="http://schemas.microsoft.com/office/drawing/2014/main" id="{6EFC2D2F-82ED-4332-86E1-5D3DCB71E395}"/>
+                </a:ext>
+              </a:extLst>
+            </p:cNvPr>
+            <p:cNvSpPr txBox="1"/>
+            <p:nvPr/>
+          </p:nvSpPr>
+          <p:spPr>
+            <a:xfrm>
+              <a:off x="4386027" y="2570322"/>
+              <a:ext cx="655608" cy="400110"/>
+            </a:xfrm>
+            <a:prstGeom prst="rect">
+              <a:avLst/>
+            </a:prstGeom>
+            <a:solidFill>
+              <a:schemeClr val="accent2"/>
+            </a:solidFill>
+            <a:ln w="9525">
+              <a:solidFill>
+                <a:schemeClr val="tx1"/>
+              </a:solidFill>
+            </a:ln>
+          </p:spPr>
+          <p:txBody>
+            <a:bodyPr wrap="square" rtlCol="0">
+              <a:spAutoFit/>
+            </a:bodyPr>
+            <a:lstStyle/>
+            <a:p>
+              <a:pPr algn="ctr"/>
+              <a:r>
+                <a:rPr lang="en-US" sz="1000" dirty="0"/>
+                <a:t>Soil Biology</a:t>
+              </a:r>
+            </a:p>
+          </p:txBody>
+        </p:sp>
+        <p:sp>
+          <p:nvSpPr>
+            <p:cNvPr id="96" name="TextBox 95">
+              <a:extLst>
+                <a:ext uri="{FF2B5EF4-FFF2-40B4-BE49-F238E27FC236}">
+                  <a16:creationId xmlns:a16="http://schemas.microsoft.com/office/drawing/2014/main" id="{072EE3DC-7571-43F1-B7BC-E9FB70EDEBA6}"/>
+                </a:ext>
+              </a:extLst>
+            </p:cNvPr>
+            <p:cNvSpPr txBox="1"/>
+            <p:nvPr/>
+          </p:nvSpPr>
+          <p:spPr>
+            <a:xfrm>
+              <a:off x="4933055" y="6737266"/>
+              <a:ext cx="873188" cy="400110"/>
+            </a:xfrm>
+            <a:prstGeom prst="rect">
+              <a:avLst/>
+            </a:prstGeom>
+            <a:solidFill>
+              <a:srgbClr val="FFC000"/>
+            </a:solidFill>
+            <a:ln w="9525">
+              <a:solidFill>
+                <a:schemeClr val="tx1"/>
+              </a:solidFill>
+            </a:ln>
+          </p:spPr>
+          <p:txBody>
+            <a:bodyPr wrap="square" rtlCol="0">
+              <a:spAutoFit/>
+            </a:bodyPr>
+            <a:lstStyle/>
+            <a:p>
+              <a:pPr algn="ctr"/>
+              <a:r>
+                <a:rPr lang="en-US" sz="1000" dirty="0"/>
+                <a:t>Soil water at saturation</a:t>
+              </a:r>
+            </a:p>
+          </p:txBody>
+        </p:sp>
+        <p:cxnSp>
+          <p:nvCxnSpPr>
+            <p:cNvPr id="156" name="Straight Arrow Connector 155">
+              <a:extLst>
+                <a:ext uri="{FF2B5EF4-FFF2-40B4-BE49-F238E27FC236}">
+                  <a16:creationId xmlns:a16="http://schemas.microsoft.com/office/drawing/2014/main" id="{F2F5C4B5-3009-4604-B153-A758FB3D3B9F}"/>
+                </a:ext>
+              </a:extLst>
+            </p:cNvPr>
+            <p:cNvCxnSpPr>
+              <a:cxnSpLocks/>
+            </p:cNvCxnSpPr>
+            <p:nvPr/>
+          </p:nvCxnSpPr>
+          <p:spPr>
+            <a:xfrm>
+              <a:off x="2214061" y="2589238"/>
+              <a:ext cx="1" cy="1019728"/>
+            </a:xfrm>
+            <a:prstGeom prst="straightConnector1">
+              <a:avLst/>
+            </a:prstGeom>
+            <a:ln w="9525">
+              <a:solidFill>
+                <a:schemeClr val="tx1"/>
+              </a:solidFill>
+              <a:tailEnd type="triangle"/>
+            </a:ln>
+          </p:spPr>
+          <p:style>
+            <a:lnRef idx="1">
+              <a:schemeClr val="accent1"/>
+            </a:lnRef>
+            <a:fillRef idx="0">
+              <a:schemeClr val="accent1"/>
+            </a:fillRef>
+            <a:effectRef idx="0">
+              <a:schemeClr val="accent1"/>
+            </a:effectRef>
+            <a:fontRef idx="minor">
+              <a:schemeClr val="tx1"/>
+            </a:fontRef>
+          </p:style>
+        </p:cxnSp>
+        <p:sp>
+          <p:nvSpPr>
+            <p:cNvPr id="56" name="Rectangle 55">
+              <a:extLst>
+                <a:ext uri="{FF2B5EF4-FFF2-40B4-BE49-F238E27FC236}">
+                  <a16:creationId xmlns:a16="http://schemas.microsoft.com/office/drawing/2014/main" id="{36661A51-A0F5-4A10-BC66-CD93694E17DC}"/>
+                </a:ext>
+              </a:extLst>
+            </p:cNvPr>
+            <p:cNvSpPr/>
+            <p:nvPr/>
+          </p:nvSpPr>
+          <p:spPr>
+            <a:xfrm>
+              <a:off x="2792255" y="6054421"/>
+              <a:ext cx="123132" cy="95788"/>
+            </a:xfrm>
+            <a:prstGeom prst="rect">
+              <a:avLst/>
+            </a:prstGeom>
             <a:solidFill>
               <a:schemeClr val="bg1"/>
             </a:solidFill>
-          </a:ln>
-        </p:spPr>
-        <p:style>
-          <a:lnRef idx="2">
-            <a:schemeClr val="accent1">
-              <a:shade val="50000"/>
-            </a:schemeClr>
-          </a:lnRef>
-          <a:fillRef idx="1">
-            <a:schemeClr val="accent1"/>
-          </a:fillRef>
-          <a:effectRef idx="0">
-            <a:schemeClr val="accent1"/>
-          </a:effectRef>
-          <a:fontRef idx="minor">
-            <a:schemeClr val="lt1"/>
-          </a:fontRef>
-        </p:style>
-        <p:txBody>
-          <a:bodyPr rtlCol="0" anchor="ctr"/>
-          <a:lstStyle/>
-          <a:p>
-            <a:pPr algn="ctr"/>
-            <a:endParaRPr lang="en-US"/>
-          </a:p>
-        </p:txBody>
-      </p:sp>
-      <p:cxnSp>
-        <p:nvCxnSpPr>
-          <p:cNvPr id="61" name="Straight Arrow Connector 60">
-            <a:extLst>
-              <a:ext uri="{FF2B5EF4-FFF2-40B4-BE49-F238E27FC236}">
-                <a16:creationId xmlns:a16="http://schemas.microsoft.com/office/drawing/2014/main" id="{DDCE518A-146D-422A-8C35-DB1EF2BBEC07}"/>
-              </a:ext>
-            </a:extLst>
-          </p:cNvPr>
-          <p:cNvCxnSpPr>
-            <a:cxnSpLocks/>
-          </p:cNvCxnSpPr>
-          <p:nvPr/>
-        </p:nvCxnSpPr>
-        <p:spPr>
-          <a:xfrm flipH="1">
-            <a:off x="2724949" y="4148637"/>
-            <a:ext cx="1862879" cy="0"/>
-          </a:xfrm>
-          <a:prstGeom prst="straightConnector1">
-            <a:avLst/>
-          </a:prstGeom>
-          <a:ln w="9525">
-            <a:solidFill>
-              <a:schemeClr val="tx1"/>
-            </a:solidFill>
-            <a:tailEnd type="triangle"/>
-          </a:ln>
-        </p:spPr>
-        <p:style>
-          <a:lnRef idx="1">
-            <a:schemeClr val="accent1"/>
-          </a:lnRef>
-          <a:fillRef idx="0">
-            <a:schemeClr val="accent1"/>
-          </a:fillRef>
-          <a:effectRef idx="0">
-            <a:schemeClr val="accent1"/>
-          </a:effectRef>
-          <a:fontRef idx="minor">
-            <a:schemeClr val="tx1"/>
-          </a:fontRef>
-        </p:style>
-      </p:cxnSp>
-      <p:cxnSp>
-        <p:nvCxnSpPr>
-          <p:cNvPr id="63" name="Straight Connector 62">
-            <a:extLst>
-              <a:ext uri="{FF2B5EF4-FFF2-40B4-BE49-F238E27FC236}">
-                <a16:creationId xmlns:a16="http://schemas.microsoft.com/office/drawing/2014/main" id="{34571847-4C88-42EA-8F10-811CC07CB5AD}"/>
-              </a:ext>
-            </a:extLst>
-          </p:cNvPr>
-          <p:cNvCxnSpPr>
-            <a:cxnSpLocks/>
-          </p:cNvCxnSpPr>
-          <p:nvPr/>
-        </p:nvCxnSpPr>
-        <p:spPr>
-          <a:xfrm flipH="1">
-            <a:off x="2300018" y="4122259"/>
-            <a:ext cx="1" cy="523128"/>
-          </a:xfrm>
-          <a:prstGeom prst="line">
-            <a:avLst/>
-          </a:prstGeom>
-          <a:ln w="9525">
-            <a:solidFill>
-              <a:schemeClr val="tx1"/>
-            </a:solidFill>
-          </a:ln>
-        </p:spPr>
-        <p:style>
-          <a:lnRef idx="1">
-            <a:schemeClr val="accent1"/>
-          </a:lnRef>
-          <a:fillRef idx="0">
-            <a:schemeClr val="accent1"/>
-          </a:fillRef>
-          <a:effectRef idx="0">
-            <a:schemeClr val="accent1"/>
-          </a:effectRef>
-          <a:fontRef idx="minor">
-            <a:schemeClr val="tx1"/>
-          </a:fontRef>
-        </p:style>
-      </p:cxnSp>
-      <p:cxnSp>
-        <p:nvCxnSpPr>
-          <p:cNvPr id="62" name="Straight Arrow Connector 61">
-            <a:extLst>
-              <a:ext uri="{FF2B5EF4-FFF2-40B4-BE49-F238E27FC236}">
-                <a16:creationId xmlns:a16="http://schemas.microsoft.com/office/drawing/2014/main" id="{FCC92C22-E29C-422B-85A8-36C0F3462C91}"/>
-              </a:ext>
-            </a:extLst>
-          </p:cNvPr>
-          <p:cNvCxnSpPr>
-            <a:cxnSpLocks/>
-          </p:cNvCxnSpPr>
-          <p:nvPr/>
-        </p:nvCxnSpPr>
-        <p:spPr>
-          <a:xfrm>
-            <a:off x="2304905" y="4650314"/>
-            <a:ext cx="584564" cy="0"/>
-          </a:xfrm>
-          <a:prstGeom prst="straightConnector1">
-            <a:avLst/>
-          </a:prstGeom>
-          <a:ln w="9525">
-            <a:solidFill>
-              <a:schemeClr val="tx1"/>
-            </a:solidFill>
-            <a:tailEnd type="triangle"/>
-          </a:ln>
-        </p:spPr>
-        <p:style>
-          <a:lnRef idx="1">
-            <a:schemeClr val="accent1"/>
-          </a:lnRef>
-          <a:fillRef idx="0">
-            <a:schemeClr val="accent1"/>
-          </a:fillRef>
-          <a:effectRef idx="0">
-            <a:schemeClr val="accent1"/>
-          </a:effectRef>
-          <a:fontRef idx="minor">
-            <a:schemeClr val="tx1"/>
-          </a:fontRef>
-        </p:style>
-      </p:cxnSp>
-      <p:sp>
-        <p:nvSpPr>
-          <p:cNvPr id="73" name="Rectangle 72">
-            <a:extLst>
-              <a:ext uri="{FF2B5EF4-FFF2-40B4-BE49-F238E27FC236}">
-                <a16:creationId xmlns:a16="http://schemas.microsoft.com/office/drawing/2014/main" id="{B555254F-33B7-4C2C-9702-B6B6888BA062}"/>
-              </a:ext>
-            </a:extLst>
-          </p:cNvPr>
-          <p:cNvSpPr/>
-          <p:nvPr/>
-        </p:nvSpPr>
-        <p:spPr>
-          <a:xfrm>
-            <a:off x="3366434" y="5806133"/>
-            <a:ext cx="97125" cy="89144"/>
-          </a:xfrm>
-          <a:prstGeom prst="rect">
-            <a:avLst/>
-          </a:prstGeom>
-          <a:solidFill>
-            <a:schemeClr val="bg1"/>
-          </a:solidFill>
-          <a:ln w="9525">
+            <a:ln w="9525">
+              <a:solidFill>
+                <a:schemeClr val="bg1"/>
+              </a:solidFill>
+            </a:ln>
+          </p:spPr>
+          <p:style>
+            <a:lnRef idx="2">
+              <a:schemeClr val="accent1">
+                <a:shade val="50000"/>
+              </a:schemeClr>
+            </a:lnRef>
+            <a:fillRef idx="1">
+              <a:schemeClr val="accent1"/>
+            </a:fillRef>
+            <a:effectRef idx="0">
+              <a:schemeClr val="accent1"/>
+            </a:effectRef>
+            <a:fontRef idx="minor">
+              <a:schemeClr val="lt1"/>
+            </a:fontRef>
+          </p:style>
+          <p:txBody>
+            <a:bodyPr rtlCol="0" anchor="ctr"/>
+            <a:lstStyle/>
+            <a:p>
+              <a:pPr algn="ctr"/>
+              <a:endParaRPr lang="en-US"/>
+            </a:p>
+          </p:txBody>
+        </p:sp>
+        <p:sp>
+          <p:nvSpPr>
+            <p:cNvPr id="58" name="Rectangle 57">
+              <a:extLst>
+                <a:ext uri="{FF2B5EF4-FFF2-40B4-BE49-F238E27FC236}">
+                  <a16:creationId xmlns:a16="http://schemas.microsoft.com/office/drawing/2014/main" id="{5E006E4D-0623-40B1-B8A2-E05513A47854}"/>
+                </a:ext>
+              </a:extLst>
+            </p:cNvPr>
+            <p:cNvSpPr/>
+            <p:nvPr/>
+          </p:nvSpPr>
+          <p:spPr>
+            <a:xfrm>
+              <a:off x="3496961" y="4915987"/>
+              <a:ext cx="123132" cy="95788"/>
+            </a:xfrm>
+            <a:prstGeom prst="rect">
+              <a:avLst/>
+            </a:prstGeom>
             <a:solidFill>
               <a:schemeClr val="bg1"/>
             </a:solidFill>
-          </a:ln>
-        </p:spPr>
-        <p:style>
-          <a:lnRef idx="2">
-            <a:schemeClr val="accent1">
-              <a:shade val="50000"/>
-            </a:schemeClr>
-          </a:lnRef>
-          <a:fillRef idx="1">
-            <a:schemeClr val="accent1"/>
-          </a:fillRef>
-          <a:effectRef idx="0">
-            <a:schemeClr val="accent1"/>
-          </a:effectRef>
-          <a:fontRef idx="minor">
-            <a:schemeClr val="lt1"/>
-          </a:fontRef>
-        </p:style>
-        <p:txBody>
-          <a:bodyPr rtlCol="0" anchor="ctr"/>
-          <a:lstStyle/>
-          <a:p>
-            <a:pPr algn="ctr"/>
-            <a:endParaRPr lang="en-US"/>
-          </a:p>
-        </p:txBody>
-      </p:sp>
-      <p:cxnSp>
-        <p:nvCxnSpPr>
-          <p:cNvPr id="150" name="Straight Arrow Connector 149">
-            <a:extLst>
-              <a:ext uri="{FF2B5EF4-FFF2-40B4-BE49-F238E27FC236}">
-                <a16:creationId xmlns:a16="http://schemas.microsoft.com/office/drawing/2014/main" id="{4CEEC003-E039-462C-8E5B-0071A4FA2F92}"/>
-              </a:ext>
-            </a:extLst>
-          </p:cNvPr>
-          <p:cNvCxnSpPr>
-            <a:cxnSpLocks/>
-          </p:cNvCxnSpPr>
-          <p:nvPr/>
-        </p:nvCxnSpPr>
-        <p:spPr>
-          <a:xfrm flipH="1">
-            <a:off x="3413055" y="5074451"/>
-            <a:ext cx="2283" cy="1136860"/>
-          </a:xfrm>
-          <a:prstGeom prst="straightConnector1">
-            <a:avLst/>
-          </a:prstGeom>
-          <a:ln w="9525">
-            <a:solidFill>
-              <a:schemeClr val="tx1"/>
-            </a:solidFill>
-            <a:tailEnd type="triangle"/>
-          </a:ln>
-        </p:spPr>
-        <p:style>
-          <a:lnRef idx="1">
-            <a:schemeClr val="accent1"/>
-          </a:lnRef>
-          <a:fillRef idx="0">
-            <a:schemeClr val="accent1"/>
-          </a:fillRef>
-          <a:effectRef idx="0">
-            <a:schemeClr val="accent1"/>
-          </a:effectRef>
-          <a:fontRef idx="minor">
-            <a:schemeClr val="tx1"/>
-          </a:fontRef>
-        </p:style>
-      </p:cxnSp>
-      <p:cxnSp>
-        <p:nvCxnSpPr>
-          <p:cNvPr id="74" name="Straight Arrow Connector 73">
-            <a:extLst>
-              <a:ext uri="{FF2B5EF4-FFF2-40B4-BE49-F238E27FC236}">
-                <a16:creationId xmlns:a16="http://schemas.microsoft.com/office/drawing/2014/main" id="{936C8AF3-FF38-4559-AE0B-FBAA2F913B1C}"/>
-              </a:ext>
-            </a:extLst>
-          </p:cNvPr>
-          <p:cNvCxnSpPr>
-            <a:cxnSpLocks/>
-          </p:cNvCxnSpPr>
-          <p:nvPr/>
-        </p:nvCxnSpPr>
-        <p:spPr>
-          <a:xfrm flipH="1">
-            <a:off x="4333862" y="5893710"/>
-            <a:ext cx="2283" cy="1250546"/>
-          </a:xfrm>
-          <a:prstGeom prst="straightConnector1">
-            <a:avLst/>
-          </a:prstGeom>
-          <a:ln w="9525">
-            <a:solidFill>
-              <a:schemeClr val="tx1"/>
-            </a:solidFill>
-            <a:tailEnd type="triangle"/>
-          </a:ln>
-        </p:spPr>
-        <p:style>
-          <a:lnRef idx="1">
-            <a:schemeClr val="accent1"/>
-          </a:lnRef>
-          <a:fillRef idx="0">
-            <a:schemeClr val="accent1"/>
-          </a:fillRef>
-          <a:effectRef idx="0">
-            <a:schemeClr val="accent1"/>
-          </a:effectRef>
-          <a:fontRef idx="minor">
-            <a:schemeClr val="tx1"/>
-          </a:fontRef>
-        </p:style>
-      </p:cxnSp>
-      <p:sp>
-        <p:nvSpPr>
-          <p:cNvPr id="86" name="TextBox 85">
-            <a:extLst>
-              <a:ext uri="{FF2B5EF4-FFF2-40B4-BE49-F238E27FC236}">
-                <a16:creationId xmlns:a16="http://schemas.microsoft.com/office/drawing/2014/main" id="{8FF35A50-2D70-45A5-97C0-09FA7E9396C3}"/>
-              </a:ext>
-            </a:extLst>
-          </p:cNvPr>
-          <p:cNvSpPr txBox="1"/>
-          <p:nvPr/>
-        </p:nvSpPr>
-        <p:spPr>
-          <a:xfrm>
-            <a:off x="4035641" y="5485395"/>
-            <a:ext cx="1614352" cy="553998"/>
-          </a:xfrm>
-          <a:prstGeom prst="rect">
-            <a:avLst/>
-          </a:prstGeom>
-          <a:solidFill>
-            <a:schemeClr val="bg1">
-              <a:lumMod val="85000"/>
-            </a:schemeClr>
-          </a:solidFill>
-          <a:ln w="9525">
-            <a:solidFill>
-              <a:schemeClr val="tx1"/>
-            </a:solidFill>
-          </a:ln>
-        </p:spPr>
-        <p:txBody>
-          <a:bodyPr wrap="square" rtlCol="0" anchor="ctr">
-            <a:spAutoFit/>
-          </a:bodyPr>
-          <a:lstStyle/>
-          <a:p>
-            <a:pPr algn="ctr"/>
-            <a:endParaRPr lang="en-US" sz="1000" dirty="0"/>
-          </a:p>
-          <a:p>
-            <a:pPr algn="ctr"/>
-            <a:r>
-              <a:rPr lang="en-US" sz="1000" dirty="0"/>
-              <a:t>Soil porosity</a:t>
-            </a:r>
-          </a:p>
-          <a:p>
-            <a:pPr algn="ctr"/>
-            <a:endParaRPr lang="en-US" sz="1000" dirty="0"/>
-          </a:p>
-        </p:txBody>
-      </p:sp>
-      <p:sp>
-        <p:nvSpPr>
-          <p:cNvPr id="77" name="TextBox 76">
-            <a:extLst>
-              <a:ext uri="{FF2B5EF4-FFF2-40B4-BE49-F238E27FC236}">
-                <a16:creationId xmlns:a16="http://schemas.microsoft.com/office/drawing/2014/main" id="{592AC19D-B477-462D-A16C-DFA019277B56}"/>
-              </a:ext>
-            </a:extLst>
-          </p:cNvPr>
-          <p:cNvSpPr txBox="1"/>
-          <p:nvPr/>
-        </p:nvSpPr>
-        <p:spPr>
-          <a:xfrm>
-            <a:off x="1822597" y="3626775"/>
-            <a:ext cx="879910" cy="707886"/>
-          </a:xfrm>
-          <a:prstGeom prst="rect">
-            <a:avLst/>
-          </a:prstGeom>
-          <a:solidFill>
-            <a:schemeClr val="bg1">
-              <a:lumMod val="85000"/>
-            </a:schemeClr>
-          </a:solidFill>
-          <a:ln w="9525">
-            <a:solidFill>
-              <a:schemeClr val="tx1"/>
-            </a:solidFill>
-          </a:ln>
-        </p:spPr>
-        <p:txBody>
-          <a:bodyPr wrap="square" rtlCol="0">
-            <a:spAutoFit/>
-          </a:bodyPr>
-          <a:lstStyle/>
-          <a:p>
-            <a:pPr algn="ctr"/>
-            <a:endParaRPr lang="en-US" sz="1000" dirty="0"/>
-          </a:p>
-          <a:p>
-            <a:pPr algn="ctr"/>
-            <a:r>
-              <a:rPr lang="en-US" sz="1000" dirty="0"/>
-              <a:t>Soil Organic Matter</a:t>
-            </a:r>
-          </a:p>
-          <a:p>
-            <a:pPr algn="ctr"/>
-            <a:endParaRPr lang="en-US" sz="1000" dirty="0"/>
-          </a:p>
-        </p:txBody>
-      </p:sp>
-      <p:sp>
-        <p:nvSpPr>
-          <p:cNvPr id="85" name="TextBox 84">
-            <a:extLst>
-              <a:ext uri="{FF2B5EF4-FFF2-40B4-BE49-F238E27FC236}">
-                <a16:creationId xmlns:a16="http://schemas.microsoft.com/office/drawing/2014/main" id="{CF804AB6-B196-45FB-8F8E-BCF2A0FB4871}"/>
-              </a:ext>
-            </a:extLst>
-          </p:cNvPr>
-          <p:cNvSpPr txBox="1"/>
-          <p:nvPr/>
-        </p:nvSpPr>
-        <p:spPr>
-          <a:xfrm>
-            <a:off x="2881519" y="4459028"/>
-            <a:ext cx="1077151" cy="707886"/>
-          </a:xfrm>
-          <a:prstGeom prst="rect">
-            <a:avLst/>
-          </a:prstGeom>
-          <a:solidFill>
-            <a:schemeClr val="bg1">
-              <a:lumMod val="85000"/>
-            </a:schemeClr>
-          </a:solidFill>
-          <a:ln w="9525">
-            <a:solidFill>
-              <a:schemeClr val="tx1"/>
-            </a:solidFill>
-          </a:ln>
-        </p:spPr>
-        <p:txBody>
-          <a:bodyPr wrap="square" rtlCol="0">
-            <a:spAutoFit/>
-          </a:bodyPr>
-          <a:lstStyle/>
-          <a:p>
-            <a:pPr algn="ctr"/>
-            <a:endParaRPr lang="en-US" sz="1000" dirty="0"/>
-          </a:p>
-          <a:p>
-            <a:pPr algn="ctr"/>
-            <a:r>
-              <a:rPr lang="en-US" sz="1000" dirty="0"/>
-              <a:t>Soil</a:t>
-            </a:r>
-          </a:p>
-          <a:p>
-            <a:pPr algn="ctr"/>
-            <a:r>
-              <a:rPr lang="en-US" sz="1000" dirty="0"/>
-              <a:t>aggregation</a:t>
-            </a:r>
-          </a:p>
-          <a:p>
-            <a:pPr algn="ctr"/>
-            <a:endParaRPr lang="en-US" sz="1000" dirty="0"/>
-          </a:p>
-        </p:txBody>
-      </p:sp>
-      <p:cxnSp>
-        <p:nvCxnSpPr>
-          <p:cNvPr id="75" name="Straight Connector 74">
-            <a:extLst>
-              <a:ext uri="{FF2B5EF4-FFF2-40B4-BE49-F238E27FC236}">
-                <a16:creationId xmlns:a16="http://schemas.microsoft.com/office/drawing/2014/main" id="{B7848DF7-7C8D-49BB-AB5A-2450D14793BC}"/>
-              </a:ext>
-            </a:extLst>
-          </p:cNvPr>
-          <p:cNvCxnSpPr/>
-          <p:nvPr/>
-        </p:nvCxnSpPr>
-        <p:spPr>
-          <a:xfrm flipH="1">
-            <a:off x="3753605" y="3064096"/>
-            <a:ext cx="1" cy="669772"/>
-          </a:xfrm>
-          <a:prstGeom prst="line">
-            <a:avLst/>
-          </a:prstGeom>
-          <a:ln w="9525">
-            <a:solidFill>
-              <a:schemeClr val="tx1"/>
-            </a:solidFill>
-          </a:ln>
-        </p:spPr>
-        <p:style>
-          <a:lnRef idx="1">
-            <a:schemeClr val="accent1"/>
-          </a:lnRef>
-          <a:fillRef idx="0">
-            <a:schemeClr val="accent1"/>
-          </a:fillRef>
-          <a:effectRef idx="0">
-            <a:schemeClr val="accent1"/>
-          </a:effectRef>
-          <a:fontRef idx="minor">
-            <a:schemeClr val="tx1"/>
-          </a:fontRef>
-        </p:style>
-      </p:cxnSp>
-      <p:cxnSp>
-        <p:nvCxnSpPr>
-          <p:cNvPr id="78" name="Straight Connector 77">
-            <a:extLst>
-              <a:ext uri="{FF2B5EF4-FFF2-40B4-BE49-F238E27FC236}">
-                <a16:creationId xmlns:a16="http://schemas.microsoft.com/office/drawing/2014/main" id="{C07FA20D-D121-45C7-BFDC-7ACD2409C94A}"/>
-              </a:ext>
-            </a:extLst>
-          </p:cNvPr>
-          <p:cNvCxnSpPr>
-            <a:cxnSpLocks/>
-          </p:cNvCxnSpPr>
-          <p:nvPr/>
-        </p:nvCxnSpPr>
-        <p:spPr>
-          <a:xfrm>
-            <a:off x="3753605" y="3735233"/>
-            <a:ext cx="649490" cy="0"/>
-          </a:xfrm>
-          <a:prstGeom prst="line">
-            <a:avLst/>
-          </a:prstGeom>
-          <a:ln w="9525">
-            <a:solidFill>
-              <a:schemeClr val="tx1"/>
-            </a:solidFill>
-          </a:ln>
-        </p:spPr>
-        <p:style>
-          <a:lnRef idx="1">
-            <a:schemeClr val="accent1"/>
-          </a:lnRef>
-          <a:fillRef idx="0">
-            <a:schemeClr val="accent1"/>
-          </a:fillRef>
-          <a:effectRef idx="0">
-            <a:schemeClr val="accent1"/>
-          </a:effectRef>
-          <a:fontRef idx="minor">
-            <a:schemeClr val="tx1"/>
-          </a:fontRef>
-        </p:style>
-      </p:cxnSp>
-      <p:sp>
-        <p:nvSpPr>
-          <p:cNvPr id="79" name="Rectangle 78">
-            <a:extLst>
-              <a:ext uri="{FF2B5EF4-FFF2-40B4-BE49-F238E27FC236}">
-                <a16:creationId xmlns:a16="http://schemas.microsoft.com/office/drawing/2014/main" id="{28D1E545-C0E9-4DAE-9127-D9C8B7AC9F91}"/>
-              </a:ext>
-            </a:extLst>
-          </p:cNvPr>
-          <p:cNvSpPr/>
-          <p:nvPr/>
-        </p:nvSpPr>
-        <p:spPr>
-          <a:xfrm>
-            <a:off x="4315905" y="4105543"/>
-            <a:ext cx="148990" cy="95788"/>
-          </a:xfrm>
-          <a:prstGeom prst="rect">
-            <a:avLst/>
-          </a:prstGeom>
-          <a:solidFill>
-            <a:schemeClr val="bg1"/>
-          </a:solidFill>
-          <a:ln w="9525">
+            <a:ln w="9525">
+              <a:solidFill>
+                <a:schemeClr val="bg1"/>
+              </a:solidFill>
+            </a:ln>
+          </p:spPr>
+          <p:style>
+            <a:lnRef idx="2">
+              <a:schemeClr val="accent1">
+                <a:shade val="50000"/>
+              </a:schemeClr>
+            </a:lnRef>
+            <a:fillRef idx="1">
+              <a:schemeClr val="accent1"/>
+            </a:fillRef>
+            <a:effectRef idx="0">
+              <a:schemeClr val="accent1"/>
+            </a:effectRef>
+            <a:fontRef idx="minor">
+              <a:schemeClr val="lt1"/>
+            </a:fontRef>
+          </p:style>
+          <p:txBody>
+            <a:bodyPr rtlCol="0" anchor="ctr"/>
+            <a:lstStyle/>
+            <a:p>
+              <a:pPr algn="ctr"/>
+              <a:endParaRPr lang="en-US"/>
+            </a:p>
+          </p:txBody>
+        </p:sp>
+        <p:cxnSp>
+          <p:nvCxnSpPr>
+            <p:cNvPr id="92" name="Straight Arrow Connector 91">
+              <a:extLst>
+                <a:ext uri="{FF2B5EF4-FFF2-40B4-BE49-F238E27FC236}">
+                  <a16:creationId xmlns:a16="http://schemas.microsoft.com/office/drawing/2014/main" id="{D1103426-A3EB-44E5-B05A-CF3D80637CAA}"/>
+                </a:ext>
+              </a:extLst>
+            </p:cNvPr>
+            <p:cNvCxnSpPr>
+              <a:cxnSpLocks/>
+            </p:cNvCxnSpPr>
+            <p:nvPr/>
+          </p:nvCxnSpPr>
+          <p:spPr>
+            <a:xfrm>
+              <a:off x="3534712" y="3006212"/>
+              <a:ext cx="0" cy="1444001"/>
+            </a:xfrm>
+            <a:prstGeom prst="straightConnector1">
+              <a:avLst/>
+            </a:prstGeom>
+            <a:ln w="9525">
+              <a:solidFill>
+                <a:schemeClr val="tx1"/>
+              </a:solidFill>
+              <a:tailEnd type="triangle"/>
+            </a:ln>
+          </p:spPr>
+          <p:style>
+            <a:lnRef idx="1">
+              <a:schemeClr val="accent1"/>
+            </a:lnRef>
+            <a:fillRef idx="0">
+              <a:schemeClr val="accent1"/>
+            </a:fillRef>
+            <a:effectRef idx="0">
+              <a:schemeClr val="accent1"/>
+            </a:effectRef>
+            <a:fontRef idx="minor">
+              <a:schemeClr val="tx1"/>
+            </a:fontRef>
+          </p:style>
+        </p:cxnSp>
+        <p:sp>
+          <p:nvSpPr>
+            <p:cNvPr id="5" name="TextBox 4">
+              <a:extLst>
+                <a:ext uri="{FF2B5EF4-FFF2-40B4-BE49-F238E27FC236}">
+                  <a16:creationId xmlns:a16="http://schemas.microsoft.com/office/drawing/2014/main" id="{FB7D1191-B076-4898-9B0F-3270A8A581F9}"/>
+                </a:ext>
+              </a:extLst>
+            </p:cNvPr>
+            <p:cNvSpPr txBox="1"/>
+            <p:nvPr/>
+          </p:nvSpPr>
+          <p:spPr>
+            <a:xfrm>
+              <a:off x="1685355" y="1937987"/>
+              <a:ext cx="3536829" cy="276999"/>
+            </a:xfrm>
+            <a:prstGeom prst="rect">
+              <a:avLst/>
+            </a:prstGeom>
+            <a:solidFill>
+              <a:srgbClr val="B3BC20"/>
+            </a:solidFill>
+            <a:ln>
+              <a:solidFill>
+                <a:schemeClr val="tx1"/>
+              </a:solidFill>
+            </a:ln>
+          </p:spPr>
+          <p:txBody>
+            <a:bodyPr wrap="square" rtlCol="0">
+              <a:spAutoFit/>
+            </a:bodyPr>
+            <a:lstStyle/>
+            <a:p>
+              <a:pPr algn="ctr"/>
+              <a:r>
+                <a:rPr lang="en-US" sz="1200" dirty="0"/>
+                <a:t>Cover Crops</a:t>
+              </a:r>
+            </a:p>
+          </p:txBody>
+        </p:sp>
+        <p:sp>
+          <p:nvSpPr>
+            <p:cNvPr id="27" name="TextBox 26">
+              <a:extLst>
+                <a:ext uri="{FF2B5EF4-FFF2-40B4-BE49-F238E27FC236}">
+                  <a16:creationId xmlns:a16="http://schemas.microsoft.com/office/drawing/2014/main" id="{A8BF0BC3-B10A-4BC5-9397-D880332680E1}"/>
+                </a:ext>
+              </a:extLst>
+            </p:cNvPr>
+            <p:cNvSpPr txBox="1"/>
+            <p:nvPr/>
+          </p:nvSpPr>
+          <p:spPr>
+            <a:xfrm>
+              <a:off x="1880408" y="2534812"/>
+              <a:ext cx="660241" cy="556775"/>
+            </a:xfrm>
+            <a:prstGeom prst="rect">
+              <a:avLst/>
+            </a:prstGeom>
+            <a:solidFill>
+              <a:schemeClr val="accent2"/>
+            </a:solidFill>
+            <a:ln w="9525">
+              <a:solidFill>
+                <a:schemeClr val="tx1"/>
+              </a:solidFill>
+            </a:ln>
+          </p:spPr>
+          <p:txBody>
+            <a:bodyPr wrap="square" rtlCol="0">
+              <a:spAutoFit/>
+            </a:bodyPr>
+            <a:lstStyle/>
+            <a:p>
+              <a:pPr algn="ctr"/>
+              <a:r>
+                <a:rPr lang="en-US" sz="1000" dirty="0"/>
+                <a:t>Above-ground biomass</a:t>
+              </a:r>
+            </a:p>
+          </p:txBody>
+        </p:sp>
+        <p:sp>
+          <p:nvSpPr>
+            <p:cNvPr id="64" name="TextBox 63">
+              <a:extLst>
+                <a:ext uri="{FF2B5EF4-FFF2-40B4-BE49-F238E27FC236}">
+                  <a16:creationId xmlns:a16="http://schemas.microsoft.com/office/drawing/2014/main" id="{A8FAAB48-F50B-4F05-9A35-72A681704C37}"/>
+                </a:ext>
+              </a:extLst>
+            </p:cNvPr>
+            <p:cNvSpPr txBox="1"/>
+            <p:nvPr/>
+          </p:nvSpPr>
+          <p:spPr>
+            <a:xfrm>
+              <a:off x="2974377" y="6228858"/>
+              <a:ext cx="891434" cy="413010"/>
+            </a:xfrm>
+            <a:prstGeom prst="rect">
+              <a:avLst/>
+            </a:prstGeom>
+            <a:solidFill>
+              <a:srgbClr val="FFC000"/>
+            </a:solidFill>
+            <a:ln w="9525">
+              <a:solidFill>
+                <a:schemeClr val="tx1"/>
+              </a:solidFill>
+            </a:ln>
+          </p:spPr>
+          <p:txBody>
+            <a:bodyPr wrap="square" rtlCol="0">
+              <a:spAutoFit/>
+            </a:bodyPr>
+            <a:lstStyle/>
+            <a:p>
+              <a:pPr algn="ctr"/>
+              <a:r>
+                <a:rPr lang="en-US" sz="1000" dirty="0"/>
+                <a:t>Pore size distributions</a:t>
+              </a:r>
+            </a:p>
+          </p:txBody>
+        </p:sp>
+        <p:sp>
+          <p:nvSpPr>
+            <p:cNvPr id="51" name="Rectangle 50">
+              <a:extLst>
+                <a:ext uri="{FF2B5EF4-FFF2-40B4-BE49-F238E27FC236}">
+                  <a16:creationId xmlns:a16="http://schemas.microsoft.com/office/drawing/2014/main" id="{0E8C0B28-0100-4C8B-826D-37505ABF9D02}"/>
+                </a:ext>
+              </a:extLst>
+            </p:cNvPr>
+            <p:cNvSpPr/>
+            <p:nvPr/>
+          </p:nvSpPr>
+          <p:spPr>
+            <a:xfrm>
+              <a:off x="3366434" y="5600393"/>
+              <a:ext cx="97125" cy="89144"/>
+            </a:xfrm>
+            <a:prstGeom prst="rect">
+              <a:avLst/>
+            </a:prstGeom>
             <a:solidFill>
               <a:schemeClr val="bg1"/>
             </a:solidFill>
-          </a:ln>
-        </p:spPr>
-        <p:style>
-          <a:lnRef idx="2">
-            <a:schemeClr val="accent1">
-              <a:shade val="50000"/>
-            </a:schemeClr>
-          </a:lnRef>
-          <a:fillRef idx="1">
-            <a:schemeClr val="accent1"/>
-          </a:fillRef>
-          <a:effectRef idx="0">
-            <a:schemeClr val="accent1"/>
-          </a:effectRef>
-          <a:fontRef idx="minor">
-            <a:schemeClr val="lt1"/>
-          </a:fontRef>
-        </p:style>
-        <p:txBody>
-          <a:bodyPr rtlCol="0" anchor="ctr"/>
-          <a:lstStyle/>
-          <a:p>
-            <a:pPr algn="ctr"/>
-            <a:endParaRPr lang="en-US"/>
-          </a:p>
-        </p:txBody>
-      </p:sp>
-      <p:sp>
-        <p:nvSpPr>
-          <p:cNvPr id="81" name="Rectangle 80">
-            <a:extLst>
-              <a:ext uri="{FF2B5EF4-FFF2-40B4-BE49-F238E27FC236}">
-                <a16:creationId xmlns:a16="http://schemas.microsoft.com/office/drawing/2014/main" id="{53E28701-CF5A-444F-AC0D-C5669982B48B}"/>
-              </a:ext>
-            </a:extLst>
-          </p:cNvPr>
-          <p:cNvSpPr/>
-          <p:nvPr/>
-        </p:nvSpPr>
-        <p:spPr>
-          <a:xfrm>
-            <a:off x="4315905" y="4590917"/>
-            <a:ext cx="148990" cy="95788"/>
-          </a:xfrm>
-          <a:prstGeom prst="rect">
-            <a:avLst/>
-          </a:prstGeom>
-          <a:solidFill>
-            <a:schemeClr val="bg1"/>
-          </a:solidFill>
-          <a:ln w="9525">
+            <a:ln w="9525">
+              <a:solidFill>
+                <a:schemeClr val="bg1"/>
+              </a:solidFill>
+            </a:ln>
+          </p:spPr>
+          <p:style>
+            <a:lnRef idx="2">
+              <a:schemeClr val="accent1">
+                <a:shade val="50000"/>
+              </a:schemeClr>
+            </a:lnRef>
+            <a:fillRef idx="1">
+              <a:schemeClr val="accent1"/>
+            </a:fillRef>
+            <a:effectRef idx="0">
+              <a:schemeClr val="accent1"/>
+            </a:effectRef>
+            <a:fontRef idx="minor">
+              <a:schemeClr val="lt1"/>
+            </a:fontRef>
+          </p:style>
+          <p:txBody>
+            <a:bodyPr rtlCol="0" anchor="ctr"/>
+            <a:lstStyle/>
+            <a:p>
+              <a:pPr algn="ctr"/>
+              <a:endParaRPr lang="en-US"/>
+            </a:p>
+          </p:txBody>
+        </p:sp>
+        <p:cxnSp>
+          <p:nvCxnSpPr>
+            <p:cNvPr id="61" name="Straight Arrow Connector 60">
+              <a:extLst>
+                <a:ext uri="{FF2B5EF4-FFF2-40B4-BE49-F238E27FC236}">
+                  <a16:creationId xmlns:a16="http://schemas.microsoft.com/office/drawing/2014/main" id="{DDCE518A-146D-422A-8C35-DB1EF2BBEC07}"/>
+                </a:ext>
+              </a:extLst>
+            </p:cNvPr>
+            <p:cNvCxnSpPr>
+              <a:cxnSpLocks/>
+            </p:cNvCxnSpPr>
+            <p:nvPr/>
+          </p:nvCxnSpPr>
+          <p:spPr>
+            <a:xfrm flipH="1">
+              <a:off x="2724949" y="4148637"/>
+              <a:ext cx="1862879" cy="0"/>
+            </a:xfrm>
+            <a:prstGeom prst="straightConnector1">
+              <a:avLst/>
+            </a:prstGeom>
+            <a:ln w="9525">
+              <a:solidFill>
+                <a:schemeClr val="tx1"/>
+              </a:solidFill>
+              <a:tailEnd type="triangle"/>
+            </a:ln>
+          </p:spPr>
+          <p:style>
+            <a:lnRef idx="1">
+              <a:schemeClr val="accent1"/>
+            </a:lnRef>
+            <a:fillRef idx="0">
+              <a:schemeClr val="accent1"/>
+            </a:fillRef>
+            <a:effectRef idx="0">
+              <a:schemeClr val="accent1"/>
+            </a:effectRef>
+            <a:fontRef idx="minor">
+              <a:schemeClr val="tx1"/>
+            </a:fontRef>
+          </p:style>
+        </p:cxnSp>
+        <p:cxnSp>
+          <p:nvCxnSpPr>
+            <p:cNvPr id="63" name="Straight Connector 62">
+              <a:extLst>
+                <a:ext uri="{FF2B5EF4-FFF2-40B4-BE49-F238E27FC236}">
+                  <a16:creationId xmlns:a16="http://schemas.microsoft.com/office/drawing/2014/main" id="{34571847-4C88-42EA-8F10-811CC07CB5AD}"/>
+                </a:ext>
+              </a:extLst>
+            </p:cNvPr>
+            <p:cNvCxnSpPr>
+              <a:cxnSpLocks/>
+            </p:cNvCxnSpPr>
+            <p:nvPr/>
+          </p:nvCxnSpPr>
+          <p:spPr>
+            <a:xfrm flipH="1">
+              <a:off x="2422237" y="4341794"/>
+              <a:ext cx="1" cy="523128"/>
+            </a:xfrm>
+            <a:prstGeom prst="line">
+              <a:avLst/>
+            </a:prstGeom>
+            <a:ln w="9525">
+              <a:solidFill>
+                <a:schemeClr val="tx1"/>
+              </a:solidFill>
+            </a:ln>
+          </p:spPr>
+          <p:style>
+            <a:lnRef idx="1">
+              <a:schemeClr val="accent1"/>
+            </a:lnRef>
+            <a:fillRef idx="0">
+              <a:schemeClr val="accent1"/>
+            </a:fillRef>
+            <a:effectRef idx="0">
+              <a:schemeClr val="accent1"/>
+            </a:effectRef>
+            <a:fontRef idx="minor">
+              <a:schemeClr val="tx1"/>
+            </a:fontRef>
+          </p:style>
+        </p:cxnSp>
+        <p:cxnSp>
+          <p:nvCxnSpPr>
+            <p:cNvPr id="62" name="Straight Arrow Connector 61">
+              <a:extLst>
+                <a:ext uri="{FF2B5EF4-FFF2-40B4-BE49-F238E27FC236}">
+                  <a16:creationId xmlns:a16="http://schemas.microsoft.com/office/drawing/2014/main" id="{FCC92C22-E29C-422B-85A8-36C0F3462C91}"/>
+                </a:ext>
+              </a:extLst>
+            </p:cNvPr>
+            <p:cNvCxnSpPr>
+              <a:cxnSpLocks/>
+            </p:cNvCxnSpPr>
+            <p:nvPr/>
+          </p:nvCxnSpPr>
+          <p:spPr>
+            <a:xfrm>
+              <a:off x="2425668" y="4869849"/>
+              <a:ext cx="439192" cy="0"/>
+            </a:xfrm>
+            <a:prstGeom prst="straightConnector1">
+              <a:avLst/>
+            </a:prstGeom>
+            <a:ln w="9525">
+              <a:solidFill>
+                <a:schemeClr val="tx1"/>
+              </a:solidFill>
+              <a:tailEnd type="triangle"/>
+            </a:ln>
+          </p:spPr>
+          <p:style>
+            <a:lnRef idx="1">
+              <a:schemeClr val="accent1"/>
+            </a:lnRef>
+            <a:fillRef idx="0">
+              <a:schemeClr val="accent1"/>
+            </a:fillRef>
+            <a:effectRef idx="0">
+              <a:schemeClr val="accent1"/>
+            </a:effectRef>
+            <a:fontRef idx="minor">
+              <a:schemeClr val="tx1"/>
+            </a:fontRef>
+          </p:style>
+        </p:cxnSp>
+        <p:sp>
+          <p:nvSpPr>
+            <p:cNvPr id="73" name="Rectangle 72">
+              <a:extLst>
+                <a:ext uri="{FF2B5EF4-FFF2-40B4-BE49-F238E27FC236}">
+                  <a16:creationId xmlns:a16="http://schemas.microsoft.com/office/drawing/2014/main" id="{B555254F-33B7-4C2C-9702-B6B6888BA062}"/>
+                </a:ext>
+              </a:extLst>
+            </p:cNvPr>
+            <p:cNvSpPr/>
+            <p:nvPr/>
+          </p:nvSpPr>
+          <p:spPr>
+            <a:xfrm>
+              <a:off x="3366434" y="5806133"/>
+              <a:ext cx="97125" cy="89144"/>
+            </a:xfrm>
+            <a:prstGeom prst="rect">
+              <a:avLst/>
+            </a:prstGeom>
             <a:solidFill>
               <a:schemeClr val="bg1"/>
             </a:solidFill>
-          </a:ln>
-        </p:spPr>
-        <p:style>
-          <a:lnRef idx="2">
-            <a:schemeClr val="accent1">
-              <a:shade val="50000"/>
-            </a:schemeClr>
-          </a:lnRef>
-          <a:fillRef idx="1">
-            <a:schemeClr val="accent1"/>
-          </a:fillRef>
-          <a:effectRef idx="0">
-            <a:schemeClr val="accent1"/>
-          </a:effectRef>
-          <a:fontRef idx="minor">
-            <a:schemeClr val="lt1"/>
-          </a:fontRef>
-        </p:style>
-        <p:txBody>
-          <a:bodyPr rtlCol="0" anchor="ctr"/>
-          <a:lstStyle/>
-          <a:p>
-            <a:pPr algn="ctr"/>
-            <a:endParaRPr lang="en-US"/>
-          </a:p>
-        </p:txBody>
-      </p:sp>
-      <p:cxnSp>
-        <p:nvCxnSpPr>
-          <p:cNvPr id="76" name="Straight Arrow Connector 75">
-            <a:extLst>
-              <a:ext uri="{FF2B5EF4-FFF2-40B4-BE49-F238E27FC236}">
-                <a16:creationId xmlns:a16="http://schemas.microsoft.com/office/drawing/2014/main" id="{B0D955D5-EEAA-41EC-ADCF-DF8490F5024C}"/>
-              </a:ext>
-            </a:extLst>
-          </p:cNvPr>
-          <p:cNvCxnSpPr>
-            <a:cxnSpLocks/>
-          </p:cNvCxnSpPr>
-          <p:nvPr/>
-        </p:nvCxnSpPr>
-        <p:spPr>
-          <a:xfrm flipH="1">
-            <a:off x="4393430" y="3734318"/>
-            <a:ext cx="2283" cy="1724814"/>
-          </a:xfrm>
-          <a:prstGeom prst="straightConnector1">
-            <a:avLst/>
-          </a:prstGeom>
-          <a:ln w="9525">
-            <a:solidFill>
-              <a:schemeClr val="tx1"/>
-            </a:solidFill>
-            <a:tailEnd type="triangle"/>
-          </a:ln>
-        </p:spPr>
-        <p:style>
-          <a:lnRef idx="1">
-            <a:schemeClr val="accent1"/>
-          </a:lnRef>
-          <a:fillRef idx="0">
-            <a:schemeClr val="accent1"/>
-          </a:fillRef>
-          <a:effectRef idx="0">
-            <a:schemeClr val="accent1"/>
-          </a:effectRef>
-          <a:fontRef idx="minor">
-            <a:schemeClr val="tx1"/>
-          </a:fontRef>
-        </p:style>
-      </p:cxnSp>
-      <p:cxnSp>
-        <p:nvCxnSpPr>
-          <p:cNvPr id="54" name="Straight Arrow Connector 53">
-            <a:extLst>
-              <a:ext uri="{FF2B5EF4-FFF2-40B4-BE49-F238E27FC236}">
-                <a16:creationId xmlns:a16="http://schemas.microsoft.com/office/drawing/2014/main" id="{A69F1B3E-3EEC-4006-99BB-1523B0E1A613}"/>
-              </a:ext>
-            </a:extLst>
-          </p:cNvPr>
-          <p:cNvCxnSpPr>
-            <a:cxnSpLocks/>
-          </p:cNvCxnSpPr>
-          <p:nvPr/>
-        </p:nvCxnSpPr>
-        <p:spPr>
-          <a:xfrm flipH="1">
-            <a:off x="2723786" y="3813357"/>
-            <a:ext cx="682297" cy="0"/>
-          </a:xfrm>
-          <a:prstGeom prst="straightConnector1">
-            <a:avLst/>
-          </a:prstGeom>
-          <a:ln w="9525">
-            <a:solidFill>
-              <a:schemeClr val="tx1"/>
-            </a:solidFill>
-            <a:tailEnd type="triangle"/>
-          </a:ln>
-        </p:spPr>
-        <p:style>
-          <a:lnRef idx="1">
-            <a:schemeClr val="accent1"/>
-          </a:lnRef>
-          <a:fillRef idx="0">
-            <a:schemeClr val="accent1"/>
-          </a:fillRef>
-          <a:effectRef idx="0">
-            <a:schemeClr val="accent1"/>
-          </a:effectRef>
-          <a:fontRef idx="minor">
-            <a:schemeClr val="tx1"/>
-          </a:fontRef>
-        </p:style>
-      </p:cxnSp>
-      <p:cxnSp>
-        <p:nvCxnSpPr>
-          <p:cNvPr id="65" name="Straight Connector 64">
-            <a:extLst>
-              <a:ext uri="{FF2B5EF4-FFF2-40B4-BE49-F238E27FC236}">
-                <a16:creationId xmlns:a16="http://schemas.microsoft.com/office/drawing/2014/main" id="{48C7356A-A367-4A6B-A784-D243BD7177B6}"/>
-              </a:ext>
-            </a:extLst>
-          </p:cNvPr>
-          <p:cNvCxnSpPr/>
-          <p:nvPr/>
-        </p:nvCxnSpPr>
-        <p:spPr>
-          <a:xfrm flipH="1">
-            <a:off x="3407483" y="3076465"/>
-            <a:ext cx="1" cy="736749"/>
-          </a:xfrm>
-          <a:prstGeom prst="line">
-            <a:avLst/>
-          </a:prstGeom>
-          <a:ln w="9525">
-            <a:solidFill>
-              <a:schemeClr val="tx1"/>
-            </a:solidFill>
-          </a:ln>
-        </p:spPr>
-        <p:style>
-          <a:lnRef idx="1">
-            <a:schemeClr val="accent1"/>
-          </a:lnRef>
-          <a:fillRef idx="0">
-            <a:schemeClr val="accent1"/>
-          </a:fillRef>
-          <a:effectRef idx="0">
-            <a:schemeClr val="accent1"/>
-          </a:effectRef>
-          <a:fontRef idx="minor">
-            <a:schemeClr val="tx1"/>
-          </a:fontRef>
-        </p:style>
-      </p:cxnSp>
-      <p:sp>
-        <p:nvSpPr>
-          <p:cNvPr id="6" name="TextBox 5">
-            <a:extLst>
-              <a:ext uri="{FF2B5EF4-FFF2-40B4-BE49-F238E27FC236}">
-                <a16:creationId xmlns:a16="http://schemas.microsoft.com/office/drawing/2014/main" id="{21876E51-290C-4303-A6AD-0D8D552ADC8C}"/>
-              </a:ext>
-            </a:extLst>
-          </p:cNvPr>
-          <p:cNvSpPr txBox="1"/>
-          <p:nvPr/>
-        </p:nvSpPr>
-        <p:spPr>
-          <a:xfrm>
-            <a:off x="3138854" y="2549452"/>
-            <a:ext cx="750407" cy="553998"/>
-          </a:xfrm>
-          <a:prstGeom prst="rect">
-            <a:avLst/>
-          </a:prstGeom>
-          <a:solidFill>
-            <a:schemeClr val="accent2"/>
-          </a:solidFill>
-          <a:ln w="9525">
-            <a:solidFill>
-              <a:schemeClr val="tx1"/>
-            </a:solidFill>
-          </a:ln>
-        </p:spPr>
-        <p:txBody>
-          <a:bodyPr wrap="square" rtlCol="0">
-            <a:spAutoFit/>
-          </a:bodyPr>
-          <a:lstStyle/>
-          <a:p>
-            <a:pPr algn="ctr"/>
-            <a:r>
-              <a:rPr lang="en-US" sz="1000" dirty="0"/>
-              <a:t>Below-ground biomass</a:t>
-            </a:r>
-          </a:p>
-        </p:txBody>
-      </p:sp>
+            <a:ln w="9525">
+              <a:solidFill>
+                <a:schemeClr val="bg1"/>
+              </a:solidFill>
+            </a:ln>
+          </p:spPr>
+          <p:style>
+            <a:lnRef idx="2">
+              <a:schemeClr val="accent1">
+                <a:shade val="50000"/>
+              </a:schemeClr>
+            </a:lnRef>
+            <a:fillRef idx="1">
+              <a:schemeClr val="accent1"/>
+            </a:fillRef>
+            <a:effectRef idx="0">
+              <a:schemeClr val="accent1"/>
+            </a:effectRef>
+            <a:fontRef idx="minor">
+              <a:schemeClr val="lt1"/>
+            </a:fontRef>
+          </p:style>
+          <p:txBody>
+            <a:bodyPr rtlCol="0" anchor="ctr"/>
+            <a:lstStyle/>
+            <a:p>
+              <a:pPr algn="ctr"/>
+              <a:endParaRPr lang="en-US"/>
+            </a:p>
+          </p:txBody>
+        </p:sp>
+        <p:cxnSp>
+          <p:nvCxnSpPr>
+            <p:cNvPr id="74" name="Straight Arrow Connector 73">
+              <a:extLst>
+                <a:ext uri="{FF2B5EF4-FFF2-40B4-BE49-F238E27FC236}">
+                  <a16:creationId xmlns:a16="http://schemas.microsoft.com/office/drawing/2014/main" id="{936C8AF3-FF38-4559-AE0B-FBAA2F913B1C}"/>
+                </a:ext>
+              </a:extLst>
+            </p:cNvPr>
+            <p:cNvCxnSpPr>
+              <a:cxnSpLocks/>
+            </p:cNvCxnSpPr>
+            <p:nvPr/>
+          </p:nvCxnSpPr>
+          <p:spPr>
+            <a:xfrm flipH="1">
+              <a:off x="4333862" y="5893710"/>
+              <a:ext cx="2283" cy="1250546"/>
+            </a:xfrm>
+            <a:prstGeom prst="straightConnector1">
+              <a:avLst/>
+            </a:prstGeom>
+            <a:ln w="9525">
+              <a:solidFill>
+                <a:schemeClr val="tx1"/>
+              </a:solidFill>
+              <a:tailEnd type="triangle"/>
+            </a:ln>
+          </p:spPr>
+          <p:style>
+            <a:lnRef idx="1">
+              <a:schemeClr val="accent1"/>
+            </a:lnRef>
+            <a:fillRef idx="0">
+              <a:schemeClr val="accent1"/>
+            </a:fillRef>
+            <a:effectRef idx="0">
+              <a:schemeClr val="accent1"/>
+            </a:effectRef>
+            <a:fontRef idx="minor">
+              <a:schemeClr val="tx1"/>
+            </a:fontRef>
+          </p:style>
+        </p:cxnSp>
+        <p:sp>
+          <p:nvSpPr>
+            <p:cNvPr id="86" name="TextBox 85">
+              <a:extLst>
+                <a:ext uri="{FF2B5EF4-FFF2-40B4-BE49-F238E27FC236}">
+                  <a16:creationId xmlns:a16="http://schemas.microsoft.com/office/drawing/2014/main" id="{8FF35A50-2D70-45A5-97C0-09FA7E9396C3}"/>
+                </a:ext>
+              </a:extLst>
+            </p:cNvPr>
+            <p:cNvSpPr txBox="1"/>
+            <p:nvPr/>
+          </p:nvSpPr>
+          <p:spPr>
+            <a:xfrm>
+              <a:off x="4035641" y="5485395"/>
+              <a:ext cx="1614352" cy="553998"/>
+            </a:xfrm>
+            <a:prstGeom prst="rect">
+              <a:avLst/>
+            </a:prstGeom>
+            <a:solidFill>
+              <a:schemeClr val="bg1">
+                <a:lumMod val="85000"/>
+              </a:schemeClr>
+            </a:solidFill>
+            <a:ln w="9525">
+              <a:solidFill>
+                <a:schemeClr val="tx1"/>
+              </a:solidFill>
+            </a:ln>
+          </p:spPr>
+          <p:txBody>
+            <a:bodyPr wrap="square" rtlCol="0" anchor="ctr">
+              <a:spAutoFit/>
+            </a:bodyPr>
+            <a:lstStyle/>
+            <a:p>
+              <a:pPr algn="ctr"/>
+              <a:endParaRPr lang="en-US" sz="1000" dirty="0"/>
+            </a:p>
+            <a:p>
+              <a:pPr algn="ctr"/>
+              <a:r>
+                <a:rPr lang="en-US" sz="1000" dirty="0"/>
+                <a:t>Soil porosity</a:t>
+              </a:r>
+            </a:p>
+            <a:p>
+              <a:pPr algn="ctr"/>
+              <a:endParaRPr lang="en-US" sz="1000" dirty="0"/>
+            </a:p>
+          </p:txBody>
+        </p:sp>
+        <p:cxnSp>
+          <p:nvCxnSpPr>
+            <p:cNvPr id="75" name="Straight Connector 74">
+              <a:extLst>
+                <a:ext uri="{FF2B5EF4-FFF2-40B4-BE49-F238E27FC236}">
+                  <a16:creationId xmlns:a16="http://schemas.microsoft.com/office/drawing/2014/main" id="{B7848DF7-7C8D-49BB-AB5A-2450D14793BC}"/>
+                </a:ext>
+              </a:extLst>
+            </p:cNvPr>
+            <p:cNvCxnSpPr/>
+            <p:nvPr/>
+          </p:nvCxnSpPr>
+          <p:spPr>
+            <a:xfrm flipH="1">
+              <a:off x="3753605" y="3064096"/>
+              <a:ext cx="1" cy="669772"/>
+            </a:xfrm>
+            <a:prstGeom prst="line">
+              <a:avLst/>
+            </a:prstGeom>
+            <a:ln w="9525">
+              <a:solidFill>
+                <a:schemeClr val="tx1"/>
+              </a:solidFill>
+            </a:ln>
+          </p:spPr>
+          <p:style>
+            <a:lnRef idx="1">
+              <a:schemeClr val="accent1"/>
+            </a:lnRef>
+            <a:fillRef idx="0">
+              <a:schemeClr val="accent1"/>
+            </a:fillRef>
+            <a:effectRef idx="0">
+              <a:schemeClr val="accent1"/>
+            </a:effectRef>
+            <a:fontRef idx="minor">
+              <a:schemeClr val="tx1"/>
+            </a:fontRef>
+          </p:style>
+        </p:cxnSp>
+        <p:cxnSp>
+          <p:nvCxnSpPr>
+            <p:cNvPr id="78" name="Straight Connector 77">
+              <a:extLst>
+                <a:ext uri="{FF2B5EF4-FFF2-40B4-BE49-F238E27FC236}">
+                  <a16:creationId xmlns:a16="http://schemas.microsoft.com/office/drawing/2014/main" id="{C07FA20D-D121-45C7-BFDC-7ACD2409C94A}"/>
+                </a:ext>
+              </a:extLst>
+            </p:cNvPr>
+            <p:cNvCxnSpPr>
+              <a:cxnSpLocks/>
+            </p:cNvCxnSpPr>
+            <p:nvPr/>
+          </p:nvCxnSpPr>
+          <p:spPr>
+            <a:xfrm>
+              <a:off x="3753605" y="3735233"/>
+              <a:ext cx="649490" cy="0"/>
+            </a:xfrm>
+            <a:prstGeom prst="line">
+              <a:avLst/>
+            </a:prstGeom>
+            <a:ln w="9525">
+              <a:solidFill>
+                <a:schemeClr val="tx1"/>
+              </a:solidFill>
+            </a:ln>
+          </p:spPr>
+          <p:style>
+            <a:lnRef idx="1">
+              <a:schemeClr val="accent1"/>
+            </a:lnRef>
+            <a:fillRef idx="0">
+              <a:schemeClr val="accent1"/>
+            </a:fillRef>
+            <a:effectRef idx="0">
+              <a:schemeClr val="accent1"/>
+            </a:effectRef>
+            <a:fontRef idx="minor">
+              <a:schemeClr val="tx1"/>
+            </a:fontRef>
+          </p:style>
+        </p:cxnSp>
+        <p:sp>
+          <p:nvSpPr>
+            <p:cNvPr id="79" name="Rectangle 78">
+              <a:extLst>
+                <a:ext uri="{FF2B5EF4-FFF2-40B4-BE49-F238E27FC236}">
+                  <a16:creationId xmlns:a16="http://schemas.microsoft.com/office/drawing/2014/main" id="{28D1E545-C0E9-4DAE-9127-D9C8B7AC9F91}"/>
+                </a:ext>
+              </a:extLst>
+            </p:cNvPr>
+            <p:cNvSpPr/>
+            <p:nvPr/>
+          </p:nvSpPr>
+          <p:spPr>
+            <a:xfrm>
+              <a:off x="4315905" y="4105543"/>
+              <a:ext cx="148990" cy="95788"/>
+            </a:xfrm>
+            <a:prstGeom prst="rect">
+              <a:avLst/>
+            </a:prstGeom>
+            <a:solidFill>
+              <a:schemeClr val="bg1"/>
+            </a:solidFill>
+            <a:ln w="9525">
+              <a:solidFill>
+                <a:schemeClr val="bg1"/>
+              </a:solidFill>
+            </a:ln>
+          </p:spPr>
+          <p:style>
+            <a:lnRef idx="2">
+              <a:schemeClr val="accent1">
+                <a:shade val="50000"/>
+              </a:schemeClr>
+            </a:lnRef>
+            <a:fillRef idx="1">
+              <a:schemeClr val="accent1"/>
+            </a:fillRef>
+            <a:effectRef idx="0">
+              <a:schemeClr val="accent1"/>
+            </a:effectRef>
+            <a:fontRef idx="minor">
+              <a:schemeClr val="lt1"/>
+            </a:fontRef>
+          </p:style>
+          <p:txBody>
+            <a:bodyPr rtlCol="0" anchor="ctr"/>
+            <a:lstStyle/>
+            <a:p>
+              <a:pPr algn="ctr"/>
+              <a:endParaRPr lang="en-US"/>
+            </a:p>
+          </p:txBody>
+        </p:sp>
+        <p:sp>
+          <p:nvSpPr>
+            <p:cNvPr id="81" name="Rectangle 80">
+              <a:extLst>
+                <a:ext uri="{FF2B5EF4-FFF2-40B4-BE49-F238E27FC236}">
+                  <a16:creationId xmlns:a16="http://schemas.microsoft.com/office/drawing/2014/main" id="{53E28701-CF5A-444F-AC0D-C5669982B48B}"/>
+                </a:ext>
+              </a:extLst>
+            </p:cNvPr>
+            <p:cNvSpPr/>
+            <p:nvPr/>
+          </p:nvSpPr>
+          <p:spPr>
+            <a:xfrm>
+              <a:off x="4315905" y="4590917"/>
+              <a:ext cx="148990" cy="95788"/>
+            </a:xfrm>
+            <a:prstGeom prst="rect">
+              <a:avLst/>
+            </a:prstGeom>
+            <a:solidFill>
+              <a:schemeClr val="bg1"/>
+            </a:solidFill>
+            <a:ln w="9525">
+              <a:solidFill>
+                <a:schemeClr val="bg1"/>
+              </a:solidFill>
+            </a:ln>
+          </p:spPr>
+          <p:style>
+            <a:lnRef idx="2">
+              <a:schemeClr val="accent1">
+                <a:shade val="50000"/>
+              </a:schemeClr>
+            </a:lnRef>
+            <a:fillRef idx="1">
+              <a:schemeClr val="accent1"/>
+            </a:fillRef>
+            <a:effectRef idx="0">
+              <a:schemeClr val="accent1"/>
+            </a:effectRef>
+            <a:fontRef idx="minor">
+              <a:schemeClr val="lt1"/>
+            </a:fontRef>
+          </p:style>
+          <p:txBody>
+            <a:bodyPr rtlCol="0" anchor="ctr"/>
+            <a:lstStyle/>
+            <a:p>
+              <a:pPr algn="ctr"/>
+              <a:endParaRPr lang="en-US"/>
+            </a:p>
+          </p:txBody>
+        </p:sp>
+        <p:cxnSp>
+          <p:nvCxnSpPr>
+            <p:cNvPr id="76" name="Straight Arrow Connector 75">
+              <a:extLst>
+                <a:ext uri="{FF2B5EF4-FFF2-40B4-BE49-F238E27FC236}">
+                  <a16:creationId xmlns:a16="http://schemas.microsoft.com/office/drawing/2014/main" id="{B0D955D5-EEAA-41EC-ADCF-DF8490F5024C}"/>
+                </a:ext>
+              </a:extLst>
+            </p:cNvPr>
+            <p:cNvCxnSpPr>
+              <a:cxnSpLocks/>
+            </p:cNvCxnSpPr>
+            <p:nvPr/>
+          </p:nvCxnSpPr>
+          <p:spPr>
+            <a:xfrm flipH="1">
+              <a:off x="4393430" y="3734318"/>
+              <a:ext cx="2283" cy="1724814"/>
+            </a:xfrm>
+            <a:prstGeom prst="straightConnector1">
+              <a:avLst/>
+            </a:prstGeom>
+            <a:ln w="9525">
+              <a:solidFill>
+                <a:schemeClr val="tx1"/>
+              </a:solidFill>
+              <a:tailEnd type="triangle"/>
+            </a:ln>
+          </p:spPr>
+          <p:style>
+            <a:lnRef idx="1">
+              <a:schemeClr val="accent1"/>
+            </a:lnRef>
+            <a:fillRef idx="0">
+              <a:schemeClr val="accent1"/>
+            </a:fillRef>
+            <a:effectRef idx="0">
+              <a:schemeClr val="accent1"/>
+            </a:effectRef>
+            <a:fontRef idx="minor">
+              <a:schemeClr val="tx1"/>
+            </a:fontRef>
+          </p:style>
+        </p:cxnSp>
+        <p:cxnSp>
+          <p:nvCxnSpPr>
+            <p:cNvPr id="54" name="Straight Arrow Connector 53">
+              <a:extLst>
+                <a:ext uri="{FF2B5EF4-FFF2-40B4-BE49-F238E27FC236}">
+                  <a16:creationId xmlns:a16="http://schemas.microsoft.com/office/drawing/2014/main" id="{A69F1B3E-3EEC-4006-99BB-1523B0E1A613}"/>
+                </a:ext>
+              </a:extLst>
+            </p:cNvPr>
+            <p:cNvCxnSpPr>
+              <a:cxnSpLocks/>
+            </p:cNvCxnSpPr>
+            <p:nvPr/>
+          </p:nvCxnSpPr>
+          <p:spPr>
+            <a:xfrm flipH="1">
+              <a:off x="2726764" y="3813357"/>
+              <a:ext cx="552771" cy="0"/>
+            </a:xfrm>
+            <a:prstGeom prst="straightConnector1">
+              <a:avLst/>
+            </a:prstGeom>
+            <a:ln w="9525">
+              <a:solidFill>
+                <a:schemeClr val="tx1"/>
+              </a:solidFill>
+              <a:tailEnd type="triangle"/>
+            </a:ln>
+          </p:spPr>
+          <p:style>
+            <a:lnRef idx="1">
+              <a:schemeClr val="accent1"/>
+            </a:lnRef>
+            <a:fillRef idx="0">
+              <a:schemeClr val="accent1"/>
+            </a:fillRef>
+            <a:effectRef idx="0">
+              <a:schemeClr val="accent1"/>
+            </a:effectRef>
+            <a:fontRef idx="minor">
+              <a:schemeClr val="tx1"/>
+            </a:fontRef>
+          </p:style>
+        </p:cxnSp>
+        <p:cxnSp>
+          <p:nvCxnSpPr>
+            <p:cNvPr id="65" name="Straight Connector 64">
+              <a:extLst>
+                <a:ext uri="{FF2B5EF4-FFF2-40B4-BE49-F238E27FC236}">
+                  <a16:creationId xmlns:a16="http://schemas.microsoft.com/office/drawing/2014/main" id="{48C7356A-A367-4A6B-A784-D243BD7177B6}"/>
+                </a:ext>
+              </a:extLst>
+            </p:cNvPr>
+            <p:cNvCxnSpPr/>
+            <p:nvPr/>
+          </p:nvCxnSpPr>
+          <p:spPr>
+            <a:xfrm flipH="1">
+              <a:off x="3296270" y="3076465"/>
+              <a:ext cx="1" cy="736749"/>
+            </a:xfrm>
+            <a:prstGeom prst="line">
+              <a:avLst/>
+            </a:prstGeom>
+            <a:ln w="9525">
+              <a:solidFill>
+                <a:schemeClr val="tx1"/>
+              </a:solidFill>
+            </a:ln>
+          </p:spPr>
+          <p:style>
+            <a:lnRef idx="1">
+              <a:schemeClr val="accent1"/>
+            </a:lnRef>
+            <a:fillRef idx="0">
+              <a:schemeClr val="accent1"/>
+            </a:fillRef>
+            <a:effectRef idx="0">
+              <a:schemeClr val="accent1"/>
+            </a:effectRef>
+            <a:fontRef idx="minor">
+              <a:schemeClr val="tx1"/>
+            </a:fontRef>
+          </p:style>
+        </p:cxnSp>
+        <p:sp>
+          <p:nvSpPr>
+            <p:cNvPr id="6" name="TextBox 5">
+              <a:extLst>
+                <a:ext uri="{FF2B5EF4-FFF2-40B4-BE49-F238E27FC236}">
+                  <a16:creationId xmlns:a16="http://schemas.microsoft.com/office/drawing/2014/main" id="{21876E51-290C-4303-A6AD-0D8D552ADC8C}"/>
+                </a:ext>
+              </a:extLst>
+            </p:cNvPr>
+            <p:cNvSpPr txBox="1"/>
+            <p:nvPr/>
+          </p:nvSpPr>
+          <p:spPr>
+            <a:xfrm>
+              <a:off x="3138854" y="2549452"/>
+              <a:ext cx="750407" cy="553998"/>
+            </a:xfrm>
+            <a:prstGeom prst="rect">
+              <a:avLst/>
+            </a:prstGeom>
+            <a:solidFill>
+              <a:schemeClr val="accent2"/>
+            </a:solidFill>
+            <a:ln w="9525">
+              <a:solidFill>
+                <a:schemeClr val="tx1"/>
+              </a:solidFill>
+            </a:ln>
+          </p:spPr>
+          <p:txBody>
+            <a:bodyPr wrap="square" rtlCol="0">
+              <a:spAutoFit/>
+            </a:bodyPr>
+            <a:lstStyle/>
+            <a:p>
+              <a:pPr algn="ctr"/>
+              <a:r>
+                <a:rPr lang="en-US" sz="1000" dirty="0"/>
+                <a:t>Below-ground biomass</a:t>
+              </a:r>
+            </a:p>
+          </p:txBody>
+        </p:sp>
+        <p:cxnSp>
+          <p:nvCxnSpPr>
+            <p:cNvPr id="41" name="Straight Connector 40">
+              <a:extLst>
+                <a:ext uri="{FF2B5EF4-FFF2-40B4-BE49-F238E27FC236}">
+                  <a16:creationId xmlns:a16="http://schemas.microsoft.com/office/drawing/2014/main" id="{34571847-4C88-42EA-8F10-811CC07CB5AD}"/>
+                </a:ext>
+              </a:extLst>
+            </p:cNvPr>
+            <p:cNvCxnSpPr>
+              <a:cxnSpLocks/>
+            </p:cNvCxnSpPr>
+            <p:nvPr/>
+          </p:nvCxnSpPr>
+          <p:spPr>
+            <a:xfrm flipH="1">
+              <a:off x="2094859" y="4301843"/>
+              <a:ext cx="1" cy="1492545"/>
+            </a:xfrm>
+            <a:prstGeom prst="line">
+              <a:avLst/>
+            </a:prstGeom>
+            <a:ln w="9525">
+              <a:solidFill>
+                <a:schemeClr val="tx1"/>
+              </a:solidFill>
+            </a:ln>
+          </p:spPr>
+          <p:style>
+            <a:lnRef idx="1">
+              <a:schemeClr val="accent1"/>
+            </a:lnRef>
+            <a:fillRef idx="0">
+              <a:schemeClr val="accent1"/>
+            </a:fillRef>
+            <a:effectRef idx="0">
+              <a:schemeClr val="accent1"/>
+            </a:effectRef>
+            <a:fontRef idx="minor">
+              <a:schemeClr val="tx1"/>
+            </a:fontRef>
+          </p:style>
+        </p:cxnSp>
+        <p:cxnSp>
+          <p:nvCxnSpPr>
+            <p:cNvPr id="42" name="Straight Arrow Connector 41">
+              <a:extLst>
+                <a:ext uri="{FF2B5EF4-FFF2-40B4-BE49-F238E27FC236}">
+                  <a16:creationId xmlns:a16="http://schemas.microsoft.com/office/drawing/2014/main" id="{FCC92C22-E29C-422B-85A8-36C0F3462C91}"/>
+                </a:ext>
+              </a:extLst>
+            </p:cNvPr>
+            <p:cNvCxnSpPr>
+              <a:cxnSpLocks/>
+            </p:cNvCxnSpPr>
+            <p:nvPr/>
+          </p:nvCxnSpPr>
+          <p:spPr>
+            <a:xfrm>
+              <a:off x="2103067" y="5800504"/>
+              <a:ext cx="1909104" cy="0"/>
+            </a:xfrm>
+            <a:prstGeom prst="straightConnector1">
+              <a:avLst/>
+            </a:prstGeom>
+            <a:ln w="9525">
+              <a:solidFill>
+                <a:schemeClr val="tx1"/>
+              </a:solidFill>
+              <a:tailEnd type="triangle"/>
+            </a:ln>
+          </p:spPr>
+          <p:style>
+            <a:lnRef idx="1">
+              <a:schemeClr val="accent1"/>
+            </a:lnRef>
+            <a:fillRef idx="0">
+              <a:schemeClr val="accent1"/>
+            </a:fillRef>
+            <a:effectRef idx="0">
+              <a:schemeClr val="accent1"/>
+            </a:effectRef>
+            <a:fontRef idx="minor">
+              <a:schemeClr val="tx1"/>
+            </a:fontRef>
+          </p:style>
+        </p:cxnSp>
+        <p:sp>
+          <p:nvSpPr>
+            <p:cNvPr id="77" name="TextBox 76">
+              <a:extLst>
+                <a:ext uri="{FF2B5EF4-FFF2-40B4-BE49-F238E27FC236}">
+                  <a16:creationId xmlns:a16="http://schemas.microsoft.com/office/drawing/2014/main" id="{592AC19D-B477-462D-A16C-DFA019277B56}"/>
+                </a:ext>
+              </a:extLst>
+            </p:cNvPr>
+            <p:cNvSpPr txBox="1"/>
+            <p:nvPr/>
+          </p:nvSpPr>
+          <p:spPr>
+            <a:xfrm>
+              <a:off x="1822597" y="3626775"/>
+              <a:ext cx="879910" cy="707886"/>
+            </a:xfrm>
+            <a:prstGeom prst="rect">
+              <a:avLst/>
+            </a:prstGeom>
+            <a:solidFill>
+              <a:schemeClr val="bg1">
+                <a:lumMod val="85000"/>
+              </a:schemeClr>
+            </a:solidFill>
+            <a:ln w="9525">
+              <a:solidFill>
+                <a:schemeClr val="tx1"/>
+              </a:solidFill>
+            </a:ln>
+          </p:spPr>
+          <p:txBody>
+            <a:bodyPr wrap="square" rtlCol="0">
+              <a:spAutoFit/>
+            </a:bodyPr>
+            <a:lstStyle/>
+            <a:p>
+              <a:pPr algn="ctr"/>
+              <a:endParaRPr lang="en-US" sz="1000" dirty="0"/>
+            </a:p>
+            <a:p>
+              <a:pPr algn="ctr"/>
+              <a:r>
+                <a:rPr lang="en-US" sz="1000" dirty="0"/>
+                <a:t>Soil </a:t>
+              </a:r>
+              <a:r>
+                <a:rPr lang="en-US" sz="1000" dirty="0" smtClean="0"/>
+                <a:t>organic </a:t>
+              </a:r>
+              <a:r>
+                <a:rPr lang="en-US" sz="1000" dirty="0"/>
+                <a:t>m</a:t>
+              </a:r>
+              <a:r>
+                <a:rPr lang="en-US" sz="1000" dirty="0" smtClean="0"/>
+                <a:t>atter</a:t>
+              </a:r>
+              <a:endParaRPr lang="en-US" sz="1000" dirty="0"/>
+            </a:p>
+            <a:p>
+              <a:pPr algn="ctr"/>
+              <a:endParaRPr lang="en-US" sz="1000" dirty="0"/>
+            </a:p>
+          </p:txBody>
+        </p:sp>
+        <p:sp>
+          <p:nvSpPr>
+            <p:cNvPr id="43" name="Rectangle 42">
+              <a:extLst>
+                <a:ext uri="{FF2B5EF4-FFF2-40B4-BE49-F238E27FC236}">
+                  <a16:creationId xmlns:a16="http://schemas.microsoft.com/office/drawing/2014/main" id="{28D1E545-C0E9-4DAE-9127-D9C8B7AC9F91}"/>
+                </a:ext>
+              </a:extLst>
+            </p:cNvPr>
+            <p:cNvSpPr/>
+            <p:nvPr/>
+          </p:nvSpPr>
+          <p:spPr>
+            <a:xfrm>
+              <a:off x="3343840" y="5753106"/>
+              <a:ext cx="148990" cy="95788"/>
+            </a:xfrm>
+            <a:prstGeom prst="rect">
+              <a:avLst/>
+            </a:prstGeom>
+            <a:solidFill>
+              <a:schemeClr val="bg1"/>
+            </a:solidFill>
+            <a:ln w="9525">
+              <a:solidFill>
+                <a:schemeClr val="bg1"/>
+              </a:solidFill>
+            </a:ln>
+          </p:spPr>
+          <p:style>
+            <a:lnRef idx="2">
+              <a:schemeClr val="accent1">
+                <a:shade val="50000"/>
+              </a:schemeClr>
+            </a:lnRef>
+            <a:fillRef idx="1">
+              <a:schemeClr val="accent1"/>
+            </a:fillRef>
+            <a:effectRef idx="0">
+              <a:schemeClr val="accent1"/>
+            </a:effectRef>
+            <a:fontRef idx="minor">
+              <a:schemeClr val="lt1"/>
+            </a:fontRef>
+          </p:style>
+          <p:txBody>
+            <a:bodyPr rtlCol="0" anchor="ctr"/>
+            <a:lstStyle/>
+            <a:p>
+              <a:pPr algn="ctr"/>
+              <a:endParaRPr lang="en-US"/>
+            </a:p>
+          </p:txBody>
+        </p:sp>
+        <p:cxnSp>
+          <p:nvCxnSpPr>
+            <p:cNvPr id="150" name="Straight Arrow Connector 149">
+              <a:extLst>
+                <a:ext uri="{FF2B5EF4-FFF2-40B4-BE49-F238E27FC236}">
+                  <a16:creationId xmlns:a16="http://schemas.microsoft.com/office/drawing/2014/main" id="{4CEEC003-E039-462C-8E5B-0071A4FA2F92}"/>
+                </a:ext>
+              </a:extLst>
+            </p:cNvPr>
+            <p:cNvCxnSpPr>
+              <a:cxnSpLocks/>
+            </p:cNvCxnSpPr>
+            <p:nvPr/>
+          </p:nvCxnSpPr>
+          <p:spPr>
+            <a:xfrm flipH="1">
+              <a:off x="3413055" y="5074451"/>
+              <a:ext cx="2283" cy="1136860"/>
+            </a:xfrm>
+            <a:prstGeom prst="straightConnector1">
+              <a:avLst/>
+            </a:prstGeom>
+            <a:ln w="9525">
+              <a:solidFill>
+                <a:schemeClr val="tx1"/>
+              </a:solidFill>
+              <a:tailEnd type="triangle"/>
+            </a:ln>
+          </p:spPr>
+          <p:style>
+            <a:lnRef idx="1">
+              <a:schemeClr val="accent1"/>
+            </a:lnRef>
+            <a:fillRef idx="0">
+              <a:schemeClr val="accent1"/>
+            </a:fillRef>
+            <a:effectRef idx="0">
+              <a:schemeClr val="accent1"/>
+            </a:effectRef>
+            <a:fontRef idx="minor">
+              <a:schemeClr val="tx1"/>
+            </a:fontRef>
+          </p:style>
+        </p:cxnSp>
+        <p:sp>
+          <p:nvSpPr>
+            <p:cNvPr id="85" name="TextBox 84">
+              <a:extLst>
+                <a:ext uri="{FF2B5EF4-FFF2-40B4-BE49-F238E27FC236}">
+                  <a16:creationId xmlns:a16="http://schemas.microsoft.com/office/drawing/2014/main" id="{CF804AB6-B196-45FB-8F8E-BCF2A0FB4871}"/>
+                </a:ext>
+              </a:extLst>
+            </p:cNvPr>
+            <p:cNvSpPr txBox="1"/>
+            <p:nvPr/>
+          </p:nvSpPr>
+          <p:spPr>
+            <a:xfrm>
+              <a:off x="2881519" y="4459028"/>
+              <a:ext cx="1077151" cy="707886"/>
+            </a:xfrm>
+            <a:prstGeom prst="rect">
+              <a:avLst/>
+            </a:prstGeom>
+            <a:solidFill>
+              <a:schemeClr val="bg1">
+                <a:lumMod val="85000"/>
+              </a:schemeClr>
+            </a:solidFill>
+            <a:ln w="9525">
+              <a:solidFill>
+                <a:schemeClr val="tx1"/>
+              </a:solidFill>
+            </a:ln>
+          </p:spPr>
+          <p:txBody>
+            <a:bodyPr wrap="square" rtlCol="0">
+              <a:spAutoFit/>
+            </a:bodyPr>
+            <a:lstStyle/>
+            <a:p>
+              <a:pPr algn="ctr"/>
+              <a:endParaRPr lang="en-US" sz="1000" dirty="0"/>
+            </a:p>
+            <a:p>
+              <a:pPr algn="ctr"/>
+              <a:r>
+                <a:rPr lang="en-US" sz="1000" dirty="0"/>
+                <a:t>Soil</a:t>
+              </a:r>
+            </a:p>
+            <a:p>
+              <a:pPr algn="ctr"/>
+              <a:r>
+                <a:rPr lang="en-US" sz="1000" dirty="0"/>
+                <a:t>aggregation</a:t>
+              </a:r>
+            </a:p>
+            <a:p>
+              <a:pPr algn="ctr"/>
+              <a:endParaRPr lang="en-US" sz="1000" dirty="0"/>
+            </a:p>
+          </p:txBody>
+        </p:sp>
+        <p:sp>
+          <p:nvSpPr>
+            <p:cNvPr id="2" name="TextBox 1"/>
+            <p:cNvSpPr txBox="1"/>
+            <p:nvPr/>
+          </p:nvSpPr>
+          <p:spPr>
+            <a:xfrm>
+              <a:off x="4004967" y="2525049"/>
+              <a:ext cx="263214" cy="276999"/>
+            </a:xfrm>
+            <a:prstGeom prst="rect">
+              <a:avLst/>
+            </a:prstGeom>
+            <a:noFill/>
+          </p:spPr>
+          <p:txBody>
+            <a:bodyPr wrap="none" rtlCol="0">
+              <a:spAutoFit/>
+            </a:bodyPr>
+            <a:lstStyle/>
+            <a:p>
+              <a:r>
+                <a:rPr lang="en-US" sz="1200" i="1" dirty="0" smtClean="0"/>
+                <a:t>1</a:t>
+              </a:r>
+              <a:endParaRPr lang="en-US" i="1" dirty="0"/>
+            </a:p>
+          </p:txBody>
+        </p:sp>
+        <p:sp>
+          <p:nvSpPr>
+            <p:cNvPr id="46" name="TextBox 45"/>
+            <p:cNvSpPr txBox="1"/>
+            <p:nvPr/>
+          </p:nvSpPr>
+          <p:spPr>
+            <a:xfrm>
+              <a:off x="1945781" y="3342294"/>
+              <a:ext cx="263214" cy="276999"/>
+            </a:xfrm>
+            <a:prstGeom prst="rect">
+              <a:avLst/>
+            </a:prstGeom>
+            <a:noFill/>
+          </p:spPr>
+          <p:txBody>
+            <a:bodyPr wrap="none" rtlCol="0">
+              <a:spAutoFit/>
+            </a:bodyPr>
+            <a:lstStyle/>
+            <a:p>
+              <a:r>
+                <a:rPr lang="en-US" sz="1200" i="1" dirty="0" smtClean="0"/>
+                <a:t>2</a:t>
+              </a:r>
+              <a:endParaRPr lang="en-US" sz="1200" i="1" dirty="0"/>
+            </a:p>
+          </p:txBody>
+        </p:sp>
+        <p:sp>
+          <p:nvSpPr>
+            <p:cNvPr id="47" name="TextBox 46"/>
+            <p:cNvSpPr txBox="1"/>
+            <p:nvPr/>
+          </p:nvSpPr>
+          <p:spPr>
+            <a:xfrm>
+              <a:off x="2709038" y="3538119"/>
+              <a:ext cx="263214" cy="276999"/>
+            </a:xfrm>
+            <a:prstGeom prst="rect">
+              <a:avLst/>
+            </a:prstGeom>
+            <a:noFill/>
+          </p:spPr>
+          <p:txBody>
+            <a:bodyPr wrap="none" rtlCol="0">
+              <a:spAutoFit/>
+            </a:bodyPr>
+            <a:lstStyle/>
+            <a:p>
+              <a:r>
+                <a:rPr lang="en-US" sz="1200" i="1" dirty="0" smtClean="0"/>
+                <a:t>3</a:t>
+              </a:r>
+              <a:endParaRPr lang="en-US" sz="1200" i="1" dirty="0"/>
+            </a:p>
+          </p:txBody>
+        </p:sp>
+        <p:sp>
+          <p:nvSpPr>
+            <p:cNvPr id="48" name="TextBox 47"/>
+            <p:cNvSpPr txBox="1"/>
+            <p:nvPr/>
+          </p:nvSpPr>
+          <p:spPr>
+            <a:xfrm>
+              <a:off x="2704362" y="3901392"/>
+              <a:ext cx="263214" cy="276999"/>
+            </a:xfrm>
+            <a:prstGeom prst="rect">
+              <a:avLst/>
+            </a:prstGeom>
+            <a:noFill/>
+          </p:spPr>
+          <p:txBody>
+            <a:bodyPr wrap="none" rtlCol="0">
+              <a:spAutoFit/>
+            </a:bodyPr>
+            <a:lstStyle/>
+            <a:p>
+              <a:r>
+                <a:rPr lang="en-US" sz="1200" i="1" dirty="0"/>
+                <a:t>4</a:t>
+              </a:r>
+              <a:endParaRPr lang="en-US" sz="1200" i="1" dirty="0"/>
+            </a:p>
+          </p:txBody>
+        </p:sp>
+        <p:sp>
+          <p:nvSpPr>
+            <p:cNvPr id="49" name="TextBox 48"/>
+            <p:cNvSpPr txBox="1"/>
+            <p:nvPr/>
+          </p:nvSpPr>
+          <p:spPr>
+            <a:xfrm>
+              <a:off x="3295779" y="4219764"/>
+              <a:ext cx="263214" cy="276999"/>
+            </a:xfrm>
+            <a:prstGeom prst="rect">
+              <a:avLst/>
+            </a:prstGeom>
+            <a:noFill/>
+          </p:spPr>
+          <p:txBody>
+            <a:bodyPr wrap="none" rtlCol="0">
+              <a:spAutoFit/>
+            </a:bodyPr>
+            <a:lstStyle/>
+            <a:p>
+              <a:r>
+                <a:rPr lang="en-US" sz="1200" i="1" dirty="0" smtClean="0"/>
+                <a:t>5</a:t>
+              </a:r>
+              <a:endParaRPr lang="en-US" sz="1200" i="1" dirty="0"/>
+            </a:p>
+          </p:txBody>
+        </p:sp>
+        <p:sp>
+          <p:nvSpPr>
+            <p:cNvPr id="50" name="TextBox 49"/>
+            <p:cNvSpPr txBox="1"/>
+            <p:nvPr/>
+          </p:nvSpPr>
+          <p:spPr>
+            <a:xfrm>
+              <a:off x="4118168" y="5203564"/>
+              <a:ext cx="263214" cy="276999"/>
+            </a:xfrm>
+            <a:prstGeom prst="rect">
+              <a:avLst/>
+            </a:prstGeom>
+            <a:noFill/>
+          </p:spPr>
+          <p:txBody>
+            <a:bodyPr wrap="none" rtlCol="0">
+              <a:spAutoFit/>
+            </a:bodyPr>
+            <a:lstStyle/>
+            <a:p>
+              <a:r>
+                <a:rPr lang="en-US" sz="1200" i="1" dirty="0" smtClean="0"/>
+                <a:t>8</a:t>
+              </a:r>
+              <a:endParaRPr lang="en-US" sz="1200" i="1" dirty="0"/>
+            </a:p>
+          </p:txBody>
+        </p:sp>
+        <p:sp>
+          <p:nvSpPr>
+            <p:cNvPr id="52" name="TextBox 51"/>
+            <p:cNvSpPr txBox="1"/>
+            <p:nvPr/>
+          </p:nvSpPr>
+          <p:spPr>
+            <a:xfrm>
+              <a:off x="4842014" y="5204186"/>
+              <a:ext cx="263214" cy="276999"/>
+            </a:xfrm>
+            <a:prstGeom prst="rect">
+              <a:avLst/>
+            </a:prstGeom>
+            <a:noFill/>
+          </p:spPr>
+          <p:txBody>
+            <a:bodyPr wrap="none" rtlCol="0">
+              <a:spAutoFit/>
+            </a:bodyPr>
+            <a:lstStyle/>
+            <a:p>
+              <a:r>
+                <a:rPr lang="en-US" sz="1200" i="1" dirty="0" smtClean="0"/>
+                <a:t>9</a:t>
+              </a:r>
+              <a:endParaRPr lang="en-US" sz="1200" i="1" dirty="0"/>
+            </a:p>
+          </p:txBody>
+        </p:sp>
+        <p:sp>
+          <p:nvSpPr>
+            <p:cNvPr id="53" name="TextBox 52"/>
+            <p:cNvSpPr txBox="1"/>
+            <p:nvPr/>
+          </p:nvSpPr>
+          <p:spPr>
+            <a:xfrm>
+              <a:off x="3980314" y="4380027"/>
+              <a:ext cx="263214" cy="276999"/>
+            </a:xfrm>
+            <a:prstGeom prst="rect">
+              <a:avLst/>
+            </a:prstGeom>
+            <a:noFill/>
+          </p:spPr>
+          <p:txBody>
+            <a:bodyPr wrap="none" rtlCol="0">
+              <a:spAutoFit/>
+            </a:bodyPr>
+            <a:lstStyle/>
+            <a:p>
+              <a:r>
+                <a:rPr lang="en-US" sz="1200" i="1" dirty="0" smtClean="0"/>
+                <a:t>6</a:t>
+              </a:r>
+              <a:endParaRPr lang="en-US" sz="1200" i="1" dirty="0"/>
+            </a:p>
+          </p:txBody>
+        </p:sp>
+        <p:sp>
+          <p:nvSpPr>
+            <p:cNvPr id="55" name="TextBox 54"/>
+            <p:cNvSpPr txBox="1"/>
+            <p:nvPr/>
+          </p:nvSpPr>
+          <p:spPr>
+            <a:xfrm>
+              <a:off x="2635509" y="4593160"/>
+              <a:ext cx="263214" cy="276999"/>
+            </a:xfrm>
+            <a:prstGeom prst="rect">
+              <a:avLst/>
+            </a:prstGeom>
+            <a:noFill/>
+          </p:spPr>
+          <p:txBody>
+            <a:bodyPr wrap="none" rtlCol="0">
+              <a:spAutoFit/>
+            </a:bodyPr>
+            <a:lstStyle/>
+            <a:p>
+              <a:r>
+                <a:rPr lang="en-US" sz="1200" i="1" dirty="0" smtClean="0"/>
+                <a:t>7</a:t>
+              </a:r>
+              <a:endParaRPr lang="en-US" sz="1200" i="1" dirty="0"/>
+            </a:p>
+          </p:txBody>
+        </p:sp>
+        <p:sp>
+          <p:nvSpPr>
+            <p:cNvPr id="57" name="TextBox 56"/>
+            <p:cNvSpPr txBox="1"/>
+            <p:nvPr/>
+          </p:nvSpPr>
+          <p:spPr>
+            <a:xfrm>
+              <a:off x="3739537" y="5512321"/>
+              <a:ext cx="341760" cy="276999"/>
+            </a:xfrm>
+            <a:prstGeom prst="rect">
+              <a:avLst/>
+            </a:prstGeom>
+            <a:noFill/>
+          </p:spPr>
+          <p:txBody>
+            <a:bodyPr wrap="none" rtlCol="0">
+              <a:spAutoFit/>
+            </a:bodyPr>
+            <a:lstStyle/>
+            <a:p>
+              <a:r>
+                <a:rPr lang="en-US" sz="1200" i="1" dirty="0" smtClean="0"/>
+                <a:t>10</a:t>
+              </a:r>
+              <a:endParaRPr lang="en-US" sz="1200" i="1" dirty="0"/>
+            </a:p>
+          </p:txBody>
+        </p:sp>
+        <p:sp>
+          <p:nvSpPr>
+            <p:cNvPr id="60" name="TextBox 59"/>
+            <p:cNvSpPr txBox="1"/>
+            <p:nvPr/>
+          </p:nvSpPr>
+          <p:spPr>
+            <a:xfrm>
+              <a:off x="3137293" y="5962606"/>
+              <a:ext cx="341760" cy="276999"/>
+            </a:xfrm>
+            <a:prstGeom prst="rect">
+              <a:avLst/>
+            </a:prstGeom>
+            <a:noFill/>
+          </p:spPr>
+          <p:txBody>
+            <a:bodyPr wrap="none" rtlCol="0">
+              <a:spAutoFit/>
+            </a:bodyPr>
+            <a:lstStyle/>
+            <a:p>
+              <a:r>
+                <a:rPr lang="en-US" sz="1200" i="1" dirty="0" smtClean="0"/>
+                <a:t>11</a:t>
+              </a:r>
+              <a:endParaRPr lang="en-US" sz="1200" i="1" dirty="0"/>
+            </a:p>
+          </p:txBody>
+        </p:sp>
+        <p:sp>
+          <p:nvSpPr>
+            <p:cNvPr id="66" name="TextBox 65"/>
+            <p:cNvSpPr txBox="1"/>
+            <p:nvPr/>
+          </p:nvSpPr>
+          <p:spPr>
+            <a:xfrm>
+              <a:off x="3533813" y="6879308"/>
+              <a:ext cx="341760" cy="276999"/>
+            </a:xfrm>
+            <a:prstGeom prst="rect">
+              <a:avLst/>
+            </a:prstGeom>
+            <a:noFill/>
+          </p:spPr>
+          <p:txBody>
+            <a:bodyPr wrap="none" rtlCol="0">
+              <a:spAutoFit/>
+            </a:bodyPr>
+            <a:lstStyle/>
+            <a:p>
+              <a:r>
+                <a:rPr lang="en-US" sz="1200" i="1" dirty="0" smtClean="0"/>
+                <a:t>13</a:t>
+              </a:r>
+              <a:endParaRPr lang="en-US" sz="1200" i="1" dirty="0"/>
+            </a:p>
+          </p:txBody>
+        </p:sp>
+        <p:sp>
+          <p:nvSpPr>
+            <p:cNvPr id="67" name="TextBox 66"/>
+            <p:cNvSpPr txBox="1"/>
+            <p:nvPr/>
+          </p:nvSpPr>
+          <p:spPr>
+            <a:xfrm>
+              <a:off x="4070625" y="6860377"/>
+              <a:ext cx="341760" cy="276999"/>
+            </a:xfrm>
+            <a:prstGeom prst="rect">
+              <a:avLst/>
+            </a:prstGeom>
+            <a:noFill/>
+          </p:spPr>
+          <p:txBody>
+            <a:bodyPr wrap="none" rtlCol="0">
+              <a:spAutoFit/>
+            </a:bodyPr>
+            <a:lstStyle/>
+            <a:p>
+              <a:r>
+                <a:rPr lang="en-US" sz="1200" i="1" dirty="0" smtClean="0"/>
+                <a:t>14</a:t>
+              </a:r>
+              <a:endParaRPr lang="en-US" sz="1200" i="1" dirty="0"/>
+            </a:p>
+          </p:txBody>
+        </p:sp>
+        <p:sp>
+          <p:nvSpPr>
+            <p:cNvPr id="68" name="TextBox 67"/>
+            <p:cNvSpPr txBox="1"/>
+            <p:nvPr/>
+          </p:nvSpPr>
+          <p:spPr>
+            <a:xfrm>
+              <a:off x="5106435" y="6417964"/>
+              <a:ext cx="341760" cy="276999"/>
+            </a:xfrm>
+            <a:prstGeom prst="rect">
+              <a:avLst/>
+            </a:prstGeom>
+            <a:noFill/>
+          </p:spPr>
+          <p:txBody>
+            <a:bodyPr wrap="none" rtlCol="0">
+              <a:spAutoFit/>
+            </a:bodyPr>
+            <a:lstStyle/>
+            <a:p>
+              <a:r>
+                <a:rPr lang="en-US" sz="1200" i="1" dirty="0" smtClean="0"/>
+                <a:t>12</a:t>
+              </a:r>
+              <a:endParaRPr lang="en-US" sz="1200" i="1" dirty="0"/>
+            </a:p>
+          </p:txBody>
+        </p:sp>
+      </p:grpSp>
     </p:spTree>
     <p:extLst>
       <p:ext uri="{BB962C8B-B14F-4D97-AF65-F5344CB8AC3E}">

--- a/manu/schematics-v2.pptx
+++ b/manu/schematics-v2.pptx
@@ -248,7 +248,7 @@
           <a:p>
             <a:fld id="{C1479234-584E-4873-8CD3-B53B1333C3D5}" type="datetimeFigureOut">
               <a:rPr lang="en-US" smtClean="0"/>
-              <a:t>5/26/2021</a:t>
+              <a:t>6/7/2021</a:t>
             </a:fld>
             <a:endParaRPr lang="en-US"/>
           </a:p>
@@ -418,7 +418,7 @@
           <a:p>
             <a:fld id="{C1479234-584E-4873-8CD3-B53B1333C3D5}" type="datetimeFigureOut">
               <a:rPr lang="en-US" smtClean="0"/>
-              <a:t>5/26/2021</a:t>
+              <a:t>6/7/2021</a:t>
             </a:fld>
             <a:endParaRPr lang="en-US"/>
           </a:p>
@@ -598,7 +598,7 @@
           <a:p>
             <a:fld id="{C1479234-584E-4873-8CD3-B53B1333C3D5}" type="datetimeFigureOut">
               <a:rPr lang="en-US" smtClean="0"/>
-              <a:t>5/26/2021</a:t>
+              <a:t>6/7/2021</a:t>
             </a:fld>
             <a:endParaRPr lang="en-US"/>
           </a:p>
@@ -768,7 +768,7 @@
           <a:p>
             <a:fld id="{C1479234-584E-4873-8CD3-B53B1333C3D5}" type="datetimeFigureOut">
               <a:rPr lang="en-US" smtClean="0"/>
-              <a:t>5/26/2021</a:t>
+              <a:t>6/7/2021</a:t>
             </a:fld>
             <a:endParaRPr lang="en-US"/>
           </a:p>
@@ -1012,7 +1012,7 @@
           <a:p>
             <a:fld id="{C1479234-584E-4873-8CD3-B53B1333C3D5}" type="datetimeFigureOut">
               <a:rPr lang="en-US" smtClean="0"/>
-              <a:t>5/26/2021</a:t>
+              <a:t>6/7/2021</a:t>
             </a:fld>
             <a:endParaRPr lang="en-US"/>
           </a:p>
@@ -1244,7 +1244,7 @@
           <a:p>
             <a:fld id="{C1479234-584E-4873-8CD3-B53B1333C3D5}" type="datetimeFigureOut">
               <a:rPr lang="en-US" smtClean="0"/>
-              <a:t>5/26/2021</a:t>
+              <a:t>6/7/2021</a:t>
             </a:fld>
             <a:endParaRPr lang="en-US"/>
           </a:p>
@@ -1611,7 +1611,7 @@
           <a:p>
             <a:fld id="{C1479234-584E-4873-8CD3-B53B1333C3D5}" type="datetimeFigureOut">
               <a:rPr lang="en-US" smtClean="0"/>
-              <a:t>5/26/2021</a:t>
+              <a:t>6/7/2021</a:t>
             </a:fld>
             <a:endParaRPr lang="en-US"/>
           </a:p>
@@ -1729,7 +1729,7 @@
           <a:p>
             <a:fld id="{C1479234-584E-4873-8CD3-B53B1333C3D5}" type="datetimeFigureOut">
               <a:rPr lang="en-US" smtClean="0"/>
-              <a:t>5/26/2021</a:t>
+              <a:t>6/7/2021</a:t>
             </a:fld>
             <a:endParaRPr lang="en-US"/>
           </a:p>
@@ -1824,7 +1824,7 @@
           <a:p>
             <a:fld id="{C1479234-584E-4873-8CD3-B53B1333C3D5}" type="datetimeFigureOut">
               <a:rPr lang="en-US" smtClean="0"/>
-              <a:t>5/26/2021</a:t>
+              <a:t>6/7/2021</a:t>
             </a:fld>
             <a:endParaRPr lang="en-US"/>
           </a:p>
@@ -2101,7 +2101,7 @@
           <a:p>
             <a:fld id="{C1479234-584E-4873-8CD3-B53B1333C3D5}" type="datetimeFigureOut">
               <a:rPr lang="en-US" smtClean="0"/>
-              <a:t>5/26/2021</a:t>
+              <a:t>6/7/2021</a:t>
             </a:fld>
             <a:endParaRPr lang="en-US"/>
           </a:p>
@@ -2358,7 +2358,7 @@
           <a:p>
             <a:fld id="{C1479234-584E-4873-8CD3-B53B1333C3D5}" type="datetimeFigureOut">
               <a:rPr lang="en-US" smtClean="0"/>
-              <a:t>5/26/2021</a:t>
+              <a:t>6/7/2021</a:t>
             </a:fld>
             <a:endParaRPr lang="en-US"/>
           </a:p>
@@ -2571,7 +2571,7 @@
           <a:p>
             <a:fld id="{C1479234-584E-4873-8CD3-B53B1333C3D5}" type="datetimeFigureOut">
               <a:rPr lang="en-US" smtClean="0"/>
-              <a:t>5/26/2021</a:t>
+              <a:t>6/7/2021</a:t>
             </a:fld>
             <a:endParaRPr lang="en-US"/>
           </a:p>
@@ -15711,8 +15711,13 @@
               <a:pPr algn="ctr"/>
               <a:r>
                 <a:rPr lang="en-US" sz="1200" dirty="0"/>
-                <a:t>Cover Crops</a:t>
+                <a:t>Cover </a:t>
               </a:r>
+              <a:r>
+                <a:rPr lang="en-US" sz="1200" dirty="0" smtClean="0"/>
+                <a:t>Crop</a:t>
+              </a:r>
+              <a:endParaRPr lang="en-US" sz="1200" dirty="0"/>
             </a:p>
           </p:txBody>
         </p:sp>
@@ -16929,7 +16934,6 @@
                 <a:rPr lang="en-US" sz="1200" i="1" dirty="0"/>
                 <a:t>4</a:t>
               </a:r>
-              <a:endParaRPr lang="en-US" sz="1200" i="1" dirty="0"/>
             </a:p>
           </p:txBody>
         </p:sp>

--- a/manu/schematics-v2.pptx
+++ b/manu/schematics-v2.pptx
@@ -248,7 +248,7 @@
           <a:p>
             <a:fld id="{C1479234-584E-4873-8CD3-B53B1333C3D5}" type="datetimeFigureOut">
               <a:rPr lang="en-US" smtClean="0"/>
-              <a:t>6/7/2021</a:t>
+              <a:t>6/17/2021</a:t>
             </a:fld>
             <a:endParaRPr lang="en-US"/>
           </a:p>
@@ -418,7 +418,7 @@
           <a:p>
             <a:fld id="{C1479234-584E-4873-8CD3-B53B1333C3D5}" type="datetimeFigureOut">
               <a:rPr lang="en-US" smtClean="0"/>
-              <a:t>6/7/2021</a:t>
+              <a:t>6/17/2021</a:t>
             </a:fld>
             <a:endParaRPr lang="en-US"/>
           </a:p>
@@ -598,7 +598,7 @@
           <a:p>
             <a:fld id="{C1479234-584E-4873-8CD3-B53B1333C3D5}" type="datetimeFigureOut">
               <a:rPr lang="en-US" smtClean="0"/>
-              <a:t>6/7/2021</a:t>
+              <a:t>6/17/2021</a:t>
             </a:fld>
             <a:endParaRPr lang="en-US"/>
           </a:p>
@@ -768,7 +768,7 @@
           <a:p>
             <a:fld id="{C1479234-584E-4873-8CD3-B53B1333C3D5}" type="datetimeFigureOut">
               <a:rPr lang="en-US" smtClean="0"/>
-              <a:t>6/7/2021</a:t>
+              <a:t>6/17/2021</a:t>
             </a:fld>
             <a:endParaRPr lang="en-US"/>
           </a:p>
@@ -1012,7 +1012,7 @@
           <a:p>
             <a:fld id="{C1479234-584E-4873-8CD3-B53B1333C3D5}" type="datetimeFigureOut">
               <a:rPr lang="en-US" smtClean="0"/>
-              <a:t>6/7/2021</a:t>
+              <a:t>6/17/2021</a:t>
             </a:fld>
             <a:endParaRPr lang="en-US"/>
           </a:p>
@@ -1244,7 +1244,7 @@
           <a:p>
             <a:fld id="{C1479234-584E-4873-8CD3-B53B1333C3D5}" type="datetimeFigureOut">
               <a:rPr lang="en-US" smtClean="0"/>
-              <a:t>6/7/2021</a:t>
+              <a:t>6/17/2021</a:t>
             </a:fld>
             <a:endParaRPr lang="en-US"/>
           </a:p>
@@ -1611,7 +1611,7 @@
           <a:p>
             <a:fld id="{C1479234-584E-4873-8CD3-B53B1333C3D5}" type="datetimeFigureOut">
               <a:rPr lang="en-US" smtClean="0"/>
-              <a:t>6/7/2021</a:t>
+              <a:t>6/17/2021</a:t>
             </a:fld>
             <a:endParaRPr lang="en-US"/>
           </a:p>
@@ -1729,7 +1729,7 @@
           <a:p>
             <a:fld id="{C1479234-584E-4873-8CD3-B53B1333C3D5}" type="datetimeFigureOut">
               <a:rPr lang="en-US" smtClean="0"/>
-              <a:t>6/7/2021</a:t>
+              <a:t>6/17/2021</a:t>
             </a:fld>
             <a:endParaRPr lang="en-US"/>
           </a:p>
@@ -1824,7 +1824,7 @@
           <a:p>
             <a:fld id="{C1479234-584E-4873-8CD3-B53B1333C3D5}" type="datetimeFigureOut">
               <a:rPr lang="en-US" smtClean="0"/>
-              <a:t>6/7/2021</a:t>
+              <a:t>6/17/2021</a:t>
             </a:fld>
             <a:endParaRPr lang="en-US"/>
           </a:p>
@@ -2101,7 +2101,7 @@
           <a:p>
             <a:fld id="{C1479234-584E-4873-8CD3-B53B1333C3D5}" type="datetimeFigureOut">
               <a:rPr lang="en-US" smtClean="0"/>
-              <a:t>6/7/2021</a:t>
+              <a:t>6/17/2021</a:t>
             </a:fld>
             <a:endParaRPr lang="en-US"/>
           </a:p>
@@ -2358,7 +2358,7 @@
           <a:p>
             <a:fld id="{C1479234-584E-4873-8CD3-B53B1333C3D5}" type="datetimeFigureOut">
               <a:rPr lang="en-US" smtClean="0"/>
-              <a:t>6/7/2021</a:t>
+              <a:t>6/17/2021</a:t>
             </a:fld>
             <a:endParaRPr lang="en-US"/>
           </a:p>
@@ -2571,7 +2571,7 @@
           <a:p>
             <a:fld id="{C1479234-584E-4873-8CD3-B53B1333C3D5}" type="datetimeFigureOut">
               <a:rPr lang="en-US" smtClean="0"/>
-              <a:t>6/7/2021</a:t>
+              <a:t>6/17/2021</a:t>
             </a:fld>
             <a:endParaRPr lang="en-US"/>
           </a:p>
@@ -3011,2393 +3011,2408 @@
           </a:p>
         </p:txBody>
       </p:sp>
-      <p:cxnSp>
-        <p:nvCxnSpPr>
-          <p:cNvPr id="74" name="Straight Arrow Connector 73">
-            <a:extLst>
-              <a:ext uri="{FF2B5EF4-FFF2-40B4-BE49-F238E27FC236}">
-                <a16:creationId xmlns:a16="http://schemas.microsoft.com/office/drawing/2014/main" id="{A98B12DB-AA79-4E4E-A4CC-5871BB899770}"/>
-              </a:ext>
-            </a:extLst>
-          </p:cNvPr>
-          <p:cNvCxnSpPr>
-            <a:cxnSpLocks/>
-          </p:cNvCxnSpPr>
+      <p:grpSp>
+        <p:nvGrpSpPr>
+          <p:cNvPr id="2" name="Group 1"/>
+          <p:cNvGrpSpPr/>
           <p:nvPr/>
-        </p:nvCxnSpPr>
-        <p:spPr>
+        </p:nvGrpSpPr>
+        <p:grpSpPr>
           <a:xfrm>
-            <a:off x="2027647" y="2415652"/>
-            <a:ext cx="1" cy="523281"/>
+            <a:off x="107361" y="1358867"/>
+            <a:ext cx="6400855" cy="5820753"/>
+            <a:chOff x="107361" y="1358867"/>
+            <a:chExt cx="6400855" cy="5820753"/>
           </a:xfrm>
-          <a:prstGeom prst="straightConnector1">
-            <a:avLst/>
-          </a:prstGeom>
-          <a:ln w="9525">
+        </p:grpSpPr>
+        <p:cxnSp>
+          <p:nvCxnSpPr>
+            <p:cNvPr id="74" name="Straight Arrow Connector 73">
+              <a:extLst>
+                <a:ext uri="{FF2B5EF4-FFF2-40B4-BE49-F238E27FC236}">
+                  <a16:creationId xmlns:a16="http://schemas.microsoft.com/office/drawing/2014/main" id="{A98B12DB-AA79-4E4E-A4CC-5871BB899770}"/>
+                </a:ext>
+              </a:extLst>
+            </p:cNvPr>
+            <p:cNvCxnSpPr>
+              <a:cxnSpLocks/>
+            </p:cNvCxnSpPr>
+            <p:nvPr/>
+          </p:nvCxnSpPr>
+          <p:spPr>
+            <a:xfrm>
+              <a:off x="2027647" y="2415652"/>
+              <a:ext cx="1" cy="523281"/>
+            </a:xfrm>
+            <a:prstGeom prst="straightConnector1">
+              <a:avLst/>
+            </a:prstGeom>
+            <a:ln w="9525">
+              <a:solidFill>
+                <a:schemeClr val="tx1"/>
+              </a:solidFill>
+              <a:tailEnd type="triangle"/>
+            </a:ln>
+          </p:spPr>
+          <p:style>
+            <a:lnRef idx="1">
+              <a:schemeClr val="accent1"/>
+            </a:lnRef>
+            <a:fillRef idx="0">
+              <a:schemeClr val="accent1"/>
+            </a:fillRef>
+            <a:effectRef idx="0">
+              <a:schemeClr val="accent1"/>
+            </a:effectRef>
+            <a:fontRef idx="minor">
+              <a:schemeClr val="tx1"/>
+            </a:fontRef>
+          </p:style>
+        </p:cxnSp>
+        <p:cxnSp>
+          <p:nvCxnSpPr>
+            <p:cNvPr id="167" name="Straight Arrow Connector 166">
+              <a:extLst>
+                <a:ext uri="{FF2B5EF4-FFF2-40B4-BE49-F238E27FC236}">
+                  <a16:creationId xmlns:a16="http://schemas.microsoft.com/office/drawing/2014/main" id="{29FB6EED-A2B4-4F11-B512-964E0FD4FA5E}"/>
+                </a:ext>
+              </a:extLst>
+            </p:cNvPr>
+            <p:cNvCxnSpPr>
+              <a:cxnSpLocks/>
+            </p:cNvCxnSpPr>
+            <p:nvPr/>
+          </p:nvCxnSpPr>
+          <p:spPr>
+            <a:xfrm>
+              <a:off x="1107145" y="3705724"/>
+              <a:ext cx="1265263" cy="0"/>
+            </a:xfrm>
+            <a:prstGeom prst="straightConnector1">
+              <a:avLst/>
+            </a:prstGeom>
+            <a:ln w="9525">
+              <a:solidFill>
+                <a:schemeClr val="tx1"/>
+              </a:solidFill>
+              <a:tailEnd type="triangle"/>
+            </a:ln>
+          </p:spPr>
+          <p:style>
+            <a:lnRef idx="1">
+              <a:schemeClr val="accent1"/>
+            </a:lnRef>
+            <a:fillRef idx="0">
+              <a:schemeClr val="accent1"/>
+            </a:fillRef>
+            <a:effectRef idx="0">
+              <a:schemeClr val="accent1"/>
+            </a:effectRef>
+            <a:fontRef idx="minor">
+              <a:schemeClr val="tx1"/>
+            </a:fontRef>
+          </p:style>
+        </p:cxnSp>
+        <p:cxnSp>
+          <p:nvCxnSpPr>
+            <p:cNvPr id="57" name="Straight Arrow Connector 56">
+              <a:extLst>
+                <a:ext uri="{FF2B5EF4-FFF2-40B4-BE49-F238E27FC236}">
+                  <a16:creationId xmlns:a16="http://schemas.microsoft.com/office/drawing/2014/main" id="{31BA66BD-48A8-4DD6-B57A-134D8438CFE3}"/>
+                </a:ext>
+              </a:extLst>
+            </p:cNvPr>
+            <p:cNvCxnSpPr>
+              <a:cxnSpLocks/>
+            </p:cNvCxnSpPr>
+            <p:nvPr/>
+          </p:nvCxnSpPr>
+          <p:spPr>
+            <a:xfrm>
+              <a:off x="1087787" y="2250106"/>
+              <a:ext cx="1" cy="696487"/>
+            </a:xfrm>
+            <a:prstGeom prst="straightConnector1">
+              <a:avLst/>
+            </a:prstGeom>
+            <a:ln w="9525">
+              <a:solidFill>
+                <a:schemeClr val="tx1"/>
+              </a:solidFill>
+              <a:tailEnd type="triangle"/>
+            </a:ln>
+          </p:spPr>
+          <p:style>
+            <a:lnRef idx="1">
+              <a:schemeClr val="accent1"/>
+            </a:lnRef>
+            <a:fillRef idx="0">
+              <a:schemeClr val="accent1"/>
+            </a:fillRef>
+            <a:effectRef idx="0">
+              <a:schemeClr val="accent1"/>
+            </a:effectRef>
+            <a:fontRef idx="minor">
+              <a:schemeClr val="tx1"/>
+            </a:fontRef>
+          </p:style>
+        </p:cxnSp>
+        <p:cxnSp>
+          <p:nvCxnSpPr>
+            <p:cNvPr id="59" name="Straight Arrow Connector 58">
+              <a:extLst>
+                <a:ext uri="{FF2B5EF4-FFF2-40B4-BE49-F238E27FC236}">
+                  <a16:creationId xmlns:a16="http://schemas.microsoft.com/office/drawing/2014/main" id="{04E70E58-42AC-4675-B455-935EC2D04F90}"/>
+                </a:ext>
+              </a:extLst>
+            </p:cNvPr>
+            <p:cNvCxnSpPr>
+              <a:cxnSpLocks/>
+            </p:cNvCxnSpPr>
+            <p:nvPr/>
+          </p:nvCxnSpPr>
+          <p:spPr>
+            <a:xfrm flipV="1">
+              <a:off x="3429364" y="2250155"/>
+              <a:ext cx="646511" cy="2062"/>
+            </a:xfrm>
+            <a:prstGeom prst="straightConnector1">
+              <a:avLst/>
+            </a:prstGeom>
+            <a:ln w="9525">
+              <a:solidFill>
+                <a:schemeClr val="tx1"/>
+              </a:solidFill>
+              <a:tailEnd type="triangle"/>
+            </a:ln>
+          </p:spPr>
+          <p:style>
+            <a:lnRef idx="1">
+              <a:schemeClr val="accent1"/>
+            </a:lnRef>
+            <a:fillRef idx="0">
+              <a:schemeClr val="accent1"/>
+            </a:fillRef>
+            <a:effectRef idx="0">
+              <a:schemeClr val="accent1"/>
+            </a:effectRef>
+            <a:fontRef idx="minor">
+              <a:schemeClr val="tx1"/>
+            </a:fontRef>
+          </p:style>
+        </p:cxnSp>
+        <p:cxnSp>
+          <p:nvCxnSpPr>
+            <p:cNvPr id="90" name="Straight Arrow Connector 89">
+              <a:extLst>
+                <a:ext uri="{FF2B5EF4-FFF2-40B4-BE49-F238E27FC236}">
+                  <a16:creationId xmlns:a16="http://schemas.microsoft.com/office/drawing/2014/main" id="{BB890F74-A463-4C40-A27B-35FB56527423}"/>
+                </a:ext>
+              </a:extLst>
+            </p:cNvPr>
+            <p:cNvCxnSpPr>
+              <a:cxnSpLocks/>
+            </p:cNvCxnSpPr>
+            <p:nvPr/>
+          </p:nvCxnSpPr>
+          <p:spPr>
+            <a:xfrm>
+              <a:off x="2037415" y="1494474"/>
+              <a:ext cx="1" cy="484673"/>
+            </a:xfrm>
+            <a:prstGeom prst="straightConnector1">
+              <a:avLst/>
+            </a:prstGeom>
+            <a:ln w="57150">
+              <a:solidFill>
+                <a:schemeClr val="tx1"/>
+              </a:solidFill>
+              <a:tailEnd type="triangle"/>
+            </a:ln>
+          </p:spPr>
+          <p:style>
+            <a:lnRef idx="1">
+              <a:schemeClr val="accent1"/>
+            </a:lnRef>
+            <a:fillRef idx="0">
+              <a:schemeClr val="accent1"/>
+            </a:fillRef>
+            <a:effectRef idx="0">
+              <a:schemeClr val="accent1"/>
+            </a:effectRef>
+            <a:fontRef idx="minor">
+              <a:schemeClr val="tx1"/>
+            </a:fontRef>
+          </p:style>
+        </p:cxnSp>
+        <p:cxnSp>
+          <p:nvCxnSpPr>
+            <p:cNvPr id="91" name="Straight Arrow Connector 90">
+              <a:extLst>
+                <a:ext uri="{FF2B5EF4-FFF2-40B4-BE49-F238E27FC236}">
+                  <a16:creationId xmlns:a16="http://schemas.microsoft.com/office/drawing/2014/main" id="{7E40E1B6-6876-41B9-90D2-E708A7BFB424}"/>
+                </a:ext>
+              </a:extLst>
+            </p:cNvPr>
+            <p:cNvCxnSpPr>
+              <a:cxnSpLocks/>
+            </p:cNvCxnSpPr>
+            <p:nvPr/>
+          </p:nvCxnSpPr>
+          <p:spPr>
+            <a:xfrm>
+              <a:off x="3230175" y="1527232"/>
+              <a:ext cx="0" cy="460346"/>
+            </a:xfrm>
+            <a:prstGeom prst="straightConnector1">
+              <a:avLst/>
+            </a:prstGeom>
+            <a:ln w="57150">
+              <a:solidFill>
+                <a:schemeClr val="tx1"/>
+              </a:solidFill>
+              <a:tailEnd type="triangle"/>
+            </a:ln>
+          </p:spPr>
+          <p:style>
+            <a:lnRef idx="1">
+              <a:schemeClr val="accent1"/>
+            </a:lnRef>
+            <a:fillRef idx="0">
+              <a:schemeClr val="accent1"/>
+            </a:fillRef>
+            <a:effectRef idx="0">
+              <a:schemeClr val="accent1"/>
+            </a:effectRef>
+            <a:fontRef idx="minor">
+              <a:schemeClr val="tx1"/>
+            </a:fontRef>
+          </p:style>
+        </p:cxnSp>
+        <p:cxnSp>
+          <p:nvCxnSpPr>
+            <p:cNvPr id="71" name="Straight Arrow Connector 70">
+              <a:extLst>
+                <a:ext uri="{FF2B5EF4-FFF2-40B4-BE49-F238E27FC236}">
+                  <a16:creationId xmlns:a16="http://schemas.microsoft.com/office/drawing/2014/main" id="{DFD09234-A006-4654-8ABC-244EFB2761F0}"/>
+                </a:ext>
+              </a:extLst>
+            </p:cNvPr>
+            <p:cNvCxnSpPr>
+              <a:cxnSpLocks/>
+            </p:cNvCxnSpPr>
+            <p:nvPr/>
+          </p:nvCxnSpPr>
+          <p:spPr>
+            <a:xfrm>
+              <a:off x="4447738" y="1536374"/>
+              <a:ext cx="0" cy="460346"/>
+            </a:xfrm>
+            <a:prstGeom prst="straightConnector1">
+              <a:avLst/>
+            </a:prstGeom>
+            <a:ln w="57150">
+              <a:solidFill>
+                <a:schemeClr val="tx1"/>
+              </a:solidFill>
+              <a:tailEnd type="triangle"/>
+            </a:ln>
+          </p:spPr>
+          <p:style>
+            <a:lnRef idx="1">
+              <a:schemeClr val="accent1"/>
+            </a:lnRef>
+            <a:fillRef idx="0">
+              <a:schemeClr val="accent1"/>
+            </a:fillRef>
+            <a:effectRef idx="0">
+              <a:schemeClr val="accent1"/>
+            </a:effectRef>
+            <a:fontRef idx="minor">
+              <a:schemeClr val="tx1"/>
+            </a:fontRef>
+          </p:style>
+        </p:cxnSp>
+        <p:cxnSp>
+          <p:nvCxnSpPr>
+            <p:cNvPr id="78" name="Straight Arrow Connector 77">
+              <a:extLst>
+                <a:ext uri="{FF2B5EF4-FFF2-40B4-BE49-F238E27FC236}">
+                  <a16:creationId xmlns:a16="http://schemas.microsoft.com/office/drawing/2014/main" id="{BB5C003F-F11F-492B-B684-8A478E3C3DDB}"/>
+                </a:ext>
+              </a:extLst>
+            </p:cNvPr>
+            <p:cNvCxnSpPr>
+              <a:cxnSpLocks/>
+            </p:cNvCxnSpPr>
+            <p:nvPr/>
+          </p:nvCxnSpPr>
+          <p:spPr>
+            <a:xfrm>
+              <a:off x="1080462" y="4194435"/>
+              <a:ext cx="231741" cy="0"/>
+            </a:xfrm>
+            <a:prstGeom prst="straightConnector1">
+              <a:avLst/>
+            </a:prstGeom>
+            <a:ln w="9525">
+              <a:solidFill>
+                <a:schemeClr val="tx1"/>
+              </a:solidFill>
+              <a:tailEnd type="triangle"/>
+            </a:ln>
+          </p:spPr>
+          <p:style>
+            <a:lnRef idx="1">
+              <a:schemeClr val="accent1"/>
+            </a:lnRef>
+            <a:fillRef idx="0">
+              <a:schemeClr val="accent1"/>
+            </a:fillRef>
+            <a:effectRef idx="0">
+              <a:schemeClr val="accent1"/>
+            </a:effectRef>
+            <a:fontRef idx="minor">
+              <a:schemeClr val="tx1"/>
+            </a:fontRef>
+          </p:style>
+        </p:cxnSp>
+        <p:sp>
+          <p:nvSpPr>
+            <p:cNvPr id="80" name="TextBox 79">
+              <a:extLst>
+                <a:ext uri="{FF2B5EF4-FFF2-40B4-BE49-F238E27FC236}">
+                  <a16:creationId xmlns:a16="http://schemas.microsoft.com/office/drawing/2014/main" id="{72EE2869-981E-46C6-AC7A-802D723EAF97}"/>
+                </a:ext>
+              </a:extLst>
+            </p:cNvPr>
+            <p:cNvSpPr txBox="1"/>
+            <p:nvPr/>
+          </p:nvSpPr>
+          <p:spPr>
+            <a:xfrm>
+              <a:off x="2308709" y="6471734"/>
+              <a:ext cx="779661" cy="707886"/>
+            </a:xfrm>
+            <a:prstGeom prst="rect">
+              <a:avLst/>
+            </a:prstGeom>
             <a:solidFill>
-              <a:schemeClr val="tx1"/>
+              <a:schemeClr val="bg2"/>
             </a:solidFill>
-            <a:tailEnd type="triangle"/>
-          </a:ln>
-        </p:spPr>
-        <p:style>
-          <a:lnRef idx="1">
-            <a:schemeClr val="accent1"/>
-          </a:lnRef>
-          <a:fillRef idx="0">
-            <a:schemeClr val="accent1"/>
-          </a:fillRef>
-          <a:effectRef idx="0">
-            <a:schemeClr val="accent1"/>
-          </a:effectRef>
-          <a:fontRef idx="minor">
-            <a:schemeClr val="tx1"/>
-          </a:fontRef>
-        </p:style>
-      </p:cxnSp>
-      <p:cxnSp>
-        <p:nvCxnSpPr>
-          <p:cNvPr id="167" name="Straight Arrow Connector 166">
-            <a:extLst>
-              <a:ext uri="{FF2B5EF4-FFF2-40B4-BE49-F238E27FC236}">
-                <a16:creationId xmlns:a16="http://schemas.microsoft.com/office/drawing/2014/main" id="{29FB6EED-A2B4-4F11-B512-964E0FD4FA5E}"/>
-              </a:ext>
-            </a:extLst>
-          </p:cNvPr>
-          <p:cNvCxnSpPr>
-            <a:cxnSpLocks/>
-          </p:cNvCxnSpPr>
-          <p:nvPr/>
-        </p:nvCxnSpPr>
-        <p:spPr>
-          <a:xfrm>
-            <a:off x="1107145" y="3705724"/>
-            <a:ext cx="1265263" cy="0"/>
-          </a:xfrm>
-          <a:prstGeom prst="straightConnector1">
-            <a:avLst/>
-          </a:prstGeom>
-          <a:ln w="9525">
+            <a:ln w="9525">
+              <a:solidFill>
+                <a:schemeClr val="tx1"/>
+              </a:solidFill>
+            </a:ln>
+          </p:spPr>
+          <p:txBody>
+            <a:bodyPr wrap="square" rtlCol="0">
+              <a:spAutoFit/>
+            </a:bodyPr>
+            <a:lstStyle/>
+            <a:p>
+              <a:pPr algn="ctr"/>
+              <a:r>
+                <a:rPr lang="en-US" sz="1000" dirty="0"/>
+                <a:t>(3) Soil water at field capacity</a:t>
+              </a:r>
+            </a:p>
+          </p:txBody>
+        </p:sp>
+        <p:sp>
+          <p:nvSpPr>
+            <p:cNvPr id="88" name="TextBox 87">
+              <a:extLst>
+                <a:ext uri="{FF2B5EF4-FFF2-40B4-BE49-F238E27FC236}">
+                  <a16:creationId xmlns:a16="http://schemas.microsoft.com/office/drawing/2014/main" id="{A39D2850-50A4-44CE-90DE-AD3BCB951000}"/>
+                </a:ext>
+              </a:extLst>
+            </p:cNvPr>
+            <p:cNvSpPr txBox="1"/>
+            <p:nvPr/>
+          </p:nvSpPr>
+          <p:spPr>
+            <a:xfrm>
+              <a:off x="4169863" y="5804934"/>
+              <a:ext cx="769153" cy="400110"/>
+            </a:xfrm>
+            <a:prstGeom prst="rect">
+              <a:avLst/>
+            </a:prstGeom>
             <a:solidFill>
-              <a:schemeClr val="tx1"/>
+              <a:schemeClr val="accent2"/>
             </a:solidFill>
-            <a:tailEnd type="triangle"/>
-          </a:ln>
-        </p:spPr>
-        <p:style>
-          <a:lnRef idx="1">
-            <a:schemeClr val="accent1"/>
-          </a:lnRef>
-          <a:fillRef idx="0">
-            <a:schemeClr val="accent1"/>
-          </a:fillRef>
-          <a:effectRef idx="0">
-            <a:schemeClr val="accent1"/>
-          </a:effectRef>
-          <a:fontRef idx="minor">
-            <a:schemeClr val="tx1"/>
-          </a:fontRef>
-        </p:style>
-      </p:cxnSp>
-      <p:cxnSp>
-        <p:nvCxnSpPr>
-          <p:cNvPr id="57" name="Straight Arrow Connector 56">
-            <a:extLst>
-              <a:ext uri="{FF2B5EF4-FFF2-40B4-BE49-F238E27FC236}">
-                <a16:creationId xmlns:a16="http://schemas.microsoft.com/office/drawing/2014/main" id="{31BA66BD-48A8-4DD6-B57A-134D8438CFE3}"/>
-              </a:ext>
-            </a:extLst>
-          </p:cNvPr>
-          <p:cNvCxnSpPr>
-            <a:cxnSpLocks/>
-          </p:cNvCxnSpPr>
-          <p:nvPr/>
-        </p:nvCxnSpPr>
-        <p:spPr>
-          <a:xfrm>
-            <a:off x="1087787" y="2250106"/>
-            <a:ext cx="1" cy="696487"/>
-          </a:xfrm>
-          <a:prstGeom prst="straightConnector1">
-            <a:avLst/>
-          </a:prstGeom>
-          <a:ln w="9525">
+            <a:ln w="9525">
+              <a:solidFill>
+                <a:schemeClr val="tx1"/>
+              </a:solidFill>
+            </a:ln>
+          </p:spPr>
+          <p:txBody>
+            <a:bodyPr wrap="square" rtlCol="0">
+              <a:spAutoFit/>
+            </a:bodyPr>
+            <a:lstStyle/>
+            <a:p>
+              <a:pPr algn="ctr"/>
+              <a:r>
+                <a:rPr lang="en-US" sz="1000" dirty="0"/>
+                <a:t>Soil air space</a:t>
+              </a:r>
+            </a:p>
+          </p:txBody>
+        </p:sp>
+        <p:cxnSp>
+          <p:nvCxnSpPr>
+            <p:cNvPr id="11" name="Straight Connector 10">
+              <a:extLst>
+                <a:ext uri="{FF2B5EF4-FFF2-40B4-BE49-F238E27FC236}">
+                  <a16:creationId xmlns:a16="http://schemas.microsoft.com/office/drawing/2014/main" id="{0712DFD0-8832-4922-BFE1-45B491651EC5}"/>
+                </a:ext>
+              </a:extLst>
+            </p:cNvPr>
+            <p:cNvCxnSpPr>
+              <a:cxnSpLocks/>
+            </p:cNvCxnSpPr>
+            <p:nvPr/>
+          </p:nvCxnSpPr>
+          <p:spPr>
+            <a:xfrm>
+              <a:off x="4022458" y="5203997"/>
+              <a:ext cx="0" cy="0"/>
+            </a:xfrm>
+            <a:prstGeom prst="line">
+              <a:avLst/>
+            </a:prstGeom>
+            <a:ln w="9525"/>
+          </p:spPr>
+          <p:style>
+            <a:lnRef idx="1">
+              <a:schemeClr val="accent1"/>
+            </a:lnRef>
+            <a:fillRef idx="0">
+              <a:schemeClr val="accent1"/>
+            </a:fillRef>
+            <a:effectRef idx="0">
+              <a:schemeClr val="accent1"/>
+            </a:effectRef>
+            <a:fontRef idx="minor">
+              <a:schemeClr val="tx1"/>
+            </a:fontRef>
+          </p:style>
+        </p:cxnSp>
+        <p:cxnSp>
+          <p:nvCxnSpPr>
+            <p:cNvPr id="98" name="Straight Arrow Connector 97">
+              <a:extLst>
+                <a:ext uri="{FF2B5EF4-FFF2-40B4-BE49-F238E27FC236}">
+                  <a16:creationId xmlns:a16="http://schemas.microsoft.com/office/drawing/2014/main" id="{520CA070-C7C7-4D3F-97F9-4CF91EF220D6}"/>
+                </a:ext>
+              </a:extLst>
+            </p:cNvPr>
+            <p:cNvCxnSpPr>
+              <a:cxnSpLocks/>
+            </p:cNvCxnSpPr>
+            <p:nvPr/>
+          </p:nvCxnSpPr>
+          <p:spPr>
+            <a:xfrm flipH="1">
+              <a:off x="3331775" y="5170330"/>
+              <a:ext cx="2283" cy="299371"/>
+            </a:xfrm>
+            <a:prstGeom prst="straightConnector1">
+              <a:avLst/>
+            </a:prstGeom>
+            <a:ln w="9525">
+              <a:solidFill>
+                <a:schemeClr val="tx1"/>
+              </a:solidFill>
+              <a:tailEnd type="triangle"/>
+            </a:ln>
+          </p:spPr>
+          <p:style>
+            <a:lnRef idx="1">
+              <a:schemeClr val="accent1"/>
+            </a:lnRef>
+            <a:fillRef idx="0">
+              <a:schemeClr val="accent1"/>
+            </a:fillRef>
+            <a:effectRef idx="0">
+              <a:schemeClr val="accent1"/>
+            </a:effectRef>
+            <a:fontRef idx="minor">
+              <a:schemeClr val="tx1"/>
+            </a:fontRef>
+          </p:style>
+        </p:cxnSp>
+        <p:cxnSp>
+          <p:nvCxnSpPr>
+            <p:cNvPr id="106" name="Straight Arrow Connector 105">
+              <a:extLst>
+                <a:ext uri="{FF2B5EF4-FFF2-40B4-BE49-F238E27FC236}">
+                  <a16:creationId xmlns:a16="http://schemas.microsoft.com/office/drawing/2014/main" id="{8CAB5DDE-1F61-4056-BA35-2C7C17ABB411}"/>
+                </a:ext>
+              </a:extLst>
+            </p:cNvPr>
+            <p:cNvCxnSpPr>
+              <a:cxnSpLocks/>
+            </p:cNvCxnSpPr>
+            <p:nvPr/>
+          </p:nvCxnSpPr>
+          <p:spPr>
+            <a:xfrm>
+              <a:off x="1979211" y="4050461"/>
+              <a:ext cx="378140" cy="0"/>
+            </a:xfrm>
+            <a:prstGeom prst="straightConnector1">
+              <a:avLst/>
+            </a:prstGeom>
+            <a:ln w="9525">
+              <a:solidFill>
+                <a:schemeClr val="tx1"/>
+              </a:solidFill>
+              <a:tailEnd type="triangle"/>
+            </a:ln>
+          </p:spPr>
+          <p:style>
+            <a:lnRef idx="1">
+              <a:schemeClr val="accent1"/>
+            </a:lnRef>
+            <a:fillRef idx="0">
+              <a:schemeClr val="accent1"/>
+            </a:fillRef>
+            <a:effectRef idx="0">
+              <a:schemeClr val="accent1"/>
+            </a:effectRef>
+            <a:fontRef idx="minor">
+              <a:schemeClr val="tx1"/>
+            </a:fontRef>
+          </p:style>
+        </p:cxnSp>
+        <p:cxnSp>
+          <p:nvCxnSpPr>
+            <p:cNvPr id="110" name="Straight Arrow Connector 109">
+              <a:extLst>
+                <a:ext uri="{FF2B5EF4-FFF2-40B4-BE49-F238E27FC236}">
+                  <a16:creationId xmlns:a16="http://schemas.microsoft.com/office/drawing/2014/main" id="{6A13596A-C939-4CBE-A6B5-C323C197012A}"/>
+                </a:ext>
+              </a:extLst>
+            </p:cNvPr>
+            <p:cNvCxnSpPr>
+              <a:cxnSpLocks/>
+            </p:cNvCxnSpPr>
+            <p:nvPr/>
+          </p:nvCxnSpPr>
+          <p:spPr>
+            <a:xfrm flipH="1">
+              <a:off x="4554440" y="5253183"/>
+              <a:ext cx="2283" cy="530354"/>
+            </a:xfrm>
+            <a:prstGeom prst="straightConnector1">
+              <a:avLst/>
+            </a:prstGeom>
+            <a:ln w="9525">
+              <a:solidFill>
+                <a:schemeClr val="tx1"/>
+              </a:solidFill>
+              <a:tailEnd type="triangle"/>
+            </a:ln>
+          </p:spPr>
+          <p:style>
+            <a:lnRef idx="1">
+              <a:schemeClr val="accent1"/>
+            </a:lnRef>
+            <a:fillRef idx="0">
+              <a:schemeClr val="accent1"/>
+            </a:fillRef>
+            <a:effectRef idx="0">
+              <a:schemeClr val="accent1"/>
+            </a:effectRef>
+            <a:fontRef idx="minor">
+              <a:schemeClr val="tx1"/>
+            </a:fontRef>
+          </p:style>
+        </p:cxnSp>
+        <p:cxnSp>
+          <p:nvCxnSpPr>
+            <p:cNvPr id="137" name="Straight Arrow Connector 136">
+              <a:extLst>
+                <a:ext uri="{FF2B5EF4-FFF2-40B4-BE49-F238E27FC236}">
+                  <a16:creationId xmlns:a16="http://schemas.microsoft.com/office/drawing/2014/main" id="{0F6BD93F-2EFA-49FF-85C2-C755174ABBA9}"/>
+                </a:ext>
+              </a:extLst>
+            </p:cNvPr>
+            <p:cNvCxnSpPr>
+              <a:cxnSpLocks/>
+            </p:cNvCxnSpPr>
+            <p:nvPr/>
+          </p:nvCxnSpPr>
+          <p:spPr>
+            <a:xfrm>
+              <a:off x="2690483" y="3216170"/>
+              <a:ext cx="1" cy="393149"/>
+            </a:xfrm>
+            <a:prstGeom prst="straightConnector1">
+              <a:avLst/>
+            </a:prstGeom>
+            <a:ln w="9525">
+              <a:solidFill>
+                <a:schemeClr val="tx1"/>
+              </a:solidFill>
+              <a:tailEnd type="triangle"/>
+            </a:ln>
+          </p:spPr>
+          <p:style>
+            <a:lnRef idx="1">
+              <a:schemeClr val="accent1"/>
+            </a:lnRef>
+            <a:fillRef idx="0">
+              <a:schemeClr val="accent1"/>
+            </a:fillRef>
+            <a:effectRef idx="0">
+              <a:schemeClr val="accent1"/>
+            </a:effectRef>
+            <a:fontRef idx="minor">
+              <a:schemeClr val="tx1"/>
+            </a:fontRef>
+          </p:style>
+        </p:cxnSp>
+        <p:cxnSp>
+          <p:nvCxnSpPr>
+            <p:cNvPr id="139" name="Straight Arrow Connector 138">
+              <a:extLst>
+                <a:ext uri="{FF2B5EF4-FFF2-40B4-BE49-F238E27FC236}">
+                  <a16:creationId xmlns:a16="http://schemas.microsoft.com/office/drawing/2014/main" id="{AB2DECDF-FA1B-4A8D-9B89-6F5D9907AB97}"/>
+                </a:ext>
+              </a:extLst>
+            </p:cNvPr>
+            <p:cNvCxnSpPr>
+              <a:cxnSpLocks/>
+            </p:cNvCxnSpPr>
+            <p:nvPr/>
+          </p:nvCxnSpPr>
+          <p:spPr>
+            <a:xfrm flipH="1">
+              <a:off x="4554439" y="6196981"/>
+              <a:ext cx="2283" cy="329308"/>
+            </a:xfrm>
+            <a:prstGeom prst="straightConnector1">
+              <a:avLst/>
+            </a:prstGeom>
+            <a:ln w="9525">
+              <a:solidFill>
+                <a:schemeClr val="tx1"/>
+              </a:solidFill>
+              <a:tailEnd type="triangle"/>
+            </a:ln>
+          </p:spPr>
+          <p:style>
+            <a:lnRef idx="1">
+              <a:schemeClr val="accent1"/>
+            </a:lnRef>
+            <a:fillRef idx="0">
+              <a:schemeClr val="accent1"/>
+            </a:fillRef>
+            <a:effectRef idx="0">
+              <a:schemeClr val="accent1"/>
+            </a:effectRef>
+            <a:fontRef idx="minor">
+              <a:schemeClr val="tx1"/>
+            </a:fontRef>
+          </p:style>
+        </p:cxnSp>
+        <p:cxnSp>
+          <p:nvCxnSpPr>
+            <p:cNvPr id="143" name="Straight Connector 142">
+              <a:extLst>
+                <a:ext uri="{FF2B5EF4-FFF2-40B4-BE49-F238E27FC236}">
+                  <a16:creationId xmlns:a16="http://schemas.microsoft.com/office/drawing/2014/main" id="{6627E756-A242-4A41-8E25-A9CA05261A15}"/>
+                </a:ext>
+              </a:extLst>
+            </p:cNvPr>
+            <p:cNvCxnSpPr>
+              <a:cxnSpLocks/>
+            </p:cNvCxnSpPr>
+            <p:nvPr/>
+          </p:nvCxnSpPr>
+          <p:spPr>
+            <a:xfrm>
+              <a:off x="1089628" y="2251170"/>
+              <a:ext cx="649490" cy="0"/>
+            </a:xfrm>
+            <a:prstGeom prst="line">
+              <a:avLst/>
+            </a:prstGeom>
+            <a:ln w="9525">
+              <a:solidFill>
+                <a:schemeClr val="tx1"/>
+              </a:solidFill>
+            </a:ln>
+          </p:spPr>
+          <p:style>
+            <a:lnRef idx="1">
+              <a:schemeClr val="accent1"/>
+            </a:lnRef>
+            <a:fillRef idx="0">
+              <a:schemeClr val="accent1"/>
+            </a:fillRef>
+            <a:effectRef idx="0">
+              <a:schemeClr val="accent1"/>
+            </a:effectRef>
+            <a:fontRef idx="minor">
+              <a:schemeClr val="tx1"/>
+            </a:fontRef>
+          </p:style>
+        </p:cxnSp>
+        <p:cxnSp>
+          <p:nvCxnSpPr>
+            <p:cNvPr id="150" name="Straight Arrow Connector 149">
+              <a:extLst>
+                <a:ext uri="{FF2B5EF4-FFF2-40B4-BE49-F238E27FC236}">
+                  <a16:creationId xmlns:a16="http://schemas.microsoft.com/office/drawing/2014/main" id="{4CEEC003-E039-462C-8E5B-0071A4FA2F92}"/>
+                </a:ext>
+              </a:extLst>
+            </p:cNvPr>
+            <p:cNvCxnSpPr>
+              <a:cxnSpLocks/>
+            </p:cNvCxnSpPr>
+            <p:nvPr/>
+          </p:nvCxnSpPr>
+          <p:spPr>
+            <a:xfrm flipH="1">
+              <a:off x="2675027" y="6134568"/>
+              <a:ext cx="2283" cy="329308"/>
+            </a:xfrm>
+            <a:prstGeom prst="straightConnector1">
+              <a:avLst/>
+            </a:prstGeom>
+            <a:ln w="9525">
+              <a:solidFill>
+                <a:schemeClr val="tx1"/>
+              </a:solidFill>
+              <a:tailEnd type="triangle"/>
+            </a:ln>
+          </p:spPr>
+          <p:style>
+            <a:lnRef idx="1">
+              <a:schemeClr val="accent1"/>
+            </a:lnRef>
+            <a:fillRef idx="0">
+              <a:schemeClr val="accent1"/>
+            </a:fillRef>
+            <a:effectRef idx="0">
+              <a:schemeClr val="accent1"/>
+            </a:effectRef>
+            <a:fontRef idx="minor">
+              <a:schemeClr val="tx1"/>
+            </a:fontRef>
+          </p:style>
+        </p:cxnSp>
+        <p:cxnSp>
+          <p:nvCxnSpPr>
+            <p:cNvPr id="155" name="Straight Arrow Connector 154">
+              <a:extLst>
+                <a:ext uri="{FF2B5EF4-FFF2-40B4-BE49-F238E27FC236}">
+                  <a16:creationId xmlns:a16="http://schemas.microsoft.com/office/drawing/2014/main" id="{5CCBE1E9-71CC-46F6-87B7-E4F8AB4CD8A8}"/>
+                </a:ext>
+              </a:extLst>
+            </p:cNvPr>
+            <p:cNvCxnSpPr>
+              <a:cxnSpLocks/>
+            </p:cNvCxnSpPr>
+            <p:nvPr/>
+          </p:nvCxnSpPr>
+          <p:spPr>
+            <a:xfrm>
+              <a:off x="2999425" y="2430624"/>
+              <a:ext cx="1" cy="523281"/>
+            </a:xfrm>
+            <a:prstGeom prst="straightConnector1">
+              <a:avLst/>
+            </a:prstGeom>
+            <a:ln w="9525">
+              <a:solidFill>
+                <a:schemeClr val="tx1"/>
+              </a:solidFill>
+              <a:tailEnd type="triangle"/>
+            </a:ln>
+          </p:spPr>
+          <p:style>
+            <a:lnRef idx="1">
+              <a:schemeClr val="accent1"/>
+            </a:lnRef>
+            <a:fillRef idx="0">
+              <a:schemeClr val="accent1"/>
+            </a:fillRef>
+            <a:effectRef idx="0">
+              <a:schemeClr val="accent1"/>
+            </a:effectRef>
+            <a:fontRef idx="minor">
+              <a:schemeClr val="tx1"/>
+            </a:fontRef>
+          </p:style>
+        </p:cxnSp>
+        <p:cxnSp>
+          <p:nvCxnSpPr>
+            <p:cNvPr id="158" name="Straight Arrow Connector 157">
+              <a:extLst>
+                <a:ext uri="{FF2B5EF4-FFF2-40B4-BE49-F238E27FC236}">
+                  <a16:creationId xmlns:a16="http://schemas.microsoft.com/office/drawing/2014/main" id="{EB3788F3-F053-4B9F-8B6F-A1E719F0C944}"/>
+                </a:ext>
+              </a:extLst>
+            </p:cNvPr>
+            <p:cNvCxnSpPr>
+              <a:cxnSpLocks/>
+            </p:cNvCxnSpPr>
+            <p:nvPr/>
+          </p:nvCxnSpPr>
+          <p:spPr>
+            <a:xfrm>
+              <a:off x="1086604" y="5096160"/>
+              <a:ext cx="2040596" cy="0"/>
+            </a:xfrm>
+            <a:prstGeom prst="straightConnector1">
+              <a:avLst/>
+            </a:prstGeom>
+            <a:ln w="9525">
+              <a:solidFill>
+                <a:schemeClr val="tx1"/>
+              </a:solidFill>
+              <a:tailEnd type="triangle"/>
+            </a:ln>
+          </p:spPr>
+          <p:style>
+            <a:lnRef idx="1">
+              <a:schemeClr val="accent1"/>
+            </a:lnRef>
+            <a:fillRef idx="0">
+              <a:schemeClr val="accent1"/>
+            </a:fillRef>
+            <a:effectRef idx="0">
+              <a:schemeClr val="accent1"/>
+            </a:effectRef>
+            <a:fontRef idx="minor">
+              <a:schemeClr val="tx1"/>
+            </a:fontRef>
+          </p:style>
+        </p:cxnSp>
+        <p:cxnSp>
+          <p:nvCxnSpPr>
+            <p:cNvPr id="160" name="Straight Connector 159">
+              <a:extLst>
+                <a:ext uri="{FF2B5EF4-FFF2-40B4-BE49-F238E27FC236}">
+                  <a16:creationId xmlns:a16="http://schemas.microsoft.com/office/drawing/2014/main" id="{0B292357-63F9-426A-B97C-356AA694F997}"/>
+                </a:ext>
+              </a:extLst>
+            </p:cNvPr>
+            <p:cNvCxnSpPr>
+              <a:cxnSpLocks/>
+            </p:cNvCxnSpPr>
+            <p:nvPr/>
+          </p:nvCxnSpPr>
+          <p:spPr>
+            <a:xfrm flipH="1">
+              <a:off x="1087786" y="3329382"/>
+              <a:ext cx="1" cy="2308618"/>
+            </a:xfrm>
+            <a:prstGeom prst="line">
+              <a:avLst/>
+            </a:prstGeom>
+            <a:ln w="9525">
+              <a:solidFill>
+                <a:schemeClr val="tx1"/>
+              </a:solidFill>
+            </a:ln>
+          </p:spPr>
+          <p:style>
+            <a:lnRef idx="1">
+              <a:schemeClr val="accent1"/>
+            </a:lnRef>
+            <a:fillRef idx="0">
+              <a:schemeClr val="accent1"/>
+            </a:fillRef>
+            <a:effectRef idx="0">
+              <a:schemeClr val="accent1"/>
+            </a:effectRef>
+            <a:fontRef idx="minor">
+              <a:schemeClr val="tx1"/>
+            </a:fontRef>
+          </p:style>
+        </p:cxnSp>
+        <p:cxnSp>
+          <p:nvCxnSpPr>
+            <p:cNvPr id="162" name="Straight Arrow Connector 161">
+              <a:extLst>
+                <a:ext uri="{FF2B5EF4-FFF2-40B4-BE49-F238E27FC236}">
+                  <a16:creationId xmlns:a16="http://schemas.microsoft.com/office/drawing/2014/main" id="{3453C37C-FAEF-496A-9FB5-7A20970CEADF}"/>
+                </a:ext>
+              </a:extLst>
+            </p:cNvPr>
+            <p:cNvCxnSpPr>
+              <a:cxnSpLocks/>
+            </p:cNvCxnSpPr>
+            <p:nvPr/>
+          </p:nvCxnSpPr>
+          <p:spPr>
+            <a:xfrm>
+              <a:off x="4536773" y="2202490"/>
+              <a:ext cx="0" cy="2625769"/>
+            </a:xfrm>
+            <a:prstGeom prst="straightConnector1">
+              <a:avLst/>
+            </a:prstGeom>
+            <a:ln w="9525">
+              <a:solidFill>
+                <a:schemeClr val="tx1"/>
+              </a:solidFill>
+              <a:tailEnd type="triangle"/>
+            </a:ln>
+          </p:spPr>
+          <p:style>
+            <a:lnRef idx="1">
+              <a:schemeClr val="accent1"/>
+            </a:lnRef>
+            <a:fillRef idx="0">
+              <a:schemeClr val="accent1"/>
+            </a:fillRef>
+            <a:effectRef idx="0">
+              <a:schemeClr val="accent1"/>
+            </a:effectRef>
+            <a:fontRef idx="minor">
+              <a:schemeClr val="tx1"/>
+            </a:fontRef>
+          </p:style>
+        </p:cxnSp>
+        <p:cxnSp>
+          <p:nvCxnSpPr>
+            <p:cNvPr id="165" name="Straight Arrow Connector 164">
+              <a:extLst>
+                <a:ext uri="{FF2B5EF4-FFF2-40B4-BE49-F238E27FC236}">
+                  <a16:creationId xmlns:a16="http://schemas.microsoft.com/office/drawing/2014/main" id="{EDE542EA-DBC5-44EA-9B66-C4AA3B7E3459}"/>
+                </a:ext>
+              </a:extLst>
+            </p:cNvPr>
+            <p:cNvCxnSpPr>
+              <a:cxnSpLocks/>
+            </p:cNvCxnSpPr>
+            <p:nvPr/>
+          </p:nvCxnSpPr>
+          <p:spPr>
+            <a:xfrm flipH="1">
+              <a:off x="3023777" y="3933231"/>
+              <a:ext cx="1186765" cy="0"/>
+            </a:xfrm>
+            <a:prstGeom prst="straightConnector1">
+              <a:avLst/>
+            </a:prstGeom>
+            <a:ln w="9525">
+              <a:solidFill>
+                <a:schemeClr val="tx1"/>
+              </a:solidFill>
+              <a:tailEnd type="triangle"/>
+            </a:ln>
+          </p:spPr>
+          <p:style>
+            <a:lnRef idx="1">
+              <a:schemeClr val="accent1"/>
+            </a:lnRef>
+            <a:fillRef idx="0">
+              <a:schemeClr val="accent1"/>
+            </a:fillRef>
+            <a:effectRef idx="0">
+              <a:schemeClr val="accent1"/>
+            </a:effectRef>
+            <a:fontRef idx="minor">
+              <a:schemeClr val="tx1"/>
+            </a:fontRef>
+          </p:style>
+        </p:cxnSp>
+        <p:cxnSp>
+          <p:nvCxnSpPr>
+            <p:cNvPr id="166" name="Straight Connector 165">
+              <a:extLst>
+                <a:ext uri="{FF2B5EF4-FFF2-40B4-BE49-F238E27FC236}">
+                  <a16:creationId xmlns:a16="http://schemas.microsoft.com/office/drawing/2014/main" id="{BF35F3B7-BA5F-4740-B113-7D5F0023435C}"/>
+                </a:ext>
+              </a:extLst>
+            </p:cNvPr>
+            <p:cNvCxnSpPr/>
+            <p:nvPr/>
+          </p:nvCxnSpPr>
+          <p:spPr>
+            <a:xfrm flipH="1">
+              <a:off x="4215347" y="2202109"/>
+              <a:ext cx="1" cy="1734499"/>
+            </a:xfrm>
+            <a:prstGeom prst="line">
+              <a:avLst/>
+            </a:prstGeom>
+            <a:ln w="9525">
+              <a:solidFill>
+                <a:schemeClr val="tx1"/>
+              </a:solidFill>
+            </a:ln>
+          </p:spPr>
+          <p:style>
+            <a:lnRef idx="1">
+              <a:schemeClr val="accent1"/>
+            </a:lnRef>
+            <a:fillRef idx="0">
+              <a:schemeClr val="accent1"/>
+            </a:fillRef>
+            <a:effectRef idx="0">
+              <a:schemeClr val="accent1"/>
+            </a:effectRef>
+            <a:fontRef idx="minor">
+              <a:schemeClr val="tx1"/>
+            </a:fontRef>
+          </p:style>
+        </p:cxnSp>
+        <p:cxnSp>
+          <p:nvCxnSpPr>
+            <p:cNvPr id="169" name="Straight Arrow Connector 168">
+              <a:extLst>
+                <a:ext uri="{FF2B5EF4-FFF2-40B4-BE49-F238E27FC236}">
+                  <a16:creationId xmlns:a16="http://schemas.microsoft.com/office/drawing/2014/main" id="{534B27D9-05C4-48B9-9B7D-F4CE4CE51C80}"/>
+                </a:ext>
+              </a:extLst>
+            </p:cNvPr>
+            <p:cNvCxnSpPr>
+              <a:cxnSpLocks/>
+            </p:cNvCxnSpPr>
+            <p:nvPr/>
+          </p:nvCxnSpPr>
+          <p:spPr>
+            <a:xfrm flipH="1">
+              <a:off x="3067540" y="6748733"/>
+              <a:ext cx="1078877" cy="0"/>
+            </a:xfrm>
+            <a:prstGeom prst="straightConnector1">
+              <a:avLst/>
+            </a:prstGeom>
+            <a:ln w="9525">
+              <a:solidFill>
+                <a:schemeClr val="tx1"/>
+              </a:solidFill>
+              <a:tailEnd type="triangle"/>
+            </a:ln>
+          </p:spPr>
+          <p:style>
+            <a:lnRef idx="1">
+              <a:schemeClr val="accent1"/>
+            </a:lnRef>
+            <a:fillRef idx="0">
+              <a:schemeClr val="accent1"/>
+            </a:fillRef>
+            <a:effectRef idx="0">
+              <a:schemeClr val="accent1"/>
+            </a:effectRef>
+            <a:fontRef idx="minor">
+              <a:schemeClr val="tx1"/>
+            </a:fontRef>
+          </p:style>
+        </p:cxnSp>
+        <p:sp>
+          <p:nvSpPr>
+            <p:cNvPr id="170" name="TextBox 169">
+              <a:extLst>
+                <a:ext uri="{FF2B5EF4-FFF2-40B4-BE49-F238E27FC236}">
+                  <a16:creationId xmlns:a16="http://schemas.microsoft.com/office/drawing/2014/main" id="{68630CDA-D7CB-4F71-94FA-BDABED5E88FE}"/>
+                </a:ext>
+              </a:extLst>
+            </p:cNvPr>
+            <p:cNvSpPr txBox="1"/>
+            <p:nvPr/>
+          </p:nvSpPr>
+          <p:spPr>
+            <a:xfrm>
+              <a:off x="1593368" y="5491347"/>
+              <a:ext cx="2155146" cy="400110"/>
+            </a:xfrm>
+            <a:prstGeom prst="rect">
+              <a:avLst/>
+            </a:prstGeom>
             <a:solidFill>
-              <a:schemeClr val="tx1"/>
+              <a:schemeClr val="bg2"/>
             </a:solidFill>
-            <a:tailEnd type="triangle"/>
-          </a:ln>
-        </p:spPr>
-        <p:style>
-          <a:lnRef idx="1">
-            <a:schemeClr val="accent1"/>
-          </a:lnRef>
-          <a:fillRef idx="0">
-            <a:schemeClr val="accent1"/>
-          </a:fillRef>
-          <a:effectRef idx="0">
-            <a:schemeClr val="accent1"/>
-          </a:effectRef>
-          <a:fontRef idx="minor">
-            <a:schemeClr val="tx1"/>
-          </a:fontRef>
-        </p:style>
-      </p:cxnSp>
-      <p:cxnSp>
-        <p:nvCxnSpPr>
-          <p:cNvPr id="59" name="Straight Arrow Connector 58">
-            <a:extLst>
-              <a:ext uri="{FF2B5EF4-FFF2-40B4-BE49-F238E27FC236}">
-                <a16:creationId xmlns:a16="http://schemas.microsoft.com/office/drawing/2014/main" id="{04E70E58-42AC-4675-B455-935EC2D04F90}"/>
-              </a:ext>
-            </a:extLst>
-          </p:cNvPr>
-          <p:cNvCxnSpPr>
-            <a:cxnSpLocks/>
-          </p:cNvCxnSpPr>
-          <p:nvPr/>
-        </p:nvCxnSpPr>
-        <p:spPr>
-          <a:xfrm flipV="1">
-            <a:off x="3429364" y="2250155"/>
-            <a:ext cx="646511" cy="2062"/>
-          </a:xfrm>
-          <a:prstGeom prst="straightConnector1">
-            <a:avLst/>
-          </a:prstGeom>
-          <a:ln w="9525">
+            <a:ln w="9525">
+              <a:solidFill>
+                <a:schemeClr val="tx1"/>
+              </a:solidFill>
+            </a:ln>
+          </p:spPr>
+          <p:txBody>
+            <a:bodyPr wrap="square" rtlCol="0">
+              <a:spAutoFit/>
+            </a:bodyPr>
+            <a:lstStyle/>
+            <a:p>
+              <a:pPr algn="ctr"/>
+              <a:r>
+                <a:rPr lang="en-US" sz="1000" dirty="0"/>
+                <a:t>(1) Soil structure/pore size distributions</a:t>
+              </a:r>
+            </a:p>
+          </p:txBody>
+        </p:sp>
+        <p:cxnSp>
+          <p:nvCxnSpPr>
+            <p:cNvPr id="171" name="Straight Arrow Connector 170">
+              <a:extLst>
+                <a:ext uri="{FF2B5EF4-FFF2-40B4-BE49-F238E27FC236}">
+                  <a16:creationId xmlns:a16="http://schemas.microsoft.com/office/drawing/2014/main" id="{663EA009-7A37-4BE8-9A68-3DB9D98D41CC}"/>
+                </a:ext>
+              </a:extLst>
+            </p:cNvPr>
+            <p:cNvCxnSpPr>
+              <a:cxnSpLocks/>
+            </p:cNvCxnSpPr>
+            <p:nvPr/>
+          </p:nvCxnSpPr>
+          <p:spPr>
+            <a:xfrm flipH="1">
+              <a:off x="2673586" y="5865391"/>
+              <a:ext cx="2283" cy="204475"/>
+            </a:xfrm>
+            <a:prstGeom prst="straightConnector1">
+              <a:avLst/>
+            </a:prstGeom>
+            <a:ln w="9525">
+              <a:solidFill>
+                <a:schemeClr val="tx1"/>
+              </a:solidFill>
+              <a:tailEnd type="triangle"/>
+            </a:ln>
+          </p:spPr>
+          <p:style>
+            <a:lnRef idx="1">
+              <a:schemeClr val="accent1"/>
+            </a:lnRef>
+            <a:fillRef idx="0">
+              <a:schemeClr val="accent1"/>
+            </a:fillRef>
+            <a:effectRef idx="0">
+              <a:schemeClr val="accent1"/>
+            </a:effectRef>
+            <a:fontRef idx="minor">
+              <a:schemeClr val="tx1"/>
+            </a:fontRef>
+          </p:style>
+        </p:cxnSp>
+        <p:cxnSp>
+          <p:nvCxnSpPr>
+            <p:cNvPr id="175" name="Straight Arrow Connector 174">
+              <a:extLst>
+                <a:ext uri="{FF2B5EF4-FFF2-40B4-BE49-F238E27FC236}">
+                  <a16:creationId xmlns:a16="http://schemas.microsoft.com/office/drawing/2014/main" id="{AF84A429-61E5-4732-A27D-DEAC4CF53B42}"/>
+                </a:ext>
+              </a:extLst>
+            </p:cNvPr>
+            <p:cNvCxnSpPr>
+              <a:cxnSpLocks/>
+            </p:cNvCxnSpPr>
+            <p:nvPr/>
+          </p:nvCxnSpPr>
+          <p:spPr>
+            <a:xfrm>
+              <a:off x="1084919" y="5634335"/>
+              <a:ext cx="503304" cy="0"/>
+            </a:xfrm>
+            <a:prstGeom prst="straightConnector1">
+              <a:avLst/>
+            </a:prstGeom>
+            <a:ln w="9525">
+              <a:solidFill>
+                <a:schemeClr val="tx1"/>
+              </a:solidFill>
+              <a:tailEnd type="triangle"/>
+            </a:ln>
+          </p:spPr>
+          <p:style>
+            <a:lnRef idx="1">
+              <a:schemeClr val="accent1"/>
+            </a:lnRef>
+            <a:fillRef idx="0">
+              <a:schemeClr val="accent1"/>
+            </a:fillRef>
+            <a:effectRef idx="0">
+              <a:schemeClr val="accent1"/>
+            </a:effectRef>
+            <a:fontRef idx="minor">
+              <a:schemeClr val="tx1"/>
+            </a:fontRef>
+          </p:style>
+        </p:cxnSp>
+        <p:sp>
+          <p:nvSpPr>
+            <p:cNvPr id="6" name="TextBox 5">
+              <a:extLst>
+                <a:ext uri="{FF2B5EF4-FFF2-40B4-BE49-F238E27FC236}">
+                  <a16:creationId xmlns:a16="http://schemas.microsoft.com/office/drawing/2014/main" id="{21876E51-290C-4303-A6AD-0D8D552ADC8C}"/>
+                </a:ext>
+              </a:extLst>
+            </p:cNvPr>
+            <p:cNvSpPr txBox="1"/>
+            <p:nvPr/>
+          </p:nvSpPr>
+          <p:spPr>
+            <a:xfrm>
+              <a:off x="2879774" y="1970332"/>
+              <a:ext cx="750407" cy="553998"/>
+            </a:xfrm>
+            <a:prstGeom prst="rect">
+              <a:avLst/>
+            </a:prstGeom>
             <a:solidFill>
-              <a:schemeClr val="tx1"/>
+              <a:schemeClr val="accent2"/>
             </a:solidFill>
-            <a:tailEnd type="triangle"/>
-          </a:ln>
-        </p:spPr>
-        <p:style>
-          <a:lnRef idx="1">
-            <a:schemeClr val="accent1"/>
-          </a:lnRef>
-          <a:fillRef idx="0">
-            <a:schemeClr val="accent1"/>
-          </a:fillRef>
-          <a:effectRef idx="0">
-            <a:schemeClr val="accent1"/>
-          </a:effectRef>
-          <a:fontRef idx="minor">
-            <a:schemeClr val="tx1"/>
-          </a:fontRef>
-        </p:style>
-      </p:cxnSp>
-      <p:cxnSp>
-        <p:nvCxnSpPr>
-          <p:cNvPr id="90" name="Straight Arrow Connector 89">
-            <a:extLst>
-              <a:ext uri="{FF2B5EF4-FFF2-40B4-BE49-F238E27FC236}">
-                <a16:creationId xmlns:a16="http://schemas.microsoft.com/office/drawing/2014/main" id="{BB890F74-A463-4C40-A27B-35FB56527423}"/>
-              </a:ext>
-            </a:extLst>
-          </p:cNvPr>
-          <p:cNvCxnSpPr>
-            <a:cxnSpLocks/>
-          </p:cNvCxnSpPr>
-          <p:nvPr/>
-        </p:nvCxnSpPr>
-        <p:spPr>
-          <a:xfrm>
-            <a:off x="2037415" y="1494474"/>
-            <a:ext cx="1" cy="484673"/>
-          </a:xfrm>
-          <a:prstGeom prst="straightConnector1">
-            <a:avLst/>
-          </a:prstGeom>
-          <a:ln w="57150">
+            <a:ln w="9525">
+              <a:solidFill>
+                <a:schemeClr val="tx1"/>
+              </a:solidFill>
+            </a:ln>
+          </p:spPr>
+          <p:txBody>
+            <a:bodyPr wrap="square" rtlCol="0">
+              <a:spAutoFit/>
+            </a:bodyPr>
+            <a:lstStyle/>
+            <a:p>
+              <a:pPr algn="ctr"/>
+              <a:r>
+                <a:rPr lang="en-US" sz="1000" dirty="0"/>
+                <a:t>Below-ground biomass</a:t>
+              </a:r>
+            </a:p>
+          </p:txBody>
+        </p:sp>
+        <p:sp>
+          <p:nvSpPr>
+            <p:cNvPr id="77" name="TextBox 76">
+              <a:extLst>
+                <a:ext uri="{FF2B5EF4-FFF2-40B4-BE49-F238E27FC236}">
+                  <a16:creationId xmlns:a16="http://schemas.microsoft.com/office/drawing/2014/main" id="{592AC19D-B477-462D-A16C-DFA019277B56}"/>
+                </a:ext>
+              </a:extLst>
+            </p:cNvPr>
+            <p:cNvSpPr txBox="1"/>
+            <p:nvPr/>
+          </p:nvSpPr>
+          <p:spPr>
+            <a:xfrm>
+              <a:off x="1307054" y="3895619"/>
+              <a:ext cx="709201" cy="553998"/>
+            </a:xfrm>
+            <a:prstGeom prst="rect">
+              <a:avLst/>
+            </a:prstGeom>
             <a:solidFill>
-              <a:schemeClr val="tx1"/>
+              <a:schemeClr val="accent2"/>
             </a:solidFill>
-            <a:tailEnd type="triangle"/>
-          </a:ln>
-        </p:spPr>
-        <p:style>
-          <a:lnRef idx="1">
-            <a:schemeClr val="accent1"/>
-          </a:lnRef>
-          <a:fillRef idx="0">
-            <a:schemeClr val="accent1"/>
-          </a:fillRef>
-          <a:effectRef idx="0">
-            <a:schemeClr val="accent1"/>
-          </a:effectRef>
-          <a:fontRef idx="minor">
-            <a:schemeClr val="tx1"/>
-          </a:fontRef>
-        </p:style>
-      </p:cxnSp>
-      <p:cxnSp>
-        <p:nvCxnSpPr>
-          <p:cNvPr id="91" name="Straight Arrow Connector 90">
-            <a:extLst>
-              <a:ext uri="{FF2B5EF4-FFF2-40B4-BE49-F238E27FC236}">
-                <a16:creationId xmlns:a16="http://schemas.microsoft.com/office/drawing/2014/main" id="{7E40E1B6-6876-41B9-90D2-E708A7BFB424}"/>
-              </a:ext>
-            </a:extLst>
-          </p:cNvPr>
-          <p:cNvCxnSpPr>
-            <a:cxnSpLocks/>
-          </p:cNvCxnSpPr>
-          <p:nvPr/>
-        </p:nvCxnSpPr>
-        <p:spPr>
-          <a:xfrm>
-            <a:off x="3230175" y="1527232"/>
-            <a:ext cx="0" cy="460346"/>
-          </a:xfrm>
-          <a:prstGeom prst="straightConnector1">
-            <a:avLst/>
-          </a:prstGeom>
-          <a:ln w="57150">
+            <a:ln w="9525">
+              <a:solidFill>
+                <a:schemeClr val="tx1"/>
+              </a:solidFill>
+            </a:ln>
+          </p:spPr>
+          <p:txBody>
+            <a:bodyPr wrap="square" rtlCol="0">
+              <a:spAutoFit/>
+            </a:bodyPr>
+            <a:lstStyle/>
+            <a:p>
+              <a:pPr algn="ctr"/>
+              <a:r>
+                <a:rPr lang="en-US" sz="1000" dirty="0"/>
+                <a:t>Soil Organic Matter</a:t>
+              </a:r>
+            </a:p>
+          </p:txBody>
+        </p:sp>
+        <p:sp>
+          <p:nvSpPr>
+            <p:cNvPr id="40" name="TextBox 39">
+              <a:extLst>
+                <a:ext uri="{FF2B5EF4-FFF2-40B4-BE49-F238E27FC236}">
+                  <a16:creationId xmlns:a16="http://schemas.microsoft.com/office/drawing/2014/main" id="{D29EBCB2-DAFE-4E53-9427-A32478F274C9}"/>
+                </a:ext>
+              </a:extLst>
+            </p:cNvPr>
+            <p:cNvSpPr txBox="1"/>
+            <p:nvPr/>
+          </p:nvSpPr>
+          <p:spPr>
+            <a:xfrm>
+              <a:off x="733186" y="2952172"/>
+              <a:ext cx="709201" cy="400110"/>
+            </a:xfrm>
+            <a:prstGeom prst="rect">
+              <a:avLst/>
+            </a:prstGeom>
             <a:solidFill>
-              <a:schemeClr val="tx1"/>
+              <a:schemeClr val="accent2"/>
             </a:solidFill>
-            <a:tailEnd type="triangle"/>
-          </a:ln>
-        </p:spPr>
-        <p:style>
-          <a:lnRef idx="1">
-            <a:schemeClr val="accent1"/>
-          </a:lnRef>
-          <a:fillRef idx="0">
-            <a:schemeClr val="accent1"/>
-          </a:fillRef>
-          <a:effectRef idx="0">
-            <a:schemeClr val="accent1"/>
-          </a:effectRef>
-          <a:fontRef idx="minor">
-            <a:schemeClr val="tx1"/>
-          </a:fontRef>
-        </p:style>
-      </p:cxnSp>
-      <p:cxnSp>
-        <p:nvCxnSpPr>
-          <p:cNvPr id="71" name="Straight Arrow Connector 70">
-            <a:extLst>
-              <a:ext uri="{FF2B5EF4-FFF2-40B4-BE49-F238E27FC236}">
-                <a16:creationId xmlns:a16="http://schemas.microsoft.com/office/drawing/2014/main" id="{DFD09234-A006-4654-8ABC-244EFB2761F0}"/>
-              </a:ext>
-            </a:extLst>
-          </p:cNvPr>
-          <p:cNvCxnSpPr>
-            <a:cxnSpLocks/>
-          </p:cNvCxnSpPr>
-          <p:nvPr/>
-        </p:nvCxnSpPr>
-        <p:spPr>
-          <a:xfrm>
-            <a:off x="4447738" y="1536374"/>
-            <a:ext cx="0" cy="460346"/>
-          </a:xfrm>
-          <a:prstGeom prst="straightConnector1">
-            <a:avLst/>
-          </a:prstGeom>
-          <a:ln w="57150">
+            <a:ln w="9525">
+              <a:solidFill>
+                <a:schemeClr val="tx1"/>
+              </a:solidFill>
+            </a:ln>
+          </p:spPr>
+          <p:txBody>
+            <a:bodyPr wrap="square" rtlCol="0">
+              <a:spAutoFit/>
+            </a:bodyPr>
+            <a:lstStyle/>
+            <a:p>
+              <a:pPr algn="ctr"/>
+              <a:r>
+                <a:rPr lang="en-US" sz="1000" dirty="0"/>
+                <a:t>Soil Erosion</a:t>
+              </a:r>
+            </a:p>
+          </p:txBody>
+        </p:sp>
+        <p:sp>
+          <p:nvSpPr>
+            <p:cNvPr id="86" name="TextBox 85">
+              <a:extLst>
+                <a:ext uri="{FF2B5EF4-FFF2-40B4-BE49-F238E27FC236}">
+                  <a16:creationId xmlns:a16="http://schemas.microsoft.com/office/drawing/2014/main" id="{8FF35A50-2D70-45A5-97C0-09FA7E9396C3}"/>
+                </a:ext>
+              </a:extLst>
+            </p:cNvPr>
+            <p:cNvSpPr txBox="1"/>
+            <p:nvPr/>
+          </p:nvSpPr>
+          <p:spPr>
+            <a:xfrm>
+              <a:off x="3143563" y="4878132"/>
+              <a:ext cx="1614352" cy="400110"/>
+            </a:xfrm>
+            <a:prstGeom prst="rect">
+              <a:avLst/>
+            </a:prstGeom>
             <a:solidFill>
-              <a:schemeClr val="tx1"/>
+              <a:schemeClr val="accent2"/>
             </a:solidFill>
-            <a:tailEnd type="triangle"/>
-          </a:ln>
-        </p:spPr>
-        <p:style>
-          <a:lnRef idx="1">
-            <a:schemeClr val="accent1"/>
-          </a:lnRef>
-          <a:fillRef idx="0">
-            <a:schemeClr val="accent1"/>
-          </a:fillRef>
-          <a:effectRef idx="0">
-            <a:schemeClr val="accent1"/>
-          </a:effectRef>
-          <a:fontRef idx="minor">
-            <a:schemeClr val="tx1"/>
-          </a:fontRef>
-        </p:style>
-      </p:cxnSp>
-      <p:cxnSp>
-        <p:nvCxnSpPr>
-          <p:cNvPr id="78" name="Straight Arrow Connector 77">
-            <a:extLst>
-              <a:ext uri="{FF2B5EF4-FFF2-40B4-BE49-F238E27FC236}">
-                <a16:creationId xmlns:a16="http://schemas.microsoft.com/office/drawing/2014/main" id="{BB5C003F-F11F-492B-B684-8A478E3C3DDB}"/>
-              </a:ext>
-            </a:extLst>
-          </p:cNvPr>
-          <p:cNvCxnSpPr>
-            <a:cxnSpLocks/>
-          </p:cNvCxnSpPr>
-          <p:nvPr/>
-        </p:nvCxnSpPr>
-        <p:spPr>
-          <a:xfrm>
-            <a:off x="1080462" y="4194435"/>
-            <a:ext cx="231741" cy="0"/>
-          </a:xfrm>
-          <a:prstGeom prst="straightConnector1">
-            <a:avLst/>
-          </a:prstGeom>
-          <a:ln w="9525">
+            <a:ln w="9525">
+              <a:solidFill>
+                <a:schemeClr val="tx1"/>
+              </a:solidFill>
+            </a:ln>
+          </p:spPr>
+          <p:txBody>
+            <a:bodyPr wrap="square" rtlCol="0">
+              <a:spAutoFit/>
+            </a:bodyPr>
+            <a:lstStyle/>
+            <a:p>
+              <a:pPr algn="ctr"/>
+              <a:r>
+                <a:rPr lang="en-US" sz="1000" dirty="0"/>
+                <a:t>Soil porosity</a:t>
+              </a:r>
+            </a:p>
+          </p:txBody>
+        </p:sp>
+        <p:sp>
+          <p:nvSpPr>
+            <p:cNvPr id="12" name="TextBox 11">
+              <a:extLst>
+                <a:ext uri="{FF2B5EF4-FFF2-40B4-BE49-F238E27FC236}">
+                  <a16:creationId xmlns:a16="http://schemas.microsoft.com/office/drawing/2014/main" id="{746B2C31-FA0B-46FE-8943-7254BCEF2D15}"/>
+                </a:ext>
+              </a:extLst>
+            </p:cNvPr>
+            <p:cNvSpPr txBox="1"/>
+            <p:nvPr/>
+          </p:nvSpPr>
+          <p:spPr>
+            <a:xfrm>
+              <a:off x="1596665" y="6086983"/>
+              <a:ext cx="2082607" cy="246221"/>
+            </a:xfrm>
+            <a:prstGeom prst="rect">
+              <a:avLst/>
+            </a:prstGeom>
             <a:solidFill>
-              <a:schemeClr val="tx1"/>
+              <a:schemeClr val="accent2"/>
             </a:solidFill>
-            <a:tailEnd type="triangle"/>
-          </a:ln>
-        </p:spPr>
-        <p:style>
-          <a:lnRef idx="1">
-            <a:schemeClr val="accent1"/>
-          </a:lnRef>
-          <a:fillRef idx="0">
-            <a:schemeClr val="accent1"/>
-          </a:fillRef>
-          <a:effectRef idx="0">
-            <a:schemeClr val="accent1"/>
-          </a:effectRef>
-          <a:fontRef idx="minor">
-            <a:schemeClr val="tx1"/>
-          </a:fontRef>
-        </p:style>
-      </p:cxnSp>
-      <p:sp>
-        <p:nvSpPr>
-          <p:cNvPr id="80" name="TextBox 79">
-            <a:extLst>
-              <a:ext uri="{FF2B5EF4-FFF2-40B4-BE49-F238E27FC236}">
-                <a16:creationId xmlns:a16="http://schemas.microsoft.com/office/drawing/2014/main" id="{72EE2869-981E-46C6-AC7A-802D723EAF97}"/>
-              </a:ext>
-            </a:extLst>
-          </p:cNvPr>
-          <p:cNvSpPr txBox="1"/>
-          <p:nvPr/>
-        </p:nvSpPr>
-        <p:spPr>
-          <a:xfrm>
-            <a:off x="2308709" y="6471734"/>
-            <a:ext cx="779661" cy="707886"/>
-          </a:xfrm>
-          <a:prstGeom prst="rect">
-            <a:avLst/>
-          </a:prstGeom>
-          <a:solidFill>
-            <a:schemeClr val="bg2"/>
-          </a:solidFill>
-          <a:ln w="9525">
+            <a:ln w="9525">
+              <a:solidFill>
+                <a:schemeClr val="tx1"/>
+              </a:solidFill>
+            </a:ln>
+          </p:spPr>
+          <p:txBody>
+            <a:bodyPr wrap="square" rtlCol="0">
+              <a:spAutoFit/>
+            </a:bodyPr>
+            <a:lstStyle/>
+            <a:p>
+              <a:pPr algn="ctr"/>
+              <a:r>
+                <a:rPr lang="en-US" sz="1000" dirty="0"/>
+                <a:t>Capillary forces</a:t>
+              </a:r>
+            </a:p>
+          </p:txBody>
+        </p:sp>
+        <p:sp>
+          <p:nvSpPr>
+            <p:cNvPr id="16" name="TextBox 15">
+              <a:extLst>
+                <a:ext uri="{FF2B5EF4-FFF2-40B4-BE49-F238E27FC236}">
+                  <a16:creationId xmlns:a16="http://schemas.microsoft.com/office/drawing/2014/main" id="{6EFC2D2F-82ED-4332-86E1-5D3DCB71E395}"/>
+                </a:ext>
+              </a:extLst>
+            </p:cNvPr>
+            <p:cNvSpPr txBox="1"/>
+            <p:nvPr/>
+          </p:nvSpPr>
+          <p:spPr>
+            <a:xfrm>
+              <a:off x="4104087" y="1991202"/>
+              <a:ext cx="655608" cy="400110"/>
+            </a:xfrm>
+            <a:prstGeom prst="rect">
+              <a:avLst/>
+            </a:prstGeom>
             <a:solidFill>
-              <a:schemeClr val="tx1"/>
+              <a:schemeClr val="accent2"/>
             </a:solidFill>
-          </a:ln>
-        </p:spPr>
-        <p:txBody>
-          <a:bodyPr wrap="square" rtlCol="0">
-            <a:spAutoFit/>
-          </a:bodyPr>
-          <a:lstStyle/>
-          <a:p>
-            <a:pPr algn="ctr"/>
-            <a:r>
-              <a:rPr lang="en-US" sz="1000" dirty="0"/>
-              <a:t>(3) Soil water at field capacity</a:t>
-            </a:r>
-          </a:p>
-        </p:txBody>
-      </p:sp>
-      <p:sp>
-        <p:nvSpPr>
-          <p:cNvPr id="88" name="TextBox 87">
-            <a:extLst>
-              <a:ext uri="{FF2B5EF4-FFF2-40B4-BE49-F238E27FC236}">
-                <a16:creationId xmlns:a16="http://schemas.microsoft.com/office/drawing/2014/main" id="{A39D2850-50A4-44CE-90DE-AD3BCB951000}"/>
-              </a:ext>
-            </a:extLst>
-          </p:cNvPr>
-          <p:cNvSpPr txBox="1"/>
-          <p:nvPr/>
-        </p:nvSpPr>
-        <p:spPr>
-          <a:xfrm>
-            <a:off x="4169863" y="5804934"/>
-            <a:ext cx="769153" cy="400110"/>
-          </a:xfrm>
-          <a:prstGeom prst="rect">
-            <a:avLst/>
-          </a:prstGeom>
-          <a:solidFill>
-            <a:schemeClr val="accent2"/>
-          </a:solidFill>
-          <a:ln w="9525">
+            <a:ln w="9525">
+              <a:solidFill>
+                <a:schemeClr val="tx1"/>
+              </a:solidFill>
+            </a:ln>
+          </p:spPr>
+          <p:txBody>
+            <a:bodyPr wrap="square" rtlCol="0">
+              <a:spAutoFit/>
+            </a:bodyPr>
+            <a:lstStyle/>
+            <a:p>
+              <a:pPr algn="ctr"/>
+              <a:r>
+                <a:rPr lang="en-US" sz="1000" dirty="0"/>
+                <a:t>Soil Biology</a:t>
+              </a:r>
+            </a:p>
+          </p:txBody>
+        </p:sp>
+        <p:sp>
+          <p:nvSpPr>
+            <p:cNvPr id="96" name="TextBox 95">
+              <a:extLst>
+                <a:ext uri="{FF2B5EF4-FFF2-40B4-BE49-F238E27FC236}">
+                  <a16:creationId xmlns:a16="http://schemas.microsoft.com/office/drawing/2014/main" id="{072EE3DC-7571-43F1-B7BC-E9FB70EDEBA6}"/>
+                </a:ext>
+              </a:extLst>
+            </p:cNvPr>
+            <p:cNvSpPr txBox="1"/>
+            <p:nvPr/>
+          </p:nvSpPr>
+          <p:spPr>
+            <a:xfrm>
+              <a:off x="4117845" y="6526289"/>
+              <a:ext cx="873188" cy="400110"/>
+            </a:xfrm>
+            <a:prstGeom prst="rect">
+              <a:avLst/>
+            </a:prstGeom>
             <a:solidFill>
-              <a:schemeClr val="tx1"/>
+              <a:schemeClr val="bg2"/>
             </a:solidFill>
-          </a:ln>
-        </p:spPr>
-        <p:txBody>
-          <a:bodyPr wrap="square" rtlCol="0">
-            <a:spAutoFit/>
-          </a:bodyPr>
-          <a:lstStyle/>
-          <a:p>
-            <a:pPr algn="ctr"/>
-            <a:r>
-              <a:rPr lang="en-US" sz="1000" dirty="0"/>
-              <a:t>Soil air space</a:t>
-            </a:r>
-          </a:p>
-        </p:txBody>
-      </p:sp>
-      <p:cxnSp>
-        <p:nvCxnSpPr>
-          <p:cNvPr id="11" name="Straight Connector 10">
-            <a:extLst>
-              <a:ext uri="{FF2B5EF4-FFF2-40B4-BE49-F238E27FC236}">
-                <a16:creationId xmlns:a16="http://schemas.microsoft.com/office/drawing/2014/main" id="{0712DFD0-8832-4922-BFE1-45B491651EC5}"/>
-              </a:ext>
-            </a:extLst>
-          </p:cNvPr>
-          <p:cNvCxnSpPr>
-            <a:cxnSpLocks/>
-          </p:cNvCxnSpPr>
-          <p:nvPr/>
-        </p:nvCxnSpPr>
-        <p:spPr>
-          <a:xfrm>
-            <a:off x="4022458" y="5203997"/>
-            <a:ext cx="0" cy="0"/>
-          </a:xfrm>
-          <a:prstGeom prst="line">
-            <a:avLst/>
-          </a:prstGeom>
-          <a:ln w="9525"/>
-        </p:spPr>
-        <p:style>
-          <a:lnRef idx="1">
-            <a:schemeClr val="accent1"/>
-          </a:lnRef>
-          <a:fillRef idx="0">
-            <a:schemeClr val="accent1"/>
-          </a:fillRef>
-          <a:effectRef idx="0">
-            <a:schemeClr val="accent1"/>
-          </a:effectRef>
-          <a:fontRef idx="minor">
-            <a:schemeClr val="tx1"/>
-          </a:fontRef>
-        </p:style>
-      </p:cxnSp>
-      <p:cxnSp>
-        <p:nvCxnSpPr>
-          <p:cNvPr id="98" name="Straight Arrow Connector 97">
-            <a:extLst>
-              <a:ext uri="{FF2B5EF4-FFF2-40B4-BE49-F238E27FC236}">
-                <a16:creationId xmlns:a16="http://schemas.microsoft.com/office/drawing/2014/main" id="{520CA070-C7C7-4D3F-97F9-4CF91EF220D6}"/>
-              </a:ext>
-            </a:extLst>
-          </p:cNvPr>
-          <p:cNvCxnSpPr>
-            <a:cxnSpLocks/>
-          </p:cNvCxnSpPr>
-          <p:nvPr/>
-        </p:nvCxnSpPr>
-        <p:spPr>
-          <a:xfrm flipH="1">
-            <a:off x="3331775" y="5170330"/>
-            <a:ext cx="2283" cy="299371"/>
-          </a:xfrm>
-          <a:prstGeom prst="straightConnector1">
-            <a:avLst/>
-          </a:prstGeom>
-          <a:ln w="9525">
-            <a:solidFill>
-              <a:schemeClr val="tx1"/>
-            </a:solidFill>
-            <a:tailEnd type="triangle"/>
-          </a:ln>
-        </p:spPr>
-        <p:style>
-          <a:lnRef idx="1">
-            <a:schemeClr val="accent1"/>
-          </a:lnRef>
-          <a:fillRef idx="0">
-            <a:schemeClr val="accent1"/>
-          </a:fillRef>
-          <a:effectRef idx="0">
-            <a:schemeClr val="accent1"/>
-          </a:effectRef>
-          <a:fontRef idx="minor">
-            <a:schemeClr val="tx1"/>
-          </a:fontRef>
-        </p:style>
-      </p:cxnSp>
-      <p:cxnSp>
-        <p:nvCxnSpPr>
-          <p:cNvPr id="106" name="Straight Arrow Connector 105">
-            <a:extLst>
-              <a:ext uri="{FF2B5EF4-FFF2-40B4-BE49-F238E27FC236}">
-                <a16:creationId xmlns:a16="http://schemas.microsoft.com/office/drawing/2014/main" id="{8CAB5DDE-1F61-4056-BA35-2C7C17ABB411}"/>
-              </a:ext>
-            </a:extLst>
-          </p:cNvPr>
-          <p:cNvCxnSpPr>
-            <a:cxnSpLocks/>
-          </p:cNvCxnSpPr>
-          <p:nvPr/>
-        </p:nvCxnSpPr>
-        <p:spPr>
-          <a:xfrm>
-            <a:off x="1979211" y="4050461"/>
-            <a:ext cx="378140" cy="0"/>
-          </a:xfrm>
-          <a:prstGeom prst="straightConnector1">
-            <a:avLst/>
-          </a:prstGeom>
-          <a:ln w="9525">
-            <a:solidFill>
-              <a:schemeClr val="tx1"/>
-            </a:solidFill>
-            <a:tailEnd type="triangle"/>
-          </a:ln>
-        </p:spPr>
-        <p:style>
-          <a:lnRef idx="1">
-            <a:schemeClr val="accent1"/>
-          </a:lnRef>
-          <a:fillRef idx="0">
-            <a:schemeClr val="accent1"/>
-          </a:fillRef>
-          <a:effectRef idx="0">
-            <a:schemeClr val="accent1"/>
-          </a:effectRef>
-          <a:fontRef idx="minor">
-            <a:schemeClr val="tx1"/>
-          </a:fontRef>
-        </p:style>
-      </p:cxnSp>
-      <p:cxnSp>
-        <p:nvCxnSpPr>
-          <p:cNvPr id="110" name="Straight Arrow Connector 109">
-            <a:extLst>
-              <a:ext uri="{FF2B5EF4-FFF2-40B4-BE49-F238E27FC236}">
-                <a16:creationId xmlns:a16="http://schemas.microsoft.com/office/drawing/2014/main" id="{6A13596A-C939-4CBE-A6B5-C323C197012A}"/>
-              </a:ext>
-            </a:extLst>
-          </p:cNvPr>
-          <p:cNvCxnSpPr>
-            <a:cxnSpLocks/>
-          </p:cNvCxnSpPr>
-          <p:nvPr/>
-        </p:nvCxnSpPr>
-        <p:spPr>
-          <a:xfrm flipH="1">
-            <a:off x="4554440" y="5253183"/>
-            <a:ext cx="2283" cy="530354"/>
-          </a:xfrm>
-          <a:prstGeom prst="straightConnector1">
-            <a:avLst/>
-          </a:prstGeom>
-          <a:ln w="9525">
-            <a:solidFill>
-              <a:schemeClr val="tx1"/>
-            </a:solidFill>
-            <a:tailEnd type="triangle"/>
-          </a:ln>
-        </p:spPr>
-        <p:style>
-          <a:lnRef idx="1">
-            <a:schemeClr val="accent1"/>
-          </a:lnRef>
-          <a:fillRef idx="0">
-            <a:schemeClr val="accent1"/>
-          </a:fillRef>
-          <a:effectRef idx="0">
-            <a:schemeClr val="accent1"/>
-          </a:effectRef>
-          <a:fontRef idx="minor">
-            <a:schemeClr val="tx1"/>
-          </a:fontRef>
-        </p:style>
-      </p:cxnSp>
-      <p:cxnSp>
-        <p:nvCxnSpPr>
-          <p:cNvPr id="137" name="Straight Arrow Connector 136">
-            <a:extLst>
-              <a:ext uri="{FF2B5EF4-FFF2-40B4-BE49-F238E27FC236}">
-                <a16:creationId xmlns:a16="http://schemas.microsoft.com/office/drawing/2014/main" id="{0F6BD93F-2EFA-49FF-85C2-C755174ABBA9}"/>
-              </a:ext>
-            </a:extLst>
-          </p:cNvPr>
-          <p:cNvCxnSpPr>
-            <a:cxnSpLocks/>
-          </p:cNvCxnSpPr>
-          <p:nvPr/>
-        </p:nvCxnSpPr>
-        <p:spPr>
-          <a:xfrm>
-            <a:off x="2690483" y="3216170"/>
-            <a:ext cx="1" cy="393149"/>
-          </a:xfrm>
-          <a:prstGeom prst="straightConnector1">
-            <a:avLst/>
-          </a:prstGeom>
-          <a:ln w="9525">
-            <a:solidFill>
-              <a:schemeClr val="tx1"/>
-            </a:solidFill>
-            <a:tailEnd type="triangle"/>
-          </a:ln>
-        </p:spPr>
-        <p:style>
-          <a:lnRef idx="1">
-            <a:schemeClr val="accent1"/>
-          </a:lnRef>
-          <a:fillRef idx="0">
-            <a:schemeClr val="accent1"/>
-          </a:fillRef>
-          <a:effectRef idx="0">
-            <a:schemeClr val="accent1"/>
-          </a:effectRef>
-          <a:fontRef idx="minor">
-            <a:schemeClr val="tx1"/>
-          </a:fontRef>
-        </p:style>
-      </p:cxnSp>
-      <p:cxnSp>
-        <p:nvCxnSpPr>
-          <p:cNvPr id="139" name="Straight Arrow Connector 138">
-            <a:extLst>
-              <a:ext uri="{FF2B5EF4-FFF2-40B4-BE49-F238E27FC236}">
-                <a16:creationId xmlns:a16="http://schemas.microsoft.com/office/drawing/2014/main" id="{AB2DECDF-FA1B-4A8D-9B89-6F5D9907AB97}"/>
-              </a:ext>
-            </a:extLst>
-          </p:cNvPr>
-          <p:cNvCxnSpPr>
-            <a:cxnSpLocks/>
-          </p:cNvCxnSpPr>
-          <p:nvPr/>
-        </p:nvCxnSpPr>
-        <p:spPr>
-          <a:xfrm flipH="1">
-            <a:off x="4554439" y="6196981"/>
-            <a:ext cx="2283" cy="329308"/>
-          </a:xfrm>
-          <a:prstGeom prst="straightConnector1">
-            <a:avLst/>
-          </a:prstGeom>
-          <a:ln w="9525">
-            <a:solidFill>
-              <a:schemeClr val="tx1"/>
-            </a:solidFill>
-            <a:tailEnd type="triangle"/>
-          </a:ln>
-        </p:spPr>
-        <p:style>
-          <a:lnRef idx="1">
-            <a:schemeClr val="accent1"/>
-          </a:lnRef>
-          <a:fillRef idx="0">
-            <a:schemeClr val="accent1"/>
-          </a:fillRef>
-          <a:effectRef idx="0">
-            <a:schemeClr val="accent1"/>
-          </a:effectRef>
-          <a:fontRef idx="minor">
-            <a:schemeClr val="tx1"/>
-          </a:fontRef>
-        </p:style>
-      </p:cxnSp>
-      <p:cxnSp>
-        <p:nvCxnSpPr>
-          <p:cNvPr id="143" name="Straight Connector 142">
-            <a:extLst>
-              <a:ext uri="{FF2B5EF4-FFF2-40B4-BE49-F238E27FC236}">
-                <a16:creationId xmlns:a16="http://schemas.microsoft.com/office/drawing/2014/main" id="{6627E756-A242-4A41-8E25-A9CA05261A15}"/>
-              </a:ext>
-            </a:extLst>
-          </p:cNvPr>
-          <p:cNvCxnSpPr>
-            <a:cxnSpLocks/>
-          </p:cNvCxnSpPr>
-          <p:nvPr/>
-        </p:nvCxnSpPr>
-        <p:spPr>
-          <a:xfrm>
-            <a:off x="1089628" y="2251170"/>
-            <a:ext cx="649490" cy="0"/>
-          </a:xfrm>
-          <a:prstGeom prst="line">
-            <a:avLst/>
-          </a:prstGeom>
-          <a:ln w="9525">
-            <a:solidFill>
-              <a:schemeClr val="tx1"/>
-            </a:solidFill>
-          </a:ln>
-        </p:spPr>
-        <p:style>
-          <a:lnRef idx="1">
-            <a:schemeClr val="accent1"/>
-          </a:lnRef>
-          <a:fillRef idx="0">
-            <a:schemeClr val="accent1"/>
-          </a:fillRef>
-          <a:effectRef idx="0">
-            <a:schemeClr val="accent1"/>
-          </a:effectRef>
-          <a:fontRef idx="minor">
-            <a:schemeClr val="tx1"/>
-          </a:fontRef>
-        </p:style>
-      </p:cxnSp>
-      <p:cxnSp>
-        <p:nvCxnSpPr>
-          <p:cNvPr id="150" name="Straight Arrow Connector 149">
-            <a:extLst>
-              <a:ext uri="{FF2B5EF4-FFF2-40B4-BE49-F238E27FC236}">
-                <a16:creationId xmlns:a16="http://schemas.microsoft.com/office/drawing/2014/main" id="{4CEEC003-E039-462C-8E5B-0071A4FA2F92}"/>
-              </a:ext>
-            </a:extLst>
-          </p:cNvPr>
-          <p:cNvCxnSpPr>
-            <a:cxnSpLocks/>
-          </p:cNvCxnSpPr>
-          <p:nvPr/>
-        </p:nvCxnSpPr>
-        <p:spPr>
-          <a:xfrm flipH="1">
-            <a:off x="2675027" y="6134568"/>
-            <a:ext cx="2283" cy="329308"/>
-          </a:xfrm>
-          <a:prstGeom prst="straightConnector1">
-            <a:avLst/>
-          </a:prstGeom>
-          <a:ln w="9525">
-            <a:solidFill>
-              <a:schemeClr val="tx1"/>
-            </a:solidFill>
-            <a:tailEnd type="triangle"/>
-          </a:ln>
-        </p:spPr>
-        <p:style>
-          <a:lnRef idx="1">
-            <a:schemeClr val="accent1"/>
-          </a:lnRef>
-          <a:fillRef idx="0">
-            <a:schemeClr val="accent1"/>
-          </a:fillRef>
-          <a:effectRef idx="0">
-            <a:schemeClr val="accent1"/>
-          </a:effectRef>
-          <a:fontRef idx="minor">
-            <a:schemeClr val="tx1"/>
-          </a:fontRef>
-        </p:style>
-      </p:cxnSp>
-      <p:cxnSp>
-        <p:nvCxnSpPr>
-          <p:cNvPr id="155" name="Straight Arrow Connector 154">
-            <a:extLst>
-              <a:ext uri="{FF2B5EF4-FFF2-40B4-BE49-F238E27FC236}">
-                <a16:creationId xmlns:a16="http://schemas.microsoft.com/office/drawing/2014/main" id="{5CCBE1E9-71CC-46F6-87B7-E4F8AB4CD8A8}"/>
-              </a:ext>
-            </a:extLst>
-          </p:cNvPr>
-          <p:cNvCxnSpPr>
-            <a:cxnSpLocks/>
-          </p:cNvCxnSpPr>
-          <p:nvPr/>
-        </p:nvCxnSpPr>
-        <p:spPr>
-          <a:xfrm>
-            <a:off x="2999425" y="2430624"/>
-            <a:ext cx="1" cy="523281"/>
-          </a:xfrm>
-          <a:prstGeom prst="straightConnector1">
-            <a:avLst/>
-          </a:prstGeom>
-          <a:ln w="9525">
-            <a:solidFill>
-              <a:schemeClr val="tx1"/>
-            </a:solidFill>
-            <a:tailEnd type="triangle"/>
-          </a:ln>
-        </p:spPr>
-        <p:style>
-          <a:lnRef idx="1">
-            <a:schemeClr val="accent1"/>
-          </a:lnRef>
-          <a:fillRef idx="0">
-            <a:schemeClr val="accent1"/>
-          </a:fillRef>
-          <a:effectRef idx="0">
-            <a:schemeClr val="accent1"/>
-          </a:effectRef>
-          <a:fontRef idx="minor">
-            <a:schemeClr val="tx1"/>
-          </a:fontRef>
-        </p:style>
-      </p:cxnSp>
-      <p:cxnSp>
-        <p:nvCxnSpPr>
-          <p:cNvPr id="158" name="Straight Arrow Connector 157">
-            <a:extLst>
-              <a:ext uri="{FF2B5EF4-FFF2-40B4-BE49-F238E27FC236}">
-                <a16:creationId xmlns:a16="http://schemas.microsoft.com/office/drawing/2014/main" id="{EB3788F3-F053-4B9F-8B6F-A1E719F0C944}"/>
-              </a:ext>
-            </a:extLst>
-          </p:cNvPr>
-          <p:cNvCxnSpPr>
-            <a:cxnSpLocks/>
-          </p:cNvCxnSpPr>
-          <p:nvPr/>
-        </p:nvCxnSpPr>
-        <p:spPr>
-          <a:xfrm>
-            <a:off x="1086604" y="5096160"/>
-            <a:ext cx="2040596" cy="0"/>
-          </a:xfrm>
-          <a:prstGeom prst="straightConnector1">
-            <a:avLst/>
-          </a:prstGeom>
-          <a:ln w="9525">
-            <a:solidFill>
-              <a:schemeClr val="tx1"/>
-            </a:solidFill>
-            <a:tailEnd type="triangle"/>
-          </a:ln>
-        </p:spPr>
-        <p:style>
-          <a:lnRef idx="1">
-            <a:schemeClr val="accent1"/>
-          </a:lnRef>
-          <a:fillRef idx="0">
-            <a:schemeClr val="accent1"/>
-          </a:fillRef>
-          <a:effectRef idx="0">
-            <a:schemeClr val="accent1"/>
-          </a:effectRef>
-          <a:fontRef idx="minor">
-            <a:schemeClr val="tx1"/>
-          </a:fontRef>
-        </p:style>
-      </p:cxnSp>
-      <p:cxnSp>
-        <p:nvCxnSpPr>
-          <p:cNvPr id="160" name="Straight Connector 159">
-            <a:extLst>
-              <a:ext uri="{FF2B5EF4-FFF2-40B4-BE49-F238E27FC236}">
-                <a16:creationId xmlns:a16="http://schemas.microsoft.com/office/drawing/2014/main" id="{0B292357-63F9-426A-B97C-356AA694F997}"/>
-              </a:ext>
-            </a:extLst>
-          </p:cNvPr>
-          <p:cNvCxnSpPr>
-            <a:cxnSpLocks/>
-          </p:cNvCxnSpPr>
-          <p:nvPr/>
-        </p:nvCxnSpPr>
-        <p:spPr>
-          <a:xfrm flipH="1">
-            <a:off x="1087786" y="3329382"/>
-            <a:ext cx="1" cy="2308618"/>
-          </a:xfrm>
-          <a:prstGeom prst="line">
-            <a:avLst/>
-          </a:prstGeom>
-          <a:ln w="9525">
-            <a:solidFill>
-              <a:schemeClr val="tx1"/>
-            </a:solidFill>
-          </a:ln>
-        </p:spPr>
-        <p:style>
-          <a:lnRef idx="1">
-            <a:schemeClr val="accent1"/>
-          </a:lnRef>
-          <a:fillRef idx="0">
-            <a:schemeClr val="accent1"/>
-          </a:fillRef>
-          <a:effectRef idx="0">
-            <a:schemeClr val="accent1"/>
-          </a:effectRef>
-          <a:fontRef idx="minor">
-            <a:schemeClr val="tx1"/>
-          </a:fontRef>
-        </p:style>
-      </p:cxnSp>
-      <p:cxnSp>
-        <p:nvCxnSpPr>
-          <p:cNvPr id="162" name="Straight Arrow Connector 161">
-            <a:extLst>
-              <a:ext uri="{FF2B5EF4-FFF2-40B4-BE49-F238E27FC236}">
-                <a16:creationId xmlns:a16="http://schemas.microsoft.com/office/drawing/2014/main" id="{3453C37C-FAEF-496A-9FB5-7A20970CEADF}"/>
-              </a:ext>
-            </a:extLst>
-          </p:cNvPr>
-          <p:cNvCxnSpPr>
-            <a:cxnSpLocks/>
-          </p:cNvCxnSpPr>
-          <p:nvPr/>
-        </p:nvCxnSpPr>
-        <p:spPr>
-          <a:xfrm>
-            <a:off x="4536773" y="2202490"/>
-            <a:ext cx="0" cy="2625769"/>
-          </a:xfrm>
-          <a:prstGeom prst="straightConnector1">
-            <a:avLst/>
-          </a:prstGeom>
-          <a:ln w="9525">
-            <a:solidFill>
-              <a:schemeClr val="tx1"/>
-            </a:solidFill>
-            <a:tailEnd type="triangle"/>
-          </a:ln>
-        </p:spPr>
-        <p:style>
-          <a:lnRef idx="1">
-            <a:schemeClr val="accent1"/>
-          </a:lnRef>
-          <a:fillRef idx="0">
-            <a:schemeClr val="accent1"/>
-          </a:fillRef>
-          <a:effectRef idx="0">
-            <a:schemeClr val="accent1"/>
-          </a:effectRef>
-          <a:fontRef idx="minor">
-            <a:schemeClr val="tx1"/>
-          </a:fontRef>
-        </p:style>
-      </p:cxnSp>
-      <p:cxnSp>
-        <p:nvCxnSpPr>
-          <p:cNvPr id="165" name="Straight Arrow Connector 164">
-            <a:extLst>
-              <a:ext uri="{FF2B5EF4-FFF2-40B4-BE49-F238E27FC236}">
-                <a16:creationId xmlns:a16="http://schemas.microsoft.com/office/drawing/2014/main" id="{EDE542EA-DBC5-44EA-9B66-C4AA3B7E3459}"/>
-              </a:ext>
-            </a:extLst>
-          </p:cNvPr>
-          <p:cNvCxnSpPr>
-            <a:cxnSpLocks/>
-          </p:cNvCxnSpPr>
-          <p:nvPr/>
-        </p:nvCxnSpPr>
-        <p:spPr>
-          <a:xfrm flipH="1">
-            <a:off x="3023777" y="3933231"/>
-            <a:ext cx="1186765" cy="0"/>
-          </a:xfrm>
-          <a:prstGeom prst="straightConnector1">
-            <a:avLst/>
-          </a:prstGeom>
-          <a:ln w="9525">
-            <a:solidFill>
-              <a:schemeClr val="tx1"/>
-            </a:solidFill>
-            <a:tailEnd type="triangle"/>
-          </a:ln>
-        </p:spPr>
-        <p:style>
-          <a:lnRef idx="1">
-            <a:schemeClr val="accent1"/>
-          </a:lnRef>
-          <a:fillRef idx="0">
-            <a:schemeClr val="accent1"/>
-          </a:fillRef>
-          <a:effectRef idx="0">
-            <a:schemeClr val="accent1"/>
-          </a:effectRef>
-          <a:fontRef idx="minor">
-            <a:schemeClr val="tx1"/>
-          </a:fontRef>
-        </p:style>
-      </p:cxnSp>
-      <p:cxnSp>
-        <p:nvCxnSpPr>
-          <p:cNvPr id="166" name="Straight Connector 165">
-            <a:extLst>
-              <a:ext uri="{FF2B5EF4-FFF2-40B4-BE49-F238E27FC236}">
-                <a16:creationId xmlns:a16="http://schemas.microsoft.com/office/drawing/2014/main" id="{BF35F3B7-BA5F-4740-B113-7D5F0023435C}"/>
-              </a:ext>
-            </a:extLst>
-          </p:cNvPr>
-          <p:cNvCxnSpPr/>
-          <p:nvPr/>
-        </p:nvCxnSpPr>
-        <p:spPr>
-          <a:xfrm flipH="1">
-            <a:off x="4215347" y="2202109"/>
-            <a:ext cx="1" cy="1734499"/>
-          </a:xfrm>
-          <a:prstGeom prst="line">
-            <a:avLst/>
-          </a:prstGeom>
-          <a:ln w="9525">
-            <a:solidFill>
-              <a:schemeClr val="tx1"/>
-            </a:solidFill>
-          </a:ln>
-        </p:spPr>
-        <p:style>
-          <a:lnRef idx="1">
-            <a:schemeClr val="accent1"/>
-          </a:lnRef>
-          <a:fillRef idx="0">
-            <a:schemeClr val="accent1"/>
-          </a:fillRef>
-          <a:effectRef idx="0">
-            <a:schemeClr val="accent1"/>
-          </a:effectRef>
-          <a:fontRef idx="minor">
-            <a:schemeClr val="tx1"/>
-          </a:fontRef>
-        </p:style>
-      </p:cxnSp>
-      <p:cxnSp>
-        <p:nvCxnSpPr>
-          <p:cNvPr id="169" name="Straight Arrow Connector 168">
-            <a:extLst>
-              <a:ext uri="{FF2B5EF4-FFF2-40B4-BE49-F238E27FC236}">
-                <a16:creationId xmlns:a16="http://schemas.microsoft.com/office/drawing/2014/main" id="{534B27D9-05C4-48B9-9B7D-F4CE4CE51C80}"/>
-              </a:ext>
-            </a:extLst>
-          </p:cNvPr>
-          <p:cNvCxnSpPr>
-            <a:cxnSpLocks/>
-          </p:cNvCxnSpPr>
-          <p:nvPr/>
-        </p:nvCxnSpPr>
-        <p:spPr>
-          <a:xfrm flipH="1">
-            <a:off x="3067540" y="6748733"/>
-            <a:ext cx="1078877" cy="0"/>
-          </a:xfrm>
-          <a:prstGeom prst="straightConnector1">
-            <a:avLst/>
-          </a:prstGeom>
-          <a:ln w="9525">
-            <a:solidFill>
-              <a:schemeClr val="tx1"/>
-            </a:solidFill>
-            <a:tailEnd type="triangle"/>
-          </a:ln>
-        </p:spPr>
-        <p:style>
-          <a:lnRef idx="1">
-            <a:schemeClr val="accent1"/>
-          </a:lnRef>
-          <a:fillRef idx="0">
-            <a:schemeClr val="accent1"/>
-          </a:fillRef>
-          <a:effectRef idx="0">
-            <a:schemeClr val="accent1"/>
-          </a:effectRef>
-          <a:fontRef idx="minor">
-            <a:schemeClr val="tx1"/>
-          </a:fontRef>
-        </p:style>
-      </p:cxnSp>
-      <p:sp>
-        <p:nvSpPr>
-          <p:cNvPr id="170" name="TextBox 169">
-            <a:extLst>
-              <a:ext uri="{FF2B5EF4-FFF2-40B4-BE49-F238E27FC236}">
-                <a16:creationId xmlns:a16="http://schemas.microsoft.com/office/drawing/2014/main" id="{68630CDA-D7CB-4F71-94FA-BDABED5E88FE}"/>
-              </a:ext>
-            </a:extLst>
-          </p:cNvPr>
-          <p:cNvSpPr txBox="1"/>
-          <p:nvPr/>
-        </p:nvSpPr>
-        <p:spPr>
-          <a:xfrm>
-            <a:off x="1593368" y="5491347"/>
-            <a:ext cx="2155146" cy="400110"/>
-          </a:xfrm>
-          <a:prstGeom prst="rect">
-            <a:avLst/>
-          </a:prstGeom>
-          <a:solidFill>
-            <a:schemeClr val="bg2"/>
-          </a:solidFill>
-          <a:ln w="9525">
-            <a:solidFill>
-              <a:schemeClr val="tx1"/>
-            </a:solidFill>
-          </a:ln>
-        </p:spPr>
-        <p:txBody>
-          <a:bodyPr wrap="square" rtlCol="0">
-            <a:spAutoFit/>
-          </a:bodyPr>
-          <a:lstStyle/>
-          <a:p>
-            <a:pPr algn="ctr"/>
-            <a:r>
-              <a:rPr lang="en-US" sz="1000" dirty="0"/>
-              <a:t>(1) Soil structure/pore size distributions</a:t>
-            </a:r>
-          </a:p>
-        </p:txBody>
-      </p:sp>
-      <p:cxnSp>
-        <p:nvCxnSpPr>
-          <p:cNvPr id="171" name="Straight Arrow Connector 170">
-            <a:extLst>
-              <a:ext uri="{FF2B5EF4-FFF2-40B4-BE49-F238E27FC236}">
-                <a16:creationId xmlns:a16="http://schemas.microsoft.com/office/drawing/2014/main" id="{663EA009-7A37-4BE8-9A68-3DB9D98D41CC}"/>
-              </a:ext>
-            </a:extLst>
-          </p:cNvPr>
-          <p:cNvCxnSpPr>
-            <a:cxnSpLocks/>
-          </p:cNvCxnSpPr>
-          <p:nvPr/>
-        </p:nvCxnSpPr>
-        <p:spPr>
-          <a:xfrm flipH="1">
-            <a:off x="2673586" y="5865391"/>
-            <a:ext cx="2283" cy="204475"/>
-          </a:xfrm>
-          <a:prstGeom prst="straightConnector1">
-            <a:avLst/>
-          </a:prstGeom>
-          <a:ln w="9525">
-            <a:solidFill>
-              <a:schemeClr val="tx1"/>
-            </a:solidFill>
-            <a:tailEnd type="triangle"/>
-          </a:ln>
-        </p:spPr>
-        <p:style>
-          <a:lnRef idx="1">
-            <a:schemeClr val="accent1"/>
-          </a:lnRef>
-          <a:fillRef idx="0">
-            <a:schemeClr val="accent1"/>
-          </a:fillRef>
-          <a:effectRef idx="0">
-            <a:schemeClr val="accent1"/>
-          </a:effectRef>
-          <a:fontRef idx="minor">
-            <a:schemeClr val="tx1"/>
-          </a:fontRef>
-        </p:style>
-      </p:cxnSp>
-      <p:cxnSp>
-        <p:nvCxnSpPr>
-          <p:cNvPr id="175" name="Straight Arrow Connector 174">
-            <a:extLst>
-              <a:ext uri="{FF2B5EF4-FFF2-40B4-BE49-F238E27FC236}">
-                <a16:creationId xmlns:a16="http://schemas.microsoft.com/office/drawing/2014/main" id="{AF84A429-61E5-4732-A27D-DEAC4CF53B42}"/>
-              </a:ext>
-            </a:extLst>
-          </p:cNvPr>
-          <p:cNvCxnSpPr>
-            <a:cxnSpLocks/>
-          </p:cNvCxnSpPr>
-          <p:nvPr/>
-        </p:nvCxnSpPr>
-        <p:spPr>
-          <a:xfrm>
-            <a:off x="1084919" y="5634335"/>
-            <a:ext cx="503304" cy="0"/>
-          </a:xfrm>
-          <a:prstGeom prst="straightConnector1">
-            <a:avLst/>
-          </a:prstGeom>
-          <a:ln w="9525">
-            <a:solidFill>
-              <a:schemeClr val="tx1"/>
-            </a:solidFill>
-            <a:tailEnd type="triangle"/>
-          </a:ln>
-        </p:spPr>
-        <p:style>
-          <a:lnRef idx="1">
-            <a:schemeClr val="accent1"/>
-          </a:lnRef>
-          <a:fillRef idx="0">
-            <a:schemeClr val="accent1"/>
-          </a:fillRef>
-          <a:effectRef idx="0">
-            <a:schemeClr val="accent1"/>
-          </a:effectRef>
-          <a:fontRef idx="minor">
-            <a:schemeClr val="tx1"/>
-          </a:fontRef>
-        </p:style>
-      </p:cxnSp>
-      <p:sp>
-        <p:nvSpPr>
-          <p:cNvPr id="6" name="TextBox 5">
-            <a:extLst>
-              <a:ext uri="{FF2B5EF4-FFF2-40B4-BE49-F238E27FC236}">
-                <a16:creationId xmlns:a16="http://schemas.microsoft.com/office/drawing/2014/main" id="{21876E51-290C-4303-A6AD-0D8D552ADC8C}"/>
-              </a:ext>
-            </a:extLst>
-          </p:cNvPr>
-          <p:cNvSpPr txBox="1"/>
-          <p:nvPr/>
-        </p:nvSpPr>
-        <p:spPr>
-          <a:xfrm>
-            <a:off x="2879774" y="1970332"/>
-            <a:ext cx="750407" cy="553998"/>
-          </a:xfrm>
-          <a:prstGeom prst="rect">
-            <a:avLst/>
-          </a:prstGeom>
-          <a:solidFill>
-            <a:schemeClr val="accent2"/>
-          </a:solidFill>
-          <a:ln w="9525">
-            <a:solidFill>
-              <a:schemeClr val="tx1"/>
-            </a:solidFill>
-          </a:ln>
-        </p:spPr>
-        <p:txBody>
-          <a:bodyPr wrap="square" rtlCol="0">
-            <a:spAutoFit/>
-          </a:bodyPr>
-          <a:lstStyle/>
-          <a:p>
-            <a:pPr algn="ctr"/>
-            <a:r>
-              <a:rPr lang="en-US" sz="1000" dirty="0"/>
-              <a:t>Below-ground biomass</a:t>
-            </a:r>
-          </a:p>
-        </p:txBody>
-      </p:sp>
-      <p:sp>
-        <p:nvSpPr>
-          <p:cNvPr id="77" name="TextBox 76">
-            <a:extLst>
-              <a:ext uri="{FF2B5EF4-FFF2-40B4-BE49-F238E27FC236}">
-                <a16:creationId xmlns:a16="http://schemas.microsoft.com/office/drawing/2014/main" id="{592AC19D-B477-462D-A16C-DFA019277B56}"/>
-              </a:ext>
-            </a:extLst>
-          </p:cNvPr>
-          <p:cNvSpPr txBox="1"/>
-          <p:nvPr/>
-        </p:nvSpPr>
-        <p:spPr>
-          <a:xfrm>
-            <a:off x="1307054" y="3895619"/>
-            <a:ext cx="709201" cy="553998"/>
-          </a:xfrm>
-          <a:prstGeom prst="rect">
-            <a:avLst/>
-          </a:prstGeom>
-          <a:solidFill>
-            <a:schemeClr val="accent2"/>
-          </a:solidFill>
-          <a:ln w="9525">
-            <a:solidFill>
-              <a:schemeClr val="tx1"/>
-            </a:solidFill>
-          </a:ln>
-        </p:spPr>
-        <p:txBody>
-          <a:bodyPr wrap="square" rtlCol="0">
-            <a:spAutoFit/>
-          </a:bodyPr>
-          <a:lstStyle/>
-          <a:p>
-            <a:pPr algn="ctr"/>
-            <a:r>
-              <a:rPr lang="en-US" sz="1000" dirty="0"/>
-              <a:t>Soil Organic Matter</a:t>
-            </a:r>
-          </a:p>
-        </p:txBody>
-      </p:sp>
-      <p:sp>
-        <p:nvSpPr>
-          <p:cNvPr id="40" name="TextBox 39">
-            <a:extLst>
-              <a:ext uri="{FF2B5EF4-FFF2-40B4-BE49-F238E27FC236}">
-                <a16:creationId xmlns:a16="http://schemas.microsoft.com/office/drawing/2014/main" id="{D29EBCB2-DAFE-4E53-9427-A32478F274C9}"/>
-              </a:ext>
-            </a:extLst>
-          </p:cNvPr>
-          <p:cNvSpPr txBox="1"/>
-          <p:nvPr/>
-        </p:nvSpPr>
-        <p:spPr>
-          <a:xfrm>
-            <a:off x="733186" y="2952172"/>
-            <a:ext cx="709201" cy="400110"/>
-          </a:xfrm>
-          <a:prstGeom prst="rect">
-            <a:avLst/>
-          </a:prstGeom>
-          <a:solidFill>
-            <a:schemeClr val="accent2"/>
-          </a:solidFill>
-          <a:ln w="9525">
-            <a:solidFill>
-              <a:schemeClr val="tx1"/>
-            </a:solidFill>
-          </a:ln>
-        </p:spPr>
-        <p:txBody>
-          <a:bodyPr wrap="square" rtlCol="0">
-            <a:spAutoFit/>
-          </a:bodyPr>
-          <a:lstStyle/>
-          <a:p>
-            <a:pPr algn="ctr"/>
-            <a:r>
-              <a:rPr lang="en-US" sz="1000" dirty="0"/>
-              <a:t>Soil Erosion</a:t>
-            </a:r>
-          </a:p>
-        </p:txBody>
-      </p:sp>
-      <p:sp>
-        <p:nvSpPr>
-          <p:cNvPr id="86" name="TextBox 85">
-            <a:extLst>
-              <a:ext uri="{FF2B5EF4-FFF2-40B4-BE49-F238E27FC236}">
-                <a16:creationId xmlns:a16="http://schemas.microsoft.com/office/drawing/2014/main" id="{8FF35A50-2D70-45A5-97C0-09FA7E9396C3}"/>
-              </a:ext>
-            </a:extLst>
-          </p:cNvPr>
-          <p:cNvSpPr txBox="1"/>
-          <p:nvPr/>
-        </p:nvSpPr>
-        <p:spPr>
-          <a:xfrm>
-            <a:off x="3143563" y="4878132"/>
-            <a:ext cx="1614352" cy="400110"/>
-          </a:xfrm>
-          <a:prstGeom prst="rect">
-            <a:avLst/>
-          </a:prstGeom>
-          <a:solidFill>
-            <a:schemeClr val="accent2"/>
-          </a:solidFill>
-          <a:ln w="9525">
-            <a:solidFill>
-              <a:schemeClr val="tx1"/>
-            </a:solidFill>
-          </a:ln>
-        </p:spPr>
-        <p:txBody>
-          <a:bodyPr wrap="square" rtlCol="0">
-            <a:spAutoFit/>
-          </a:bodyPr>
-          <a:lstStyle/>
-          <a:p>
-            <a:pPr algn="ctr"/>
-            <a:r>
-              <a:rPr lang="en-US" sz="1000" dirty="0"/>
-              <a:t>Soil porosity</a:t>
-            </a:r>
-          </a:p>
-        </p:txBody>
-      </p:sp>
-      <p:sp>
-        <p:nvSpPr>
-          <p:cNvPr id="12" name="TextBox 11">
-            <a:extLst>
-              <a:ext uri="{FF2B5EF4-FFF2-40B4-BE49-F238E27FC236}">
-                <a16:creationId xmlns:a16="http://schemas.microsoft.com/office/drawing/2014/main" id="{746B2C31-FA0B-46FE-8943-7254BCEF2D15}"/>
-              </a:ext>
-            </a:extLst>
-          </p:cNvPr>
-          <p:cNvSpPr txBox="1"/>
-          <p:nvPr/>
-        </p:nvSpPr>
-        <p:spPr>
-          <a:xfrm>
-            <a:off x="1596665" y="6086983"/>
-            <a:ext cx="2082607" cy="246221"/>
-          </a:xfrm>
-          <a:prstGeom prst="rect">
-            <a:avLst/>
-          </a:prstGeom>
-          <a:solidFill>
-            <a:schemeClr val="accent2"/>
-          </a:solidFill>
-          <a:ln w="9525">
-            <a:solidFill>
-              <a:schemeClr val="tx1"/>
-            </a:solidFill>
-          </a:ln>
-        </p:spPr>
-        <p:txBody>
-          <a:bodyPr wrap="square" rtlCol="0">
-            <a:spAutoFit/>
-          </a:bodyPr>
-          <a:lstStyle/>
-          <a:p>
-            <a:pPr algn="ctr"/>
-            <a:r>
-              <a:rPr lang="en-US" sz="1000" dirty="0"/>
-              <a:t>Capillary forces</a:t>
-            </a:r>
-          </a:p>
-        </p:txBody>
-      </p:sp>
-      <p:sp>
-        <p:nvSpPr>
-          <p:cNvPr id="16" name="TextBox 15">
-            <a:extLst>
-              <a:ext uri="{FF2B5EF4-FFF2-40B4-BE49-F238E27FC236}">
-                <a16:creationId xmlns:a16="http://schemas.microsoft.com/office/drawing/2014/main" id="{6EFC2D2F-82ED-4332-86E1-5D3DCB71E395}"/>
-              </a:ext>
-            </a:extLst>
-          </p:cNvPr>
-          <p:cNvSpPr txBox="1"/>
-          <p:nvPr/>
-        </p:nvSpPr>
-        <p:spPr>
-          <a:xfrm>
-            <a:off x="4104087" y="1991202"/>
-            <a:ext cx="655608" cy="400110"/>
-          </a:xfrm>
-          <a:prstGeom prst="rect">
-            <a:avLst/>
-          </a:prstGeom>
-          <a:solidFill>
-            <a:schemeClr val="accent2"/>
-          </a:solidFill>
-          <a:ln w="9525">
-            <a:solidFill>
-              <a:schemeClr val="tx1"/>
-            </a:solidFill>
-          </a:ln>
-        </p:spPr>
-        <p:txBody>
-          <a:bodyPr wrap="square" rtlCol="0">
-            <a:spAutoFit/>
-          </a:bodyPr>
-          <a:lstStyle/>
-          <a:p>
-            <a:pPr algn="ctr"/>
-            <a:r>
-              <a:rPr lang="en-US" sz="1000" dirty="0"/>
-              <a:t>Soil Biology</a:t>
-            </a:r>
-          </a:p>
-        </p:txBody>
-      </p:sp>
-      <p:sp>
-        <p:nvSpPr>
-          <p:cNvPr id="96" name="TextBox 95">
-            <a:extLst>
-              <a:ext uri="{FF2B5EF4-FFF2-40B4-BE49-F238E27FC236}">
-                <a16:creationId xmlns:a16="http://schemas.microsoft.com/office/drawing/2014/main" id="{072EE3DC-7571-43F1-B7BC-E9FB70EDEBA6}"/>
-              </a:ext>
-            </a:extLst>
-          </p:cNvPr>
-          <p:cNvSpPr txBox="1"/>
-          <p:nvPr/>
-        </p:nvSpPr>
-        <p:spPr>
-          <a:xfrm>
-            <a:off x="4117845" y="6526289"/>
-            <a:ext cx="873188" cy="400110"/>
-          </a:xfrm>
-          <a:prstGeom prst="rect">
-            <a:avLst/>
-          </a:prstGeom>
-          <a:solidFill>
-            <a:schemeClr val="bg2"/>
-          </a:solidFill>
-          <a:ln w="9525">
-            <a:solidFill>
-              <a:schemeClr val="tx1"/>
-            </a:solidFill>
-          </a:ln>
-        </p:spPr>
-        <p:txBody>
-          <a:bodyPr wrap="square" rtlCol="0">
-            <a:spAutoFit/>
-          </a:bodyPr>
-          <a:lstStyle/>
-          <a:p>
-            <a:pPr algn="ctr"/>
-            <a:r>
-              <a:rPr lang="en-US" sz="1000" dirty="0"/>
-              <a:t>(2) Soil water at saturation</a:t>
-            </a:r>
-          </a:p>
-        </p:txBody>
-      </p:sp>
-      <p:sp>
-        <p:nvSpPr>
-          <p:cNvPr id="53" name="Rectangle 52">
-            <a:extLst>
-              <a:ext uri="{FF2B5EF4-FFF2-40B4-BE49-F238E27FC236}">
-                <a16:creationId xmlns:a16="http://schemas.microsoft.com/office/drawing/2014/main" id="{9D7E2AF7-1946-4EEA-83B6-3F3D8E0738EE}"/>
-              </a:ext>
-            </a:extLst>
-          </p:cNvPr>
-          <p:cNvSpPr/>
-          <p:nvPr/>
-        </p:nvSpPr>
-        <p:spPr>
-          <a:xfrm>
-            <a:off x="1788291" y="3650760"/>
-            <a:ext cx="148990" cy="95788"/>
-          </a:xfrm>
-          <a:prstGeom prst="rect">
-            <a:avLst/>
-          </a:prstGeom>
-          <a:solidFill>
-            <a:schemeClr val="bg1"/>
-          </a:solidFill>
-          <a:ln w="9525">
+            <a:ln w="9525">
+              <a:solidFill>
+                <a:schemeClr val="tx1"/>
+              </a:solidFill>
+            </a:ln>
+          </p:spPr>
+          <p:txBody>
+            <a:bodyPr wrap="square" rtlCol="0">
+              <a:spAutoFit/>
+            </a:bodyPr>
+            <a:lstStyle/>
+            <a:p>
+              <a:pPr algn="ctr"/>
+              <a:r>
+                <a:rPr lang="en-US" sz="1000" dirty="0"/>
+                <a:t>(2) Soil water at saturation</a:t>
+              </a:r>
+            </a:p>
+          </p:txBody>
+        </p:sp>
+        <p:sp>
+          <p:nvSpPr>
+            <p:cNvPr id="53" name="Rectangle 52">
+              <a:extLst>
+                <a:ext uri="{FF2B5EF4-FFF2-40B4-BE49-F238E27FC236}">
+                  <a16:creationId xmlns:a16="http://schemas.microsoft.com/office/drawing/2014/main" id="{9D7E2AF7-1946-4EEA-83B6-3F3D8E0738EE}"/>
+                </a:ext>
+              </a:extLst>
+            </p:cNvPr>
+            <p:cNvSpPr/>
+            <p:nvPr/>
+          </p:nvSpPr>
+          <p:spPr>
+            <a:xfrm>
+              <a:off x="1788291" y="3650760"/>
+              <a:ext cx="148990" cy="95788"/>
+            </a:xfrm>
+            <a:prstGeom prst="rect">
+              <a:avLst/>
+            </a:prstGeom>
             <a:solidFill>
               <a:schemeClr val="bg1"/>
             </a:solidFill>
-          </a:ln>
-        </p:spPr>
-        <p:style>
-          <a:lnRef idx="2">
-            <a:schemeClr val="accent1">
-              <a:shade val="50000"/>
-            </a:schemeClr>
-          </a:lnRef>
-          <a:fillRef idx="1">
-            <a:schemeClr val="accent1"/>
-          </a:fillRef>
-          <a:effectRef idx="0">
-            <a:schemeClr val="accent1"/>
-          </a:effectRef>
-          <a:fontRef idx="minor">
-            <a:schemeClr val="lt1"/>
-          </a:fontRef>
-        </p:style>
-        <p:txBody>
-          <a:bodyPr rtlCol="0" anchor="ctr"/>
-          <a:lstStyle/>
-          <a:p>
-            <a:pPr algn="ctr"/>
-            <a:endParaRPr lang="en-US"/>
-          </a:p>
-        </p:txBody>
-      </p:sp>
-      <p:cxnSp>
-        <p:nvCxnSpPr>
-          <p:cNvPr id="156" name="Straight Arrow Connector 155">
-            <a:extLst>
-              <a:ext uri="{FF2B5EF4-FFF2-40B4-BE49-F238E27FC236}">
-                <a16:creationId xmlns:a16="http://schemas.microsoft.com/office/drawing/2014/main" id="{F2F5C4B5-3009-4604-B153-A758FB3D3B9F}"/>
-              </a:ext>
-            </a:extLst>
-          </p:cNvPr>
-          <p:cNvCxnSpPr>
-            <a:cxnSpLocks/>
-          </p:cNvCxnSpPr>
-          <p:nvPr/>
-        </p:nvCxnSpPr>
-        <p:spPr>
-          <a:xfrm>
-            <a:off x="1874209" y="3099066"/>
-            <a:ext cx="1" cy="766136"/>
-          </a:xfrm>
-          <a:prstGeom prst="straightConnector1">
-            <a:avLst/>
-          </a:prstGeom>
-          <a:ln w="9525">
-            <a:solidFill>
-              <a:schemeClr val="tx1"/>
-            </a:solidFill>
-            <a:tailEnd type="triangle"/>
-          </a:ln>
-        </p:spPr>
-        <p:style>
-          <a:lnRef idx="1">
-            <a:schemeClr val="accent1"/>
-          </a:lnRef>
-          <a:fillRef idx="0">
-            <a:schemeClr val="accent1"/>
-          </a:fillRef>
-          <a:effectRef idx="0">
-            <a:schemeClr val="accent1"/>
-          </a:effectRef>
-          <a:fontRef idx="minor">
-            <a:schemeClr val="tx1"/>
-          </a:fontRef>
-        </p:style>
-      </p:cxnSp>
-      <p:sp>
-        <p:nvSpPr>
-          <p:cNvPr id="55" name="Rectangle 54">
-            <a:extLst>
-              <a:ext uri="{FF2B5EF4-FFF2-40B4-BE49-F238E27FC236}">
-                <a16:creationId xmlns:a16="http://schemas.microsoft.com/office/drawing/2014/main" id="{23B64D1E-71E7-4B90-852C-1FFD78174AB2}"/>
-              </a:ext>
-            </a:extLst>
-          </p:cNvPr>
-          <p:cNvSpPr/>
-          <p:nvPr/>
-        </p:nvSpPr>
-        <p:spPr>
-          <a:xfrm>
-            <a:off x="1749149" y="5049716"/>
-            <a:ext cx="123132" cy="95788"/>
-          </a:xfrm>
-          <a:prstGeom prst="rect">
-            <a:avLst/>
-          </a:prstGeom>
-          <a:solidFill>
-            <a:schemeClr val="bg1"/>
-          </a:solidFill>
-          <a:ln w="9525">
+            <a:ln w="9525">
+              <a:solidFill>
+                <a:schemeClr val="bg1"/>
+              </a:solidFill>
+            </a:ln>
+          </p:spPr>
+          <p:style>
+            <a:lnRef idx="2">
+              <a:schemeClr val="accent1">
+                <a:shade val="50000"/>
+              </a:schemeClr>
+            </a:lnRef>
+            <a:fillRef idx="1">
+              <a:schemeClr val="accent1"/>
+            </a:fillRef>
+            <a:effectRef idx="0">
+              <a:schemeClr val="accent1"/>
+            </a:effectRef>
+            <a:fontRef idx="minor">
+              <a:schemeClr val="lt1"/>
+            </a:fontRef>
+          </p:style>
+          <p:txBody>
+            <a:bodyPr rtlCol="0" anchor="ctr"/>
+            <a:lstStyle/>
+            <a:p>
+              <a:pPr algn="ctr"/>
+              <a:endParaRPr lang="en-US"/>
+            </a:p>
+          </p:txBody>
+        </p:sp>
+        <p:cxnSp>
+          <p:nvCxnSpPr>
+            <p:cNvPr id="156" name="Straight Arrow Connector 155">
+              <a:extLst>
+                <a:ext uri="{FF2B5EF4-FFF2-40B4-BE49-F238E27FC236}">
+                  <a16:creationId xmlns:a16="http://schemas.microsoft.com/office/drawing/2014/main" id="{F2F5C4B5-3009-4604-B153-A758FB3D3B9F}"/>
+                </a:ext>
+              </a:extLst>
+            </p:cNvPr>
+            <p:cNvCxnSpPr>
+              <a:cxnSpLocks/>
+            </p:cNvCxnSpPr>
+            <p:nvPr/>
+          </p:nvCxnSpPr>
+          <p:spPr>
+            <a:xfrm>
+              <a:off x="1874209" y="3099066"/>
+              <a:ext cx="1" cy="766136"/>
+            </a:xfrm>
+            <a:prstGeom prst="straightConnector1">
+              <a:avLst/>
+            </a:prstGeom>
+            <a:ln w="9525">
+              <a:solidFill>
+                <a:schemeClr val="tx1"/>
+              </a:solidFill>
+              <a:tailEnd type="triangle"/>
+            </a:ln>
+          </p:spPr>
+          <p:style>
+            <a:lnRef idx="1">
+              <a:schemeClr val="accent1"/>
+            </a:lnRef>
+            <a:fillRef idx="0">
+              <a:schemeClr val="accent1"/>
+            </a:fillRef>
+            <a:effectRef idx="0">
+              <a:schemeClr val="accent1"/>
+            </a:effectRef>
+            <a:fontRef idx="minor">
+              <a:schemeClr val="tx1"/>
+            </a:fontRef>
+          </p:style>
+        </p:cxnSp>
+        <p:sp>
+          <p:nvSpPr>
+            <p:cNvPr id="55" name="Rectangle 54">
+              <a:extLst>
+                <a:ext uri="{FF2B5EF4-FFF2-40B4-BE49-F238E27FC236}">
+                  <a16:creationId xmlns:a16="http://schemas.microsoft.com/office/drawing/2014/main" id="{23B64D1E-71E7-4B90-852C-1FFD78174AB2}"/>
+                </a:ext>
+              </a:extLst>
+            </p:cNvPr>
+            <p:cNvSpPr/>
+            <p:nvPr/>
+          </p:nvSpPr>
+          <p:spPr>
+            <a:xfrm>
+              <a:off x="1749149" y="5049716"/>
+              <a:ext cx="123132" cy="95788"/>
+            </a:xfrm>
+            <a:prstGeom prst="rect">
+              <a:avLst/>
+            </a:prstGeom>
             <a:solidFill>
               <a:schemeClr val="bg1"/>
             </a:solidFill>
-          </a:ln>
-        </p:spPr>
-        <p:style>
-          <a:lnRef idx="2">
-            <a:schemeClr val="accent1">
-              <a:shade val="50000"/>
-            </a:schemeClr>
-          </a:lnRef>
-          <a:fillRef idx="1">
-            <a:schemeClr val="accent1"/>
-          </a:fillRef>
-          <a:effectRef idx="0">
-            <a:schemeClr val="accent1"/>
-          </a:effectRef>
-          <a:fontRef idx="minor">
-            <a:schemeClr val="lt1"/>
-          </a:fontRef>
-        </p:style>
-        <p:txBody>
-          <a:bodyPr rtlCol="0" anchor="ctr"/>
-          <a:lstStyle/>
-          <a:p>
-            <a:pPr algn="ctr"/>
-            <a:endParaRPr lang="en-US"/>
-          </a:p>
-        </p:txBody>
-      </p:sp>
-      <p:sp>
-        <p:nvSpPr>
-          <p:cNvPr id="56" name="Rectangle 55">
-            <a:extLst>
-              <a:ext uri="{FF2B5EF4-FFF2-40B4-BE49-F238E27FC236}">
-                <a16:creationId xmlns:a16="http://schemas.microsoft.com/office/drawing/2014/main" id="{36661A51-A0F5-4A10-BC66-CD93694E17DC}"/>
-              </a:ext>
-            </a:extLst>
-          </p:cNvPr>
-          <p:cNvSpPr/>
-          <p:nvPr/>
-        </p:nvSpPr>
-        <p:spPr>
-          <a:xfrm>
-            <a:off x="2609375" y="5030293"/>
-            <a:ext cx="123132" cy="95788"/>
-          </a:xfrm>
-          <a:prstGeom prst="rect">
-            <a:avLst/>
-          </a:prstGeom>
-          <a:solidFill>
-            <a:schemeClr val="bg1"/>
-          </a:solidFill>
-          <a:ln w="9525">
+            <a:ln w="9525">
+              <a:solidFill>
+                <a:schemeClr val="bg1"/>
+              </a:solidFill>
+            </a:ln>
+          </p:spPr>
+          <p:style>
+            <a:lnRef idx="2">
+              <a:schemeClr val="accent1">
+                <a:shade val="50000"/>
+              </a:schemeClr>
+            </a:lnRef>
+            <a:fillRef idx="1">
+              <a:schemeClr val="accent1"/>
+            </a:fillRef>
+            <a:effectRef idx="0">
+              <a:schemeClr val="accent1"/>
+            </a:effectRef>
+            <a:fontRef idx="minor">
+              <a:schemeClr val="lt1"/>
+            </a:fontRef>
+          </p:style>
+          <p:txBody>
+            <a:bodyPr rtlCol="0" anchor="ctr"/>
+            <a:lstStyle/>
+            <a:p>
+              <a:pPr algn="ctr"/>
+              <a:endParaRPr lang="en-US"/>
+            </a:p>
+          </p:txBody>
+        </p:sp>
+        <p:sp>
+          <p:nvSpPr>
+            <p:cNvPr id="56" name="Rectangle 55">
+              <a:extLst>
+                <a:ext uri="{FF2B5EF4-FFF2-40B4-BE49-F238E27FC236}">
+                  <a16:creationId xmlns:a16="http://schemas.microsoft.com/office/drawing/2014/main" id="{36661A51-A0F5-4A10-BC66-CD93694E17DC}"/>
+                </a:ext>
+              </a:extLst>
+            </p:cNvPr>
+            <p:cNvSpPr/>
+            <p:nvPr/>
+          </p:nvSpPr>
+          <p:spPr>
+            <a:xfrm>
+              <a:off x="2609375" y="5030293"/>
+              <a:ext cx="123132" cy="95788"/>
+            </a:xfrm>
+            <a:prstGeom prst="rect">
+              <a:avLst/>
+            </a:prstGeom>
             <a:solidFill>
               <a:schemeClr val="bg1"/>
             </a:solidFill>
-          </a:ln>
-        </p:spPr>
-        <p:style>
-          <a:lnRef idx="2">
-            <a:schemeClr val="accent1">
-              <a:shade val="50000"/>
-            </a:schemeClr>
-          </a:lnRef>
-          <a:fillRef idx="1">
-            <a:schemeClr val="accent1"/>
-          </a:fillRef>
-          <a:effectRef idx="0">
-            <a:schemeClr val="accent1"/>
-          </a:effectRef>
-          <a:fontRef idx="minor">
-            <a:schemeClr val="lt1"/>
-          </a:fontRef>
-        </p:style>
-        <p:txBody>
-          <a:bodyPr rtlCol="0" anchor="ctr"/>
-          <a:lstStyle/>
-          <a:p>
-            <a:pPr algn="ctr"/>
-            <a:endParaRPr lang="en-US"/>
-          </a:p>
-        </p:txBody>
-      </p:sp>
-      <p:cxnSp>
-        <p:nvCxnSpPr>
-          <p:cNvPr id="172" name="Straight Arrow Connector 171">
-            <a:extLst>
-              <a:ext uri="{FF2B5EF4-FFF2-40B4-BE49-F238E27FC236}">
-                <a16:creationId xmlns:a16="http://schemas.microsoft.com/office/drawing/2014/main" id="{FC8C7FFC-E011-4F67-A04C-8CFC4A5730E2}"/>
-              </a:ext>
-            </a:extLst>
-          </p:cNvPr>
-          <p:cNvCxnSpPr>
-            <a:cxnSpLocks/>
-          </p:cNvCxnSpPr>
-          <p:nvPr/>
-        </p:nvCxnSpPr>
-        <p:spPr>
-          <a:xfrm flipH="1">
-            <a:off x="2685100" y="4059670"/>
-            <a:ext cx="2283" cy="1375601"/>
-          </a:xfrm>
-          <a:prstGeom prst="straightConnector1">
-            <a:avLst/>
-          </a:prstGeom>
-          <a:ln w="9525">
-            <a:solidFill>
-              <a:schemeClr val="tx1"/>
-            </a:solidFill>
-            <a:tailEnd type="triangle"/>
-          </a:ln>
-        </p:spPr>
-        <p:style>
-          <a:lnRef idx="1">
-            <a:schemeClr val="accent1"/>
-          </a:lnRef>
-          <a:fillRef idx="0">
-            <a:schemeClr val="accent1"/>
-          </a:fillRef>
-          <a:effectRef idx="0">
-            <a:schemeClr val="accent1"/>
-          </a:effectRef>
-          <a:fontRef idx="minor">
-            <a:schemeClr val="tx1"/>
-          </a:fontRef>
-        </p:style>
-      </p:cxnSp>
-      <p:cxnSp>
-        <p:nvCxnSpPr>
-          <p:cNvPr id="173" name="Straight Arrow Connector 172">
-            <a:extLst>
-              <a:ext uri="{FF2B5EF4-FFF2-40B4-BE49-F238E27FC236}">
-                <a16:creationId xmlns:a16="http://schemas.microsoft.com/office/drawing/2014/main" id="{8805674A-7166-4CBD-9F3E-9EB4FB455B28}"/>
-              </a:ext>
-            </a:extLst>
-          </p:cNvPr>
-          <p:cNvCxnSpPr>
-            <a:cxnSpLocks/>
-          </p:cNvCxnSpPr>
-          <p:nvPr/>
-        </p:nvCxnSpPr>
-        <p:spPr>
-          <a:xfrm flipH="1">
-            <a:off x="1788783" y="4427875"/>
-            <a:ext cx="4104" cy="990970"/>
-          </a:xfrm>
-          <a:prstGeom prst="straightConnector1">
-            <a:avLst/>
-          </a:prstGeom>
-          <a:ln w="9525">
-            <a:solidFill>
-              <a:schemeClr val="tx1"/>
-            </a:solidFill>
-            <a:tailEnd type="triangle"/>
-          </a:ln>
-        </p:spPr>
-        <p:style>
-          <a:lnRef idx="1">
-            <a:schemeClr val="accent1"/>
-          </a:lnRef>
-          <a:fillRef idx="0">
-            <a:schemeClr val="accent1"/>
-          </a:fillRef>
-          <a:effectRef idx="0">
-            <a:schemeClr val="accent1"/>
-          </a:effectRef>
-          <a:fontRef idx="minor">
-            <a:schemeClr val="tx1"/>
-          </a:fontRef>
-        </p:style>
-      </p:cxnSp>
-      <p:sp>
-        <p:nvSpPr>
-          <p:cNvPr id="58" name="Rectangle 57">
-            <a:extLst>
-              <a:ext uri="{FF2B5EF4-FFF2-40B4-BE49-F238E27FC236}">
-                <a16:creationId xmlns:a16="http://schemas.microsoft.com/office/drawing/2014/main" id="{5E006E4D-0623-40B1-B8A2-E05513A47854}"/>
-              </a:ext>
-            </a:extLst>
-          </p:cNvPr>
-          <p:cNvSpPr/>
-          <p:nvPr/>
-        </p:nvSpPr>
-        <p:spPr>
-          <a:xfrm>
-            <a:off x="3314081" y="3891859"/>
-            <a:ext cx="123132" cy="95788"/>
-          </a:xfrm>
-          <a:prstGeom prst="rect">
-            <a:avLst/>
-          </a:prstGeom>
-          <a:solidFill>
-            <a:schemeClr val="bg1"/>
-          </a:solidFill>
-          <a:ln w="9525">
+            <a:ln w="9525">
+              <a:solidFill>
+                <a:schemeClr val="bg1"/>
+              </a:solidFill>
+            </a:ln>
+          </p:spPr>
+          <p:style>
+            <a:lnRef idx="2">
+              <a:schemeClr val="accent1">
+                <a:shade val="50000"/>
+              </a:schemeClr>
+            </a:lnRef>
+            <a:fillRef idx="1">
+              <a:schemeClr val="accent1"/>
+            </a:fillRef>
+            <a:effectRef idx="0">
+              <a:schemeClr val="accent1"/>
+            </a:effectRef>
+            <a:fontRef idx="minor">
+              <a:schemeClr val="lt1"/>
+            </a:fontRef>
+          </p:style>
+          <p:txBody>
+            <a:bodyPr rtlCol="0" anchor="ctr"/>
+            <a:lstStyle/>
+            <a:p>
+              <a:pPr algn="ctr"/>
+              <a:endParaRPr lang="en-US"/>
+            </a:p>
+          </p:txBody>
+        </p:sp>
+        <p:cxnSp>
+          <p:nvCxnSpPr>
+            <p:cNvPr id="172" name="Straight Arrow Connector 171">
+              <a:extLst>
+                <a:ext uri="{FF2B5EF4-FFF2-40B4-BE49-F238E27FC236}">
+                  <a16:creationId xmlns:a16="http://schemas.microsoft.com/office/drawing/2014/main" id="{FC8C7FFC-E011-4F67-A04C-8CFC4A5730E2}"/>
+                </a:ext>
+              </a:extLst>
+            </p:cNvPr>
+            <p:cNvCxnSpPr>
+              <a:cxnSpLocks/>
+            </p:cNvCxnSpPr>
+            <p:nvPr/>
+          </p:nvCxnSpPr>
+          <p:spPr>
+            <a:xfrm flipH="1">
+              <a:off x="2685100" y="4059670"/>
+              <a:ext cx="2283" cy="1375601"/>
+            </a:xfrm>
+            <a:prstGeom prst="straightConnector1">
+              <a:avLst/>
+            </a:prstGeom>
+            <a:ln w="9525">
+              <a:solidFill>
+                <a:schemeClr val="tx1"/>
+              </a:solidFill>
+              <a:tailEnd type="triangle"/>
+            </a:ln>
+          </p:spPr>
+          <p:style>
+            <a:lnRef idx="1">
+              <a:schemeClr val="accent1"/>
+            </a:lnRef>
+            <a:fillRef idx="0">
+              <a:schemeClr val="accent1"/>
+            </a:fillRef>
+            <a:effectRef idx="0">
+              <a:schemeClr val="accent1"/>
+            </a:effectRef>
+            <a:fontRef idx="minor">
+              <a:schemeClr val="tx1"/>
+            </a:fontRef>
+          </p:style>
+        </p:cxnSp>
+        <p:cxnSp>
+          <p:nvCxnSpPr>
+            <p:cNvPr id="173" name="Straight Arrow Connector 172">
+              <a:extLst>
+                <a:ext uri="{FF2B5EF4-FFF2-40B4-BE49-F238E27FC236}">
+                  <a16:creationId xmlns:a16="http://schemas.microsoft.com/office/drawing/2014/main" id="{8805674A-7166-4CBD-9F3E-9EB4FB455B28}"/>
+                </a:ext>
+              </a:extLst>
+            </p:cNvPr>
+            <p:cNvCxnSpPr>
+              <a:cxnSpLocks/>
+            </p:cNvCxnSpPr>
+            <p:nvPr/>
+          </p:nvCxnSpPr>
+          <p:spPr>
+            <a:xfrm flipH="1">
+              <a:off x="1788783" y="4427875"/>
+              <a:ext cx="4104" cy="990970"/>
+            </a:xfrm>
+            <a:prstGeom prst="straightConnector1">
+              <a:avLst/>
+            </a:prstGeom>
+            <a:ln w="9525">
+              <a:solidFill>
+                <a:schemeClr val="tx1"/>
+              </a:solidFill>
+              <a:tailEnd type="triangle"/>
+            </a:ln>
+          </p:spPr>
+          <p:style>
+            <a:lnRef idx="1">
+              <a:schemeClr val="accent1"/>
+            </a:lnRef>
+            <a:fillRef idx="0">
+              <a:schemeClr val="accent1"/>
+            </a:fillRef>
+            <a:effectRef idx="0">
+              <a:schemeClr val="accent1"/>
+            </a:effectRef>
+            <a:fontRef idx="minor">
+              <a:schemeClr val="tx1"/>
+            </a:fontRef>
+          </p:style>
+        </p:cxnSp>
+        <p:sp>
+          <p:nvSpPr>
+            <p:cNvPr id="58" name="Rectangle 57">
+              <a:extLst>
+                <a:ext uri="{FF2B5EF4-FFF2-40B4-BE49-F238E27FC236}">
+                  <a16:creationId xmlns:a16="http://schemas.microsoft.com/office/drawing/2014/main" id="{5E006E4D-0623-40B1-B8A2-E05513A47854}"/>
+                </a:ext>
+              </a:extLst>
+            </p:cNvPr>
+            <p:cNvSpPr/>
+            <p:nvPr/>
+          </p:nvSpPr>
+          <p:spPr>
+            <a:xfrm>
+              <a:off x="3314081" y="3891859"/>
+              <a:ext cx="123132" cy="95788"/>
+            </a:xfrm>
+            <a:prstGeom prst="rect">
+              <a:avLst/>
+            </a:prstGeom>
             <a:solidFill>
               <a:schemeClr val="bg1"/>
             </a:solidFill>
-          </a:ln>
-        </p:spPr>
-        <p:style>
-          <a:lnRef idx="2">
-            <a:schemeClr val="accent1">
-              <a:shade val="50000"/>
-            </a:schemeClr>
-          </a:lnRef>
-          <a:fillRef idx="1">
-            <a:schemeClr val="accent1"/>
-          </a:fillRef>
-          <a:effectRef idx="0">
-            <a:schemeClr val="accent1"/>
-          </a:effectRef>
-          <a:fontRef idx="minor">
-            <a:schemeClr val="lt1"/>
-          </a:fontRef>
-        </p:style>
-        <p:txBody>
-          <a:bodyPr rtlCol="0" anchor="ctr"/>
-          <a:lstStyle/>
-          <a:p>
-            <a:pPr algn="ctr"/>
-            <a:endParaRPr lang="en-US"/>
-          </a:p>
-        </p:txBody>
-      </p:sp>
-      <p:cxnSp>
-        <p:nvCxnSpPr>
-          <p:cNvPr id="92" name="Straight Arrow Connector 91">
-            <a:extLst>
-              <a:ext uri="{FF2B5EF4-FFF2-40B4-BE49-F238E27FC236}">
-                <a16:creationId xmlns:a16="http://schemas.microsoft.com/office/drawing/2014/main" id="{D1103426-A3EB-44E5-B05A-CF3D80637CAA}"/>
-              </a:ext>
-            </a:extLst>
-          </p:cNvPr>
-          <p:cNvCxnSpPr>
-            <a:cxnSpLocks/>
-          </p:cNvCxnSpPr>
-          <p:nvPr/>
-        </p:nvCxnSpPr>
-        <p:spPr>
-          <a:xfrm>
-            <a:off x="3378533" y="2501596"/>
-            <a:ext cx="0" cy="2387063"/>
-          </a:xfrm>
-          <a:prstGeom prst="straightConnector1">
-            <a:avLst/>
-          </a:prstGeom>
-          <a:ln w="9525">
+            <a:ln w="9525">
+              <a:solidFill>
+                <a:schemeClr val="bg1"/>
+              </a:solidFill>
+            </a:ln>
+          </p:spPr>
+          <p:style>
+            <a:lnRef idx="2">
+              <a:schemeClr val="accent1">
+                <a:shade val="50000"/>
+              </a:schemeClr>
+            </a:lnRef>
+            <a:fillRef idx="1">
+              <a:schemeClr val="accent1"/>
+            </a:fillRef>
+            <a:effectRef idx="0">
+              <a:schemeClr val="accent1"/>
+            </a:effectRef>
+            <a:fontRef idx="minor">
+              <a:schemeClr val="lt1"/>
+            </a:fontRef>
+          </p:style>
+          <p:txBody>
+            <a:bodyPr rtlCol="0" anchor="ctr"/>
+            <a:lstStyle/>
+            <a:p>
+              <a:pPr algn="ctr"/>
+              <a:endParaRPr lang="en-US"/>
+            </a:p>
+          </p:txBody>
+        </p:sp>
+        <p:cxnSp>
+          <p:nvCxnSpPr>
+            <p:cNvPr id="92" name="Straight Arrow Connector 91">
+              <a:extLst>
+                <a:ext uri="{FF2B5EF4-FFF2-40B4-BE49-F238E27FC236}">
+                  <a16:creationId xmlns:a16="http://schemas.microsoft.com/office/drawing/2014/main" id="{D1103426-A3EB-44E5-B05A-CF3D80637CAA}"/>
+                </a:ext>
+              </a:extLst>
+            </p:cNvPr>
+            <p:cNvCxnSpPr>
+              <a:cxnSpLocks/>
+            </p:cNvCxnSpPr>
+            <p:nvPr/>
+          </p:nvCxnSpPr>
+          <p:spPr>
+            <a:xfrm>
+              <a:off x="3378533" y="2501596"/>
+              <a:ext cx="0" cy="2387063"/>
+            </a:xfrm>
+            <a:prstGeom prst="straightConnector1">
+              <a:avLst/>
+            </a:prstGeom>
+            <a:ln w="9525">
+              <a:solidFill>
+                <a:schemeClr val="tx1"/>
+              </a:solidFill>
+              <a:tailEnd type="triangle"/>
+            </a:ln>
+          </p:spPr>
+          <p:style>
+            <a:lnRef idx="1">
+              <a:schemeClr val="accent1"/>
+            </a:lnRef>
+            <a:fillRef idx="0">
+              <a:schemeClr val="accent1"/>
+            </a:fillRef>
+            <a:effectRef idx="0">
+              <a:schemeClr val="accent1"/>
+            </a:effectRef>
+            <a:fontRef idx="minor">
+              <a:schemeClr val="tx1"/>
+            </a:fontRef>
+          </p:style>
+        </p:cxnSp>
+        <p:sp>
+          <p:nvSpPr>
+            <p:cNvPr id="85" name="TextBox 84">
+              <a:extLst>
+                <a:ext uri="{FF2B5EF4-FFF2-40B4-BE49-F238E27FC236}">
+                  <a16:creationId xmlns:a16="http://schemas.microsoft.com/office/drawing/2014/main" id="{CF804AB6-B196-45FB-8F8E-BCF2A0FB4871}"/>
+                </a:ext>
+              </a:extLst>
+            </p:cNvPr>
+            <p:cNvSpPr txBox="1"/>
+            <p:nvPr/>
+          </p:nvSpPr>
+          <p:spPr>
+            <a:xfrm>
+              <a:off x="2373899" y="3643922"/>
+              <a:ext cx="622402" cy="553998"/>
+            </a:xfrm>
+            <a:prstGeom prst="rect">
+              <a:avLst/>
+            </a:prstGeom>
             <a:solidFill>
-              <a:schemeClr val="tx1"/>
+              <a:schemeClr val="accent2"/>
             </a:solidFill>
-            <a:tailEnd type="triangle"/>
-          </a:ln>
-        </p:spPr>
-        <p:style>
-          <a:lnRef idx="1">
-            <a:schemeClr val="accent1"/>
-          </a:lnRef>
-          <a:fillRef idx="0">
-            <a:schemeClr val="accent1"/>
-          </a:fillRef>
-          <a:effectRef idx="0">
-            <a:schemeClr val="accent1"/>
-          </a:effectRef>
-          <a:fontRef idx="minor">
-            <a:schemeClr val="tx1"/>
-          </a:fontRef>
-        </p:style>
-      </p:cxnSp>
-      <p:sp>
-        <p:nvSpPr>
-          <p:cNvPr id="85" name="TextBox 84">
-            <a:extLst>
-              <a:ext uri="{FF2B5EF4-FFF2-40B4-BE49-F238E27FC236}">
-                <a16:creationId xmlns:a16="http://schemas.microsoft.com/office/drawing/2014/main" id="{CF804AB6-B196-45FB-8F8E-BCF2A0FB4871}"/>
-              </a:ext>
-            </a:extLst>
-          </p:cNvPr>
-          <p:cNvSpPr txBox="1"/>
-          <p:nvPr/>
-        </p:nvSpPr>
-        <p:spPr>
-          <a:xfrm>
-            <a:off x="2373899" y="3643922"/>
-            <a:ext cx="622402" cy="553998"/>
-          </a:xfrm>
-          <a:prstGeom prst="rect">
-            <a:avLst/>
-          </a:prstGeom>
-          <a:solidFill>
-            <a:schemeClr val="accent2"/>
-          </a:solidFill>
-          <a:ln w="9525">
+            <a:ln w="9525">
+              <a:solidFill>
+                <a:schemeClr val="tx1"/>
+              </a:solidFill>
+            </a:ln>
+          </p:spPr>
+          <p:txBody>
+            <a:bodyPr wrap="square" rtlCol="0">
+              <a:spAutoFit/>
+            </a:bodyPr>
+            <a:lstStyle/>
+            <a:p>
+              <a:pPr algn="ctr"/>
+              <a:r>
+                <a:rPr lang="en-US" sz="1000" dirty="0"/>
+                <a:t>Soil aggregation</a:t>
+              </a:r>
+            </a:p>
+          </p:txBody>
+        </p:sp>
+        <p:sp>
+          <p:nvSpPr>
+            <p:cNvPr id="5" name="TextBox 4">
+              <a:extLst>
+                <a:ext uri="{FF2B5EF4-FFF2-40B4-BE49-F238E27FC236}">
+                  <a16:creationId xmlns:a16="http://schemas.microsoft.com/office/drawing/2014/main" id="{FB7D1191-B076-4898-9B0F-3270A8A581F9}"/>
+                </a:ext>
+              </a:extLst>
+            </p:cNvPr>
+            <p:cNvSpPr txBox="1"/>
+            <p:nvPr/>
+          </p:nvSpPr>
+          <p:spPr>
+            <a:xfrm>
+              <a:off x="1411035" y="1358867"/>
+              <a:ext cx="3536829" cy="276999"/>
+            </a:xfrm>
+            <a:prstGeom prst="rect">
+              <a:avLst/>
+            </a:prstGeom>
             <a:solidFill>
-              <a:schemeClr val="tx1"/>
+              <a:schemeClr val="accent4"/>
             </a:solidFill>
-          </a:ln>
-        </p:spPr>
-        <p:txBody>
-          <a:bodyPr wrap="square" rtlCol="0">
-            <a:spAutoFit/>
-          </a:bodyPr>
-          <a:lstStyle/>
-          <a:p>
-            <a:pPr algn="ctr"/>
-            <a:r>
-              <a:rPr lang="en-US" sz="1000" dirty="0"/>
-              <a:t>Soil aggregation</a:t>
-            </a:r>
-          </a:p>
-        </p:txBody>
-      </p:sp>
-      <p:sp>
-        <p:nvSpPr>
-          <p:cNvPr id="5" name="TextBox 4">
-            <a:extLst>
-              <a:ext uri="{FF2B5EF4-FFF2-40B4-BE49-F238E27FC236}">
-                <a16:creationId xmlns:a16="http://schemas.microsoft.com/office/drawing/2014/main" id="{FB7D1191-B076-4898-9B0F-3270A8A581F9}"/>
-              </a:ext>
-            </a:extLst>
-          </p:cNvPr>
-          <p:cNvSpPr txBox="1"/>
-          <p:nvPr/>
-        </p:nvSpPr>
-        <p:spPr>
-          <a:xfrm>
-            <a:off x="1411035" y="1358867"/>
-            <a:ext cx="3536829" cy="276999"/>
-          </a:xfrm>
-          <a:prstGeom prst="rect">
-            <a:avLst/>
-          </a:prstGeom>
-          <a:solidFill>
-            <a:schemeClr val="accent4"/>
-          </a:solidFill>
-        </p:spPr>
-        <p:txBody>
-          <a:bodyPr wrap="square" rtlCol="0">
-            <a:spAutoFit/>
-          </a:bodyPr>
-          <a:lstStyle/>
-          <a:p>
-            <a:pPr algn="ctr"/>
-            <a:r>
-              <a:rPr lang="en-US" sz="1200" dirty="0"/>
-              <a:t>Cover Crops</a:t>
-            </a:r>
-          </a:p>
-        </p:txBody>
-      </p:sp>
-      <p:sp>
-        <p:nvSpPr>
-          <p:cNvPr id="39" name="TextBox 38">
-            <a:extLst>
-              <a:ext uri="{FF2B5EF4-FFF2-40B4-BE49-F238E27FC236}">
-                <a16:creationId xmlns:a16="http://schemas.microsoft.com/office/drawing/2014/main" id="{C88535CE-04F6-4F00-8976-230E49A5674A}"/>
-              </a:ext>
-            </a:extLst>
-          </p:cNvPr>
-          <p:cNvSpPr txBox="1"/>
-          <p:nvPr/>
-        </p:nvSpPr>
-        <p:spPr>
-          <a:xfrm>
-            <a:off x="1729897" y="2961233"/>
-            <a:ext cx="1418545" cy="246221"/>
-          </a:xfrm>
-          <a:prstGeom prst="rect">
-            <a:avLst/>
-          </a:prstGeom>
-          <a:solidFill>
-            <a:schemeClr val="accent2"/>
-          </a:solidFill>
-          <a:ln w="9525">
+          </p:spPr>
+          <p:txBody>
+            <a:bodyPr wrap="square" rtlCol="0">
+              <a:spAutoFit/>
+            </a:bodyPr>
+            <a:lstStyle/>
+            <a:p>
+              <a:pPr algn="ctr"/>
+              <a:r>
+                <a:rPr lang="en-US" sz="1200" dirty="0"/>
+                <a:t>Cover Crops</a:t>
+              </a:r>
+            </a:p>
+          </p:txBody>
+        </p:sp>
+        <p:sp>
+          <p:nvSpPr>
+            <p:cNvPr id="39" name="TextBox 38">
+              <a:extLst>
+                <a:ext uri="{FF2B5EF4-FFF2-40B4-BE49-F238E27FC236}">
+                  <a16:creationId xmlns:a16="http://schemas.microsoft.com/office/drawing/2014/main" id="{C88535CE-04F6-4F00-8976-230E49A5674A}"/>
+                </a:ext>
+              </a:extLst>
+            </p:cNvPr>
+            <p:cNvSpPr txBox="1"/>
+            <p:nvPr/>
+          </p:nvSpPr>
+          <p:spPr>
+            <a:xfrm>
+              <a:off x="1729897" y="2961233"/>
+              <a:ext cx="1418545" cy="246221"/>
+            </a:xfrm>
+            <a:prstGeom prst="rect">
+              <a:avLst/>
+            </a:prstGeom>
             <a:solidFill>
-              <a:schemeClr val="tx1"/>
+              <a:schemeClr val="accent2"/>
             </a:solidFill>
-          </a:ln>
-        </p:spPr>
-        <p:txBody>
-          <a:bodyPr wrap="square" rtlCol="0">
-            <a:spAutoFit/>
-          </a:bodyPr>
-          <a:lstStyle/>
-          <a:p>
-            <a:pPr algn="ctr"/>
-            <a:r>
-              <a:rPr lang="en-US" sz="1000" dirty="0"/>
-              <a:t>Carbon inputs</a:t>
-            </a:r>
-          </a:p>
-        </p:txBody>
-      </p:sp>
-      <p:sp>
-        <p:nvSpPr>
-          <p:cNvPr id="27" name="TextBox 26">
-            <a:extLst>
-              <a:ext uri="{FF2B5EF4-FFF2-40B4-BE49-F238E27FC236}">
-                <a16:creationId xmlns:a16="http://schemas.microsoft.com/office/drawing/2014/main" id="{A8BF0BC3-B10A-4BC5-9397-D880332680E1}"/>
-              </a:ext>
-            </a:extLst>
-          </p:cNvPr>
-          <p:cNvSpPr txBox="1"/>
-          <p:nvPr/>
-        </p:nvSpPr>
-        <p:spPr>
-          <a:xfrm>
-            <a:off x="1697528" y="1955692"/>
-            <a:ext cx="660241" cy="556775"/>
-          </a:xfrm>
-          <a:prstGeom prst="rect">
-            <a:avLst/>
-          </a:prstGeom>
-          <a:solidFill>
-            <a:schemeClr val="accent2"/>
-          </a:solidFill>
-          <a:ln w="9525">
+            <a:ln w="9525">
+              <a:solidFill>
+                <a:schemeClr val="tx1"/>
+              </a:solidFill>
+            </a:ln>
+          </p:spPr>
+          <p:txBody>
+            <a:bodyPr wrap="square" rtlCol="0">
+              <a:spAutoFit/>
+            </a:bodyPr>
+            <a:lstStyle/>
+            <a:p>
+              <a:pPr algn="ctr"/>
+              <a:r>
+                <a:rPr lang="en-US" sz="1000" dirty="0"/>
+                <a:t>Carbon inputs</a:t>
+              </a:r>
+            </a:p>
+          </p:txBody>
+        </p:sp>
+        <p:sp>
+          <p:nvSpPr>
+            <p:cNvPr id="27" name="TextBox 26">
+              <a:extLst>
+                <a:ext uri="{FF2B5EF4-FFF2-40B4-BE49-F238E27FC236}">
+                  <a16:creationId xmlns:a16="http://schemas.microsoft.com/office/drawing/2014/main" id="{A8BF0BC3-B10A-4BC5-9397-D880332680E1}"/>
+                </a:ext>
+              </a:extLst>
+            </p:cNvPr>
+            <p:cNvSpPr txBox="1"/>
+            <p:nvPr/>
+          </p:nvSpPr>
+          <p:spPr>
+            <a:xfrm>
+              <a:off x="1697528" y="1955692"/>
+              <a:ext cx="660241" cy="556775"/>
+            </a:xfrm>
+            <a:prstGeom prst="rect">
+              <a:avLst/>
+            </a:prstGeom>
             <a:solidFill>
-              <a:schemeClr val="tx1"/>
+              <a:schemeClr val="accent2"/>
             </a:solidFill>
-          </a:ln>
-        </p:spPr>
-        <p:txBody>
-          <a:bodyPr wrap="square" rtlCol="0">
-            <a:spAutoFit/>
-          </a:bodyPr>
-          <a:lstStyle/>
-          <a:p>
-            <a:pPr algn="ctr"/>
-            <a:r>
-              <a:rPr lang="en-US" sz="1000" dirty="0"/>
-              <a:t>Above-ground biomass</a:t>
-            </a:r>
-          </a:p>
-        </p:txBody>
-      </p:sp>
-      <p:cxnSp>
-        <p:nvCxnSpPr>
-          <p:cNvPr id="54" name="Straight Arrow Connector 53">
-            <a:extLst>
-              <a:ext uri="{FF2B5EF4-FFF2-40B4-BE49-F238E27FC236}">
-                <a16:creationId xmlns:a16="http://schemas.microsoft.com/office/drawing/2014/main" id="{AF84A429-61E5-4732-A27D-DEAC4CF53B42}"/>
-              </a:ext>
-            </a:extLst>
-          </p:cNvPr>
-          <p:cNvCxnSpPr>
-            <a:cxnSpLocks/>
-          </p:cNvCxnSpPr>
-          <p:nvPr/>
-        </p:nvCxnSpPr>
-        <p:spPr>
-          <a:xfrm>
-            <a:off x="1145655" y="6210093"/>
-            <a:ext cx="457549" cy="0"/>
-          </a:xfrm>
-          <a:prstGeom prst="straightConnector1">
-            <a:avLst/>
-          </a:prstGeom>
-          <a:ln w="9525">
+            <a:ln w="9525">
+              <a:solidFill>
+                <a:schemeClr val="tx1"/>
+              </a:solidFill>
+            </a:ln>
+          </p:spPr>
+          <p:txBody>
+            <a:bodyPr wrap="square" rtlCol="0">
+              <a:spAutoFit/>
+            </a:bodyPr>
+            <a:lstStyle/>
+            <a:p>
+              <a:pPr algn="ctr"/>
+              <a:r>
+                <a:rPr lang="en-US" sz="1000" dirty="0"/>
+                <a:t>Above-ground biomass</a:t>
+              </a:r>
+            </a:p>
+          </p:txBody>
+        </p:sp>
+        <p:cxnSp>
+          <p:nvCxnSpPr>
+            <p:cNvPr id="54" name="Straight Arrow Connector 53">
+              <a:extLst>
+                <a:ext uri="{FF2B5EF4-FFF2-40B4-BE49-F238E27FC236}">
+                  <a16:creationId xmlns:a16="http://schemas.microsoft.com/office/drawing/2014/main" id="{AF84A429-61E5-4732-A27D-DEAC4CF53B42}"/>
+                </a:ext>
+              </a:extLst>
+            </p:cNvPr>
+            <p:cNvCxnSpPr>
+              <a:cxnSpLocks/>
+            </p:cNvCxnSpPr>
+            <p:nvPr/>
+          </p:nvCxnSpPr>
+          <p:spPr>
+            <a:xfrm>
+              <a:off x="1145655" y="6210093"/>
+              <a:ext cx="457549" cy="0"/>
+            </a:xfrm>
+            <a:prstGeom prst="straightConnector1">
+              <a:avLst/>
+            </a:prstGeom>
+            <a:ln w="9525">
+              <a:solidFill>
+                <a:schemeClr val="tx1"/>
+              </a:solidFill>
+              <a:prstDash val="dash"/>
+              <a:tailEnd type="triangle"/>
+            </a:ln>
+          </p:spPr>
+          <p:style>
+            <a:lnRef idx="1">
+              <a:schemeClr val="accent1"/>
+            </a:lnRef>
+            <a:fillRef idx="0">
+              <a:schemeClr val="accent1"/>
+            </a:fillRef>
+            <a:effectRef idx="0">
+              <a:schemeClr val="accent1"/>
+            </a:effectRef>
+            <a:fontRef idx="minor">
+              <a:schemeClr val="tx1"/>
+            </a:fontRef>
+          </p:style>
+        </p:cxnSp>
+        <p:sp>
+          <p:nvSpPr>
+            <p:cNvPr id="60" name="Rectangle 59"/>
+            <p:cNvSpPr/>
+            <p:nvPr/>
+          </p:nvSpPr>
+          <p:spPr>
+            <a:xfrm>
+              <a:off x="5485150" y="5716306"/>
+              <a:ext cx="1023066" cy="556591"/>
+            </a:xfrm>
+            <a:prstGeom prst="rect">
+              <a:avLst/>
+            </a:prstGeom>
             <a:solidFill>
-              <a:schemeClr val="tx1"/>
+              <a:schemeClr val="accent5"/>
             </a:solidFill>
-            <a:prstDash val="dash"/>
-            <a:tailEnd type="triangle"/>
-          </a:ln>
-        </p:spPr>
-        <p:style>
-          <a:lnRef idx="1">
-            <a:schemeClr val="accent1"/>
-          </a:lnRef>
-          <a:fillRef idx="0">
-            <a:schemeClr val="accent1"/>
-          </a:fillRef>
-          <a:effectRef idx="0">
-            <a:schemeClr val="accent1"/>
-          </a:effectRef>
-          <a:fontRef idx="minor">
-            <a:schemeClr val="tx1"/>
-          </a:fontRef>
-        </p:style>
-      </p:cxnSp>
-      <p:sp>
-        <p:nvSpPr>
-          <p:cNvPr id="60" name="Rectangle 59"/>
-          <p:cNvSpPr/>
-          <p:nvPr/>
-        </p:nvSpPr>
-        <p:spPr>
-          <a:xfrm>
-            <a:off x="5485150" y="5716306"/>
-            <a:ext cx="1023066" cy="556591"/>
-          </a:xfrm>
-          <a:prstGeom prst="rect">
-            <a:avLst/>
-          </a:prstGeom>
-          <a:solidFill>
-            <a:schemeClr val="accent5"/>
-          </a:solidFill>
-        </p:spPr>
-        <p:style>
-          <a:lnRef idx="2">
-            <a:schemeClr val="accent1">
-              <a:shade val="50000"/>
-            </a:schemeClr>
-          </a:lnRef>
-          <a:fillRef idx="1">
-            <a:schemeClr val="accent1"/>
-          </a:fillRef>
-          <a:effectRef idx="0">
-            <a:schemeClr val="accent1"/>
-          </a:effectRef>
-          <a:fontRef idx="minor">
-            <a:schemeClr val="lt1"/>
-          </a:fontRef>
-        </p:style>
-        <p:txBody>
-          <a:bodyPr rtlCol="0" anchor="ctr"/>
-          <a:lstStyle/>
-          <a:p>
-            <a:pPr algn="ctr"/>
-            <a:r>
-              <a:rPr lang="en-US" sz="1200" dirty="0"/>
-              <a:t>Sand content??</a:t>
-            </a:r>
-          </a:p>
-        </p:txBody>
-      </p:sp>
-      <p:cxnSp>
-        <p:nvCxnSpPr>
-          <p:cNvPr id="61" name="Straight Arrow Connector 60">
-            <a:extLst>
-              <a:ext uri="{FF2B5EF4-FFF2-40B4-BE49-F238E27FC236}">
-                <a16:creationId xmlns:a16="http://schemas.microsoft.com/office/drawing/2014/main" id="{AF84A429-61E5-4732-A27D-DEAC4CF53B42}"/>
-              </a:ext>
-            </a:extLst>
-          </p:cNvPr>
-          <p:cNvCxnSpPr>
-            <a:cxnSpLocks/>
-          </p:cNvCxnSpPr>
-          <p:nvPr/>
-        </p:nvCxnSpPr>
-        <p:spPr>
-          <a:xfrm flipH="1">
-            <a:off x="4933717" y="6004989"/>
-            <a:ext cx="529916" cy="2916"/>
-          </a:xfrm>
-          <a:prstGeom prst="straightConnector1">
-            <a:avLst/>
-          </a:prstGeom>
-          <a:ln w="9525">
+          </p:spPr>
+          <p:style>
+            <a:lnRef idx="2">
+              <a:schemeClr val="accent1">
+                <a:shade val="50000"/>
+              </a:schemeClr>
+            </a:lnRef>
+            <a:fillRef idx="1">
+              <a:schemeClr val="accent1"/>
+            </a:fillRef>
+            <a:effectRef idx="0">
+              <a:schemeClr val="accent1"/>
+            </a:effectRef>
+            <a:fontRef idx="minor">
+              <a:schemeClr val="lt1"/>
+            </a:fontRef>
+          </p:style>
+          <p:txBody>
+            <a:bodyPr rtlCol="0" anchor="ctr"/>
+            <a:lstStyle/>
+            <a:p>
+              <a:pPr algn="ctr"/>
+              <a:r>
+                <a:rPr lang="en-US" sz="1200" dirty="0"/>
+                <a:t>Sand content??</a:t>
+              </a:r>
+            </a:p>
+          </p:txBody>
+        </p:sp>
+        <p:cxnSp>
+          <p:nvCxnSpPr>
+            <p:cNvPr id="61" name="Straight Arrow Connector 60">
+              <a:extLst>
+                <a:ext uri="{FF2B5EF4-FFF2-40B4-BE49-F238E27FC236}">
+                  <a16:creationId xmlns:a16="http://schemas.microsoft.com/office/drawing/2014/main" id="{AF84A429-61E5-4732-A27D-DEAC4CF53B42}"/>
+                </a:ext>
+              </a:extLst>
+            </p:cNvPr>
+            <p:cNvCxnSpPr>
+              <a:cxnSpLocks/>
+            </p:cNvCxnSpPr>
+            <p:nvPr/>
+          </p:nvCxnSpPr>
+          <p:spPr>
+            <a:xfrm flipH="1">
+              <a:off x="4933717" y="6004989"/>
+              <a:ext cx="529916" cy="2916"/>
+            </a:xfrm>
+            <a:prstGeom prst="straightConnector1">
+              <a:avLst/>
+            </a:prstGeom>
+            <a:ln w="9525">
+              <a:solidFill>
+                <a:schemeClr val="tx1"/>
+              </a:solidFill>
+              <a:prstDash val="dash"/>
+              <a:tailEnd type="triangle"/>
+            </a:ln>
+          </p:spPr>
+          <p:style>
+            <a:lnRef idx="1">
+              <a:schemeClr val="accent1"/>
+            </a:lnRef>
+            <a:fillRef idx="0">
+              <a:schemeClr val="accent1"/>
+            </a:fillRef>
+            <a:effectRef idx="0">
+              <a:schemeClr val="accent1"/>
+            </a:effectRef>
+            <a:fontRef idx="minor">
+              <a:schemeClr val="tx1"/>
+            </a:fontRef>
+          </p:style>
+        </p:cxnSp>
+        <p:cxnSp>
+          <p:nvCxnSpPr>
+            <p:cNvPr id="62" name="Straight Arrow Connector 61">
+              <a:extLst>
+                <a:ext uri="{FF2B5EF4-FFF2-40B4-BE49-F238E27FC236}">
+                  <a16:creationId xmlns:a16="http://schemas.microsoft.com/office/drawing/2014/main" id="{AF84A429-61E5-4732-A27D-DEAC4CF53B42}"/>
+                </a:ext>
+              </a:extLst>
+            </p:cNvPr>
+            <p:cNvCxnSpPr>
+              <a:cxnSpLocks/>
+            </p:cNvCxnSpPr>
+            <p:nvPr/>
+          </p:nvCxnSpPr>
+          <p:spPr>
+            <a:xfrm>
+              <a:off x="1127674" y="5816323"/>
+              <a:ext cx="457549" cy="0"/>
+            </a:xfrm>
+            <a:prstGeom prst="straightConnector1">
+              <a:avLst/>
+            </a:prstGeom>
+            <a:ln w="9525">
+              <a:solidFill>
+                <a:schemeClr val="tx1"/>
+              </a:solidFill>
+              <a:prstDash val="dash"/>
+              <a:tailEnd type="triangle"/>
+            </a:ln>
+          </p:spPr>
+          <p:style>
+            <a:lnRef idx="1">
+              <a:schemeClr val="accent1"/>
+            </a:lnRef>
+            <a:fillRef idx="0">
+              <a:schemeClr val="accent1"/>
+            </a:fillRef>
+            <a:effectRef idx="0">
+              <a:schemeClr val="accent1"/>
+            </a:effectRef>
+            <a:fontRef idx="minor">
+              <a:schemeClr val="tx1"/>
+            </a:fontRef>
+          </p:style>
+        </p:cxnSp>
+        <p:cxnSp>
+          <p:nvCxnSpPr>
+            <p:cNvPr id="63" name="Straight Arrow Connector 62">
+              <a:extLst>
+                <a:ext uri="{FF2B5EF4-FFF2-40B4-BE49-F238E27FC236}">
+                  <a16:creationId xmlns:a16="http://schemas.microsoft.com/office/drawing/2014/main" id="{AF84A429-61E5-4732-A27D-DEAC4CF53B42}"/>
+                </a:ext>
+              </a:extLst>
+            </p:cNvPr>
+            <p:cNvCxnSpPr>
+              <a:cxnSpLocks/>
+            </p:cNvCxnSpPr>
+            <p:nvPr/>
+          </p:nvCxnSpPr>
+          <p:spPr>
+            <a:xfrm>
+              <a:off x="849505" y="4353607"/>
+              <a:ext cx="457549" cy="0"/>
+            </a:xfrm>
+            <a:prstGeom prst="straightConnector1">
+              <a:avLst/>
+            </a:prstGeom>
+            <a:ln w="9525">
+              <a:solidFill>
+                <a:schemeClr val="tx1"/>
+              </a:solidFill>
+              <a:prstDash val="dash"/>
+              <a:tailEnd type="triangle"/>
+            </a:ln>
+          </p:spPr>
+          <p:style>
+            <a:lnRef idx="1">
+              <a:schemeClr val="accent1"/>
+            </a:lnRef>
+            <a:fillRef idx="0">
+              <a:schemeClr val="accent1"/>
+            </a:fillRef>
+            <a:effectRef idx="0">
+              <a:schemeClr val="accent1"/>
+            </a:effectRef>
+            <a:fontRef idx="minor">
+              <a:schemeClr val="tx1"/>
+            </a:fontRef>
+          </p:style>
+        </p:cxnSp>
+        <p:cxnSp>
+          <p:nvCxnSpPr>
+            <p:cNvPr id="10" name="Straight Connector 9"/>
+            <p:cNvCxnSpPr/>
+            <p:nvPr/>
+          </p:nvCxnSpPr>
+          <p:spPr>
+            <a:xfrm>
+              <a:off x="834887" y="4348426"/>
+              <a:ext cx="0" cy="1420029"/>
+            </a:xfrm>
+            <a:prstGeom prst="line">
+              <a:avLst/>
+            </a:prstGeom>
+            <a:ln>
+              <a:solidFill>
+                <a:schemeClr val="tx1"/>
+              </a:solidFill>
+              <a:prstDash val="dash"/>
+            </a:ln>
+          </p:spPr>
+          <p:style>
+            <a:lnRef idx="1">
+              <a:schemeClr val="accent1"/>
+            </a:lnRef>
+            <a:fillRef idx="0">
+              <a:schemeClr val="accent1"/>
+            </a:fillRef>
+            <a:effectRef idx="0">
+              <a:schemeClr val="accent1"/>
+            </a:effectRef>
+            <a:fontRef idx="minor">
+              <a:schemeClr val="tx1"/>
+            </a:fontRef>
+          </p:style>
+        </p:cxnSp>
+        <p:sp>
+          <p:nvSpPr>
+            <p:cNvPr id="3" name="Rectangle 2"/>
+            <p:cNvSpPr/>
+            <p:nvPr/>
+          </p:nvSpPr>
+          <p:spPr>
+            <a:xfrm>
+              <a:off x="107361" y="5736914"/>
+              <a:ext cx="1023066" cy="556591"/>
+            </a:xfrm>
+            <a:prstGeom prst="rect">
+              <a:avLst/>
+            </a:prstGeom>
             <a:solidFill>
-              <a:schemeClr val="tx1"/>
+              <a:schemeClr val="accent5"/>
             </a:solidFill>
-            <a:prstDash val="dash"/>
-            <a:tailEnd type="triangle"/>
-          </a:ln>
-        </p:spPr>
-        <p:style>
-          <a:lnRef idx="1">
-            <a:schemeClr val="accent1"/>
-          </a:lnRef>
-          <a:fillRef idx="0">
-            <a:schemeClr val="accent1"/>
-          </a:fillRef>
-          <a:effectRef idx="0">
-            <a:schemeClr val="accent1"/>
-          </a:effectRef>
-          <a:fontRef idx="minor">
-            <a:schemeClr val="tx1"/>
-          </a:fontRef>
-        </p:style>
-      </p:cxnSp>
-      <p:cxnSp>
-        <p:nvCxnSpPr>
-          <p:cNvPr id="62" name="Straight Arrow Connector 61">
-            <a:extLst>
-              <a:ext uri="{FF2B5EF4-FFF2-40B4-BE49-F238E27FC236}">
-                <a16:creationId xmlns:a16="http://schemas.microsoft.com/office/drawing/2014/main" id="{AF84A429-61E5-4732-A27D-DEAC4CF53B42}"/>
-              </a:ext>
-            </a:extLst>
-          </p:cNvPr>
-          <p:cNvCxnSpPr>
-            <a:cxnSpLocks/>
-          </p:cNvCxnSpPr>
-          <p:nvPr/>
-        </p:nvCxnSpPr>
-        <p:spPr>
-          <a:xfrm>
-            <a:off x="1127674" y="5816323"/>
-            <a:ext cx="457549" cy="0"/>
-          </a:xfrm>
-          <a:prstGeom prst="straightConnector1">
-            <a:avLst/>
-          </a:prstGeom>
-          <a:ln w="9525">
-            <a:solidFill>
-              <a:schemeClr val="tx1"/>
-            </a:solidFill>
-            <a:prstDash val="dash"/>
-            <a:tailEnd type="triangle"/>
-          </a:ln>
-        </p:spPr>
-        <p:style>
-          <a:lnRef idx="1">
-            <a:schemeClr val="accent1"/>
-          </a:lnRef>
-          <a:fillRef idx="0">
-            <a:schemeClr val="accent1"/>
-          </a:fillRef>
-          <a:effectRef idx="0">
-            <a:schemeClr val="accent1"/>
-          </a:effectRef>
-          <a:fontRef idx="minor">
-            <a:schemeClr val="tx1"/>
-          </a:fontRef>
-        </p:style>
-      </p:cxnSp>
-      <p:cxnSp>
-        <p:nvCxnSpPr>
-          <p:cNvPr id="63" name="Straight Arrow Connector 62">
-            <a:extLst>
-              <a:ext uri="{FF2B5EF4-FFF2-40B4-BE49-F238E27FC236}">
-                <a16:creationId xmlns:a16="http://schemas.microsoft.com/office/drawing/2014/main" id="{AF84A429-61E5-4732-A27D-DEAC4CF53B42}"/>
-              </a:ext>
-            </a:extLst>
-          </p:cNvPr>
-          <p:cNvCxnSpPr>
-            <a:cxnSpLocks/>
-          </p:cNvCxnSpPr>
-          <p:nvPr/>
-        </p:nvCxnSpPr>
-        <p:spPr>
-          <a:xfrm>
-            <a:off x="849505" y="4353607"/>
-            <a:ext cx="457549" cy="0"/>
-          </a:xfrm>
-          <a:prstGeom prst="straightConnector1">
-            <a:avLst/>
-          </a:prstGeom>
-          <a:ln w="9525">
-            <a:solidFill>
-              <a:schemeClr val="tx1"/>
-            </a:solidFill>
-            <a:prstDash val="dash"/>
-            <a:tailEnd type="triangle"/>
-          </a:ln>
-        </p:spPr>
-        <p:style>
-          <a:lnRef idx="1">
-            <a:schemeClr val="accent1"/>
-          </a:lnRef>
-          <a:fillRef idx="0">
-            <a:schemeClr val="accent1"/>
-          </a:fillRef>
-          <a:effectRef idx="0">
-            <a:schemeClr val="accent1"/>
-          </a:effectRef>
-          <a:fontRef idx="minor">
-            <a:schemeClr val="tx1"/>
-          </a:fontRef>
-        </p:style>
-      </p:cxnSp>
-      <p:cxnSp>
-        <p:nvCxnSpPr>
-          <p:cNvPr id="10" name="Straight Connector 9"/>
-          <p:cNvCxnSpPr/>
-          <p:nvPr/>
-        </p:nvCxnSpPr>
-        <p:spPr>
-          <a:xfrm>
-            <a:off x="834887" y="4348426"/>
-            <a:ext cx="0" cy="1420029"/>
-          </a:xfrm>
-          <a:prstGeom prst="line">
-            <a:avLst/>
-          </a:prstGeom>
-          <a:ln>
-            <a:solidFill>
-              <a:schemeClr val="tx1"/>
-            </a:solidFill>
-            <a:prstDash val="dash"/>
-          </a:ln>
-        </p:spPr>
-        <p:style>
-          <a:lnRef idx="1">
-            <a:schemeClr val="accent1"/>
-          </a:lnRef>
-          <a:fillRef idx="0">
-            <a:schemeClr val="accent1"/>
-          </a:fillRef>
-          <a:effectRef idx="0">
-            <a:schemeClr val="accent1"/>
-          </a:effectRef>
-          <a:fontRef idx="minor">
-            <a:schemeClr val="tx1"/>
-          </a:fontRef>
-        </p:style>
-      </p:cxnSp>
-      <p:sp>
-        <p:nvSpPr>
-          <p:cNvPr id="3" name="Rectangle 2"/>
-          <p:cNvSpPr/>
-          <p:nvPr/>
-        </p:nvSpPr>
-        <p:spPr>
-          <a:xfrm>
-            <a:off x="107361" y="5736914"/>
-            <a:ext cx="1023066" cy="556591"/>
-          </a:xfrm>
-          <a:prstGeom prst="rect">
-            <a:avLst/>
-          </a:prstGeom>
-          <a:solidFill>
-            <a:schemeClr val="accent5"/>
-          </a:solidFill>
-        </p:spPr>
-        <p:style>
-          <a:lnRef idx="2">
-            <a:schemeClr val="accent1">
-              <a:shade val="50000"/>
-            </a:schemeClr>
-          </a:lnRef>
-          <a:fillRef idx="1">
-            <a:schemeClr val="accent1"/>
-          </a:fillRef>
-          <a:effectRef idx="0">
-            <a:schemeClr val="accent1"/>
-          </a:effectRef>
-          <a:fontRef idx="minor">
-            <a:schemeClr val="lt1"/>
-          </a:fontRef>
-        </p:style>
-        <p:txBody>
-          <a:bodyPr rtlCol="0" anchor="ctr"/>
-          <a:lstStyle/>
-          <a:p>
-            <a:pPr algn="ctr"/>
-            <a:r>
-              <a:rPr lang="en-US" sz="1200" dirty="0"/>
-              <a:t>Sand content</a:t>
-            </a:r>
-          </a:p>
-        </p:txBody>
-      </p:sp>
+          </p:spPr>
+          <p:style>
+            <a:lnRef idx="2">
+              <a:schemeClr val="accent1">
+                <a:shade val="50000"/>
+              </a:schemeClr>
+            </a:lnRef>
+            <a:fillRef idx="1">
+              <a:schemeClr val="accent1"/>
+            </a:fillRef>
+            <a:effectRef idx="0">
+              <a:schemeClr val="accent1"/>
+            </a:effectRef>
+            <a:fontRef idx="minor">
+              <a:schemeClr val="lt1"/>
+            </a:fontRef>
+          </p:style>
+          <p:txBody>
+            <a:bodyPr rtlCol="0" anchor="ctr"/>
+            <a:lstStyle/>
+            <a:p>
+              <a:pPr algn="ctr"/>
+              <a:r>
+                <a:rPr lang="en-US" sz="1200" dirty="0"/>
+                <a:t>Sand content</a:t>
+              </a:r>
+            </a:p>
+          </p:txBody>
+        </p:sp>
+      </p:grpSp>
     </p:spTree>
     <p:extLst>
       <p:ext uri="{BB962C8B-B14F-4D97-AF65-F5344CB8AC3E}">
@@ -10046,2385 +10061,2400 @@
           </a:p>
         </p:txBody>
       </p:sp>
-      <p:cxnSp>
-        <p:nvCxnSpPr>
-          <p:cNvPr id="70" name="Straight Arrow Connector 69">
-            <a:extLst>
-              <a:ext uri="{FF2B5EF4-FFF2-40B4-BE49-F238E27FC236}">
-                <a16:creationId xmlns:a16="http://schemas.microsoft.com/office/drawing/2014/main" id="{F0108711-8E4C-49C8-8901-0B36D7E50F52}"/>
-              </a:ext>
-            </a:extLst>
-          </p:cNvPr>
-          <p:cNvCxnSpPr>
-            <a:cxnSpLocks/>
-          </p:cNvCxnSpPr>
+      <p:grpSp>
+        <p:nvGrpSpPr>
+          <p:cNvPr id="2" name="Group 1"/>
+          <p:cNvGrpSpPr/>
           <p:nvPr/>
-        </p:nvCxnSpPr>
-        <p:spPr>
+        </p:nvGrpSpPr>
+        <p:grpSpPr>
           <a:xfrm>
-            <a:off x="2002143" y="5657315"/>
-            <a:ext cx="2033498" cy="0"/>
+            <a:off x="916066" y="1937987"/>
+            <a:ext cx="4890177" cy="5613080"/>
+            <a:chOff x="916066" y="1937987"/>
+            <a:chExt cx="4890177" cy="5613080"/>
           </a:xfrm>
-          <a:prstGeom prst="straightConnector1">
-            <a:avLst/>
-          </a:prstGeom>
-          <a:ln w="9525">
+        </p:grpSpPr>
+        <p:cxnSp>
+          <p:nvCxnSpPr>
+            <p:cNvPr id="70" name="Straight Arrow Connector 69">
+              <a:extLst>
+                <a:ext uri="{FF2B5EF4-FFF2-40B4-BE49-F238E27FC236}">
+                  <a16:creationId xmlns:a16="http://schemas.microsoft.com/office/drawing/2014/main" id="{F0108711-8E4C-49C8-8901-0B36D7E50F52}"/>
+                </a:ext>
+              </a:extLst>
+            </p:cNvPr>
+            <p:cNvCxnSpPr>
+              <a:cxnSpLocks/>
+            </p:cNvCxnSpPr>
+            <p:nvPr/>
+          </p:nvCxnSpPr>
+          <p:spPr>
+            <a:xfrm>
+              <a:off x="2002143" y="5657315"/>
+              <a:ext cx="2033498" cy="0"/>
+            </a:xfrm>
+            <a:prstGeom prst="straightConnector1">
+              <a:avLst/>
+            </a:prstGeom>
+            <a:ln w="9525">
+              <a:solidFill>
+                <a:schemeClr val="tx1"/>
+              </a:solidFill>
+              <a:tailEnd type="triangle"/>
+            </a:ln>
+          </p:spPr>
+          <p:style>
+            <a:lnRef idx="1">
+              <a:schemeClr val="accent1"/>
+            </a:lnRef>
+            <a:fillRef idx="0">
+              <a:schemeClr val="accent1"/>
+            </a:fillRef>
+            <a:effectRef idx="0">
+              <a:schemeClr val="accent1"/>
+            </a:effectRef>
+            <a:fontRef idx="minor">
+              <a:schemeClr val="tx1"/>
+            </a:fontRef>
+          </p:style>
+        </p:cxnSp>
+        <p:cxnSp>
+          <p:nvCxnSpPr>
+            <p:cNvPr id="52" name="Straight Connector 51">
+              <a:extLst>
+                <a:ext uri="{FF2B5EF4-FFF2-40B4-BE49-F238E27FC236}">
+                  <a16:creationId xmlns:a16="http://schemas.microsoft.com/office/drawing/2014/main" id="{C6CCC06D-2146-468F-B397-DDDA8D9E257E}"/>
+                </a:ext>
+              </a:extLst>
+            </p:cNvPr>
+            <p:cNvCxnSpPr/>
+            <p:nvPr/>
+          </p:nvCxnSpPr>
+          <p:spPr>
+            <a:xfrm flipH="1">
+              <a:off x="3249073" y="2845321"/>
+              <a:ext cx="1" cy="456748"/>
+            </a:xfrm>
+            <a:prstGeom prst="line">
+              <a:avLst/>
+            </a:prstGeom>
+            <a:ln w="9525">
+              <a:solidFill>
+                <a:schemeClr val="tx1"/>
+              </a:solidFill>
+            </a:ln>
+          </p:spPr>
+          <p:style>
+            <a:lnRef idx="1">
+              <a:schemeClr val="accent1"/>
+            </a:lnRef>
+            <a:fillRef idx="0">
+              <a:schemeClr val="accent1"/>
+            </a:fillRef>
+            <a:effectRef idx="0">
+              <a:schemeClr val="accent1"/>
+            </a:effectRef>
+            <a:fontRef idx="minor">
+              <a:schemeClr val="tx1"/>
+            </a:fontRef>
+          </p:style>
+        </p:cxnSp>
+        <p:cxnSp>
+          <p:nvCxnSpPr>
+            <p:cNvPr id="167" name="Straight Arrow Connector 166">
+              <a:extLst>
+                <a:ext uri="{FF2B5EF4-FFF2-40B4-BE49-F238E27FC236}">
+                  <a16:creationId xmlns:a16="http://schemas.microsoft.com/office/drawing/2014/main" id="{29FB6EED-A2B4-4F11-B512-964E0FD4FA5E}"/>
+                </a:ext>
+              </a:extLst>
+            </p:cNvPr>
+            <p:cNvCxnSpPr>
+              <a:cxnSpLocks/>
+            </p:cNvCxnSpPr>
+            <p:nvPr/>
+          </p:nvCxnSpPr>
+          <p:spPr>
+            <a:xfrm>
+              <a:off x="1271521" y="4983027"/>
+              <a:ext cx="1607735" cy="0"/>
+            </a:xfrm>
+            <a:prstGeom prst="straightConnector1">
+              <a:avLst/>
+            </a:prstGeom>
+            <a:ln w="9525">
+              <a:solidFill>
+                <a:schemeClr val="tx1"/>
+              </a:solidFill>
+              <a:tailEnd type="triangle"/>
+            </a:ln>
+          </p:spPr>
+          <p:style>
+            <a:lnRef idx="1">
+              <a:schemeClr val="accent1"/>
+            </a:lnRef>
+            <a:fillRef idx="0">
+              <a:schemeClr val="accent1"/>
+            </a:fillRef>
+            <a:effectRef idx="0">
+              <a:schemeClr val="accent1"/>
+            </a:effectRef>
+            <a:fontRef idx="minor">
+              <a:schemeClr val="tx1"/>
+            </a:fontRef>
+          </p:style>
+        </p:cxnSp>
+        <p:cxnSp>
+          <p:nvCxnSpPr>
+            <p:cNvPr id="57" name="Straight Arrow Connector 56">
+              <a:extLst>
+                <a:ext uri="{FF2B5EF4-FFF2-40B4-BE49-F238E27FC236}">
+                  <a16:creationId xmlns:a16="http://schemas.microsoft.com/office/drawing/2014/main" id="{31BA66BD-48A8-4DD6-B57A-134D8438CFE3}"/>
+                </a:ext>
+              </a:extLst>
+            </p:cNvPr>
+            <p:cNvCxnSpPr>
+              <a:cxnSpLocks/>
+            </p:cNvCxnSpPr>
+            <p:nvPr/>
+          </p:nvCxnSpPr>
+          <p:spPr>
+            <a:xfrm>
+              <a:off x="1270667" y="2829847"/>
+              <a:ext cx="1" cy="268525"/>
+            </a:xfrm>
+            <a:prstGeom prst="straightConnector1">
+              <a:avLst/>
+            </a:prstGeom>
+            <a:ln w="9525">
+              <a:solidFill>
+                <a:schemeClr val="tx1"/>
+              </a:solidFill>
+              <a:tailEnd type="triangle"/>
+            </a:ln>
+          </p:spPr>
+          <p:style>
+            <a:lnRef idx="1">
+              <a:schemeClr val="accent1"/>
+            </a:lnRef>
+            <a:fillRef idx="0">
+              <a:schemeClr val="accent1"/>
+            </a:fillRef>
+            <a:effectRef idx="0">
+              <a:schemeClr val="accent1"/>
+            </a:effectRef>
+            <a:fontRef idx="minor">
+              <a:schemeClr val="tx1"/>
+            </a:fontRef>
+          </p:style>
+        </p:cxnSp>
+        <p:cxnSp>
+          <p:nvCxnSpPr>
+            <p:cNvPr id="59" name="Straight Arrow Connector 58">
+              <a:extLst>
+                <a:ext uri="{FF2B5EF4-FFF2-40B4-BE49-F238E27FC236}">
+                  <a16:creationId xmlns:a16="http://schemas.microsoft.com/office/drawing/2014/main" id="{04E70E58-42AC-4675-B455-935EC2D04F90}"/>
+                </a:ext>
+              </a:extLst>
+            </p:cNvPr>
+            <p:cNvCxnSpPr>
+              <a:cxnSpLocks/>
+            </p:cNvCxnSpPr>
+            <p:nvPr/>
+          </p:nvCxnSpPr>
+          <p:spPr>
+            <a:xfrm flipV="1">
+              <a:off x="3663738" y="2829275"/>
+              <a:ext cx="711162" cy="2062"/>
+            </a:xfrm>
+            <a:prstGeom prst="straightConnector1">
+              <a:avLst/>
+            </a:prstGeom>
+            <a:ln w="9525">
+              <a:solidFill>
+                <a:schemeClr val="tx1"/>
+              </a:solidFill>
+              <a:tailEnd type="triangle"/>
+            </a:ln>
+          </p:spPr>
+          <p:style>
+            <a:lnRef idx="1">
+              <a:schemeClr val="accent1"/>
+            </a:lnRef>
+            <a:fillRef idx="0">
+              <a:schemeClr val="accent1"/>
+            </a:fillRef>
+            <a:effectRef idx="0">
+              <a:schemeClr val="accent1"/>
+            </a:effectRef>
+            <a:fontRef idx="minor">
+              <a:schemeClr val="tx1"/>
+            </a:fontRef>
+          </p:style>
+        </p:cxnSp>
+        <p:cxnSp>
+          <p:nvCxnSpPr>
+            <p:cNvPr id="90" name="Straight Arrow Connector 89">
+              <a:extLst>
+                <a:ext uri="{FF2B5EF4-FFF2-40B4-BE49-F238E27FC236}">
+                  <a16:creationId xmlns:a16="http://schemas.microsoft.com/office/drawing/2014/main" id="{BB890F74-A463-4C40-A27B-35FB56527423}"/>
+                </a:ext>
+              </a:extLst>
+            </p:cNvPr>
+            <p:cNvCxnSpPr>
+              <a:cxnSpLocks/>
+            </p:cNvCxnSpPr>
+            <p:nvPr/>
+          </p:nvCxnSpPr>
+          <p:spPr>
+            <a:xfrm>
+              <a:off x="2220295" y="2073594"/>
+              <a:ext cx="1" cy="484673"/>
+            </a:xfrm>
+            <a:prstGeom prst="straightConnector1">
+              <a:avLst/>
+            </a:prstGeom>
+            <a:ln w="57150">
+              <a:solidFill>
+                <a:schemeClr val="tx1"/>
+              </a:solidFill>
+              <a:tailEnd type="triangle"/>
+            </a:ln>
+          </p:spPr>
+          <p:style>
+            <a:lnRef idx="1">
+              <a:schemeClr val="accent1"/>
+            </a:lnRef>
+            <a:fillRef idx="0">
+              <a:schemeClr val="accent1"/>
+            </a:fillRef>
+            <a:effectRef idx="0">
+              <a:schemeClr val="accent1"/>
+            </a:effectRef>
+            <a:fontRef idx="minor">
+              <a:schemeClr val="tx1"/>
+            </a:fontRef>
+          </p:style>
+        </p:cxnSp>
+        <p:cxnSp>
+          <p:nvCxnSpPr>
+            <p:cNvPr id="91" name="Straight Arrow Connector 90">
+              <a:extLst>
+                <a:ext uri="{FF2B5EF4-FFF2-40B4-BE49-F238E27FC236}">
+                  <a16:creationId xmlns:a16="http://schemas.microsoft.com/office/drawing/2014/main" id="{7E40E1B6-6876-41B9-90D2-E708A7BFB424}"/>
+                </a:ext>
+              </a:extLst>
+            </p:cNvPr>
+            <p:cNvCxnSpPr>
+              <a:cxnSpLocks/>
+            </p:cNvCxnSpPr>
+            <p:nvPr/>
+          </p:nvCxnSpPr>
+          <p:spPr>
+            <a:xfrm>
+              <a:off x="3512115" y="2106352"/>
+              <a:ext cx="0" cy="460346"/>
+            </a:xfrm>
+            <a:prstGeom prst="straightConnector1">
+              <a:avLst/>
+            </a:prstGeom>
+            <a:ln w="57150">
+              <a:solidFill>
+                <a:schemeClr val="tx1"/>
+              </a:solidFill>
+              <a:tailEnd type="triangle"/>
+            </a:ln>
+          </p:spPr>
+          <p:style>
+            <a:lnRef idx="1">
+              <a:schemeClr val="accent1"/>
+            </a:lnRef>
+            <a:fillRef idx="0">
+              <a:schemeClr val="accent1"/>
+            </a:fillRef>
+            <a:effectRef idx="0">
+              <a:schemeClr val="accent1"/>
+            </a:effectRef>
+            <a:fontRef idx="minor">
+              <a:schemeClr val="tx1"/>
+            </a:fontRef>
+          </p:style>
+        </p:cxnSp>
+        <p:cxnSp>
+          <p:nvCxnSpPr>
+            <p:cNvPr id="71" name="Straight Arrow Connector 70">
+              <a:extLst>
+                <a:ext uri="{FF2B5EF4-FFF2-40B4-BE49-F238E27FC236}">
+                  <a16:creationId xmlns:a16="http://schemas.microsoft.com/office/drawing/2014/main" id="{DFD09234-A006-4654-8ABC-244EFB2761F0}"/>
+                </a:ext>
+              </a:extLst>
+            </p:cNvPr>
+            <p:cNvCxnSpPr>
+              <a:cxnSpLocks/>
+            </p:cNvCxnSpPr>
+            <p:nvPr/>
+          </p:nvCxnSpPr>
+          <p:spPr>
+            <a:xfrm>
+              <a:off x="4714438" y="2115494"/>
+              <a:ext cx="0" cy="460346"/>
+            </a:xfrm>
+            <a:prstGeom prst="straightConnector1">
+              <a:avLst/>
+            </a:prstGeom>
+            <a:ln w="57150">
+              <a:solidFill>
+                <a:schemeClr val="tx1"/>
+              </a:solidFill>
+              <a:tailEnd type="triangle"/>
+            </a:ln>
+          </p:spPr>
+          <p:style>
+            <a:lnRef idx="1">
+              <a:schemeClr val="accent1"/>
+            </a:lnRef>
+            <a:fillRef idx="0">
+              <a:schemeClr val="accent1"/>
+            </a:fillRef>
+            <a:effectRef idx="0">
+              <a:schemeClr val="accent1"/>
+            </a:effectRef>
+            <a:fontRef idx="minor">
+              <a:schemeClr val="tx1"/>
+            </a:fontRef>
+          </p:style>
+        </p:cxnSp>
+        <p:sp>
+          <p:nvSpPr>
+            <p:cNvPr id="80" name="TextBox 79">
+              <a:extLst>
+                <a:ext uri="{FF2B5EF4-FFF2-40B4-BE49-F238E27FC236}">
+                  <a16:creationId xmlns:a16="http://schemas.microsoft.com/office/drawing/2014/main" id="{72EE2869-981E-46C6-AC7A-802D723EAF97}"/>
+                </a:ext>
+              </a:extLst>
+            </p:cNvPr>
+            <p:cNvSpPr txBox="1"/>
+            <p:nvPr/>
+          </p:nvSpPr>
+          <p:spPr>
+            <a:xfrm>
+              <a:off x="3491332" y="7150957"/>
+              <a:ext cx="1076698" cy="400110"/>
+            </a:xfrm>
+            <a:prstGeom prst="rect">
+              <a:avLst/>
+            </a:prstGeom>
             <a:solidFill>
-              <a:schemeClr val="tx1"/>
+              <a:srgbClr val="FFC000"/>
             </a:solidFill>
-            <a:tailEnd type="triangle"/>
-          </a:ln>
-        </p:spPr>
-        <p:style>
-          <a:lnRef idx="1">
-            <a:schemeClr val="accent1"/>
-          </a:lnRef>
-          <a:fillRef idx="0">
-            <a:schemeClr val="accent1"/>
-          </a:fillRef>
-          <a:effectRef idx="0">
-            <a:schemeClr val="accent1"/>
-          </a:effectRef>
-          <a:fontRef idx="minor">
-            <a:schemeClr val="tx1"/>
-          </a:fontRef>
-        </p:style>
-      </p:cxnSp>
-      <p:cxnSp>
-        <p:nvCxnSpPr>
-          <p:cNvPr id="52" name="Straight Connector 51">
-            <a:extLst>
-              <a:ext uri="{FF2B5EF4-FFF2-40B4-BE49-F238E27FC236}">
-                <a16:creationId xmlns:a16="http://schemas.microsoft.com/office/drawing/2014/main" id="{C6CCC06D-2146-468F-B397-DDDA8D9E257E}"/>
-              </a:ext>
-            </a:extLst>
-          </p:cNvPr>
-          <p:cNvCxnSpPr/>
-          <p:nvPr/>
-        </p:nvCxnSpPr>
-        <p:spPr>
-          <a:xfrm flipH="1">
-            <a:off x="3249073" y="2845321"/>
-            <a:ext cx="1" cy="456748"/>
-          </a:xfrm>
-          <a:prstGeom prst="line">
-            <a:avLst/>
-          </a:prstGeom>
-          <a:ln w="9525">
+            <a:ln w="9525">
+              <a:solidFill>
+                <a:schemeClr val="tx1"/>
+              </a:solidFill>
+            </a:ln>
+          </p:spPr>
+          <p:txBody>
+            <a:bodyPr wrap="square" rtlCol="0">
+              <a:spAutoFit/>
+            </a:bodyPr>
+            <a:lstStyle/>
+            <a:p>
+              <a:pPr algn="ctr"/>
+              <a:r>
+                <a:rPr lang="en-US" sz="1000" dirty="0"/>
+                <a:t>Soil water at field capacity</a:t>
+              </a:r>
+            </a:p>
+          </p:txBody>
+        </p:sp>
+        <p:cxnSp>
+          <p:nvCxnSpPr>
+            <p:cNvPr id="11" name="Straight Connector 10">
+              <a:extLst>
+                <a:ext uri="{FF2B5EF4-FFF2-40B4-BE49-F238E27FC236}">
+                  <a16:creationId xmlns:a16="http://schemas.microsoft.com/office/drawing/2014/main" id="{0712DFD0-8832-4922-BFE1-45B491651EC5}"/>
+                </a:ext>
+              </a:extLst>
+            </p:cNvPr>
+            <p:cNvCxnSpPr>
+              <a:cxnSpLocks/>
+            </p:cNvCxnSpPr>
+            <p:nvPr/>
+          </p:nvCxnSpPr>
+          <p:spPr>
+            <a:xfrm>
+              <a:off x="4205338" y="6228125"/>
+              <a:ext cx="0" cy="0"/>
+            </a:xfrm>
+            <a:prstGeom prst="line">
+              <a:avLst/>
+            </a:prstGeom>
+            <a:ln w="9525"/>
+          </p:spPr>
+          <p:style>
+            <a:lnRef idx="1">
+              <a:schemeClr val="accent1"/>
+            </a:lnRef>
+            <a:fillRef idx="0">
+              <a:schemeClr val="accent1"/>
+            </a:fillRef>
+            <a:effectRef idx="0">
+              <a:schemeClr val="accent1"/>
+            </a:effectRef>
+            <a:fontRef idx="minor">
+              <a:schemeClr val="tx1"/>
+            </a:fontRef>
+          </p:style>
+        </p:cxnSp>
+        <p:cxnSp>
+          <p:nvCxnSpPr>
+            <p:cNvPr id="110" name="Straight Arrow Connector 109">
+              <a:extLst>
+                <a:ext uri="{FF2B5EF4-FFF2-40B4-BE49-F238E27FC236}">
+                  <a16:creationId xmlns:a16="http://schemas.microsoft.com/office/drawing/2014/main" id="{6A13596A-C939-4CBE-A6B5-C323C197012A}"/>
+                </a:ext>
+              </a:extLst>
+            </p:cNvPr>
+            <p:cNvCxnSpPr>
+              <a:cxnSpLocks/>
+            </p:cNvCxnSpPr>
+            <p:nvPr/>
+          </p:nvCxnSpPr>
+          <p:spPr>
+            <a:xfrm flipH="1">
+              <a:off x="5369649" y="5703757"/>
+              <a:ext cx="2283" cy="1033509"/>
+            </a:xfrm>
+            <a:prstGeom prst="straightConnector1">
+              <a:avLst/>
+            </a:prstGeom>
+            <a:ln w="9525">
+              <a:solidFill>
+                <a:schemeClr val="tx1"/>
+              </a:solidFill>
+              <a:tailEnd type="triangle"/>
+            </a:ln>
+          </p:spPr>
+          <p:style>
+            <a:lnRef idx="1">
+              <a:schemeClr val="accent1"/>
+            </a:lnRef>
+            <a:fillRef idx="0">
+              <a:schemeClr val="accent1"/>
+            </a:fillRef>
+            <a:effectRef idx="0">
+              <a:schemeClr val="accent1"/>
+            </a:effectRef>
+            <a:fontRef idx="minor">
+              <a:schemeClr val="tx1"/>
+            </a:fontRef>
+          </p:style>
+        </p:cxnSp>
+        <p:cxnSp>
+          <p:nvCxnSpPr>
+            <p:cNvPr id="143" name="Straight Connector 142">
+              <a:extLst>
+                <a:ext uri="{FF2B5EF4-FFF2-40B4-BE49-F238E27FC236}">
+                  <a16:creationId xmlns:a16="http://schemas.microsoft.com/office/drawing/2014/main" id="{6627E756-A242-4A41-8E25-A9CA05261A15}"/>
+                </a:ext>
+              </a:extLst>
+            </p:cNvPr>
+            <p:cNvCxnSpPr>
+              <a:cxnSpLocks/>
+            </p:cNvCxnSpPr>
+            <p:nvPr/>
+          </p:nvCxnSpPr>
+          <p:spPr>
+            <a:xfrm>
+              <a:off x="1272508" y="2830290"/>
+              <a:ext cx="649490" cy="0"/>
+            </a:xfrm>
+            <a:prstGeom prst="line">
+              <a:avLst/>
+            </a:prstGeom>
+            <a:ln w="9525">
+              <a:solidFill>
+                <a:schemeClr val="tx1"/>
+              </a:solidFill>
+            </a:ln>
+          </p:spPr>
+          <p:style>
+            <a:lnRef idx="1">
+              <a:schemeClr val="accent1"/>
+            </a:lnRef>
+            <a:fillRef idx="0">
+              <a:schemeClr val="accent1"/>
+            </a:fillRef>
+            <a:effectRef idx="0">
+              <a:schemeClr val="accent1"/>
+            </a:effectRef>
+            <a:fontRef idx="minor">
+              <a:schemeClr val="tx1"/>
+            </a:fontRef>
+          </p:style>
+        </p:cxnSp>
+        <p:cxnSp>
+          <p:nvCxnSpPr>
+            <p:cNvPr id="158" name="Straight Arrow Connector 157">
+              <a:extLst>
+                <a:ext uri="{FF2B5EF4-FFF2-40B4-BE49-F238E27FC236}">
+                  <a16:creationId xmlns:a16="http://schemas.microsoft.com/office/drawing/2014/main" id="{EB3788F3-F053-4B9F-8B6F-A1E719F0C944}"/>
+                </a:ext>
+              </a:extLst>
+            </p:cNvPr>
+            <p:cNvCxnSpPr>
+              <a:cxnSpLocks/>
+            </p:cNvCxnSpPr>
+            <p:nvPr/>
+          </p:nvCxnSpPr>
+          <p:spPr>
+            <a:xfrm>
+              <a:off x="1260518" y="5840990"/>
+              <a:ext cx="2770626" cy="0"/>
+            </a:xfrm>
+            <a:prstGeom prst="straightConnector1">
+              <a:avLst/>
+            </a:prstGeom>
+            <a:ln w="9525">
+              <a:solidFill>
+                <a:schemeClr val="tx1"/>
+              </a:solidFill>
+              <a:tailEnd type="triangle"/>
+            </a:ln>
+          </p:spPr>
+          <p:style>
+            <a:lnRef idx="1">
+              <a:schemeClr val="accent1"/>
+            </a:lnRef>
+            <a:fillRef idx="0">
+              <a:schemeClr val="accent1"/>
+            </a:fillRef>
+            <a:effectRef idx="0">
+              <a:schemeClr val="accent1"/>
+            </a:effectRef>
+            <a:fontRef idx="minor">
+              <a:schemeClr val="tx1"/>
+            </a:fontRef>
+          </p:style>
+        </p:cxnSp>
+        <p:cxnSp>
+          <p:nvCxnSpPr>
+            <p:cNvPr id="160" name="Straight Connector 159">
+              <a:extLst>
+                <a:ext uri="{FF2B5EF4-FFF2-40B4-BE49-F238E27FC236}">
+                  <a16:creationId xmlns:a16="http://schemas.microsoft.com/office/drawing/2014/main" id="{0B292357-63F9-426A-B97C-356AA694F997}"/>
+                </a:ext>
+              </a:extLst>
+            </p:cNvPr>
+            <p:cNvCxnSpPr>
+              <a:cxnSpLocks/>
+            </p:cNvCxnSpPr>
+            <p:nvPr/>
+          </p:nvCxnSpPr>
+          <p:spPr>
+            <a:xfrm flipH="1">
+              <a:off x="1270666" y="3314535"/>
+              <a:ext cx="1" cy="2539480"/>
+            </a:xfrm>
+            <a:prstGeom prst="line">
+              <a:avLst/>
+            </a:prstGeom>
+            <a:ln w="9525">
+              <a:solidFill>
+                <a:schemeClr val="tx1"/>
+              </a:solidFill>
+            </a:ln>
+          </p:spPr>
+          <p:style>
+            <a:lnRef idx="1">
+              <a:schemeClr val="accent1"/>
+            </a:lnRef>
+            <a:fillRef idx="0">
+              <a:schemeClr val="accent1"/>
+            </a:fillRef>
+            <a:effectRef idx="0">
+              <a:schemeClr val="accent1"/>
+            </a:effectRef>
+            <a:fontRef idx="minor">
+              <a:schemeClr val="tx1"/>
+            </a:fontRef>
+          </p:style>
+        </p:cxnSp>
+        <p:cxnSp>
+          <p:nvCxnSpPr>
+            <p:cNvPr id="162" name="Straight Arrow Connector 161">
+              <a:extLst>
+                <a:ext uri="{FF2B5EF4-FFF2-40B4-BE49-F238E27FC236}">
+                  <a16:creationId xmlns:a16="http://schemas.microsoft.com/office/drawing/2014/main" id="{3453C37C-FAEF-496A-9FB5-7A20970CEADF}"/>
+                </a:ext>
+              </a:extLst>
+            </p:cNvPr>
+            <p:cNvCxnSpPr>
+              <a:cxnSpLocks/>
+            </p:cNvCxnSpPr>
+            <p:nvPr/>
+          </p:nvCxnSpPr>
+          <p:spPr>
+            <a:xfrm>
+              <a:off x="4823285" y="2615940"/>
+              <a:ext cx="0" cy="2871764"/>
+            </a:xfrm>
+            <a:prstGeom prst="straightConnector1">
+              <a:avLst/>
+            </a:prstGeom>
+            <a:ln w="9525">
+              <a:solidFill>
+                <a:schemeClr val="tx1"/>
+              </a:solidFill>
+              <a:tailEnd type="triangle"/>
+            </a:ln>
+          </p:spPr>
+          <p:style>
+            <a:lnRef idx="1">
+              <a:schemeClr val="accent1"/>
+            </a:lnRef>
+            <a:fillRef idx="0">
+              <a:schemeClr val="accent1"/>
+            </a:fillRef>
+            <a:effectRef idx="0">
+              <a:schemeClr val="accent1"/>
+            </a:effectRef>
+            <a:fontRef idx="minor">
+              <a:schemeClr val="tx1"/>
+            </a:fontRef>
+          </p:style>
+        </p:cxnSp>
+        <p:cxnSp>
+          <p:nvCxnSpPr>
+            <p:cNvPr id="165" name="Straight Arrow Connector 164">
+              <a:extLst>
+                <a:ext uri="{FF2B5EF4-FFF2-40B4-BE49-F238E27FC236}">
+                  <a16:creationId xmlns:a16="http://schemas.microsoft.com/office/drawing/2014/main" id="{EDE542EA-DBC5-44EA-9B66-C4AA3B7E3459}"/>
+                </a:ext>
+              </a:extLst>
+            </p:cNvPr>
+            <p:cNvCxnSpPr>
+              <a:cxnSpLocks/>
+            </p:cNvCxnSpPr>
+            <p:nvPr/>
+          </p:nvCxnSpPr>
+          <p:spPr>
+            <a:xfrm flipH="1">
+              <a:off x="3970185" y="4650314"/>
+              <a:ext cx="856576" cy="0"/>
+            </a:xfrm>
+            <a:prstGeom prst="straightConnector1">
+              <a:avLst/>
+            </a:prstGeom>
+            <a:ln w="9525">
+              <a:solidFill>
+                <a:schemeClr val="tx1"/>
+              </a:solidFill>
+              <a:tailEnd type="triangle"/>
+            </a:ln>
+          </p:spPr>
+          <p:style>
+            <a:lnRef idx="1">
+              <a:schemeClr val="accent1"/>
+            </a:lnRef>
+            <a:fillRef idx="0">
+              <a:schemeClr val="accent1"/>
+            </a:fillRef>
+            <a:effectRef idx="0">
+              <a:schemeClr val="accent1"/>
+            </a:effectRef>
+            <a:fontRef idx="minor">
+              <a:schemeClr val="tx1"/>
+            </a:fontRef>
+          </p:style>
+        </p:cxnSp>
+        <p:cxnSp>
+          <p:nvCxnSpPr>
+            <p:cNvPr id="166" name="Straight Connector 165">
+              <a:extLst>
+                <a:ext uri="{FF2B5EF4-FFF2-40B4-BE49-F238E27FC236}">
+                  <a16:creationId xmlns:a16="http://schemas.microsoft.com/office/drawing/2014/main" id="{BF35F3B7-BA5F-4740-B113-7D5F0023435C}"/>
+                </a:ext>
+              </a:extLst>
+            </p:cNvPr>
+            <p:cNvCxnSpPr/>
+            <p:nvPr/>
+          </p:nvCxnSpPr>
+          <p:spPr>
+            <a:xfrm flipH="1">
+              <a:off x="4584917" y="2710403"/>
+              <a:ext cx="1" cy="1435714"/>
+            </a:xfrm>
+            <a:prstGeom prst="line">
+              <a:avLst/>
+            </a:prstGeom>
+            <a:ln w="9525">
+              <a:solidFill>
+                <a:schemeClr val="tx1"/>
+              </a:solidFill>
+            </a:ln>
+          </p:spPr>
+          <p:style>
+            <a:lnRef idx="1">
+              <a:schemeClr val="accent1"/>
+            </a:lnRef>
+            <a:fillRef idx="0">
+              <a:schemeClr val="accent1"/>
+            </a:fillRef>
+            <a:effectRef idx="0">
+              <a:schemeClr val="accent1"/>
+            </a:effectRef>
+            <a:fontRef idx="minor">
+              <a:schemeClr val="tx1"/>
+            </a:fontRef>
+          </p:style>
+        </p:cxnSp>
+        <p:cxnSp>
+          <p:nvCxnSpPr>
+            <p:cNvPr id="171" name="Straight Arrow Connector 170">
+              <a:extLst>
+                <a:ext uri="{FF2B5EF4-FFF2-40B4-BE49-F238E27FC236}">
+                  <a16:creationId xmlns:a16="http://schemas.microsoft.com/office/drawing/2014/main" id="{663EA009-7A37-4BE8-9A68-3DB9D98D41CC}"/>
+                </a:ext>
+              </a:extLst>
+            </p:cNvPr>
+            <p:cNvCxnSpPr>
+              <a:cxnSpLocks/>
+            </p:cNvCxnSpPr>
+            <p:nvPr/>
+          </p:nvCxnSpPr>
+          <p:spPr>
+            <a:xfrm flipH="1">
+              <a:off x="3809732" y="6659151"/>
+              <a:ext cx="2283" cy="482143"/>
+            </a:xfrm>
+            <a:prstGeom prst="straightConnector1">
+              <a:avLst/>
+            </a:prstGeom>
+            <a:ln w="9525">
+              <a:solidFill>
+                <a:schemeClr val="tx1"/>
+              </a:solidFill>
+              <a:tailEnd type="triangle"/>
+            </a:ln>
+          </p:spPr>
+          <p:style>
+            <a:lnRef idx="1">
+              <a:schemeClr val="accent1"/>
+            </a:lnRef>
+            <a:fillRef idx="0">
+              <a:schemeClr val="accent1"/>
+            </a:fillRef>
+            <a:effectRef idx="0">
+              <a:schemeClr val="accent1"/>
+            </a:effectRef>
+            <a:fontRef idx="minor">
+              <a:schemeClr val="tx1"/>
+            </a:fontRef>
+          </p:style>
+        </p:cxnSp>
+        <p:sp>
+          <p:nvSpPr>
+            <p:cNvPr id="40" name="TextBox 39">
+              <a:extLst>
+                <a:ext uri="{FF2B5EF4-FFF2-40B4-BE49-F238E27FC236}">
+                  <a16:creationId xmlns:a16="http://schemas.microsoft.com/office/drawing/2014/main" id="{D29EBCB2-DAFE-4E53-9427-A32478F274C9}"/>
+                </a:ext>
+              </a:extLst>
+            </p:cNvPr>
+            <p:cNvSpPr txBox="1"/>
+            <p:nvPr/>
+          </p:nvSpPr>
+          <p:spPr>
+            <a:xfrm>
+              <a:off x="916066" y="3094412"/>
+              <a:ext cx="709201" cy="400110"/>
+            </a:xfrm>
+            <a:prstGeom prst="rect">
+              <a:avLst/>
+            </a:prstGeom>
             <a:solidFill>
-              <a:schemeClr val="tx1"/>
+              <a:schemeClr val="bg1">
+                <a:lumMod val="85000"/>
+              </a:schemeClr>
             </a:solidFill>
-          </a:ln>
-        </p:spPr>
-        <p:style>
-          <a:lnRef idx="1">
-            <a:schemeClr val="accent1"/>
-          </a:lnRef>
-          <a:fillRef idx="0">
-            <a:schemeClr val="accent1"/>
-          </a:fillRef>
-          <a:effectRef idx="0">
-            <a:schemeClr val="accent1"/>
-          </a:effectRef>
-          <a:fontRef idx="minor">
-            <a:schemeClr val="tx1"/>
-          </a:fontRef>
-        </p:style>
-      </p:cxnSp>
-      <p:cxnSp>
-        <p:nvCxnSpPr>
-          <p:cNvPr id="167" name="Straight Arrow Connector 166">
-            <a:extLst>
-              <a:ext uri="{FF2B5EF4-FFF2-40B4-BE49-F238E27FC236}">
-                <a16:creationId xmlns:a16="http://schemas.microsoft.com/office/drawing/2014/main" id="{29FB6EED-A2B4-4F11-B512-964E0FD4FA5E}"/>
-              </a:ext>
-            </a:extLst>
-          </p:cNvPr>
-          <p:cNvCxnSpPr>
-            <a:cxnSpLocks/>
-          </p:cNvCxnSpPr>
-          <p:nvPr/>
-        </p:nvCxnSpPr>
-        <p:spPr>
-          <a:xfrm>
-            <a:off x="1271521" y="4983027"/>
-            <a:ext cx="1607735" cy="0"/>
-          </a:xfrm>
-          <a:prstGeom prst="straightConnector1">
-            <a:avLst/>
-          </a:prstGeom>
-          <a:ln w="9525">
+            <a:ln w="9525">
+              <a:solidFill>
+                <a:schemeClr val="tx1"/>
+              </a:solidFill>
+            </a:ln>
+          </p:spPr>
+          <p:txBody>
+            <a:bodyPr wrap="square" rtlCol="0">
+              <a:spAutoFit/>
+            </a:bodyPr>
+            <a:lstStyle/>
+            <a:p>
+              <a:pPr algn="ctr"/>
+              <a:r>
+                <a:rPr lang="en-US" sz="1000" dirty="0"/>
+                <a:t>Soil Erosion</a:t>
+              </a:r>
+            </a:p>
+          </p:txBody>
+        </p:sp>
+        <p:sp>
+          <p:nvSpPr>
+            <p:cNvPr id="16" name="TextBox 15">
+              <a:extLst>
+                <a:ext uri="{FF2B5EF4-FFF2-40B4-BE49-F238E27FC236}">
+                  <a16:creationId xmlns:a16="http://schemas.microsoft.com/office/drawing/2014/main" id="{6EFC2D2F-82ED-4332-86E1-5D3DCB71E395}"/>
+                </a:ext>
+              </a:extLst>
+            </p:cNvPr>
+            <p:cNvSpPr txBox="1"/>
+            <p:nvPr/>
+          </p:nvSpPr>
+          <p:spPr>
+            <a:xfrm>
+              <a:off x="4386027" y="2570322"/>
+              <a:ext cx="655608" cy="400110"/>
+            </a:xfrm>
+            <a:prstGeom prst="rect">
+              <a:avLst/>
+            </a:prstGeom>
             <a:solidFill>
-              <a:schemeClr val="tx1"/>
+              <a:schemeClr val="bg1">
+                <a:lumMod val="85000"/>
+              </a:schemeClr>
             </a:solidFill>
-            <a:tailEnd type="triangle"/>
-          </a:ln>
-        </p:spPr>
-        <p:style>
-          <a:lnRef idx="1">
-            <a:schemeClr val="accent1"/>
-          </a:lnRef>
-          <a:fillRef idx="0">
-            <a:schemeClr val="accent1"/>
-          </a:fillRef>
-          <a:effectRef idx="0">
-            <a:schemeClr val="accent1"/>
-          </a:effectRef>
-          <a:fontRef idx="minor">
-            <a:schemeClr val="tx1"/>
-          </a:fontRef>
-        </p:style>
-      </p:cxnSp>
-      <p:cxnSp>
-        <p:nvCxnSpPr>
-          <p:cNvPr id="57" name="Straight Arrow Connector 56">
-            <a:extLst>
-              <a:ext uri="{FF2B5EF4-FFF2-40B4-BE49-F238E27FC236}">
-                <a16:creationId xmlns:a16="http://schemas.microsoft.com/office/drawing/2014/main" id="{31BA66BD-48A8-4DD6-B57A-134D8438CFE3}"/>
-              </a:ext>
-            </a:extLst>
-          </p:cNvPr>
-          <p:cNvCxnSpPr>
-            <a:cxnSpLocks/>
-          </p:cNvCxnSpPr>
-          <p:nvPr/>
-        </p:nvCxnSpPr>
-        <p:spPr>
-          <a:xfrm>
-            <a:off x="1270667" y="2829847"/>
-            <a:ext cx="1" cy="268525"/>
-          </a:xfrm>
-          <a:prstGeom prst="straightConnector1">
-            <a:avLst/>
-          </a:prstGeom>
-          <a:ln w="9525">
+            <a:ln w="9525">
+              <a:solidFill>
+                <a:schemeClr val="tx1"/>
+              </a:solidFill>
+            </a:ln>
+          </p:spPr>
+          <p:txBody>
+            <a:bodyPr wrap="square" rtlCol="0">
+              <a:spAutoFit/>
+            </a:bodyPr>
+            <a:lstStyle/>
+            <a:p>
+              <a:pPr algn="ctr"/>
+              <a:r>
+                <a:rPr lang="en-US" sz="1000" dirty="0"/>
+                <a:t>Soil Biology</a:t>
+              </a:r>
+            </a:p>
+          </p:txBody>
+        </p:sp>
+        <p:sp>
+          <p:nvSpPr>
+            <p:cNvPr id="96" name="TextBox 95">
+              <a:extLst>
+                <a:ext uri="{FF2B5EF4-FFF2-40B4-BE49-F238E27FC236}">
+                  <a16:creationId xmlns:a16="http://schemas.microsoft.com/office/drawing/2014/main" id="{072EE3DC-7571-43F1-B7BC-E9FB70EDEBA6}"/>
+                </a:ext>
+              </a:extLst>
+            </p:cNvPr>
+            <p:cNvSpPr txBox="1"/>
+            <p:nvPr/>
+          </p:nvSpPr>
+          <p:spPr>
+            <a:xfrm>
+              <a:off x="4933055" y="6737266"/>
+              <a:ext cx="873188" cy="400110"/>
+            </a:xfrm>
+            <a:prstGeom prst="rect">
+              <a:avLst/>
+            </a:prstGeom>
             <a:solidFill>
-              <a:schemeClr val="tx1"/>
+              <a:srgbClr val="FFC000"/>
             </a:solidFill>
-            <a:tailEnd type="triangle"/>
-          </a:ln>
-        </p:spPr>
-        <p:style>
-          <a:lnRef idx="1">
-            <a:schemeClr val="accent1"/>
-          </a:lnRef>
-          <a:fillRef idx="0">
-            <a:schemeClr val="accent1"/>
-          </a:fillRef>
-          <a:effectRef idx="0">
-            <a:schemeClr val="accent1"/>
-          </a:effectRef>
-          <a:fontRef idx="minor">
-            <a:schemeClr val="tx1"/>
-          </a:fontRef>
-        </p:style>
-      </p:cxnSp>
-      <p:cxnSp>
-        <p:nvCxnSpPr>
-          <p:cNvPr id="59" name="Straight Arrow Connector 58">
-            <a:extLst>
-              <a:ext uri="{FF2B5EF4-FFF2-40B4-BE49-F238E27FC236}">
-                <a16:creationId xmlns:a16="http://schemas.microsoft.com/office/drawing/2014/main" id="{04E70E58-42AC-4675-B455-935EC2D04F90}"/>
-              </a:ext>
-            </a:extLst>
-          </p:cNvPr>
-          <p:cNvCxnSpPr>
-            <a:cxnSpLocks/>
-          </p:cNvCxnSpPr>
-          <p:nvPr/>
-        </p:nvCxnSpPr>
-        <p:spPr>
-          <a:xfrm flipV="1">
-            <a:off x="3663738" y="2829275"/>
-            <a:ext cx="711162" cy="2062"/>
-          </a:xfrm>
-          <a:prstGeom prst="straightConnector1">
-            <a:avLst/>
-          </a:prstGeom>
-          <a:ln w="9525">
-            <a:solidFill>
-              <a:schemeClr val="tx1"/>
-            </a:solidFill>
-            <a:tailEnd type="triangle"/>
-          </a:ln>
-        </p:spPr>
-        <p:style>
-          <a:lnRef idx="1">
-            <a:schemeClr val="accent1"/>
-          </a:lnRef>
-          <a:fillRef idx="0">
-            <a:schemeClr val="accent1"/>
-          </a:fillRef>
-          <a:effectRef idx="0">
-            <a:schemeClr val="accent1"/>
-          </a:effectRef>
-          <a:fontRef idx="minor">
-            <a:schemeClr val="tx1"/>
-          </a:fontRef>
-        </p:style>
-      </p:cxnSp>
-      <p:cxnSp>
-        <p:nvCxnSpPr>
-          <p:cNvPr id="90" name="Straight Arrow Connector 89">
-            <a:extLst>
-              <a:ext uri="{FF2B5EF4-FFF2-40B4-BE49-F238E27FC236}">
-                <a16:creationId xmlns:a16="http://schemas.microsoft.com/office/drawing/2014/main" id="{BB890F74-A463-4C40-A27B-35FB56527423}"/>
-              </a:ext>
-            </a:extLst>
-          </p:cNvPr>
-          <p:cNvCxnSpPr>
-            <a:cxnSpLocks/>
-          </p:cNvCxnSpPr>
-          <p:nvPr/>
-        </p:nvCxnSpPr>
-        <p:spPr>
-          <a:xfrm>
-            <a:off x="2220295" y="2073594"/>
-            <a:ext cx="1" cy="484673"/>
-          </a:xfrm>
-          <a:prstGeom prst="straightConnector1">
-            <a:avLst/>
-          </a:prstGeom>
-          <a:ln w="57150">
-            <a:solidFill>
-              <a:schemeClr val="tx1"/>
-            </a:solidFill>
-            <a:tailEnd type="triangle"/>
-          </a:ln>
-        </p:spPr>
-        <p:style>
-          <a:lnRef idx="1">
-            <a:schemeClr val="accent1"/>
-          </a:lnRef>
-          <a:fillRef idx="0">
-            <a:schemeClr val="accent1"/>
-          </a:fillRef>
-          <a:effectRef idx="0">
-            <a:schemeClr val="accent1"/>
-          </a:effectRef>
-          <a:fontRef idx="minor">
-            <a:schemeClr val="tx1"/>
-          </a:fontRef>
-        </p:style>
-      </p:cxnSp>
-      <p:cxnSp>
-        <p:nvCxnSpPr>
-          <p:cNvPr id="91" name="Straight Arrow Connector 90">
-            <a:extLst>
-              <a:ext uri="{FF2B5EF4-FFF2-40B4-BE49-F238E27FC236}">
-                <a16:creationId xmlns:a16="http://schemas.microsoft.com/office/drawing/2014/main" id="{7E40E1B6-6876-41B9-90D2-E708A7BFB424}"/>
-              </a:ext>
-            </a:extLst>
-          </p:cNvPr>
-          <p:cNvCxnSpPr>
-            <a:cxnSpLocks/>
-          </p:cNvCxnSpPr>
-          <p:nvPr/>
-        </p:nvCxnSpPr>
-        <p:spPr>
-          <a:xfrm>
-            <a:off x="3512115" y="2106352"/>
-            <a:ext cx="0" cy="460346"/>
-          </a:xfrm>
-          <a:prstGeom prst="straightConnector1">
-            <a:avLst/>
-          </a:prstGeom>
-          <a:ln w="57150">
-            <a:solidFill>
-              <a:schemeClr val="tx1"/>
-            </a:solidFill>
-            <a:tailEnd type="triangle"/>
-          </a:ln>
-        </p:spPr>
-        <p:style>
-          <a:lnRef idx="1">
-            <a:schemeClr val="accent1"/>
-          </a:lnRef>
-          <a:fillRef idx="0">
-            <a:schemeClr val="accent1"/>
-          </a:fillRef>
-          <a:effectRef idx="0">
-            <a:schemeClr val="accent1"/>
-          </a:effectRef>
-          <a:fontRef idx="minor">
-            <a:schemeClr val="tx1"/>
-          </a:fontRef>
-        </p:style>
-      </p:cxnSp>
-      <p:cxnSp>
-        <p:nvCxnSpPr>
-          <p:cNvPr id="71" name="Straight Arrow Connector 70">
-            <a:extLst>
-              <a:ext uri="{FF2B5EF4-FFF2-40B4-BE49-F238E27FC236}">
-                <a16:creationId xmlns:a16="http://schemas.microsoft.com/office/drawing/2014/main" id="{DFD09234-A006-4654-8ABC-244EFB2761F0}"/>
-              </a:ext>
-            </a:extLst>
-          </p:cNvPr>
-          <p:cNvCxnSpPr>
-            <a:cxnSpLocks/>
-          </p:cNvCxnSpPr>
-          <p:nvPr/>
-        </p:nvCxnSpPr>
-        <p:spPr>
-          <a:xfrm>
-            <a:off x="4714438" y="2115494"/>
-            <a:ext cx="0" cy="460346"/>
-          </a:xfrm>
-          <a:prstGeom prst="straightConnector1">
-            <a:avLst/>
-          </a:prstGeom>
-          <a:ln w="57150">
-            <a:solidFill>
-              <a:schemeClr val="tx1"/>
-            </a:solidFill>
-            <a:tailEnd type="triangle"/>
-          </a:ln>
-        </p:spPr>
-        <p:style>
-          <a:lnRef idx="1">
-            <a:schemeClr val="accent1"/>
-          </a:lnRef>
-          <a:fillRef idx="0">
-            <a:schemeClr val="accent1"/>
-          </a:fillRef>
-          <a:effectRef idx="0">
-            <a:schemeClr val="accent1"/>
-          </a:effectRef>
-          <a:fontRef idx="minor">
-            <a:schemeClr val="tx1"/>
-          </a:fontRef>
-        </p:style>
-      </p:cxnSp>
-      <p:sp>
-        <p:nvSpPr>
-          <p:cNvPr id="80" name="TextBox 79">
-            <a:extLst>
-              <a:ext uri="{FF2B5EF4-FFF2-40B4-BE49-F238E27FC236}">
-                <a16:creationId xmlns:a16="http://schemas.microsoft.com/office/drawing/2014/main" id="{72EE2869-981E-46C6-AC7A-802D723EAF97}"/>
-              </a:ext>
-            </a:extLst>
-          </p:cNvPr>
-          <p:cNvSpPr txBox="1"/>
-          <p:nvPr/>
-        </p:nvSpPr>
-        <p:spPr>
-          <a:xfrm>
-            <a:off x="3491332" y="7150957"/>
-            <a:ext cx="1076698" cy="400110"/>
-          </a:xfrm>
-          <a:prstGeom prst="rect">
-            <a:avLst/>
-          </a:prstGeom>
-          <a:solidFill>
-            <a:srgbClr val="FFC000"/>
-          </a:solidFill>
-          <a:ln w="9525">
-            <a:solidFill>
-              <a:schemeClr val="tx1"/>
-            </a:solidFill>
-          </a:ln>
-        </p:spPr>
-        <p:txBody>
-          <a:bodyPr wrap="square" rtlCol="0">
-            <a:spAutoFit/>
-          </a:bodyPr>
-          <a:lstStyle/>
-          <a:p>
-            <a:pPr algn="ctr"/>
-            <a:r>
-              <a:rPr lang="en-US" sz="1000" dirty="0"/>
-              <a:t>Soil water at field capacity</a:t>
-            </a:r>
-          </a:p>
-        </p:txBody>
-      </p:sp>
-      <p:cxnSp>
-        <p:nvCxnSpPr>
-          <p:cNvPr id="11" name="Straight Connector 10">
-            <a:extLst>
-              <a:ext uri="{FF2B5EF4-FFF2-40B4-BE49-F238E27FC236}">
-                <a16:creationId xmlns:a16="http://schemas.microsoft.com/office/drawing/2014/main" id="{0712DFD0-8832-4922-BFE1-45B491651EC5}"/>
-              </a:ext>
-            </a:extLst>
-          </p:cNvPr>
-          <p:cNvCxnSpPr>
-            <a:cxnSpLocks/>
-          </p:cNvCxnSpPr>
-          <p:nvPr/>
-        </p:nvCxnSpPr>
-        <p:spPr>
-          <a:xfrm>
-            <a:off x="4205338" y="6228125"/>
-            <a:ext cx="0" cy="0"/>
-          </a:xfrm>
-          <a:prstGeom prst="line">
-            <a:avLst/>
-          </a:prstGeom>
-          <a:ln w="9525"/>
-        </p:spPr>
-        <p:style>
-          <a:lnRef idx="1">
-            <a:schemeClr val="accent1"/>
-          </a:lnRef>
-          <a:fillRef idx="0">
-            <a:schemeClr val="accent1"/>
-          </a:fillRef>
-          <a:effectRef idx="0">
-            <a:schemeClr val="accent1"/>
-          </a:effectRef>
-          <a:fontRef idx="minor">
-            <a:schemeClr val="tx1"/>
-          </a:fontRef>
-        </p:style>
-      </p:cxnSp>
-      <p:cxnSp>
-        <p:nvCxnSpPr>
-          <p:cNvPr id="110" name="Straight Arrow Connector 109">
-            <a:extLst>
-              <a:ext uri="{FF2B5EF4-FFF2-40B4-BE49-F238E27FC236}">
-                <a16:creationId xmlns:a16="http://schemas.microsoft.com/office/drawing/2014/main" id="{6A13596A-C939-4CBE-A6B5-C323C197012A}"/>
-              </a:ext>
-            </a:extLst>
-          </p:cNvPr>
-          <p:cNvCxnSpPr>
-            <a:cxnSpLocks/>
-          </p:cNvCxnSpPr>
-          <p:nvPr/>
-        </p:nvCxnSpPr>
-        <p:spPr>
-          <a:xfrm flipH="1">
-            <a:off x="5369649" y="5703757"/>
-            <a:ext cx="2283" cy="1033509"/>
-          </a:xfrm>
-          <a:prstGeom prst="straightConnector1">
-            <a:avLst/>
-          </a:prstGeom>
-          <a:ln w="9525">
-            <a:solidFill>
-              <a:schemeClr val="tx1"/>
-            </a:solidFill>
-            <a:tailEnd type="triangle"/>
-          </a:ln>
-        </p:spPr>
-        <p:style>
-          <a:lnRef idx="1">
-            <a:schemeClr val="accent1"/>
-          </a:lnRef>
-          <a:fillRef idx="0">
-            <a:schemeClr val="accent1"/>
-          </a:fillRef>
-          <a:effectRef idx="0">
-            <a:schemeClr val="accent1"/>
-          </a:effectRef>
-          <a:fontRef idx="minor">
-            <a:schemeClr val="tx1"/>
-          </a:fontRef>
-        </p:style>
-      </p:cxnSp>
-      <p:cxnSp>
-        <p:nvCxnSpPr>
-          <p:cNvPr id="143" name="Straight Connector 142">
-            <a:extLst>
-              <a:ext uri="{FF2B5EF4-FFF2-40B4-BE49-F238E27FC236}">
-                <a16:creationId xmlns:a16="http://schemas.microsoft.com/office/drawing/2014/main" id="{6627E756-A242-4A41-8E25-A9CA05261A15}"/>
-              </a:ext>
-            </a:extLst>
-          </p:cNvPr>
-          <p:cNvCxnSpPr>
-            <a:cxnSpLocks/>
-          </p:cNvCxnSpPr>
-          <p:nvPr/>
-        </p:nvCxnSpPr>
-        <p:spPr>
-          <a:xfrm>
-            <a:off x="1272508" y="2830290"/>
-            <a:ext cx="649490" cy="0"/>
-          </a:xfrm>
-          <a:prstGeom prst="line">
-            <a:avLst/>
-          </a:prstGeom>
-          <a:ln w="9525">
-            <a:solidFill>
-              <a:schemeClr val="tx1"/>
-            </a:solidFill>
-          </a:ln>
-        </p:spPr>
-        <p:style>
-          <a:lnRef idx="1">
-            <a:schemeClr val="accent1"/>
-          </a:lnRef>
-          <a:fillRef idx="0">
-            <a:schemeClr val="accent1"/>
-          </a:fillRef>
-          <a:effectRef idx="0">
-            <a:schemeClr val="accent1"/>
-          </a:effectRef>
-          <a:fontRef idx="minor">
-            <a:schemeClr val="tx1"/>
-          </a:fontRef>
-        </p:style>
-      </p:cxnSp>
-      <p:cxnSp>
-        <p:nvCxnSpPr>
-          <p:cNvPr id="158" name="Straight Arrow Connector 157">
-            <a:extLst>
-              <a:ext uri="{FF2B5EF4-FFF2-40B4-BE49-F238E27FC236}">
-                <a16:creationId xmlns:a16="http://schemas.microsoft.com/office/drawing/2014/main" id="{EB3788F3-F053-4B9F-8B6F-A1E719F0C944}"/>
-              </a:ext>
-            </a:extLst>
-          </p:cNvPr>
-          <p:cNvCxnSpPr>
-            <a:cxnSpLocks/>
-          </p:cNvCxnSpPr>
-          <p:nvPr/>
-        </p:nvCxnSpPr>
-        <p:spPr>
-          <a:xfrm>
-            <a:off x="1260518" y="5840990"/>
-            <a:ext cx="2770626" cy="0"/>
-          </a:xfrm>
-          <a:prstGeom prst="straightConnector1">
-            <a:avLst/>
-          </a:prstGeom>
-          <a:ln w="9525">
-            <a:solidFill>
-              <a:schemeClr val="tx1"/>
-            </a:solidFill>
-            <a:tailEnd type="triangle"/>
-          </a:ln>
-        </p:spPr>
-        <p:style>
-          <a:lnRef idx="1">
-            <a:schemeClr val="accent1"/>
-          </a:lnRef>
-          <a:fillRef idx="0">
-            <a:schemeClr val="accent1"/>
-          </a:fillRef>
-          <a:effectRef idx="0">
-            <a:schemeClr val="accent1"/>
-          </a:effectRef>
-          <a:fontRef idx="minor">
-            <a:schemeClr val="tx1"/>
-          </a:fontRef>
-        </p:style>
-      </p:cxnSp>
-      <p:cxnSp>
-        <p:nvCxnSpPr>
-          <p:cNvPr id="160" name="Straight Connector 159">
-            <a:extLst>
-              <a:ext uri="{FF2B5EF4-FFF2-40B4-BE49-F238E27FC236}">
-                <a16:creationId xmlns:a16="http://schemas.microsoft.com/office/drawing/2014/main" id="{0B292357-63F9-426A-B97C-356AA694F997}"/>
-              </a:ext>
-            </a:extLst>
-          </p:cNvPr>
-          <p:cNvCxnSpPr>
-            <a:cxnSpLocks/>
-          </p:cNvCxnSpPr>
-          <p:nvPr/>
-        </p:nvCxnSpPr>
-        <p:spPr>
-          <a:xfrm flipH="1">
-            <a:off x="1270666" y="3314535"/>
-            <a:ext cx="1" cy="2539480"/>
-          </a:xfrm>
-          <a:prstGeom prst="line">
-            <a:avLst/>
-          </a:prstGeom>
-          <a:ln w="9525">
-            <a:solidFill>
-              <a:schemeClr val="tx1"/>
-            </a:solidFill>
-          </a:ln>
-        </p:spPr>
-        <p:style>
-          <a:lnRef idx="1">
-            <a:schemeClr val="accent1"/>
-          </a:lnRef>
-          <a:fillRef idx="0">
-            <a:schemeClr val="accent1"/>
-          </a:fillRef>
-          <a:effectRef idx="0">
-            <a:schemeClr val="accent1"/>
-          </a:effectRef>
-          <a:fontRef idx="minor">
-            <a:schemeClr val="tx1"/>
-          </a:fontRef>
-        </p:style>
-      </p:cxnSp>
-      <p:cxnSp>
-        <p:nvCxnSpPr>
-          <p:cNvPr id="162" name="Straight Arrow Connector 161">
-            <a:extLst>
-              <a:ext uri="{FF2B5EF4-FFF2-40B4-BE49-F238E27FC236}">
-                <a16:creationId xmlns:a16="http://schemas.microsoft.com/office/drawing/2014/main" id="{3453C37C-FAEF-496A-9FB5-7A20970CEADF}"/>
-              </a:ext>
-            </a:extLst>
-          </p:cNvPr>
-          <p:cNvCxnSpPr>
-            <a:cxnSpLocks/>
-          </p:cNvCxnSpPr>
-          <p:nvPr/>
-        </p:nvCxnSpPr>
-        <p:spPr>
-          <a:xfrm>
-            <a:off x="4823285" y="2615940"/>
-            <a:ext cx="0" cy="2871764"/>
-          </a:xfrm>
-          <a:prstGeom prst="straightConnector1">
-            <a:avLst/>
-          </a:prstGeom>
-          <a:ln w="9525">
-            <a:solidFill>
-              <a:schemeClr val="tx1"/>
-            </a:solidFill>
-            <a:tailEnd type="triangle"/>
-          </a:ln>
-        </p:spPr>
-        <p:style>
-          <a:lnRef idx="1">
-            <a:schemeClr val="accent1"/>
-          </a:lnRef>
-          <a:fillRef idx="0">
-            <a:schemeClr val="accent1"/>
-          </a:fillRef>
-          <a:effectRef idx="0">
-            <a:schemeClr val="accent1"/>
-          </a:effectRef>
-          <a:fontRef idx="minor">
-            <a:schemeClr val="tx1"/>
-          </a:fontRef>
-        </p:style>
-      </p:cxnSp>
-      <p:cxnSp>
-        <p:nvCxnSpPr>
-          <p:cNvPr id="165" name="Straight Arrow Connector 164">
-            <a:extLst>
-              <a:ext uri="{FF2B5EF4-FFF2-40B4-BE49-F238E27FC236}">
-                <a16:creationId xmlns:a16="http://schemas.microsoft.com/office/drawing/2014/main" id="{EDE542EA-DBC5-44EA-9B66-C4AA3B7E3459}"/>
-              </a:ext>
-            </a:extLst>
-          </p:cNvPr>
-          <p:cNvCxnSpPr>
-            <a:cxnSpLocks/>
-          </p:cNvCxnSpPr>
-          <p:nvPr/>
-        </p:nvCxnSpPr>
-        <p:spPr>
-          <a:xfrm flipH="1">
-            <a:off x="3970185" y="4650314"/>
-            <a:ext cx="856576" cy="0"/>
-          </a:xfrm>
-          <a:prstGeom prst="straightConnector1">
-            <a:avLst/>
-          </a:prstGeom>
-          <a:ln w="9525">
-            <a:solidFill>
-              <a:schemeClr val="tx1"/>
-            </a:solidFill>
-            <a:tailEnd type="triangle"/>
-          </a:ln>
-        </p:spPr>
-        <p:style>
-          <a:lnRef idx="1">
-            <a:schemeClr val="accent1"/>
-          </a:lnRef>
-          <a:fillRef idx="0">
-            <a:schemeClr val="accent1"/>
-          </a:fillRef>
-          <a:effectRef idx="0">
-            <a:schemeClr val="accent1"/>
-          </a:effectRef>
-          <a:fontRef idx="minor">
-            <a:schemeClr val="tx1"/>
-          </a:fontRef>
-        </p:style>
-      </p:cxnSp>
-      <p:cxnSp>
-        <p:nvCxnSpPr>
-          <p:cNvPr id="166" name="Straight Connector 165">
-            <a:extLst>
-              <a:ext uri="{FF2B5EF4-FFF2-40B4-BE49-F238E27FC236}">
-                <a16:creationId xmlns:a16="http://schemas.microsoft.com/office/drawing/2014/main" id="{BF35F3B7-BA5F-4740-B113-7D5F0023435C}"/>
-              </a:ext>
-            </a:extLst>
-          </p:cNvPr>
-          <p:cNvCxnSpPr/>
-          <p:nvPr/>
-        </p:nvCxnSpPr>
-        <p:spPr>
-          <a:xfrm flipH="1">
-            <a:off x="4584917" y="2710403"/>
-            <a:ext cx="1" cy="1435714"/>
-          </a:xfrm>
-          <a:prstGeom prst="line">
-            <a:avLst/>
-          </a:prstGeom>
-          <a:ln w="9525">
-            <a:solidFill>
-              <a:schemeClr val="tx1"/>
-            </a:solidFill>
-          </a:ln>
-        </p:spPr>
-        <p:style>
-          <a:lnRef idx="1">
-            <a:schemeClr val="accent1"/>
-          </a:lnRef>
-          <a:fillRef idx="0">
-            <a:schemeClr val="accent1"/>
-          </a:fillRef>
-          <a:effectRef idx="0">
-            <a:schemeClr val="accent1"/>
-          </a:effectRef>
-          <a:fontRef idx="minor">
-            <a:schemeClr val="tx1"/>
-          </a:fontRef>
-        </p:style>
-      </p:cxnSp>
-      <p:cxnSp>
-        <p:nvCxnSpPr>
-          <p:cNvPr id="171" name="Straight Arrow Connector 170">
-            <a:extLst>
-              <a:ext uri="{FF2B5EF4-FFF2-40B4-BE49-F238E27FC236}">
-                <a16:creationId xmlns:a16="http://schemas.microsoft.com/office/drawing/2014/main" id="{663EA009-7A37-4BE8-9A68-3DB9D98D41CC}"/>
-              </a:ext>
-            </a:extLst>
-          </p:cNvPr>
-          <p:cNvCxnSpPr>
-            <a:cxnSpLocks/>
-          </p:cNvCxnSpPr>
-          <p:nvPr/>
-        </p:nvCxnSpPr>
-        <p:spPr>
-          <a:xfrm flipH="1">
-            <a:off x="3809732" y="6659151"/>
-            <a:ext cx="2283" cy="482143"/>
-          </a:xfrm>
-          <a:prstGeom prst="straightConnector1">
-            <a:avLst/>
-          </a:prstGeom>
-          <a:ln w="9525">
-            <a:solidFill>
-              <a:schemeClr val="tx1"/>
-            </a:solidFill>
-            <a:tailEnd type="triangle"/>
-          </a:ln>
-        </p:spPr>
-        <p:style>
-          <a:lnRef idx="1">
-            <a:schemeClr val="accent1"/>
-          </a:lnRef>
-          <a:fillRef idx="0">
-            <a:schemeClr val="accent1"/>
-          </a:fillRef>
-          <a:effectRef idx="0">
-            <a:schemeClr val="accent1"/>
-          </a:effectRef>
-          <a:fontRef idx="minor">
-            <a:schemeClr val="tx1"/>
-          </a:fontRef>
-        </p:style>
-      </p:cxnSp>
-      <p:sp>
-        <p:nvSpPr>
-          <p:cNvPr id="40" name="TextBox 39">
-            <a:extLst>
-              <a:ext uri="{FF2B5EF4-FFF2-40B4-BE49-F238E27FC236}">
-                <a16:creationId xmlns:a16="http://schemas.microsoft.com/office/drawing/2014/main" id="{D29EBCB2-DAFE-4E53-9427-A32478F274C9}"/>
-              </a:ext>
-            </a:extLst>
-          </p:cNvPr>
-          <p:cNvSpPr txBox="1"/>
-          <p:nvPr/>
-        </p:nvSpPr>
-        <p:spPr>
-          <a:xfrm>
-            <a:off x="916066" y="3094412"/>
-            <a:ext cx="709201" cy="400110"/>
-          </a:xfrm>
-          <a:prstGeom prst="rect">
-            <a:avLst/>
-          </a:prstGeom>
-          <a:solidFill>
-            <a:schemeClr val="bg1">
-              <a:lumMod val="85000"/>
-            </a:schemeClr>
-          </a:solidFill>
-          <a:ln w="9525">
-            <a:solidFill>
-              <a:schemeClr val="tx1"/>
-            </a:solidFill>
-          </a:ln>
-        </p:spPr>
-        <p:txBody>
-          <a:bodyPr wrap="square" rtlCol="0">
-            <a:spAutoFit/>
-          </a:bodyPr>
-          <a:lstStyle/>
-          <a:p>
-            <a:pPr algn="ctr"/>
-            <a:r>
-              <a:rPr lang="en-US" sz="1000" dirty="0"/>
-              <a:t>Soil Erosion</a:t>
-            </a:r>
-          </a:p>
-        </p:txBody>
-      </p:sp>
-      <p:sp>
-        <p:nvSpPr>
-          <p:cNvPr id="16" name="TextBox 15">
-            <a:extLst>
-              <a:ext uri="{FF2B5EF4-FFF2-40B4-BE49-F238E27FC236}">
-                <a16:creationId xmlns:a16="http://schemas.microsoft.com/office/drawing/2014/main" id="{6EFC2D2F-82ED-4332-86E1-5D3DCB71E395}"/>
-              </a:ext>
-            </a:extLst>
-          </p:cNvPr>
-          <p:cNvSpPr txBox="1"/>
-          <p:nvPr/>
-        </p:nvSpPr>
-        <p:spPr>
-          <a:xfrm>
-            <a:off x="4386027" y="2570322"/>
-            <a:ext cx="655608" cy="400110"/>
-          </a:xfrm>
-          <a:prstGeom prst="rect">
-            <a:avLst/>
-          </a:prstGeom>
-          <a:solidFill>
-            <a:schemeClr val="bg1">
-              <a:lumMod val="85000"/>
-            </a:schemeClr>
-          </a:solidFill>
-          <a:ln w="9525">
-            <a:solidFill>
-              <a:schemeClr val="tx1"/>
-            </a:solidFill>
-          </a:ln>
-        </p:spPr>
-        <p:txBody>
-          <a:bodyPr wrap="square" rtlCol="0">
-            <a:spAutoFit/>
-          </a:bodyPr>
-          <a:lstStyle/>
-          <a:p>
-            <a:pPr algn="ctr"/>
-            <a:r>
-              <a:rPr lang="en-US" sz="1000" dirty="0"/>
-              <a:t>Soil Biology</a:t>
-            </a:r>
-          </a:p>
-        </p:txBody>
-      </p:sp>
-      <p:sp>
-        <p:nvSpPr>
-          <p:cNvPr id="96" name="TextBox 95">
-            <a:extLst>
-              <a:ext uri="{FF2B5EF4-FFF2-40B4-BE49-F238E27FC236}">
-                <a16:creationId xmlns:a16="http://schemas.microsoft.com/office/drawing/2014/main" id="{072EE3DC-7571-43F1-B7BC-E9FB70EDEBA6}"/>
-              </a:ext>
-            </a:extLst>
-          </p:cNvPr>
-          <p:cNvSpPr txBox="1"/>
-          <p:nvPr/>
-        </p:nvSpPr>
-        <p:spPr>
-          <a:xfrm>
-            <a:off x="4933055" y="6737266"/>
-            <a:ext cx="873188" cy="400110"/>
-          </a:xfrm>
-          <a:prstGeom prst="rect">
-            <a:avLst/>
-          </a:prstGeom>
-          <a:solidFill>
-            <a:srgbClr val="FFC000"/>
-          </a:solidFill>
-          <a:ln w="9525">
-            <a:solidFill>
-              <a:schemeClr val="tx1"/>
-            </a:solidFill>
-          </a:ln>
-        </p:spPr>
-        <p:txBody>
-          <a:bodyPr wrap="square" rtlCol="0">
-            <a:spAutoFit/>
-          </a:bodyPr>
-          <a:lstStyle/>
-          <a:p>
-            <a:pPr algn="ctr"/>
-            <a:r>
-              <a:rPr lang="en-US" sz="1000" dirty="0"/>
-              <a:t>Soil water at saturation</a:t>
-            </a:r>
-          </a:p>
-        </p:txBody>
-      </p:sp>
-      <p:sp>
-        <p:nvSpPr>
-          <p:cNvPr id="53" name="Rectangle 52">
-            <a:extLst>
-              <a:ext uri="{FF2B5EF4-FFF2-40B4-BE49-F238E27FC236}">
-                <a16:creationId xmlns:a16="http://schemas.microsoft.com/office/drawing/2014/main" id="{9D7E2AF7-1946-4EEA-83B6-3F3D8E0738EE}"/>
-              </a:ext>
-            </a:extLst>
-          </p:cNvPr>
-          <p:cNvSpPr/>
-          <p:nvPr/>
-        </p:nvSpPr>
-        <p:spPr>
-          <a:xfrm>
-            <a:off x="1914555" y="4953976"/>
-            <a:ext cx="148990" cy="95788"/>
-          </a:xfrm>
-          <a:prstGeom prst="rect">
-            <a:avLst/>
-          </a:prstGeom>
-          <a:solidFill>
-            <a:schemeClr val="bg1"/>
-          </a:solidFill>
-          <a:ln w="9525">
+            <a:ln w="9525">
+              <a:solidFill>
+                <a:schemeClr val="tx1"/>
+              </a:solidFill>
+            </a:ln>
+          </p:spPr>
+          <p:txBody>
+            <a:bodyPr wrap="square" rtlCol="0">
+              <a:spAutoFit/>
+            </a:bodyPr>
+            <a:lstStyle/>
+            <a:p>
+              <a:pPr algn="ctr"/>
+              <a:r>
+                <a:rPr lang="en-US" sz="1000" dirty="0"/>
+                <a:t>Soil water at saturation</a:t>
+              </a:r>
+            </a:p>
+          </p:txBody>
+        </p:sp>
+        <p:sp>
+          <p:nvSpPr>
+            <p:cNvPr id="53" name="Rectangle 52">
+              <a:extLst>
+                <a:ext uri="{FF2B5EF4-FFF2-40B4-BE49-F238E27FC236}">
+                  <a16:creationId xmlns:a16="http://schemas.microsoft.com/office/drawing/2014/main" id="{9D7E2AF7-1946-4EEA-83B6-3F3D8E0738EE}"/>
+                </a:ext>
+              </a:extLst>
+            </p:cNvPr>
+            <p:cNvSpPr/>
+            <p:nvPr/>
+          </p:nvSpPr>
+          <p:spPr>
+            <a:xfrm>
+              <a:off x="1914555" y="4953976"/>
+              <a:ext cx="148990" cy="95788"/>
+            </a:xfrm>
+            <a:prstGeom prst="rect">
+              <a:avLst/>
+            </a:prstGeom>
             <a:solidFill>
               <a:schemeClr val="bg1"/>
             </a:solidFill>
-          </a:ln>
-        </p:spPr>
-        <p:style>
-          <a:lnRef idx="2">
-            <a:schemeClr val="accent1">
-              <a:shade val="50000"/>
-            </a:schemeClr>
-          </a:lnRef>
-          <a:fillRef idx="1">
-            <a:schemeClr val="accent1"/>
-          </a:fillRef>
-          <a:effectRef idx="0">
-            <a:schemeClr val="accent1"/>
-          </a:effectRef>
-          <a:fontRef idx="minor">
-            <a:schemeClr val="lt1"/>
-          </a:fontRef>
-        </p:style>
-        <p:txBody>
-          <a:bodyPr rtlCol="0" anchor="ctr"/>
-          <a:lstStyle/>
-          <a:p>
-            <a:pPr algn="ctr"/>
-            <a:endParaRPr lang="en-US"/>
-          </a:p>
-        </p:txBody>
-      </p:sp>
-      <p:cxnSp>
-        <p:nvCxnSpPr>
-          <p:cNvPr id="156" name="Straight Arrow Connector 155">
-            <a:extLst>
-              <a:ext uri="{FF2B5EF4-FFF2-40B4-BE49-F238E27FC236}">
-                <a16:creationId xmlns:a16="http://schemas.microsoft.com/office/drawing/2014/main" id="{F2F5C4B5-3009-4604-B153-A758FB3D3B9F}"/>
-              </a:ext>
-            </a:extLst>
-          </p:cNvPr>
-          <p:cNvCxnSpPr>
-            <a:cxnSpLocks/>
-          </p:cNvCxnSpPr>
-          <p:nvPr/>
-        </p:nvCxnSpPr>
-        <p:spPr>
-          <a:xfrm>
-            <a:off x="2214061" y="2589238"/>
-            <a:ext cx="1" cy="1019728"/>
-          </a:xfrm>
-          <a:prstGeom prst="straightConnector1">
-            <a:avLst/>
-          </a:prstGeom>
-          <a:ln w="9525">
-            <a:solidFill>
-              <a:schemeClr val="tx1"/>
-            </a:solidFill>
-            <a:tailEnd type="triangle"/>
-          </a:ln>
-        </p:spPr>
-        <p:style>
-          <a:lnRef idx="1">
-            <a:schemeClr val="accent1"/>
-          </a:lnRef>
-          <a:fillRef idx="0">
-            <a:schemeClr val="accent1"/>
-          </a:fillRef>
-          <a:effectRef idx="0">
-            <a:schemeClr val="accent1"/>
-          </a:effectRef>
-          <a:fontRef idx="minor">
-            <a:schemeClr val="tx1"/>
-          </a:fontRef>
-        </p:style>
-      </p:cxnSp>
-      <p:sp>
-        <p:nvSpPr>
-          <p:cNvPr id="55" name="Rectangle 54">
-            <a:extLst>
-              <a:ext uri="{FF2B5EF4-FFF2-40B4-BE49-F238E27FC236}">
-                <a16:creationId xmlns:a16="http://schemas.microsoft.com/office/drawing/2014/main" id="{23B64D1E-71E7-4B90-852C-1FFD78174AB2}"/>
-              </a:ext>
-            </a:extLst>
-          </p:cNvPr>
-          <p:cNvSpPr/>
-          <p:nvPr/>
-        </p:nvSpPr>
-        <p:spPr>
-          <a:xfrm>
-            <a:off x="1932029" y="6073844"/>
-            <a:ext cx="123132" cy="95788"/>
-          </a:xfrm>
-          <a:prstGeom prst="rect">
-            <a:avLst/>
-          </a:prstGeom>
-          <a:solidFill>
-            <a:schemeClr val="bg1"/>
-          </a:solidFill>
-          <a:ln w="9525">
+            <a:ln w="9525">
+              <a:solidFill>
+                <a:schemeClr val="bg1"/>
+              </a:solidFill>
+            </a:ln>
+          </p:spPr>
+          <p:style>
+            <a:lnRef idx="2">
+              <a:schemeClr val="accent1">
+                <a:shade val="50000"/>
+              </a:schemeClr>
+            </a:lnRef>
+            <a:fillRef idx="1">
+              <a:schemeClr val="accent1"/>
+            </a:fillRef>
+            <a:effectRef idx="0">
+              <a:schemeClr val="accent1"/>
+            </a:effectRef>
+            <a:fontRef idx="minor">
+              <a:schemeClr val="lt1"/>
+            </a:fontRef>
+          </p:style>
+          <p:txBody>
+            <a:bodyPr rtlCol="0" anchor="ctr"/>
+            <a:lstStyle/>
+            <a:p>
+              <a:pPr algn="ctr"/>
+              <a:endParaRPr lang="en-US"/>
+            </a:p>
+          </p:txBody>
+        </p:sp>
+        <p:cxnSp>
+          <p:nvCxnSpPr>
+            <p:cNvPr id="156" name="Straight Arrow Connector 155">
+              <a:extLst>
+                <a:ext uri="{FF2B5EF4-FFF2-40B4-BE49-F238E27FC236}">
+                  <a16:creationId xmlns:a16="http://schemas.microsoft.com/office/drawing/2014/main" id="{F2F5C4B5-3009-4604-B153-A758FB3D3B9F}"/>
+                </a:ext>
+              </a:extLst>
+            </p:cNvPr>
+            <p:cNvCxnSpPr>
+              <a:cxnSpLocks/>
+            </p:cNvCxnSpPr>
+            <p:nvPr/>
+          </p:nvCxnSpPr>
+          <p:spPr>
+            <a:xfrm>
+              <a:off x="2214061" y="2589238"/>
+              <a:ext cx="1" cy="1019728"/>
+            </a:xfrm>
+            <a:prstGeom prst="straightConnector1">
+              <a:avLst/>
+            </a:prstGeom>
+            <a:ln w="9525">
+              <a:solidFill>
+                <a:schemeClr val="tx1"/>
+              </a:solidFill>
+              <a:tailEnd type="triangle"/>
+            </a:ln>
+          </p:spPr>
+          <p:style>
+            <a:lnRef idx="1">
+              <a:schemeClr val="accent1"/>
+            </a:lnRef>
+            <a:fillRef idx="0">
+              <a:schemeClr val="accent1"/>
+            </a:fillRef>
+            <a:effectRef idx="0">
+              <a:schemeClr val="accent1"/>
+            </a:effectRef>
+            <a:fontRef idx="minor">
+              <a:schemeClr val="tx1"/>
+            </a:fontRef>
+          </p:style>
+        </p:cxnSp>
+        <p:sp>
+          <p:nvSpPr>
+            <p:cNvPr id="55" name="Rectangle 54">
+              <a:extLst>
+                <a:ext uri="{FF2B5EF4-FFF2-40B4-BE49-F238E27FC236}">
+                  <a16:creationId xmlns:a16="http://schemas.microsoft.com/office/drawing/2014/main" id="{23B64D1E-71E7-4B90-852C-1FFD78174AB2}"/>
+                </a:ext>
+              </a:extLst>
+            </p:cNvPr>
+            <p:cNvSpPr/>
+            <p:nvPr/>
+          </p:nvSpPr>
+          <p:spPr>
+            <a:xfrm>
+              <a:off x="1932029" y="6073844"/>
+              <a:ext cx="123132" cy="95788"/>
+            </a:xfrm>
+            <a:prstGeom prst="rect">
+              <a:avLst/>
+            </a:prstGeom>
             <a:solidFill>
               <a:schemeClr val="bg1"/>
             </a:solidFill>
-          </a:ln>
-        </p:spPr>
-        <p:style>
-          <a:lnRef idx="2">
-            <a:schemeClr val="accent1">
-              <a:shade val="50000"/>
-            </a:schemeClr>
-          </a:lnRef>
-          <a:fillRef idx="1">
-            <a:schemeClr val="accent1"/>
-          </a:fillRef>
-          <a:effectRef idx="0">
-            <a:schemeClr val="accent1"/>
-          </a:effectRef>
-          <a:fontRef idx="minor">
-            <a:schemeClr val="lt1"/>
-          </a:fontRef>
-        </p:style>
-        <p:txBody>
-          <a:bodyPr rtlCol="0" anchor="ctr"/>
-          <a:lstStyle/>
-          <a:p>
-            <a:pPr algn="ctr"/>
-            <a:endParaRPr lang="en-US"/>
-          </a:p>
-        </p:txBody>
-      </p:sp>
-      <p:sp>
-        <p:nvSpPr>
-          <p:cNvPr id="56" name="Rectangle 55">
-            <a:extLst>
-              <a:ext uri="{FF2B5EF4-FFF2-40B4-BE49-F238E27FC236}">
-                <a16:creationId xmlns:a16="http://schemas.microsoft.com/office/drawing/2014/main" id="{36661A51-A0F5-4A10-BC66-CD93694E17DC}"/>
-              </a:ext>
-            </a:extLst>
-          </p:cNvPr>
-          <p:cNvSpPr/>
-          <p:nvPr/>
-        </p:nvSpPr>
-        <p:spPr>
-          <a:xfrm>
-            <a:off x="2792255" y="6054421"/>
-            <a:ext cx="123132" cy="95788"/>
-          </a:xfrm>
-          <a:prstGeom prst="rect">
-            <a:avLst/>
-          </a:prstGeom>
-          <a:solidFill>
-            <a:schemeClr val="bg1"/>
-          </a:solidFill>
-          <a:ln w="9525">
+            <a:ln w="9525">
+              <a:solidFill>
+                <a:schemeClr val="bg1"/>
+              </a:solidFill>
+            </a:ln>
+          </p:spPr>
+          <p:style>
+            <a:lnRef idx="2">
+              <a:schemeClr val="accent1">
+                <a:shade val="50000"/>
+              </a:schemeClr>
+            </a:lnRef>
+            <a:fillRef idx="1">
+              <a:schemeClr val="accent1"/>
+            </a:fillRef>
+            <a:effectRef idx="0">
+              <a:schemeClr val="accent1"/>
+            </a:effectRef>
+            <a:fontRef idx="minor">
+              <a:schemeClr val="lt1"/>
+            </a:fontRef>
+          </p:style>
+          <p:txBody>
+            <a:bodyPr rtlCol="0" anchor="ctr"/>
+            <a:lstStyle/>
+            <a:p>
+              <a:pPr algn="ctr"/>
+              <a:endParaRPr lang="en-US"/>
+            </a:p>
+          </p:txBody>
+        </p:sp>
+        <p:sp>
+          <p:nvSpPr>
+            <p:cNvPr id="56" name="Rectangle 55">
+              <a:extLst>
+                <a:ext uri="{FF2B5EF4-FFF2-40B4-BE49-F238E27FC236}">
+                  <a16:creationId xmlns:a16="http://schemas.microsoft.com/office/drawing/2014/main" id="{36661A51-A0F5-4A10-BC66-CD93694E17DC}"/>
+                </a:ext>
+              </a:extLst>
+            </p:cNvPr>
+            <p:cNvSpPr/>
+            <p:nvPr/>
+          </p:nvSpPr>
+          <p:spPr>
+            <a:xfrm>
+              <a:off x="2792255" y="6054421"/>
+              <a:ext cx="123132" cy="95788"/>
+            </a:xfrm>
+            <a:prstGeom prst="rect">
+              <a:avLst/>
+            </a:prstGeom>
             <a:solidFill>
               <a:schemeClr val="bg1"/>
             </a:solidFill>
-          </a:ln>
-        </p:spPr>
-        <p:style>
-          <a:lnRef idx="2">
-            <a:schemeClr val="accent1">
-              <a:shade val="50000"/>
-            </a:schemeClr>
-          </a:lnRef>
-          <a:fillRef idx="1">
-            <a:schemeClr val="accent1"/>
-          </a:fillRef>
-          <a:effectRef idx="0">
-            <a:schemeClr val="accent1"/>
-          </a:effectRef>
-          <a:fontRef idx="minor">
-            <a:schemeClr val="lt1"/>
-          </a:fontRef>
-        </p:style>
-        <p:txBody>
-          <a:bodyPr rtlCol="0" anchor="ctr"/>
-          <a:lstStyle/>
-          <a:p>
-            <a:pPr algn="ctr"/>
-            <a:endParaRPr lang="en-US"/>
-          </a:p>
-        </p:txBody>
-      </p:sp>
-      <p:sp>
-        <p:nvSpPr>
-          <p:cNvPr id="58" name="Rectangle 57">
-            <a:extLst>
-              <a:ext uri="{FF2B5EF4-FFF2-40B4-BE49-F238E27FC236}">
-                <a16:creationId xmlns:a16="http://schemas.microsoft.com/office/drawing/2014/main" id="{5E006E4D-0623-40B1-B8A2-E05513A47854}"/>
-              </a:ext>
-            </a:extLst>
-          </p:cNvPr>
-          <p:cNvSpPr/>
-          <p:nvPr/>
-        </p:nvSpPr>
-        <p:spPr>
-          <a:xfrm>
-            <a:off x="3496961" y="4915987"/>
-            <a:ext cx="123132" cy="95788"/>
-          </a:xfrm>
-          <a:prstGeom prst="rect">
-            <a:avLst/>
-          </a:prstGeom>
-          <a:solidFill>
-            <a:schemeClr val="bg1"/>
-          </a:solidFill>
-          <a:ln w="9525">
+            <a:ln w="9525">
+              <a:solidFill>
+                <a:schemeClr val="bg1"/>
+              </a:solidFill>
+            </a:ln>
+          </p:spPr>
+          <p:style>
+            <a:lnRef idx="2">
+              <a:schemeClr val="accent1">
+                <a:shade val="50000"/>
+              </a:schemeClr>
+            </a:lnRef>
+            <a:fillRef idx="1">
+              <a:schemeClr val="accent1"/>
+            </a:fillRef>
+            <a:effectRef idx="0">
+              <a:schemeClr val="accent1"/>
+            </a:effectRef>
+            <a:fontRef idx="minor">
+              <a:schemeClr val="lt1"/>
+            </a:fontRef>
+          </p:style>
+          <p:txBody>
+            <a:bodyPr rtlCol="0" anchor="ctr"/>
+            <a:lstStyle/>
+            <a:p>
+              <a:pPr algn="ctr"/>
+              <a:endParaRPr lang="en-US"/>
+            </a:p>
+          </p:txBody>
+        </p:sp>
+        <p:sp>
+          <p:nvSpPr>
+            <p:cNvPr id="58" name="Rectangle 57">
+              <a:extLst>
+                <a:ext uri="{FF2B5EF4-FFF2-40B4-BE49-F238E27FC236}">
+                  <a16:creationId xmlns:a16="http://schemas.microsoft.com/office/drawing/2014/main" id="{5E006E4D-0623-40B1-B8A2-E05513A47854}"/>
+                </a:ext>
+              </a:extLst>
+            </p:cNvPr>
+            <p:cNvSpPr/>
+            <p:nvPr/>
+          </p:nvSpPr>
+          <p:spPr>
+            <a:xfrm>
+              <a:off x="3496961" y="4915987"/>
+              <a:ext cx="123132" cy="95788"/>
+            </a:xfrm>
+            <a:prstGeom prst="rect">
+              <a:avLst/>
+            </a:prstGeom>
             <a:solidFill>
               <a:schemeClr val="bg1"/>
             </a:solidFill>
-          </a:ln>
-        </p:spPr>
-        <p:style>
-          <a:lnRef idx="2">
-            <a:schemeClr val="accent1">
-              <a:shade val="50000"/>
-            </a:schemeClr>
-          </a:lnRef>
-          <a:fillRef idx="1">
-            <a:schemeClr val="accent1"/>
-          </a:fillRef>
-          <a:effectRef idx="0">
-            <a:schemeClr val="accent1"/>
-          </a:effectRef>
-          <a:fontRef idx="minor">
-            <a:schemeClr val="lt1"/>
-          </a:fontRef>
-        </p:style>
-        <p:txBody>
-          <a:bodyPr rtlCol="0" anchor="ctr"/>
-          <a:lstStyle/>
-          <a:p>
-            <a:pPr algn="ctr"/>
-            <a:endParaRPr lang="en-US"/>
-          </a:p>
-        </p:txBody>
-      </p:sp>
-      <p:cxnSp>
-        <p:nvCxnSpPr>
-          <p:cNvPr id="92" name="Straight Arrow Connector 91">
-            <a:extLst>
-              <a:ext uri="{FF2B5EF4-FFF2-40B4-BE49-F238E27FC236}">
-                <a16:creationId xmlns:a16="http://schemas.microsoft.com/office/drawing/2014/main" id="{D1103426-A3EB-44E5-B05A-CF3D80637CAA}"/>
-              </a:ext>
-            </a:extLst>
-          </p:cNvPr>
-          <p:cNvCxnSpPr>
-            <a:cxnSpLocks/>
-          </p:cNvCxnSpPr>
-          <p:nvPr/>
-        </p:nvCxnSpPr>
-        <p:spPr>
-          <a:xfrm>
-            <a:off x="3571783" y="3006212"/>
-            <a:ext cx="0" cy="1444001"/>
-          </a:xfrm>
-          <a:prstGeom prst="straightConnector1">
-            <a:avLst/>
-          </a:prstGeom>
-          <a:ln w="9525">
+            <a:ln w="9525">
+              <a:solidFill>
+                <a:schemeClr val="bg1"/>
+              </a:solidFill>
+            </a:ln>
+          </p:spPr>
+          <p:style>
+            <a:lnRef idx="2">
+              <a:schemeClr val="accent1">
+                <a:shade val="50000"/>
+              </a:schemeClr>
+            </a:lnRef>
+            <a:fillRef idx="1">
+              <a:schemeClr val="accent1"/>
+            </a:fillRef>
+            <a:effectRef idx="0">
+              <a:schemeClr val="accent1"/>
+            </a:effectRef>
+            <a:fontRef idx="minor">
+              <a:schemeClr val="lt1"/>
+            </a:fontRef>
+          </p:style>
+          <p:txBody>
+            <a:bodyPr rtlCol="0" anchor="ctr"/>
+            <a:lstStyle/>
+            <a:p>
+              <a:pPr algn="ctr"/>
+              <a:endParaRPr lang="en-US"/>
+            </a:p>
+          </p:txBody>
+        </p:sp>
+        <p:cxnSp>
+          <p:nvCxnSpPr>
+            <p:cNvPr id="92" name="Straight Arrow Connector 91">
+              <a:extLst>
+                <a:ext uri="{FF2B5EF4-FFF2-40B4-BE49-F238E27FC236}">
+                  <a16:creationId xmlns:a16="http://schemas.microsoft.com/office/drawing/2014/main" id="{D1103426-A3EB-44E5-B05A-CF3D80637CAA}"/>
+                </a:ext>
+              </a:extLst>
+            </p:cNvPr>
+            <p:cNvCxnSpPr>
+              <a:cxnSpLocks/>
+            </p:cNvCxnSpPr>
+            <p:nvPr/>
+          </p:nvCxnSpPr>
+          <p:spPr>
+            <a:xfrm>
+              <a:off x="3571783" y="3006212"/>
+              <a:ext cx="0" cy="1444001"/>
+            </a:xfrm>
+            <a:prstGeom prst="straightConnector1">
+              <a:avLst/>
+            </a:prstGeom>
+            <a:ln w="9525">
+              <a:solidFill>
+                <a:schemeClr val="tx1"/>
+              </a:solidFill>
+              <a:tailEnd type="triangle"/>
+            </a:ln>
+          </p:spPr>
+          <p:style>
+            <a:lnRef idx="1">
+              <a:schemeClr val="accent1"/>
+            </a:lnRef>
+            <a:fillRef idx="0">
+              <a:schemeClr val="accent1"/>
+            </a:fillRef>
+            <a:effectRef idx="0">
+              <a:schemeClr val="accent1"/>
+            </a:effectRef>
+            <a:fontRef idx="minor">
+              <a:schemeClr val="tx1"/>
+            </a:fontRef>
+          </p:style>
+        </p:cxnSp>
+        <p:sp>
+          <p:nvSpPr>
+            <p:cNvPr id="5" name="TextBox 4">
+              <a:extLst>
+                <a:ext uri="{FF2B5EF4-FFF2-40B4-BE49-F238E27FC236}">
+                  <a16:creationId xmlns:a16="http://schemas.microsoft.com/office/drawing/2014/main" id="{FB7D1191-B076-4898-9B0F-3270A8A581F9}"/>
+                </a:ext>
+              </a:extLst>
+            </p:cNvPr>
+            <p:cNvSpPr txBox="1"/>
+            <p:nvPr/>
+          </p:nvSpPr>
+          <p:spPr>
+            <a:xfrm>
+              <a:off x="1685355" y="1937987"/>
+              <a:ext cx="3536829" cy="276999"/>
+            </a:xfrm>
+            <a:prstGeom prst="rect">
+              <a:avLst/>
+            </a:prstGeom>
             <a:solidFill>
-              <a:schemeClr val="tx1"/>
+              <a:srgbClr val="21D109"/>
             </a:solidFill>
-            <a:tailEnd type="triangle"/>
-          </a:ln>
-        </p:spPr>
-        <p:style>
-          <a:lnRef idx="1">
-            <a:schemeClr val="accent1"/>
-          </a:lnRef>
-          <a:fillRef idx="0">
-            <a:schemeClr val="accent1"/>
-          </a:fillRef>
-          <a:effectRef idx="0">
-            <a:schemeClr val="accent1"/>
-          </a:effectRef>
-          <a:fontRef idx="minor">
-            <a:schemeClr val="tx1"/>
-          </a:fontRef>
-        </p:style>
-      </p:cxnSp>
-      <p:sp>
-        <p:nvSpPr>
-          <p:cNvPr id="5" name="TextBox 4">
-            <a:extLst>
-              <a:ext uri="{FF2B5EF4-FFF2-40B4-BE49-F238E27FC236}">
-                <a16:creationId xmlns:a16="http://schemas.microsoft.com/office/drawing/2014/main" id="{FB7D1191-B076-4898-9B0F-3270A8A581F9}"/>
-              </a:ext>
-            </a:extLst>
-          </p:cNvPr>
-          <p:cNvSpPr txBox="1"/>
-          <p:nvPr/>
-        </p:nvSpPr>
-        <p:spPr>
-          <a:xfrm>
-            <a:off x="1685355" y="1937987"/>
-            <a:ext cx="3536829" cy="276999"/>
-          </a:xfrm>
-          <a:prstGeom prst="rect">
-            <a:avLst/>
-          </a:prstGeom>
-          <a:solidFill>
-            <a:srgbClr val="21D109"/>
-          </a:solidFill>
-        </p:spPr>
-        <p:txBody>
-          <a:bodyPr wrap="square" rtlCol="0">
-            <a:spAutoFit/>
-          </a:bodyPr>
-          <a:lstStyle/>
-          <a:p>
-            <a:pPr algn="ctr"/>
-            <a:r>
-              <a:rPr lang="en-US" sz="1200" dirty="0"/>
-              <a:t>Cover Crops</a:t>
-            </a:r>
-          </a:p>
-        </p:txBody>
-      </p:sp>
-      <p:sp>
-        <p:nvSpPr>
-          <p:cNvPr id="27" name="TextBox 26">
-            <a:extLst>
-              <a:ext uri="{FF2B5EF4-FFF2-40B4-BE49-F238E27FC236}">
-                <a16:creationId xmlns:a16="http://schemas.microsoft.com/office/drawing/2014/main" id="{A8BF0BC3-B10A-4BC5-9397-D880332680E1}"/>
-              </a:ext>
-            </a:extLst>
-          </p:cNvPr>
-          <p:cNvSpPr txBox="1"/>
-          <p:nvPr/>
-        </p:nvSpPr>
-        <p:spPr>
-          <a:xfrm>
-            <a:off x="1880408" y="2534812"/>
-            <a:ext cx="660241" cy="556775"/>
-          </a:xfrm>
-          <a:prstGeom prst="rect">
-            <a:avLst/>
-          </a:prstGeom>
-          <a:solidFill>
-            <a:srgbClr val="FFC000"/>
-          </a:solidFill>
-          <a:ln w="9525">
+          </p:spPr>
+          <p:txBody>
+            <a:bodyPr wrap="square" rtlCol="0">
+              <a:spAutoFit/>
+            </a:bodyPr>
+            <a:lstStyle/>
+            <a:p>
+              <a:pPr algn="ctr"/>
+              <a:r>
+                <a:rPr lang="en-US" sz="1200" dirty="0"/>
+                <a:t>Cover Crops</a:t>
+              </a:r>
+            </a:p>
+          </p:txBody>
+        </p:sp>
+        <p:sp>
+          <p:nvSpPr>
+            <p:cNvPr id="27" name="TextBox 26">
+              <a:extLst>
+                <a:ext uri="{FF2B5EF4-FFF2-40B4-BE49-F238E27FC236}">
+                  <a16:creationId xmlns:a16="http://schemas.microsoft.com/office/drawing/2014/main" id="{A8BF0BC3-B10A-4BC5-9397-D880332680E1}"/>
+                </a:ext>
+              </a:extLst>
+            </p:cNvPr>
+            <p:cNvSpPr txBox="1"/>
+            <p:nvPr/>
+          </p:nvSpPr>
+          <p:spPr>
+            <a:xfrm>
+              <a:off x="1880408" y="2534812"/>
+              <a:ext cx="660241" cy="556775"/>
+            </a:xfrm>
+            <a:prstGeom prst="rect">
+              <a:avLst/>
+            </a:prstGeom>
             <a:solidFill>
-              <a:schemeClr val="tx1"/>
+              <a:srgbClr val="FFC000"/>
             </a:solidFill>
-          </a:ln>
-        </p:spPr>
-        <p:txBody>
-          <a:bodyPr wrap="square" rtlCol="0">
-            <a:spAutoFit/>
-          </a:bodyPr>
-          <a:lstStyle/>
-          <a:p>
-            <a:pPr algn="ctr"/>
-            <a:r>
-              <a:rPr lang="en-US" sz="1000" dirty="0"/>
-              <a:t>Above-ground biomass</a:t>
-            </a:r>
-          </a:p>
-        </p:txBody>
-      </p:sp>
-      <p:sp>
-        <p:nvSpPr>
-          <p:cNvPr id="64" name="TextBox 63">
-            <a:extLst>
-              <a:ext uri="{FF2B5EF4-FFF2-40B4-BE49-F238E27FC236}">
-                <a16:creationId xmlns:a16="http://schemas.microsoft.com/office/drawing/2014/main" id="{A8FAAB48-F50B-4F05-9A35-72A681704C37}"/>
-              </a:ext>
-            </a:extLst>
-          </p:cNvPr>
-          <p:cNvSpPr txBox="1"/>
-          <p:nvPr/>
-        </p:nvSpPr>
-        <p:spPr>
-          <a:xfrm>
-            <a:off x="2974377" y="6228858"/>
-            <a:ext cx="891434" cy="413010"/>
-          </a:xfrm>
-          <a:prstGeom prst="rect">
-            <a:avLst/>
-          </a:prstGeom>
-          <a:solidFill>
-            <a:srgbClr val="FFC000"/>
-          </a:solidFill>
-          <a:ln w="9525">
+            <a:ln w="9525">
+              <a:solidFill>
+                <a:schemeClr val="tx1"/>
+              </a:solidFill>
+            </a:ln>
+          </p:spPr>
+          <p:txBody>
+            <a:bodyPr wrap="square" rtlCol="0">
+              <a:spAutoFit/>
+            </a:bodyPr>
+            <a:lstStyle/>
+            <a:p>
+              <a:pPr algn="ctr"/>
+              <a:r>
+                <a:rPr lang="en-US" sz="1000" dirty="0"/>
+                <a:t>Above-ground biomass</a:t>
+              </a:r>
+            </a:p>
+          </p:txBody>
+        </p:sp>
+        <p:sp>
+          <p:nvSpPr>
+            <p:cNvPr id="64" name="TextBox 63">
+              <a:extLst>
+                <a:ext uri="{FF2B5EF4-FFF2-40B4-BE49-F238E27FC236}">
+                  <a16:creationId xmlns:a16="http://schemas.microsoft.com/office/drawing/2014/main" id="{A8FAAB48-F50B-4F05-9A35-72A681704C37}"/>
+                </a:ext>
+              </a:extLst>
+            </p:cNvPr>
+            <p:cNvSpPr txBox="1"/>
+            <p:nvPr/>
+          </p:nvSpPr>
+          <p:spPr>
+            <a:xfrm>
+              <a:off x="2974377" y="6228858"/>
+              <a:ext cx="891434" cy="413010"/>
+            </a:xfrm>
+            <a:prstGeom prst="rect">
+              <a:avLst/>
+            </a:prstGeom>
             <a:solidFill>
-              <a:schemeClr val="tx1"/>
+              <a:srgbClr val="FFC000"/>
             </a:solidFill>
-          </a:ln>
-        </p:spPr>
-        <p:txBody>
-          <a:bodyPr wrap="square" rtlCol="0">
-            <a:spAutoFit/>
-          </a:bodyPr>
-          <a:lstStyle/>
-          <a:p>
-            <a:pPr algn="ctr"/>
-            <a:r>
-              <a:rPr lang="en-US" sz="1000" dirty="0"/>
-              <a:t>Pore size distributions</a:t>
-            </a:r>
-          </a:p>
-        </p:txBody>
-      </p:sp>
-      <p:sp>
-        <p:nvSpPr>
-          <p:cNvPr id="51" name="Rectangle 50">
-            <a:extLst>
-              <a:ext uri="{FF2B5EF4-FFF2-40B4-BE49-F238E27FC236}">
-                <a16:creationId xmlns:a16="http://schemas.microsoft.com/office/drawing/2014/main" id="{0E8C0B28-0100-4C8B-826D-37505ABF9D02}"/>
-              </a:ext>
-            </a:extLst>
-          </p:cNvPr>
-          <p:cNvSpPr/>
-          <p:nvPr/>
-        </p:nvSpPr>
-        <p:spPr>
-          <a:xfrm>
-            <a:off x="3366434" y="5600393"/>
-            <a:ext cx="97125" cy="89144"/>
-          </a:xfrm>
-          <a:prstGeom prst="rect">
-            <a:avLst/>
-          </a:prstGeom>
-          <a:solidFill>
-            <a:schemeClr val="bg1"/>
-          </a:solidFill>
-          <a:ln w="9525">
+            <a:ln w="9525">
+              <a:solidFill>
+                <a:schemeClr val="tx1"/>
+              </a:solidFill>
+            </a:ln>
+          </p:spPr>
+          <p:txBody>
+            <a:bodyPr wrap="square" rtlCol="0">
+              <a:spAutoFit/>
+            </a:bodyPr>
+            <a:lstStyle/>
+            <a:p>
+              <a:pPr algn="ctr"/>
+              <a:r>
+                <a:rPr lang="en-US" sz="1000" dirty="0"/>
+                <a:t>Pore size distributions</a:t>
+              </a:r>
+            </a:p>
+          </p:txBody>
+        </p:sp>
+        <p:sp>
+          <p:nvSpPr>
+            <p:cNvPr id="51" name="Rectangle 50">
+              <a:extLst>
+                <a:ext uri="{FF2B5EF4-FFF2-40B4-BE49-F238E27FC236}">
+                  <a16:creationId xmlns:a16="http://schemas.microsoft.com/office/drawing/2014/main" id="{0E8C0B28-0100-4C8B-826D-37505ABF9D02}"/>
+                </a:ext>
+              </a:extLst>
+            </p:cNvPr>
+            <p:cNvSpPr/>
+            <p:nvPr/>
+          </p:nvSpPr>
+          <p:spPr>
+            <a:xfrm>
+              <a:off x="3366434" y="5600393"/>
+              <a:ext cx="97125" cy="89144"/>
+            </a:xfrm>
+            <a:prstGeom prst="rect">
+              <a:avLst/>
+            </a:prstGeom>
             <a:solidFill>
               <a:schemeClr val="bg1"/>
             </a:solidFill>
-          </a:ln>
-        </p:spPr>
-        <p:style>
-          <a:lnRef idx="2">
-            <a:schemeClr val="accent1">
-              <a:shade val="50000"/>
-            </a:schemeClr>
-          </a:lnRef>
-          <a:fillRef idx="1">
-            <a:schemeClr val="accent1"/>
-          </a:fillRef>
-          <a:effectRef idx="0">
-            <a:schemeClr val="accent1"/>
-          </a:effectRef>
-          <a:fontRef idx="minor">
-            <a:schemeClr val="lt1"/>
-          </a:fontRef>
-        </p:style>
-        <p:txBody>
-          <a:bodyPr rtlCol="0" anchor="ctr"/>
-          <a:lstStyle/>
-          <a:p>
-            <a:pPr algn="ctr"/>
-            <a:endParaRPr lang="en-US"/>
-          </a:p>
-        </p:txBody>
-      </p:sp>
-      <p:cxnSp>
-        <p:nvCxnSpPr>
-          <p:cNvPr id="60" name="Straight Arrow Connector 59">
-            <a:extLst>
-              <a:ext uri="{FF2B5EF4-FFF2-40B4-BE49-F238E27FC236}">
-                <a16:creationId xmlns:a16="http://schemas.microsoft.com/office/drawing/2014/main" id="{C41A3BA8-D62A-4F94-A8B1-2B433E085753}"/>
-              </a:ext>
-            </a:extLst>
-          </p:cNvPr>
-          <p:cNvCxnSpPr>
-            <a:cxnSpLocks/>
-          </p:cNvCxnSpPr>
-          <p:nvPr/>
-        </p:nvCxnSpPr>
-        <p:spPr>
-          <a:xfrm>
-            <a:off x="1265869" y="4124397"/>
-            <a:ext cx="546434" cy="0"/>
-          </a:xfrm>
-          <a:prstGeom prst="straightConnector1">
-            <a:avLst/>
-          </a:prstGeom>
-          <a:ln w="9525">
-            <a:solidFill>
-              <a:schemeClr val="tx1"/>
-            </a:solidFill>
-            <a:tailEnd type="triangle"/>
-          </a:ln>
-        </p:spPr>
-        <p:style>
-          <a:lnRef idx="1">
-            <a:schemeClr val="accent1"/>
-          </a:lnRef>
-          <a:fillRef idx="0">
-            <a:schemeClr val="accent1"/>
-          </a:fillRef>
-          <a:effectRef idx="0">
-            <a:schemeClr val="accent1"/>
-          </a:effectRef>
-          <a:fontRef idx="minor">
-            <a:schemeClr val="tx1"/>
-          </a:fontRef>
-        </p:style>
-      </p:cxnSp>
-      <p:cxnSp>
-        <p:nvCxnSpPr>
-          <p:cNvPr id="61" name="Straight Arrow Connector 60">
-            <a:extLst>
-              <a:ext uri="{FF2B5EF4-FFF2-40B4-BE49-F238E27FC236}">
-                <a16:creationId xmlns:a16="http://schemas.microsoft.com/office/drawing/2014/main" id="{DDCE518A-146D-422A-8C35-DB1EF2BBEC07}"/>
-              </a:ext>
-            </a:extLst>
-          </p:cNvPr>
-          <p:cNvCxnSpPr>
-            <a:cxnSpLocks/>
-          </p:cNvCxnSpPr>
-          <p:nvPr/>
-        </p:nvCxnSpPr>
-        <p:spPr>
-          <a:xfrm flipH="1">
-            <a:off x="2724949" y="4148637"/>
-            <a:ext cx="1862879" cy="0"/>
-          </a:xfrm>
-          <a:prstGeom prst="straightConnector1">
-            <a:avLst/>
-          </a:prstGeom>
-          <a:ln w="9525">
-            <a:solidFill>
-              <a:schemeClr val="tx1"/>
-            </a:solidFill>
-            <a:tailEnd type="triangle"/>
-          </a:ln>
-        </p:spPr>
-        <p:style>
-          <a:lnRef idx="1">
-            <a:schemeClr val="accent1"/>
-          </a:lnRef>
-          <a:fillRef idx="0">
-            <a:schemeClr val="accent1"/>
-          </a:fillRef>
-          <a:effectRef idx="0">
-            <a:schemeClr val="accent1"/>
-          </a:effectRef>
-          <a:fontRef idx="minor">
-            <a:schemeClr val="tx1"/>
-          </a:fontRef>
-        </p:style>
-      </p:cxnSp>
-      <p:cxnSp>
-        <p:nvCxnSpPr>
-          <p:cNvPr id="63" name="Straight Connector 62">
-            <a:extLst>
-              <a:ext uri="{FF2B5EF4-FFF2-40B4-BE49-F238E27FC236}">
-                <a16:creationId xmlns:a16="http://schemas.microsoft.com/office/drawing/2014/main" id="{34571847-4C88-42EA-8F10-811CC07CB5AD}"/>
-              </a:ext>
-            </a:extLst>
-          </p:cNvPr>
-          <p:cNvCxnSpPr>
-            <a:cxnSpLocks/>
-          </p:cNvCxnSpPr>
-          <p:nvPr/>
-        </p:nvCxnSpPr>
-        <p:spPr>
-          <a:xfrm flipH="1">
-            <a:off x="2300018" y="4122259"/>
-            <a:ext cx="1" cy="523128"/>
-          </a:xfrm>
-          <a:prstGeom prst="line">
-            <a:avLst/>
-          </a:prstGeom>
-          <a:ln w="9525">
-            <a:solidFill>
-              <a:schemeClr val="tx1"/>
-            </a:solidFill>
-          </a:ln>
-        </p:spPr>
-        <p:style>
-          <a:lnRef idx="1">
-            <a:schemeClr val="accent1"/>
-          </a:lnRef>
-          <a:fillRef idx="0">
-            <a:schemeClr val="accent1"/>
-          </a:fillRef>
-          <a:effectRef idx="0">
-            <a:schemeClr val="accent1"/>
-          </a:effectRef>
-          <a:fontRef idx="minor">
-            <a:schemeClr val="tx1"/>
-          </a:fontRef>
-        </p:style>
-      </p:cxnSp>
-      <p:cxnSp>
-        <p:nvCxnSpPr>
-          <p:cNvPr id="62" name="Straight Arrow Connector 61">
-            <a:extLst>
-              <a:ext uri="{FF2B5EF4-FFF2-40B4-BE49-F238E27FC236}">
-                <a16:creationId xmlns:a16="http://schemas.microsoft.com/office/drawing/2014/main" id="{FCC92C22-E29C-422B-85A8-36C0F3462C91}"/>
-              </a:ext>
-            </a:extLst>
-          </p:cNvPr>
-          <p:cNvCxnSpPr>
-            <a:cxnSpLocks/>
-          </p:cNvCxnSpPr>
-          <p:nvPr/>
-        </p:nvCxnSpPr>
-        <p:spPr>
-          <a:xfrm>
-            <a:off x="2304905" y="4650314"/>
-            <a:ext cx="584564" cy="0"/>
-          </a:xfrm>
-          <a:prstGeom prst="straightConnector1">
-            <a:avLst/>
-          </a:prstGeom>
-          <a:ln w="9525">
-            <a:solidFill>
-              <a:schemeClr val="tx1"/>
-            </a:solidFill>
-            <a:tailEnd type="triangle"/>
-          </a:ln>
-        </p:spPr>
-        <p:style>
-          <a:lnRef idx="1">
-            <a:schemeClr val="accent1"/>
-          </a:lnRef>
-          <a:fillRef idx="0">
-            <a:schemeClr val="accent1"/>
-          </a:fillRef>
-          <a:effectRef idx="0">
-            <a:schemeClr val="accent1"/>
-          </a:effectRef>
-          <a:fontRef idx="minor">
-            <a:schemeClr val="tx1"/>
-          </a:fontRef>
-        </p:style>
-      </p:cxnSp>
-      <p:sp>
-        <p:nvSpPr>
-          <p:cNvPr id="69" name="Rectangle 68">
-            <a:extLst>
-              <a:ext uri="{FF2B5EF4-FFF2-40B4-BE49-F238E27FC236}">
-                <a16:creationId xmlns:a16="http://schemas.microsoft.com/office/drawing/2014/main" id="{9E65AB98-3285-4703-8163-457D65A667E7}"/>
-              </a:ext>
-            </a:extLst>
-          </p:cNvPr>
-          <p:cNvSpPr/>
-          <p:nvPr/>
-        </p:nvSpPr>
-        <p:spPr>
-          <a:xfrm>
-            <a:off x="2118146" y="3239494"/>
-            <a:ext cx="148990" cy="95788"/>
-          </a:xfrm>
-          <a:prstGeom prst="rect">
-            <a:avLst/>
-          </a:prstGeom>
-          <a:solidFill>
-            <a:schemeClr val="bg1"/>
-          </a:solidFill>
-          <a:ln w="9525">
+            <a:ln w="9525">
+              <a:solidFill>
+                <a:schemeClr val="bg1"/>
+              </a:solidFill>
+            </a:ln>
+          </p:spPr>
+          <p:style>
+            <a:lnRef idx="2">
+              <a:schemeClr val="accent1">
+                <a:shade val="50000"/>
+              </a:schemeClr>
+            </a:lnRef>
+            <a:fillRef idx="1">
+              <a:schemeClr val="accent1"/>
+            </a:fillRef>
+            <a:effectRef idx="0">
+              <a:schemeClr val="accent1"/>
+            </a:effectRef>
+            <a:fontRef idx="minor">
+              <a:schemeClr val="lt1"/>
+            </a:fontRef>
+          </p:style>
+          <p:txBody>
+            <a:bodyPr rtlCol="0" anchor="ctr"/>
+            <a:lstStyle/>
+            <a:p>
+              <a:pPr algn="ctr"/>
+              <a:endParaRPr lang="en-US"/>
+            </a:p>
+          </p:txBody>
+        </p:sp>
+        <p:cxnSp>
+          <p:nvCxnSpPr>
+            <p:cNvPr id="60" name="Straight Arrow Connector 59">
+              <a:extLst>
+                <a:ext uri="{FF2B5EF4-FFF2-40B4-BE49-F238E27FC236}">
+                  <a16:creationId xmlns:a16="http://schemas.microsoft.com/office/drawing/2014/main" id="{C41A3BA8-D62A-4F94-A8B1-2B433E085753}"/>
+                </a:ext>
+              </a:extLst>
+            </p:cNvPr>
+            <p:cNvCxnSpPr>
+              <a:cxnSpLocks/>
+            </p:cNvCxnSpPr>
+            <p:nvPr/>
+          </p:nvCxnSpPr>
+          <p:spPr>
+            <a:xfrm>
+              <a:off x="1265869" y="4124397"/>
+              <a:ext cx="546434" cy="0"/>
+            </a:xfrm>
+            <a:prstGeom prst="straightConnector1">
+              <a:avLst/>
+            </a:prstGeom>
+            <a:ln w="9525">
+              <a:solidFill>
+                <a:schemeClr val="tx1"/>
+              </a:solidFill>
+              <a:tailEnd type="triangle"/>
+            </a:ln>
+          </p:spPr>
+          <p:style>
+            <a:lnRef idx="1">
+              <a:schemeClr val="accent1"/>
+            </a:lnRef>
+            <a:fillRef idx="0">
+              <a:schemeClr val="accent1"/>
+            </a:fillRef>
+            <a:effectRef idx="0">
+              <a:schemeClr val="accent1"/>
+            </a:effectRef>
+            <a:fontRef idx="minor">
+              <a:schemeClr val="tx1"/>
+            </a:fontRef>
+          </p:style>
+        </p:cxnSp>
+        <p:cxnSp>
+          <p:nvCxnSpPr>
+            <p:cNvPr id="61" name="Straight Arrow Connector 60">
+              <a:extLst>
+                <a:ext uri="{FF2B5EF4-FFF2-40B4-BE49-F238E27FC236}">
+                  <a16:creationId xmlns:a16="http://schemas.microsoft.com/office/drawing/2014/main" id="{DDCE518A-146D-422A-8C35-DB1EF2BBEC07}"/>
+                </a:ext>
+              </a:extLst>
+            </p:cNvPr>
+            <p:cNvCxnSpPr>
+              <a:cxnSpLocks/>
+            </p:cNvCxnSpPr>
+            <p:nvPr/>
+          </p:nvCxnSpPr>
+          <p:spPr>
+            <a:xfrm flipH="1">
+              <a:off x="2724949" y="4148637"/>
+              <a:ext cx="1862879" cy="0"/>
+            </a:xfrm>
+            <a:prstGeom prst="straightConnector1">
+              <a:avLst/>
+            </a:prstGeom>
+            <a:ln w="9525">
+              <a:solidFill>
+                <a:schemeClr val="tx1"/>
+              </a:solidFill>
+              <a:tailEnd type="triangle"/>
+            </a:ln>
+          </p:spPr>
+          <p:style>
+            <a:lnRef idx="1">
+              <a:schemeClr val="accent1"/>
+            </a:lnRef>
+            <a:fillRef idx="0">
+              <a:schemeClr val="accent1"/>
+            </a:fillRef>
+            <a:effectRef idx="0">
+              <a:schemeClr val="accent1"/>
+            </a:effectRef>
+            <a:fontRef idx="minor">
+              <a:schemeClr val="tx1"/>
+            </a:fontRef>
+          </p:style>
+        </p:cxnSp>
+        <p:cxnSp>
+          <p:nvCxnSpPr>
+            <p:cNvPr id="63" name="Straight Connector 62">
+              <a:extLst>
+                <a:ext uri="{FF2B5EF4-FFF2-40B4-BE49-F238E27FC236}">
+                  <a16:creationId xmlns:a16="http://schemas.microsoft.com/office/drawing/2014/main" id="{34571847-4C88-42EA-8F10-811CC07CB5AD}"/>
+                </a:ext>
+              </a:extLst>
+            </p:cNvPr>
+            <p:cNvCxnSpPr>
+              <a:cxnSpLocks/>
+            </p:cNvCxnSpPr>
+            <p:nvPr/>
+          </p:nvCxnSpPr>
+          <p:spPr>
+            <a:xfrm flipH="1">
+              <a:off x="2300018" y="4122259"/>
+              <a:ext cx="1" cy="523128"/>
+            </a:xfrm>
+            <a:prstGeom prst="line">
+              <a:avLst/>
+            </a:prstGeom>
+            <a:ln w="9525">
+              <a:solidFill>
+                <a:schemeClr val="tx1"/>
+              </a:solidFill>
+            </a:ln>
+          </p:spPr>
+          <p:style>
+            <a:lnRef idx="1">
+              <a:schemeClr val="accent1"/>
+            </a:lnRef>
+            <a:fillRef idx="0">
+              <a:schemeClr val="accent1"/>
+            </a:fillRef>
+            <a:effectRef idx="0">
+              <a:schemeClr val="accent1"/>
+            </a:effectRef>
+            <a:fontRef idx="minor">
+              <a:schemeClr val="tx1"/>
+            </a:fontRef>
+          </p:style>
+        </p:cxnSp>
+        <p:cxnSp>
+          <p:nvCxnSpPr>
+            <p:cNvPr id="62" name="Straight Arrow Connector 61">
+              <a:extLst>
+                <a:ext uri="{FF2B5EF4-FFF2-40B4-BE49-F238E27FC236}">
+                  <a16:creationId xmlns:a16="http://schemas.microsoft.com/office/drawing/2014/main" id="{FCC92C22-E29C-422B-85A8-36C0F3462C91}"/>
+                </a:ext>
+              </a:extLst>
+            </p:cNvPr>
+            <p:cNvCxnSpPr>
+              <a:cxnSpLocks/>
+            </p:cNvCxnSpPr>
+            <p:nvPr/>
+          </p:nvCxnSpPr>
+          <p:spPr>
+            <a:xfrm>
+              <a:off x="2304905" y="4650314"/>
+              <a:ext cx="584564" cy="0"/>
+            </a:xfrm>
+            <a:prstGeom prst="straightConnector1">
+              <a:avLst/>
+            </a:prstGeom>
+            <a:ln w="9525">
+              <a:solidFill>
+                <a:schemeClr val="tx1"/>
+              </a:solidFill>
+              <a:tailEnd type="triangle"/>
+            </a:ln>
+          </p:spPr>
+          <p:style>
+            <a:lnRef idx="1">
+              <a:schemeClr val="accent1"/>
+            </a:lnRef>
+            <a:fillRef idx="0">
+              <a:schemeClr val="accent1"/>
+            </a:fillRef>
+            <a:effectRef idx="0">
+              <a:schemeClr val="accent1"/>
+            </a:effectRef>
+            <a:fontRef idx="minor">
+              <a:schemeClr val="tx1"/>
+            </a:fontRef>
+          </p:style>
+        </p:cxnSp>
+        <p:sp>
+          <p:nvSpPr>
+            <p:cNvPr id="69" name="Rectangle 68">
+              <a:extLst>
+                <a:ext uri="{FF2B5EF4-FFF2-40B4-BE49-F238E27FC236}">
+                  <a16:creationId xmlns:a16="http://schemas.microsoft.com/office/drawing/2014/main" id="{9E65AB98-3285-4703-8163-457D65A667E7}"/>
+                </a:ext>
+              </a:extLst>
+            </p:cNvPr>
+            <p:cNvSpPr/>
+            <p:nvPr/>
+          </p:nvSpPr>
+          <p:spPr>
+            <a:xfrm>
+              <a:off x="2118146" y="3239494"/>
+              <a:ext cx="148990" cy="95788"/>
+            </a:xfrm>
+            <a:prstGeom prst="rect">
+              <a:avLst/>
+            </a:prstGeom>
             <a:solidFill>
               <a:schemeClr val="bg1"/>
             </a:solidFill>
-          </a:ln>
-        </p:spPr>
-        <p:style>
-          <a:lnRef idx="2">
-            <a:schemeClr val="accent1">
-              <a:shade val="50000"/>
-            </a:schemeClr>
-          </a:lnRef>
-          <a:fillRef idx="1">
-            <a:schemeClr val="accent1"/>
-          </a:fillRef>
-          <a:effectRef idx="0">
-            <a:schemeClr val="accent1"/>
-          </a:effectRef>
-          <a:fontRef idx="minor">
-            <a:schemeClr val="lt1"/>
-          </a:fontRef>
-        </p:style>
-        <p:txBody>
-          <a:bodyPr rtlCol="0" anchor="ctr"/>
-          <a:lstStyle/>
-          <a:p>
-            <a:pPr algn="ctr"/>
-            <a:endParaRPr lang="en-US"/>
-          </a:p>
-        </p:txBody>
-      </p:sp>
-      <p:cxnSp>
-        <p:nvCxnSpPr>
-          <p:cNvPr id="68" name="Straight Arrow Connector 67">
-            <a:extLst>
-              <a:ext uri="{FF2B5EF4-FFF2-40B4-BE49-F238E27FC236}">
-                <a16:creationId xmlns:a16="http://schemas.microsoft.com/office/drawing/2014/main" id="{23A32417-966F-4D82-A544-4FD7F83C054D}"/>
-              </a:ext>
-            </a:extLst>
-          </p:cNvPr>
-          <p:cNvCxnSpPr>
-            <a:cxnSpLocks/>
-          </p:cNvCxnSpPr>
-          <p:nvPr/>
-        </p:nvCxnSpPr>
-        <p:spPr>
-          <a:xfrm flipH="1">
-            <a:off x="1621645" y="3294467"/>
-            <a:ext cx="1627448" cy="0"/>
-          </a:xfrm>
-          <a:prstGeom prst="straightConnector1">
-            <a:avLst/>
-          </a:prstGeom>
-          <a:ln w="9525">
-            <a:solidFill>
-              <a:schemeClr val="tx1"/>
-            </a:solidFill>
-            <a:tailEnd type="triangle"/>
-          </a:ln>
-        </p:spPr>
-        <p:style>
-          <a:lnRef idx="1">
-            <a:schemeClr val="accent1"/>
-          </a:lnRef>
-          <a:fillRef idx="0">
-            <a:schemeClr val="accent1"/>
-          </a:fillRef>
-          <a:effectRef idx="0">
-            <a:schemeClr val="accent1"/>
-          </a:effectRef>
-          <a:fontRef idx="minor">
-            <a:schemeClr val="tx1"/>
-          </a:fontRef>
-        </p:style>
-      </p:cxnSp>
-      <p:cxnSp>
-        <p:nvCxnSpPr>
-          <p:cNvPr id="72" name="Straight Connector 71">
-            <a:extLst>
-              <a:ext uri="{FF2B5EF4-FFF2-40B4-BE49-F238E27FC236}">
-                <a16:creationId xmlns:a16="http://schemas.microsoft.com/office/drawing/2014/main" id="{35DFD89D-C34C-4EAB-8B2B-E2F8CECB33E1}"/>
-              </a:ext>
-            </a:extLst>
-          </p:cNvPr>
-          <p:cNvCxnSpPr/>
-          <p:nvPr/>
-        </p:nvCxnSpPr>
-        <p:spPr>
-          <a:xfrm flipH="1">
-            <a:off x="1992296" y="4235974"/>
-            <a:ext cx="1" cy="1435714"/>
-          </a:xfrm>
-          <a:prstGeom prst="line">
-            <a:avLst/>
-          </a:prstGeom>
-          <a:ln w="9525">
-            <a:solidFill>
-              <a:schemeClr val="tx1"/>
-            </a:solidFill>
-          </a:ln>
-        </p:spPr>
-        <p:style>
-          <a:lnRef idx="1">
-            <a:schemeClr val="accent1"/>
-          </a:lnRef>
-          <a:fillRef idx="0">
-            <a:schemeClr val="accent1"/>
-          </a:fillRef>
-          <a:effectRef idx="0">
-            <a:schemeClr val="accent1"/>
-          </a:effectRef>
-          <a:fontRef idx="minor">
-            <a:schemeClr val="tx1"/>
-          </a:fontRef>
-        </p:style>
-      </p:cxnSp>
-      <p:sp>
-        <p:nvSpPr>
-          <p:cNvPr id="73" name="Rectangle 72">
-            <a:extLst>
-              <a:ext uri="{FF2B5EF4-FFF2-40B4-BE49-F238E27FC236}">
-                <a16:creationId xmlns:a16="http://schemas.microsoft.com/office/drawing/2014/main" id="{B555254F-33B7-4C2C-9702-B6B6888BA062}"/>
-              </a:ext>
-            </a:extLst>
-          </p:cNvPr>
-          <p:cNvSpPr/>
-          <p:nvPr/>
-        </p:nvSpPr>
-        <p:spPr>
-          <a:xfrm>
-            <a:off x="3366434" y="5806133"/>
-            <a:ext cx="97125" cy="89144"/>
-          </a:xfrm>
-          <a:prstGeom prst="rect">
-            <a:avLst/>
-          </a:prstGeom>
-          <a:solidFill>
-            <a:schemeClr val="bg1"/>
-          </a:solidFill>
-          <a:ln w="9525">
+            <a:ln w="9525">
+              <a:solidFill>
+                <a:schemeClr val="bg1"/>
+              </a:solidFill>
+            </a:ln>
+          </p:spPr>
+          <p:style>
+            <a:lnRef idx="2">
+              <a:schemeClr val="accent1">
+                <a:shade val="50000"/>
+              </a:schemeClr>
+            </a:lnRef>
+            <a:fillRef idx="1">
+              <a:schemeClr val="accent1"/>
+            </a:fillRef>
+            <a:effectRef idx="0">
+              <a:schemeClr val="accent1"/>
+            </a:effectRef>
+            <a:fontRef idx="minor">
+              <a:schemeClr val="lt1"/>
+            </a:fontRef>
+          </p:style>
+          <p:txBody>
+            <a:bodyPr rtlCol="0" anchor="ctr"/>
+            <a:lstStyle/>
+            <a:p>
+              <a:pPr algn="ctr"/>
+              <a:endParaRPr lang="en-US"/>
+            </a:p>
+          </p:txBody>
+        </p:sp>
+        <p:cxnSp>
+          <p:nvCxnSpPr>
+            <p:cNvPr id="68" name="Straight Arrow Connector 67">
+              <a:extLst>
+                <a:ext uri="{FF2B5EF4-FFF2-40B4-BE49-F238E27FC236}">
+                  <a16:creationId xmlns:a16="http://schemas.microsoft.com/office/drawing/2014/main" id="{23A32417-966F-4D82-A544-4FD7F83C054D}"/>
+                </a:ext>
+              </a:extLst>
+            </p:cNvPr>
+            <p:cNvCxnSpPr>
+              <a:cxnSpLocks/>
+            </p:cNvCxnSpPr>
+            <p:nvPr/>
+          </p:nvCxnSpPr>
+          <p:spPr>
+            <a:xfrm flipH="1">
+              <a:off x="1621645" y="3294467"/>
+              <a:ext cx="1627448" cy="0"/>
+            </a:xfrm>
+            <a:prstGeom prst="straightConnector1">
+              <a:avLst/>
+            </a:prstGeom>
+            <a:ln w="9525">
+              <a:solidFill>
+                <a:schemeClr val="tx1"/>
+              </a:solidFill>
+              <a:tailEnd type="triangle"/>
+            </a:ln>
+          </p:spPr>
+          <p:style>
+            <a:lnRef idx="1">
+              <a:schemeClr val="accent1"/>
+            </a:lnRef>
+            <a:fillRef idx="0">
+              <a:schemeClr val="accent1"/>
+            </a:fillRef>
+            <a:effectRef idx="0">
+              <a:schemeClr val="accent1"/>
+            </a:effectRef>
+            <a:fontRef idx="minor">
+              <a:schemeClr val="tx1"/>
+            </a:fontRef>
+          </p:style>
+        </p:cxnSp>
+        <p:cxnSp>
+          <p:nvCxnSpPr>
+            <p:cNvPr id="72" name="Straight Connector 71">
+              <a:extLst>
+                <a:ext uri="{FF2B5EF4-FFF2-40B4-BE49-F238E27FC236}">
+                  <a16:creationId xmlns:a16="http://schemas.microsoft.com/office/drawing/2014/main" id="{35DFD89D-C34C-4EAB-8B2B-E2F8CECB33E1}"/>
+                </a:ext>
+              </a:extLst>
+            </p:cNvPr>
+            <p:cNvCxnSpPr/>
+            <p:nvPr/>
+          </p:nvCxnSpPr>
+          <p:spPr>
+            <a:xfrm flipH="1">
+              <a:off x="1992296" y="4235974"/>
+              <a:ext cx="1" cy="1435714"/>
+            </a:xfrm>
+            <a:prstGeom prst="line">
+              <a:avLst/>
+            </a:prstGeom>
+            <a:ln w="9525">
+              <a:solidFill>
+                <a:schemeClr val="tx1"/>
+              </a:solidFill>
+            </a:ln>
+          </p:spPr>
+          <p:style>
+            <a:lnRef idx="1">
+              <a:schemeClr val="accent1"/>
+            </a:lnRef>
+            <a:fillRef idx="0">
+              <a:schemeClr val="accent1"/>
+            </a:fillRef>
+            <a:effectRef idx="0">
+              <a:schemeClr val="accent1"/>
+            </a:effectRef>
+            <a:fontRef idx="minor">
+              <a:schemeClr val="tx1"/>
+            </a:fontRef>
+          </p:style>
+        </p:cxnSp>
+        <p:sp>
+          <p:nvSpPr>
+            <p:cNvPr id="73" name="Rectangle 72">
+              <a:extLst>
+                <a:ext uri="{FF2B5EF4-FFF2-40B4-BE49-F238E27FC236}">
+                  <a16:creationId xmlns:a16="http://schemas.microsoft.com/office/drawing/2014/main" id="{B555254F-33B7-4C2C-9702-B6B6888BA062}"/>
+                </a:ext>
+              </a:extLst>
+            </p:cNvPr>
+            <p:cNvSpPr/>
+            <p:nvPr/>
+          </p:nvSpPr>
+          <p:spPr>
+            <a:xfrm>
+              <a:off x="3366434" y="5806133"/>
+              <a:ext cx="97125" cy="89144"/>
+            </a:xfrm>
+            <a:prstGeom prst="rect">
+              <a:avLst/>
+            </a:prstGeom>
             <a:solidFill>
               <a:schemeClr val="bg1"/>
             </a:solidFill>
-          </a:ln>
-        </p:spPr>
-        <p:style>
-          <a:lnRef idx="2">
-            <a:schemeClr val="accent1">
-              <a:shade val="50000"/>
-            </a:schemeClr>
-          </a:lnRef>
-          <a:fillRef idx="1">
-            <a:schemeClr val="accent1"/>
-          </a:fillRef>
-          <a:effectRef idx="0">
-            <a:schemeClr val="accent1"/>
-          </a:effectRef>
-          <a:fontRef idx="minor">
-            <a:schemeClr val="lt1"/>
-          </a:fontRef>
-        </p:style>
-        <p:txBody>
-          <a:bodyPr rtlCol="0" anchor="ctr"/>
-          <a:lstStyle/>
-          <a:p>
-            <a:pPr algn="ctr"/>
-            <a:endParaRPr lang="en-US"/>
-          </a:p>
-        </p:txBody>
-      </p:sp>
-      <p:cxnSp>
-        <p:nvCxnSpPr>
-          <p:cNvPr id="150" name="Straight Arrow Connector 149">
-            <a:extLst>
-              <a:ext uri="{FF2B5EF4-FFF2-40B4-BE49-F238E27FC236}">
-                <a16:creationId xmlns:a16="http://schemas.microsoft.com/office/drawing/2014/main" id="{4CEEC003-E039-462C-8E5B-0071A4FA2F92}"/>
-              </a:ext>
-            </a:extLst>
-          </p:cNvPr>
-          <p:cNvCxnSpPr>
-            <a:cxnSpLocks/>
-          </p:cNvCxnSpPr>
-          <p:nvPr/>
-        </p:nvCxnSpPr>
-        <p:spPr>
-          <a:xfrm flipH="1">
-            <a:off x="3413055" y="5074451"/>
-            <a:ext cx="2283" cy="1136860"/>
-          </a:xfrm>
-          <a:prstGeom prst="straightConnector1">
-            <a:avLst/>
-          </a:prstGeom>
-          <a:ln w="9525">
+            <a:ln w="9525">
+              <a:solidFill>
+                <a:schemeClr val="bg1"/>
+              </a:solidFill>
+            </a:ln>
+          </p:spPr>
+          <p:style>
+            <a:lnRef idx="2">
+              <a:schemeClr val="accent1">
+                <a:shade val="50000"/>
+              </a:schemeClr>
+            </a:lnRef>
+            <a:fillRef idx="1">
+              <a:schemeClr val="accent1"/>
+            </a:fillRef>
+            <a:effectRef idx="0">
+              <a:schemeClr val="accent1"/>
+            </a:effectRef>
+            <a:fontRef idx="minor">
+              <a:schemeClr val="lt1"/>
+            </a:fontRef>
+          </p:style>
+          <p:txBody>
+            <a:bodyPr rtlCol="0" anchor="ctr"/>
+            <a:lstStyle/>
+            <a:p>
+              <a:pPr algn="ctr"/>
+              <a:endParaRPr lang="en-US"/>
+            </a:p>
+          </p:txBody>
+        </p:sp>
+        <p:cxnSp>
+          <p:nvCxnSpPr>
+            <p:cNvPr id="150" name="Straight Arrow Connector 149">
+              <a:extLst>
+                <a:ext uri="{FF2B5EF4-FFF2-40B4-BE49-F238E27FC236}">
+                  <a16:creationId xmlns:a16="http://schemas.microsoft.com/office/drawing/2014/main" id="{4CEEC003-E039-462C-8E5B-0071A4FA2F92}"/>
+                </a:ext>
+              </a:extLst>
+            </p:cNvPr>
+            <p:cNvCxnSpPr>
+              <a:cxnSpLocks/>
+            </p:cNvCxnSpPr>
+            <p:nvPr/>
+          </p:nvCxnSpPr>
+          <p:spPr>
+            <a:xfrm flipH="1">
+              <a:off x="3413055" y="5074451"/>
+              <a:ext cx="2283" cy="1136860"/>
+            </a:xfrm>
+            <a:prstGeom prst="straightConnector1">
+              <a:avLst/>
+            </a:prstGeom>
+            <a:ln w="9525">
+              <a:solidFill>
+                <a:schemeClr val="tx1"/>
+              </a:solidFill>
+              <a:tailEnd type="triangle"/>
+            </a:ln>
+          </p:spPr>
+          <p:style>
+            <a:lnRef idx="1">
+              <a:schemeClr val="accent1"/>
+            </a:lnRef>
+            <a:fillRef idx="0">
+              <a:schemeClr val="accent1"/>
+            </a:fillRef>
+            <a:effectRef idx="0">
+              <a:schemeClr val="accent1"/>
+            </a:effectRef>
+            <a:fontRef idx="minor">
+              <a:schemeClr val="tx1"/>
+            </a:fontRef>
+          </p:style>
+        </p:cxnSp>
+        <p:cxnSp>
+          <p:nvCxnSpPr>
+            <p:cNvPr id="74" name="Straight Arrow Connector 73">
+              <a:extLst>
+                <a:ext uri="{FF2B5EF4-FFF2-40B4-BE49-F238E27FC236}">
+                  <a16:creationId xmlns:a16="http://schemas.microsoft.com/office/drawing/2014/main" id="{936C8AF3-FF38-4559-AE0B-FBAA2F913B1C}"/>
+                </a:ext>
+              </a:extLst>
+            </p:cNvPr>
+            <p:cNvCxnSpPr>
+              <a:cxnSpLocks/>
+            </p:cNvCxnSpPr>
+            <p:nvPr/>
+          </p:nvCxnSpPr>
+          <p:spPr>
+            <a:xfrm flipH="1">
+              <a:off x="4333862" y="5893710"/>
+              <a:ext cx="2283" cy="1250546"/>
+            </a:xfrm>
+            <a:prstGeom prst="straightConnector1">
+              <a:avLst/>
+            </a:prstGeom>
+            <a:ln w="9525">
+              <a:solidFill>
+                <a:schemeClr val="tx1"/>
+              </a:solidFill>
+              <a:tailEnd type="triangle"/>
+            </a:ln>
+          </p:spPr>
+          <p:style>
+            <a:lnRef idx="1">
+              <a:schemeClr val="accent1"/>
+            </a:lnRef>
+            <a:fillRef idx="0">
+              <a:schemeClr val="accent1"/>
+            </a:fillRef>
+            <a:effectRef idx="0">
+              <a:schemeClr val="accent1"/>
+            </a:effectRef>
+            <a:fontRef idx="minor">
+              <a:schemeClr val="tx1"/>
+            </a:fontRef>
+          </p:style>
+        </p:cxnSp>
+        <p:sp>
+          <p:nvSpPr>
+            <p:cNvPr id="86" name="TextBox 85">
+              <a:extLst>
+                <a:ext uri="{FF2B5EF4-FFF2-40B4-BE49-F238E27FC236}">
+                  <a16:creationId xmlns:a16="http://schemas.microsoft.com/office/drawing/2014/main" id="{8FF35A50-2D70-45A5-97C0-09FA7E9396C3}"/>
+                </a:ext>
+              </a:extLst>
+            </p:cNvPr>
+            <p:cNvSpPr txBox="1"/>
+            <p:nvPr/>
+          </p:nvSpPr>
+          <p:spPr>
+            <a:xfrm>
+              <a:off x="4035641" y="5485395"/>
+              <a:ext cx="1614352" cy="553998"/>
+            </a:xfrm>
+            <a:prstGeom prst="rect">
+              <a:avLst/>
+            </a:prstGeom>
             <a:solidFill>
-              <a:schemeClr val="tx1"/>
+              <a:schemeClr val="bg1">
+                <a:lumMod val="85000"/>
+              </a:schemeClr>
             </a:solidFill>
-            <a:tailEnd type="triangle"/>
-          </a:ln>
-        </p:spPr>
-        <p:style>
-          <a:lnRef idx="1">
-            <a:schemeClr val="accent1"/>
-          </a:lnRef>
-          <a:fillRef idx="0">
-            <a:schemeClr val="accent1"/>
-          </a:fillRef>
-          <a:effectRef idx="0">
-            <a:schemeClr val="accent1"/>
-          </a:effectRef>
-          <a:fontRef idx="minor">
-            <a:schemeClr val="tx1"/>
-          </a:fontRef>
-        </p:style>
-      </p:cxnSp>
-      <p:cxnSp>
-        <p:nvCxnSpPr>
-          <p:cNvPr id="74" name="Straight Arrow Connector 73">
-            <a:extLst>
-              <a:ext uri="{FF2B5EF4-FFF2-40B4-BE49-F238E27FC236}">
-                <a16:creationId xmlns:a16="http://schemas.microsoft.com/office/drawing/2014/main" id="{936C8AF3-FF38-4559-AE0B-FBAA2F913B1C}"/>
-              </a:ext>
-            </a:extLst>
-          </p:cNvPr>
-          <p:cNvCxnSpPr>
-            <a:cxnSpLocks/>
-          </p:cNvCxnSpPr>
-          <p:nvPr/>
-        </p:nvCxnSpPr>
-        <p:spPr>
-          <a:xfrm flipH="1">
-            <a:off x="4333862" y="5893710"/>
-            <a:ext cx="2283" cy="1250546"/>
-          </a:xfrm>
-          <a:prstGeom prst="straightConnector1">
-            <a:avLst/>
-          </a:prstGeom>
-          <a:ln w="9525">
+            <a:ln w="9525">
+              <a:solidFill>
+                <a:schemeClr val="tx1"/>
+              </a:solidFill>
+            </a:ln>
+          </p:spPr>
+          <p:txBody>
+            <a:bodyPr wrap="square" rtlCol="0" anchor="ctr">
+              <a:spAutoFit/>
+            </a:bodyPr>
+            <a:lstStyle/>
+            <a:p>
+              <a:pPr algn="ctr"/>
+              <a:endParaRPr lang="en-US" sz="1000" dirty="0"/>
+            </a:p>
+            <a:p>
+              <a:pPr algn="ctr"/>
+              <a:r>
+                <a:rPr lang="en-US" sz="1000" dirty="0"/>
+                <a:t>Soil porosity</a:t>
+              </a:r>
+            </a:p>
+            <a:p>
+              <a:pPr algn="ctr"/>
+              <a:endParaRPr lang="en-US" sz="1000" dirty="0"/>
+            </a:p>
+          </p:txBody>
+        </p:sp>
+        <p:sp>
+          <p:nvSpPr>
+            <p:cNvPr id="77" name="TextBox 76">
+              <a:extLst>
+                <a:ext uri="{FF2B5EF4-FFF2-40B4-BE49-F238E27FC236}">
+                  <a16:creationId xmlns:a16="http://schemas.microsoft.com/office/drawing/2014/main" id="{592AC19D-B477-462D-A16C-DFA019277B56}"/>
+                </a:ext>
+              </a:extLst>
+            </p:cNvPr>
+            <p:cNvSpPr txBox="1"/>
+            <p:nvPr/>
+          </p:nvSpPr>
+          <p:spPr>
+            <a:xfrm>
+              <a:off x="1822597" y="3626775"/>
+              <a:ext cx="879910" cy="707886"/>
+            </a:xfrm>
+            <a:prstGeom prst="rect">
+              <a:avLst/>
+            </a:prstGeom>
             <a:solidFill>
-              <a:schemeClr val="tx1"/>
+              <a:srgbClr val="FFC000"/>
             </a:solidFill>
-            <a:tailEnd type="triangle"/>
-          </a:ln>
-        </p:spPr>
-        <p:style>
-          <a:lnRef idx="1">
-            <a:schemeClr val="accent1"/>
-          </a:lnRef>
-          <a:fillRef idx="0">
-            <a:schemeClr val="accent1"/>
-          </a:fillRef>
-          <a:effectRef idx="0">
-            <a:schemeClr val="accent1"/>
-          </a:effectRef>
-          <a:fontRef idx="minor">
-            <a:schemeClr val="tx1"/>
-          </a:fontRef>
-        </p:style>
-      </p:cxnSp>
-      <p:sp>
-        <p:nvSpPr>
-          <p:cNvPr id="86" name="TextBox 85">
-            <a:extLst>
-              <a:ext uri="{FF2B5EF4-FFF2-40B4-BE49-F238E27FC236}">
-                <a16:creationId xmlns:a16="http://schemas.microsoft.com/office/drawing/2014/main" id="{8FF35A50-2D70-45A5-97C0-09FA7E9396C3}"/>
-              </a:ext>
-            </a:extLst>
-          </p:cNvPr>
-          <p:cNvSpPr txBox="1"/>
-          <p:nvPr/>
-        </p:nvSpPr>
-        <p:spPr>
-          <a:xfrm>
-            <a:off x="4035641" y="5485395"/>
-            <a:ext cx="1614352" cy="553998"/>
-          </a:xfrm>
-          <a:prstGeom prst="rect">
-            <a:avLst/>
-          </a:prstGeom>
-          <a:solidFill>
-            <a:schemeClr val="bg1">
-              <a:lumMod val="85000"/>
-            </a:schemeClr>
-          </a:solidFill>
-          <a:ln w="9525">
+            <a:ln w="9525">
+              <a:solidFill>
+                <a:schemeClr val="tx1"/>
+              </a:solidFill>
+            </a:ln>
+          </p:spPr>
+          <p:txBody>
+            <a:bodyPr wrap="square" rtlCol="0">
+              <a:spAutoFit/>
+            </a:bodyPr>
+            <a:lstStyle/>
+            <a:p>
+              <a:pPr algn="ctr"/>
+              <a:endParaRPr lang="en-US" sz="1000" dirty="0"/>
+            </a:p>
+            <a:p>
+              <a:pPr algn="ctr"/>
+              <a:r>
+                <a:rPr lang="en-US" sz="1000" dirty="0"/>
+                <a:t>Soil Organic Matter</a:t>
+              </a:r>
+            </a:p>
+            <a:p>
+              <a:pPr algn="ctr"/>
+              <a:endParaRPr lang="en-US" sz="1000" dirty="0"/>
+            </a:p>
+          </p:txBody>
+        </p:sp>
+        <p:sp>
+          <p:nvSpPr>
+            <p:cNvPr id="85" name="TextBox 84">
+              <a:extLst>
+                <a:ext uri="{FF2B5EF4-FFF2-40B4-BE49-F238E27FC236}">
+                  <a16:creationId xmlns:a16="http://schemas.microsoft.com/office/drawing/2014/main" id="{CF804AB6-B196-45FB-8F8E-BCF2A0FB4871}"/>
+                </a:ext>
+              </a:extLst>
+            </p:cNvPr>
+            <p:cNvSpPr txBox="1"/>
+            <p:nvPr/>
+          </p:nvSpPr>
+          <p:spPr>
+            <a:xfrm>
+              <a:off x="2881519" y="4459028"/>
+              <a:ext cx="1077151" cy="707886"/>
+            </a:xfrm>
+            <a:prstGeom prst="rect">
+              <a:avLst/>
+            </a:prstGeom>
             <a:solidFill>
-              <a:schemeClr val="tx1"/>
+              <a:schemeClr val="bg1">
+                <a:lumMod val="85000"/>
+              </a:schemeClr>
             </a:solidFill>
-          </a:ln>
-        </p:spPr>
-        <p:txBody>
-          <a:bodyPr wrap="square" rtlCol="0" anchor="ctr">
-            <a:spAutoFit/>
-          </a:bodyPr>
-          <a:lstStyle/>
-          <a:p>
-            <a:pPr algn="ctr"/>
-            <a:endParaRPr lang="en-US" sz="1000" dirty="0"/>
-          </a:p>
-          <a:p>
-            <a:pPr algn="ctr"/>
-            <a:r>
-              <a:rPr lang="en-US" sz="1000" dirty="0"/>
-              <a:t>Soil porosity</a:t>
-            </a:r>
-          </a:p>
-          <a:p>
-            <a:pPr algn="ctr"/>
-            <a:endParaRPr lang="en-US" sz="1000" dirty="0"/>
-          </a:p>
-        </p:txBody>
-      </p:sp>
-      <p:sp>
-        <p:nvSpPr>
-          <p:cNvPr id="77" name="TextBox 76">
-            <a:extLst>
-              <a:ext uri="{FF2B5EF4-FFF2-40B4-BE49-F238E27FC236}">
-                <a16:creationId xmlns:a16="http://schemas.microsoft.com/office/drawing/2014/main" id="{592AC19D-B477-462D-A16C-DFA019277B56}"/>
-              </a:ext>
-            </a:extLst>
-          </p:cNvPr>
-          <p:cNvSpPr txBox="1"/>
-          <p:nvPr/>
-        </p:nvSpPr>
-        <p:spPr>
-          <a:xfrm>
-            <a:off x="1822597" y="3626775"/>
-            <a:ext cx="879910" cy="707886"/>
-          </a:xfrm>
-          <a:prstGeom prst="rect">
-            <a:avLst/>
-          </a:prstGeom>
-          <a:solidFill>
-            <a:srgbClr val="FFC000"/>
-          </a:solidFill>
-          <a:ln w="9525">
-            <a:solidFill>
-              <a:schemeClr val="tx1"/>
-            </a:solidFill>
-          </a:ln>
-        </p:spPr>
-        <p:txBody>
-          <a:bodyPr wrap="square" rtlCol="0">
-            <a:spAutoFit/>
-          </a:bodyPr>
-          <a:lstStyle/>
-          <a:p>
-            <a:pPr algn="ctr"/>
-            <a:endParaRPr lang="en-US" sz="1000" dirty="0"/>
-          </a:p>
-          <a:p>
-            <a:pPr algn="ctr"/>
-            <a:r>
-              <a:rPr lang="en-US" sz="1000" dirty="0"/>
-              <a:t>Soil Organic Matter</a:t>
-            </a:r>
-          </a:p>
-          <a:p>
-            <a:pPr algn="ctr"/>
-            <a:endParaRPr lang="en-US" sz="1000" dirty="0"/>
-          </a:p>
-        </p:txBody>
-      </p:sp>
-      <p:sp>
-        <p:nvSpPr>
-          <p:cNvPr id="85" name="TextBox 84">
-            <a:extLst>
-              <a:ext uri="{FF2B5EF4-FFF2-40B4-BE49-F238E27FC236}">
-                <a16:creationId xmlns:a16="http://schemas.microsoft.com/office/drawing/2014/main" id="{CF804AB6-B196-45FB-8F8E-BCF2A0FB4871}"/>
-              </a:ext>
-            </a:extLst>
-          </p:cNvPr>
-          <p:cNvSpPr txBox="1"/>
-          <p:nvPr/>
-        </p:nvSpPr>
-        <p:spPr>
-          <a:xfrm>
-            <a:off x="2881519" y="4459028"/>
-            <a:ext cx="1077151" cy="707886"/>
-          </a:xfrm>
-          <a:prstGeom prst="rect">
-            <a:avLst/>
-          </a:prstGeom>
-          <a:solidFill>
-            <a:schemeClr val="bg1">
-              <a:lumMod val="85000"/>
-            </a:schemeClr>
-          </a:solidFill>
-          <a:ln w="9525">
-            <a:solidFill>
-              <a:schemeClr val="tx1"/>
-            </a:solidFill>
-          </a:ln>
-        </p:spPr>
-        <p:txBody>
-          <a:bodyPr wrap="square" rtlCol="0">
-            <a:spAutoFit/>
-          </a:bodyPr>
-          <a:lstStyle/>
-          <a:p>
-            <a:pPr algn="ctr"/>
-            <a:endParaRPr lang="en-US" sz="1000" dirty="0"/>
-          </a:p>
-          <a:p>
-            <a:pPr algn="ctr"/>
-            <a:r>
-              <a:rPr lang="en-US" sz="1000" dirty="0"/>
-              <a:t>Soil</a:t>
-            </a:r>
-          </a:p>
-          <a:p>
-            <a:pPr algn="ctr"/>
-            <a:r>
-              <a:rPr lang="en-US" sz="1000" dirty="0"/>
-              <a:t>aggregation</a:t>
-            </a:r>
-          </a:p>
-          <a:p>
-            <a:pPr algn="ctr"/>
-            <a:endParaRPr lang="en-US" sz="1000" dirty="0"/>
-          </a:p>
-        </p:txBody>
-      </p:sp>
-      <p:cxnSp>
-        <p:nvCxnSpPr>
-          <p:cNvPr id="75" name="Straight Connector 74">
-            <a:extLst>
-              <a:ext uri="{FF2B5EF4-FFF2-40B4-BE49-F238E27FC236}">
-                <a16:creationId xmlns:a16="http://schemas.microsoft.com/office/drawing/2014/main" id="{B7848DF7-7C8D-49BB-AB5A-2450D14793BC}"/>
-              </a:ext>
-            </a:extLst>
-          </p:cNvPr>
-          <p:cNvCxnSpPr/>
-          <p:nvPr/>
-        </p:nvCxnSpPr>
-        <p:spPr>
-          <a:xfrm flipH="1">
-            <a:off x="3753605" y="3064096"/>
-            <a:ext cx="1" cy="669772"/>
-          </a:xfrm>
-          <a:prstGeom prst="line">
-            <a:avLst/>
-          </a:prstGeom>
-          <a:ln w="9525">
-            <a:solidFill>
-              <a:schemeClr val="tx1"/>
-            </a:solidFill>
-          </a:ln>
-        </p:spPr>
-        <p:style>
-          <a:lnRef idx="1">
-            <a:schemeClr val="accent1"/>
-          </a:lnRef>
-          <a:fillRef idx="0">
-            <a:schemeClr val="accent1"/>
-          </a:fillRef>
-          <a:effectRef idx="0">
-            <a:schemeClr val="accent1"/>
-          </a:effectRef>
-          <a:fontRef idx="minor">
-            <a:schemeClr val="tx1"/>
-          </a:fontRef>
-        </p:style>
-      </p:cxnSp>
-      <p:cxnSp>
-        <p:nvCxnSpPr>
-          <p:cNvPr id="78" name="Straight Connector 77">
-            <a:extLst>
-              <a:ext uri="{FF2B5EF4-FFF2-40B4-BE49-F238E27FC236}">
-                <a16:creationId xmlns:a16="http://schemas.microsoft.com/office/drawing/2014/main" id="{C07FA20D-D121-45C7-BFDC-7ACD2409C94A}"/>
-              </a:ext>
-            </a:extLst>
-          </p:cNvPr>
-          <p:cNvCxnSpPr>
-            <a:cxnSpLocks/>
-          </p:cNvCxnSpPr>
-          <p:nvPr/>
-        </p:nvCxnSpPr>
-        <p:spPr>
-          <a:xfrm>
-            <a:off x="3753605" y="3735233"/>
-            <a:ext cx="649490" cy="0"/>
-          </a:xfrm>
-          <a:prstGeom prst="line">
-            <a:avLst/>
-          </a:prstGeom>
-          <a:ln w="9525">
-            <a:solidFill>
-              <a:schemeClr val="tx1"/>
-            </a:solidFill>
-          </a:ln>
-        </p:spPr>
-        <p:style>
-          <a:lnRef idx="1">
-            <a:schemeClr val="accent1"/>
-          </a:lnRef>
-          <a:fillRef idx="0">
-            <a:schemeClr val="accent1"/>
-          </a:fillRef>
-          <a:effectRef idx="0">
-            <a:schemeClr val="accent1"/>
-          </a:effectRef>
-          <a:fontRef idx="minor">
-            <a:schemeClr val="tx1"/>
-          </a:fontRef>
-        </p:style>
-      </p:cxnSp>
-      <p:sp>
-        <p:nvSpPr>
-          <p:cNvPr id="79" name="Rectangle 78">
-            <a:extLst>
-              <a:ext uri="{FF2B5EF4-FFF2-40B4-BE49-F238E27FC236}">
-                <a16:creationId xmlns:a16="http://schemas.microsoft.com/office/drawing/2014/main" id="{28D1E545-C0E9-4DAE-9127-D9C8B7AC9F91}"/>
-              </a:ext>
-            </a:extLst>
-          </p:cNvPr>
-          <p:cNvSpPr/>
-          <p:nvPr/>
-        </p:nvSpPr>
-        <p:spPr>
-          <a:xfrm>
-            <a:off x="4315905" y="4105543"/>
-            <a:ext cx="148990" cy="95788"/>
-          </a:xfrm>
-          <a:prstGeom prst="rect">
-            <a:avLst/>
-          </a:prstGeom>
-          <a:solidFill>
-            <a:schemeClr val="bg1"/>
-          </a:solidFill>
-          <a:ln w="9525">
+            <a:ln w="9525">
+              <a:solidFill>
+                <a:schemeClr val="tx1"/>
+              </a:solidFill>
+            </a:ln>
+          </p:spPr>
+          <p:txBody>
+            <a:bodyPr wrap="square" rtlCol="0">
+              <a:spAutoFit/>
+            </a:bodyPr>
+            <a:lstStyle/>
+            <a:p>
+              <a:pPr algn="ctr"/>
+              <a:endParaRPr lang="en-US" sz="1000" dirty="0"/>
+            </a:p>
+            <a:p>
+              <a:pPr algn="ctr"/>
+              <a:r>
+                <a:rPr lang="en-US" sz="1000" dirty="0"/>
+                <a:t>Soil</a:t>
+              </a:r>
+            </a:p>
+            <a:p>
+              <a:pPr algn="ctr"/>
+              <a:r>
+                <a:rPr lang="en-US" sz="1000" dirty="0"/>
+                <a:t>aggregation</a:t>
+              </a:r>
+            </a:p>
+            <a:p>
+              <a:pPr algn="ctr"/>
+              <a:endParaRPr lang="en-US" sz="1000" dirty="0"/>
+            </a:p>
+          </p:txBody>
+        </p:sp>
+        <p:cxnSp>
+          <p:nvCxnSpPr>
+            <p:cNvPr id="75" name="Straight Connector 74">
+              <a:extLst>
+                <a:ext uri="{FF2B5EF4-FFF2-40B4-BE49-F238E27FC236}">
+                  <a16:creationId xmlns:a16="http://schemas.microsoft.com/office/drawing/2014/main" id="{B7848DF7-7C8D-49BB-AB5A-2450D14793BC}"/>
+                </a:ext>
+              </a:extLst>
+            </p:cNvPr>
+            <p:cNvCxnSpPr/>
+            <p:nvPr/>
+          </p:nvCxnSpPr>
+          <p:spPr>
+            <a:xfrm flipH="1">
+              <a:off x="3753605" y="3064096"/>
+              <a:ext cx="1" cy="669772"/>
+            </a:xfrm>
+            <a:prstGeom prst="line">
+              <a:avLst/>
+            </a:prstGeom>
+            <a:ln w="9525">
+              <a:solidFill>
+                <a:schemeClr val="tx1"/>
+              </a:solidFill>
+            </a:ln>
+          </p:spPr>
+          <p:style>
+            <a:lnRef idx="1">
+              <a:schemeClr val="accent1"/>
+            </a:lnRef>
+            <a:fillRef idx="0">
+              <a:schemeClr val="accent1"/>
+            </a:fillRef>
+            <a:effectRef idx="0">
+              <a:schemeClr val="accent1"/>
+            </a:effectRef>
+            <a:fontRef idx="minor">
+              <a:schemeClr val="tx1"/>
+            </a:fontRef>
+          </p:style>
+        </p:cxnSp>
+        <p:cxnSp>
+          <p:nvCxnSpPr>
+            <p:cNvPr id="78" name="Straight Connector 77">
+              <a:extLst>
+                <a:ext uri="{FF2B5EF4-FFF2-40B4-BE49-F238E27FC236}">
+                  <a16:creationId xmlns:a16="http://schemas.microsoft.com/office/drawing/2014/main" id="{C07FA20D-D121-45C7-BFDC-7ACD2409C94A}"/>
+                </a:ext>
+              </a:extLst>
+            </p:cNvPr>
+            <p:cNvCxnSpPr>
+              <a:cxnSpLocks/>
+            </p:cNvCxnSpPr>
+            <p:nvPr/>
+          </p:nvCxnSpPr>
+          <p:spPr>
+            <a:xfrm>
+              <a:off x="3753605" y="3735233"/>
+              <a:ext cx="649490" cy="0"/>
+            </a:xfrm>
+            <a:prstGeom prst="line">
+              <a:avLst/>
+            </a:prstGeom>
+            <a:ln w="9525">
+              <a:solidFill>
+                <a:schemeClr val="tx1"/>
+              </a:solidFill>
+            </a:ln>
+          </p:spPr>
+          <p:style>
+            <a:lnRef idx="1">
+              <a:schemeClr val="accent1"/>
+            </a:lnRef>
+            <a:fillRef idx="0">
+              <a:schemeClr val="accent1"/>
+            </a:fillRef>
+            <a:effectRef idx="0">
+              <a:schemeClr val="accent1"/>
+            </a:effectRef>
+            <a:fontRef idx="minor">
+              <a:schemeClr val="tx1"/>
+            </a:fontRef>
+          </p:style>
+        </p:cxnSp>
+        <p:sp>
+          <p:nvSpPr>
+            <p:cNvPr id="79" name="Rectangle 78">
+              <a:extLst>
+                <a:ext uri="{FF2B5EF4-FFF2-40B4-BE49-F238E27FC236}">
+                  <a16:creationId xmlns:a16="http://schemas.microsoft.com/office/drawing/2014/main" id="{28D1E545-C0E9-4DAE-9127-D9C8B7AC9F91}"/>
+                </a:ext>
+              </a:extLst>
+            </p:cNvPr>
+            <p:cNvSpPr/>
+            <p:nvPr/>
+          </p:nvSpPr>
+          <p:spPr>
+            <a:xfrm>
+              <a:off x="4315905" y="4105543"/>
+              <a:ext cx="148990" cy="95788"/>
+            </a:xfrm>
+            <a:prstGeom prst="rect">
+              <a:avLst/>
+            </a:prstGeom>
             <a:solidFill>
               <a:schemeClr val="bg1"/>
             </a:solidFill>
-          </a:ln>
-        </p:spPr>
-        <p:style>
-          <a:lnRef idx="2">
-            <a:schemeClr val="accent1">
-              <a:shade val="50000"/>
-            </a:schemeClr>
-          </a:lnRef>
-          <a:fillRef idx="1">
-            <a:schemeClr val="accent1"/>
-          </a:fillRef>
-          <a:effectRef idx="0">
-            <a:schemeClr val="accent1"/>
-          </a:effectRef>
-          <a:fontRef idx="minor">
-            <a:schemeClr val="lt1"/>
-          </a:fontRef>
-        </p:style>
-        <p:txBody>
-          <a:bodyPr rtlCol="0" anchor="ctr"/>
-          <a:lstStyle/>
-          <a:p>
-            <a:pPr algn="ctr"/>
-            <a:endParaRPr lang="en-US"/>
-          </a:p>
-        </p:txBody>
-      </p:sp>
-      <p:sp>
-        <p:nvSpPr>
-          <p:cNvPr id="81" name="Rectangle 80">
-            <a:extLst>
-              <a:ext uri="{FF2B5EF4-FFF2-40B4-BE49-F238E27FC236}">
-                <a16:creationId xmlns:a16="http://schemas.microsoft.com/office/drawing/2014/main" id="{53E28701-CF5A-444F-AC0D-C5669982B48B}"/>
-              </a:ext>
-            </a:extLst>
-          </p:cNvPr>
-          <p:cNvSpPr/>
-          <p:nvPr/>
-        </p:nvSpPr>
-        <p:spPr>
-          <a:xfrm>
-            <a:off x="4315905" y="4590917"/>
-            <a:ext cx="148990" cy="95788"/>
-          </a:xfrm>
-          <a:prstGeom prst="rect">
-            <a:avLst/>
-          </a:prstGeom>
-          <a:solidFill>
-            <a:schemeClr val="bg1"/>
-          </a:solidFill>
-          <a:ln w="9525">
+            <a:ln w="9525">
+              <a:solidFill>
+                <a:schemeClr val="bg1"/>
+              </a:solidFill>
+            </a:ln>
+          </p:spPr>
+          <p:style>
+            <a:lnRef idx="2">
+              <a:schemeClr val="accent1">
+                <a:shade val="50000"/>
+              </a:schemeClr>
+            </a:lnRef>
+            <a:fillRef idx="1">
+              <a:schemeClr val="accent1"/>
+            </a:fillRef>
+            <a:effectRef idx="0">
+              <a:schemeClr val="accent1"/>
+            </a:effectRef>
+            <a:fontRef idx="minor">
+              <a:schemeClr val="lt1"/>
+            </a:fontRef>
+          </p:style>
+          <p:txBody>
+            <a:bodyPr rtlCol="0" anchor="ctr"/>
+            <a:lstStyle/>
+            <a:p>
+              <a:pPr algn="ctr"/>
+              <a:endParaRPr lang="en-US"/>
+            </a:p>
+          </p:txBody>
+        </p:sp>
+        <p:sp>
+          <p:nvSpPr>
+            <p:cNvPr id="81" name="Rectangle 80">
+              <a:extLst>
+                <a:ext uri="{FF2B5EF4-FFF2-40B4-BE49-F238E27FC236}">
+                  <a16:creationId xmlns:a16="http://schemas.microsoft.com/office/drawing/2014/main" id="{53E28701-CF5A-444F-AC0D-C5669982B48B}"/>
+                </a:ext>
+              </a:extLst>
+            </p:cNvPr>
+            <p:cNvSpPr/>
+            <p:nvPr/>
+          </p:nvSpPr>
+          <p:spPr>
+            <a:xfrm>
+              <a:off x="4315905" y="4590917"/>
+              <a:ext cx="148990" cy="95788"/>
+            </a:xfrm>
+            <a:prstGeom prst="rect">
+              <a:avLst/>
+            </a:prstGeom>
             <a:solidFill>
               <a:schemeClr val="bg1"/>
             </a:solidFill>
-          </a:ln>
-        </p:spPr>
-        <p:style>
-          <a:lnRef idx="2">
-            <a:schemeClr val="accent1">
-              <a:shade val="50000"/>
-            </a:schemeClr>
-          </a:lnRef>
-          <a:fillRef idx="1">
-            <a:schemeClr val="accent1"/>
-          </a:fillRef>
-          <a:effectRef idx="0">
-            <a:schemeClr val="accent1"/>
-          </a:effectRef>
-          <a:fontRef idx="minor">
-            <a:schemeClr val="lt1"/>
-          </a:fontRef>
-        </p:style>
-        <p:txBody>
-          <a:bodyPr rtlCol="0" anchor="ctr"/>
-          <a:lstStyle/>
-          <a:p>
-            <a:pPr algn="ctr"/>
-            <a:endParaRPr lang="en-US"/>
-          </a:p>
-        </p:txBody>
-      </p:sp>
-      <p:cxnSp>
-        <p:nvCxnSpPr>
-          <p:cNvPr id="76" name="Straight Arrow Connector 75">
-            <a:extLst>
-              <a:ext uri="{FF2B5EF4-FFF2-40B4-BE49-F238E27FC236}">
-                <a16:creationId xmlns:a16="http://schemas.microsoft.com/office/drawing/2014/main" id="{B0D955D5-EEAA-41EC-ADCF-DF8490F5024C}"/>
-              </a:ext>
-            </a:extLst>
-          </p:cNvPr>
-          <p:cNvCxnSpPr>
-            <a:cxnSpLocks/>
-          </p:cNvCxnSpPr>
-          <p:nvPr/>
-        </p:nvCxnSpPr>
-        <p:spPr>
-          <a:xfrm flipH="1">
-            <a:off x="4393430" y="3734318"/>
-            <a:ext cx="2283" cy="1724814"/>
-          </a:xfrm>
-          <a:prstGeom prst="straightConnector1">
-            <a:avLst/>
-          </a:prstGeom>
-          <a:ln w="9525">
+            <a:ln w="9525">
+              <a:solidFill>
+                <a:schemeClr val="bg1"/>
+              </a:solidFill>
+            </a:ln>
+          </p:spPr>
+          <p:style>
+            <a:lnRef idx="2">
+              <a:schemeClr val="accent1">
+                <a:shade val="50000"/>
+              </a:schemeClr>
+            </a:lnRef>
+            <a:fillRef idx="1">
+              <a:schemeClr val="accent1"/>
+            </a:fillRef>
+            <a:effectRef idx="0">
+              <a:schemeClr val="accent1"/>
+            </a:effectRef>
+            <a:fontRef idx="minor">
+              <a:schemeClr val="lt1"/>
+            </a:fontRef>
+          </p:style>
+          <p:txBody>
+            <a:bodyPr rtlCol="0" anchor="ctr"/>
+            <a:lstStyle/>
+            <a:p>
+              <a:pPr algn="ctr"/>
+              <a:endParaRPr lang="en-US"/>
+            </a:p>
+          </p:txBody>
+        </p:sp>
+        <p:cxnSp>
+          <p:nvCxnSpPr>
+            <p:cNvPr id="76" name="Straight Arrow Connector 75">
+              <a:extLst>
+                <a:ext uri="{FF2B5EF4-FFF2-40B4-BE49-F238E27FC236}">
+                  <a16:creationId xmlns:a16="http://schemas.microsoft.com/office/drawing/2014/main" id="{B0D955D5-EEAA-41EC-ADCF-DF8490F5024C}"/>
+                </a:ext>
+              </a:extLst>
+            </p:cNvPr>
+            <p:cNvCxnSpPr>
+              <a:cxnSpLocks/>
+            </p:cNvCxnSpPr>
+            <p:nvPr/>
+          </p:nvCxnSpPr>
+          <p:spPr>
+            <a:xfrm flipH="1">
+              <a:off x="4393430" y="3734318"/>
+              <a:ext cx="2283" cy="1724814"/>
+            </a:xfrm>
+            <a:prstGeom prst="straightConnector1">
+              <a:avLst/>
+            </a:prstGeom>
+            <a:ln w="9525">
+              <a:solidFill>
+                <a:schemeClr val="tx1"/>
+              </a:solidFill>
+              <a:tailEnd type="triangle"/>
+            </a:ln>
+          </p:spPr>
+          <p:style>
+            <a:lnRef idx="1">
+              <a:schemeClr val="accent1"/>
+            </a:lnRef>
+            <a:fillRef idx="0">
+              <a:schemeClr val="accent1"/>
+            </a:fillRef>
+            <a:effectRef idx="0">
+              <a:schemeClr val="accent1"/>
+            </a:effectRef>
+            <a:fontRef idx="minor">
+              <a:schemeClr val="tx1"/>
+            </a:fontRef>
+          </p:style>
+        </p:cxnSp>
+        <p:cxnSp>
+          <p:nvCxnSpPr>
+            <p:cNvPr id="54" name="Straight Arrow Connector 53">
+              <a:extLst>
+                <a:ext uri="{FF2B5EF4-FFF2-40B4-BE49-F238E27FC236}">
+                  <a16:creationId xmlns:a16="http://schemas.microsoft.com/office/drawing/2014/main" id="{A69F1B3E-3EEC-4006-99BB-1523B0E1A613}"/>
+                </a:ext>
+              </a:extLst>
+            </p:cNvPr>
+            <p:cNvCxnSpPr>
+              <a:cxnSpLocks/>
+            </p:cNvCxnSpPr>
+            <p:nvPr/>
+          </p:nvCxnSpPr>
+          <p:spPr>
+            <a:xfrm flipH="1">
+              <a:off x="2723786" y="3813357"/>
+              <a:ext cx="682297" cy="0"/>
+            </a:xfrm>
+            <a:prstGeom prst="straightConnector1">
+              <a:avLst/>
+            </a:prstGeom>
+            <a:ln w="9525">
+              <a:solidFill>
+                <a:schemeClr val="tx1"/>
+              </a:solidFill>
+              <a:tailEnd type="triangle"/>
+            </a:ln>
+          </p:spPr>
+          <p:style>
+            <a:lnRef idx="1">
+              <a:schemeClr val="accent1"/>
+            </a:lnRef>
+            <a:fillRef idx="0">
+              <a:schemeClr val="accent1"/>
+            </a:fillRef>
+            <a:effectRef idx="0">
+              <a:schemeClr val="accent1"/>
+            </a:effectRef>
+            <a:fontRef idx="minor">
+              <a:schemeClr val="tx1"/>
+            </a:fontRef>
+          </p:style>
+        </p:cxnSp>
+        <p:cxnSp>
+          <p:nvCxnSpPr>
+            <p:cNvPr id="65" name="Straight Connector 64">
+              <a:extLst>
+                <a:ext uri="{FF2B5EF4-FFF2-40B4-BE49-F238E27FC236}">
+                  <a16:creationId xmlns:a16="http://schemas.microsoft.com/office/drawing/2014/main" id="{48C7356A-A367-4A6B-A784-D243BD7177B6}"/>
+                </a:ext>
+              </a:extLst>
+            </p:cNvPr>
+            <p:cNvCxnSpPr/>
+            <p:nvPr/>
+          </p:nvCxnSpPr>
+          <p:spPr>
+            <a:xfrm flipH="1">
+              <a:off x="3407483" y="3076465"/>
+              <a:ext cx="1" cy="736749"/>
+            </a:xfrm>
+            <a:prstGeom prst="line">
+              <a:avLst/>
+            </a:prstGeom>
+            <a:ln w="9525">
+              <a:solidFill>
+                <a:schemeClr val="tx1"/>
+              </a:solidFill>
+            </a:ln>
+          </p:spPr>
+          <p:style>
+            <a:lnRef idx="1">
+              <a:schemeClr val="accent1"/>
+            </a:lnRef>
+            <a:fillRef idx="0">
+              <a:schemeClr val="accent1"/>
+            </a:fillRef>
+            <a:effectRef idx="0">
+              <a:schemeClr val="accent1"/>
+            </a:effectRef>
+            <a:fontRef idx="minor">
+              <a:schemeClr val="tx1"/>
+            </a:fontRef>
+          </p:style>
+        </p:cxnSp>
+        <p:sp>
+          <p:nvSpPr>
+            <p:cNvPr id="6" name="TextBox 5">
+              <a:extLst>
+                <a:ext uri="{FF2B5EF4-FFF2-40B4-BE49-F238E27FC236}">
+                  <a16:creationId xmlns:a16="http://schemas.microsoft.com/office/drawing/2014/main" id="{21876E51-290C-4303-A6AD-0D8D552ADC8C}"/>
+                </a:ext>
+              </a:extLst>
+            </p:cNvPr>
+            <p:cNvSpPr txBox="1"/>
+            <p:nvPr/>
+          </p:nvSpPr>
+          <p:spPr>
+            <a:xfrm>
+              <a:off x="3138854" y="2549452"/>
+              <a:ext cx="750407" cy="553998"/>
+            </a:xfrm>
+            <a:prstGeom prst="rect">
+              <a:avLst/>
+            </a:prstGeom>
             <a:solidFill>
-              <a:schemeClr val="tx1"/>
+              <a:schemeClr val="bg1">
+                <a:lumMod val="85000"/>
+              </a:schemeClr>
             </a:solidFill>
-            <a:tailEnd type="triangle"/>
-          </a:ln>
-        </p:spPr>
-        <p:style>
-          <a:lnRef idx="1">
-            <a:schemeClr val="accent1"/>
-          </a:lnRef>
-          <a:fillRef idx="0">
-            <a:schemeClr val="accent1"/>
-          </a:fillRef>
-          <a:effectRef idx="0">
-            <a:schemeClr val="accent1"/>
-          </a:effectRef>
-          <a:fontRef idx="minor">
-            <a:schemeClr val="tx1"/>
-          </a:fontRef>
-        </p:style>
-      </p:cxnSp>
-      <p:cxnSp>
-        <p:nvCxnSpPr>
-          <p:cNvPr id="54" name="Straight Arrow Connector 53">
-            <a:extLst>
-              <a:ext uri="{FF2B5EF4-FFF2-40B4-BE49-F238E27FC236}">
-                <a16:creationId xmlns:a16="http://schemas.microsoft.com/office/drawing/2014/main" id="{A69F1B3E-3EEC-4006-99BB-1523B0E1A613}"/>
-              </a:ext>
-            </a:extLst>
-          </p:cNvPr>
-          <p:cNvCxnSpPr>
-            <a:cxnSpLocks/>
-          </p:cNvCxnSpPr>
-          <p:nvPr/>
-        </p:nvCxnSpPr>
-        <p:spPr>
-          <a:xfrm flipH="1">
-            <a:off x="2723786" y="3813357"/>
-            <a:ext cx="682297" cy="0"/>
-          </a:xfrm>
-          <a:prstGeom prst="straightConnector1">
-            <a:avLst/>
-          </a:prstGeom>
-          <a:ln w="9525">
-            <a:solidFill>
-              <a:schemeClr val="tx1"/>
-            </a:solidFill>
-            <a:tailEnd type="triangle"/>
-          </a:ln>
-        </p:spPr>
-        <p:style>
-          <a:lnRef idx="1">
-            <a:schemeClr val="accent1"/>
-          </a:lnRef>
-          <a:fillRef idx="0">
-            <a:schemeClr val="accent1"/>
-          </a:fillRef>
-          <a:effectRef idx="0">
-            <a:schemeClr val="accent1"/>
-          </a:effectRef>
-          <a:fontRef idx="minor">
-            <a:schemeClr val="tx1"/>
-          </a:fontRef>
-        </p:style>
-      </p:cxnSp>
-      <p:cxnSp>
-        <p:nvCxnSpPr>
-          <p:cNvPr id="65" name="Straight Connector 64">
-            <a:extLst>
-              <a:ext uri="{FF2B5EF4-FFF2-40B4-BE49-F238E27FC236}">
-                <a16:creationId xmlns:a16="http://schemas.microsoft.com/office/drawing/2014/main" id="{48C7356A-A367-4A6B-A784-D243BD7177B6}"/>
-              </a:ext>
-            </a:extLst>
-          </p:cNvPr>
-          <p:cNvCxnSpPr/>
-          <p:nvPr/>
-        </p:nvCxnSpPr>
-        <p:spPr>
-          <a:xfrm flipH="1">
-            <a:off x="3407483" y="3076465"/>
-            <a:ext cx="1" cy="736749"/>
-          </a:xfrm>
-          <a:prstGeom prst="line">
-            <a:avLst/>
-          </a:prstGeom>
-          <a:ln w="9525">
-            <a:solidFill>
-              <a:schemeClr val="tx1"/>
-            </a:solidFill>
-          </a:ln>
-        </p:spPr>
-        <p:style>
-          <a:lnRef idx="1">
-            <a:schemeClr val="accent1"/>
-          </a:lnRef>
-          <a:fillRef idx="0">
-            <a:schemeClr val="accent1"/>
-          </a:fillRef>
-          <a:effectRef idx="0">
-            <a:schemeClr val="accent1"/>
-          </a:effectRef>
-          <a:fontRef idx="minor">
-            <a:schemeClr val="tx1"/>
-          </a:fontRef>
-        </p:style>
-      </p:cxnSp>
-      <p:sp>
-        <p:nvSpPr>
-          <p:cNvPr id="6" name="TextBox 5">
-            <a:extLst>
-              <a:ext uri="{FF2B5EF4-FFF2-40B4-BE49-F238E27FC236}">
-                <a16:creationId xmlns:a16="http://schemas.microsoft.com/office/drawing/2014/main" id="{21876E51-290C-4303-A6AD-0D8D552ADC8C}"/>
-              </a:ext>
-            </a:extLst>
-          </p:cNvPr>
-          <p:cNvSpPr txBox="1"/>
-          <p:nvPr/>
-        </p:nvSpPr>
-        <p:spPr>
-          <a:xfrm>
-            <a:off x="3138854" y="2549452"/>
-            <a:ext cx="750407" cy="553998"/>
-          </a:xfrm>
-          <a:prstGeom prst="rect">
-            <a:avLst/>
-          </a:prstGeom>
-          <a:solidFill>
-            <a:schemeClr val="bg1">
-              <a:lumMod val="85000"/>
-            </a:schemeClr>
-          </a:solidFill>
-          <a:ln w="9525">
-            <a:solidFill>
-              <a:schemeClr val="tx1"/>
-            </a:solidFill>
-          </a:ln>
-        </p:spPr>
-        <p:txBody>
-          <a:bodyPr wrap="square" rtlCol="0">
-            <a:spAutoFit/>
-          </a:bodyPr>
-          <a:lstStyle/>
-          <a:p>
-            <a:pPr algn="ctr"/>
-            <a:r>
-              <a:rPr lang="en-US" sz="1000" dirty="0"/>
-              <a:t>Below-ground biomass</a:t>
-            </a:r>
-          </a:p>
-        </p:txBody>
-      </p:sp>
+            <a:ln w="9525">
+              <a:solidFill>
+                <a:schemeClr val="tx1"/>
+              </a:solidFill>
+            </a:ln>
+          </p:spPr>
+          <p:txBody>
+            <a:bodyPr wrap="square" rtlCol="0">
+              <a:spAutoFit/>
+            </a:bodyPr>
+            <a:lstStyle/>
+            <a:p>
+              <a:pPr algn="ctr"/>
+              <a:r>
+                <a:rPr lang="en-US" sz="1000" dirty="0"/>
+                <a:t>Below-ground biomass</a:t>
+              </a:r>
+            </a:p>
+          </p:txBody>
+        </p:sp>
+      </p:grpSp>
     </p:spTree>
     <p:extLst>
       <p:ext uri="{BB962C8B-B14F-4D97-AF65-F5344CB8AC3E}">

--- a/manu/schematics-v2.pptx
+++ b/manu/schematics-v2.pptx
@@ -11,6 +11,7 @@
     <p:sldId id="263" r:id="rId5"/>
     <p:sldId id="264" r:id="rId6"/>
     <p:sldId id="265" r:id="rId7"/>
+    <p:sldId id="266" r:id="rId8"/>
   </p:sldIdLst>
   <p:sldSz cx="6765925" cy="9144000"/>
   <p:notesSz cx="6858000" cy="9144000"/>
@@ -248,7 +249,7 @@
           <a:p>
             <a:fld id="{C1479234-584E-4873-8CD3-B53B1333C3D5}" type="datetimeFigureOut">
               <a:rPr lang="en-US" smtClean="0"/>
-              <a:t>6/17/2021</a:t>
+              <a:t>9/24/2021</a:t>
             </a:fld>
             <a:endParaRPr lang="en-US"/>
           </a:p>
@@ -418,7 +419,7 @@
           <a:p>
             <a:fld id="{C1479234-584E-4873-8CD3-B53B1333C3D5}" type="datetimeFigureOut">
               <a:rPr lang="en-US" smtClean="0"/>
-              <a:t>6/17/2021</a:t>
+              <a:t>9/24/2021</a:t>
             </a:fld>
             <a:endParaRPr lang="en-US"/>
           </a:p>
@@ -598,7 +599,7 @@
           <a:p>
             <a:fld id="{C1479234-584E-4873-8CD3-B53B1333C3D5}" type="datetimeFigureOut">
               <a:rPr lang="en-US" smtClean="0"/>
-              <a:t>6/17/2021</a:t>
+              <a:t>9/24/2021</a:t>
             </a:fld>
             <a:endParaRPr lang="en-US"/>
           </a:p>
@@ -768,7 +769,7 @@
           <a:p>
             <a:fld id="{C1479234-584E-4873-8CD3-B53B1333C3D5}" type="datetimeFigureOut">
               <a:rPr lang="en-US" smtClean="0"/>
-              <a:t>6/17/2021</a:t>
+              <a:t>9/24/2021</a:t>
             </a:fld>
             <a:endParaRPr lang="en-US"/>
           </a:p>
@@ -1012,7 +1013,7 @@
           <a:p>
             <a:fld id="{C1479234-584E-4873-8CD3-B53B1333C3D5}" type="datetimeFigureOut">
               <a:rPr lang="en-US" smtClean="0"/>
-              <a:t>6/17/2021</a:t>
+              <a:t>9/24/2021</a:t>
             </a:fld>
             <a:endParaRPr lang="en-US"/>
           </a:p>
@@ -1244,7 +1245,7 @@
           <a:p>
             <a:fld id="{C1479234-584E-4873-8CD3-B53B1333C3D5}" type="datetimeFigureOut">
               <a:rPr lang="en-US" smtClean="0"/>
-              <a:t>6/17/2021</a:t>
+              <a:t>9/24/2021</a:t>
             </a:fld>
             <a:endParaRPr lang="en-US"/>
           </a:p>
@@ -1611,7 +1612,7 @@
           <a:p>
             <a:fld id="{C1479234-584E-4873-8CD3-B53B1333C3D5}" type="datetimeFigureOut">
               <a:rPr lang="en-US" smtClean="0"/>
-              <a:t>6/17/2021</a:t>
+              <a:t>9/24/2021</a:t>
             </a:fld>
             <a:endParaRPr lang="en-US"/>
           </a:p>
@@ -1729,7 +1730,7 @@
           <a:p>
             <a:fld id="{C1479234-584E-4873-8CD3-B53B1333C3D5}" type="datetimeFigureOut">
               <a:rPr lang="en-US" smtClean="0"/>
-              <a:t>6/17/2021</a:t>
+              <a:t>9/24/2021</a:t>
             </a:fld>
             <a:endParaRPr lang="en-US"/>
           </a:p>
@@ -1824,7 +1825,7 @@
           <a:p>
             <a:fld id="{C1479234-584E-4873-8CD3-B53B1333C3D5}" type="datetimeFigureOut">
               <a:rPr lang="en-US" smtClean="0"/>
-              <a:t>6/17/2021</a:t>
+              <a:t>9/24/2021</a:t>
             </a:fld>
             <a:endParaRPr lang="en-US"/>
           </a:p>
@@ -2101,7 +2102,7 @@
           <a:p>
             <a:fld id="{C1479234-584E-4873-8CD3-B53B1333C3D5}" type="datetimeFigureOut">
               <a:rPr lang="en-US" smtClean="0"/>
-              <a:t>6/17/2021</a:t>
+              <a:t>9/24/2021</a:t>
             </a:fld>
             <a:endParaRPr lang="en-US"/>
           </a:p>
@@ -2358,7 +2359,7 @@
           <a:p>
             <a:fld id="{C1479234-584E-4873-8CD3-B53B1333C3D5}" type="datetimeFigureOut">
               <a:rPr lang="en-US" smtClean="0"/>
-              <a:t>6/17/2021</a:t>
+              <a:t>9/24/2021</a:t>
             </a:fld>
             <a:endParaRPr lang="en-US"/>
           </a:p>
@@ -2571,7 +2572,7 @@
           <a:p>
             <a:fld id="{C1479234-584E-4873-8CD3-B53B1333C3D5}" type="datetimeFigureOut">
               <a:rPr lang="en-US" smtClean="0"/>
-              <a:t>6/17/2021</a:t>
+              <a:t>9/24/2021</a:t>
             </a:fld>
             <a:endParaRPr lang="en-US"/>
           </a:p>
@@ -17281,6 +17282,2331 @@
 </p:sld>
 </file>
 
+<file path=ppt/slides/slide7.xml><?xml version="1.0" encoding="utf-8"?>
+<p:sld xmlns:a="http://schemas.openxmlformats.org/drawingml/2006/main" xmlns:r="http://schemas.openxmlformats.org/officeDocument/2006/relationships" xmlns:p="http://schemas.openxmlformats.org/presentationml/2006/main">
+  <p:cSld>
+    <p:spTree>
+      <p:nvGrpSpPr>
+        <p:cNvPr id="1" name=""/>
+        <p:cNvGrpSpPr/>
+        <p:nvPr/>
+      </p:nvGrpSpPr>
+      <p:grpSpPr>
+        <a:xfrm>
+          <a:off x="0" y="0"/>
+          <a:ext cx="0" cy="0"/>
+          <a:chOff x="0" y="0"/>
+          <a:chExt cx="0" cy="0"/>
+        </a:xfrm>
+      </p:grpSpPr>
+      <p:sp>
+        <p:nvSpPr>
+          <p:cNvPr id="44" name="TextBox 43">
+            <a:extLst>
+              <a:ext uri="{FF2B5EF4-FFF2-40B4-BE49-F238E27FC236}">
+                <a16:creationId xmlns:a16="http://schemas.microsoft.com/office/drawing/2014/main" id="{414CDE10-F323-4C65-B715-D0A0634E988F}"/>
+              </a:ext>
+            </a:extLst>
+          </p:cNvPr>
+          <p:cNvSpPr txBox="1"/>
+          <p:nvPr/>
+        </p:nvSpPr>
+        <p:spPr>
+          <a:xfrm>
+            <a:off x="501049" y="525877"/>
+            <a:ext cx="5754969" cy="276999"/>
+          </a:xfrm>
+          <a:prstGeom prst="rect">
+            <a:avLst/>
+          </a:prstGeom>
+          <a:noFill/>
+        </p:spPr>
+        <p:txBody>
+          <a:bodyPr wrap="square" rtlCol="0">
+            <a:spAutoFit/>
+          </a:bodyPr>
+          <a:lstStyle/>
+          <a:p>
+            <a:r>
+              <a:rPr lang="en-US" sz="1200" dirty="0"/>
+              <a:t>Exclude soil erosion, easier to look </a:t>
+            </a:r>
+            <a:r>
+              <a:rPr lang="en-US" sz="1200" dirty="0" smtClean="0"/>
+              <a:t>at, no numbers</a:t>
+            </a:r>
+            <a:endParaRPr lang="en-US" sz="1200" dirty="0"/>
+          </a:p>
+        </p:txBody>
+      </p:sp>
+      <p:grpSp>
+        <p:nvGrpSpPr>
+          <p:cNvPr id="3" name="Group 2"/>
+          <p:cNvGrpSpPr/>
+          <p:nvPr/>
+        </p:nvGrpSpPr>
+        <p:grpSpPr>
+          <a:xfrm>
+            <a:off x="1685355" y="1937987"/>
+            <a:ext cx="4120888" cy="5613080"/>
+            <a:chOff x="1685355" y="1937987"/>
+            <a:chExt cx="4120888" cy="5613080"/>
+          </a:xfrm>
+        </p:grpSpPr>
+        <p:cxnSp>
+          <p:nvCxnSpPr>
+            <p:cNvPr id="59" name="Straight Arrow Connector 58">
+              <a:extLst>
+                <a:ext uri="{FF2B5EF4-FFF2-40B4-BE49-F238E27FC236}">
+                  <a16:creationId xmlns:a16="http://schemas.microsoft.com/office/drawing/2014/main" id="{04E70E58-42AC-4675-B455-935EC2D04F90}"/>
+                </a:ext>
+              </a:extLst>
+            </p:cNvPr>
+            <p:cNvCxnSpPr>
+              <a:cxnSpLocks/>
+            </p:cNvCxnSpPr>
+            <p:nvPr/>
+          </p:nvCxnSpPr>
+          <p:spPr>
+            <a:xfrm flipV="1">
+              <a:off x="3663738" y="2829275"/>
+              <a:ext cx="711162" cy="2062"/>
+            </a:xfrm>
+            <a:prstGeom prst="straightConnector1">
+              <a:avLst/>
+            </a:prstGeom>
+            <a:ln w="9525">
+              <a:solidFill>
+                <a:schemeClr val="tx1"/>
+              </a:solidFill>
+              <a:tailEnd type="triangle"/>
+            </a:ln>
+          </p:spPr>
+          <p:style>
+            <a:lnRef idx="1">
+              <a:schemeClr val="accent1"/>
+            </a:lnRef>
+            <a:fillRef idx="0">
+              <a:schemeClr val="accent1"/>
+            </a:fillRef>
+            <a:effectRef idx="0">
+              <a:schemeClr val="accent1"/>
+            </a:effectRef>
+            <a:fontRef idx="minor">
+              <a:schemeClr val="tx1"/>
+            </a:fontRef>
+          </p:style>
+        </p:cxnSp>
+        <p:cxnSp>
+          <p:nvCxnSpPr>
+            <p:cNvPr id="90" name="Straight Arrow Connector 89">
+              <a:extLst>
+                <a:ext uri="{FF2B5EF4-FFF2-40B4-BE49-F238E27FC236}">
+                  <a16:creationId xmlns:a16="http://schemas.microsoft.com/office/drawing/2014/main" id="{BB890F74-A463-4C40-A27B-35FB56527423}"/>
+                </a:ext>
+              </a:extLst>
+            </p:cNvPr>
+            <p:cNvCxnSpPr>
+              <a:cxnSpLocks/>
+            </p:cNvCxnSpPr>
+            <p:nvPr/>
+          </p:nvCxnSpPr>
+          <p:spPr>
+            <a:xfrm>
+              <a:off x="2220295" y="2073594"/>
+              <a:ext cx="1" cy="484673"/>
+            </a:xfrm>
+            <a:prstGeom prst="straightConnector1">
+              <a:avLst/>
+            </a:prstGeom>
+            <a:ln w="57150">
+              <a:solidFill>
+                <a:schemeClr val="tx1"/>
+              </a:solidFill>
+              <a:tailEnd type="triangle"/>
+            </a:ln>
+          </p:spPr>
+          <p:style>
+            <a:lnRef idx="1">
+              <a:schemeClr val="accent1"/>
+            </a:lnRef>
+            <a:fillRef idx="0">
+              <a:schemeClr val="accent1"/>
+            </a:fillRef>
+            <a:effectRef idx="0">
+              <a:schemeClr val="accent1"/>
+            </a:effectRef>
+            <a:fontRef idx="minor">
+              <a:schemeClr val="tx1"/>
+            </a:fontRef>
+          </p:style>
+        </p:cxnSp>
+        <p:cxnSp>
+          <p:nvCxnSpPr>
+            <p:cNvPr id="91" name="Straight Arrow Connector 90">
+              <a:extLst>
+                <a:ext uri="{FF2B5EF4-FFF2-40B4-BE49-F238E27FC236}">
+                  <a16:creationId xmlns:a16="http://schemas.microsoft.com/office/drawing/2014/main" id="{7E40E1B6-6876-41B9-90D2-E708A7BFB424}"/>
+                </a:ext>
+              </a:extLst>
+            </p:cNvPr>
+            <p:cNvCxnSpPr>
+              <a:cxnSpLocks/>
+            </p:cNvCxnSpPr>
+            <p:nvPr/>
+          </p:nvCxnSpPr>
+          <p:spPr>
+            <a:xfrm>
+              <a:off x="3512115" y="2106352"/>
+              <a:ext cx="0" cy="460346"/>
+            </a:xfrm>
+            <a:prstGeom prst="straightConnector1">
+              <a:avLst/>
+            </a:prstGeom>
+            <a:ln w="57150">
+              <a:solidFill>
+                <a:schemeClr val="tx1"/>
+              </a:solidFill>
+              <a:tailEnd type="triangle"/>
+            </a:ln>
+          </p:spPr>
+          <p:style>
+            <a:lnRef idx="1">
+              <a:schemeClr val="accent1"/>
+            </a:lnRef>
+            <a:fillRef idx="0">
+              <a:schemeClr val="accent1"/>
+            </a:fillRef>
+            <a:effectRef idx="0">
+              <a:schemeClr val="accent1"/>
+            </a:effectRef>
+            <a:fontRef idx="minor">
+              <a:schemeClr val="tx1"/>
+            </a:fontRef>
+          </p:style>
+        </p:cxnSp>
+        <p:cxnSp>
+          <p:nvCxnSpPr>
+            <p:cNvPr id="71" name="Straight Arrow Connector 70">
+              <a:extLst>
+                <a:ext uri="{FF2B5EF4-FFF2-40B4-BE49-F238E27FC236}">
+                  <a16:creationId xmlns:a16="http://schemas.microsoft.com/office/drawing/2014/main" id="{DFD09234-A006-4654-8ABC-244EFB2761F0}"/>
+                </a:ext>
+              </a:extLst>
+            </p:cNvPr>
+            <p:cNvCxnSpPr>
+              <a:cxnSpLocks/>
+            </p:cNvCxnSpPr>
+            <p:nvPr/>
+          </p:nvCxnSpPr>
+          <p:spPr>
+            <a:xfrm>
+              <a:off x="4714438" y="2115494"/>
+              <a:ext cx="0" cy="460346"/>
+            </a:xfrm>
+            <a:prstGeom prst="straightConnector1">
+              <a:avLst/>
+            </a:prstGeom>
+            <a:ln w="57150">
+              <a:solidFill>
+                <a:schemeClr val="tx1"/>
+              </a:solidFill>
+              <a:tailEnd type="triangle"/>
+            </a:ln>
+          </p:spPr>
+          <p:style>
+            <a:lnRef idx="1">
+              <a:schemeClr val="accent1"/>
+            </a:lnRef>
+            <a:fillRef idx="0">
+              <a:schemeClr val="accent1"/>
+            </a:fillRef>
+            <a:effectRef idx="0">
+              <a:schemeClr val="accent1"/>
+            </a:effectRef>
+            <a:fontRef idx="minor">
+              <a:schemeClr val="tx1"/>
+            </a:fontRef>
+          </p:style>
+        </p:cxnSp>
+        <p:sp>
+          <p:nvSpPr>
+            <p:cNvPr id="80" name="TextBox 79">
+              <a:extLst>
+                <a:ext uri="{FF2B5EF4-FFF2-40B4-BE49-F238E27FC236}">
+                  <a16:creationId xmlns:a16="http://schemas.microsoft.com/office/drawing/2014/main" id="{72EE2869-981E-46C6-AC7A-802D723EAF97}"/>
+                </a:ext>
+              </a:extLst>
+            </p:cNvPr>
+            <p:cNvSpPr txBox="1"/>
+            <p:nvPr/>
+          </p:nvSpPr>
+          <p:spPr>
+            <a:xfrm>
+              <a:off x="3491332" y="7150957"/>
+              <a:ext cx="1076698" cy="400110"/>
+            </a:xfrm>
+            <a:prstGeom prst="rect">
+              <a:avLst/>
+            </a:prstGeom>
+            <a:solidFill>
+              <a:srgbClr val="FFC000"/>
+            </a:solidFill>
+            <a:ln w="9525">
+              <a:solidFill>
+                <a:schemeClr val="tx1"/>
+              </a:solidFill>
+            </a:ln>
+          </p:spPr>
+          <p:txBody>
+            <a:bodyPr wrap="square" rtlCol="0">
+              <a:spAutoFit/>
+            </a:bodyPr>
+            <a:lstStyle/>
+            <a:p>
+              <a:pPr algn="ctr"/>
+              <a:r>
+                <a:rPr lang="en-US" sz="1000" dirty="0"/>
+                <a:t>Soil water at field capacity</a:t>
+              </a:r>
+            </a:p>
+          </p:txBody>
+        </p:sp>
+        <p:cxnSp>
+          <p:nvCxnSpPr>
+            <p:cNvPr id="11" name="Straight Connector 10">
+              <a:extLst>
+                <a:ext uri="{FF2B5EF4-FFF2-40B4-BE49-F238E27FC236}">
+                  <a16:creationId xmlns:a16="http://schemas.microsoft.com/office/drawing/2014/main" id="{0712DFD0-8832-4922-BFE1-45B491651EC5}"/>
+                </a:ext>
+              </a:extLst>
+            </p:cNvPr>
+            <p:cNvCxnSpPr>
+              <a:cxnSpLocks/>
+            </p:cNvCxnSpPr>
+            <p:nvPr/>
+          </p:nvCxnSpPr>
+          <p:spPr>
+            <a:xfrm>
+              <a:off x="4205338" y="6228125"/>
+              <a:ext cx="0" cy="0"/>
+            </a:xfrm>
+            <a:prstGeom prst="line">
+              <a:avLst/>
+            </a:prstGeom>
+            <a:ln w="9525"/>
+          </p:spPr>
+          <p:style>
+            <a:lnRef idx="1">
+              <a:schemeClr val="accent1"/>
+            </a:lnRef>
+            <a:fillRef idx="0">
+              <a:schemeClr val="accent1"/>
+            </a:fillRef>
+            <a:effectRef idx="0">
+              <a:schemeClr val="accent1"/>
+            </a:effectRef>
+            <a:fontRef idx="minor">
+              <a:schemeClr val="tx1"/>
+            </a:fontRef>
+          </p:style>
+        </p:cxnSp>
+        <p:cxnSp>
+          <p:nvCxnSpPr>
+            <p:cNvPr id="110" name="Straight Arrow Connector 109">
+              <a:extLst>
+                <a:ext uri="{FF2B5EF4-FFF2-40B4-BE49-F238E27FC236}">
+                  <a16:creationId xmlns:a16="http://schemas.microsoft.com/office/drawing/2014/main" id="{6A13596A-C939-4CBE-A6B5-C323C197012A}"/>
+                </a:ext>
+              </a:extLst>
+            </p:cNvPr>
+            <p:cNvCxnSpPr>
+              <a:cxnSpLocks/>
+            </p:cNvCxnSpPr>
+            <p:nvPr/>
+          </p:nvCxnSpPr>
+          <p:spPr>
+            <a:xfrm flipH="1">
+              <a:off x="5369649" y="5703757"/>
+              <a:ext cx="2283" cy="1033509"/>
+            </a:xfrm>
+            <a:prstGeom prst="straightConnector1">
+              <a:avLst/>
+            </a:prstGeom>
+            <a:ln w="9525">
+              <a:solidFill>
+                <a:schemeClr val="tx1"/>
+              </a:solidFill>
+              <a:tailEnd type="triangle"/>
+            </a:ln>
+          </p:spPr>
+          <p:style>
+            <a:lnRef idx="1">
+              <a:schemeClr val="accent1"/>
+            </a:lnRef>
+            <a:fillRef idx="0">
+              <a:schemeClr val="accent1"/>
+            </a:fillRef>
+            <a:effectRef idx="0">
+              <a:schemeClr val="accent1"/>
+            </a:effectRef>
+            <a:fontRef idx="minor">
+              <a:schemeClr val="tx1"/>
+            </a:fontRef>
+          </p:style>
+        </p:cxnSp>
+        <p:cxnSp>
+          <p:nvCxnSpPr>
+            <p:cNvPr id="162" name="Straight Arrow Connector 161">
+              <a:extLst>
+                <a:ext uri="{FF2B5EF4-FFF2-40B4-BE49-F238E27FC236}">
+                  <a16:creationId xmlns:a16="http://schemas.microsoft.com/office/drawing/2014/main" id="{3453C37C-FAEF-496A-9FB5-7A20970CEADF}"/>
+                </a:ext>
+              </a:extLst>
+            </p:cNvPr>
+            <p:cNvCxnSpPr>
+              <a:cxnSpLocks/>
+            </p:cNvCxnSpPr>
+            <p:nvPr/>
+          </p:nvCxnSpPr>
+          <p:spPr>
+            <a:xfrm>
+              <a:off x="4823285" y="2615940"/>
+              <a:ext cx="0" cy="2871764"/>
+            </a:xfrm>
+            <a:prstGeom prst="straightConnector1">
+              <a:avLst/>
+            </a:prstGeom>
+            <a:ln w="9525">
+              <a:solidFill>
+                <a:schemeClr val="tx1"/>
+              </a:solidFill>
+              <a:tailEnd type="triangle"/>
+            </a:ln>
+          </p:spPr>
+          <p:style>
+            <a:lnRef idx="1">
+              <a:schemeClr val="accent1"/>
+            </a:lnRef>
+            <a:fillRef idx="0">
+              <a:schemeClr val="accent1"/>
+            </a:fillRef>
+            <a:effectRef idx="0">
+              <a:schemeClr val="accent1"/>
+            </a:effectRef>
+            <a:fontRef idx="minor">
+              <a:schemeClr val="tx1"/>
+            </a:fontRef>
+          </p:style>
+        </p:cxnSp>
+        <p:cxnSp>
+          <p:nvCxnSpPr>
+            <p:cNvPr id="165" name="Straight Arrow Connector 164">
+              <a:extLst>
+                <a:ext uri="{FF2B5EF4-FFF2-40B4-BE49-F238E27FC236}">
+                  <a16:creationId xmlns:a16="http://schemas.microsoft.com/office/drawing/2014/main" id="{EDE542EA-DBC5-44EA-9B66-C4AA3B7E3459}"/>
+                </a:ext>
+              </a:extLst>
+            </p:cNvPr>
+            <p:cNvCxnSpPr>
+              <a:cxnSpLocks/>
+            </p:cNvCxnSpPr>
+            <p:nvPr/>
+          </p:nvCxnSpPr>
+          <p:spPr>
+            <a:xfrm flipH="1">
+              <a:off x="3970185" y="4650314"/>
+              <a:ext cx="856576" cy="0"/>
+            </a:xfrm>
+            <a:prstGeom prst="straightConnector1">
+              <a:avLst/>
+            </a:prstGeom>
+            <a:ln w="9525">
+              <a:solidFill>
+                <a:schemeClr val="tx1"/>
+              </a:solidFill>
+              <a:tailEnd type="triangle"/>
+            </a:ln>
+          </p:spPr>
+          <p:style>
+            <a:lnRef idx="1">
+              <a:schemeClr val="accent1"/>
+            </a:lnRef>
+            <a:fillRef idx="0">
+              <a:schemeClr val="accent1"/>
+            </a:fillRef>
+            <a:effectRef idx="0">
+              <a:schemeClr val="accent1"/>
+            </a:effectRef>
+            <a:fontRef idx="minor">
+              <a:schemeClr val="tx1"/>
+            </a:fontRef>
+          </p:style>
+        </p:cxnSp>
+        <p:cxnSp>
+          <p:nvCxnSpPr>
+            <p:cNvPr id="166" name="Straight Connector 165">
+              <a:extLst>
+                <a:ext uri="{FF2B5EF4-FFF2-40B4-BE49-F238E27FC236}">
+                  <a16:creationId xmlns:a16="http://schemas.microsoft.com/office/drawing/2014/main" id="{BF35F3B7-BA5F-4740-B113-7D5F0023435C}"/>
+                </a:ext>
+              </a:extLst>
+            </p:cNvPr>
+            <p:cNvCxnSpPr/>
+            <p:nvPr/>
+          </p:nvCxnSpPr>
+          <p:spPr>
+            <a:xfrm flipH="1">
+              <a:off x="4584917" y="2710403"/>
+              <a:ext cx="1" cy="1435714"/>
+            </a:xfrm>
+            <a:prstGeom prst="line">
+              <a:avLst/>
+            </a:prstGeom>
+            <a:ln w="9525">
+              <a:solidFill>
+                <a:schemeClr val="tx1"/>
+              </a:solidFill>
+            </a:ln>
+          </p:spPr>
+          <p:style>
+            <a:lnRef idx="1">
+              <a:schemeClr val="accent1"/>
+            </a:lnRef>
+            <a:fillRef idx="0">
+              <a:schemeClr val="accent1"/>
+            </a:fillRef>
+            <a:effectRef idx="0">
+              <a:schemeClr val="accent1"/>
+            </a:effectRef>
+            <a:fontRef idx="minor">
+              <a:schemeClr val="tx1"/>
+            </a:fontRef>
+          </p:style>
+        </p:cxnSp>
+        <p:cxnSp>
+          <p:nvCxnSpPr>
+            <p:cNvPr id="171" name="Straight Arrow Connector 170">
+              <a:extLst>
+                <a:ext uri="{FF2B5EF4-FFF2-40B4-BE49-F238E27FC236}">
+                  <a16:creationId xmlns:a16="http://schemas.microsoft.com/office/drawing/2014/main" id="{663EA009-7A37-4BE8-9A68-3DB9D98D41CC}"/>
+                </a:ext>
+              </a:extLst>
+            </p:cNvPr>
+            <p:cNvCxnSpPr>
+              <a:cxnSpLocks/>
+            </p:cNvCxnSpPr>
+            <p:nvPr/>
+          </p:nvCxnSpPr>
+          <p:spPr>
+            <a:xfrm flipH="1">
+              <a:off x="3809732" y="6659151"/>
+              <a:ext cx="2283" cy="482143"/>
+            </a:xfrm>
+            <a:prstGeom prst="straightConnector1">
+              <a:avLst/>
+            </a:prstGeom>
+            <a:ln w="9525">
+              <a:solidFill>
+                <a:schemeClr val="tx1"/>
+              </a:solidFill>
+              <a:tailEnd type="triangle"/>
+            </a:ln>
+          </p:spPr>
+          <p:style>
+            <a:lnRef idx="1">
+              <a:schemeClr val="accent1"/>
+            </a:lnRef>
+            <a:fillRef idx="0">
+              <a:schemeClr val="accent1"/>
+            </a:fillRef>
+            <a:effectRef idx="0">
+              <a:schemeClr val="accent1"/>
+            </a:effectRef>
+            <a:fontRef idx="minor">
+              <a:schemeClr val="tx1"/>
+            </a:fontRef>
+          </p:style>
+        </p:cxnSp>
+        <p:sp>
+          <p:nvSpPr>
+            <p:cNvPr id="16" name="TextBox 15">
+              <a:extLst>
+                <a:ext uri="{FF2B5EF4-FFF2-40B4-BE49-F238E27FC236}">
+                  <a16:creationId xmlns:a16="http://schemas.microsoft.com/office/drawing/2014/main" id="{6EFC2D2F-82ED-4332-86E1-5D3DCB71E395}"/>
+                </a:ext>
+              </a:extLst>
+            </p:cNvPr>
+            <p:cNvSpPr txBox="1"/>
+            <p:nvPr/>
+          </p:nvSpPr>
+          <p:spPr>
+            <a:xfrm>
+              <a:off x="4386027" y="2570322"/>
+              <a:ext cx="655608" cy="400110"/>
+            </a:xfrm>
+            <a:prstGeom prst="rect">
+              <a:avLst/>
+            </a:prstGeom>
+            <a:solidFill>
+              <a:schemeClr val="accent2"/>
+            </a:solidFill>
+            <a:ln w="9525">
+              <a:solidFill>
+                <a:schemeClr val="tx1"/>
+              </a:solidFill>
+            </a:ln>
+          </p:spPr>
+          <p:txBody>
+            <a:bodyPr wrap="square" rtlCol="0">
+              <a:spAutoFit/>
+            </a:bodyPr>
+            <a:lstStyle/>
+            <a:p>
+              <a:pPr algn="ctr"/>
+              <a:r>
+                <a:rPr lang="en-US" sz="1000" dirty="0"/>
+                <a:t>Soil Biology</a:t>
+              </a:r>
+            </a:p>
+          </p:txBody>
+        </p:sp>
+        <p:sp>
+          <p:nvSpPr>
+            <p:cNvPr id="96" name="TextBox 95">
+              <a:extLst>
+                <a:ext uri="{FF2B5EF4-FFF2-40B4-BE49-F238E27FC236}">
+                  <a16:creationId xmlns:a16="http://schemas.microsoft.com/office/drawing/2014/main" id="{072EE3DC-7571-43F1-B7BC-E9FB70EDEBA6}"/>
+                </a:ext>
+              </a:extLst>
+            </p:cNvPr>
+            <p:cNvSpPr txBox="1"/>
+            <p:nvPr/>
+          </p:nvSpPr>
+          <p:spPr>
+            <a:xfrm>
+              <a:off x="4933055" y="6737266"/>
+              <a:ext cx="873188" cy="400110"/>
+            </a:xfrm>
+            <a:prstGeom prst="rect">
+              <a:avLst/>
+            </a:prstGeom>
+            <a:solidFill>
+              <a:srgbClr val="FFC000"/>
+            </a:solidFill>
+            <a:ln w="9525">
+              <a:solidFill>
+                <a:schemeClr val="tx1"/>
+              </a:solidFill>
+            </a:ln>
+          </p:spPr>
+          <p:txBody>
+            <a:bodyPr wrap="square" rtlCol="0">
+              <a:spAutoFit/>
+            </a:bodyPr>
+            <a:lstStyle/>
+            <a:p>
+              <a:pPr algn="ctr"/>
+              <a:r>
+                <a:rPr lang="en-US" sz="1000" dirty="0"/>
+                <a:t>Soil water at saturation</a:t>
+              </a:r>
+            </a:p>
+          </p:txBody>
+        </p:sp>
+        <p:cxnSp>
+          <p:nvCxnSpPr>
+            <p:cNvPr id="156" name="Straight Arrow Connector 155">
+              <a:extLst>
+                <a:ext uri="{FF2B5EF4-FFF2-40B4-BE49-F238E27FC236}">
+                  <a16:creationId xmlns:a16="http://schemas.microsoft.com/office/drawing/2014/main" id="{F2F5C4B5-3009-4604-B153-A758FB3D3B9F}"/>
+                </a:ext>
+              </a:extLst>
+            </p:cNvPr>
+            <p:cNvCxnSpPr>
+              <a:cxnSpLocks/>
+            </p:cNvCxnSpPr>
+            <p:nvPr/>
+          </p:nvCxnSpPr>
+          <p:spPr>
+            <a:xfrm>
+              <a:off x="2214061" y="2589238"/>
+              <a:ext cx="1" cy="1019728"/>
+            </a:xfrm>
+            <a:prstGeom prst="straightConnector1">
+              <a:avLst/>
+            </a:prstGeom>
+            <a:ln w="9525">
+              <a:solidFill>
+                <a:schemeClr val="tx1"/>
+              </a:solidFill>
+              <a:tailEnd type="triangle"/>
+            </a:ln>
+          </p:spPr>
+          <p:style>
+            <a:lnRef idx="1">
+              <a:schemeClr val="accent1"/>
+            </a:lnRef>
+            <a:fillRef idx="0">
+              <a:schemeClr val="accent1"/>
+            </a:fillRef>
+            <a:effectRef idx="0">
+              <a:schemeClr val="accent1"/>
+            </a:effectRef>
+            <a:fontRef idx="minor">
+              <a:schemeClr val="tx1"/>
+            </a:fontRef>
+          </p:style>
+        </p:cxnSp>
+        <p:sp>
+          <p:nvSpPr>
+            <p:cNvPr id="56" name="Rectangle 55">
+              <a:extLst>
+                <a:ext uri="{FF2B5EF4-FFF2-40B4-BE49-F238E27FC236}">
+                  <a16:creationId xmlns:a16="http://schemas.microsoft.com/office/drawing/2014/main" id="{36661A51-A0F5-4A10-BC66-CD93694E17DC}"/>
+                </a:ext>
+              </a:extLst>
+            </p:cNvPr>
+            <p:cNvSpPr/>
+            <p:nvPr/>
+          </p:nvSpPr>
+          <p:spPr>
+            <a:xfrm>
+              <a:off x="2792255" y="6054421"/>
+              <a:ext cx="123132" cy="95788"/>
+            </a:xfrm>
+            <a:prstGeom prst="rect">
+              <a:avLst/>
+            </a:prstGeom>
+            <a:solidFill>
+              <a:schemeClr val="bg1"/>
+            </a:solidFill>
+            <a:ln w="9525">
+              <a:solidFill>
+                <a:schemeClr val="bg1"/>
+              </a:solidFill>
+            </a:ln>
+          </p:spPr>
+          <p:style>
+            <a:lnRef idx="2">
+              <a:schemeClr val="accent1">
+                <a:shade val="50000"/>
+              </a:schemeClr>
+            </a:lnRef>
+            <a:fillRef idx="1">
+              <a:schemeClr val="accent1"/>
+            </a:fillRef>
+            <a:effectRef idx="0">
+              <a:schemeClr val="accent1"/>
+            </a:effectRef>
+            <a:fontRef idx="minor">
+              <a:schemeClr val="lt1"/>
+            </a:fontRef>
+          </p:style>
+          <p:txBody>
+            <a:bodyPr rtlCol="0" anchor="ctr"/>
+            <a:lstStyle/>
+            <a:p>
+              <a:pPr algn="ctr"/>
+              <a:endParaRPr lang="en-US"/>
+            </a:p>
+          </p:txBody>
+        </p:sp>
+        <p:sp>
+          <p:nvSpPr>
+            <p:cNvPr id="58" name="Rectangle 57">
+              <a:extLst>
+                <a:ext uri="{FF2B5EF4-FFF2-40B4-BE49-F238E27FC236}">
+                  <a16:creationId xmlns:a16="http://schemas.microsoft.com/office/drawing/2014/main" id="{5E006E4D-0623-40B1-B8A2-E05513A47854}"/>
+                </a:ext>
+              </a:extLst>
+            </p:cNvPr>
+            <p:cNvSpPr/>
+            <p:nvPr/>
+          </p:nvSpPr>
+          <p:spPr>
+            <a:xfrm>
+              <a:off x="3496961" y="4915987"/>
+              <a:ext cx="123132" cy="95788"/>
+            </a:xfrm>
+            <a:prstGeom prst="rect">
+              <a:avLst/>
+            </a:prstGeom>
+            <a:solidFill>
+              <a:schemeClr val="bg1"/>
+            </a:solidFill>
+            <a:ln w="9525">
+              <a:solidFill>
+                <a:schemeClr val="bg1"/>
+              </a:solidFill>
+            </a:ln>
+          </p:spPr>
+          <p:style>
+            <a:lnRef idx="2">
+              <a:schemeClr val="accent1">
+                <a:shade val="50000"/>
+              </a:schemeClr>
+            </a:lnRef>
+            <a:fillRef idx="1">
+              <a:schemeClr val="accent1"/>
+            </a:fillRef>
+            <a:effectRef idx="0">
+              <a:schemeClr val="accent1"/>
+            </a:effectRef>
+            <a:fontRef idx="minor">
+              <a:schemeClr val="lt1"/>
+            </a:fontRef>
+          </p:style>
+          <p:txBody>
+            <a:bodyPr rtlCol="0" anchor="ctr"/>
+            <a:lstStyle/>
+            <a:p>
+              <a:pPr algn="ctr"/>
+              <a:endParaRPr lang="en-US"/>
+            </a:p>
+          </p:txBody>
+        </p:sp>
+        <p:cxnSp>
+          <p:nvCxnSpPr>
+            <p:cNvPr id="92" name="Straight Arrow Connector 91">
+              <a:extLst>
+                <a:ext uri="{FF2B5EF4-FFF2-40B4-BE49-F238E27FC236}">
+                  <a16:creationId xmlns:a16="http://schemas.microsoft.com/office/drawing/2014/main" id="{D1103426-A3EB-44E5-B05A-CF3D80637CAA}"/>
+                </a:ext>
+              </a:extLst>
+            </p:cNvPr>
+            <p:cNvCxnSpPr>
+              <a:cxnSpLocks/>
+            </p:cNvCxnSpPr>
+            <p:nvPr/>
+          </p:nvCxnSpPr>
+          <p:spPr>
+            <a:xfrm>
+              <a:off x="3534712" y="3006212"/>
+              <a:ext cx="0" cy="1444001"/>
+            </a:xfrm>
+            <a:prstGeom prst="straightConnector1">
+              <a:avLst/>
+            </a:prstGeom>
+            <a:ln w="9525">
+              <a:solidFill>
+                <a:schemeClr val="tx1"/>
+              </a:solidFill>
+              <a:tailEnd type="triangle"/>
+            </a:ln>
+          </p:spPr>
+          <p:style>
+            <a:lnRef idx="1">
+              <a:schemeClr val="accent1"/>
+            </a:lnRef>
+            <a:fillRef idx="0">
+              <a:schemeClr val="accent1"/>
+            </a:fillRef>
+            <a:effectRef idx="0">
+              <a:schemeClr val="accent1"/>
+            </a:effectRef>
+            <a:fontRef idx="minor">
+              <a:schemeClr val="tx1"/>
+            </a:fontRef>
+          </p:style>
+        </p:cxnSp>
+        <p:sp>
+          <p:nvSpPr>
+            <p:cNvPr id="5" name="TextBox 4">
+              <a:extLst>
+                <a:ext uri="{FF2B5EF4-FFF2-40B4-BE49-F238E27FC236}">
+                  <a16:creationId xmlns:a16="http://schemas.microsoft.com/office/drawing/2014/main" id="{FB7D1191-B076-4898-9B0F-3270A8A581F9}"/>
+                </a:ext>
+              </a:extLst>
+            </p:cNvPr>
+            <p:cNvSpPr txBox="1"/>
+            <p:nvPr/>
+          </p:nvSpPr>
+          <p:spPr>
+            <a:xfrm>
+              <a:off x="1685355" y="1937987"/>
+              <a:ext cx="3536829" cy="276999"/>
+            </a:xfrm>
+            <a:prstGeom prst="rect">
+              <a:avLst/>
+            </a:prstGeom>
+            <a:solidFill>
+              <a:srgbClr val="B3BC20"/>
+            </a:solidFill>
+            <a:ln>
+              <a:solidFill>
+                <a:schemeClr val="tx1"/>
+              </a:solidFill>
+            </a:ln>
+          </p:spPr>
+          <p:txBody>
+            <a:bodyPr wrap="square" rtlCol="0">
+              <a:spAutoFit/>
+            </a:bodyPr>
+            <a:lstStyle/>
+            <a:p>
+              <a:pPr algn="ctr"/>
+              <a:r>
+                <a:rPr lang="en-US" sz="1200" dirty="0"/>
+                <a:t>Cover </a:t>
+              </a:r>
+              <a:r>
+                <a:rPr lang="en-US" sz="1200" dirty="0" smtClean="0"/>
+                <a:t>Crop</a:t>
+              </a:r>
+              <a:endParaRPr lang="en-US" sz="1200" dirty="0"/>
+            </a:p>
+          </p:txBody>
+        </p:sp>
+        <p:sp>
+          <p:nvSpPr>
+            <p:cNvPr id="27" name="TextBox 26">
+              <a:extLst>
+                <a:ext uri="{FF2B5EF4-FFF2-40B4-BE49-F238E27FC236}">
+                  <a16:creationId xmlns:a16="http://schemas.microsoft.com/office/drawing/2014/main" id="{A8BF0BC3-B10A-4BC5-9397-D880332680E1}"/>
+                </a:ext>
+              </a:extLst>
+            </p:cNvPr>
+            <p:cNvSpPr txBox="1"/>
+            <p:nvPr/>
+          </p:nvSpPr>
+          <p:spPr>
+            <a:xfrm>
+              <a:off x="1880408" y="2534812"/>
+              <a:ext cx="660241" cy="556775"/>
+            </a:xfrm>
+            <a:prstGeom prst="rect">
+              <a:avLst/>
+            </a:prstGeom>
+            <a:solidFill>
+              <a:schemeClr val="accent2"/>
+            </a:solidFill>
+            <a:ln w="9525">
+              <a:solidFill>
+                <a:schemeClr val="tx1"/>
+              </a:solidFill>
+            </a:ln>
+          </p:spPr>
+          <p:txBody>
+            <a:bodyPr wrap="square" rtlCol="0">
+              <a:spAutoFit/>
+            </a:bodyPr>
+            <a:lstStyle/>
+            <a:p>
+              <a:pPr algn="ctr"/>
+              <a:r>
+                <a:rPr lang="en-US" sz="1000" dirty="0"/>
+                <a:t>Above-ground biomass</a:t>
+              </a:r>
+            </a:p>
+          </p:txBody>
+        </p:sp>
+        <p:sp>
+          <p:nvSpPr>
+            <p:cNvPr id="64" name="TextBox 63">
+              <a:extLst>
+                <a:ext uri="{FF2B5EF4-FFF2-40B4-BE49-F238E27FC236}">
+                  <a16:creationId xmlns:a16="http://schemas.microsoft.com/office/drawing/2014/main" id="{A8FAAB48-F50B-4F05-9A35-72A681704C37}"/>
+                </a:ext>
+              </a:extLst>
+            </p:cNvPr>
+            <p:cNvSpPr txBox="1"/>
+            <p:nvPr/>
+          </p:nvSpPr>
+          <p:spPr>
+            <a:xfrm>
+              <a:off x="2974377" y="6228858"/>
+              <a:ext cx="891434" cy="413010"/>
+            </a:xfrm>
+            <a:prstGeom prst="rect">
+              <a:avLst/>
+            </a:prstGeom>
+            <a:solidFill>
+              <a:srgbClr val="FFC000"/>
+            </a:solidFill>
+            <a:ln w="9525">
+              <a:solidFill>
+                <a:schemeClr val="tx1"/>
+              </a:solidFill>
+            </a:ln>
+          </p:spPr>
+          <p:txBody>
+            <a:bodyPr wrap="square" rtlCol="0">
+              <a:spAutoFit/>
+            </a:bodyPr>
+            <a:lstStyle/>
+            <a:p>
+              <a:pPr algn="ctr"/>
+              <a:r>
+                <a:rPr lang="en-US" sz="1000" dirty="0"/>
+                <a:t>Pore size distributions</a:t>
+              </a:r>
+            </a:p>
+          </p:txBody>
+        </p:sp>
+        <p:sp>
+          <p:nvSpPr>
+            <p:cNvPr id="51" name="Rectangle 50">
+              <a:extLst>
+                <a:ext uri="{FF2B5EF4-FFF2-40B4-BE49-F238E27FC236}">
+                  <a16:creationId xmlns:a16="http://schemas.microsoft.com/office/drawing/2014/main" id="{0E8C0B28-0100-4C8B-826D-37505ABF9D02}"/>
+                </a:ext>
+              </a:extLst>
+            </p:cNvPr>
+            <p:cNvSpPr/>
+            <p:nvPr/>
+          </p:nvSpPr>
+          <p:spPr>
+            <a:xfrm>
+              <a:off x="3366434" y="5600393"/>
+              <a:ext cx="97125" cy="89144"/>
+            </a:xfrm>
+            <a:prstGeom prst="rect">
+              <a:avLst/>
+            </a:prstGeom>
+            <a:solidFill>
+              <a:schemeClr val="bg1"/>
+            </a:solidFill>
+            <a:ln w="9525">
+              <a:solidFill>
+                <a:schemeClr val="bg1"/>
+              </a:solidFill>
+            </a:ln>
+          </p:spPr>
+          <p:style>
+            <a:lnRef idx="2">
+              <a:schemeClr val="accent1">
+                <a:shade val="50000"/>
+              </a:schemeClr>
+            </a:lnRef>
+            <a:fillRef idx="1">
+              <a:schemeClr val="accent1"/>
+            </a:fillRef>
+            <a:effectRef idx="0">
+              <a:schemeClr val="accent1"/>
+            </a:effectRef>
+            <a:fontRef idx="minor">
+              <a:schemeClr val="lt1"/>
+            </a:fontRef>
+          </p:style>
+          <p:txBody>
+            <a:bodyPr rtlCol="0" anchor="ctr"/>
+            <a:lstStyle/>
+            <a:p>
+              <a:pPr algn="ctr"/>
+              <a:endParaRPr lang="en-US"/>
+            </a:p>
+          </p:txBody>
+        </p:sp>
+        <p:cxnSp>
+          <p:nvCxnSpPr>
+            <p:cNvPr id="61" name="Straight Arrow Connector 60">
+              <a:extLst>
+                <a:ext uri="{FF2B5EF4-FFF2-40B4-BE49-F238E27FC236}">
+                  <a16:creationId xmlns:a16="http://schemas.microsoft.com/office/drawing/2014/main" id="{DDCE518A-146D-422A-8C35-DB1EF2BBEC07}"/>
+                </a:ext>
+              </a:extLst>
+            </p:cNvPr>
+            <p:cNvCxnSpPr>
+              <a:cxnSpLocks/>
+            </p:cNvCxnSpPr>
+            <p:nvPr/>
+          </p:nvCxnSpPr>
+          <p:spPr>
+            <a:xfrm flipH="1">
+              <a:off x="2724949" y="4148637"/>
+              <a:ext cx="1862879" cy="0"/>
+            </a:xfrm>
+            <a:prstGeom prst="straightConnector1">
+              <a:avLst/>
+            </a:prstGeom>
+            <a:ln w="9525">
+              <a:solidFill>
+                <a:schemeClr val="tx1"/>
+              </a:solidFill>
+              <a:tailEnd type="triangle"/>
+            </a:ln>
+          </p:spPr>
+          <p:style>
+            <a:lnRef idx="1">
+              <a:schemeClr val="accent1"/>
+            </a:lnRef>
+            <a:fillRef idx="0">
+              <a:schemeClr val="accent1"/>
+            </a:fillRef>
+            <a:effectRef idx="0">
+              <a:schemeClr val="accent1"/>
+            </a:effectRef>
+            <a:fontRef idx="minor">
+              <a:schemeClr val="tx1"/>
+            </a:fontRef>
+          </p:style>
+        </p:cxnSp>
+        <p:cxnSp>
+          <p:nvCxnSpPr>
+            <p:cNvPr id="63" name="Straight Connector 62">
+              <a:extLst>
+                <a:ext uri="{FF2B5EF4-FFF2-40B4-BE49-F238E27FC236}">
+                  <a16:creationId xmlns:a16="http://schemas.microsoft.com/office/drawing/2014/main" id="{34571847-4C88-42EA-8F10-811CC07CB5AD}"/>
+                </a:ext>
+              </a:extLst>
+            </p:cNvPr>
+            <p:cNvCxnSpPr>
+              <a:cxnSpLocks/>
+            </p:cNvCxnSpPr>
+            <p:nvPr/>
+          </p:nvCxnSpPr>
+          <p:spPr>
+            <a:xfrm flipH="1">
+              <a:off x="2422237" y="4341794"/>
+              <a:ext cx="1" cy="523128"/>
+            </a:xfrm>
+            <a:prstGeom prst="line">
+              <a:avLst/>
+            </a:prstGeom>
+            <a:ln w="9525">
+              <a:solidFill>
+                <a:schemeClr val="tx1"/>
+              </a:solidFill>
+            </a:ln>
+          </p:spPr>
+          <p:style>
+            <a:lnRef idx="1">
+              <a:schemeClr val="accent1"/>
+            </a:lnRef>
+            <a:fillRef idx="0">
+              <a:schemeClr val="accent1"/>
+            </a:fillRef>
+            <a:effectRef idx="0">
+              <a:schemeClr val="accent1"/>
+            </a:effectRef>
+            <a:fontRef idx="minor">
+              <a:schemeClr val="tx1"/>
+            </a:fontRef>
+          </p:style>
+        </p:cxnSp>
+        <p:cxnSp>
+          <p:nvCxnSpPr>
+            <p:cNvPr id="62" name="Straight Arrow Connector 61">
+              <a:extLst>
+                <a:ext uri="{FF2B5EF4-FFF2-40B4-BE49-F238E27FC236}">
+                  <a16:creationId xmlns:a16="http://schemas.microsoft.com/office/drawing/2014/main" id="{FCC92C22-E29C-422B-85A8-36C0F3462C91}"/>
+                </a:ext>
+              </a:extLst>
+            </p:cNvPr>
+            <p:cNvCxnSpPr>
+              <a:cxnSpLocks/>
+            </p:cNvCxnSpPr>
+            <p:nvPr/>
+          </p:nvCxnSpPr>
+          <p:spPr>
+            <a:xfrm>
+              <a:off x="2425668" y="4869849"/>
+              <a:ext cx="439192" cy="0"/>
+            </a:xfrm>
+            <a:prstGeom prst="straightConnector1">
+              <a:avLst/>
+            </a:prstGeom>
+            <a:ln w="9525">
+              <a:solidFill>
+                <a:schemeClr val="tx1"/>
+              </a:solidFill>
+              <a:tailEnd type="triangle"/>
+            </a:ln>
+          </p:spPr>
+          <p:style>
+            <a:lnRef idx="1">
+              <a:schemeClr val="accent1"/>
+            </a:lnRef>
+            <a:fillRef idx="0">
+              <a:schemeClr val="accent1"/>
+            </a:fillRef>
+            <a:effectRef idx="0">
+              <a:schemeClr val="accent1"/>
+            </a:effectRef>
+            <a:fontRef idx="minor">
+              <a:schemeClr val="tx1"/>
+            </a:fontRef>
+          </p:style>
+        </p:cxnSp>
+        <p:sp>
+          <p:nvSpPr>
+            <p:cNvPr id="73" name="Rectangle 72">
+              <a:extLst>
+                <a:ext uri="{FF2B5EF4-FFF2-40B4-BE49-F238E27FC236}">
+                  <a16:creationId xmlns:a16="http://schemas.microsoft.com/office/drawing/2014/main" id="{B555254F-33B7-4C2C-9702-B6B6888BA062}"/>
+                </a:ext>
+              </a:extLst>
+            </p:cNvPr>
+            <p:cNvSpPr/>
+            <p:nvPr/>
+          </p:nvSpPr>
+          <p:spPr>
+            <a:xfrm>
+              <a:off x="3366434" y="5806133"/>
+              <a:ext cx="97125" cy="89144"/>
+            </a:xfrm>
+            <a:prstGeom prst="rect">
+              <a:avLst/>
+            </a:prstGeom>
+            <a:solidFill>
+              <a:schemeClr val="bg1"/>
+            </a:solidFill>
+            <a:ln w="9525">
+              <a:solidFill>
+                <a:schemeClr val="bg1"/>
+              </a:solidFill>
+            </a:ln>
+          </p:spPr>
+          <p:style>
+            <a:lnRef idx="2">
+              <a:schemeClr val="accent1">
+                <a:shade val="50000"/>
+              </a:schemeClr>
+            </a:lnRef>
+            <a:fillRef idx="1">
+              <a:schemeClr val="accent1"/>
+            </a:fillRef>
+            <a:effectRef idx="0">
+              <a:schemeClr val="accent1"/>
+            </a:effectRef>
+            <a:fontRef idx="minor">
+              <a:schemeClr val="lt1"/>
+            </a:fontRef>
+          </p:style>
+          <p:txBody>
+            <a:bodyPr rtlCol="0" anchor="ctr"/>
+            <a:lstStyle/>
+            <a:p>
+              <a:pPr algn="ctr"/>
+              <a:endParaRPr lang="en-US"/>
+            </a:p>
+          </p:txBody>
+        </p:sp>
+        <p:cxnSp>
+          <p:nvCxnSpPr>
+            <p:cNvPr id="74" name="Straight Arrow Connector 73">
+              <a:extLst>
+                <a:ext uri="{FF2B5EF4-FFF2-40B4-BE49-F238E27FC236}">
+                  <a16:creationId xmlns:a16="http://schemas.microsoft.com/office/drawing/2014/main" id="{936C8AF3-FF38-4559-AE0B-FBAA2F913B1C}"/>
+                </a:ext>
+              </a:extLst>
+            </p:cNvPr>
+            <p:cNvCxnSpPr>
+              <a:cxnSpLocks/>
+            </p:cNvCxnSpPr>
+            <p:nvPr/>
+          </p:nvCxnSpPr>
+          <p:spPr>
+            <a:xfrm flipH="1">
+              <a:off x="4333862" y="5893710"/>
+              <a:ext cx="2283" cy="1250546"/>
+            </a:xfrm>
+            <a:prstGeom prst="straightConnector1">
+              <a:avLst/>
+            </a:prstGeom>
+            <a:ln w="9525">
+              <a:solidFill>
+                <a:schemeClr val="tx1"/>
+              </a:solidFill>
+              <a:tailEnd type="triangle"/>
+            </a:ln>
+          </p:spPr>
+          <p:style>
+            <a:lnRef idx="1">
+              <a:schemeClr val="accent1"/>
+            </a:lnRef>
+            <a:fillRef idx="0">
+              <a:schemeClr val="accent1"/>
+            </a:fillRef>
+            <a:effectRef idx="0">
+              <a:schemeClr val="accent1"/>
+            </a:effectRef>
+            <a:fontRef idx="minor">
+              <a:schemeClr val="tx1"/>
+            </a:fontRef>
+          </p:style>
+        </p:cxnSp>
+        <p:sp>
+          <p:nvSpPr>
+            <p:cNvPr id="86" name="TextBox 85">
+              <a:extLst>
+                <a:ext uri="{FF2B5EF4-FFF2-40B4-BE49-F238E27FC236}">
+                  <a16:creationId xmlns:a16="http://schemas.microsoft.com/office/drawing/2014/main" id="{8FF35A50-2D70-45A5-97C0-09FA7E9396C3}"/>
+                </a:ext>
+              </a:extLst>
+            </p:cNvPr>
+            <p:cNvSpPr txBox="1"/>
+            <p:nvPr/>
+          </p:nvSpPr>
+          <p:spPr>
+            <a:xfrm>
+              <a:off x="4035641" y="5485395"/>
+              <a:ext cx="1614352" cy="553998"/>
+            </a:xfrm>
+            <a:prstGeom prst="rect">
+              <a:avLst/>
+            </a:prstGeom>
+            <a:solidFill>
+              <a:schemeClr val="bg1">
+                <a:lumMod val="85000"/>
+              </a:schemeClr>
+            </a:solidFill>
+            <a:ln w="9525">
+              <a:solidFill>
+                <a:schemeClr val="tx1"/>
+              </a:solidFill>
+            </a:ln>
+          </p:spPr>
+          <p:txBody>
+            <a:bodyPr wrap="square" rtlCol="0" anchor="ctr">
+              <a:spAutoFit/>
+            </a:bodyPr>
+            <a:lstStyle/>
+            <a:p>
+              <a:pPr algn="ctr"/>
+              <a:endParaRPr lang="en-US" sz="1000" dirty="0"/>
+            </a:p>
+            <a:p>
+              <a:pPr algn="ctr"/>
+              <a:r>
+                <a:rPr lang="en-US" sz="1000" dirty="0"/>
+                <a:t>Soil porosity</a:t>
+              </a:r>
+            </a:p>
+            <a:p>
+              <a:pPr algn="ctr"/>
+              <a:endParaRPr lang="en-US" sz="1000" dirty="0"/>
+            </a:p>
+          </p:txBody>
+        </p:sp>
+        <p:cxnSp>
+          <p:nvCxnSpPr>
+            <p:cNvPr id="75" name="Straight Connector 74">
+              <a:extLst>
+                <a:ext uri="{FF2B5EF4-FFF2-40B4-BE49-F238E27FC236}">
+                  <a16:creationId xmlns:a16="http://schemas.microsoft.com/office/drawing/2014/main" id="{B7848DF7-7C8D-49BB-AB5A-2450D14793BC}"/>
+                </a:ext>
+              </a:extLst>
+            </p:cNvPr>
+            <p:cNvCxnSpPr/>
+            <p:nvPr/>
+          </p:nvCxnSpPr>
+          <p:spPr>
+            <a:xfrm flipH="1">
+              <a:off x="3753605" y="3064096"/>
+              <a:ext cx="1" cy="669772"/>
+            </a:xfrm>
+            <a:prstGeom prst="line">
+              <a:avLst/>
+            </a:prstGeom>
+            <a:ln w="9525">
+              <a:solidFill>
+                <a:schemeClr val="tx1"/>
+              </a:solidFill>
+            </a:ln>
+          </p:spPr>
+          <p:style>
+            <a:lnRef idx="1">
+              <a:schemeClr val="accent1"/>
+            </a:lnRef>
+            <a:fillRef idx="0">
+              <a:schemeClr val="accent1"/>
+            </a:fillRef>
+            <a:effectRef idx="0">
+              <a:schemeClr val="accent1"/>
+            </a:effectRef>
+            <a:fontRef idx="minor">
+              <a:schemeClr val="tx1"/>
+            </a:fontRef>
+          </p:style>
+        </p:cxnSp>
+        <p:cxnSp>
+          <p:nvCxnSpPr>
+            <p:cNvPr id="78" name="Straight Connector 77">
+              <a:extLst>
+                <a:ext uri="{FF2B5EF4-FFF2-40B4-BE49-F238E27FC236}">
+                  <a16:creationId xmlns:a16="http://schemas.microsoft.com/office/drawing/2014/main" id="{C07FA20D-D121-45C7-BFDC-7ACD2409C94A}"/>
+                </a:ext>
+              </a:extLst>
+            </p:cNvPr>
+            <p:cNvCxnSpPr>
+              <a:cxnSpLocks/>
+            </p:cNvCxnSpPr>
+            <p:nvPr/>
+          </p:nvCxnSpPr>
+          <p:spPr>
+            <a:xfrm>
+              <a:off x="3753605" y="3735233"/>
+              <a:ext cx="649490" cy="0"/>
+            </a:xfrm>
+            <a:prstGeom prst="line">
+              <a:avLst/>
+            </a:prstGeom>
+            <a:ln w="9525">
+              <a:solidFill>
+                <a:schemeClr val="tx1"/>
+              </a:solidFill>
+            </a:ln>
+          </p:spPr>
+          <p:style>
+            <a:lnRef idx="1">
+              <a:schemeClr val="accent1"/>
+            </a:lnRef>
+            <a:fillRef idx="0">
+              <a:schemeClr val="accent1"/>
+            </a:fillRef>
+            <a:effectRef idx="0">
+              <a:schemeClr val="accent1"/>
+            </a:effectRef>
+            <a:fontRef idx="minor">
+              <a:schemeClr val="tx1"/>
+            </a:fontRef>
+          </p:style>
+        </p:cxnSp>
+        <p:sp>
+          <p:nvSpPr>
+            <p:cNvPr id="79" name="Rectangle 78">
+              <a:extLst>
+                <a:ext uri="{FF2B5EF4-FFF2-40B4-BE49-F238E27FC236}">
+                  <a16:creationId xmlns:a16="http://schemas.microsoft.com/office/drawing/2014/main" id="{28D1E545-C0E9-4DAE-9127-D9C8B7AC9F91}"/>
+                </a:ext>
+              </a:extLst>
+            </p:cNvPr>
+            <p:cNvSpPr/>
+            <p:nvPr/>
+          </p:nvSpPr>
+          <p:spPr>
+            <a:xfrm>
+              <a:off x="4315905" y="4105543"/>
+              <a:ext cx="148990" cy="95788"/>
+            </a:xfrm>
+            <a:prstGeom prst="rect">
+              <a:avLst/>
+            </a:prstGeom>
+            <a:solidFill>
+              <a:schemeClr val="bg1"/>
+            </a:solidFill>
+            <a:ln w="9525">
+              <a:solidFill>
+                <a:schemeClr val="bg1"/>
+              </a:solidFill>
+            </a:ln>
+          </p:spPr>
+          <p:style>
+            <a:lnRef idx="2">
+              <a:schemeClr val="accent1">
+                <a:shade val="50000"/>
+              </a:schemeClr>
+            </a:lnRef>
+            <a:fillRef idx="1">
+              <a:schemeClr val="accent1"/>
+            </a:fillRef>
+            <a:effectRef idx="0">
+              <a:schemeClr val="accent1"/>
+            </a:effectRef>
+            <a:fontRef idx="minor">
+              <a:schemeClr val="lt1"/>
+            </a:fontRef>
+          </p:style>
+          <p:txBody>
+            <a:bodyPr rtlCol="0" anchor="ctr"/>
+            <a:lstStyle/>
+            <a:p>
+              <a:pPr algn="ctr"/>
+              <a:endParaRPr lang="en-US"/>
+            </a:p>
+          </p:txBody>
+        </p:sp>
+        <p:sp>
+          <p:nvSpPr>
+            <p:cNvPr id="81" name="Rectangle 80">
+              <a:extLst>
+                <a:ext uri="{FF2B5EF4-FFF2-40B4-BE49-F238E27FC236}">
+                  <a16:creationId xmlns:a16="http://schemas.microsoft.com/office/drawing/2014/main" id="{53E28701-CF5A-444F-AC0D-C5669982B48B}"/>
+                </a:ext>
+              </a:extLst>
+            </p:cNvPr>
+            <p:cNvSpPr/>
+            <p:nvPr/>
+          </p:nvSpPr>
+          <p:spPr>
+            <a:xfrm>
+              <a:off x="4315905" y="4590917"/>
+              <a:ext cx="148990" cy="95788"/>
+            </a:xfrm>
+            <a:prstGeom prst="rect">
+              <a:avLst/>
+            </a:prstGeom>
+            <a:solidFill>
+              <a:schemeClr val="bg1"/>
+            </a:solidFill>
+            <a:ln w="9525">
+              <a:solidFill>
+                <a:schemeClr val="bg1"/>
+              </a:solidFill>
+            </a:ln>
+          </p:spPr>
+          <p:style>
+            <a:lnRef idx="2">
+              <a:schemeClr val="accent1">
+                <a:shade val="50000"/>
+              </a:schemeClr>
+            </a:lnRef>
+            <a:fillRef idx="1">
+              <a:schemeClr val="accent1"/>
+            </a:fillRef>
+            <a:effectRef idx="0">
+              <a:schemeClr val="accent1"/>
+            </a:effectRef>
+            <a:fontRef idx="minor">
+              <a:schemeClr val="lt1"/>
+            </a:fontRef>
+          </p:style>
+          <p:txBody>
+            <a:bodyPr rtlCol="0" anchor="ctr"/>
+            <a:lstStyle/>
+            <a:p>
+              <a:pPr algn="ctr"/>
+              <a:endParaRPr lang="en-US"/>
+            </a:p>
+          </p:txBody>
+        </p:sp>
+        <p:cxnSp>
+          <p:nvCxnSpPr>
+            <p:cNvPr id="76" name="Straight Arrow Connector 75">
+              <a:extLst>
+                <a:ext uri="{FF2B5EF4-FFF2-40B4-BE49-F238E27FC236}">
+                  <a16:creationId xmlns:a16="http://schemas.microsoft.com/office/drawing/2014/main" id="{B0D955D5-EEAA-41EC-ADCF-DF8490F5024C}"/>
+                </a:ext>
+              </a:extLst>
+            </p:cNvPr>
+            <p:cNvCxnSpPr>
+              <a:cxnSpLocks/>
+            </p:cNvCxnSpPr>
+            <p:nvPr/>
+          </p:nvCxnSpPr>
+          <p:spPr>
+            <a:xfrm flipH="1">
+              <a:off x="4393430" y="3734318"/>
+              <a:ext cx="2283" cy="1724814"/>
+            </a:xfrm>
+            <a:prstGeom prst="straightConnector1">
+              <a:avLst/>
+            </a:prstGeom>
+            <a:ln w="9525">
+              <a:solidFill>
+                <a:schemeClr val="tx1"/>
+              </a:solidFill>
+              <a:tailEnd type="triangle"/>
+            </a:ln>
+          </p:spPr>
+          <p:style>
+            <a:lnRef idx="1">
+              <a:schemeClr val="accent1"/>
+            </a:lnRef>
+            <a:fillRef idx="0">
+              <a:schemeClr val="accent1"/>
+            </a:fillRef>
+            <a:effectRef idx="0">
+              <a:schemeClr val="accent1"/>
+            </a:effectRef>
+            <a:fontRef idx="minor">
+              <a:schemeClr val="tx1"/>
+            </a:fontRef>
+          </p:style>
+        </p:cxnSp>
+        <p:cxnSp>
+          <p:nvCxnSpPr>
+            <p:cNvPr id="54" name="Straight Arrow Connector 53">
+              <a:extLst>
+                <a:ext uri="{FF2B5EF4-FFF2-40B4-BE49-F238E27FC236}">
+                  <a16:creationId xmlns:a16="http://schemas.microsoft.com/office/drawing/2014/main" id="{A69F1B3E-3EEC-4006-99BB-1523B0E1A613}"/>
+                </a:ext>
+              </a:extLst>
+            </p:cNvPr>
+            <p:cNvCxnSpPr>
+              <a:cxnSpLocks/>
+            </p:cNvCxnSpPr>
+            <p:nvPr/>
+          </p:nvCxnSpPr>
+          <p:spPr>
+            <a:xfrm flipH="1">
+              <a:off x="2726764" y="3813357"/>
+              <a:ext cx="552771" cy="0"/>
+            </a:xfrm>
+            <a:prstGeom prst="straightConnector1">
+              <a:avLst/>
+            </a:prstGeom>
+            <a:ln w="9525">
+              <a:solidFill>
+                <a:schemeClr val="tx1"/>
+              </a:solidFill>
+              <a:tailEnd type="triangle"/>
+            </a:ln>
+          </p:spPr>
+          <p:style>
+            <a:lnRef idx="1">
+              <a:schemeClr val="accent1"/>
+            </a:lnRef>
+            <a:fillRef idx="0">
+              <a:schemeClr val="accent1"/>
+            </a:fillRef>
+            <a:effectRef idx="0">
+              <a:schemeClr val="accent1"/>
+            </a:effectRef>
+            <a:fontRef idx="minor">
+              <a:schemeClr val="tx1"/>
+            </a:fontRef>
+          </p:style>
+        </p:cxnSp>
+        <p:cxnSp>
+          <p:nvCxnSpPr>
+            <p:cNvPr id="65" name="Straight Connector 64">
+              <a:extLst>
+                <a:ext uri="{FF2B5EF4-FFF2-40B4-BE49-F238E27FC236}">
+                  <a16:creationId xmlns:a16="http://schemas.microsoft.com/office/drawing/2014/main" id="{48C7356A-A367-4A6B-A784-D243BD7177B6}"/>
+                </a:ext>
+              </a:extLst>
+            </p:cNvPr>
+            <p:cNvCxnSpPr/>
+            <p:nvPr/>
+          </p:nvCxnSpPr>
+          <p:spPr>
+            <a:xfrm flipH="1">
+              <a:off x="3296270" y="3076465"/>
+              <a:ext cx="1" cy="736749"/>
+            </a:xfrm>
+            <a:prstGeom prst="line">
+              <a:avLst/>
+            </a:prstGeom>
+            <a:ln w="9525">
+              <a:solidFill>
+                <a:schemeClr val="tx1"/>
+              </a:solidFill>
+            </a:ln>
+          </p:spPr>
+          <p:style>
+            <a:lnRef idx="1">
+              <a:schemeClr val="accent1"/>
+            </a:lnRef>
+            <a:fillRef idx="0">
+              <a:schemeClr val="accent1"/>
+            </a:fillRef>
+            <a:effectRef idx="0">
+              <a:schemeClr val="accent1"/>
+            </a:effectRef>
+            <a:fontRef idx="minor">
+              <a:schemeClr val="tx1"/>
+            </a:fontRef>
+          </p:style>
+        </p:cxnSp>
+        <p:sp>
+          <p:nvSpPr>
+            <p:cNvPr id="6" name="TextBox 5">
+              <a:extLst>
+                <a:ext uri="{FF2B5EF4-FFF2-40B4-BE49-F238E27FC236}">
+                  <a16:creationId xmlns:a16="http://schemas.microsoft.com/office/drawing/2014/main" id="{21876E51-290C-4303-A6AD-0D8D552ADC8C}"/>
+                </a:ext>
+              </a:extLst>
+            </p:cNvPr>
+            <p:cNvSpPr txBox="1"/>
+            <p:nvPr/>
+          </p:nvSpPr>
+          <p:spPr>
+            <a:xfrm>
+              <a:off x="3138854" y="2549452"/>
+              <a:ext cx="750407" cy="553998"/>
+            </a:xfrm>
+            <a:prstGeom prst="rect">
+              <a:avLst/>
+            </a:prstGeom>
+            <a:solidFill>
+              <a:schemeClr val="accent2"/>
+            </a:solidFill>
+            <a:ln w="9525">
+              <a:solidFill>
+                <a:schemeClr val="tx1"/>
+              </a:solidFill>
+            </a:ln>
+          </p:spPr>
+          <p:txBody>
+            <a:bodyPr wrap="square" rtlCol="0">
+              <a:spAutoFit/>
+            </a:bodyPr>
+            <a:lstStyle/>
+            <a:p>
+              <a:pPr algn="ctr"/>
+              <a:r>
+                <a:rPr lang="en-US" sz="1000" dirty="0"/>
+                <a:t>Below-ground biomass</a:t>
+              </a:r>
+            </a:p>
+          </p:txBody>
+        </p:sp>
+        <p:cxnSp>
+          <p:nvCxnSpPr>
+            <p:cNvPr id="41" name="Straight Connector 40">
+              <a:extLst>
+                <a:ext uri="{FF2B5EF4-FFF2-40B4-BE49-F238E27FC236}">
+                  <a16:creationId xmlns:a16="http://schemas.microsoft.com/office/drawing/2014/main" id="{34571847-4C88-42EA-8F10-811CC07CB5AD}"/>
+                </a:ext>
+              </a:extLst>
+            </p:cNvPr>
+            <p:cNvCxnSpPr>
+              <a:cxnSpLocks/>
+            </p:cNvCxnSpPr>
+            <p:nvPr/>
+          </p:nvCxnSpPr>
+          <p:spPr>
+            <a:xfrm flipH="1">
+              <a:off x="2094859" y="4301843"/>
+              <a:ext cx="1" cy="1492545"/>
+            </a:xfrm>
+            <a:prstGeom prst="line">
+              <a:avLst/>
+            </a:prstGeom>
+            <a:ln w="9525">
+              <a:solidFill>
+                <a:schemeClr val="tx1"/>
+              </a:solidFill>
+            </a:ln>
+          </p:spPr>
+          <p:style>
+            <a:lnRef idx="1">
+              <a:schemeClr val="accent1"/>
+            </a:lnRef>
+            <a:fillRef idx="0">
+              <a:schemeClr val="accent1"/>
+            </a:fillRef>
+            <a:effectRef idx="0">
+              <a:schemeClr val="accent1"/>
+            </a:effectRef>
+            <a:fontRef idx="minor">
+              <a:schemeClr val="tx1"/>
+            </a:fontRef>
+          </p:style>
+        </p:cxnSp>
+        <p:cxnSp>
+          <p:nvCxnSpPr>
+            <p:cNvPr id="42" name="Straight Arrow Connector 41">
+              <a:extLst>
+                <a:ext uri="{FF2B5EF4-FFF2-40B4-BE49-F238E27FC236}">
+                  <a16:creationId xmlns:a16="http://schemas.microsoft.com/office/drawing/2014/main" id="{FCC92C22-E29C-422B-85A8-36C0F3462C91}"/>
+                </a:ext>
+              </a:extLst>
+            </p:cNvPr>
+            <p:cNvCxnSpPr>
+              <a:cxnSpLocks/>
+            </p:cNvCxnSpPr>
+            <p:nvPr/>
+          </p:nvCxnSpPr>
+          <p:spPr>
+            <a:xfrm>
+              <a:off x="2103067" y="5800504"/>
+              <a:ext cx="1909104" cy="0"/>
+            </a:xfrm>
+            <a:prstGeom prst="straightConnector1">
+              <a:avLst/>
+            </a:prstGeom>
+            <a:ln w="9525">
+              <a:solidFill>
+                <a:schemeClr val="tx1"/>
+              </a:solidFill>
+              <a:tailEnd type="triangle"/>
+            </a:ln>
+          </p:spPr>
+          <p:style>
+            <a:lnRef idx="1">
+              <a:schemeClr val="accent1"/>
+            </a:lnRef>
+            <a:fillRef idx="0">
+              <a:schemeClr val="accent1"/>
+            </a:fillRef>
+            <a:effectRef idx="0">
+              <a:schemeClr val="accent1"/>
+            </a:effectRef>
+            <a:fontRef idx="minor">
+              <a:schemeClr val="tx1"/>
+            </a:fontRef>
+          </p:style>
+        </p:cxnSp>
+        <p:sp>
+          <p:nvSpPr>
+            <p:cNvPr id="77" name="TextBox 76">
+              <a:extLst>
+                <a:ext uri="{FF2B5EF4-FFF2-40B4-BE49-F238E27FC236}">
+                  <a16:creationId xmlns:a16="http://schemas.microsoft.com/office/drawing/2014/main" id="{592AC19D-B477-462D-A16C-DFA019277B56}"/>
+                </a:ext>
+              </a:extLst>
+            </p:cNvPr>
+            <p:cNvSpPr txBox="1"/>
+            <p:nvPr/>
+          </p:nvSpPr>
+          <p:spPr>
+            <a:xfrm>
+              <a:off x="1822597" y="3626775"/>
+              <a:ext cx="879910" cy="707886"/>
+            </a:xfrm>
+            <a:prstGeom prst="rect">
+              <a:avLst/>
+            </a:prstGeom>
+            <a:solidFill>
+              <a:schemeClr val="bg1">
+                <a:lumMod val="85000"/>
+              </a:schemeClr>
+            </a:solidFill>
+            <a:ln w="9525">
+              <a:solidFill>
+                <a:schemeClr val="tx1"/>
+              </a:solidFill>
+            </a:ln>
+          </p:spPr>
+          <p:txBody>
+            <a:bodyPr wrap="square" rtlCol="0">
+              <a:spAutoFit/>
+            </a:bodyPr>
+            <a:lstStyle/>
+            <a:p>
+              <a:pPr algn="ctr"/>
+              <a:endParaRPr lang="en-US" sz="1000" dirty="0"/>
+            </a:p>
+            <a:p>
+              <a:pPr algn="ctr"/>
+              <a:r>
+                <a:rPr lang="en-US" sz="1000" dirty="0"/>
+                <a:t>Soil </a:t>
+              </a:r>
+              <a:r>
+                <a:rPr lang="en-US" sz="1000" dirty="0" smtClean="0"/>
+                <a:t>organic </a:t>
+              </a:r>
+              <a:r>
+                <a:rPr lang="en-US" sz="1000" dirty="0"/>
+                <a:t>m</a:t>
+              </a:r>
+              <a:r>
+                <a:rPr lang="en-US" sz="1000" dirty="0" smtClean="0"/>
+                <a:t>atter</a:t>
+              </a:r>
+              <a:endParaRPr lang="en-US" sz="1000" dirty="0"/>
+            </a:p>
+            <a:p>
+              <a:pPr algn="ctr"/>
+              <a:endParaRPr lang="en-US" sz="1000" dirty="0"/>
+            </a:p>
+          </p:txBody>
+        </p:sp>
+        <p:sp>
+          <p:nvSpPr>
+            <p:cNvPr id="43" name="Rectangle 42">
+              <a:extLst>
+                <a:ext uri="{FF2B5EF4-FFF2-40B4-BE49-F238E27FC236}">
+                  <a16:creationId xmlns:a16="http://schemas.microsoft.com/office/drawing/2014/main" id="{28D1E545-C0E9-4DAE-9127-D9C8B7AC9F91}"/>
+                </a:ext>
+              </a:extLst>
+            </p:cNvPr>
+            <p:cNvSpPr/>
+            <p:nvPr/>
+          </p:nvSpPr>
+          <p:spPr>
+            <a:xfrm>
+              <a:off x="3343840" y="5753106"/>
+              <a:ext cx="148990" cy="95788"/>
+            </a:xfrm>
+            <a:prstGeom prst="rect">
+              <a:avLst/>
+            </a:prstGeom>
+            <a:solidFill>
+              <a:schemeClr val="bg1"/>
+            </a:solidFill>
+            <a:ln w="9525">
+              <a:solidFill>
+                <a:schemeClr val="bg1"/>
+              </a:solidFill>
+            </a:ln>
+          </p:spPr>
+          <p:style>
+            <a:lnRef idx="2">
+              <a:schemeClr val="accent1">
+                <a:shade val="50000"/>
+              </a:schemeClr>
+            </a:lnRef>
+            <a:fillRef idx="1">
+              <a:schemeClr val="accent1"/>
+            </a:fillRef>
+            <a:effectRef idx="0">
+              <a:schemeClr val="accent1"/>
+            </a:effectRef>
+            <a:fontRef idx="minor">
+              <a:schemeClr val="lt1"/>
+            </a:fontRef>
+          </p:style>
+          <p:txBody>
+            <a:bodyPr rtlCol="0" anchor="ctr"/>
+            <a:lstStyle/>
+            <a:p>
+              <a:pPr algn="ctr"/>
+              <a:endParaRPr lang="en-US"/>
+            </a:p>
+          </p:txBody>
+        </p:sp>
+        <p:cxnSp>
+          <p:nvCxnSpPr>
+            <p:cNvPr id="150" name="Straight Arrow Connector 149">
+              <a:extLst>
+                <a:ext uri="{FF2B5EF4-FFF2-40B4-BE49-F238E27FC236}">
+                  <a16:creationId xmlns:a16="http://schemas.microsoft.com/office/drawing/2014/main" id="{4CEEC003-E039-462C-8E5B-0071A4FA2F92}"/>
+                </a:ext>
+              </a:extLst>
+            </p:cNvPr>
+            <p:cNvCxnSpPr>
+              <a:cxnSpLocks/>
+            </p:cNvCxnSpPr>
+            <p:nvPr/>
+          </p:nvCxnSpPr>
+          <p:spPr>
+            <a:xfrm flipH="1">
+              <a:off x="3413055" y="5074451"/>
+              <a:ext cx="2283" cy="1136860"/>
+            </a:xfrm>
+            <a:prstGeom prst="straightConnector1">
+              <a:avLst/>
+            </a:prstGeom>
+            <a:ln w="9525">
+              <a:solidFill>
+                <a:schemeClr val="tx1"/>
+              </a:solidFill>
+              <a:tailEnd type="triangle"/>
+            </a:ln>
+          </p:spPr>
+          <p:style>
+            <a:lnRef idx="1">
+              <a:schemeClr val="accent1"/>
+            </a:lnRef>
+            <a:fillRef idx="0">
+              <a:schemeClr val="accent1"/>
+            </a:fillRef>
+            <a:effectRef idx="0">
+              <a:schemeClr val="accent1"/>
+            </a:effectRef>
+            <a:fontRef idx="minor">
+              <a:schemeClr val="tx1"/>
+            </a:fontRef>
+          </p:style>
+        </p:cxnSp>
+        <p:sp>
+          <p:nvSpPr>
+            <p:cNvPr id="85" name="TextBox 84">
+              <a:extLst>
+                <a:ext uri="{FF2B5EF4-FFF2-40B4-BE49-F238E27FC236}">
+                  <a16:creationId xmlns:a16="http://schemas.microsoft.com/office/drawing/2014/main" id="{CF804AB6-B196-45FB-8F8E-BCF2A0FB4871}"/>
+                </a:ext>
+              </a:extLst>
+            </p:cNvPr>
+            <p:cNvSpPr txBox="1"/>
+            <p:nvPr/>
+          </p:nvSpPr>
+          <p:spPr>
+            <a:xfrm>
+              <a:off x="2881519" y="4459028"/>
+              <a:ext cx="1077151" cy="707886"/>
+            </a:xfrm>
+            <a:prstGeom prst="rect">
+              <a:avLst/>
+            </a:prstGeom>
+            <a:solidFill>
+              <a:schemeClr val="bg1">
+                <a:lumMod val="85000"/>
+              </a:schemeClr>
+            </a:solidFill>
+            <a:ln w="9525">
+              <a:solidFill>
+                <a:schemeClr val="tx1"/>
+              </a:solidFill>
+            </a:ln>
+          </p:spPr>
+          <p:txBody>
+            <a:bodyPr wrap="square" rtlCol="0">
+              <a:spAutoFit/>
+            </a:bodyPr>
+            <a:lstStyle/>
+            <a:p>
+              <a:pPr algn="ctr"/>
+              <a:endParaRPr lang="en-US" sz="1000" dirty="0"/>
+            </a:p>
+            <a:p>
+              <a:pPr algn="ctr"/>
+              <a:r>
+                <a:rPr lang="en-US" sz="1000" dirty="0"/>
+                <a:t>Soil</a:t>
+              </a:r>
+            </a:p>
+            <a:p>
+              <a:pPr algn="ctr"/>
+              <a:r>
+                <a:rPr lang="en-US" sz="1000" dirty="0"/>
+                <a:t>aggregation</a:t>
+              </a:r>
+            </a:p>
+            <a:p>
+              <a:pPr algn="ctr"/>
+              <a:endParaRPr lang="en-US" sz="1000" dirty="0"/>
+            </a:p>
+          </p:txBody>
+        </p:sp>
+        <p:sp>
+          <p:nvSpPr>
+            <p:cNvPr id="46" name="TextBox 45"/>
+            <p:cNvSpPr txBox="1"/>
+            <p:nvPr/>
+          </p:nvSpPr>
+          <p:spPr>
+            <a:xfrm>
+              <a:off x="1945781" y="3342294"/>
+              <a:ext cx="184731" cy="276999"/>
+            </a:xfrm>
+            <a:prstGeom prst="rect">
+              <a:avLst/>
+            </a:prstGeom>
+            <a:noFill/>
+          </p:spPr>
+          <p:txBody>
+            <a:bodyPr wrap="none" rtlCol="0">
+              <a:spAutoFit/>
+            </a:bodyPr>
+            <a:lstStyle/>
+            <a:p>
+              <a:endParaRPr lang="en-US" sz="1200" i="1" dirty="0"/>
+            </a:p>
+          </p:txBody>
+        </p:sp>
+        <p:sp>
+          <p:nvSpPr>
+            <p:cNvPr id="47" name="TextBox 46"/>
+            <p:cNvSpPr txBox="1"/>
+            <p:nvPr/>
+          </p:nvSpPr>
+          <p:spPr>
+            <a:xfrm>
+              <a:off x="2709038" y="3538119"/>
+              <a:ext cx="184731" cy="276999"/>
+            </a:xfrm>
+            <a:prstGeom prst="rect">
+              <a:avLst/>
+            </a:prstGeom>
+            <a:noFill/>
+          </p:spPr>
+          <p:txBody>
+            <a:bodyPr wrap="none" rtlCol="0">
+              <a:spAutoFit/>
+            </a:bodyPr>
+            <a:lstStyle/>
+            <a:p>
+              <a:endParaRPr lang="en-US" sz="1200" i="1" dirty="0"/>
+            </a:p>
+          </p:txBody>
+        </p:sp>
+        <p:sp>
+          <p:nvSpPr>
+            <p:cNvPr id="48" name="TextBox 47"/>
+            <p:cNvSpPr txBox="1"/>
+            <p:nvPr/>
+          </p:nvSpPr>
+          <p:spPr>
+            <a:xfrm>
+              <a:off x="2704362" y="3901392"/>
+              <a:ext cx="184731" cy="276999"/>
+            </a:xfrm>
+            <a:prstGeom prst="rect">
+              <a:avLst/>
+            </a:prstGeom>
+            <a:noFill/>
+          </p:spPr>
+          <p:txBody>
+            <a:bodyPr wrap="none" rtlCol="0">
+              <a:spAutoFit/>
+            </a:bodyPr>
+            <a:lstStyle/>
+            <a:p>
+              <a:endParaRPr lang="en-US" sz="1200" i="1" dirty="0"/>
+            </a:p>
+          </p:txBody>
+        </p:sp>
+        <p:sp>
+          <p:nvSpPr>
+            <p:cNvPr id="49" name="TextBox 48"/>
+            <p:cNvSpPr txBox="1"/>
+            <p:nvPr/>
+          </p:nvSpPr>
+          <p:spPr>
+            <a:xfrm>
+              <a:off x="3295779" y="4219764"/>
+              <a:ext cx="184731" cy="276999"/>
+            </a:xfrm>
+            <a:prstGeom prst="rect">
+              <a:avLst/>
+            </a:prstGeom>
+            <a:noFill/>
+          </p:spPr>
+          <p:txBody>
+            <a:bodyPr wrap="none" rtlCol="0">
+              <a:spAutoFit/>
+            </a:bodyPr>
+            <a:lstStyle/>
+            <a:p>
+              <a:endParaRPr lang="en-US" sz="1200" i="1" dirty="0"/>
+            </a:p>
+          </p:txBody>
+        </p:sp>
+        <p:sp>
+          <p:nvSpPr>
+            <p:cNvPr id="50" name="TextBox 49"/>
+            <p:cNvSpPr txBox="1"/>
+            <p:nvPr/>
+          </p:nvSpPr>
+          <p:spPr>
+            <a:xfrm>
+              <a:off x="4118168" y="5203564"/>
+              <a:ext cx="184731" cy="276999"/>
+            </a:xfrm>
+            <a:prstGeom prst="rect">
+              <a:avLst/>
+            </a:prstGeom>
+            <a:noFill/>
+          </p:spPr>
+          <p:txBody>
+            <a:bodyPr wrap="none" rtlCol="0">
+              <a:spAutoFit/>
+            </a:bodyPr>
+            <a:lstStyle/>
+            <a:p>
+              <a:endParaRPr lang="en-US" sz="1200" i="1" dirty="0"/>
+            </a:p>
+          </p:txBody>
+        </p:sp>
+        <p:sp>
+          <p:nvSpPr>
+            <p:cNvPr id="52" name="TextBox 51"/>
+            <p:cNvSpPr txBox="1"/>
+            <p:nvPr/>
+          </p:nvSpPr>
+          <p:spPr>
+            <a:xfrm>
+              <a:off x="4842014" y="5204186"/>
+              <a:ext cx="184731" cy="276999"/>
+            </a:xfrm>
+            <a:prstGeom prst="rect">
+              <a:avLst/>
+            </a:prstGeom>
+            <a:noFill/>
+          </p:spPr>
+          <p:txBody>
+            <a:bodyPr wrap="none" rtlCol="0">
+              <a:spAutoFit/>
+            </a:bodyPr>
+            <a:lstStyle/>
+            <a:p>
+              <a:endParaRPr lang="en-US" sz="1200" i="1" dirty="0"/>
+            </a:p>
+          </p:txBody>
+        </p:sp>
+        <p:sp>
+          <p:nvSpPr>
+            <p:cNvPr id="53" name="TextBox 52"/>
+            <p:cNvSpPr txBox="1"/>
+            <p:nvPr/>
+          </p:nvSpPr>
+          <p:spPr>
+            <a:xfrm>
+              <a:off x="3980314" y="4380027"/>
+              <a:ext cx="184731" cy="276999"/>
+            </a:xfrm>
+            <a:prstGeom prst="rect">
+              <a:avLst/>
+            </a:prstGeom>
+            <a:noFill/>
+          </p:spPr>
+          <p:txBody>
+            <a:bodyPr wrap="none" rtlCol="0">
+              <a:spAutoFit/>
+            </a:bodyPr>
+            <a:lstStyle/>
+            <a:p>
+              <a:endParaRPr lang="en-US" sz="1200" i="1" dirty="0"/>
+            </a:p>
+          </p:txBody>
+        </p:sp>
+        <p:sp>
+          <p:nvSpPr>
+            <p:cNvPr id="55" name="TextBox 54"/>
+            <p:cNvSpPr txBox="1"/>
+            <p:nvPr/>
+          </p:nvSpPr>
+          <p:spPr>
+            <a:xfrm>
+              <a:off x="2635509" y="4593160"/>
+              <a:ext cx="184731" cy="276999"/>
+            </a:xfrm>
+            <a:prstGeom prst="rect">
+              <a:avLst/>
+            </a:prstGeom>
+            <a:noFill/>
+          </p:spPr>
+          <p:txBody>
+            <a:bodyPr wrap="none" rtlCol="0">
+              <a:spAutoFit/>
+            </a:bodyPr>
+            <a:lstStyle/>
+            <a:p>
+              <a:endParaRPr lang="en-US" sz="1200" i="1" dirty="0"/>
+            </a:p>
+          </p:txBody>
+        </p:sp>
+        <p:sp>
+          <p:nvSpPr>
+            <p:cNvPr id="57" name="TextBox 56"/>
+            <p:cNvSpPr txBox="1"/>
+            <p:nvPr/>
+          </p:nvSpPr>
+          <p:spPr>
+            <a:xfrm>
+              <a:off x="3739537" y="5512321"/>
+              <a:ext cx="184731" cy="276999"/>
+            </a:xfrm>
+            <a:prstGeom prst="rect">
+              <a:avLst/>
+            </a:prstGeom>
+            <a:noFill/>
+          </p:spPr>
+          <p:txBody>
+            <a:bodyPr wrap="none" rtlCol="0">
+              <a:spAutoFit/>
+            </a:bodyPr>
+            <a:lstStyle/>
+            <a:p>
+              <a:endParaRPr lang="en-US" sz="1200" i="1" dirty="0"/>
+            </a:p>
+          </p:txBody>
+        </p:sp>
+        <p:sp>
+          <p:nvSpPr>
+            <p:cNvPr id="60" name="TextBox 59"/>
+            <p:cNvSpPr txBox="1"/>
+            <p:nvPr/>
+          </p:nvSpPr>
+          <p:spPr>
+            <a:xfrm>
+              <a:off x="3137293" y="5962606"/>
+              <a:ext cx="184731" cy="276999"/>
+            </a:xfrm>
+            <a:prstGeom prst="rect">
+              <a:avLst/>
+            </a:prstGeom>
+            <a:noFill/>
+          </p:spPr>
+          <p:txBody>
+            <a:bodyPr wrap="none" rtlCol="0">
+              <a:spAutoFit/>
+            </a:bodyPr>
+            <a:lstStyle/>
+            <a:p>
+              <a:endParaRPr lang="en-US" sz="1200" i="1" dirty="0"/>
+            </a:p>
+          </p:txBody>
+        </p:sp>
+        <p:sp>
+          <p:nvSpPr>
+            <p:cNvPr id="66" name="TextBox 65"/>
+            <p:cNvSpPr txBox="1"/>
+            <p:nvPr/>
+          </p:nvSpPr>
+          <p:spPr>
+            <a:xfrm>
+              <a:off x="3533813" y="6879308"/>
+              <a:ext cx="184731" cy="276999"/>
+            </a:xfrm>
+            <a:prstGeom prst="rect">
+              <a:avLst/>
+            </a:prstGeom>
+            <a:noFill/>
+          </p:spPr>
+          <p:txBody>
+            <a:bodyPr wrap="none" rtlCol="0">
+              <a:spAutoFit/>
+            </a:bodyPr>
+            <a:lstStyle/>
+            <a:p>
+              <a:endParaRPr lang="en-US" sz="1200" i="1" dirty="0"/>
+            </a:p>
+          </p:txBody>
+        </p:sp>
+        <p:sp>
+          <p:nvSpPr>
+            <p:cNvPr id="67" name="TextBox 66"/>
+            <p:cNvSpPr txBox="1"/>
+            <p:nvPr/>
+          </p:nvSpPr>
+          <p:spPr>
+            <a:xfrm>
+              <a:off x="4070625" y="6860377"/>
+              <a:ext cx="184731" cy="276999"/>
+            </a:xfrm>
+            <a:prstGeom prst="rect">
+              <a:avLst/>
+            </a:prstGeom>
+            <a:noFill/>
+          </p:spPr>
+          <p:txBody>
+            <a:bodyPr wrap="none" rtlCol="0">
+              <a:spAutoFit/>
+            </a:bodyPr>
+            <a:lstStyle/>
+            <a:p>
+              <a:endParaRPr lang="en-US" sz="1200" i="1" dirty="0"/>
+            </a:p>
+          </p:txBody>
+        </p:sp>
+        <p:sp>
+          <p:nvSpPr>
+            <p:cNvPr id="68" name="TextBox 67"/>
+            <p:cNvSpPr txBox="1"/>
+            <p:nvPr/>
+          </p:nvSpPr>
+          <p:spPr>
+            <a:xfrm>
+              <a:off x="5106435" y="6417964"/>
+              <a:ext cx="184731" cy="276999"/>
+            </a:xfrm>
+            <a:prstGeom prst="rect">
+              <a:avLst/>
+            </a:prstGeom>
+            <a:noFill/>
+          </p:spPr>
+          <p:txBody>
+            <a:bodyPr wrap="none" rtlCol="0">
+              <a:spAutoFit/>
+            </a:bodyPr>
+            <a:lstStyle/>
+            <a:p>
+              <a:endParaRPr lang="en-US" sz="1200" i="1" dirty="0"/>
+            </a:p>
+          </p:txBody>
+        </p:sp>
+      </p:grpSp>
+    </p:spTree>
+    <p:extLst>
+      <p:ext uri="{BB962C8B-B14F-4D97-AF65-F5344CB8AC3E}">
+        <p14:creationId xmlns:p14="http://schemas.microsoft.com/office/powerpoint/2010/main" val="317547496"/>
+      </p:ext>
+    </p:extLst>
+  </p:cSld>
+  <p:clrMapOvr>
+    <a:masterClrMapping/>
+  </p:clrMapOvr>
+</p:sld>
+</file>
+
 <file path=ppt/theme/theme1.xml><?xml version="1.0" encoding="utf-8"?>
 <a:theme xmlns:a="http://schemas.openxmlformats.org/drawingml/2006/main" name="Office Theme">
   <a:themeElements>
